--- a/figs/figs.pptx
+++ b/figs/figs.pptx
@@ -3095,935 +3095,6 @@
           <a:chExt cx="0" cy="0"/>
         </a:xfrm>
       </p:grpSpPr>
-      <p:sp>
-        <p:nvSpPr>
-          <p:cNvPr id="31" name="Rectangle 30"/>
-          <p:cNvSpPr/>
-          <p:nvPr/>
-        </p:nvSpPr>
-        <p:spPr>
-          <a:xfrm>
-            <a:off x="2172137" y="341566"/>
-            <a:ext cx="4536967" cy="2662633"/>
-          </a:xfrm>
-          <a:prstGeom prst="rect">
-            <a:avLst/>
-          </a:prstGeom>
-          <a:solidFill>
-            <a:schemeClr val="bg1"/>
-          </a:solidFill>
-          <a:ln w="38100" cmpd="sng">
-            <a:solidFill>
-              <a:schemeClr val="bg1">
-                <a:lumMod val="50000"/>
-              </a:schemeClr>
-            </a:solidFill>
-          </a:ln>
-          <a:effectLst/>
-        </p:spPr>
-        <p:style>
-          <a:lnRef idx="1">
-            <a:schemeClr val="accent1"/>
-          </a:lnRef>
-          <a:fillRef idx="3">
-            <a:schemeClr val="accent1"/>
-          </a:fillRef>
-          <a:effectRef idx="2">
-            <a:schemeClr val="accent1"/>
-          </a:effectRef>
-          <a:fontRef idx="minor">
-            <a:schemeClr val="lt1"/>
-          </a:fontRef>
-        </p:style>
-        <p:txBody>
-          <a:bodyPr rtlCol="0" anchor="t"/>
-          <a:lstStyle/>
-          <a:p>
-            <a:r>
-              <a:rPr lang="en-US" sz="1600" b="1" dirty="0" err="1" smtClean="0">
-                <a:solidFill>
-                  <a:schemeClr val="tx1"/>
-                </a:solidFill>
-                <a:latin typeface="Gill Sans"/>
-                <a:cs typeface="Gill Sans"/>
-              </a:rPr>
-              <a:t>ActiveClean</a:t>
-            </a:r>
-            <a:endParaRPr lang="en-US" sz="1600" b="1" dirty="0">
-              <a:solidFill>
-                <a:schemeClr val="tx1"/>
-              </a:solidFill>
-              <a:latin typeface="Gill Sans"/>
-              <a:cs typeface="Gill Sans"/>
-            </a:endParaRPr>
-          </a:p>
-        </p:txBody>
-      </p:sp>
-      <p:sp>
-        <p:nvSpPr>
-          <p:cNvPr id="5" name="Rectangle 4"/>
-          <p:cNvSpPr/>
-          <p:nvPr/>
-        </p:nvSpPr>
-        <p:spPr>
-          <a:xfrm>
-            <a:off x="709454" y="2268475"/>
-            <a:ext cx="1234967" cy="560552"/>
-          </a:xfrm>
-          <a:prstGeom prst="rect">
-            <a:avLst/>
-          </a:prstGeom>
-          <a:solidFill>
-            <a:schemeClr val="bg1"/>
-          </a:solidFill>
-          <a:ln w="38100" cmpd="sng">
-            <a:solidFill>
-              <a:schemeClr val="bg1">
-                <a:lumMod val="50000"/>
-              </a:schemeClr>
-            </a:solidFill>
-          </a:ln>
-          <a:effectLst/>
-        </p:spPr>
-        <p:style>
-          <a:lnRef idx="1">
-            <a:schemeClr val="accent1"/>
-          </a:lnRef>
-          <a:fillRef idx="3">
-            <a:schemeClr val="accent1"/>
-          </a:fillRef>
-          <a:effectRef idx="2">
-            <a:schemeClr val="accent1"/>
-          </a:effectRef>
-          <a:fontRef idx="minor">
-            <a:schemeClr val="lt1"/>
-          </a:fontRef>
-        </p:style>
-        <p:txBody>
-          <a:bodyPr rtlCol="0" anchor="ctr"/>
-          <a:lstStyle/>
-          <a:p>
-            <a:pPr algn="ctr"/>
-            <a:r>
-              <a:rPr lang="en-US" sz="1600" dirty="0" smtClean="0">
-                <a:solidFill>
-                  <a:schemeClr val="tx1"/>
-                </a:solidFill>
-                <a:latin typeface="Gill Sans"/>
-                <a:cs typeface="Gill Sans"/>
-              </a:rPr>
-              <a:t>Dirty Model</a:t>
-            </a:r>
-            <a:endParaRPr lang="en-US" sz="1600" dirty="0">
-              <a:solidFill>
-                <a:schemeClr val="tx1"/>
-              </a:solidFill>
-              <a:latin typeface="Gill Sans"/>
-              <a:cs typeface="Gill Sans"/>
-            </a:endParaRPr>
-          </a:p>
-        </p:txBody>
-      </p:sp>
-      <p:sp>
-        <p:nvSpPr>
-          <p:cNvPr id="6" name="Rectangle 5"/>
-          <p:cNvSpPr/>
-          <p:nvPr/>
-        </p:nvSpPr>
-        <p:spPr>
-          <a:xfrm>
-            <a:off x="3952764" y="2268475"/>
-            <a:ext cx="1401380" cy="560552"/>
-          </a:xfrm>
-          <a:prstGeom prst="rect">
-            <a:avLst/>
-          </a:prstGeom>
-          <a:solidFill>
-            <a:schemeClr val="bg1"/>
-          </a:solidFill>
-          <a:ln w="38100" cmpd="sng">
-            <a:solidFill>
-              <a:schemeClr val="bg1">
-                <a:lumMod val="50000"/>
-              </a:schemeClr>
-            </a:solidFill>
-          </a:ln>
-          <a:effectLst/>
-        </p:spPr>
-        <p:style>
-          <a:lnRef idx="1">
-            <a:schemeClr val="accent1"/>
-          </a:lnRef>
-          <a:fillRef idx="3">
-            <a:schemeClr val="accent1"/>
-          </a:fillRef>
-          <a:effectRef idx="2">
-            <a:schemeClr val="accent1"/>
-          </a:effectRef>
-          <a:fontRef idx="minor">
-            <a:schemeClr val="lt1"/>
-          </a:fontRef>
-        </p:style>
-        <p:txBody>
-          <a:bodyPr rtlCol="0" anchor="ctr"/>
-          <a:lstStyle/>
-          <a:p>
-            <a:pPr algn="ctr"/>
-            <a:r>
-              <a:rPr lang="en-US" sz="1600" dirty="0" smtClean="0">
-                <a:solidFill>
-                  <a:schemeClr val="tx1"/>
-                </a:solidFill>
-                <a:latin typeface="Gill Sans"/>
-                <a:cs typeface="Gill Sans"/>
-              </a:rPr>
-              <a:t>Model Updater</a:t>
-            </a:r>
-            <a:endParaRPr lang="en-US" sz="1600" dirty="0">
-              <a:solidFill>
-                <a:schemeClr val="tx1"/>
-              </a:solidFill>
-              <a:latin typeface="Gill Sans"/>
-              <a:cs typeface="Gill Sans"/>
-            </a:endParaRPr>
-          </a:p>
-        </p:txBody>
-      </p:sp>
-      <p:sp>
-        <p:nvSpPr>
-          <p:cNvPr id="7" name="Rectangle 6"/>
-          <p:cNvSpPr/>
-          <p:nvPr/>
-        </p:nvSpPr>
-        <p:spPr>
-          <a:xfrm>
-            <a:off x="6921927" y="2268475"/>
-            <a:ext cx="1401380" cy="560552"/>
-          </a:xfrm>
-          <a:prstGeom prst="rect">
-            <a:avLst/>
-          </a:prstGeom>
-          <a:solidFill>
-            <a:schemeClr val="bg1"/>
-          </a:solidFill>
-          <a:ln w="38100" cmpd="sng">
-            <a:solidFill>
-              <a:schemeClr val="bg1">
-                <a:lumMod val="50000"/>
-              </a:schemeClr>
-            </a:solidFill>
-          </a:ln>
-          <a:effectLst/>
-        </p:spPr>
-        <p:style>
-          <a:lnRef idx="1">
-            <a:schemeClr val="accent1"/>
-          </a:lnRef>
-          <a:fillRef idx="3">
-            <a:schemeClr val="accent1"/>
-          </a:fillRef>
-          <a:effectRef idx="2">
-            <a:schemeClr val="accent1"/>
-          </a:effectRef>
-          <a:fontRef idx="minor">
-            <a:schemeClr val="lt1"/>
-          </a:fontRef>
-        </p:style>
-        <p:txBody>
-          <a:bodyPr rtlCol="0" anchor="ctr"/>
-          <a:lstStyle/>
-          <a:p>
-            <a:pPr algn="ctr"/>
-            <a:r>
-              <a:rPr lang="en-US" sz="1600" dirty="0" smtClean="0">
-                <a:solidFill>
-                  <a:schemeClr val="tx1"/>
-                </a:solidFill>
-                <a:latin typeface="Gill Sans"/>
-                <a:cs typeface="Gill Sans"/>
-              </a:rPr>
-              <a:t>Clean Model</a:t>
-            </a:r>
-            <a:endParaRPr lang="en-US" sz="1600" dirty="0">
-              <a:solidFill>
-                <a:schemeClr val="tx1"/>
-              </a:solidFill>
-              <a:latin typeface="Gill Sans"/>
-              <a:cs typeface="Gill Sans"/>
-            </a:endParaRPr>
-          </a:p>
-        </p:txBody>
-      </p:sp>
-      <p:grpSp>
-        <p:nvGrpSpPr>
-          <p:cNvPr id="64" name="Group 63"/>
-          <p:cNvGrpSpPr/>
-          <p:nvPr/>
-        </p:nvGrpSpPr>
-        <p:grpSpPr>
-          <a:xfrm>
-            <a:off x="2429640" y="1051026"/>
-            <a:ext cx="1401381" cy="823311"/>
-            <a:chOff x="2666122" y="4055241"/>
-            <a:chExt cx="1401381" cy="823311"/>
-          </a:xfrm>
-        </p:grpSpPr>
-        <p:sp>
-          <p:nvSpPr>
-            <p:cNvPr id="9" name="Rectangle 8"/>
-            <p:cNvSpPr/>
-            <p:nvPr/>
-          </p:nvSpPr>
-          <p:spPr>
-            <a:xfrm>
-              <a:off x="2666122" y="4055241"/>
-              <a:ext cx="1401381" cy="823311"/>
-            </a:xfrm>
-            <a:prstGeom prst="rect">
-              <a:avLst/>
-            </a:prstGeom>
-            <a:solidFill>
-              <a:schemeClr val="bg1"/>
-            </a:solidFill>
-            <a:ln w="38100" cmpd="sng">
-              <a:solidFill>
-                <a:schemeClr val="bg1">
-                  <a:lumMod val="50000"/>
-                </a:schemeClr>
-              </a:solidFill>
-            </a:ln>
-            <a:effectLst/>
-          </p:spPr>
-          <p:style>
-            <a:lnRef idx="1">
-              <a:schemeClr val="accent1"/>
-            </a:lnRef>
-            <a:fillRef idx="3">
-              <a:schemeClr val="accent1"/>
-            </a:fillRef>
-            <a:effectRef idx="2">
-              <a:schemeClr val="accent1"/>
-            </a:effectRef>
-            <a:fontRef idx="minor">
-              <a:schemeClr val="lt1"/>
-            </a:fontRef>
-          </p:style>
-          <p:txBody>
-            <a:bodyPr rtlCol="0" anchor="t"/>
-            <a:lstStyle/>
-            <a:p>
-              <a:pPr algn="ctr"/>
-              <a:r>
-                <a:rPr lang="en-US" sz="1600" dirty="0" smtClean="0">
-                  <a:solidFill>
-                    <a:schemeClr val="tx1"/>
-                  </a:solidFill>
-                  <a:latin typeface="Gill Sans"/>
-                  <a:cs typeface="Gill Sans"/>
-                </a:rPr>
-                <a:t>Sampler</a:t>
-              </a:r>
-              <a:endParaRPr lang="en-US" sz="1600" dirty="0">
-                <a:solidFill>
-                  <a:schemeClr val="tx1"/>
-                </a:solidFill>
-                <a:latin typeface="Gill Sans"/>
-                <a:cs typeface="Gill Sans"/>
-              </a:endParaRPr>
-            </a:p>
-          </p:txBody>
-        </p:sp>
-        <p:sp>
-          <p:nvSpPr>
-            <p:cNvPr id="8" name="Rectangle 7"/>
-            <p:cNvSpPr/>
-            <p:nvPr/>
-          </p:nvSpPr>
-          <p:spPr>
-            <a:xfrm>
-              <a:off x="2816770" y="4421357"/>
-              <a:ext cx="1100084" cy="336331"/>
-            </a:xfrm>
-            <a:prstGeom prst="rect">
-              <a:avLst/>
-            </a:prstGeom>
-            <a:solidFill>
-              <a:schemeClr val="bg1"/>
-            </a:solidFill>
-            <a:ln w="38100" cmpd="sng">
-              <a:solidFill>
-                <a:schemeClr val="bg1">
-                  <a:lumMod val="50000"/>
-                </a:schemeClr>
-              </a:solidFill>
-            </a:ln>
-            <a:effectLst/>
-          </p:spPr>
-          <p:style>
-            <a:lnRef idx="1">
-              <a:schemeClr val="accent1"/>
-            </a:lnRef>
-            <a:fillRef idx="3">
-              <a:schemeClr val="accent1"/>
-            </a:fillRef>
-            <a:effectRef idx="2">
-              <a:schemeClr val="accent1"/>
-            </a:effectRef>
-            <a:fontRef idx="minor">
-              <a:schemeClr val="lt1"/>
-            </a:fontRef>
-          </p:style>
-          <p:txBody>
-            <a:bodyPr rtlCol="0" anchor="ctr"/>
-            <a:lstStyle/>
-            <a:p>
-              <a:pPr algn="ctr"/>
-              <a:r>
-                <a:rPr lang="en-US" sz="1600" dirty="0" smtClean="0">
-                  <a:solidFill>
-                    <a:schemeClr val="tx1"/>
-                  </a:solidFill>
-                  <a:latin typeface="Gill Sans"/>
-                  <a:cs typeface="Gill Sans"/>
-                </a:rPr>
-                <a:t>Detectors</a:t>
-              </a:r>
-              <a:endParaRPr lang="en-US" sz="1600" dirty="0">
-                <a:solidFill>
-                  <a:schemeClr val="tx1"/>
-                </a:solidFill>
-                <a:latin typeface="Gill Sans"/>
-                <a:cs typeface="Gill Sans"/>
-              </a:endParaRPr>
-            </a:p>
-          </p:txBody>
-        </p:sp>
-      </p:grpSp>
-      <p:sp>
-        <p:nvSpPr>
-          <p:cNvPr id="10" name="Rectangle 9"/>
-          <p:cNvSpPr/>
-          <p:nvPr/>
-        </p:nvSpPr>
-        <p:spPr>
-          <a:xfrm>
-            <a:off x="4217274" y="1182406"/>
-            <a:ext cx="872360" cy="560552"/>
-          </a:xfrm>
-          <a:prstGeom prst="rect">
-            <a:avLst/>
-          </a:prstGeom>
-          <a:solidFill>
-            <a:schemeClr val="bg1"/>
-          </a:solidFill>
-          <a:ln w="38100" cmpd="sng">
-            <a:solidFill>
-              <a:schemeClr val="bg1">
-                <a:lumMod val="50000"/>
-              </a:schemeClr>
-            </a:solidFill>
-          </a:ln>
-          <a:effectLst/>
-        </p:spPr>
-        <p:style>
-          <a:lnRef idx="1">
-            <a:schemeClr val="accent1"/>
-          </a:lnRef>
-          <a:fillRef idx="3">
-            <a:schemeClr val="accent1"/>
-          </a:fillRef>
-          <a:effectRef idx="2">
-            <a:schemeClr val="accent1"/>
-          </a:effectRef>
-          <a:fontRef idx="minor">
-            <a:schemeClr val="lt1"/>
-          </a:fontRef>
-        </p:style>
-        <p:txBody>
-          <a:bodyPr rtlCol="0" anchor="ctr"/>
-          <a:lstStyle/>
-          <a:p>
-            <a:pPr algn="ctr"/>
-            <a:r>
-              <a:rPr lang="en-US" sz="1600" dirty="0" smtClean="0">
-                <a:solidFill>
-                  <a:schemeClr val="tx1"/>
-                </a:solidFill>
-                <a:latin typeface="Gill Sans"/>
-                <a:cs typeface="Gill Sans"/>
-              </a:rPr>
-              <a:t>Cleaner</a:t>
-            </a:r>
-            <a:endParaRPr lang="en-US" sz="1600" dirty="0">
-              <a:solidFill>
-                <a:schemeClr val="tx1"/>
-              </a:solidFill>
-              <a:latin typeface="Gill Sans"/>
-              <a:cs typeface="Gill Sans"/>
-            </a:endParaRPr>
-          </a:p>
-        </p:txBody>
-      </p:sp>
-      <p:sp>
-        <p:nvSpPr>
-          <p:cNvPr id="11" name="Rectangle 10"/>
-          <p:cNvSpPr/>
-          <p:nvPr/>
-        </p:nvSpPr>
-        <p:spPr>
-          <a:xfrm>
-            <a:off x="5475888" y="1182406"/>
-            <a:ext cx="1035271" cy="560552"/>
-          </a:xfrm>
-          <a:prstGeom prst="rect">
-            <a:avLst/>
-          </a:prstGeom>
-          <a:solidFill>
-            <a:schemeClr val="bg1"/>
-          </a:solidFill>
-          <a:ln w="38100" cmpd="sng">
-            <a:solidFill>
-              <a:schemeClr val="bg1">
-                <a:lumMod val="50000"/>
-              </a:schemeClr>
-            </a:solidFill>
-          </a:ln>
-          <a:effectLst/>
-        </p:spPr>
-        <p:style>
-          <a:lnRef idx="1">
-            <a:schemeClr val="accent1"/>
-          </a:lnRef>
-          <a:fillRef idx="3">
-            <a:schemeClr val="accent1"/>
-          </a:fillRef>
-          <a:effectRef idx="2">
-            <a:schemeClr val="accent1"/>
-          </a:effectRef>
-          <a:fontRef idx="minor">
-            <a:schemeClr val="lt1"/>
-          </a:fontRef>
-        </p:style>
-        <p:txBody>
-          <a:bodyPr rtlCol="0" anchor="ctr"/>
-          <a:lstStyle/>
-          <a:p>
-            <a:pPr algn="ctr"/>
-            <a:r>
-              <a:rPr lang="en-US" sz="1600" dirty="0" smtClean="0">
-                <a:solidFill>
-                  <a:schemeClr val="tx1"/>
-                </a:solidFill>
-                <a:latin typeface="Gill Sans"/>
-                <a:cs typeface="Gill Sans"/>
-              </a:rPr>
-              <a:t>Estimator</a:t>
-            </a:r>
-            <a:endParaRPr lang="en-US" sz="1600" dirty="0">
-              <a:solidFill>
-                <a:schemeClr val="tx1"/>
-              </a:solidFill>
-              <a:latin typeface="Gill Sans"/>
-              <a:cs typeface="Gill Sans"/>
-            </a:endParaRPr>
-          </a:p>
-        </p:txBody>
-      </p:sp>
-      <p:sp>
-        <p:nvSpPr>
-          <p:cNvPr id="12" name="Can 11"/>
-          <p:cNvSpPr/>
-          <p:nvPr/>
-        </p:nvSpPr>
-        <p:spPr>
-          <a:xfrm>
-            <a:off x="709455" y="1084309"/>
-            <a:ext cx="1234966" cy="756745"/>
-          </a:xfrm>
-          <a:prstGeom prst="can">
-            <a:avLst/>
-          </a:prstGeom>
-          <a:solidFill>
-            <a:schemeClr val="bg1"/>
-          </a:solidFill>
-          <a:ln w="38100" cmpd="sng">
-            <a:solidFill>
-              <a:schemeClr val="bg1">
-                <a:lumMod val="50000"/>
-              </a:schemeClr>
-            </a:solidFill>
-          </a:ln>
-          <a:effectLst/>
-        </p:spPr>
-        <p:style>
-          <a:lnRef idx="1">
-            <a:schemeClr val="accent1"/>
-          </a:lnRef>
-          <a:fillRef idx="3">
-            <a:schemeClr val="accent1"/>
-          </a:fillRef>
-          <a:effectRef idx="2">
-            <a:schemeClr val="accent1"/>
-          </a:effectRef>
-          <a:fontRef idx="minor">
-            <a:schemeClr val="lt1"/>
-          </a:fontRef>
-        </p:style>
-        <p:txBody>
-          <a:bodyPr rtlCol="0" anchor="ctr"/>
-          <a:lstStyle/>
-          <a:p>
-            <a:pPr algn="ctr"/>
-            <a:r>
-              <a:rPr lang="en-US" sz="1600" dirty="0" smtClean="0">
-                <a:solidFill>
-                  <a:schemeClr val="tx1"/>
-                </a:solidFill>
-                <a:latin typeface="Gill Sans"/>
-                <a:cs typeface="Gill Sans"/>
-              </a:rPr>
-              <a:t>Dirty Data</a:t>
-            </a:r>
-            <a:endParaRPr lang="en-US" sz="1600" dirty="0">
-              <a:solidFill>
-                <a:schemeClr val="tx1"/>
-              </a:solidFill>
-              <a:latin typeface="Gill Sans"/>
-              <a:cs typeface="Gill Sans"/>
-            </a:endParaRPr>
-          </a:p>
-        </p:txBody>
-      </p:sp>
-      <p:cxnSp>
-        <p:nvCxnSpPr>
-          <p:cNvPr id="14" name="Straight Arrow Connector 13"/>
-          <p:cNvCxnSpPr>
-            <a:stCxn id="12" idx="4"/>
-            <a:endCxn id="9" idx="1"/>
-          </p:cNvCxnSpPr>
-          <p:nvPr/>
-        </p:nvCxnSpPr>
-        <p:spPr>
-          <a:xfrm>
-            <a:off x="1944421" y="1462682"/>
-            <a:ext cx="485219" cy="0"/>
-          </a:xfrm>
-          <a:prstGeom prst="straightConnector1">
-            <a:avLst/>
-          </a:prstGeom>
-          <a:ln w="38100" cmpd="sng">
-            <a:solidFill>
-              <a:srgbClr val="7F7F7F"/>
-            </a:solidFill>
-            <a:headEnd type="none"/>
-            <a:tailEnd type="triangle"/>
-          </a:ln>
-          <a:effectLst/>
-        </p:spPr>
-        <p:style>
-          <a:lnRef idx="2">
-            <a:schemeClr val="accent1"/>
-          </a:lnRef>
-          <a:fillRef idx="0">
-            <a:schemeClr val="accent1"/>
-          </a:fillRef>
-          <a:effectRef idx="1">
-            <a:schemeClr val="accent1"/>
-          </a:effectRef>
-          <a:fontRef idx="minor">
-            <a:schemeClr val="tx1"/>
-          </a:fontRef>
-        </p:style>
-      </p:cxnSp>
-      <p:cxnSp>
-        <p:nvCxnSpPr>
-          <p:cNvPr id="17" name="Straight Arrow Connector 16"/>
-          <p:cNvCxnSpPr>
-            <a:stCxn id="5" idx="3"/>
-            <a:endCxn id="6" idx="1"/>
-          </p:cNvCxnSpPr>
-          <p:nvPr/>
-        </p:nvCxnSpPr>
-        <p:spPr>
-          <a:xfrm>
-            <a:off x="1944421" y="2548751"/>
-            <a:ext cx="2008343" cy="0"/>
-          </a:xfrm>
-          <a:prstGeom prst="straightConnector1">
-            <a:avLst/>
-          </a:prstGeom>
-          <a:ln w="38100" cmpd="sng">
-            <a:solidFill>
-              <a:srgbClr val="7F7F7F"/>
-            </a:solidFill>
-            <a:headEnd type="none"/>
-            <a:tailEnd type="triangle"/>
-          </a:ln>
-          <a:effectLst/>
-        </p:spPr>
-        <p:style>
-          <a:lnRef idx="2">
-            <a:schemeClr val="accent1"/>
-          </a:lnRef>
-          <a:fillRef idx="0">
-            <a:schemeClr val="accent1"/>
-          </a:fillRef>
-          <a:effectRef idx="1">
-            <a:schemeClr val="accent1"/>
-          </a:effectRef>
-          <a:fontRef idx="minor">
-            <a:schemeClr val="tx1"/>
-          </a:fontRef>
-        </p:style>
-      </p:cxnSp>
-      <p:cxnSp>
-        <p:nvCxnSpPr>
-          <p:cNvPr id="20" name="Straight Arrow Connector 19"/>
-          <p:cNvCxnSpPr>
-            <a:stCxn id="12" idx="3"/>
-            <a:endCxn id="5" idx="0"/>
-          </p:cNvCxnSpPr>
-          <p:nvPr/>
-        </p:nvCxnSpPr>
-        <p:spPr>
-          <a:xfrm>
-            <a:off x="1326938" y="1841054"/>
-            <a:ext cx="0" cy="427421"/>
-          </a:xfrm>
-          <a:prstGeom prst="straightConnector1">
-            <a:avLst/>
-          </a:prstGeom>
-          <a:ln w="38100" cmpd="sng">
-            <a:solidFill>
-              <a:srgbClr val="7F7F7F"/>
-            </a:solidFill>
-            <a:headEnd type="none"/>
-            <a:tailEnd type="triangle"/>
-          </a:ln>
-          <a:effectLst/>
-        </p:spPr>
-        <p:style>
-          <a:lnRef idx="2">
-            <a:schemeClr val="accent1"/>
-          </a:lnRef>
-          <a:fillRef idx="0">
-            <a:schemeClr val="accent1"/>
-          </a:fillRef>
-          <a:effectRef idx="1">
-            <a:schemeClr val="accent1"/>
-          </a:effectRef>
-          <a:fontRef idx="minor">
-            <a:schemeClr val="tx1"/>
-          </a:fontRef>
-        </p:style>
-      </p:cxnSp>
-      <p:cxnSp>
-        <p:nvCxnSpPr>
-          <p:cNvPr id="23" name="Straight Arrow Connector 22"/>
-          <p:cNvCxnSpPr>
-            <a:stCxn id="9" idx="3"/>
-            <a:endCxn id="10" idx="1"/>
-          </p:cNvCxnSpPr>
-          <p:nvPr/>
-        </p:nvCxnSpPr>
-        <p:spPr>
-          <a:xfrm>
-            <a:off x="3831021" y="1462682"/>
-            <a:ext cx="386253" cy="0"/>
-          </a:xfrm>
-          <a:prstGeom prst="straightConnector1">
-            <a:avLst/>
-          </a:prstGeom>
-          <a:ln w="38100" cmpd="sng">
-            <a:solidFill>
-              <a:srgbClr val="7F7F7F"/>
-            </a:solidFill>
-            <a:headEnd type="none"/>
-            <a:tailEnd type="triangle"/>
-          </a:ln>
-          <a:effectLst/>
-        </p:spPr>
-        <p:style>
-          <a:lnRef idx="2">
-            <a:schemeClr val="accent1"/>
-          </a:lnRef>
-          <a:fillRef idx="0">
-            <a:schemeClr val="accent1"/>
-          </a:fillRef>
-          <a:effectRef idx="1">
-            <a:schemeClr val="accent1"/>
-          </a:effectRef>
-          <a:fontRef idx="minor">
-            <a:schemeClr val="tx1"/>
-          </a:fontRef>
-        </p:style>
-      </p:cxnSp>
-      <p:cxnSp>
-        <p:nvCxnSpPr>
-          <p:cNvPr id="26" name="Straight Arrow Connector 25"/>
-          <p:cNvCxnSpPr>
-            <a:stCxn id="10" idx="3"/>
-            <a:endCxn id="11" idx="1"/>
-          </p:cNvCxnSpPr>
-          <p:nvPr/>
-        </p:nvCxnSpPr>
-        <p:spPr>
-          <a:xfrm>
-            <a:off x="5089634" y="1462682"/>
-            <a:ext cx="386254" cy="0"/>
-          </a:xfrm>
-          <a:prstGeom prst="straightConnector1">
-            <a:avLst/>
-          </a:prstGeom>
-          <a:ln w="38100" cmpd="sng">
-            <a:solidFill>
-              <a:srgbClr val="7F7F7F"/>
-            </a:solidFill>
-            <a:headEnd type="none"/>
-            <a:tailEnd type="triangle"/>
-          </a:ln>
-          <a:effectLst/>
-        </p:spPr>
-        <p:style>
-          <a:lnRef idx="2">
-            <a:schemeClr val="accent1"/>
-          </a:lnRef>
-          <a:fillRef idx="0">
-            <a:schemeClr val="accent1"/>
-          </a:fillRef>
-          <a:effectRef idx="1">
-            <a:schemeClr val="accent1"/>
-          </a:effectRef>
-          <a:fontRef idx="minor">
-            <a:schemeClr val="tx1"/>
-          </a:fontRef>
-        </p:style>
-      </p:cxnSp>
-      <p:cxnSp>
-        <p:nvCxnSpPr>
-          <p:cNvPr id="30" name="Elbow Connector 29"/>
-          <p:cNvCxnSpPr>
-            <a:stCxn id="11" idx="0"/>
-            <a:endCxn id="9" idx="0"/>
-          </p:cNvCxnSpPr>
-          <p:nvPr/>
-        </p:nvCxnSpPr>
-        <p:spPr>
-          <a:xfrm rot="16200000" flipV="1">
-            <a:off x="4496238" y="-314881"/>
-            <a:ext cx="131380" cy="2863193"/>
-          </a:xfrm>
-          <a:prstGeom prst="bentConnector3">
-            <a:avLst>
-              <a:gd name="adj1" fmla="val 273999"/>
-            </a:avLst>
-          </a:prstGeom>
-          <a:ln w="38100" cmpd="sng">
-            <a:solidFill>
-              <a:srgbClr val="7F7F7F"/>
-            </a:solidFill>
-            <a:headEnd type="none"/>
-            <a:tailEnd type="triangle"/>
-          </a:ln>
-          <a:effectLst/>
-        </p:spPr>
-        <p:style>
-          <a:lnRef idx="2">
-            <a:schemeClr val="accent1"/>
-          </a:lnRef>
-          <a:fillRef idx="0">
-            <a:schemeClr val="accent1"/>
-          </a:fillRef>
-          <a:effectRef idx="1">
-            <a:schemeClr val="accent1"/>
-          </a:effectRef>
-          <a:fontRef idx="minor">
-            <a:schemeClr val="tx1"/>
-          </a:fontRef>
-        </p:style>
-      </p:cxnSp>
-      <p:cxnSp>
-        <p:nvCxnSpPr>
-          <p:cNvPr id="60" name="Straight Arrow Connector 59"/>
-          <p:cNvCxnSpPr>
-            <a:stCxn id="6" idx="3"/>
-            <a:endCxn id="7" idx="1"/>
-          </p:cNvCxnSpPr>
-          <p:nvPr/>
-        </p:nvCxnSpPr>
-        <p:spPr>
-          <a:xfrm>
-            <a:off x="5354144" y="2548751"/>
-            <a:ext cx="1567783" cy="0"/>
-          </a:xfrm>
-          <a:prstGeom prst="straightConnector1">
-            <a:avLst/>
-          </a:prstGeom>
-          <a:ln w="38100" cmpd="sng">
-            <a:solidFill>
-              <a:srgbClr val="7F7F7F"/>
-            </a:solidFill>
-            <a:headEnd type="none"/>
-            <a:tailEnd type="triangle"/>
-          </a:ln>
-          <a:effectLst/>
-        </p:spPr>
-        <p:style>
-          <a:lnRef idx="2">
-            <a:schemeClr val="accent1"/>
-          </a:lnRef>
-          <a:fillRef idx="0">
-            <a:schemeClr val="accent1"/>
-          </a:fillRef>
-          <a:effectRef idx="1">
-            <a:schemeClr val="accent1"/>
-          </a:effectRef>
-          <a:fontRef idx="minor">
-            <a:schemeClr val="tx1"/>
-          </a:fontRef>
-        </p:style>
-      </p:cxnSp>
-      <p:cxnSp>
-        <p:nvCxnSpPr>
-          <p:cNvPr id="61" name="Straight Arrow Connector 60"/>
-          <p:cNvCxnSpPr>
-            <a:stCxn id="10" idx="2"/>
-            <a:endCxn id="6" idx="0"/>
-          </p:cNvCxnSpPr>
-          <p:nvPr/>
-        </p:nvCxnSpPr>
-        <p:spPr>
-          <a:xfrm>
-            <a:off x="4653454" y="1742958"/>
-            <a:ext cx="0" cy="525517"/>
-          </a:xfrm>
-          <a:prstGeom prst="straightConnector1">
-            <a:avLst/>
-          </a:prstGeom>
-          <a:ln w="38100" cmpd="sng">
-            <a:solidFill>
-              <a:srgbClr val="7F7F7F"/>
-            </a:solidFill>
-            <a:headEnd type="none"/>
-            <a:tailEnd type="triangle"/>
-          </a:ln>
-          <a:effectLst/>
-        </p:spPr>
-        <p:style>
-          <a:lnRef idx="2">
-            <a:schemeClr val="accent1"/>
-          </a:lnRef>
-          <a:fillRef idx="0">
-            <a:schemeClr val="accent1"/>
-          </a:fillRef>
-          <a:effectRef idx="1">
-            <a:schemeClr val="accent1"/>
-          </a:effectRef>
-          <a:fontRef idx="minor">
-            <a:schemeClr val="tx1"/>
-          </a:fontRef>
-        </p:style>
-      </p:cxnSp>
       <p:sp>
         <p:nvSpPr>
           <p:cNvPr id="76" name="Rectangle 75"/>
@@ -5025,6 +4096,1039 @@
           </a:p>
         </p:txBody>
       </p:sp>
+      <p:grpSp>
+        <p:nvGrpSpPr>
+          <p:cNvPr id="4" name="Group 3"/>
+          <p:cNvGrpSpPr/>
+          <p:nvPr/>
+        </p:nvGrpSpPr>
+        <p:grpSpPr>
+          <a:xfrm>
+            <a:off x="709454" y="341566"/>
+            <a:ext cx="7613853" cy="2840403"/>
+            <a:chOff x="709454" y="341566"/>
+            <a:chExt cx="7613853" cy="2840403"/>
+          </a:xfrm>
+        </p:grpSpPr>
+        <p:sp>
+          <p:nvSpPr>
+            <p:cNvPr id="31" name="Rectangle 30"/>
+            <p:cNvSpPr/>
+            <p:nvPr/>
+          </p:nvSpPr>
+          <p:spPr>
+            <a:xfrm>
+              <a:off x="2172137" y="341566"/>
+              <a:ext cx="4536967" cy="2840403"/>
+            </a:xfrm>
+            <a:prstGeom prst="rect">
+              <a:avLst/>
+            </a:prstGeom>
+            <a:solidFill>
+              <a:schemeClr val="bg1"/>
+            </a:solidFill>
+            <a:ln w="38100" cmpd="sng">
+              <a:solidFill>
+                <a:schemeClr val="tx1">
+                  <a:lumMod val="75000"/>
+                  <a:lumOff val="25000"/>
+                </a:schemeClr>
+              </a:solidFill>
+            </a:ln>
+            <a:effectLst/>
+          </p:spPr>
+          <p:style>
+            <a:lnRef idx="1">
+              <a:schemeClr val="accent1"/>
+            </a:lnRef>
+            <a:fillRef idx="3">
+              <a:schemeClr val="accent1"/>
+            </a:fillRef>
+            <a:effectRef idx="2">
+              <a:schemeClr val="accent1"/>
+            </a:effectRef>
+            <a:fontRef idx="minor">
+              <a:schemeClr val="lt1"/>
+            </a:fontRef>
+          </p:style>
+          <p:txBody>
+            <a:bodyPr rtlCol="0" anchor="t"/>
+            <a:lstStyle/>
+            <a:p>
+              <a:r>
+                <a:rPr lang="en-US" sz="1600" b="1" dirty="0" err="1" smtClean="0">
+                  <a:solidFill>
+                    <a:schemeClr val="tx1"/>
+                  </a:solidFill>
+                  <a:latin typeface="Gill Sans"/>
+                  <a:cs typeface="Gill Sans"/>
+                </a:rPr>
+                <a:t>ActiveClean</a:t>
+              </a:r>
+              <a:endParaRPr lang="en-US" sz="1600" b="1" dirty="0">
+                <a:solidFill>
+                  <a:schemeClr val="tx1"/>
+                </a:solidFill>
+                <a:latin typeface="Gill Sans"/>
+                <a:cs typeface="Gill Sans"/>
+              </a:endParaRPr>
+            </a:p>
+          </p:txBody>
+        </p:sp>
+        <p:sp>
+          <p:nvSpPr>
+            <p:cNvPr id="5" name="Rectangle 4"/>
+            <p:cNvSpPr/>
+            <p:nvPr/>
+          </p:nvSpPr>
+          <p:spPr>
+            <a:xfrm>
+              <a:off x="709454" y="2482510"/>
+              <a:ext cx="1234967" cy="560552"/>
+            </a:xfrm>
+            <a:prstGeom prst="rect">
+              <a:avLst/>
+            </a:prstGeom>
+            <a:solidFill>
+              <a:schemeClr val="bg1"/>
+            </a:solidFill>
+            <a:ln w="38100" cmpd="sng">
+              <a:solidFill>
+                <a:schemeClr val="tx1">
+                  <a:lumMod val="75000"/>
+                  <a:lumOff val="25000"/>
+                </a:schemeClr>
+              </a:solidFill>
+            </a:ln>
+            <a:effectLst/>
+          </p:spPr>
+          <p:style>
+            <a:lnRef idx="1">
+              <a:schemeClr val="accent1"/>
+            </a:lnRef>
+            <a:fillRef idx="3">
+              <a:schemeClr val="accent1"/>
+            </a:fillRef>
+            <a:effectRef idx="2">
+              <a:schemeClr val="accent1"/>
+            </a:effectRef>
+            <a:fontRef idx="minor">
+              <a:schemeClr val="lt1"/>
+            </a:fontRef>
+          </p:style>
+          <p:txBody>
+            <a:bodyPr rtlCol="0" anchor="ctr"/>
+            <a:lstStyle/>
+            <a:p>
+              <a:pPr algn="ctr"/>
+              <a:r>
+                <a:rPr lang="en-US" sz="1600" dirty="0" smtClean="0">
+                  <a:solidFill>
+                    <a:schemeClr val="tx1"/>
+                  </a:solidFill>
+                  <a:latin typeface="Gill Sans"/>
+                  <a:cs typeface="Gill Sans"/>
+                </a:rPr>
+                <a:t>Dirty Model</a:t>
+              </a:r>
+              <a:endParaRPr lang="en-US" sz="1600" dirty="0">
+                <a:solidFill>
+                  <a:schemeClr val="tx1"/>
+                </a:solidFill>
+                <a:latin typeface="Gill Sans"/>
+                <a:cs typeface="Gill Sans"/>
+              </a:endParaRPr>
+            </a:p>
+          </p:txBody>
+        </p:sp>
+        <p:sp>
+          <p:nvSpPr>
+            <p:cNvPr id="6" name="Rectangle 5"/>
+            <p:cNvSpPr/>
+            <p:nvPr/>
+          </p:nvSpPr>
+          <p:spPr>
+            <a:xfrm>
+              <a:off x="3952764" y="2482510"/>
+              <a:ext cx="1401380" cy="560552"/>
+            </a:xfrm>
+            <a:prstGeom prst="rect">
+              <a:avLst/>
+            </a:prstGeom>
+            <a:solidFill>
+              <a:schemeClr val="bg1"/>
+            </a:solidFill>
+            <a:ln w="38100" cmpd="sng">
+              <a:solidFill>
+                <a:schemeClr val="tx1">
+                  <a:lumMod val="75000"/>
+                  <a:lumOff val="25000"/>
+                </a:schemeClr>
+              </a:solidFill>
+            </a:ln>
+            <a:effectLst/>
+          </p:spPr>
+          <p:style>
+            <a:lnRef idx="1">
+              <a:schemeClr val="accent1"/>
+            </a:lnRef>
+            <a:fillRef idx="3">
+              <a:schemeClr val="accent1"/>
+            </a:fillRef>
+            <a:effectRef idx="2">
+              <a:schemeClr val="accent1"/>
+            </a:effectRef>
+            <a:fontRef idx="minor">
+              <a:schemeClr val="lt1"/>
+            </a:fontRef>
+          </p:style>
+          <p:txBody>
+            <a:bodyPr rtlCol="0" anchor="ctr"/>
+            <a:lstStyle/>
+            <a:p>
+              <a:pPr algn="ctr"/>
+              <a:r>
+                <a:rPr lang="en-US" sz="1600" dirty="0" smtClean="0">
+                  <a:solidFill>
+                    <a:schemeClr val="tx1"/>
+                  </a:solidFill>
+                  <a:latin typeface="Gill Sans"/>
+                  <a:cs typeface="Gill Sans"/>
+                </a:rPr>
+                <a:t>Current</a:t>
+              </a:r>
+            </a:p>
+            <a:p>
+              <a:pPr algn="ctr"/>
+              <a:r>
+                <a:rPr lang="en-US" sz="1600" dirty="0" smtClean="0">
+                  <a:solidFill>
+                    <a:schemeClr val="tx1"/>
+                  </a:solidFill>
+                  <a:latin typeface="Gill Sans"/>
+                  <a:cs typeface="Gill Sans"/>
+                </a:rPr>
+                <a:t>Best </a:t>
+              </a:r>
+              <a:r>
+                <a:rPr lang="en-US" sz="1600" dirty="0" smtClean="0">
+                  <a:solidFill>
+                    <a:schemeClr val="tx1"/>
+                  </a:solidFill>
+                  <a:latin typeface="Gill Sans"/>
+                  <a:cs typeface="Gill Sans"/>
+                </a:rPr>
+                <a:t>Model</a:t>
+              </a:r>
+              <a:endParaRPr lang="en-US" sz="1600" dirty="0">
+                <a:solidFill>
+                  <a:schemeClr val="tx1"/>
+                </a:solidFill>
+                <a:latin typeface="Gill Sans"/>
+                <a:cs typeface="Gill Sans"/>
+              </a:endParaRPr>
+            </a:p>
+          </p:txBody>
+        </p:sp>
+        <p:sp>
+          <p:nvSpPr>
+            <p:cNvPr id="7" name="Rectangle 6"/>
+            <p:cNvSpPr/>
+            <p:nvPr/>
+          </p:nvSpPr>
+          <p:spPr>
+            <a:xfrm>
+              <a:off x="6921927" y="2482510"/>
+              <a:ext cx="1401380" cy="560552"/>
+            </a:xfrm>
+            <a:prstGeom prst="rect">
+              <a:avLst/>
+            </a:prstGeom>
+            <a:solidFill>
+              <a:schemeClr val="bg1"/>
+            </a:solidFill>
+            <a:ln w="38100" cmpd="sng">
+              <a:solidFill>
+                <a:schemeClr val="tx1">
+                  <a:lumMod val="75000"/>
+                  <a:lumOff val="25000"/>
+                </a:schemeClr>
+              </a:solidFill>
+            </a:ln>
+            <a:effectLst/>
+          </p:spPr>
+          <p:style>
+            <a:lnRef idx="1">
+              <a:schemeClr val="accent1"/>
+            </a:lnRef>
+            <a:fillRef idx="3">
+              <a:schemeClr val="accent1"/>
+            </a:fillRef>
+            <a:effectRef idx="2">
+              <a:schemeClr val="accent1"/>
+            </a:effectRef>
+            <a:fontRef idx="minor">
+              <a:schemeClr val="lt1"/>
+            </a:fontRef>
+          </p:style>
+          <p:txBody>
+            <a:bodyPr rtlCol="0" anchor="ctr"/>
+            <a:lstStyle/>
+            <a:p>
+              <a:pPr algn="ctr"/>
+              <a:r>
+                <a:rPr lang="en-US" sz="1600" dirty="0" smtClean="0">
+                  <a:solidFill>
+                    <a:schemeClr val="tx1"/>
+                  </a:solidFill>
+                  <a:latin typeface="Gill Sans"/>
+                  <a:cs typeface="Gill Sans"/>
+                </a:rPr>
+                <a:t>Clean Model</a:t>
+              </a:r>
+              <a:endParaRPr lang="en-US" sz="1600" dirty="0">
+                <a:solidFill>
+                  <a:schemeClr val="tx1"/>
+                </a:solidFill>
+                <a:latin typeface="Gill Sans"/>
+                <a:cs typeface="Gill Sans"/>
+              </a:endParaRPr>
+            </a:p>
+          </p:txBody>
+        </p:sp>
+        <p:grpSp>
+          <p:nvGrpSpPr>
+            <p:cNvPr id="64" name="Group 63"/>
+            <p:cNvGrpSpPr/>
+            <p:nvPr/>
+          </p:nvGrpSpPr>
+          <p:grpSpPr>
+            <a:xfrm>
+              <a:off x="2429640" y="1051026"/>
+              <a:ext cx="1401381" cy="823311"/>
+              <a:chOff x="2666122" y="4055241"/>
+              <a:chExt cx="1401381" cy="823311"/>
+            </a:xfrm>
+          </p:grpSpPr>
+          <p:sp>
+            <p:nvSpPr>
+              <p:cNvPr id="9" name="Rectangle 8"/>
+              <p:cNvSpPr/>
+              <p:nvPr/>
+            </p:nvSpPr>
+            <p:spPr>
+              <a:xfrm>
+                <a:off x="2666122" y="4055241"/>
+                <a:ext cx="1401381" cy="823311"/>
+              </a:xfrm>
+              <a:prstGeom prst="rect">
+                <a:avLst/>
+              </a:prstGeom>
+              <a:solidFill>
+                <a:schemeClr val="bg1"/>
+              </a:solidFill>
+              <a:ln w="38100" cmpd="sng">
+                <a:solidFill>
+                  <a:schemeClr val="tx1">
+                    <a:lumMod val="75000"/>
+                    <a:lumOff val="25000"/>
+                  </a:schemeClr>
+                </a:solidFill>
+              </a:ln>
+              <a:effectLst/>
+            </p:spPr>
+            <p:style>
+              <a:lnRef idx="1">
+                <a:schemeClr val="accent1"/>
+              </a:lnRef>
+              <a:fillRef idx="3">
+                <a:schemeClr val="accent1"/>
+              </a:fillRef>
+              <a:effectRef idx="2">
+                <a:schemeClr val="accent1"/>
+              </a:effectRef>
+              <a:fontRef idx="minor">
+                <a:schemeClr val="lt1"/>
+              </a:fontRef>
+            </p:style>
+            <p:txBody>
+              <a:bodyPr rtlCol="0" anchor="t"/>
+              <a:lstStyle/>
+              <a:p>
+                <a:pPr algn="ctr"/>
+                <a:r>
+                  <a:rPr lang="en-US" sz="1600" dirty="0" smtClean="0">
+                    <a:solidFill>
+                      <a:schemeClr val="tx1"/>
+                    </a:solidFill>
+                    <a:latin typeface="Gill Sans"/>
+                    <a:cs typeface="Gill Sans"/>
+                  </a:rPr>
+                  <a:t>Sampler</a:t>
+                </a:r>
+                <a:endParaRPr lang="en-US" sz="1600" dirty="0">
+                  <a:solidFill>
+                    <a:schemeClr val="tx1"/>
+                  </a:solidFill>
+                  <a:latin typeface="Gill Sans"/>
+                  <a:cs typeface="Gill Sans"/>
+                </a:endParaRPr>
+              </a:p>
+            </p:txBody>
+          </p:sp>
+          <p:sp>
+            <p:nvSpPr>
+              <p:cNvPr id="8" name="Rectangle 7"/>
+              <p:cNvSpPr/>
+              <p:nvPr/>
+            </p:nvSpPr>
+            <p:spPr>
+              <a:xfrm>
+                <a:off x="2816770" y="4421357"/>
+                <a:ext cx="1100084" cy="336331"/>
+              </a:xfrm>
+              <a:prstGeom prst="rect">
+                <a:avLst/>
+              </a:prstGeom>
+              <a:solidFill>
+                <a:schemeClr val="bg1"/>
+              </a:solidFill>
+              <a:ln w="38100" cmpd="sng">
+                <a:solidFill>
+                  <a:schemeClr val="tx1">
+                    <a:lumMod val="50000"/>
+                    <a:lumOff val="50000"/>
+                  </a:schemeClr>
+                </a:solidFill>
+              </a:ln>
+              <a:effectLst/>
+            </p:spPr>
+            <p:style>
+              <a:lnRef idx="1">
+                <a:schemeClr val="accent1"/>
+              </a:lnRef>
+              <a:fillRef idx="3">
+                <a:schemeClr val="accent1"/>
+              </a:fillRef>
+              <a:effectRef idx="2">
+                <a:schemeClr val="accent1"/>
+              </a:effectRef>
+              <a:fontRef idx="minor">
+                <a:schemeClr val="lt1"/>
+              </a:fontRef>
+            </p:style>
+            <p:txBody>
+              <a:bodyPr rtlCol="0" anchor="ctr"/>
+              <a:lstStyle/>
+              <a:p>
+                <a:pPr algn="ctr"/>
+                <a:r>
+                  <a:rPr lang="en-US" sz="1600" dirty="0" smtClean="0">
+                    <a:solidFill>
+                      <a:schemeClr val="tx1"/>
+                    </a:solidFill>
+                    <a:latin typeface="Gill Sans"/>
+                    <a:cs typeface="Gill Sans"/>
+                  </a:rPr>
+                  <a:t>Detector</a:t>
+                </a:r>
+                <a:endParaRPr lang="en-US" sz="1600" dirty="0">
+                  <a:solidFill>
+                    <a:schemeClr val="tx1"/>
+                  </a:solidFill>
+                  <a:latin typeface="Gill Sans"/>
+                  <a:cs typeface="Gill Sans"/>
+                </a:endParaRPr>
+              </a:p>
+            </p:txBody>
+          </p:sp>
+        </p:grpSp>
+        <p:sp>
+          <p:nvSpPr>
+            <p:cNvPr id="10" name="Rectangle 9"/>
+            <p:cNvSpPr/>
+            <p:nvPr/>
+          </p:nvSpPr>
+          <p:spPr>
+            <a:xfrm>
+              <a:off x="4217274" y="1182406"/>
+              <a:ext cx="872360" cy="560552"/>
+            </a:xfrm>
+            <a:prstGeom prst="rect">
+              <a:avLst/>
+            </a:prstGeom>
+            <a:solidFill>
+              <a:schemeClr val="bg1"/>
+            </a:solidFill>
+            <a:ln w="38100" cmpd="sng">
+              <a:solidFill>
+                <a:schemeClr val="tx1">
+                  <a:lumMod val="75000"/>
+                  <a:lumOff val="25000"/>
+                </a:schemeClr>
+              </a:solidFill>
+            </a:ln>
+            <a:effectLst/>
+          </p:spPr>
+          <p:style>
+            <a:lnRef idx="1">
+              <a:schemeClr val="accent1"/>
+            </a:lnRef>
+            <a:fillRef idx="3">
+              <a:schemeClr val="accent1"/>
+            </a:fillRef>
+            <a:effectRef idx="2">
+              <a:schemeClr val="accent1"/>
+            </a:effectRef>
+            <a:fontRef idx="minor">
+              <a:schemeClr val="lt1"/>
+            </a:fontRef>
+          </p:style>
+          <p:txBody>
+            <a:bodyPr rtlCol="0" anchor="ctr"/>
+            <a:lstStyle/>
+            <a:p>
+              <a:pPr algn="ctr"/>
+              <a:r>
+                <a:rPr lang="en-US" sz="1600" dirty="0" smtClean="0">
+                  <a:solidFill>
+                    <a:schemeClr val="tx1"/>
+                  </a:solidFill>
+                  <a:latin typeface="Gill Sans"/>
+                  <a:cs typeface="Gill Sans"/>
+                </a:rPr>
+                <a:t>Cleaner</a:t>
+              </a:r>
+              <a:endParaRPr lang="en-US" sz="1600" dirty="0">
+                <a:solidFill>
+                  <a:schemeClr val="tx1"/>
+                </a:solidFill>
+                <a:latin typeface="Gill Sans"/>
+                <a:cs typeface="Gill Sans"/>
+              </a:endParaRPr>
+            </a:p>
+          </p:txBody>
+        </p:sp>
+        <p:sp>
+          <p:nvSpPr>
+            <p:cNvPr id="11" name="Rectangle 10"/>
+            <p:cNvSpPr/>
+            <p:nvPr/>
+          </p:nvSpPr>
+          <p:spPr>
+            <a:xfrm>
+              <a:off x="5475888" y="1182406"/>
+              <a:ext cx="1035271" cy="560552"/>
+            </a:xfrm>
+            <a:prstGeom prst="rect">
+              <a:avLst/>
+            </a:prstGeom>
+            <a:solidFill>
+              <a:schemeClr val="bg1"/>
+            </a:solidFill>
+            <a:ln w="38100" cmpd="sng">
+              <a:solidFill>
+                <a:schemeClr val="tx1">
+                  <a:lumMod val="75000"/>
+                  <a:lumOff val="25000"/>
+                </a:schemeClr>
+              </a:solidFill>
+            </a:ln>
+            <a:effectLst/>
+          </p:spPr>
+          <p:style>
+            <a:lnRef idx="1">
+              <a:schemeClr val="accent1"/>
+            </a:lnRef>
+            <a:fillRef idx="3">
+              <a:schemeClr val="accent1"/>
+            </a:fillRef>
+            <a:effectRef idx="2">
+              <a:schemeClr val="accent1"/>
+            </a:effectRef>
+            <a:fontRef idx="minor">
+              <a:schemeClr val="lt1"/>
+            </a:fontRef>
+          </p:style>
+          <p:txBody>
+            <a:bodyPr rtlCol="0" anchor="ctr"/>
+            <a:lstStyle/>
+            <a:p>
+              <a:pPr algn="ctr"/>
+              <a:r>
+                <a:rPr lang="en-US" sz="1600" dirty="0" smtClean="0">
+                  <a:solidFill>
+                    <a:schemeClr val="tx1"/>
+                  </a:solidFill>
+                  <a:latin typeface="Gill Sans"/>
+                  <a:cs typeface="Gill Sans"/>
+                </a:rPr>
+                <a:t>Estimator</a:t>
+              </a:r>
+              <a:endParaRPr lang="en-US" sz="1600" dirty="0">
+                <a:solidFill>
+                  <a:schemeClr val="tx1"/>
+                </a:solidFill>
+                <a:latin typeface="Gill Sans"/>
+                <a:cs typeface="Gill Sans"/>
+              </a:endParaRPr>
+            </a:p>
+          </p:txBody>
+        </p:sp>
+        <p:sp>
+          <p:nvSpPr>
+            <p:cNvPr id="12" name="Can 11"/>
+            <p:cNvSpPr/>
+            <p:nvPr/>
+          </p:nvSpPr>
+          <p:spPr>
+            <a:xfrm>
+              <a:off x="709455" y="1084309"/>
+              <a:ext cx="1234966" cy="756745"/>
+            </a:xfrm>
+            <a:prstGeom prst="can">
+              <a:avLst/>
+            </a:prstGeom>
+            <a:solidFill>
+              <a:schemeClr val="bg1"/>
+            </a:solidFill>
+            <a:ln w="38100" cmpd="sng">
+              <a:solidFill>
+                <a:schemeClr val="tx1">
+                  <a:lumMod val="75000"/>
+                  <a:lumOff val="25000"/>
+                </a:schemeClr>
+              </a:solidFill>
+            </a:ln>
+            <a:effectLst/>
+          </p:spPr>
+          <p:style>
+            <a:lnRef idx="1">
+              <a:schemeClr val="accent1"/>
+            </a:lnRef>
+            <a:fillRef idx="3">
+              <a:schemeClr val="accent1"/>
+            </a:fillRef>
+            <a:effectRef idx="2">
+              <a:schemeClr val="accent1"/>
+            </a:effectRef>
+            <a:fontRef idx="minor">
+              <a:schemeClr val="lt1"/>
+            </a:fontRef>
+          </p:style>
+          <p:txBody>
+            <a:bodyPr rtlCol="0" anchor="ctr"/>
+            <a:lstStyle/>
+            <a:p>
+              <a:pPr algn="ctr"/>
+              <a:r>
+                <a:rPr lang="en-US" sz="1600" dirty="0" smtClean="0">
+                  <a:solidFill>
+                    <a:schemeClr val="tx1"/>
+                  </a:solidFill>
+                  <a:latin typeface="Gill Sans"/>
+                  <a:cs typeface="Gill Sans"/>
+                </a:rPr>
+                <a:t>Dirty Data</a:t>
+              </a:r>
+              <a:endParaRPr lang="en-US" sz="1600" dirty="0">
+                <a:solidFill>
+                  <a:schemeClr val="tx1"/>
+                </a:solidFill>
+                <a:latin typeface="Gill Sans"/>
+                <a:cs typeface="Gill Sans"/>
+              </a:endParaRPr>
+            </a:p>
+          </p:txBody>
+        </p:sp>
+        <p:cxnSp>
+          <p:nvCxnSpPr>
+            <p:cNvPr id="14" name="Straight Arrow Connector 13"/>
+            <p:cNvCxnSpPr>
+              <a:stCxn id="12" idx="4"/>
+              <a:endCxn id="9" idx="1"/>
+            </p:cNvCxnSpPr>
+            <p:nvPr/>
+          </p:nvCxnSpPr>
+          <p:spPr>
+            <a:xfrm>
+              <a:off x="1944421" y="1462682"/>
+              <a:ext cx="485219" cy="0"/>
+            </a:xfrm>
+            <a:prstGeom prst="straightConnector1">
+              <a:avLst/>
+            </a:prstGeom>
+            <a:ln w="38100" cmpd="sng">
+              <a:solidFill>
+                <a:schemeClr val="tx1">
+                  <a:lumMod val="75000"/>
+                  <a:lumOff val="25000"/>
+                </a:schemeClr>
+              </a:solidFill>
+              <a:headEnd type="none"/>
+              <a:tailEnd type="triangle"/>
+            </a:ln>
+            <a:effectLst/>
+          </p:spPr>
+          <p:style>
+            <a:lnRef idx="2">
+              <a:schemeClr val="accent1"/>
+            </a:lnRef>
+            <a:fillRef idx="0">
+              <a:schemeClr val="accent1"/>
+            </a:fillRef>
+            <a:effectRef idx="1">
+              <a:schemeClr val="accent1"/>
+            </a:effectRef>
+            <a:fontRef idx="minor">
+              <a:schemeClr val="tx1"/>
+            </a:fontRef>
+          </p:style>
+        </p:cxnSp>
+        <p:cxnSp>
+          <p:nvCxnSpPr>
+            <p:cNvPr id="17" name="Straight Arrow Connector 16"/>
+            <p:cNvCxnSpPr>
+              <a:stCxn id="5" idx="3"/>
+              <a:endCxn id="6" idx="1"/>
+            </p:cNvCxnSpPr>
+            <p:nvPr/>
+          </p:nvCxnSpPr>
+          <p:spPr>
+            <a:xfrm>
+              <a:off x="1944421" y="2762786"/>
+              <a:ext cx="2008343" cy="0"/>
+            </a:xfrm>
+            <a:prstGeom prst="straightConnector1">
+              <a:avLst/>
+            </a:prstGeom>
+            <a:ln w="38100" cmpd="sng">
+              <a:solidFill>
+                <a:schemeClr val="tx1">
+                  <a:lumMod val="75000"/>
+                  <a:lumOff val="25000"/>
+                </a:schemeClr>
+              </a:solidFill>
+              <a:headEnd type="none"/>
+              <a:tailEnd type="triangle"/>
+            </a:ln>
+            <a:effectLst/>
+          </p:spPr>
+          <p:style>
+            <a:lnRef idx="2">
+              <a:schemeClr val="accent1"/>
+            </a:lnRef>
+            <a:fillRef idx="0">
+              <a:schemeClr val="accent1"/>
+            </a:fillRef>
+            <a:effectRef idx="1">
+              <a:schemeClr val="accent1"/>
+            </a:effectRef>
+            <a:fontRef idx="minor">
+              <a:schemeClr val="tx1"/>
+            </a:fontRef>
+          </p:style>
+        </p:cxnSp>
+        <p:cxnSp>
+          <p:nvCxnSpPr>
+            <p:cNvPr id="20" name="Straight Arrow Connector 19"/>
+            <p:cNvCxnSpPr>
+              <a:stCxn id="12" idx="3"/>
+              <a:endCxn id="5" idx="0"/>
+            </p:cNvCxnSpPr>
+            <p:nvPr/>
+          </p:nvCxnSpPr>
+          <p:spPr>
+            <a:xfrm>
+              <a:off x="1326938" y="1841054"/>
+              <a:ext cx="0" cy="641456"/>
+            </a:xfrm>
+            <a:prstGeom prst="straightConnector1">
+              <a:avLst/>
+            </a:prstGeom>
+            <a:ln w="38100" cmpd="sng">
+              <a:solidFill>
+                <a:schemeClr val="tx1">
+                  <a:lumMod val="75000"/>
+                  <a:lumOff val="25000"/>
+                </a:schemeClr>
+              </a:solidFill>
+              <a:headEnd type="none"/>
+              <a:tailEnd type="triangle"/>
+            </a:ln>
+            <a:effectLst/>
+          </p:spPr>
+          <p:style>
+            <a:lnRef idx="2">
+              <a:schemeClr val="accent1"/>
+            </a:lnRef>
+            <a:fillRef idx="0">
+              <a:schemeClr val="accent1"/>
+            </a:fillRef>
+            <a:effectRef idx="1">
+              <a:schemeClr val="accent1"/>
+            </a:effectRef>
+            <a:fontRef idx="minor">
+              <a:schemeClr val="tx1"/>
+            </a:fontRef>
+          </p:style>
+        </p:cxnSp>
+        <p:cxnSp>
+          <p:nvCxnSpPr>
+            <p:cNvPr id="23" name="Straight Arrow Connector 22"/>
+            <p:cNvCxnSpPr>
+              <a:stCxn id="9" idx="3"/>
+              <a:endCxn id="10" idx="1"/>
+            </p:cNvCxnSpPr>
+            <p:nvPr/>
+          </p:nvCxnSpPr>
+          <p:spPr>
+            <a:xfrm>
+              <a:off x="3831021" y="1462682"/>
+              <a:ext cx="386253" cy="0"/>
+            </a:xfrm>
+            <a:prstGeom prst="straightConnector1">
+              <a:avLst/>
+            </a:prstGeom>
+            <a:ln w="38100" cmpd="sng">
+              <a:solidFill>
+                <a:schemeClr val="tx1">
+                  <a:lumMod val="75000"/>
+                  <a:lumOff val="25000"/>
+                </a:schemeClr>
+              </a:solidFill>
+              <a:headEnd type="none"/>
+              <a:tailEnd type="triangle"/>
+            </a:ln>
+            <a:effectLst/>
+          </p:spPr>
+          <p:style>
+            <a:lnRef idx="2">
+              <a:schemeClr val="accent1"/>
+            </a:lnRef>
+            <a:fillRef idx="0">
+              <a:schemeClr val="accent1"/>
+            </a:fillRef>
+            <a:effectRef idx="1">
+              <a:schemeClr val="accent1"/>
+            </a:effectRef>
+            <a:fontRef idx="minor">
+              <a:schemeClr val="tx1"/>
+            </a:fontRef>
+          </p:style>
+        </p:cxnSp>
+        <p:cxnSp>
+          <p:nvCxnSpPr>
+            <p:cNvPr id="26" name="Straight Arrow Connector 25"/>
+            <p:cNvCxnSpPr>
+              <a:stCxn id="10" idx="3"/>
+              <a:endCxn id="11" idx="1"/>
+            </p:cNvCxnSpPr>
+            <p:nvPr/>
+          </p:nvCxnSpPr>
+          <p:spPr>
+            <a:xfrm>
+              <a:off x="5089634" y="1462682"/>
+              <a:ext cx="386254" cy="0"/>
+            </a:xfrm>
+            <a:prstGeom prst="straightConnector1">
+              <a:avLst/>
+            </a:prstGeom>
+            <a:ln w="38100" cmpd="sng">
+              <a:solidFill>
+                <a:schemeClr val="tx1">
+                  <a:lumMod val="75000"/>
+                  <a:lumOff val="25000"/>
+                </a:schemeClr>
+              </a:solidFill>
+              <a:headEnd type="none"/>
+              <a:tailEnd type="triangle"/>
+            </a:ln>
+            <a:effectLst/>
+          </p:spPr>
+          <p:style>
+            <a:lnRef idx="2">
+              <a:schemeClr val="accent1"/>
+            </a:lnRef>
+            <a:fillRef idx="0">
+              <a:schemeClr val="accent1"/>
+            </a:fillRef>
+            <a:effectRef idx="1">
+              <a:schemeClr val="accent1"/>
+            </a:effectRef>
+            <a:fontRef idx="minor">
+              <a:schemeClr val="tx1"/>
+            </a:fontRef>
+          </p:style>
+        </p:cxnSp>
+        <p:cxnSp>
+          <p:nvCxnSpPr>
+            <p:cNvPr id="30" name="Elbow Connector 29"/>
+            <p:cNvCxnSpPr>
+              <a:stCxn id="11" idx="0"/>
+              <a:endCxn id="9" idx="0"/>
+            </p:cNvCxnSpPr>
+            <p:nvPr/>
+          </p:nvCxnSpPr>
+          <p:spPr>
+            <a:xfrm rot="16200000" flipV="1">
+              <a:off x="4496238" y="-314881"/>
+              <a:ext cx="131380" cy="2863193"/>
+            </a:xfrm>
+            <a:prstGeom prst="bentConnector3">
+              <a:avLst>
+                <a:gd name="adj1" fmla="val 273999"/>
+              </a:avLst>
+            </a:prstGeom>
+            <a:ln w="38100" cmpd="sng">
+              <a:solidFill>
+                <a:schemeClr val="tx1">
+                  <a:lumMod val="75000"/>
+                  <a:lumOff val="25000"/>
+                </a:schemeClr>
+              </a:solidFill>
+              <a:headEnd type="none"/>
+              <a:tailEnd type="triangle"/>
+            </a:ln>
+            <a:effectLst/>
+          </p:spPr>
+          <p:style>
+            <a:lnRef idx="2">
+              <a:schemeClr val="accent1"/>
+            </a:lnRef>
+            <a:fillRef idx="0">
+              <a:schemeClr val="accent1"/>
+            </a:fillRef>
+            <a:effectRef idx="1">
+              <a:schemeClr val="accent1"/>
+            </a:effectRef>
+            <a:fontRef idx="minor">
+              <a:schemeClr val="tx1"/>
+            </a:fontRef>
+          </p:style>
+        </p:cxnSp>
+        <p:cxnSp>
+          <p:nvCxnSpPr>
+            <p:cNvPr id="60" name="Straight Arrow Connector 59"/>
+            <p:cNvCxnSpPr>
+              <a:stCxn id="6" idx="3"/>
+              <a:endCxn id="7" idx="1"/>
+            </p:cNvCxnSpPr>
+            <p:nvPr/>
+          </p:nvCxnSpPr>
+          <p:spPr>
+            <a:xfrm>
+              <a:off x="5354144" y="2762786"/>
+              <a:ext cx="1567783" cy="0"/>
+            </a:xfrm>
+            <a:prstGeom prst="straightConnector1">
+              <a:avLst/>
+            </a:prstGeom>
+            <a:ln w="38100" cmpd="sng">
+              <a:solidFill>
+                <a:schemeClr val="tx1">
+                  <a:lumMod val="75000"/>
+                  <a:lumOff val="25000"/>
+                </a:schemeClr>
+              </a:solidFill>
+              <a:headEnd type="none"/>
+              <a:tailEnd type="triangle"/>
+            </a:ln>
+            <a:effectLst/>
+          </p:spPr>
+          <p:style>
+            <a:lnRef idx="2">
+              <a:schemeClr val="accent1"/>
+            </a:lnRef>
+            <a:fillRef idx="0">
+              <a:schemeClr val="accent1"/>
+            </a:fillRef>
+            <a:effectRef idx="1">
+              <a:schemeClr val="accent1"/>
+            </a:effectRef>
+            <a:fontRef idx="minor">
+              <a:schemeClr val="tx1"/>
+            </a:fontRef>
+          </p:style>
+        </p:cxnSp>
+        <p:cxnSp>
+          <p:nvCxnSpPr>
+            <p:cNvPr id="61" name="Straight Arrow Connector 60"/>
+            <p:cNvCxnSpPr>
+              <a:stCxn id="10" idx="2"/>
+              <a:endCxn id="6" idx="0"/>
+            </p:cNvCxnSpPr>
+            <p:nvPr/>
+          </p:nvCxnSpPr>
+          <p:spPr>
+            <a:xfrm>
+              <a:off x="4653454" y="1742958"/>
+              <a:ext cx="0" cy="739552"/>
+            </a:xfrm>
+            <a:prstGeom prst="straightConnector1">
+              <a:avLst/>
+            </a:prstGeom>
+            <a:ln w="38100" cmpd="sng">
+              <a:solidFill>
+                <a:schemeClr val="tx1">
+                  <a:lumMod val="75000"/>
+                  <a:lumOff val="25000"/>
+                </a:schemeClr>
+              </a:solidFill>
+              <a:headEnd type="none"/>
+              <a:tailEnd type="triangle"/>
+            </a:ln>
+            <a:effectLst/>
+          </p:spPr>
+          <p:style>
+            <a:lnRef idx="2">
+              <a:schemeClr val="accent1"/>
+            </a:lnRef>
+            <a:fillRef idx="0">
+              <a:schemeClr val="accent1"/>
+            </a:fillRef>
+            <a:effectRef idx="1">
+              <a:schemeClr val="accent1"/>
+            </a:effectRef>
+            <a:fontRef idx="minor">
+              <a:schemeClr val="tx1"/>
+            </a:fontRef>
+          </p:style>
+        </p:cxnSp>
+        <p:sp>
+          <p:nvSpPr>
+            <p:cNvPr id="41" name="TextBox 40"/>
+            <p:cNvSpPr txBox="1"/>
+            <p:nvPr/>
+          </p:nvSpPr>
+          <p:spPr>
+            <a:xfrm rot="5400000">
+              <a:off x="4439581" y="1924190"/>
+              <a:ext cx="723976" cy="307777"/>
+            </a:xfrm>
+            <a:prstGeom prst="rect">
+              <a:avLst/>
+            </a:prstGeom>
+            <a:noFill/>
+            <a:ln>
+              <a:noFill/>
+            </a:ln>
+          </p:spPr>
+          <p:txBody>
+            <a:bodyPr wrap="none" rtlCol="0">
+              <a:spAutoFit/>
+            </a:bodyPr>
+            <a:lstStyle/>
+            <a:p>
+              <a:r>
+                <a:rPr lang="en-US" sz="1400" dirty="0" smtClean="0"/>
+                <a:t>Update</a:t>
+              </a:r>
+              <a:endParaRPr lang="en-US" sz="1400" dirty="0"/>
+            </a:p>
+          </p:txBody>
+        </p:sp>
+      </p:grpSp>
     </p:spTree>
     <p:extLst>
       <p:ext uri="{BB962C8B-B14F-4D97-AF65-F5344CB8AC3E}">

--- a/figs/figs.pptx
+++ b/figs/figs.pptx
@@ -6,6 +6,7 @@
   </p:sldMasterIdLst>
   <p:sldIdLst>
     <p:sldId id="256" r:id="rId2"/>
+    <p:sldId id="257" r:id="rId3"/>
   </p:sldIdLst>
   <p:sldSz cx="9144000" cy="6858000" type="screen4x3"/>
   <p:notesSz cx="6858000" cy="9144000"/>
@@ -104,6 +105,22 @@
       </a:defRPr>
     </a:lvl9pPr>
   </p:defaultTextStyle>
+  <p:extLst>
+    <p:ext uri="{EFAFB233-063F-42B5-8137-9DF3F51BA10A}">
+      <p15:sldGuideLst xmlns:p15="http://schemas.microsoft.com/office/powerpoint/2012/main">
+        <p15:guide id="1" orient="horz" pos="2160">
+          <p15:clr>
+            <a:srgbClr val="A4A3A4"/>
+          </p15:clr>
+        </p15:guide>
+        <p15:guide id="2" pos="2880">
+          <p15:clr>
+            <a:srgbClr val="A4A3A4"/>
+          </p15:clr>
+        </p15:guide>
+      </p15:sldGuideLst>
+    </p:ext>
+  </p:extLst>
 </p:presentation>
 </file>
 
@@ -288,7 +305,7 @@
           <a:p>
             <a:fld id="{73A4B2A3-D9DC-064E-90FE-771C025222F9}" type="datetimeFigureOut">
               <a:rPr lang="en-US" smtClean="0"/>
-              <a:t>7/15/15</a:t>
+              <a:t>9/30/15</a:t>
             </a:fld>
             <a:endParaRPr lang="en-US"/>
           </a:p>
@@ -458,7 +475,7 @@
           <a:p>
             <a:fld id="{73A4B2A3-D9DC-064E-90FE-771C025222F9}" type="datetimeFigureOut">
               <a:rPr lang="en-US" smtClean="0"/>
-              <a:t>7/15/15</a:t>
+              <a:t>9/30/15</a:t>
             </a:fld>
             <a:endParaRPr lang="en-US"/>
           </a:p>
@@ -638,7 +655,7 @@
           <a:p>
             <a:fld id="{73A4B2A3-D9DC-064E-90FE-771C025222F9}" type="datetimeFigureOut">
               <a:rPr lang="en-US" smtClean="0"/>
-              <a:t>7/15/15</a:t>
+              <a:t>9/30/15</a:t>
             </a:fld>
             <a:endParaRPr lang="en-US"/>
           </a:p>
@@ -808,7 +825,7 @@
           <a:p>
             <a:fld id="{73A4B2A3-D9DC-064E-90FE-771C025222F9}" type="datetimeFigureOut">
               <a:rPr lang="en-US" smtClean="0"/>
-              <a:t>7/15/15</a:t>
+              <a:t>9/30/15</a:t>
             </a:fld>
             <a:endParaRPr lang="en-US"/>
           </a:p>
@@ -1054,7 +1071,7 @@
           <a:p>
             <a:fld id="{73A4B2A3-D9DC-064E-90FE-771C025222F9}" type="datetimeFigureOut">
               <a:rPr lang="en-US" smtClean="0"/>
-              <a:t>7/15/15</a:t>
+              <a:t>9/30/15</a:t>
             </a:fld>
             <a:endParaRPr lang="en-US"/>
           </a:p>
@@ -1342,7 +1359,7 @@
           <a:p>
             <a:fld id="{73A4B2A3-D9DC-064E-90FE-771C025222F9}" type="datetimeFigureOut">
               <a:rPr lang="en-US" smtClean="0"/>
-              <a:t>7/15/15</a:t>
+              <a:t>9/30/15</a:t>
             </a:fld>
             <a:endParaRPr lang="en-US"/>
           </a:p>
@@ -1764,7 +1781,7 @@
           <a:p>
             <a:fld id="{73A4B2A3-D9DC-064E-90FE-771C025222F9}" type="datetimeFigureOut">
               <a:rPr lang="en-US" smtClean="0"/>
-              <a:t>7/15/15</a:t>
+              <a:t>9/30/15</a:t>
             </a:fld>
             <a:endParaRPr lang="en-US"/>
           </a:p>
@@ -1882,7 +1899,7 @@
           <a:p>
             <a:fld id="{73A4B2A3-D9DC-064E-90FE-771C025222F9}" type="datetimeFigureOut">
               <a:rPr lang="en-US" smtClean="0"/>
-              <a:t>7/15/15</a:t>
+              <a:t>9/30/15</a:t>
             </a:fld>
             <a:endParaRPr lang="en-US"/>
           </a:p>
@@ -1977,7 +1994,7 @@
           <a:p>
             <a:fld id="{73A4B2A3-D9DC-064E-90FE-771C025222F9}" type="datetimeFigureOut">
               <a:rPr lang="en-US" smtClean="0"/>
-              <a:t>7/15/15</a:t>
+              <a:t>9/30/15</a:t>
             </a:fld>
             <a:endParaRPr lang="en-US"/>
           </a:p>
@@ -2254,7 +2271,7 @@
           <a:p>
             <a:fld id="{73A4B2A3-D9DC-064E-90FE-771C025222F9}" type="datetimeFigureOut">
               <a:rPr lang="en-US" smtClean="0"/>
-              <a:t>7/15/15</a:t>
+              <a:t>9/30/15</a:t>
             </a:fld>
             <a:endParaRPr lang="en-US"/>
           </a:p>
@@ -2507,7 +2524,7 @@
           <a:p>
             <a:fld id="{73A4B2A3-D9DC-064E-90FE-771C025222F9}" type="datetimeFigureOut">
               <a:rPr lang="en-US" smtClean="0"/>
-              <a:t>7/15/15</a:t>
+              <a:t>9/30/15</a:t>
             </a:fld>
             <a:endParaRPr lang="en-US"/>
           </a:p>
@@ -2720,7 +2737,7 @@
           <a:p>
             <a:fld id="{73A4B2A3-D9DC-064E-90FE-771C025222F9}" type="datetimeFigureOut">
               <a:rPr lang="en-US" smtClean="0"/>
-              <a:t>7/15/15</a:t>
+              <a:t>9/30/15</a:t>
             </a:fld>
             <a:endParaRPr lang="en-US"/>
           </a:p>
@@ -4308,17 +4325,7 @@
                   <a:latin typeface="Gill Sans"/>
                   <a:cs typeface="Gill Sans"/>
                 </a:rPr>
-                <a:t>Best </a:t>
-              </a:r>
-              <a:r>
-                <a:rPr lang="en-US" sz="1600" dirty="0" smtClean="0">
-                  <a:solidFill>
-                    <a:schemeClr val="tx1"/>
-                  </a:solidFill>
-                  <a:latin typeface="Gill Sans"/>
-                  <a:cs typeface="Gill Sans"/>
-                </a:rPr>
-                <a:t>Model</a:t>
+                <a:t>Best Model</a:t>
               </a:r>
               <a:endParaRPr lang="en-US" sz="1600" dirty="0">
                 <a:solidFill>
@@ -5142,6 +5149,1212 @@
 </p:sld>
 </file>
 
+<file path=ppt/slides/slide2.xml><?xml version="1.0" encoding="utf-8"?>
+<p:sld xmlns:a="http://schemas.openxmlformats.org/drawingml/2006/main" xmlns:r="http://schemas.openxmlformats.org/officeDocument/2006/relationships" xmlns:p="http://schemas.openxmlformats.org/presentationml/2006/main">
+  <p:cSld>
+    <p:spTree>
+      <p:nvGrpSpPr>
+        <p:cNvPr id="1" name=""/>
+        <p:cNvGrpSpPr/>
+        <p:nvPr/>
+      </p:nvGrpSpPr>
+      <p:grpSpPr>
+        <a:xfrm>
+          <a:off x="0" y="0"/>
+          <a:ext cx="0" cy="0"/>
+          <a:chOff x="0" y="0"/>
+          <a:chExt cx="0" cy="0"/>
+        </a:xfrm>
+      </p:grpSpPr>
+      <p:sp>
+        <p:nvSpPr>
+          <p:cNvPr id="76" name="Rectangle 75"/>
+          <p:cNvSpPr/>
+          <p:nvPr/>
+        </p:nvSpPr>
+        <p:spPr>
+          <a:xfrm>
+            <a:off x="2163901" y="1556951"/>
+            <a:ext cx="4780596" cy="2586681"/>
+          </a:xfrm>
+          <a:prstGeom prst="rect">
+            <a:avLst/>
+          </a:prstGeom>
+          <a:solidFill>
+            <a:schemeClr val="bg1"/>
+          </a:solidFill>
+          <a:ln w="28575" cmpd="sng">
+            <a:solidFill>
+              <a:schemeClr val="bg1">
+                <a:lumMod val="50000"/>
+              </a:schemeClr>
+            </a:solidFill>
+          </a:ln>
+          <a:effectLst/>
+        </p:spPr>
+        <p:style>
+          <a:lnRef idx="1">
+            <a:schemeClr val="accent1"/>
+          </a:lnRef>
+          <a:fillRef idx="3">
+            <a:schemeClr val="accent1"/>
+          </a:fillRef>
+          <a:effectRef idx="2">
+            <a:schemeClr val="accent1"/>
+          </a:effectRef>
+          <a:fontRef idx="minor">
+            <a:schemeClr val="lt1"/>
+          </a:fontRef>
+        </p:style>
+        <p:txBody>
+          <a:bodyPr rtlCol="0" anchor="t"/>
+          <a:lstStyle/>
+          <a:p>
+            <a:r>
+              <a:rPr lang="en-US" sz="2000" dirty="0" err="1" smtClean="0">
+                <a:solidFill>
+                  <a:schemeClr val="tx1"/>
+                </a:solidFill>
+                <a:latin typeface="Helvetica Neue Thin" charset="0"/>
+                <a:ea typeface="Helvetica Neue Thin" charset="0"/>
+                <a:cs typeface="Helvetica Neue Thin" charset="0"/>
+              </a:rPr>
+              <a:t>ActiveClean</a:t>
+            </a:r>
+            <a:endParaRPr lang="en-US" sz="2000" dirty="0">
+              <a:solidFill>
+                <a:schemeClr val="tx1"/>
+              </a:solidFill>
+              <a:latin typeface="Helvetica Neue Thin" charset="0"/>
+              <a:ea typeface="Helvetica Neue Thin" charset="0"/>
+              <a:cs typeface="Helvetica Neue Thin" charset="0"/>
+            </a:endParaRPr>
+          </a:p>
+        </p:txBody>
+      </p:sp>
+      <p:sp>
+        <p:nvSpPr>
+          <p:cNvPr id="81" name="Rectangle 80"/>
+          <p:cNvSpPr/>
+          <p:nvPr/>
+        </p:nvSpPr>
+        <p:spPr>
+          <a:xfrm>
+            <a:off x="2421404" y="2527092"/>
+            <a:ext cx="1250732" cy="729102"/>
+          </a:xfrm>
+          <a:prstGeom prst="rect">
+            <a:avLst/>
+          </a:prstGeom>
+          <a:solidFill>
+            <a:schemeClr val="bg1"/>
+          </a:solidFill>
+          <a:ln w="28575" cmpd="sng">
+            <a:solidFill>
+              <a:schemeClr val="bg1">
+                <a:lumMod val="50000"/>
+              </a:schemeClr>
+            </a:solidFill>
+          </a:ln>
+          <a:effectLst/>
+        </p:spPr>
+        <p:style>
+          <a:lnRef idx="1">
+            <a:schemeClr val="accent1"/>
+          </a:lnRef>
+          <a:fillRef idx="3">
+            <a:schemeClr val="accent1"/>
+          </a:fillRef>
+          <a:effectRef idx="2">
+            <a:schemeClr val="accent1"/>
+          </a:effectRef>
+          <a:fontRef idx="minor">
+            <a:schemeClr val="lt1"/>
+          </a:fontRef>
+        </p:style>
+        <p:txBody>
+          <a:bodyPr rtlCol="0" anchor="t"/>
+          <a:lstStyle/>
+          <a:p>
+            <a:pPr algn="ctr"/>
+            <a:r>
+              <a:rPr lang="en-US" sz="1400" dirty="0" smtClean="0">
+                <a:solidFill>
+                  <a:schemeClr val="bg1">
+                    <a:lumMod val="50000"/>
+                  </a:schemeClr>
+                </a:solidFill>
+                <a:latin typeface="Gill Sans"/>
+                <a:cs typeface="Gill Sans"/>
+              </a:rPr>
+              <a:t>Sampler</a:t>
+            </a:r>
+            <a:endParaRPr lang="en-US" sz="1400" dirty="0">
+              <a:solidFill>
+                <a:schemeClr val="bg1">
+                  <a:lumMod val="50000"/>
+                </a:schemeClr>
+              </a:solidFill>
+              <a:latin typeface="Gill Sans"/>
+              <a:cs typeface="Gill Sans"/>
+            </a:endParaRPr>
+          </a:p>
+        </p:txBody>
+      </p:sp>
+      <p:sp>
+        <p:nvSpPr>
+          <p:cNvPr id="82" name="Rectangle 81"/>
+          <p:cNvSpPr/>
+          <p:nvPr/>
+        </p:nvSpPr>
+        <p:spPr>
+          <a:xfrm>
+            <a:off x="2525831" y="2831405"/>
+            <a:ext cx="1050157" cy="316986"/>
+          </a:xfrm>
+          <a:prstGeom prst="rect">
+            <a:avLst/>
+          </a:prstGeom>
+          <a:solidFill>
+            <a:schemeClr val="bg1"/>
+          </a:solidFill>
+          <a:ln w="28575" cmpd="sng">
+            <a:solidFill>
+              <a:schemeClr val="bg1">
+                <a:lumMod val="50000"/>
+              </a:schemeClr>
+            </a:solidFill>
+            <a:prstDash val="sysDot"/>
+          </a:ln>
+          <a:effectLst/>
+        </p:spPr>
+        <p:style>
+          <a:lnRef idx="1">
+            <a:schemeClr val="accent1"/>
+          </a:lnRef>
+          <a:fillRef idx="3">
+            <a:schemeClr val="accent1"/>
+          </a:fillRef>
+          <a:effectRef idx="2">
+            <a:schemeClr val="accent1"/>
+          </a:effectRef>
+          <a:fontRef idx="minor">
+            <a:schemeClr val="lt1"/>
+          </a:fontRef>
+        </p:style>
+        <p:txBody>
+          <a:bodyPr rtlCol="0" anchor="ctr"/>
+          <a:lstStyle/>
+          <a:p>
+            <a:pPr algn="ctr"/>
+            <a:r>
+              <a:rPr lang="en-US" sz="1400" dirty="0" smtClean="0">
+                <a:solidFill>
+                  <a:schemeClr val="bg1">
+                    <a:lumMod val="50000"/>
+                  </a:schemeClr>
+                </a:solidFill>
+                <a:latin typeface="Gill Sans"/>
+                <a:cs typeface="Gill Sans"/>
+              </a:rPr>
+              <a:t>Detectors</a:t>
+            </a:r>
+            <a:endParaRPr lang="en-US" sz="1400" dirty="0">
+              <a:solidFill>
+                <a:schemeClr val="bg1">
+                  <a:lumMod val="50000"/>
+                </a:schemeClr>
+              </a:solidFill>
+              <a:latin typeface="Gill Sans"/>
+              <a:cs typeface="Gill Sans"/>
+            </a:endParaRPr>
+          </a:p>
+        </p:txBody>
+      </p:sp>
+      <p:sp>
+        <p:nvSpPr>
+          <p:cNvPr id="83" name="Rectangle 82"/>
+          <p:cNvSpPr/>
+          <p:nvPr/>
+        </p:nvSpPr>
+        <p:spPr>
+          <a:xfrm>
+            <a:off x="3963784" y="2535412"/>
+            <a:ext cx="894517" cy="713415"/>
+          </a:xfrm>
+          <a:prstGeom prst="rect">
+            <a:avLst/>
+          </a:prstGeom>
+          <a:solidFill>
+            <a:schemeClr val="bg1"/>
+          </a:solidFill>
+          <a:ln w="28575" cmpd="sng">
+            <a:solidFill>
+              <a:schemeClr val="bg1">
+                <a:lumMod val="50000"/>
+              </a:schemeClr>
+            </a:solidFill>
+          </a:ln>
+          <a:effectLst/>
+        </p:spPr>
+        <p:style>
+          <a:lnRef idx="1">
+            <a:schemeClr val="accent1"/>
+          </a:lnRef>
+          <a:fillRef idx="3">
+            <a:schemeClr val="accent1"/>
+          </a:fillRef>
+          <a:effectRef idx="2">
+            <a:schemeClr val="accent1"/>
+          </a:effectRef>
+          <a:fontRef idx="minor">
+            <a:schemeClr val="lt1"/>
+          </a:fontRef>
+        </p:style>
+        <p:txBody>
+          <a:bodyPr rtlCol="0" anchor="ctr"/>
+          <a:lstStyle/>
+          <a:p>
+            <a:pPr algn="ctr"/>
+            <a:r>
+              <a:rPr lang="en-US" sz="1400" dirty="0" smtClean="0">
+                <a:solidFill>
+                  <a:schemeClr val="bg1">
+                    <a:lumMod val="50000"/>
+                  </a:schemeClr>
+                </a:solidFill>
+                <a:latin typeface="Gill Sans"/>
+                <a:cs typeface="Gill Sans"/>
+              </a:rPr>
+              <a:t>Cleaner</a:t>
+            </a:r>
+            <a:endParaRPr lang="en-US" sz="1400" dirty="0">
+              <a:solidFill>
+                <a:schemeClr val="bg1">
+                  <a:lumMod val="50000"/>
+                </a:schemeClr>
+              </a:solidFill>
+              <a:latin typeface="Gill Sans"/>
+              <a:cs typeface="Gill Sans"/>
+            </a:endParaRPr>
+          </a:p>
+        </p:txBody>
+      </p:sp>
+      <p:sp>
+        <p:nvSpPr>
+          <p:cNvPr id="84" name="Rectangle 83"/>
+          <p:cNvSpPr/>
+          <p:nvPr/>
+        </p:nvSpPr>
+        <p:spPr>
+          <a:xfrm>
+            <a:off x="3963784" y="1926990"/>
+            <a:ext cx="894517" cy="342123"/>
+          </a:xfrm>
+          <a:prstGeom prst="rect">
+            <a:avLst/>
+          </a:prstGeom>
+          <a:solidFill>
+            <a:schemeClr val="bg1"/>
+          </a:solidFill>
+          <a:ln w="28575" cmpd="sng">
+            <a:solidFill>
+              <a:schemeClr val="bg1">
+                <a:lumMod val="50000"/>
+              </a:schemeClr>
+            </a:solidFill>
+            <a:prstDash val="sysDot"/>
+          </a:ln>
+          <a:effectLst/>
+        </p:spPr>
+        <p:style>
+          <a:lnRef idx="1">
+            <a:schemeClr val="accent1"/>
+          </a:lnRef>
+          <a:fillRef idx="3">
+            <a:schemeClr val="accent1"/>
+          </a:fillRef>
+          <a:effectRef idx="2">
+            <a:schemeClr val="accent1"/>
+          </a:effectRef>
+          <a:fontRef idx="minor">
+            <a:schemeClr val="lt1"/>
+          </a:fontRef>
+        </p:style>
+        <p:txBody>
+          <a:bodyPr rtlCol="0" anchor="ctr"/>
+          <a:lstStyle/>
+          <a:p>
+            <a:pPr algn="ctr"/>
+            <a:r>
+              <a:rPr lang="en-US" sz="1400" dirty="0" smtClean="0">
+                <a:solidFill>
+                  <a:schemeClr val="bg1">
+                    <a:lumMod val="50000"/>
+                  </a:schemeClr>
+                </a:solidFill>
+                <a:latin typeface="Gill Sans"/>
+                <a:cs typeface="Gill Sans"/>
+              </a:rPr>
+              <a:t>Estimator</a:t>
+            </a:r>
+            <a:endParaRPr lang="en-US" sz="1400" dirty="0">
+              <a:solidFill>
+                <a:schemeClr val="bg1">
+                  <a:lumMod val="50000"/>
+                </a:schemeClr>
+              </a:solidFill>
+              <a:latin typeface="Gill Sans"/>
+              <a:cs typeface="Gill Sans"/>
+            </a:endParaRPr>
+          </a:p>
+        </p:txBody>
+      </p:sp>
+      <p:sp>
+        <p:nvSpPr>
+          <p:cNvPr id="85" name="Can 84"/>
+          <p:cNvSpPr/>
+          <p:nvPr/>
+        </p:nvSpPr>
+        <p:spPr>
+          <a:xfrm>
+            <a:off x="806313" y="2535413"/>
+            <a:ext cx="1129870" cy="756745"/>
+          </a:xfrm>
+          <a:prstGeom prst="can">
+            <a:avLst/>
+          </a:prstGeom>
+          <a:solidFill>
+            <a:schemeClr val="bg1"/>
+          </a:solidFill>
+          <a:ln w="28575" cmpd="sng">
+            <a:solidFill>
+              <a:schemeClr val="bg1">
+                <a:lumMod val="50000"/>
+              </a:schemeClr>
+            </a:solidFill>
+          </a:ln>
+          <a:effectLst/>
+        </p:spPr>
+        <p:style>
+          <a:lnRef idx="1">
+            <a:schemeClr val="accent1"/>
+          </a:lnRef>
+          <a:fillRef idx="3">
+            <a:schemeClr val="accent1"/>
+          </a:fillRef>
+          <a:effectRef idx="2">
+            <a:schemeClr val="accent1"/>
+          </a:effectRef>
+          <a:fontRef idx="minor">
+            <a:schemeClr val="lt1"/>
+          </a:fontRef>
+        </p:style>
+        <p:txBody>
+          <a:bodyPr rtlCol="0" anchor="ctr"/>
+          <a:lstStyle/>
+          <a:p>
+            <a:pPr algn="ctr"/>
+            <a:r>
+              <a:rPr lang="en-US" sz="1400" dirty="0" smtClean="0">
+                <a:solidFill>
+                  <a:schemeClr val="bg1">
+                    <a:lumMod val="50000"/>
+                  </a:schemeClr>
+                </a:solidFill>
+                <a:latin typeface="Gill Sans"/>
+                <a:cs typeface="Gill Sans"/>
+              </a:rPr>
+              <a:t>Dirty Data</a:t>
+            </a:r>
+            <a:endParaRPr lang="en-US" sz="1400" dirty="0">
+              <a:solidFill>
+                <a:schemeClr val="bg1">
+                  <a:lumMod val="50000"/>
+                </a:schemeClr>
+              </a:solidFill>
+              <a:latin typeface="Gill Sans"/>
+              <a:cs typeface="Gill Sans"/>
+            </a:endParaRPr>
+          </a:p>
+        </p:txBody>
+      </p:sp>
+      <p:cxnSp>
+        <p:nvCxnSpPr>
+          <p:cNvPr id="86" name="Straight Arrow Connector 85"/>
+          <p:cNvCxnSpPr>
+            <a:stCxn id="85" idx="4"/>
+            <a:endCxn id="81" idx="1"/>
+          </p:cNvCxnSpPr>
+          <p:nvPr/>
+        </p:nvCxnSpPr>
+        <p:spPr>
+          <a:xfrm flipV="1">
+            <a:off x="1936183" y="2891643"/>
+            <a:ext cx="485221" cy="22143"/>
+          </a:xfrm>
+          <a:prstGeom prst="straightConnector1">
+            <a:avLst/>
+          </a:prstGeom>
+          <a:ln w="28575" cmpd="sng">
+            <a:solidFill>
+              <a:srgbClr val="7F7F7F"/>
+            </a:solidFill>
+            <a:headEnd type="none"/>
+            <a:tailEnd type="triangle"/>
+          </a:ln>
+          <a:effectLst/>
+        </p:spPr>
+        <p:style>
+          <a:lnRef idx="2">
+            <a:schemeClr val="accent1"/>
+          </a:lnRef>
+          <a:fillRef idx="0">
+            <a:schemeClr val="accent1"/>
+          </a:fillRef>
+          <a:effectRef idx="1">
+            <a:schemeClr val="accent1"/>
+          </a:effectRef>
+          <a:fontRef idx="minor">
+            <a:schemeClr val="tx1"/>
+          </a:fontRef>
+        </p:style>
+      </p:cxnSp>
+      <p:cxnSp>
+        <p:nvCxnSpPr>
+          <p:cNvPr id="87" name="Straight Arrow Connector 86"/>
+          <p:cNvCxnSpPr>
+            <a:stCxn id="2" idx="0"/>
+            <a:endCxn id="44" idx="3"/>
+          </p:cNvCxnSpPr>
+          <p:nvPr/>
+        </p:nvCxnSpPr>
+        <p:spPr>
+          <a:xfrm>
+            <a:off x="1916652" y="3744058"/>
+            <a:ext cx="3685081" cy="0"/>
+          </a:xfrm>
+          <a:prstGeom prst="straightConnector1">
+            <a:avLst/>
+          </a:prstGeom>
+          <a:ln w="28575" cmpd="sng">
+            <a:solidFill>
+              <a:srgbClr val="7F7F7F"/>
+            </a:solidFill>
+            <a:headEnd type="none"/>
+            <a:tailEnd type="triangle"/>
+          </a:ln>
+          <a:effectLst/>
+        </p:spPr>
+        <p:style>
+          <a:lnRef idx="2">
+            <a:schemeClr val="accent1"/>
+          </a:lnRef>
+          <a:fillRef idx="0">
+            <a:schemeClr val="accent1"/>
+          </a:fillRef>
+          <a:effectRef idx="1">
+            <a:schemeClr val="accent1"/>
+          </a:effectRef>
+          <a:fontRef idx="minor">
+            <a:schemeClr val="tx1"/>
+          </a:fontRef>
+        </p:style>
+      </p:cxnSp>
+      <p:cxnSp>
+        <p:nvCxnSpPr>
+          <p:cNvPr id="88" name="Straight Arrow Connector 87"/>
+          <p:cNvCxnSpPr>
+            <a:stCxn id="85" idx="3"/>
+          </p:cNvCxnSpPr>
+          <p:nvPr/>
+        </p:nvCxnSpPr>
+        <p:spPr>
+          <a:xfrm>
+            <a:off x="1371248" y="3292158"/>
+            <a:ext cx="4471" cy="373702"/>
+          </a:xfrm>
+          <a:prstGeom prst="straightConnector1">
+            <a:avLst/>
+          </a:prstGeom>
+          <a:ln w="28575" cmpd="sng">
+            <a:solidFill>
+              <a:srgbClr val="7F7F7F"/>
+            </a:solidFill>
+            <a:headEnd type="none"/>
+            <a:tailEnd type="triangle"/>
+          </a:ln>
+          <a:effectLst/>
+        </p:spPr>
+        <p:style>
+          <a:lnRef idx="2">
+            <a:schemeClr val="accent1"/>
+          </a:lnRef>
+          <a:fillRef idx="0">
+            <a:schemeClr val="accent1"/>
+          </a:fillRef>
+          <a:effectRef idx="1">
+            <a:schemeClr val="accent1"/>
+          </a:effectRef>
+          <a:fontRef idx="minor">
+            <a:schemeClr val="tx1"/>
+          </a:fontRef>
+        </p:style>
+      </p:cxnSp>
+      <p:cxnSp>
+        <p:nvCxnSpPr>
+          <p:cNvPr id="89" name="Straight Arrow Connector 88"/>
+          <p:cNvCxnSpPr>
+            <a:stCxn id="81" idx="3"/>
+            <a:endCxn id="83" idx="1"/>
+          </p:cNvCxnSpPr>
+          <p:nvPr/>
+        </p:nvCxnSpPr>
+        <p:spPr>
+          <a:xfrm>
+            <a:off x="3672136" y="2891643"/>
+            <a:ext cx="291648" cy="477"/>
+          </a:xfrm>
+          <a:prstGeom prst="straightConnector1">
+            <a:avLst/>
+          </a:prstGeom>
+          <a:ln w="28575" cmpd="sng">
+            <a:solidFill>
+              <a:srgbClr val="7F7F7F"/>
+            </a:solidFill>
+            <a:headEnd type="none"/>
+            <a:tailEnd type="triangle"/>
+          </a:ln>
+          <a:effectLst/>
+        </p:spPr>
+        <p:style>
+          <a:lnRef idx="2">
+            <a:schemeClr val="accent1"/>
+          </a:lnRef>
+          <a:fillRef idx="0">
+            <a:schemeClr val="accent1"/>
+          </a:fillRef>
+          <a:effectRef idx="1">
+            <a:schemeClr val="accent1"/>
+          </a:effectRef>
+          <a:fontRef idx="minor">
+            <a:schemeClr val="tx1"/>
+          </a:fontRef>
+        </p:style>
+      </p:cxnSp>
+      <p:cxnSp>
+        <p:nvCxnSpPr>
+          <p:cNvPr id="90" name="Straight Arrow Connector 89"/>
+          <p:cNvCxnSpPr>
+            <a:stCxn id="83" idx="3"/>
+            <a:endCxn id="54" idx="1"/>
+          </p:cNvCxnSpPr>
+          <p:nvPr/>
+        </p:nvCxnSpPr>
+        <p:spPr>
+          <a:xfrm>
+            <a:off x="4858301" y="2892120"/>
+            <a:ext cx="828645" cy="1"/>
+          </a:xfrm>
+          <a:prstGeom prst="straightConnector1">
+            <a:avLst/>
+          </a:prstGeom>
+          <a:ln w="28575" cmpd="sng">
+            <a:solidFill>
+              <a:srgbClr val="7F7F7F"/>
+            </a:solidFill>
+            <a:headEnd type="none"/>
+            <a:tailEnd type="triangle"/>
+          </a:ln>
+          <a:effectLst/>
+        </p:spPr>
+        <p:style>
+          <a:lnRef idx="2">
+            <a:schemeClr val="accent1"/>
+          </a:lnRef>
+          <a:fillRef idx="0">
+            <a:schemeClr val="accent1"/>
+          </a:fillRef>
+          <a:effectRef idx="1">
+            <a:schemeClr val="accent1"/>
+          </a:effectRef>
+          <a:fontRef idx="minor">
+            <a:schemeClr val="tx1"/>
+          </a:fontRef>
+        </p:style>
+      </p:cxnSp>
+      <p:cxnSp>
+        <p:nvCxnSpPr>
+          <p:cNvPr id="91" name="Elbow Connector 90"/>
+          <p:cNvCxnSpPr>
+            <a:stCxn id="54" idx="0"/>
+            <a:endCxn id="84" idx="3"/>
+          </p:cNvCxnSpPr>
+          <p:nvPr/>
+        </p:nvCxnSpPr>
+        <p:spPr>
+          <a:xfrm rot="16200000" flipV="1">
+            <a:off x="5296559" y="1659794"/>
+            <a:ext cx="437362" cy="1313878"/>
+          </a:xfrm>
+          <a:prstGeom prst="bentConnector2">
+            <a:avLst/>
+          </a:prstGeom>
+          <a:ln w="28575" cmpd="sng">
+            <a:solidFill>
+              <a:schemeClr val="bg1">
+                <a:lumMod val="50000"/>
+              </a:schemeClr>
+            </a:solidFill>
+            <a:headEnd type="none"/>
+            <a:tailEnd type="triangle"/>
+          </a:ln>
+          <a:effectLst/>
+        </p:spPr>
+        <p:style>
+          <a:lnRef idx="2">
+            <a:schemeClr val="accent1"/>
+          </a:lnRef>
+          <a:fillRef idx="0">
+            <a:schemeClr val="accent1"/>
+          </a:fillRef>
+          <a:effectRef idx="1">
+            <a:schemeClr val="accent1"/>
+          </a:effectRef>
+          <a:fontRef idx="minor">
+            <a:schemeClr val="tx1"/>
+          </a:fontRef>
+        </p:style>
+      </p:cxnSp>
+      <p:cxnSp>
+        <p:nvCxnSpPr>
+          <p:cNvPr id="93" name="Straight Arrow Connector 92"/>
+          <p:cNvCxnSpPr>
+            <a:stCxn id="54" idx="2"/>
+          </p:cNvCxnSpPr>
+          <p:nvPr/>
+        </p:nvCxnSpPr>
+        <p:spPr>
+          <a:xfrm flipH="1">
+            <a:off x="6170143" y="3248828"/>
+            <a:ext cx="2036" cy="417032"/>
+          </a:xfrm>
+          <a:prstGeom prst="straightConnector1">
+            <a:avLst/>
+          </a:prstGeom>
+          <a:ln w="28575" cmpd="sng">
+            <a:solidFill>
+              <a:srgbClr val="7F7F7F"/>
+            </a:solidFill>
+            <a:headEnd type="none"/>
+            <a:tailEnd type="triangle"/>
+          </a:ln>
+          <a:effectLst/>
+        </p:spPr>
+        <p:style>
+          <a:lnRef idx="2">
+            <a:schemeClr val="accent1"/>
+          </a:lnRef>
+          <a:fillRef idx="0">
+            <a:schemeClr val="accent1"/>
+          </a:fillRef>
+          <a:effectRef idx="1">
+            <a:schemeClr val="accent1"/>
+          </a:effectRef>
+          <a:fontRef idx="minor">
+            <a:schemeClr val="tx1"/>
+          </a:fontRef>
+        </p:style>
+      </p:cxnSp>
+      <p:sp>
+        <p:nvSpPr>
+          <p:cNvPr id="2" name="Hexagon 1"/>
+          <p:cNvSpPr/>
+          <p:nvPr/>
+        </p:nvSpPr>
+        <p:spPr>
+          <a:xfrm>
+            <a:off x="806065" y="3509338"/>
+            <a:ext cx="1110587" cy="469440"/>
+          </a:xfrm>
+          <a:prstGeom prst="hexagon">
+            <a:avLst/>
+          </a:prstGeom>
+          <a:solidFill>
+            <a:schemeClr val="bg1"/>
+          </a:solidFill>
+          <a:ln w="28575">
+            <a:solidFill>
+              <a:schemeClr val="bg1">
+                <a:lumMod val="50000"/>
+              </a:schemeClr>
+            </a:solidFill>
+          </a:ln>
+          <a:effectLst/>
+        </p:spPr>
+        <p:style>
+          <a:lnRef idx="1">
+            <a:schemeClr val="accent1"/>
+          </a:lnRef>
+          <a:fillRef idx="3">
+            <a:schemeClr val="accent1"/>
+          </a:fillRef>
+          <a:effectRef idx="2">
+            <a:schemeClr val="accent1"/>
+          </a:effectRef>
+          <a:fontRef idx="minor">
+            <a:schemeClr val="lt1"/>
+          </a:fontRef>
+        </p:style>
+        <p:txBody>
+          <a:bodyPr rtlCol="0" anchor="ctr"/>
+          <a:lstStyle/>
+          <a:p>
+            <a:pPr algn="ctr"/>
+            <a:r>
+              <a:rPr lang="en-US" sz="1400" dirty="0" smtClean="0">
+                <a:solidFill>
+                  <a:schemeClr val="bg1">
+                    <a:lumMod val="50000"/>
+                  </a:schemeClr>
+                </a:solidFill>
+                <a:latin typeface="Gill Sans" charset="0"/>
+                <a:ea typeface="Gill Sans" charset="0"/>
+                <a:cs typeface="Gill Sans" charset="0"/>
+              </a:rPr>
+              <a:t>Dirty</a:t>
+            </a:r>
+          </a:p>
+          <a:p>
+            <a:pPr algn="ctr"/>
+            <a:r>
+              <a:rPr lang="en-US" sz="1400" dirty="0" smtClean="0">
+                <a:solidFill>
+                  <a:schemeClr val="bg1">
+                    <a:lumMod val="50000"/>
+                  </a:schemeClr>
+                </a:solidFill>
+                <a:latin typeface="Gill Sans" charset="0"/>
+                <a:ea typeface="Gill Sans" charset="0"/>
+                <a:cs typeface="Gill Sans" charset="0"/>
+              </a:rPr>
+              <a:t>Model</a:t>
+            </a:r>
+            <a:endParaRPr lang="en-US" sz="1400" dirty="0">
+              <a:solidFill>
+                <a:schemeClr val="bg1">
+                  <a:lumMod val="50000"/>
+                </a:schemeClr>
+              </a:solidFill>
+              <a:latin typeface="Gill Sans" charset="0"/>
+              <a:ea typeface="Gill Sans" charset="0"/>
+              <a:cs typeface="Gill Sans" charset="0"/>
+            </a:endParaRPr>
+          </a:p>
+        </p:txBody>
+      </p:sp>
+      <p:sp>
+        <p:nvSpPr>
+          <p:cNvPr id="18" name="TextBox 17"/>
+          <p:cNvSpPr txBox="1"/>
+          <p:nvPr/>
+        </p:nvSpPr>
+        <p:spPr>
+          <a:xfrm>
+            <a:off x="4858302" y="2616016"/>
+            <a:ext cx="832279" cy="523220"/>
+          </a:xfrm>
+          <a:prstGeom prst="rect">
+            <a:avLst/>
+          </a:prstGeom>
+          <a:noFill/>
+        </p:spPr>
+        <p:txBody>
+          <a:bodyPr wrap="none" rtlCol="0">
+            <a:spAutoFit/>
+          </a:bodyPr>
+          <a:lstStyle/>
+          <a:p>
+            <a:pPr algn="ctr"/>
+            <a:r>
+              <a:rPr lang="en-US" sz="1400" dirty="0" smtClean="0">
+                <a:solidFill>
+                  <a:schemeClr val="bg1">
+                    <a:lumMod val="50000"/>
+                  </a:schemeClr>
+                </a:solidFill>
+                <a:latin typeface="Gill Sans" charset="0"/>
+                <a:ea typeface="Gill Sans" charset="0"/>
+                <a:cs typeface="Gill Sans" charset="0"/>
+              </a:rPr>
+              <a:t>Cleaned </a:t>
+            </a:r>
+          </a:p>
+          <a:p>
+            <a:pPr algn="ctr"/>
+            <a:r>
+              <a:rPr lang="en-US" sz="1400" dirty="0" smtClean="0">
+                <a:solidFill>
+                  <a:schemeClr val="bg1">
+                    <a:lumMod val="50000"/>
+                  </a:schemeClr>
+                </a:solidFill>
+                <a:latin typeface="Gill Sans" charset="0"/>
+                <a:ea typeface="Gill Sans" charset="0"/>
+                <a:cs typeface="Gill Sans" charset="0"/>
+              </a:rPr>
+              <a:t>Samples</a:t>
+            </a:r>
+            <a:endParaRPr lang="en-US" sz="1400" dirty="0">
+              <a:solidFill>
+                <a:schemeClr val="bg1">
+                  <a:lumMod val="50000"/>
+                </a:schemeClr>
+              </a:solidFill>
+              <a:latin typeface="Gill Sans" charset="0"/>
+              <a:ea typeface="Gill Sans" charset="0"/>
+              <a:cs typeface="Gill Sans" charset="0"/>
+            </a:endParaRPr>
+          </a:p>
+        </p:txBody>
+      </p:sp>
+      <p:sp>
+        <p:nvSpPr>
+          <p:cNvPr id="54" name="Rectangle 53"/>
+          <p:cNvSpPr/>
+          <p:nvPr/>
+        </p:nvSpPr>
+        <p:spPr>
+          <a:xfrm>
+            <a:off x="5686946" y="2535414"/>
+            <a:ext cx="970465" cy="713414"/>
+          </a:xfrm>
+          <a:prstGeom prst="rect">
+            <a:avLst/>
+          </a:prstGeom>
+          <a:solidFill>
+            <a:schemeClr val="bg1"/>
+          </a:solidFill>
+          <a:ln w="28575" cmpd="sng">
+            <a:solidFill>
+              <a:schemeClr val="bg1">
+                <a:lumMod val="50000"/>
+              </a:schemeClr>
+            </a:solidFill>
+          </a:ln>
+          <a:effectLst/>
+        </p:spPr>
+        <p:style>
+          <a:lnRef idx="1">
+            <a:schemeClr val="accent1"/>
+          </a:lnRef>
+          <a:fillRef idx="3">
+            <a:schemeClr val="accent1"/>
+          </a:fillRef>
+          <a:effectRef idx="2">
+            <a:schemeClr val="accent1"/>
+          </a:effectRef>
+          <a:fontRef idx="minor">
+            <a:schemeClr val="lt1"/>
+          </a:fontRef>
+        </p:style>
+        <p:txBody>
+          <a:bodyPr rtlCol="0" anchor="ctr"/>
+          <a:lstStyle/>
+          <a:p>
+            <a:pPr algn="ctr"/>
+            <a:r>
+              <a:rPr lang="en-US" sz="1400" dirty="0" smtClean="0">
+                <a:solidFill>
+                  <a:schemeClr val="bg1">
+                    <a:lumMod val="50000"/>
+                  </a:schemeClr>
+                </a:solidFill>
+                <a:latin typeface="Gill Sans"/>
+                <a:cs typeface="Gill Sans"/>
+              </a:rPr>
+              <a:t>Updater</a:t>
+            </a:r>
+            <a:endParaRPr lang="en-US" sz="1400" dirty="0">
+              <a:solidFill>
+                <a:schemeClr val="bg1">
+                  <a:lumMod val="50000"/>
+                </a:schemeClr>
+              </a:solidFill>
+              <a:latin typeface="Gill Sans"/>
+              <a:cs typeface="Gill Sans"/>
+            </a:endParaRPr>
+          </a:p>
+        </p:txBody>
+      </p:sp>
+      <p:cxnSp>
+        <p:nvCxnSpPr>
+          <p:cNvPr id="65" name="Elbow Connector 64"/>
+          <p:cNvCxnSpPr>
+            <a:stCxn id="84" idx="1"/>
+            <a:endCxn id="81" idx="0"/>
+          </p:cNvCxnSpPr>
+          <p:nvPr/>
+        </p:nvCxnSpPr>
+        <p:spPr>
+          <a:xfrm rot="10800000" flipV="1">
+            <a:off x="3046770" y="2098052"/>
+            <a:ext cx="917014" cy="429040"/>
+          </a:xfrm>
+          <a:prstGeom prst="bentConnector2">
+            <a:avLst/>
+          </a:prstGeom>
+          <a:ln w="28575" cmpd="sng">
+            <a:solidFill>
+              <a:schemeClr val="bg1">
+                <a:lumMod val="50000"/>
+              </a:schemeClr>
+            </a:solidFill>
+            <a:headEnd type="none"/>
+            <a:tailEnd type="triangle"/>
+          </a:ln>
+          <a:effectLst/>
+        </p:spPr>
+        <p:style>
+          <a:lnRef idx="2">
+            <a:schemeClr val="accent1"/>
+          </a:lnRef>
+          <a:fillRef idx="0">
+            <a:schemeClr val="accent1"/>
+          </a:fillRef>
+          <a:effectRef idx="1">
+            <a:schemeClr val="accent1"/>
+          </a:effectRef>
+          <a:fontRef idx="minor">
+            <a:schemeClr val="tx1"/>
+          </a:fontRef>
+        </p:style>
+      </p:cxnSp>
+      <p:sp>
+        <p:nvSpPr>
+          <p:cNvPr id="98" name="Hexagon 97"/>
+          <p:cNvSpPr/>
+          <p:nvPr/>
+        </p:nvSpPr>
+        <p:spPr>
+          <a:xfrm>
+            <a:off x="7179664" y="3509338"/>
+            <a:ext cx="977731" cy="469440"/>
+          </a:xfrm>
+          <a:prstGeom prst="hexagon">
+            <a:avLst/>
+          </a:prstGeom>
+          <a:solidFill>
+            <a:schemeClr val="bg1"/>
+          </a:solidFill>
+          <a:ln w="28575">
+            <a:solidFill>
+              <a:schemeClr val="bg1">
+                <a:lumMod val="50000"/>
+              </a:schemeClr>
+            </a:solidFill>
+          </a:ln>
+          <a:effectLst/>
+        </p:spPr>
+        <p:style>
+          <a:lnRef idx="1">
+            <a:schemeClr val="accent1"/>
+          </a:lnRef>
+          <a:fillRef idx="3">
+            <a:schemeClr val="accent1"/>
+          </a:fillRef>
+          <a:effectRef idx="2">
+            <a:schemeClr val="accent1"/>
+          </a:effectRef>
+          <a:fontRef idx="minor">
+            <a:schemeClr val="lt1"/>
+          </a:fontRef>
+        </p:style>
+        <p:txBody>
+          <a:bodyPr rtlCol="0" anchor="ctr"/>
+          <a:lstStyle/>
+          <a:p>
+            <a:pPr algn="ctr"/>
+            <a:r>
+              <a:rPr lang="en-US" sz="1400" dirty="0" smtClean="0">
+                <a:solidFill>
+                  <a:schemeClr val="bg1">
+                    <a:lumMod val="50000"/>
+                  </a:schemeClr>
+                </a:solidFill>
+                <a:latin typeface="Gill Sans" charset="0"/>
+                <a:ea typeface="Gill Sans" charset="0"/>
+                <a:cs typeface="Gill Sans" charset="0"/>
+              </a:rPr>
+              <a:t>Clean</a:t>
+            </a:r>
+          </a:p>
+          <a:p>
+            <a:pPr algn="ctr"/>
+            <a:r>
+              <a:rPr lang="en-US" sz="1400" dirty="0" smtClean="0">
+                <a:solidFill>
+                  <a:schemeClr val="bg1">
+                    <a:lumMod val="50000"/>
+                  </a:schemeClr>
+                </a:solidFill>
+                <a:latin typeface="Gill Sans" charset="0"/>
+                <a:ea typeface="Gill Sans" charset="0"/>
+                <a:cs typeface="Gill Sans" charset="0"/>
+              </a:rPr>
+              <a:t>Model</a:t>
+            </a:r>
+            <a:endParaRPr lang="en-US" sz="1400" dirty="0">
+              <a:solidFill>
+                <a:schemeClr val="bg1">
+                  <a:lumMod val="50000"/>
+                </a:schemeClr>
+              </a:solidFill>
+              <a:latin typeface="Gill Sans" charset="0"/>
+              <a:ea typeface="Gill Sans" charset="0"/>
+              <a:cs typeface="Gill Sans" charset="0"/>
+            </a:endParaRPr>
+          </a:p>
+        </p:txBody>
+      </p:sp>
+      <p:cxnSp>
+        <p:nvCxnSpPr>
+          <p:cNvPr id="99" name="Straight Arrow Connector 98"/>
+          <p:cNvCxnSpPr/>
+          <p:nvPr/>
+        </p:nvCxnSpPr>
+        <p:spPr>
+          <a:xfrm>
+            <a:off x="6517362" y="3744058"/>
+            <a:ext cx="657407" cy="0"/>
+          </a:xfrm>
+          <a:prstGeom prst="straightConnector1">
+            <a:avLst/>
+          </a:prstGeom>
+          <a:ln w="28575" cmpd="sng">
+            <a:solidFill>
+              <a:srgbClr val="7F7F7F"/>
+            </a:solidFill>
+            <a:headEnd type="none"/>
+            <a:tailEnd type="triangle"/>
+          </a:ln>
+          <a:effectLst/>
+        </p:spPr>
+        <p:style>
+          <a:lnRef idx="2">
+            <a:schemeClr val="accent1"/>
+          </a:lnRef>
+          <a:fillRef idx="0">
+            <a:schemeClr val="accent1"/>
+          </a:fillRef>
+          <a:effectRef idx="1">
+            <a:schemeClr val="accent1"/>
+          </a:effectRef>
+          <a:fontRef idx="minor">
+            <a:schemeClr val="tx1"/>
+          </a:fontRef>
+        </p:style>
+      </p:cxnSp>
+      <p:sp>
+        <p:nvSpPr>
+          <p:cNvPr id="44" name="Hexagon 43"/>
+          <p:cNvSpPr/>
+          <p:nvPr/>
+        </p:nvSpPr>
+        <p:spPr>
+          <a:xfrm>
+            <a:off x="5601733" y="3509338"/>
+            <a:ext cx="1138058" cy="469440"/>
+          </a:xfrm>
+          <a:prstGeom prst="hexagon">
+            <a:avLst/>
+          </a:prstGeom>
+          <a:solidFill>
+            <a:schemeClr val="bg1"/>
+          </a:solidFill>
+          <a:ln w="28575">
+            <a:solidFill>
+              <a:schemeClr val="bg1">
+                <a:lumMod val="50000"/>
+              </a:schemeClr>
+            </a:solidFill>
+          </a:ln>
+          <a:effectLst/>
+        </p:spPr>
+        <p:style>
+          <a:lnRef idx="1">
+            <a:schemeClr val="accent1"/>
+          </a:lnRef>
+          <a:fillRef idx="3">
+            <a:schemeClr val="accent1"/>
+          </a:fillRef>
+          <a:effectRef idx="2">
+            <a:schemeClr val="accent1"/>
+          </a:effectRef>
+          <a:fontRef idx="minor">
+            <a:schemeClr val="lt1"/>
+          </a:fontRef>
+        </p:style>
+        <p:txBody>
+          <a:bodyPr rtlCol="0" anchor="ctr"/>
+          <a:lstStyle/>
+          <a:p>
+            <a:pPr algn="ctr"/>
+            <a:r>
+              <a:rPr lang="en-US" sz="1400" dirty="0" smtClean="0">
+                <a:solidFill>
+                  <a:schemeClr val="bg1">
+                    <a:lumMod val="50000"/>
+                  </a:schemeClr>
+                </a:solidFill>
+                <a:latin typeface="Gill Sans" charset="0"/>
+                <a:ea typeface="Gill Sans" charset="0"/>
+                <a:cs typeface="Gill Sans" charset="0"/>
+              </a:rPr>
+              <a:t>Cur. best</a:t>
+            </a:r>
+          </a:p>
+          <a:p>
+            <a:pPr algn="ctr"/>
+            <a:r>
+              <a:rPr lang="en-US" sz="1400" dirty="0" smtClean="0">
+                <a:solidFill>
+                  <a:schemeClr val="bg1">
+                    <a:lumMod val="50000"/>
+                  </a:schemeClr>
+                </a:solidFill>
+                <a:latin typeface="Gill Sans" charset="0"/>
+                <a:ea typeface="Gill Sans" charset="0"/>
+                <a:cs typeface="Gill Sans" charset="0"/>
+              </a:rPr>
+              <a:t>Model</a:t>
+            </a:r>
+            <a:endParaRPr lang="en-US" sz="1400" dirty="0">
+              <a:solidFill>
+                <a:schemeClr val="bg1">
+                  <a:lumMod val="50000"/>
+                </a:schemeClr>
+              </a:solidFill>
+              <a:latin typeface="Gill Sans" charset="0"/>
+              <a:ea typeface="Gill Sans" charset="0"/>
+              <a:cs typeface="Gill Sans" charset="0"/>
+            </a:endParaRPr>
+          </a:p>
+        </p:txBody>
+      </p:sp>
+    </p:spTree>
+    <p:extLst>
+      <p:ext uri="{BB962C8B-B14F-4D97-AF65-F5344CB8AC3E}">
+        <p14:creationId xmlns:p14="http://schemas.microsoft.com/office/powerpoint/2010/main" val="2134027485"/>
+      </p:ext>
+    </p:extLst>
+  </p:cSld>
+  <p:clrMapOvr>
+    <a:masterClrMapping/>
+  </p:clrMapOvr>
+</p:sld>
+</file>
+
 <file path=ppt/theme/theme1.xml><?xml version="1.0" encoding="utf-8"?>
 <a:theme xmlns:a="http://schemas.openxmlformats.org/drawingml/2006/main" name="Office Theme">
   <a:themeElements>

--- a/figs/figs.pptx
+++ b/figs/figs.pptx
@@ -5,7 +5,7 @@
     <p:sldMasterId id="2147483648" r:id="rId1"/>
   </p:sldMasterIdLst>
   <p:notesMasterIdLst>
-    <p:notesMasterId r:id="rId16"/>
+    <p:notesMasterId r:id="rId18"/>
   </p:notesMasterIdLst>
   <p:sldIdLst>
     <p:sldId id="256" r:id="rId2"/>
@@ -21,7 +21,9 @@
     <p:sldId id="266" r:id="rId12"/>
     <p:sldId id="267" r:id="rId13"/>
     <p:sldId id="268" r:id="rId14"/>
-    <p:sldId id="269" r:id="rId15"/>
+    <p:sldId id="271" r:id="rId15"/>
+    <p:sldId id="269" r:id="rId16"/>
+    <p:sldId id="270" r:id="rId17"/>
   </p:sldIdLst>
   <p:sldSz cx="9144000" cy="6858000" type="screen4x3"/>
   <p:notesSz cx="6858000" cy="9144000"/>
@@ -122,7 +124,7 @@
   </p:defaultTextStyle>
   <p:extLst>
     <p:ext uri="{EFAFB233-063F-42B5-8137-9DF3F51BA10A}">
-      <p15:sldGuideLst xmlns:p15="http://schemas.microsoft.com/office/powerpoint/2012/main" xmlns="">
+      <p15:sldGuideLst xmlns:p15="http://schemas.microsoft.com/office/powerpoint/2012/main">
         <p15:guide id="1" orient="horz" pos="2160">
           <p15:clr>
             <a:srgbClr val="A4A3A4"/>
@@ -554,7 +556,7 @@
           <a:p>
             <a:fld id="{6649FCC0-D304-2A49-B48A-CCE92E13242F}" type="slidenum">
               <a:rPr lang="en-US" smtClean="0"/>
-              <a:t>14</a:t>
+              <a:t>15</a:t>
             </a:fld>
             <a:endParaRPr lang="en-US"/>
           </a:p>
@@ -564,6 +566,90 @@
     <p:extLst>
       <p:ext uri="{BB962C8B-B14F-4D97-AF65-F5344CB8AC3E}">
         <p14:creationId xmlns:p14="http://schemas.microsoft.com/office/powerpoint/2010/main" val="1500656471"/>
+      </p:ext>
+    </p:extLst>
+  </p:cSld>
+  <p:clrMapOvr>
+    <a:masterClrMapping/>
+  </p:clrMapOvr>
+</p:notes>
+</file>
+
+<file path=ppt/notesSlides/notesSlide2.xml><?xml version="1.0" encoding="utf-8"?>
+<p:notes xmlns:a="http://schemas.openxmlformats.org/drawingml/2006/main" xmlns:r="http://schemas.openxmlformats.org/officeDocument/2006/relationships" xmlns:p="http://schemas.openxmlformats.org/presentationml/2006/main">
+  <p:cSld>
+    <p:spTree>
+      <p:nvGrpSpPr>
+        <p:cNvPr id="1" name=""/>
+        <p:cNvGrpSpPr/>
+        <p:nvPr/>
+      </p:nvGrpSpPr>
+      <p:grpSpPr>
+        <a:xfrm>
+          <a:off x="0" y="0"/>
+          <a:ext cx="0" cy="0"/>
+          <a:chOff x="0" y="0"/>
+          <a:chExt cx="0" cy="0"/>
+        </a:xfrm>
+      </p:grpSpPr>
+      <p:sp>
+        <p:nvSpPr>
+          <p:cNvPr id="2" name="Slide Image Placeholder 1"/>
+          <p:cNvSpPr>
+            <a:spLocks noGrp="1" noRot="1" noChangeAspect="1"/>
+          </p:cNvSpPr>
+          <p:nvPr>
+            <p:ph type="sldImg"/>
+          </p:nvPr>
+        </p:nvSpPr>
+        <p:spPr/>
+      </p:sp>
+      <p:sp>
+        <p:nvSpPr>
+          <p:cNvPr id="3" name="Notes Placeholder 2"/>
+          <p:cNvSpPr>
+            <a:spLocks noGrp="1"/>
+          </p:cNvSpPr>
+          <p:nvPr>
+            <p:ph type="body" idx="1"/>
+          </p:nvPr>
+        </p:nvSpPr>
+        <p:spPr/>
+        <p:txBody>
+          <a:bodyPr/>
+          <a:lstStyle/>
+          <a:p>
+            <a:endParaRPr lang="en-US" dirty="0"/>
+          </a:p>
+        </p:txBody>
+      </p:sp>
+      <p:sp>
+        <p:nvSpPr>
+          <p:cNvPr id="4" name="Slide Number Placeholder 3"/>
+          <p:cNvSpPr>
+            <a:spLocks noGrp="1"/>
+          </p:cNvSpPr>
+          <p:nvPr>
+            <p:ph type="sldNum" sz="quarter" idx="10"/>
+          </p:nvPr>
+        </p:nvSpPr>
+        <p:spPr/>
+        <p:txBody>
+          <a:bodyPr/>
+          <a:lstStyle/>
+          <a:p>
+            <a:fld id="{6649FCC0-D304-2A49-B48A-CCE92E13242F}" type="slidenum">
+              <a:rPr lang="en-US" smtClean="0"/>
+              <a:t>16</a:t>
+            </a:fld>
+            <a:endParaRPr lang="en-US"/>
+          </a:p>
+        </p:txBody>
+      </p:sp>
+    </p:spTree>
+    <p:extLst>
+      <p:ext uri="{BB962C8B-B14F-4D97-AF65-F5344CB8AC3E}">
+        <p14:creationId xmlns:p14="http://schemas.microsoft.com/office/powerpoint/2010/main" val="1551211766"/>
       </p:ext>
     </p:extLst>
   </p:cSld>
@@ -9525,6 +9611,1471 @@
           <a:chExt cx="0" cy="0"/>
         </a:xfrm>
       </p:grpSpPr>
+      <p:cxnSp>
+        <p:nvCxnSpPr>
+          <p:cNvPr id="49" name="Straight Arrow Connector 48"/>
+          <p:cNvCxnSpPr/>
+          <p:nvPr/>
+        </p:nvCxnSpPr>
+        <p:spPr>
+          <a:xfrm>
+            <a:off x="6963230" y="3089632"/>
+            <a:ext cx="514101" cy="0"/>
+          </a:xfrm>
+          <a:prstGeom prst="straightConnector1">
+            <a:avLst/>
+          </a:prstGeom>
+          <a:ln w="38100">
+            <a:solidFill>
+              <a:schemeClr val="bg1">
+                <a:lumMod val="50000"/>
+              </a:schemeClr>
+            </a:solidFill>
+            <a:tailEnd type="triangle"/>
+          </a:ln>
+          <a:effectLst/>
+        </p:spPr>
+        <p:style>
+          <a:lnRef idx="2">
+            <a:schemeClr val="accent1"/>
+          </a:lnRef>
+          <a:fillRef idx="0">
+            <a:schemeClr val="accent1"/>
+          </a:fillRef>
+          <a:effectRef idx="1">
+            <a:schemeClr val="accent1"/>
+          </a:effectRef>
+          <a:fontRef idx="minor">
+            <a:schemeClr val="tx1"/>
+          </a:fontRef>
+        </p:style>
+      </p:cxnSp>
+      <p:cxnSp>
+        <p:nvCxnSpPr>
+          <p:cNvPr id="18" name="Straight Connector 17"/>
+          <p:cNvCxnSpPr/>
+          <p:nvPr/>
+        </p:nvCxnSpPr>
+        <p:spPr>
+          <a:xfrm>
+            <a:off x="2541543" y="3230437"/>
+            <a:ext cx="9335" cy="1286534"/>
+          </a:xfrm>
+          <a:prstGeom prst="line">
+            <a:avLst/>
+          </a:prstGeom>
+          <a:ln>
+            <a:solidFill>
+              <a:schemeClr val="bg1">
+                <a:lumMod val="50000"/>
+              </a:schemeClr>
+            </a:solidFill>
+            <a:prstDash val="sysDash"/>
+          </a:ln>
+          <a:effectLst/>
+        </p:spPr>
+        <p:style>
+          <a:lnRef idx="2">
+            <a:schemeClr val="accent1"/>
+          </a:lnRef>
+          <a:fillRef idx="0">
+            <a:schemeClr val="accent1"/>
+          </a:fillRef>
+          <a:effectRef idx="1">
+            <a:schemeClr val="accent1"/>
+          </a:effectRef>
+          <a:fontRef idx="minor">
+            <a:schemeClr val="tx1"/>
+          </a:fontRef>
+        </p:style>
+      </p:cxnSp>
+      <p:sp>
+        <p:nvSpPr>
+          <p:cNvPr id="15" name="Freeform 14"/>
+          <p:cNvSpPr/>
+          <p:nvPr/>
+        </p:nvSpPr>
+        <p:spPr>
+          <a:xfrm>
+            <a:off x="1459435" y="1760245"/>
+            <a:ext cx="2243298" cy="2756726"/>
+          </a:xfrm>
+          <a:custGeom>
+            <a:avLst/>
+            <a:gdLst>
+              <a:gd name="connsiteX0" fmla="*/ 0 w 1963987"/>
+              <a:gd name="connsiteY0" fmla="*/ 0 h 1820078"/>
+              <a:gd name="connsiteX1" fmla="*/ 1008180 w 1963987"/>
+              <a:gd name="connsiteY1" fmla="*/ 1820071 h 1820078"/>
+              <a:gd name="connsiteX2" fmla="*/ 1963987 w 1963987"/>
+              <a:gd name="connsiteY2" fmla="*/ 26188 h 1820078"/>
+              <a:gd name="connsiteX3" fmla="*/ 1963987 w 1963987"/>
+              <a:gd name="connsiteY3" fmla="*/ 26188 h 1820078"/>
+            </a:gdLst>
+            <a:ahLst/>
+            <a:cxnLst>
+              <a:cxn ang="0">
+                <a:pos x="connsiteX0" y="connsiteY0"/>
+              </a:cxn>
+              <a:cxn ang="0">
+                <a:pos x="connsiteX1" y="connsiteY1"/>
+              </a:cxn>
+              <a:cxn ang="0">
+                <a:pos x="connsiteX2" y="connsiteY2"/>
+              </a:cxn>
+              <a:cxn ang="0">
+                <a:pos x="connsiteX3" y="connsiteY3"/>
+              </a:cxn>
+            </a:cxnLst>
+            <a:rect l="l" t="t" r="r" b="b"/>
+            <a:pathLst>
+              <a:path w="1963987" h="1820078">
+                <a:moveTo>
+                  <a:pt x="0" y="0"/>
+                </a:moveTo>
+                <a:cubicBezTo>
+                  <a:pt x="340424" y="907853"/>
+                  <a:pt x="680849" y="1815706"/>
+                  <a:pt x="1008180" y="1820071"/>
+                </a:cubicBezTo>
+                <a:cubicBezTo>
+                  <a:pt x="1335511" y="1824436"/>
+                  <a:pt x="1963987" y="26188"/>
+                  <a:pt x="1963987" y="26188"/>
+                </a:cubicBezTo>
+                <a:lnTo>
+                  <a:pt x="1963987" y="26188"/>
+                </a:lnTo>
+              </a:path>
+            </a:pathLst>
+          </a:custGeom>
+          <a:ln w="50800">
+            <a:solidFill>
+              <a:srgbClr val="FB3A18"/>
+            </a:solidFill>
+            <a:prstDash val="sysDot"/>
+          </a:ln>
+          <a:effectLst/>
+        </p:spPr>
+        <p:style>
+          <a:lnRef idx="2">
+            <a:schemeClr val="accent1"/>
+          </a:lnRef>
+          <a:fillRef idx="0">
+            <a:schemeClr val="accent1"/>
+          </a:fillRef>
+          <a:effectRef idx="1">
+            <a:schemeClr val="accent1"/>
+          </a:effectRef>
+          <a:fontRef idx="minor">
+            <a:schemeClr val="tx1"/>
+          </a:fontRef>
+        </p:style>
+        <p:txBody>
+          <a:bodyPr rtlCol="0" anchor="ctr"/>
+          <a:lstStyle/>
+          <a:p>
+            <a:pPr algn="ctr"/>
+            <a:endParaRPr lang="en-US"/>
+          </a:p>
+        </p:txBody>
+      </p:sp>
+      <p:sp>
+        <p:nvSpPr>
+          <p:cNvPr id="5" name="Freeform 4"/>
+          <p:cNvSpPr/>
+          <p:nvPr/>
+        </p:nvSpPr>
+        <p:spPr>
+          <a:xfrm>
+            <a:off x="2138934" y="1760245"/>
+            <a:ext cx="2304576" cy="2736653"/>
+          </a:xfrm>
+          <a:custGeom>
+            <a:avLst/>
+            <a:gdLst>
+              <a:gd name="connsiteX0" fmla="*/ 0 w 1963987"/>
+              <a:gd name="connsiteY0" fmla="*/ 0 h 1820078"/>
+              <a:gd name="connsiteX1" fmla="*/ 1008180 w 1963987"/>
+              <a:gd name="connsiteY1" fmla="*/ 1820071 h 1820078"/>
+              <a:gd name="connsiteX2" fmla="*/ 1963987 w 1963987"/>
+              <a:gd name="connsiteY2" fmla="*/ 26188 h 1820078"/>
+              <a:gd name="connsiteX3" fmla="*/ 1963987 w 1963987"/>
+              <a:gd name="connsiteY3" fmla="*/ 26188 h 1820078"/>
+            </a:gdLst>
+            <a:ahLst/>
+            <a:cxnLst>
+              <a:cxn ang="0">
+                <a:pos x="connsiteX0" y="connsiteY0"/>
+              </a:cxn>
+              <a:cxn ang="0">
+                <a:pos x="connsiteX1" y="connsiteY1"/>
+              </a:cxn>
+              <a:cxn ang="0">
+                <a:pos x="connsiteX2" y="connsiteY2"/>
+              </a:cxn>
+              <a:cxn ang="0">
+                <a:pos x="connsiteX3" y="connsiteY3"/>
+              </a:cxn>
+            </a:cxnLst>
+            <a:rect l="l" t="t" r="r" b="b"/>
+            <a:pathLst>
+              <a:path w="1963987" h="1820078">
+                <a:moveTo>
+                  <a:pt x="0" y="0"/>
+                </a:moveTo>
+                <a:cubicBezTo>
+                  <a:pt x="340424" y="907853"/>
+                  <a:pt x="680849" y="1815706"/>
+                  <a:pt x="1008180" y="1820071"/>
+                </a:cubicBezTo>
+                <a:cubicBezTo>
+                  <a:pt x="1335511" y="1824436"/>
+                  <a:pt x="1963987" y="26188"/>
+                  <a:pt x="1963987" y="26188"/>
+                </a:cubicBezTo>
+                <a:lnTo>
+                  <a:pt x="1963987" y="26188"/>
+                </a:lnTo>
+              </a:path>
+            </a:pathLst>
+          </a:custGeom>
+          <a:ln w="50800">
+            <a:solidFill>
+              <a:srgbClr val="3899FF"/>
+            </a:solidFill>
+          </a:ln>
+          <a:effectLst/>
+        </p:spPr>
+        <p:style>
+          <a:lnRef idx="2">
+            <a:schemeClr val="accent1"/>
+          </a:lnRef>
+          <a:fillRef idx="0">
+            <a:schemeClr val="accent1"/>
+          </a:fillRef>
+          <a:effectRef idx="1">
+            <a:schemeClr val="accent1"/>
+          </a:effectRef>
+          <a:fontRef idx="minor">
+            <a:schemeClr val="tx1"/>
+          </a:fontRef>
+        </p:style>
+        <p:txBody>
+          <a:bodyPr rtlCol="0" anchor="ctr"/>
+          <a:lstStyle/>
+          <a:p>
+            <a:pPr algn="ctr"/>
+            <a:endParaRPr lang="en-US"/>
+          </a:p>
+        </p:txBody>
+      </p:sp>
+      <p:cxnSp>
+        <p:nvCxnSpPr>
+          <p:cNvPr id="6" name="Straight Arrow Connector 5"/>
+          <p:cNvCxnSpPr/>
+          <p:nvPr/>
+        </p:nvCxnSpPr>
+        <p:spPr>
+          <a:xfrm flipV="1">
+            <a:off x="1247005" y="1543352"/>
+            <a:ext cx="0" cy="3116380"/>
+          </a:xfrm>
+          <a:prstGeom prst="straightConnector1">
+            <a:avLst/>
+          </a:prstGeom>
+          <a:ln w="50800">
+            <a:solidFill>
+              <a:schemeClr val="bg1">
+                <a:lumMod val="50000"/>
+              </a:schemeClr>
+            </a:solidFill>
+            <a:tailEnd type="triangle"/>
+          </a:ln>
+          <a:effectLst/>
+        </p:spPr>
+        <p:style>
+          <a:lnRef idx="2">
+            <a:schemeClr val="accent1"/>
+          </a:lnRef>
+          <a:fillRef idx="0">
+            <a:schemeClr val="accent1"/>
+          </a:fillRef>
+          <a:effectRef idx="1">
+            <a:schemeClr val="accent1"/>
+          </a:effectRef>
+          <a:fontRef idx="minor">
+            <a:schemeClr val="tx1"/>
+          </a:fontRef>
+        </p:style>
+      </p:cxnSp>
+      <p:cxnSp>
+        <p:nvCxnSpPr>
+          <p:cNvPr id="7" name="Straight Arrow Connector 6"/>
+          <p:cNvCxnSpPr/>
+          <p:nvPr/>
+        </p:nvCxnSpPr>
+        <p:spPr>
+          <a:xfrm flipV="1">
+            <a:off x="1239510" y="4623281"/>
+            <a:ext cx="3482804" cy="21461"/>
+          </a:xfrm>
+          <a:prstGeom prst="straightConnector1">
+            <a:avLst/>
+          </a:prstGeom>
+          <a:ln w="50800">
+            <a:solidFill>
+              <a:schemeClr val="bg1">
+                <a:lumMod val="50000"/>
+              </a:schemeClr>
+            </a:solidFill>
+            <a:tailEnd type="triangle"/>
+          </a:ln>
+          <a:effectLst/>
+        </p:spPr>
+        <p:style>
+          <a:lnRef idx="2">
+            <a:schemeClr val="accent1"/>
+          </a:lnRef>
+          <a:fillRef idx="0">
+            <a:schemeClr val="accent1"/>
+          </a:fillRef>
+          <a:effectRef idx="1">
+            <a:schemeClr val="accent1"/>
+          </a:effectRef>
+          <a:fontRef idx="minor">
+            <a:schemeClr val="tx1"/>
+          </a:fontRef>
+        </p:style>
+      </p:cxnSp>
+      <p:sp>
+        <p:nvSpPr>
+          <p:cNvPr id="8" name="TextBox 7"/>
+          <p:cNvSpPr txBox="1"/>
+          <p:nvPr/>
+        </p:nvSpPr>
+        <p:spPr>
+          <a:xfrm>
+            <a:off x="2798179" y="4666496"/>
+            <a:ext cx="388448" cy="461665"/>
+          </a:xfrm>
+          <a:prstGeom prst="rect">
+            <a:avLst/>
+          </a:prstGeom>
+          <a:noFill/>
+        </p:spPr>
+        <p:txBody>
+          <a:bodyPr wrap="none" rtlCol="0">
+            <a:spAutoFit/>
+          </a:bodyPr>
+          <a:lstStyle/>
+          <a:p>
+            <a:r>
+              <a:rPr lang="en-US" sz="2400" dirty="0" err="1" smtClean="0">
+                <a:solidFill>
+                  <a:schemeClr val="bg1">
+                    <a:lumMod val="50000"/>
+                  </a:schemeClr>
+                </a:solidFill>
+              </a:rPr>
+              <a:t>Θ</a:t>
+            </a:r>
+            <a:endParaRPr lang="en-US" sz="2400" dirty="0">
+              <a:solidFill>
+                <a:schemeClr val="bg1">
+                  <a:lumMod val="50000"/>
+                </a:schemeClr>
+              </a:solidFill>
+            </a:endParaRPr>
+          </a:p>
+        </p:txBody>
+      </p:sp>
+      <p:sp>
+        <p:nvSpPr>
+          <p:cNvPr id="9" name="TextBox 8"/>
+          <p:cNvSpPr txBox="1"/>
+          <p:nvPr/>
+        </p:nvSpPr>
+        <p:spPr>
+          <a:xfrm rot="16200000">
+            <a:off x="373807" y="2714653"/>
+            <a:ext cx="1174104" cy="579646"/>
+          </a:xfrm>
+          <a:prstGeom prst="rect">
+            <a:avLst/>
+          </a:prstGeom>
+          <a:noFill/>
+        </p:spPr>
+        <p:txBody>
+          <a:bodyPr wrap="none" rtlCol="0">
+            <a:spAutoFit/>
+          </a:bodyPr>
+          <a:lstStyle/>
+          <a:p>
+            <a:pPr algn="ctr">
+              <a:lnSpc>
+                <a:spcPts val="1900"/>
+              </a:lnSpc>
+            </a:pPr>
+            <a:r>
+              <a:rPr lang="en-US" sz="2400" dirty="0" smtClean="0">
+                <a:solidFill>
+                  <a:schemeClr val="bg1">
+                    <a:lumMod val="50000"/>
+                  </a:schemeClr>
+                </a:solidFill>
+              </a:rPr>
+              <a:t>Training</a:t>
+            </a:r>
+          </a:p>
+          <a:p>
+            <a:pPr algn="ctr">
+              <a:lnSpc>
+                <a:spcPts val="1900"/>
+              </a:lnSpc>
+            </a:pPr>
+            <a:r>
+              <a:rPr lang="en-US" sz="2400" dirty="0" smtClean="0">
+                <a:solidFill>
+                  <a:schemeClr val="bg1">
+                    <a:lumMod val="50000"/>
+                  </a:schemeClr>
+                </a:solidFill>
+              </a:rPr>
+              <a:t>Error</a:t>
+            </a:r>
+            <a:endParaRPr lang="en-US" sz="2400" dirty="0">
+              <a:solidFill>
+                <a:schemeClr val="bg1">
+                  <a:lumMod val="50000"/>
+                </a:schemeClr>
+              </a:solidFill>
+            </a:endParaRPr>
+          </a:p>
+        </p:txBody>
+      </p:sp>
+      <p:sp>
+        <p:nvSpPr>
+          <p:cNvPr id="10" name="5-Point Star 9"/>
+          <p:cNvSpPr/>
+          <p:nvPr/>
+        </p:nvSpPr>
+        <p:spPr>
+          <a:xfrm>
+            <a:off x="3122277" y="4187665"/>
+            <a:ext cx="379798" cy="403560"/>
+          </a:xfrm>
+          <a:prstGeom prst="star5">
+            <a:avLst/>
+          </a:prstGeom>
+          <a:solidFill>
+            <a:srgbClr val="FFB000"/>
+          </a:solidFill>
+          <a:ln>
+            <a:solidFill>
+              <a:schemeClr val="bg1"/>
+            </a:solidFill>
+          </a:ln>
+          <a:effectLst/>
+        </p:spPr>
+        <p:style>
+          <a:lnRef idx="1">
+            <a:schemeClr val="accent1"/>
+          </a:lnRef>
+          <a:fillRef idx="3">
+            <a:schemeClr val="accent1"/>
+          </a:fillRef>
+          <a:effectRef idx="2">
+            <a:schemeClr val="accent1"/>
+          </a:effectRef>
+          <a:fontRef idx="minor">
+            <a:schemeClr val="lt1"/>
+          </a:fontRef>
+        </p:style>
+        <p:txBody>
+          <a:bodyPr rtlCol="0" anchor="ctr"/>
+          <a:lstStyle/>
+          <a:p>
+            <a:pPr algn="ctr"/>
+            <a:endParaRPr lang="en-US"/>
+          </a:p>
+        </p:txBody>
+      </p:sp>
+      <p:sp>
+        <p:nvSpPr>
+          <p:cNvPr id="11" name="Oval 10"/>
+          <p:cNvSpPr/>
+          <p:nvPr/>
+        </p:nvSpPr>
+        <p:spPr>
+          <a:xfrm>
+            <a:off x="2423697" y="2978902"/>
+            <a:ext cx="235693" cy="235693"/>
+          </a:xfrm>
+          <a:prstGeom prst="ellipse">
+            <a:avLst/>
+          </a:prstGeom>
+          <a:solidFill>
+            <a:srgbClr val="FB3A18"/>
+          </a:solidFill>
+          <a:ln>
+            <a:solidFill>
+              <a:srgbClr val="FB3A18"/>
+            </a:solidFill>
+          </a:ln>
+          <a:effectLst/>
+        </p:spPr>
+        <p:style>
+          <a:lnRef idx="1">
+            <a:schemeClr val="accent1"/>
+          </a:lnRef>
+          <a:fillRef idx="3">
+            <a:schemeClr val="accent1"/>
+          </a:fillRef>
+          <a:effectRef idx="2">
+            <a:schemeClr val="accent1"/>
+          </a:effectRef>
+          <a:fontRef idx="minor">
+            <a:schemeClr val="lt1"/>
+          </a:fontRef>
+        </p:style>
+        <p:txBody>
+          <a:bodyPr rtlCol="0" anchor="ctr"/>
+          <a:lstStyle/>
+          <a:p>
+            <a:pPr algn="ctr"/>
+            <a:endParaRPr lang="en-US"/>
+          </a:p>
+        </p:txBody>
+      </p:sp>
+      <p:sp>
+        <p:nvSpPr>
+          <p:cNvPr id="12" name="TextBox 11"/>
+          <p:cNvSpPr txBox="1"/>
+          <p:nvPr/>
+        </p:nvSpPr>
+        <p:spPr>
+          <a:xfrm>
+            <a:off x="1527477" y="3972122"/>
+            <a:ext cx="771102" cy="646331"/>
+          </a:xfrm>
+          <a:prstGeom prst="rect">
+            <a:avLst/>
+          </a:prstGeom>
+          <a:noFill/>
+        </p:spPr>
+        <p:txBody>
+          <a:bodyPr wrap="none" rtlCol="0">
+            <a:spAutoFit/>
+          </a:bodyPr>
+          <a:lstStyle/>
+          <a:p>
+            <a:pPr algn="ctr"/>
+            <a:r>
+              <a:rPr lang="en-US" dirty="0" smtClean="0">
+                <a:solidFill>
+                  <a:srgbClr val="FF0000"/>
+                </a:solidFill>
+                <a:latin typeface="Gill Sans"/>
+                <a:cs typeface="Gill Sans"/>
+              </a:rPr>
+              <a:t>Dirty </a:t>
+            </a:r>
+          </a:p>
+          <a:p>
+            <a:pPr algn="ctr"/>
+            <a:r>
+              <a:rPr lang="en-US" dirty="0" smtClean="0">
+                <a:solidFill>
+                  <a:srgbClr val="FF0000"/>
+                </a:solidFill>
+                <a:latin typeface="Gill Sans"/>
+                <a:cs typeface="Gill Sans"/>
+              </a:rPr>
+              <a:t>Model</a:t>
+            </a:r>
+            <a:endParaRPr lang="en-US" dirty="0">
+              <a:solidFill>
+                <a:srgbClr val="FF0000"/>
+              </a:solidFill>
+              <a:latin typeface="Gill Sans"/>
+              <a:cs typeface="Gill Sans"/>
+            </a:endParaRPr>
+          </a:p>
+        </p:txBody>
+      </p:sp>
+      <p:sp>
+        <p:nvSpPr>
+          <p:cNvPr id="13" name="TextBox 12"/>
+          <p:cNvSpPr txBox="1"/>
+          <p:nvPr/>
+        </p:nvSpPr>
+        <p:spPr>
+          <a:xfrm>
+            <a:off x="3708092" y="3963686"/>
+            <a:ext cx="787395" cy="646331"/>
+          </a:xfrm>
+          <a:prstGeom prst="rect">
+            <a:avLst/>
+          </a:prstGeom>
+          <a:noFill/>
+        </p:spPr>
+        <p:txBody>
+          <a:bodyPr wrap="none" rtlCol="0">
+            <a:spAutoFit/>
+          </a:bodyPr>
+          <a:lstStyle/>
+          <a:p>
+            <a:pPr algn="ctr"/>
+            <a:r>
+              <a:rPr lang="en-US" dirty="0" smtClean="0">
+                <a:solidFill>
+                  <a:srgbClr val="FFB000"/>
+                </a:solidFill>
+                <a:latin typeface="Gill Sans"/>
+                <a:cs typeface="Gill Sans"/>
+              </a:rPr>
+              <a:t>Clean </a:t>
+            </a:r>
+          </a:p>
+          <a:p>
+            <a:pPr algn="ctr"/>
+            <a:r>
+              <a:rPr lang="en-US" dirty="0" smtClean="0">
+                <a:solidFill>
+                  <a:srgbClr val="FFB000"/>
+                </a:solidFill>
+                <a:latin typeface="Gill Sans"/>
+                <a:cs typeface="Gill Sans"/>
+              </a:rPr>
+              <a:t>Model</a:t>
+            </a:r>
+            <a:endParaRPr lang="en-US" dirty="0">
+              <a:solidFill>
+                <a:srgbClr val="FFB000"/>
+              </a:solidFill>
+              <a:latin typeface="Gill Sans"/>
+              <a:cs typeface="Gill Sans"/>
+            </a:endParaRPr>
+          </a:p>
+        </p:txBody>
+      </p:sp>
+      <p:sp>
+        <p:nvSpPr>
+          <p:cNvPr id="16" name="5-Point Star 15"/>
+          <p:cNvSpPr/>
+          <p:nvPr/>
+        </p:nvSpPr>
+        <p:spPr>
+          <a:xfrm>
+            <a:off x="2358150" y="4187665"/>
+            <a:ext cx="379798" cy="403560"/>
+          </a:xfrm>
+          <a:prstGeom prst="star5">
+            <a:avLst/>
+          </a:prstGeom>
+          <a:solidFill>
+            <a:srgbClr val="FB3A18"/>
+          </a:solidFill>
+          <a:ln>
+            <a:solidFill>
+              <a:schemeClr val="bg1"/>
+            </a:solidFill>
+          </a:ln>
+          <a:effectLst/>
+        </p:spPr>
+        <p:style>
+          <a:lnRef idx="1">
+            <a:schemeClr val="accent1"/>
+          </a:lnRef>
+          <a:fillRef idx="3">
+            <a:schemeClr val="accent1"/>
+          </a:fillRef>
+          <a:effectRef idx="2">
+            <a:schemeClr val="accent1"/>
+          </a:effectRef>
+          <a:fontRef idx="minor">
+            <a:schemeClr val="lt1"/>
+          </a:fontRef>
+        </p:style>
+        <p:txBody>
+          <a:bodyPr rtlCol="0" anchor="ctr"/>
+          <a:lstStyle/>
+          <a:p>
+            <a:pPr algn="ctr"/>
+            <a:endParaRPr lang="en-US"/>
+          </a:p>
+        </p:txBody>
+      </p:sp>
+      <p:sp>
+        <p:nvSpPr>
+          <p:cNvPr id="37" name="Freeform 36"/>
+          <p:cNvSpPr/>
+          <p:nvPr/>
+        </p:nvSpPr>
+        <p:spPr>
+          <a:xfrm>
+            <a:off x="6560620" y="1761494"/>
+            <a:ext cx="2304576" cy="2736653"/>
+          </a:xfrm>
+          <a:custGeom>
+            <a:avLst/>
+            <a:gdLst>
+              <a:gd name="connsiteX0" fmla="*/ 0 w 1963987"/>
+              <a:gd name="connsiteY0" fmla="*/ 0 h 1820078"/>
+              <a:gd name="connsiteX1" fmla="*/ 1008180 w 1963987"/>
+              <a:gd name="connsiteY1" fmla="*/ 1820071 h 1820078"/>
+              <a:gd name="connsiteX2" fmla="*/ 1963987 w 1963987"/>
+              <a:gd name="connsiteY2" fmla="*/ 26188 h 1820078"/>
+              <a:gd name="connsiteX3" fmla="*/ 1963987 w 1963987"/>
+              <a:gd name="connsiteY3" fmla="*/ 26188 h 1820078"/>
+            </a:gdLst>
+            <a:ahLst/>
+            <a:cxnLst>
+              <a:cxn ang="0">
+                <a:pos x="connsiteX0" y="connsiteY0"/>
+              </a:cxn>
+              <a:cxn ang="0">
+                <a:pos x="connsiteX1" y="connsiteY1"/>
+              </a:cxn>
+              <a:cxn ang="0">
+                <a:pos x="connsiteX2" y="connsiteY2"/>
+              </a:cxn>
+              <a:cxn ang="0">
+                <a:pos x="connsiteX3" y="connsiteY3"/>
+              </a:cxn>
+            </a:cxnLst>
+            <a:rect l="l" t="t" r="r" b="b"/>
+            <a:pathLst>
+              <a:path w="1963987" h="1820078">
+                <a:moveTo>
+                  <a:pt x="0" y="0"/>
+                </a:moveTo>
+                <a:cubicBezTo>
+                  <a:pt x="340424" y="907853"/>
+                  <a:pt x="680849" y="1815706"/>
+                  <a:pt x="1008180" y="1820071"/>
+                </a:cubicBezTo>
+                <a:cubicBezTo>
+                  <a:pt x="1335511" y="1824436"/>
+                  <a:pt x="1963987" y="26188"/>
+                  <a:pt x="1963987" y="26188"/>
+                </a:cubicBezTo>
+                <a:lnTo>
+                  <a:pt x="1963987" y="26188"/>
+                </a:lnTo>
+              </a:path>
+            </a:pathLst>
+          </a:custGeom>
+          <a:ln w="50800">
+            <a:solidFill>
+              <a:srgbClr val="3899FF"/>
+            </a:solidFill>
+          </a:ln>
+          <a:effectLst/>
+        </p:spPr>
+        <p:style>
+          <a:lnRef idx="2">
+            <a:schemeClr val="accent1"/>
+          </a:lnRef>
+          <a:fillRef idx="0">
+            <a:schemeClr val="accent1"/>
+          </a:fillRef>
+          <a:effectRef idx="1">
+            <a:schemeClr val="accent1"/>
+          </a:effectRef>
+          <a:fontRef idx="minor">
+            <a:schemeClr val="tx1"/>
+          </a:fontRef>
+        </p:style>
+        <p:txBody>
+          <a:bodyPr rtlCol="0" anchor="ctr"/>
+          <a:lstStyle/>
+          <a:p>
+            <a:pPr algn="ctr"/>
+            <a:endParaRPr lang="en-US"/>
+          </a:p>
+        </p:txBody>
+      </p:sp>
+      <p:cxnSp>
+        <p:nvCxnSpPr>
+          <p:cNvPr id="38" name="Straight Arrow Connector 37"/>
+          <p:cNvCxnSpPr/>
+          <p:nvPr/>
+        </p:nvCxnSpPr>
+        <p:spPr>
+          <a:xfrm flipV="1">
+            <a:off x="5668691" y="1543352"/>
+            <a:ext cx="0" cy="3117630"/>
+          </a:xfrm>
+          <a:prstGeom prst="straightConnector1">
+            <a:avLst/>
+          </a:prstGeom>
+          <a:ln w="50800">
+            <a:solidFill>
+              <a:schemeClr val="bg1">
+                <a:lumMod val="50000"/>
+              </a:schemeClr>
+            </a:solidFill>
+            <a:tailEnd type="triangle"/>
+          </a:ln>
+          <a:effectLst/>
+        </p:spPr>
+        <p:style>
+          <a:lnRef idx="2">
+            <a:schemeClr val="accent1"/>
+          </a:lnRef>
+          <a:fillRef idx="0">
+            <a:schemeClr val="accent1"/>
+          </a:fillRef>
+          <a:effectRef idx="1">
+            <a:schemeClr val="accent1"/>
+          </a:effectRef>
+          <a:fontRef idx="minor">
+            <a:schemeClr val="tx1"/>
+          </a:fontRef>
+        </p:style>
+      </p:cxnSp>
+      <p:cxnSp>
+        <p:nvCxnSpPr>
+          <p:cNvPr id="39" name="Straight Arrow Connector 38"/>
+          <p:cNvCxnSpPr/>
+          <p:nvPr/>
+        </p:nvCxnSpPr>
+        <p:spPr>
+          <a:xfrm flipV="1">
+            <a:off x="5661196" y="4624530"/>
+            <a:ext cx="3482804" cy="21461"/>
+          </a:xfrm>
+          <a:prstGeom prst="straightConnector1">
+            <a:avLst/>
+          </a:prstGeom>
+          <a:ln w="50800">
+            <a:solidFill>
+              <a:schemeClr val="bg1">
+                <a:lumMod val="50000"/>
+              </a:schemeClr>
+            </a:solidFill>
+            <a:tailEnd type="triangle"/>
+          </a:ln>
+          <a:effectLst/>
+        </p:spPr>
+        <p:style>
+          <a:lnRef idx="2">
+            <a:schemeClr val="accent1"/>
+          </a:lnRef>
+          <a:fillRef idx="0">
+            <a:schemeClr val="accent1"/>
+          </a:fillRef>
+          <a:effectRef idx="1">
+            <a:schemeClr val="accent1"/>
+          </a:effectRef>
+          <a:fontRef idx="minor">
+            <a:schemeClr val="tx1"/>
+          </a:fontRef>
+        </p:style>
+      </p:cxnSp>
+      <p:sp>
+        <p:nvSpPr>
+          <p:cNvPr id="40" name="TextBox 39"/>
+          <p:cNvSpPr txBox="1"/>
+          <p:nvPr/>
+        </p:nvSpPr>
+        <p:spPr>
+          <a:xfrm>
+            <a:off x="7218552" y="4666496"/>
+            <a:ext cx="388448" cy="461665"/>
+          </a:xfrm>
+          <a:prstGeom prst="rect">
+            <a:avLst/>
+          </a:prstGeom>
+          <a:noFill/>
+        </p:spPr>
+        <p:txBody>
+          <a:bodyPr wrap="none" rtlCol="0">
+            <a:spAutoFit/>
+          </a:bodyPr>
+          <a:lstStyle/>
+          <a:p>
+            <a:r>
+              <a:rPr lang="en-US" sz="2400" dirty="0" err="1" smtClean="0">
+                <a:solidFill>
+                  <a:schemeClr val="bg1">
+                    <a:lumMod val="50000"/>
+                  </a:schemeClr>
+                </a:solidFill>
+              </a:rPr>
+              <a:t>Θ</a:t>
+            </a:r>
+            <a:endParaRPr lang="en-US" sz="2400" dirty="0">
+              <a:solidFill>
+                <a:schemeClr val="bg1">
+                  <a:lumMod val="50000"/>
+                </a:schemeClr>
+              </a:solidFill>
+            </a:endParaRPr>
+          </a:p>
+        </p:txBody>
+      </p:sp>
+      <p:sp>
+        <p:nvSpPr>
+          <p:cNvPr id="41" name="TextBox 40"/>
+          <p:cNvSpPr txBox="1"/>
+          <p:nvPr/>
+        </p:nvSpPr>
+        <p:spPr>
+          <a:xfrm rot="16200000">
+            <a:off x="4794180" y="2867053"/>
+            <a:ext cx="1174104" cy="579646"/>
+          </a:xfrm>
+          <a:prstGeom prst="rect">
+            <a:avLst/>
+          </a:prstGeom>
+          <a:noFill/>
+        </p:spPr>
+        <p:txBody>
+          <a:bodyPr wrap="none" rtlCol="0">
+            <a:spAutoFit/>
+          </a:bodyPr>
+          <a:lstStyle/>
+          <a:p>
+            <a:pPr algn="ctr">
+              <a:lnSpc>
+                <a:spcPts val="1900"/>
+              </a:lnSpc>
+            </a:pPr>
+            <a:r>
+              <a:rPr lang="en-US" sz="2400" dirty="0" smtClean="0">
+                <a:solidFill>
+                  <a:schemeClr val="bg1">
+                    <a:lumMod val="50000"/>
+                  </a:schemeClr>
+                </a:solidFill>
+              </a:rPr>
+              <a:t>Training</a:t>
+            </a:r>
+          </a:p>
+          <a:p>
+            <a:pPr algn="ctr">
+              <a:lnSpc>
+                <a:spcPts val="1900"/>
+              </a:lnSpc>
+            </a:pPr>
+            <a:r>
+              <a:rPr lang="en-US" sz="2400" dirty="0" smtClean="0">
+                <a:solidFill>
+                  <a:schemeClr val="bg1">
+                    <a:lumMod val="50000"/>
+                  </a:schemeClr>
+                </a:solidFill>
+              </a:rPr>
+              <a:t>Error</a:t>
+            </a:r>
+            <a:endParaRPr lang="en-US" sz="2400" dirty="0">
+              <a:solidFill>
+                <a:schemeClr val="bg1">
+                  <a:lumMod val="50000"/>
+                </a:schemeClr>
+              </a:solidFill>
+            </a:endParaRPr>
+          </a:p>
+        </p:txBody>
+      </p:sp>
+      <p:sp>
+        <p:nvSpPr>
+          <p:cNvPr id="42" name="5-Point Star 41"/>
+          <p:cNvSpPr/>
+          <p:nvPr/>
+        </p:nvSpPr>
+        <p:spPr>
+          <a:xfrm>
+            <a:off x="7543963" y="4187665"/>
+            <a:ext cx="379798" cy="403560"/>
+          </a:xfrm>
+          <a:prstGeom prst="star5">
+            <a:avLst/>
+          </a:prstGeom>
+          <a:solidFill>
+            <a:srgbClr val="FFB000"/>
+          </a:solidFill>
+          <a:ln>
+            <a:solidFill>
+              <a:schemeClr val="bg1"/>
+            </a:solidFill>
+          </a:ln>
+          <a:effectLst/>
+        </p:spPr>
+        <p:style>
+          <a:lnRef idx="1">
+            <a:schemeClr val="accent1"/>
+          </a:lnRef>
+          <a:fillRef idx="3">
+            <a:schemeClr val="accent1"/>
+          </a:fillRef>
+          <a:effectRef idx="2">
+            <a:schemeClr val="accent1"/>
+          </a:effectRef>
+          <a:fontRef idx="minor">
+            <a:schemeClr val="lt1"/>
+          </a:fontRef>
+        </p:style>
+        <p:txBody>
+          <a:bodyPr rtlCol="0" anchor="ctr"/>
+          <a:lstStyle/>
+          <a:p>
+            <a:pPr algn="ctr"/>
+            <a:endParaRPr lang="en-US"/>
+          </a:p>
+        </p:txBody>
+      </p:sp>
+      <p:sp>
+        <p:nvSpPr>
+          <p:cNvPr id="43" name="Oval 42"/>
+          <p:cNvSpPr/>
+          <p:nvPr/>
+        </p:nvSpPr>
+        <p:spPr>
+          <a:xfrm>
+            <a:off x="6845383" y="2980151"/>
+            <a:ext cx="235693" cy="235693"/>
+          </a:xfrm>
+          <a:prstGeom prst="ellipse">
+            <a:avLst/>
+          </a:prstGeom>
+          <a:solidFill>
+            <a:srgbClr val="FB3A18"/>
+          </a:solidFill>
+          <a:ln>
+            <a:noFill/>
+          </a:ln>
+          <a:effectLst/>
+        </p:spPr>
+        <p:style>
+          <a:lnRef idx="1">
+            <a:schemeClr val="accent1"/>
+          </a:lnRef>
+          <a:fillRef idx="3">
+            <a:schemeClr val="accent1"/>
+          </a:fillRef>
+          <a:effectRef idx="2">
+            <a:schemeClr val="accent1"/>
+          </a:effectRef>
+          <a:fontRef idx="minor">
+            <a:schemeClr val="lt1"/>
+          </a:fontRef>
+        </p:style>
+        <p:txBody>
+          <a:bodyPr rtlCol="0" anchor="ctr"/>
+          <a:lstStyle/>
+          <a:p>
+            <a:pPr algn="ctr"/>
+            <a:endParaRPr lang="en-US"/>
+          </a:p>
+        </p:txBody>
+      </p:sp>
+      <p:sp>
+        <p:nvSpPr>
+          <p:cNvPr id="44" name="TextBox 43"/>
+          <p:cNvSpPr txBox="1"/>
+          <p:nvPr/>
+        </p:nvSpPr>
+        <p:spPr>
+          <a:xfrm>
+            <a:off x="6250106" y="3973371"/>
+            <a:ext cx="982961" cy="646331"/>
+          </a:xfrm>
+          <a:prstGeom prst="rect">
+            <a:avLst/>
+          </a:prstGeom>
+          <a:noFill/>
+        </p:spPr>
+        <p:txBody>
+          <a:bodyPr wrap="none" rtlCol="0">
+            <a:spAutoFit/>
+          </a:bodyPr>
+          <a:lstStyle/>
+          <a:p>
+            <a:pPr algn="ctr"/>
+            <a:r>
+              <a:rPr lang="en-US" dirty="0" smtClean="0">
+                <a:solidFill>
+                  <a:srgbClr val="FF0000"/>
+                </a:solidFill>
+                <a:latin typeface="Gill Sans"/>
+                <a:cs typeface="Gill Sans"/>
+              </a:rPr>
+              <a:t>Updated</a:t>
+            </a:r>
+          </a:p>
+          <a:p>
+            <a:pPr algn="ctr"/>
+            <a:r>
+              <a:rPr lang="en-US" dirty="0" smtClean="0">
+                <a:solidFill>
+                  <a:srgbClr val="FF0000"/>
+                </a:solidFill>
+                <a:latin typeface="Gill Sans"/>
+                <a:cs typeface="Gill Sans"/>
+              </a:rPr>
+              <a:t>Model</a:t>
+            </a:r>
+            <a:endParaRPr lang="en-US" dirty="0">
+              <a:solidFill>
+                <a:srgbClr val="FF0000"/>
+              </a:solidFill>
+              <a:latin typeface="Gill Sans"/>
+              <a:cs typeface="Gill Sans"/>
+            </a:endParaRPr>
+          </a:p>
+        </p:txBody>
+      </p:sp>
+      <p:cxnSp>
+        <p:nvCxnSpPr>
+          <p:cNvPr id="51" name="Straight Connector 50"/>
+          <p:cNvCxnSpPr>
+            <a:endCxn id="54" idx="0"/>
+          </p:cNvCxnSpPr>
+          <p:nvPr/>
+        </p:nvCxnSpPr>
+        <p:spPr>
+          <a:xfrm>
+            <a:off x="7410478" y="3074641"/>
+            <a:ext cx="1" cy="986203"/>
+          </a:xfrm>
+          <a:prstGeom prst="line">
+            <a:avLst/>
+          </a:prstGeom>
+          <a:ln>
+            <a:solidFill>
+              <a:schemeClr val="bg1">
+                <a:lumMod val="50000"/>
+              </a:schemeClr>
+            </a:solidFill>
+            <a:prstDash val="sysDash"/>
+          </a:ln>
+          <a:effectLst/>
+        </p:spPr>
+        <p:style>
+          <a:lnRef idx="2">
+            <a:schemeClr val="accent1"/>
+          </a:lnRef>
+          <a:fillRef idx="0">
+            <a:schemeClr val="accent1"/>
+          </a:fillRef>
+          <a:effectRef idx="1">
+            <a:schemeClr val="accent1"/>
+          </a:effectRef>
+          <a:fontRef idx="minor">
+            <a:schemeClr val="tx1"/>
+          </a:fontRef>
+        </p:style>
+      </p:cxnSp>
+      <p:sp>
+        <p:nvSpPr>
+          <p:cNvPr id="54" name="Oval 53"/>
+          <p:cNvSpPr/>
+          <p:nvPr/>
+        </p:nvSpPr>
+        <p:spPr>
+          <a:xfrm>
+            <a:off x="7292632" y="4060844"/>
+            <a:ext cx="235693" cy="235693"/>
+          </a:xfrm>
+          <a:prstGeom prst="ellipse">
+            <a:avLst/>
+          </a:prstGeom>
+          <a:solidFill>
+            <a:srgbClr val="FF3C18">
+              <a:alpha val="65882"/>
+            </a:srgbClr>
+          </a:solidFill>
+          <a:ln>
+            <a:noFill/>
+          </a:ln>
+          <a:effectLst/>
+        </p:spPr>
+        <p:style>
+          <a:lnRef idx="1">
+            <a:schemeClr val="accent1"/>
+          </a:lnRef>
+          <a:fillRef idx="3">
+            <a:schemeClr val="accent1"/>
+          </a:fillRef>
+          <a:effectRef idx="2">
+            <a:schemeClr val="accent1"/>
+          </a:effectRef>
+          <a:fontRef idx="minor">
+            <a:schemeClr val="lt1"/>
+          </a:fontRef>
+        </p:style>
+        <p:txBody>
+          <a:bodyPr rtlCol="0" anchor="ctr"/>
+          <a:lstStyle/>
+          <a:p>
+            <a:pPr algn="ctr"/>
+            <a:endParaRPr lang="en-US"/>
+          </a:p>
+        </p:txBody>
+      </p:sp>
+      <p:sp>
+        <p:nvSpPr>
+          <p:cNvPr id="55" name="TextBox 54"/>
+          <p:cNvSpPr txBox="1"/>
+          <p:nvPr/>
+        </p:nvSpPr>
+        <p:spPr>
+          <a:xfrm>
+            <a:off x="6939592" y="2568899"/>
+            <a:ext cx="1048685" cy="369332"/>
+          </a:xfrm>
+          <a:prstGeom prst="rect">
+            <a:avLst/>
+          </a:prstGeom>
+          <a:noFill/>
+        </p:spPr>
+        <p:txBody>
+          <a:bodyPr wrap="none" rtlCol="0">
+            <a:spAutoFit/>
+          </a:bodyPr>
+          <a:lstStyle/>
+          <a:p>
+            <a:r>
+              <a:rPr lang="en-US" smtClean="0">
+                <a:solidFill>
+                  <a:schemeClr val="bg1">
+                    <a:lumMod val="50000"/>
+                  </a:schemeClr>
+                </a:solidFill>
+                <a:latin typeface="Gill Sans"/>
+                <a:cs typeface="Gill Sans"/>
+              </a:rPr>
+              <a:t>Update </a:t>
+            </a:r>
+            <a:r>
+              <a:rPr lang="en-US" smtClean="0">
+                <a:solidFill>
+                  <a:schemeClr val="bg1">
+                    <a:lumMod val="50000"/>
+                  </a:schemeClr>
+                </a:solidFill>
+                <a:latin typeface="Achilles" charset="0"/>
+                <a:ea typeface="Achilles" charset="0"/>
+                <a:cs typeface="Achilles" charset="0"/>
+              </a:rPr>
+              <a:t>y</a:t>
+            </a:r>
+            <a:endParaRPr lang="en-US" dirty="0" smtClean="0">
+              <a:solidFill>
+                <a:schemeClr val="bg1">
+                  <a:lumMod val="50000"/>
+                </a:schemeClr>
+              </a:solidFill>
+              <a:latin typeface="Achilles" charset="0"/>
+              <a:ea typeface="Achilles" charset="0"/>
+              <a:cs typeface="Achilles" charset="0"/>
+            </a:endParaRPr>
+          </a:p>
+        </p:txBody>
+      </p:sp>
+      <p:sp>
+        <p:nvSpPr>
+          <p:cNvPr id="2" name="TextBox 1"/>
+          <p:cNvSpPr txBox="1"/>
+          <p:nvPr/>
+        </p:nvSpPr>
+        <p:spPr>
+          <a:xfrm>
+            <a:off x="937371" y="5128823"/>
+            <a:ext cx="4087081" cy="461665"/>
+          </a:xfrm>
+          <a:prstGeom prst="rect">
+            <a:avLst/>
+          </a:prstGeom>
+          <a:noFill/>
+        </p:spPr>
+        <p:txBody>
+          <a:bodyPr wrap="none" rtlCol="0">
+            <a:spAutoFit/>
+          </a:bodyPr>
+          <a:lstStyle/>
+          <a:p>
+            <a:r>
+              <a:rPr lang="en-US" sz="2400" dirty="0" smtClean="0">
+                <a:latin typeface="Times New Roman" charset="0"/>
+                <a:ea typeface="Times New Roman" charset="0"/>
+                <a:cs typeface="Times New Roman" charset="0"/>
+              </a:rPr>
+              <a:t>(A) Before </a:t>
+            </a:r>
+            <a:r>
+              <a:rPr lang="en-US" sz="2400" dirty="0" err="1" smtClean="0">
+                <a:latin typeface="Times New Roman" charset="0"/>
+                <a:ea typeface="Times New Roman" charset="0"/>
+                <a:cs typeface="Times New Roman" charset="0"/>
+              </a:rPr>
+              <a:t>ActiveClean</a:t>
+            </a:r>
+            <a:r>
+              <a:rPr lang="en-US" sz="2400" dirty="0" smtClean="0">
+                <a:latin typeface="Times New Roman" charset="0"/>
+                <a:ea typeface="Times New Roman" charset="0"/>
+                <a:cs typeface="Times New Roman" charset="0"/>
+              </a:rPr>
+              <a:t> Update</a:t>
+            </a:r>
+            <a:endParaRPr lang="en-US" sz="2400" dirty="0">
+              <a:latin typeface="Times New Roman" charset="0"/>
+              <a:ea typeface="Times New Roman" charset="0"/>
+              <a:cs typeface="Times New Roman" charset="0"/>
+            </a:endParaRPr>
+          </a:p>
+        </p:txBody>
+      </p:sp>
+      <p:sp>
+        <p:nvSpPr>
+          <p:cNvPr id="32" name="TextBox 31"/>
+          <p:cNvSpPr txBox="1"/>
+          <p:nvPr/>
+        </p:nvSpPr>
+        <p:spPr>
+          <a:xfrm>
+            <a:off x="5470113" y="5126093"/>
+            <a:ext cx="3864969" cy="461665"/>
+          </a:xfrm>
+          <a:prstGeom prst="rect">
+            <a:avLst/>
+          </a:prstGeom>
+          <a:noFill/>
+        </p:spPr>
+        <p:txBody>
+          <a:bodyPr wrap="none" rtlCol="0">
+            <a:spAutoFit/>
+          </a:bodyPr>
+          <a:lstStyle/>
+          <a:p>
+            <a:r>
+              <a:rPr lang="en-US" sz="2400" dirty="0" smtClean="0">
+                <a:latin typeface="Times New Roman" charset="0"/>
+                <a:ea typeface="Times New Roman" charset="0"/>
+                <a:cs typeface="Times New Roman" charset="0"/>
+              </a:rPr>
+              <a:t>(B) After </a:t>
+            </a:r>
+            <a:r>
+              <a:rPr lang="en-US" sz="2400" dirty="0" err="1" smtClean="0">
+                <a:latin typeface="Times New Roman" charset="0"/>
+                <a:ea typeface="Times New Roman" charset="0"/>
+                <a:cs typeface="Times New Roman" charset="0"/>
+              </a:rPr>
+              <a:t>ActiveClean</a:t>
+            </a:r>
+            <a:r>
+              <a:rPr lang="en-US" sz="2400" dirty="0" smtClean="0">
+                <a:latin typeface="Times New Roman" charset="0"/>
+                <a:ea typeface="Times New Roman" charset="0"/>
+                <a:cs typeface="Times New Roman" charset="0"/>
+              </a:rPr>
+              <a:t> Update</a:t>
+            </a:r>
+            <a:endParaRPr lang="en-US" sz="2400" dirty="0">
+              <a:latin typeface="Times New Roman" charset="0"/>
+              <a:ea typeface="Times New Roman" charset="0"/>
+              <a:cs typeface="Times New Roman" charset="0"/>
+            </a:endParaRPr>
+          </a:p>
+        </p:txBody>
+      </p:sp>
+      <p:sp>
+        <p:nvSpPr>
+          <p:cNvPr id="23" name="TextBox 22"/>
+          <p:cNvSpPr txBox="1"/>
+          <p:nvPr/>
+        </p:nvSpPr>
+        <p:spPr>
+          <a:xfrm>
+            <a:off x="1893959" y="2291900"/>
+            <a:ext cx="1330621" cy="646331"/>
+          </a:xfrm>
+          <a:prstGeom prst="rect">
+            <a:avLst/>
+          </a:prstGeom>
+          <a:solidFill>
+            <a:schemeClr val="bg1"/>
+          </a:solidFill>
+        </p:spPr>
+        <p:txBody>
+          <a:bodyPr wrap="none" rtlCol="0">
+            <a:spAutoFit/>
+          </a:bodyPr>
+          <a:lstStyle/>
+          <a:p>
+            <a:pPr algn="ctr"/>
+            <a:r>
+              <a:rPr lang="en-US" dirty="0" smtClean="0">
+                <a:solidFill>
+                  <a:srgbClr val="FF3C18"/>
+                </a:solidFill>
+                <a:latin typeface="Gill Sans" charset="0"/>
+                <a:ea typeface="Gill Sans" charset="0"/>
+                <a:cs typeface="Gill Sans" charset="0"/>
+              </a:rPr>
+              <a:t>Dirty model</a:t>
+            </a:r>
+          </a:p>
+          <a:p>
+            <a:pPr algn="ctr"/>
+            <a:r>
+              <a:rPr lang="en-US" dirty="0" smtClean="0">
+                <a:solidFill>
+                  <a:srgbClr val="FF3C18"/>
+                </a:solidFill>
+                <a:latin typeface="Gill Sans" charset="0"/>
+                <a:ea typeface="Gill Sans" charset="0"/>
+                <a:cs typeface="Gill Sans" charset="0"/>
+              </a:rPr>
+              <a:t>(projected)</a:t>
+            </a:r>
+            <a:endParaRPr lang="en-US" dirty="0">
+              <a:solidFill>
+                <a:srgbClr val="FF3C18"/>
+              </a:solidFill>
+              <a:latin typeface="Gill Sans" charset="0"/>
+              <a:ea typeface="Gill Sans" charset="0"/>
+              <a:cs typeface="Gill Sans" charset="0"/>
+            </a:endParaRPr>
+          </a:p>
+        </p:txBody>
+      </p:sp>
+    </p:spTree>
+    <p:extLst>
+      <p:ext uri="{BB962C8B-B14F-4D97-AF65-F5344CB8AC3E}">
+        <p14:creationId xmlns:p14="http://schemas.microsoft.com/office/powerpoint/2010/main" val="479368303"/>
+      </p:ext>
+    </p:extLst>
+  </p:cSld>
+  <p:clrMapOvr>
+    <a:masterClrMapping/>
+  </p:clrMapOvr>
+</p:sld>
+</file>
+
+<file path=ppt/slides/slide15.xml><?xml version="1.0" encoding="utf-8"?>
+<p:sld xmlns:a="http://schemas.openxmlformats.org/drawingml/2006/main" xmlns:r="http://schemas.openxmlformats.org/officeDocument/2006/relationships" xmlns:p="http://schemas.openxmlformats.org/presentationml/2006/main">
+  <p:cSld>
+    <p:spTree>
+      <p:nvGrpSpPr>
+        <p:cNvPr id="1" name=""/>
+        <p:cNvGrpSpPr/>
+        <p:nvPr/>
+      </p:nvGrpSpPr>
+      <p:grpSpPr>
+        <a:xfrm>
+          <a:off x="0" y="0"/>
+          <a:ext cx="0" cy="0"/>
+          <a:chOff x="0" y="0"/>
+          <a:chExt cx="0" cy="0"/>
+        </a:xfrm>
+      </p:grpSpPr>
       <p:grpSp>
         <p:nvGrpSpPr>
           <p:cNvPr id="16" name="Group 15"/>
@@ -11487,6 +13038,1893 @@
     <p:extLst>
       <p:ext uri="{BB962C8B-B14F-4D97-AF65-F5344CB8AC3E}">
         <p14:creationId xmlns:p14="http://schemas.microsoft.com/office/powerpoint/2010/main" val="4002928371"/>
+      </p:ext>
+    </p:extLst>
+  </p:cSld>
+  <p:clrMapOvr>
+    <a:masterClrMapping/>
+  </p:clrMapOvr>
+</p:sld>
+</file>
+
+<file path=ppt/slides/slide16.xml><?xml version="1.0" encoding="utf-8"?>
+<p:sld xmlns:a="http://schemas.openxmlformats.org/drawingml/2006/main" xmlns:r="http://schemas.openxmlformats.org/officeDocument/2006/relationships" xmlns:p="http://schemas.openxmlformats.org/presentationml/2006/main">
+  <p:cSld>
+    <p:spTree>
+      <p:nvGrpSpPr>
+        <p:cNvPr id="1" name=""/>
+        <p:cNvGrpSpPr/>
+        <p:nvPr/>
+      </p:nvGrpSpPr>
+      <p:grpSpPr>
+        <a:xfrm>
+          <a:off x="0" y="0"/>
+          <a:ext cx="0" cy="0"/>
+          <a:chOff x="0" y="0"/>
+          <a:chExt cx="0" cy="0"/>
+        </a:xfrm>
+      </p:grpSpPr>
+      <p:cxnSp>
+        <p:nvCxnSpPr>
+          <p:cNvPr id="76" name="Straight Connector 75"/>
+          <p:cNvCxnSpPr/>
+          <p:nvPr/>
+        </p:nvCxnSpPr>
+        <p:spPr>
+          <a:xfrm flipH="1" flipV="1">
+            <a:off x="10115153" y="1089534"/>
+            <a:ext cx="1355652" cy="2559704"/>
+          </a:xfrm>
+          <a:prstGeom prst="line">
+            <a:avLst/>
+          </a:prstGeom>
+          <a:ln w="50800">
+            <a:solidFill>
+              <a:srgbClr val="FB3A18"/>
+            </a:solidFill>
+          </a:ln>
+          <a:effectLst/>
+        </p:spPr>
+        <p:style>
+          <a:lnRef idx="2">
+            <a:schemeClr val="accent1"/>
+          </a:lnRef>
+          <a:fillRef idx="0">
+            <a:schemeClr val="accent1"/>
+          </a:fillRef>
+          <a:effectRef idx="1">
+            <a:schemeClr val="accent1"/>
+          </a:effectRef>
+          <a:fontRef idx="minor">
+            <a:schemeClr val="tx1"/>
+          </a:fontRef>
+        </p:style>
+      </p:cxnSp>
+      <p:sp>
+        <p:nvSpPr>
+          <p:cNvPr id="33" name="TextBox 32"/>
+          <p:cNvSpPr txBox="1"/>
+          <p:nvPr/>
+        </p:nvSpPr>
+        <p:spPr>
+          <a:xfrm>
+            <a:off x="531165" y="4054044"/>
+            <a:ext cx="2685351" cy="461665"/>
+          </a:xfrm>
+          <a:prstGeom prst="rect">
+            <a:avLst/>
+          </a:prstGeom>
+          <a:noFill/>
+        </p:spPr>
+        <p:txBody>
+          <a:bodyPr wrap="none" rtlCol="0">
+            <a:spAutoFit/>
+          </a:bodyPr>
+          <a:lstStyle/>
+          <a:p>
+            <a:r>
+              <a:rPr lang="en-US" sz="2400" dirty="0" smtClean="0">
+                <a:latin typeface="Times New Roman" charset="0"/>
+                <a:ea typeface="Times New Roman" charset="0"/>
+                <a:cs typeface="Times New Roman" charset="0"/>
+              </a:rPr>
+              <a:t>(a) Systematic Error</a:t>
+            </a:r>
+            <a:endParaRPr lang="en-US" sz="2400" dirty="0">
+              <a:latin typeface="Times New Roman" charset="0"/>
+              <a:ea typeface="Times New Roman" charset="0"/>
+              <a:cs typeface="Times New Roman" charset="0"/>
+            </a:endParaRPr>
+          </a:p>
+        </p:txBody>
+      </p:sp>
+      <p:cxnSp>
+        <p:nvCxnSpPr>
+          <p:cNvPr id="42" name="Straight Connector 41"/>
+          <p:cNvCxnSpPr/>
+          <p:nvPr/>
+        </p:nvCxnSpPr>
+        <p:spPr>
+          <a:xfrm flipH="1" flipV="1">
+            <a:off x="4191213" y="1232748"/>
+            <a:ext cx="3411038" cy="2096952"/>
+          </a:xfrm>
+          <a:prstGeom prst="line">
+            <a:avLst/>
+          </a:prstGeom>
+          <a:ln w="50800">
+            <a:solidFill>
+              <a:srgbClr val="FB3A18"/>
+            </a:solidFill>
+          </a:ln>
+          <a:effectLst/>
+        </p:spPr>
+        <p:style>
+          <a:lnRef idx="2">
+            <a:schemeClr val="accent1"/>
+          </a:lnRef>
+          <a:fillRef idx="0">
+            <a:schemeClr val="accent1"/>
+          </a:fillRef>
+          <a:effectRef idx="1">
+            <a:schemeClr val="accent1"/>
+          </a:effectRef>
+          <a:fontRef idx="minor">
+            <a:schemeClr val="tx1"/>
+          </a:fontRef>
+        </p:style>
+      </p:cxnSp>
+      <p:sp>
+        <p:nvSpPr>
+          <p:cNvPr id="43" name="TextBox 42"/>
+          <p:cNvSpPr txBox="1"/>
+          <p:nvPr/>
+        </p:nvSpPr>
+        <p:spPr>
+          <a:xfrm>
+            <a:off x="4191213" y="4058384"/>
+            <a:ext cx="3460202" cy="461665"/>
+          </a:xfrm>
+          <a:prstGeom prst="rect">
+            <a:avLst/>
+          </a:prstGeom>
+          <a:noFill/>
+        </p:spPr>
+        <p:txBody>
+          <a:bodyPr wrap="none" rtlCol="0">
+            <a:spAutoFit/>
+          </a:bodyPr>
+          <a:lstStyle/>
+          <a:p>
+            <a:r>
+              <a:rPr lang="en-US" sz="2400" dirty="0" smtClean="0">
+                <a:latin typeface="Times New Roman" charset="0"/>
+                <a:ea typeface="Times New Roman" charset="0"/>
+                <a:cs typeface="Times New Roman" charset="0"/>
+              </a:rPr>
+              <a:t>(b) Mixed Dirty and Clean</a:t>
+            </a:r>
+            <a:endParaRPr lang="en-US" sz="2400" dirty="0">
+              <a:latin typeface="Times New Roman" charset="0"/>
+              <a:ea typeface="Times New Roman" charset="0"/>
+              <a:cs typeface="Times New Roman" charset="0"/>
+            </a:endParaRPr>
+          </a:p>
+        </p:txBody>
+      </p:sp>
+      <p:sp>
+        <p:nvSpPr>
+          <p:cNvPr id="44" name="Multiply 43"/>
+          <p:cNvSpPr/>
+          <p:nvPr/>
+        </p:nvSpPr>
+        <p:spPr>
+          <a:xfrm>
+            <a:off x="4495841" y="1038975"/>
+            <a:ext cx="405915" cy="405915"/>
+          </a:xfrm>
+          <a:prstGeom prst="mathMultiply">
+            <a:avLst/>
+          </a:prstGeom>
+          <a:solidFill>
+            <a:srgbClr val="FB3A18">
+              <a:alpha val="85098"/>
+            </a:srgbClr>
+          </a:solidFill>
+          <a:ln>
+            <a:noFill/>
+          </a:ln>
+          <a:effectLst/>
+        </p:spPr>
+        <p:style>
+          <a:lnRef idx="1">
+            <a:schemeClr val="accent1"/>
+          </a:lnRef>
+          <a:fillRef idx="3">
+            <a:schemeClr val="accent1"/>
+          </a:fillRef>
+          <a:effectRef idx="2">
+            <a:schemeClr val="accent1"/>
+          </a:effectRef>
+          <a:fontRef idx="minor">
+            <a:schemeClr val="lt1"/>
+          </a:fontRef>
+        </p:style>
+        <p:txBody>
+          <a:bodyPr rtlCol="0" anchor="ctr"/>
+          <a:lstStyle/>
+          <a:p>
+            <a:pPr algn="ctr"/>
+            <a:endParaRPr lang="en-US"/>
+          </a:p>
+        </p:txBody>
+      </p:sp>
+      <p:sp>
+        <p:nvSpPr>
+          <p:cNvPr id="45" name="Multiply 44"/>
+          <p:cNvSpPr/>
+          <p:nvPr/>
+        </p:nvSpPr>
+        <p:spPr>
+          <a:xfrm>
+            <a:off x="4548056" y="1672213"/>
+            <a:ext cx="405915" cy="405915"/>
+          </a:xfrm>
+          <a:prstGeom prst="mathMultiply">
+            <a:avLst/>
+          </a:prstGeom>
+          <a:solidFill>
+            <a:srgbClr val="FB3A18">
+              <a:alpha val="85098"/>
+            </a:srgbClr>
+          </a:solidFill>
+          <a:ln>
+            <a:noFill/>
+          </a:ln>
+          <a:effectLst/>
+        </p:spPr>
+        <p:style>
+          <a:lnRef idx="1">
+            <a:schemeClr val="accent1"/>
+          </a:lnRef>
+          <a:fillRef idx="3">
+            <a:schemeClr val="accent1"/>
+          </a:fillRef>
+          <a:effectRef idx="2">
+            <a:schemeClr val="accent1"/>
+          </a:effectRef>
+          <a:fontRef idx="minor">
+            <a:schemeClr val="lt1"/>
+          </a:fontRef>
+        </p:style>
+        <p:txBody>
+          <a:bodyPr rtlCol="0" anchor="ctr"/>
+          <a:lstStyle/>
+          <a:p>
+            <a:pPr algn="ctr"/>
+            <a:endParaRPr lang="en-US"/>
+          </a:p>
+        </p:txBody>
+      </p:sp>
+      <p:sp>
+        <p:nvSpPr>
+          <p:cNvPr id="46" name="Multiply 45"/>
+          <p:cNvSpPr/>
+          <p:nvPr/>
+        </p:nvSpPr>
+        <p:spPr>
+          <a:xfrm>
+            <a:off x="4694470" y="2173418"/>
+            <a:ext cx="405915" cy="405915"/>
+          </a:xfrm>
+          <a:prstGeom prst="mathMultiply">
+            <a:avLst/>
+          </a:prstGeom>
+          <a:solidFill>
+            <a:srgbClr val="FB3A18">
+              <a:alpha val="85098"/>
+            </a:srgbClr>
+          </a:solidFill>
+          <a:ln>
+            <a:noFill/>
+          </a:ln>
+          <a:effectLst/>
+        </p:spPr>
+        <p:style>
+          <a:lnRef idx="1">
+            <a:schemeClr val="accent1"/>
+          </a:lnRef>
+          <a:fillRef idx="3">
+            <a:schemeClr val="accent1"/>
+          </a:fillRef>
+          <a:effectRef idx="2">
+            <a:schemeClr val="accent1"/>
+          </a:effectRef>
+          <a:fontRef idx="minor">
+            <a:schemeClr val="lt1"/>
+          </a:fontRef>
+        </p:style>
+        <p:txBody>
+          <a:bodyPr rtlCol="0" anchor="ctr"/>
+          <a:lstStyle/>
+          <a:p>
+            <a:pPr algn="ctr"/>
+            <a:endParaRPr lang="en-US"/>
+          </a:p>
+        </p:txBody>
+      </p:sp>
+      <p:sp>
+        <p:nvSpPr>
+          <p:cNvPr id="47" name="Multiply 46"/>
+          <p:cNvSpPr/>
+          <p:nvPr/>
+        </p:nvSpPr>
+        <p:spPr>
+          <a:xfrm>
+            <a:off x="5310991" y="1038975"/>
+            <a:ext cx="405915" cy="405915"/>
+          </a:xfrm>
+          <a:prstGeom prst="mathMultiply">
+            <a:avLst/>
+          </a:prstGeom>
+          <a:solidFill>
+            <a:srgbClr val="FB3A18">
+              <a:alpha val="85098"/>
+            </a:srgbClr>
+          </a:solidFill>
+          <a:ln>
+            <a:noFill/>
+          </a:ln>
+          <a:effectLst/>
+        </p:spPr>
+        <p:style>
+          <a:lnRef idx="1">
+            <a:schemeClr val="accent1"/>
+          </a:lnRef>
+          <a:fillRef idx="3">
+            <a:schemeClr val="accent1"/>
+          </a:fillRef>
+          <a:effectRef idx="2">
+            <a:schemeClr val="accent1"/>
+          </a:effectRef>
+          <a:fontRef idx="minor">
+            <a:schemeClr val="lt1"/>
+          </a:fontRef>
+        </p:style>
+        <p:txBody>
+          <a:bodyPr rtlCol="0" anchor="ctr"/>
+          <a:lstStyle/>
+          <a:p>
+            <a:pPr algn="ctr"/>
+            <a:endParaRPr lang="en-US"/>
+          </a:p>
+        </p:txBody>
+      </p:sp>
+      <p:cxnSp>
+        <p:nvCxnSpPr>
+          <p:cNvPr id="61" name="Straight Arrow Connector 60"/>
+          <p:cNvCxnSpPr/>
+          <p:nvPr/>
+        </p:nvCxnSpPr>
+        <p:spPr>
+          <a:xfrm flipV="1">
+            <a:off x="1495512" y="2119233"/>
+            <a:ext cx="737102" cy="1"/>
+          </a:xfrm>
+          <a:prstGeom prst="straightConnector1">
+            <a:avLst/>
+          </a:prstGeom>
+          <a:ln w="38100">
+            <a:solidFill>
+              <a:schemeClr val="bg1">
+                <a:lumMod val="75000"/>
+              </a:schemeClr>
+            </a:solidFill>
+            <a:tailEnd type="triangle"/>
+          </a:ln>
+          <a:effectLst/>
+        </p:spPr>
+        <p:style>
+          <a:lnRef idx="2">
+            <a:schemeClr val="accent1"/>
+          </a:lnRef>
+          <a:fillRef idx="0">
+            <a:schemeClr val="accent1"/>
+          </a:fillRef>
+          <a:effectRef idx="1">
+            <a:schemeClr val="accent1"/>
+          </a:effectRef>
+          <a:fontRef idx="minor">
+            <a:schemeClr val="tx1"/>
+          </a:fontRef>
+        </p:style>
+      </p:cxnSp>
+      <p:sp>
+        <p:nvSpPr>
+          <p:cNvPr id="77" name="TextBox 76"/>
+          <p:cNvSpPr txBox="1"/>
+          <p:nvPr/>
+        </p:nvSpPr>
+        <p:spPr>
+          <a:xfrm>
+            <a:off x="8346482" y="4058384"/>
+            <a:ext cx="3124323" cy="461665"/>
+          </a:xfrm>
+          <a:prstGeom prst="rect">
+            <a:avLst/>
+          </a:prstGeom>
+          <a:noFill/>
+        </p:spPr>
+        <p:txBody>
+          <a:bodyPr wrap="none" rtlCol="0">
+            <a:spAutoFit/>
+          </a:bodyPr>
+          <a:lstStyle/>
+          <a:p>
+            <a:r>
+              <a:rPr lang="en-US" sz="2400" dirty="0" smtClean="0">
+                <a:latin typeface="Times New Roman" charset="0"/>
+                <a:ea typeface="Times New Roman" charset="0"/>
+                <a:cs typeface="Times New Roman" charset="0"/>
+              </a:rPr>
+              <a:t>(c) Sampled Clean Data</a:t>
+            </a:r>
+            <a:endParaRPr lang="en-US" sz="2400" dirty="0">
+              <a:latin typeface="Times New Roman" charset="0"/>
+              <a:ea typeface="Times New Roman" charset="0"/>
+              <a:cs typeface="Times New Roman" charset="0"/>
+            </a:endParaRPr>
+          </a:p>
+        </p:txBody>
+      </p:sp>
+      <p:cxnSp>
+        <p:nvCxnSpPr>
+          <p:cNvPr id="31" name="Straight Connector 30"/>
+          <p:cNvCxnSpPr/>
+          <p:nvPr/>
+        </p:nvCxnSpPr>
+        <p:spPr>
+          <a:xfrm flipV="1">
+            <a:off x="1216408" y="910126"/>
+            <a:ext cx="2142643" cy="3125833"/>
+          </a:xfrm>
+          <a:prstGeom prst="line">
+            <a:avLst/>
+          </a:prstGeom>
+          <a:ln w="50800">
+            <a:solidFill>
+              <a:srgbClr val="3899FF"/>
+            </a:solidFill>
+          </a:ln>
+          <a:effectLst/>
+        </p:spPr>
+        <p:style>
+          <a:lnRef idx="2">
+            <a:schemeClr val="accent1"/>
+          </a:lnRef>
+          <a:fillRef idx="0">
+            <a:schemeClr val="accent1"/>
+          </a:fillRef>
+          <a:effectRef idx="1">
+            <a:schemeClr val="accent1"/>
+          </a:effectRef>
+          <a:fontRef idx="minor">
+            <a:schemeClr val="tx1"/>
+          </a:fontRef>
+        </p:style>
+      </p:cxnSp>
+      <p:cxnSp>
+        <p:nvCxnSpPr>
+          <p:cNvPr id="51" name="Straight Connector 50"/>
+          <p:cNvCxnSpPr/>
+          <p:nvPr/>
+        </p:nvCxnSpPr>
+        <p:spPr>
+          <a:xfrm flipV="1">
+            <a:off x="341676" y="910126"/>
+            <a:ext cx="1163141" cy="1790702"/>
+          </a:xfrm>
+          <a:prstGeom prst="line">
+            <a:avLst/>
+          </a:prstGeom>
+          <a:ln w="50800">
+            <a:solidFill>
+              <a:srgbClr val="FB3A18"/>
+            </a:solidFill>
+          </a:ln>
+          <a:effectLst/>
+        </p:spPr>
+        <p:style>
+          <a:lnRef idx="2">
+            <a:schemeClr val="accent1"/>
+          </a:lnRef>
+          <a:fillRef idx="0">
+            <a:schemeClr val="accent1"/>
+          </a:fillRef>
+          <a:effectRef idx="1">
+            <a:schemeClr val="accent1"/>
+          </a:effectRef>
+          <a:fontRef idx="minor">
+            <a:schemeClr val="tx1"/>
+          </a:fontRef>
+        </p:style>
+      </p:cxnSp>
+      <p:sp>
+        <p:nvSpPr>
+          <p:cNvPr id="2" name="Rectangle 1"/>
+          <p:cNvSpPr/>
+          <p:nvPr/>
+        </p:nvSpPr>
+        <p:spPr>
+          <a:xfrm>
+            <a:off x="2834896" y="3279906"/>
+            <a:ext cx="197311" cy="200528"/>
+          </a:xfrm>
+          <a:prstGeom prst="rect">
+            <a:avLst/>
+          </a:prstGeom>
+          <a:solidFill>
+            <a:srgbClr val="3899FF"/>
+          </a:solidFill>
+          <a:ln w="34925">
+            <a:noFill/>
+          </a:ln>
+          <a:effectLst/>
+        </p:spPr>
+        <p:style>
+          <a:lnRef idx="1">
+            <a:schemeClr val="accent1"/>
+          </a:lnRef>
+          <a:fillRef idx="3">
+            <a:schemeClr val="accent1"/>
+          </a:fillRef>
+          <a:effectRef idx="2">
+            <a:schemeClr val="accent1"/>
+          </a:effectRef>
+          <a:fontRef idx="minor">
+            <a:schemeClr val="lt1"/>
+          </a:fontRef>
+        </p:style>
+        <p:txBody>
+          <a:bodyPr rtlCol="0" anchor="ctr"/>
+          <a:lstStyle/>
+          <a:p>
+            <a:pPr algn="ctr"/>
+            <a:endParaRPr lang="en-US"/>
+          </a:p>
+        </p:txBody>
+      </p:sp>
+      <p:sp>
+        <p:nvSpPr>
+          <p:cNvPr id="3" name="TextBox 2"/>
+          <p:cNvSpPr txBox="1"/>
+          <p:nvPr/>
+        </p:nvSpPr>
+        <p:spPr>
+          <a:xfrm>
+            <a:off x="2995075" y="3195504"/>
+            <a:ext cx="723200" cy="369332"/>
+          </a:xfrm>
+          <a:prstGeom prst="rect">
+            <a:avLst/>
+          </a:prstGeom>
+          <a:noFill/>
+        </p:spPr>
+        <p:txBody>
+          <a:bodyPr wrap="none" rtlCol="0">
+            <a:spAutoFit/>
+          </a:bodyPr>
+          <a:lstStyle/>
+          <a:p>
+            <a:r>
+              <a:rPr lang="en-US" dirty="0" smtClean="0">
+                <a:solidFill>
+                  <a:srgbClr val="3899FF"/>
+                </a:solidFill>
+                <a:latin typeface="Gill Sans"/>
+                <a:cs typeface="Gill Sans"/>
+              </a:rPr>
+              <a:t>Clean</a:t>
+            </a:r>
+            <a:endParaRPr lang="en-US" dirty="0">
+              <a:solidFill>
+                <a:srgbClr val="3899FF"/>
+              </a:solidFill>
+              <a:latin typeface="Gill Sans"/>
+              <a:cs typeface="Gill Sans"/>
+            </a:endParaRPr>
+          </a:p>
+        </p:txBody>
+      </p:sp>
+      <p:sp>
+        <p:nvSpPr>
+          <p:cNvPr id="49" name="Rectangle 48"/>
+          <p:cNvSpPr/>
+          <p:nvPr/>
+        </p:nvSpPr>
+        <p:spPr>
+          <a:xfrm>
+            <a:off x="2834896" y="3649238"/>
+            <a:ext cx="197311" cy="200528"/>
+          </a:xfrm>
+          <a:prstGeom prst="rect">
+            <a:avLst/>
+          </a:prstGeom>
+          <a:solidFill>
+            <a:srgbClr val="FB3A18"/>
+          </a:solidFill>
+          <a:ln w="34925">
+            <a:noFill/>
+          </a:ln>
+          <a:effectLst/>
+        </p:spPr>
+        <p:style>
+          <a:lnRef idx="1">
+            <a:schemeClr val="accent1"/>
+          </a:lnRef>
+          <a:fillRef idx="3">
+            <a:schemeClr val="accent1"/>
+          </a:fillRef>
+          <a:effectRef idx="2">
+            <a:schemeClr val="accent1"/>
+          </a:effectRef>
+          <a:fontRef idx="minor">
+            <a:schemeClr val="lt1"/>
+          </a:fontRef>
+        </p:style>
+        <p:txBody>
+          <a:bodyPr rtlCol="0" anchor="ctr"/>
+          <a:lstStyle/>
+          <a:p>
+            <a:pPr algn="ctr"/>
+            <a:endParaRPr lang="en-US"/>
+          </a:p>
+        </p:txBody>
+      </p:sp>
+      <p:sp>
+        <p:nvSpPr>
+          <p:cNvPr id="50" name="TextBox 49"/>
+          <p:cNvSpPr txBox="1"/>
+          <p:nvPr/>
+        </p:nvSpPr>
+        <p:spPr>
+          <a:xfrm>
+            <a:off x="2995075" y="3564836"/>
+            <a:ext cx="684803" cy="369332"/>
+          </a:xfrm>
+          <a:prstGeom prst="rect">
+            <a:avLst/>
+          </a:prstGeom>
+          <a:noFill/>
+        </p:spPr>
+        <p:txBody>
+          <a:bodyPr wrap="none" rtlCol="0">
+            <a:spAutoFit/>
+          </a:bodyPr>
+          <a:lstStyle/>
+          <a:p>
+            <a:r>
+              <a:rPr lang="en-US" dirty="0" smtClean="0">
+                <a:solidFill>
+                  <a:srgbClr val="FB3A18"/>
+                </a:solidFill>
+                <a:latin typeface="Gill Sans"/>
+                <a:cs typeface="Gill Sans"/>
+              </a:rPr>
+              <a:t>Dirty</a:t>
+            </a:r>
+            <a:endParaRPr lang="en-US" dirty="0">
+              <a:solidFill>
+                <a:srgbClr val="FB3A18"/>
+              </a:solidFill>
+              <a:latin typeface="Gill Sans"/>
+              <a:cs typeface="Gill Sans"/>
+            </a:endParaRPr>
+          </a:p>
+        </p:txBody>
+      </p:sp>
+      <p:cxnSp>
+        <p:nvCxnSpPr>
+          <p:cNvPr id="48" name="Straight Connector 47"/>
+          <p:cNvCxnSpPr/>
+          <p:nvPr/>
+        </p:nvCxnSpPr>
+        <p:spPr>
+          <a:xfrm flipV="1">
+            <a:off x="5310991" y="1049429"/>
+            <a:ext cx="1907694" cy="2936971"/>
+          </a:xfrm>
+          <a:prstGeom prst="line">
+            <a:avLst/>
+          </a:prstGeom>
+          <a:ln w="50800">
+            <a:solidFill>
+              <a:srgbClr val="3899FF"/>
+            </a:solidFill>
+          </a:ln>
+          <a:effectLst/>
+        </p:spPr>
+        <p:style>
+          <a:lnRef idx="2">
+            <a:schemeClr val="accent1"/>
+          </a:lnRef>
+          <a:fillRef idx="0">
+            <a:schemeClr val="accent1"/>
+          </a:fillRef>
+          <a:effectRef idx="1">
+            <a:schemeClr val="accent1"/>
+          </a:effectRef>
+          <a:fontRef idx="minor">
+            <a:schemeClr val="tx1"/>
+          </a:fontRef>
+        </p:style>
+      </p:cxnSp>
+      <p:cxnSp>
+        <p:nvCxnSpPr>
+          <p:cNvPr id="58" name="Straight Connector 57"/>
+          <p:cNvCxnSpPr/>
+          <p:nvPr/>
+        </p:nvCxnSpPr>
+        <p:spPr>
+          <a:xfrm flipV="1">
+            <a:off x="9378831" y="1065628"/>
+            <a:ext cx="1907694" cy="2936971"/>
+          </a:xfrm>
+          <a:prstGeom prst="line">
+            <a:avLst/>
+          </a:prstGeom>
+          <a:ln w="50800">
+            <a:solidFill>
+              <a:srgbClr val="3899FF"/>
+            </a:solidFill>
+          </a:ln>
+          <a:effectLst/>
+        </p:spPr>
+        <p:style>
+          <a:lnRef idx="2">
+            <a:schemeClr val="accent1"/>
+          </a:lnRef>
+          <a:fillRef idx="0">
+            <a:schemeClr val="accent1"/>
+          </a:fillRef>
+          <a:effectRef idx="1">
+            <a:schemeClr val="accent1"/>
+          </a:effectRef>
+          <a:fontRef idx="minor">
+            <a:schemeClr val="tx1"/>
+          </a:fontRef>
+        </p:style>
+      </p:cxnSp>
+      <p:sp>
+        <p:nvSpPr>
+          <p:cNvPr id="14" name="TextBox 13"/>
+          <p:cNvSpPr txBox="1"/>
+          <p:nvPr/>
+        </p:nvSpPr>
+        <p:spPr>
+          <a:xfrm rot="18183509">
+            <a:off x="1009143" y="3367615"/>
+            <a:ext cx="612668" cy="369332"/>
+          </a:xfrm>
+          <a:prstGeom prst="rect">
+            <a:avLst/>
+          </a:prstGeom>
+          <a:noFill/>
+        </p:spPr>
+        <p:txBody>
+          <a:bodyPr wrap="none" rtlCol="0">
+            <a:spAutoFit/>
+          </a:bodyPr>
+          <a:lstStyle/>
+          <a:p>
+            <a:r>
+              <a:rPr lang="en-US" dirty="0" smtClean="0">
+                <a:solidFill>
+                  <a:srgbClr val="3899FF"/>
+                </a:solidFill>
+                <a:latin typeface="Gill Sans"/>
+                <a:cs typeface="Gill Sans"/>
+              </a:rPr>
+              <a:t>True</a:t>
+            </a:r>
+            <a:endParaRPr lang="en-US" dirty="0">
+              <a:solidFill>
+                <a:srgbClr val="3899FF"/>
+              </a:solidFill>
+              <a:latin typeface="Gill Sans"/>
+              <a:cs typeface="Gill Sans"/>
+            </a:endParaRPr>
+          </a:p>
+        </p:txBody>
+      </p:sp>
+      <p:sp>
+        <p:nvSpPr>
+          <p:cNvPr id="60" name="TextBox 59"/>
+          <p:cNvSpPr txBox="1"/>
+          <p:nvPr/>
+        </p:nvSpPr>
+        <p:spPr>
+          <a:xfrm>
+            <a:off x="345405" y="2616852"/>
+            <a:ext cx="766557" cy="369332"/>
+          </a:xfrm>
+          <a:prstGeom prst="rect">
+            <a:avLst/>
+          </a:prstGeom>
+          <a:noFill/>
+        </p:spPr>
+        <p:txBody>
+          <a:bodyPr wrap="none" rtlCol="0">
+            <a:spAutoFit/>
+          </a:bodyPr>
+          <a:lstStyle/>
+          <a:p>
+            <a:r>
+              <a:rPr lang="en-US" dirty="0" smtClean="0">
+                <a:solidFill>
+                  <a:srgbClr val="FF0000"/>
+                </a:solidFill>
+                <a:latin typeface="Gill Sans"/>
+                <a:cs typeface="Gill Sans"/>
+              </a:rPr>
+              <a:t>Result</a:t>
+            </a:r>
+            <a:endParaRPr lang="en-US" dirty="0">
+              <a:solidFill>
+                <a:srgbClr val="FF0000"/>
+              </a:solidFill>
+              <a:latin typeface="Gill Sans"/>
+              <a:cs typeface="Gill Sans"/>
+            </a:endParaRPr>
+          </a:p>
+        </p:txBody>
+      </p:sp>
+      <p:sp>
+        <p:nvSpPr>
+          <p:cNvPr id="64" name="TextBox 63"/>
+          <p:cNvSpPr txBox="1"/>
+          <p:nvPr/>
+        </p:nvSpPr>
+        <p:spPr>
+          <a:xfrm>
+            <a:off x="6750236" y="3190923"/>
+            <a:ext cx="766557" cy="369332"/>
+          </a:xfrm>
+          <a:prstGeom prst="rect">
+            <a:avLst/>
+          </a:prstGeom>
+          <a:noFill/>
+        </p:spPr>
+        <p:txBody>
+          <a:bodyPr wrap="none" rtlCol="0">
+            <a:spAutoFit/>
+          </a:bodyPr>
+          <a:lstStyle/>
+          <a:p>
+            <a:r>
+              <a:rPr lang="en-US" dirty="0" smtClean="0">
+                <a:solidFill>
+                  <a:srgbClr val="FF0000"/>
+                </a:solidFill>
+                <a:latin typeface="Gill Sans"/>
+                <a:cs typeface="Gill Sans"/>
+              </a:rPr>
+              <a:t>Result</a:t>
+            </a:r>
+            <a:endParaRPr lang="en-US" dirty="0">
+              <a:solidFill>
+                <a:srgbClr val="FF0000"/>
+              </a:solidFill>
+              <a:latin typeface="Gill Sans"/>
+              <a:cs typeface="Gill Sans"/>
+            </a:endParaRPr>
+          </a:p>
+        </p:txBody>
+      </p:sp>
+      <p:sp>
+        <p:nvSpPr>
+          <p:cNvPr id="66" name="TextBox 65"/>
+          <p:cNvSpPr txBox="1"/>
+          <p:nvPr/>
+        </p:nvSpPr>
+        <p:spPr>
+          <a:xfrm>
+            <a:off x="10466503" y="3190923"/>
+            <a:ext cx="766557" cy="369332"/>
+          </a:xfrm>
+          <a:prstGeom prst="rect">
+            <a:avLst/>
+          </a:prstGeom>
+          <a:noFill/>
+        </p:spPr>
+        <p:txBody>
+          <a:bodyPr wrap="none" rtlCol="0">
+            <a:spAutoFit/>
+          </a:bodyPr>
+          <a:lstStyle/>
+          <a:p>
+            <a:r>
+              <a:rPr lang="en-US" dirty="0" smtClean="0">
+                <a:solidFill>
+                  <a:srgbClr val="FF0000"/>
+                </a:solidFill>
+                <a:latin typeface="Gill Sans"/>
+                <a:cs typeface="Gill Sans"/>
+              </a:rPr>
+              <a:t>Result</a:t>
+            </a:r>
+            <a:endParaRPr lang="en-US" dirty="0">
+              <a:solidFill>
+                <a:srgbClr val="FF0000"/>
+              </a:solidFill>
+              <a:latin typeface="Gill Sans"/>
+              <a:cs typeface="Gill Sans"/>
+            </a:endParaRPr>
+          </a:p>
+        </p:txBody>
+      </p:sp>
+      <p:sp>
+        <p:nvSpPr>
+          <p:cNvPr id="67" name="TextBox 66"/>
+          <p:cNvSpPr txBox="1"/>
+          <p:nvPr/>
+        </p:nvSpPr>
+        <p:spPr>
+          <a:xfrm rot="18183509">
+            <a:off x="5046673" y="3367615"/>
+            <a:ext cx="612668" cy="369332"/>
+          </a:xfrm>
+          <a:prstGeom prst="rect">
+            <a:avLst/>
+          </a:prstGeom>
+          <a:noFill/>
+        </p:spPr>
+        <p:txBody>
+          <a:bodyPr wrap="none" rtlCol="0">
+            <a:spAutoFit/>
+          </a:bodyPr>
+          <a:lstStyle/>
+          <a:p>
+            <a:r>
+              <a:rPr lang="en-US" dirty="0" smtClean="0">
+                <a:solidFill>
+                  <a:srgbClr val="3899FF"/>
+                </a:solidFill>
+                <a:latin typeface="Gill Sans"/>
+                <a:cs typeface="Gill Sans"/>
+              </a:rPr>
+              <a:t>True</a:t>
+            </a:r>
+            <a:endParaRPr lang="en-US" dirty="0">
+              <a:solidFill>
+                <a:srgbClr val="3899FF"/>
+              </a:solidFill>
+              <a:latin typeface="Gill Sans"/>
+              <a:cs typeface="Gill Sans"/>
+            </a:endParaRPr>
+          </a:p>
+        </p:txBody>
+      </p:sp>
+      <p:sp>
+        <p:nvSpPr>
+          <p:cNvPr id="69" name="TextBox 68"/>
+          <p:cNvSpPr txBox="1"/>
+          <p:nvPr/>
+        </p:nvSpPr>
+        <p:spPr>
+          <a:xfrm rot="18183509">
+            <a:off x="9129389" y="3367615"/>
+            <a:ext cx="612668" cy="369332"/>
+          </a:xfrm>
+          <a:prstGeom prst="rect">
+            <a:avLst/>
+          </a:prstGeom>
+          <a:noFill/>
+        </p:spPr>
+        <p:txBody>
+          <a:bodyPr wrap="none" rtlCol="0">
+            <a:spAutoFit/>
+          </a:bodyPr>
+          <a:lstStyle/>
+          <a:p>
+            <a:r>
+              <a:rPr lang="en-US" dirty="0" smtClean="0">
+                <a:solidFill>
+                  <a:srgbClr val="3899FF"/>
+                </a:solidFill>
+                <a:latin typeface="Gill Sans"/>
+                <a:cs typeface="Gill Sans"/>
+              </a:rPr>
+              <a:t>True</a:t>
+            </a:r>
+            <a:endParaRPr lang="en-US" dirty="0">
+              <a:solidFill>
+                <a:srgbClr val="3899FF"/>
+              </a:solidFill>
+              <a:latin typeface="Gill Sans"/>
+              <a:cs typeface="Gill Sans"/>
+            </a:endParaRPr>
+          </a:p>
+        </p:txBody>
+      </p:sp>
+      <p:cxnSp>
+        <p:nvCxnSpPr>
+          <p:cNvPr id="12" name="Straight Arrow Connector 11"/>
+          <p:cNvCxnSpPr/>
+          <p:nvPr/>
+        </p:nvCxnSpPr>
+        <p:spPr>
+          <a:xfrm flipV="1">
+            <a:off x="307236" y="897850"/>
+            <a:ext cx="0" cy="3116380"/>
+          </a:xfrm>
+          <a:prstGeom prst="straightConnector1">
+            <a:avLst/>
+          </a:prstGeom>
+          <a:ln w="50800">
+            <a:solidFill>
+              <a:schemeClr val="bg1">
+                <a:lumMod val="50000"/>
+              </a:schemeClr>
+            </a:solidFill>
+            <a:tailEnd type="triangle"/>
+          </a:ln>
+          <a:effectLst/>
+        </p:spPr>
+        <p:style>
+          <a:lnRef idx="2">
+            <a:schemeClr val="accent1"/>
+          </a:lnRef>
+          <a:fillRef idx="0">
+            <a:schemeClr val="accent1"/>
+          </a:fillRef>
+          <a:effectRef idx="1">
+            <a:schemeClr val="accent1"/>
+          </a:effectRef>
+          <a:fontRef idx="minor">
+            <a:schemeClr val="tx1"/>
+          </a:fontRef>
+        </p:style>
+      </p:cxnSp>
+      <p:cxnSp>
+        <p:nvCxnSpPr>
+          <p:cNvPr id="13" name="Straight Arrow Connector 12"/>
+          <p:cNvCxnSpPr/>
+          <p:nvPr/>
+        </p:nvCxnSpPr>
+        <p:spPr>
+          <a:xfrm flipV="1">
+            <a:off x="307236" y="3992769"/>
+            <a:ext cx="3482804" cy="21461"/>
+          </a:xfrm>
+          <a:prstGeom prst="straightConnector1">
+            <a:avLst/>
+          </a:prstGeom>
+          <a:ln w="50800">
+            <a:solidFill>
+              <a:schemeClr val="bg1">
+                <a:lumMod val="50000"/>
+              </a:schemeClr>
+            </a:solidFill>
+            <a:tailEnd type="triangle"/>
+          </a:ln>
+          <a:effectLst/>
+        </p:spPr>
+        <p:style>
+          <a:lnRef idx="2">
+            <a:schemeClr val="accent1"/>
+          </a:lnRef>
+          <a:fillRef idx="0">
+            <a:schemeClr val="accent1"/>
+          </a:fillRef>
+          <a:effectRef idx="1">
+            <a:schemeClr val="accent1"/>
+          </a:effectRef>
+          <a:fontRef idx="minor">
+            <a:schemeClr val="tx1"/>
+          </a:fontRef>
+        </p:style>
+      </p:cxnSp>
+      <p:cxnSp>
+        <p:nvCxnSpPr>
+          <p:cNvPr id="34" name="Straight Arrow Connector 33"/>
+          <p:cNvCxnSpPr/>
+          <p:nvPr/>
+        </p:nvCxnSpPr>
+        <p:spPr>
+          <a:xfrm flipV="1">
+            <a:off x="4191213" y="868019"/>
+            <a:ext cx="0" cy="3116380"/>
+          </a:xfrm>
+          <a:prstGeom prst="straightConnector1">
+            <a:avLst/>
+          </a:prstGeom>
+          <a:ln w="50800">
+            <a:solidFill>
+              <a:schemeClr val="bg1">
+                <a:lumMod val="50000"/>
+              </a:schemeClr>
+            </a:solidFill>
+            <a:tailEnd type="triangle"/>
+          </a:ln>
+          <a:effectLst/>
+        </p:spPr>
+        <p:style>
+          <a:lnRef idx="2">
+            <a:schemeClr val="accent1"/>
+          </a:lnRef>
+          <a:fillRef idx="0">
+            <a:schemeClr val="accent1"/>
+          </a:fillRef>
+          <a:effectRef idx="1">
+            <a:schemeClr val="accent1"/>
+          </a:effectRef>
+          <a:fontRef idx="minor">
+            <a:schemeClr val="tx1"/>
+          </a:fontRef>
+        </p:style>
+      </p:cxnSp>
+      <p:cxnSp>
+        <p:nvCxnSpPr>
+          <p:cNvPr id="35" name="Straight Arrow Connector 34"/>
+          <p:cNvCxnSpPr/>
+          <p:nvPr/>
+        </p:nvCxnSpPr>
+        <p:spPr>
+          <a:xfrm flipV="1">
+            <a:off x="4191213" y="3962938"/>
+            <a:ext cx="3482804" cy="21461"/>
+          </a:xfrm>
+          <a:prstGeom prst="straightConnector1">
+            <a:avLst/>
+          </a:prstGeom>
+          <a:ln w="50800">
+            <a:solidFill>
+              <a:schemeClr val="bg1">
+                <a:lumMod val="50000"/>
+              </a:schemeClr>
+            </a:solidFill>
+            <a:tailEnd type="triangle"/>
+          </a:ln>
+          <a:effectLst/>
+        </p:spPr>
+        <p:style>
+          <a:lnRef idx="2">
+            <a:schemeClr val="accent1"/>
+          </a:lnRef>
+          <a:fillRef idx="0">
+            <a:schemeClr val="accent1"/>
+          </a:fillRef>
+          <a:effectRef idx="1">
+            <a:schemeClr val="accent1"/>
+          </a:effectRef>
+          <a:fontRef idx="minor">
+            <a:schemeClr val="tx1"/>
+          </a:fontRef>
+        </p:style>
+      </p:cxnSp>
+      <p:cxnSp>
+        <p:nvCxnSpPr>
+          <p:cNvPr id="72" name="Straight Arrow Connector 71"/>
+          <p:cNvCxnSpPr/>
+          <p:nvPr/>
+        </p:nvCxnSpPr>
+        <p:spPr>
+          <a:xfrm flipV="1">
+            <a:off x="8158040" y="878749"/>
+            <a:ext cx="0" cy="3116380"/>
+          </a:xfrm>
+          <a:prstGeom prst="straightConnector1">
+            <a:avLst/>
+          </a:prstGeom>
+          <a:ln w="50800">
+            <a:solidFill>
+              <a:schemeClr val="bg1">
+                <a:lumMod val="50000"/>
+              </a:schemeClr>
+            </a:solidFill>
+            <a:tailEnd type="triangle"/>
+          </a:ln>
+          <a:effectLst/>
+        </p:spPr>
+        <p:style>
+          <a:lnRef idx="2">
+            <a:schemeClr val="accent1"/>
+          </a:lnRef>
+          <a:fillRef idx="0">
+            <a:schemeClr val="accent1"/>
+          </a:fillRef>
+          <a:effectRef idx="1">
+            <a:schemeClr val="accent1"/>
+          </a:effectRef>
+          <a:fontRef idx="minor">
+            <a:schemeClr val="tx1"/>
+          </a:fontRef>
+        </p:style>
+      </p:cxnSp>
+      <p:cxnSp>
+        <p:nvCxnSpPr>
+          <p:cNvPr id="73" name="Straight Arrow Connector 72"/>
+          <p:cNvCxnSpPr/>
+          <p:nvPr/>
+        </p:nvCxnSpPr>
+        <p:spPr>
+          <a:xfrm flipV="1">
+            <a:off x="8158040" y="3973668"/>
+            <a:ext cx="3482804" cy="21461"/>
+          </a:xfrm>
+          <a:prstGeom prst="straightConnector1">
+            <a:avLst/>
+          </a:prstGeom>
+          <a:ln w="50800">
+            <a:solidFill>
+              <a:schemeClr val="bg1">
+                <a:lumMod val="50000"/>
+              </a:schemeClr>
+            </a:solidFill>
+            <a:tailEnd type="triangle"/>
+          </a:ln>
+          <a:effectLst/>
+        </p:spPr>
+        <p:style>
+          <a:lnRef idx="2">
+            <a:schemeClr val="accent1"/>
+          </a:lnRef>
+          <a:fillRef idx="0">
+            <a:schemeClr val="accent1"/>
+          </a:fillRef>
+          <a:effectRef idx="1">
+            <a:schemeClr val="accent1"/>
+          </a:effectRef>
+          <a:fontRef idx="minor">
+            <a:schemeClr val="tx1"/>
+          </a:fontRef>
+        </p:style>
+      </p:cxnSp>
+      <p:sp>
+        <p:nvSpPr>
+          <p:cNvPr id="25" name="Multiply 24"/>
+          <p:cNvSpPr/>
+          <p:nvPr/>
+        </p:nvSpPr>
+        <p:spPr>
+          <a:xfrm>
+            <a:off x="2286402" y="1089533"/>
+            <a:ext cx="405915" cy="405915"/>
+          </a:xfrm>
+          <a:prstGeom prst="mathMultiply">
+            <a:avLst/>
+          </a:prstGeom>
+          <a:solidFill>
+            <a:srgbClr val="3899FF"/>
+          </a:solidFill>
+          <a:ln>
+            <a:noFill/>
+          </a:ln>
+          <a:effectLst/>
+        </p:spPr>
+        <p:style>
+          <a:lnRef idx="1">
+            <a:schemeClr val="accent1"/>
+          </a:lnRef>
+          <a:fillRef idx="3">
+            <a:schemeClr val="accent1"/>
+          </a:fillRef>
+          <a:effectRef idx="2">
+            <a:schemeClr val="accent1"/>
+          </a:effectRef>
+          <a:fontRef idx="minor">
+            <a:schemeClr val="lt1"/>
+          </a:fontRef>
+        </p:style>
+        <p:txBody>
+          <a:bodyPr rtlCol="0" anchor="ctr"/>
+          <a:lstStyle/>
+          <a:p>
+            <a:pPr algn="ctr"/>
+            <a:endParaRPr lang="en-US"/>
+          </a:p>
+        </p:txBody>
+      </p:sp>
+      <p:sp>
+        <p:nvSpPr>
+          <p:cNvPr id="26" name="Multiply 25"/>
+          <p:cNvSpPr/>
+          <p:nvPr/>
+        </p:nvSpPr>
+        <p:spPr>
+          <a:xfrm>
+            <a:off x="2338617" y="1722771"/>
+            <a:ext cx="405915" cy="405915"/>
+          </a:xfrm>
+          <a:prstGeom prst="mathMultiply">
+            <a:avLst/>
+          </a:prstGeom>
+          <a:solidFill>
+            <a:srgbClr val="3899FF"/>
+          </a:solidFill>
+          <a:ln>
+            <a:noFill/>
+          </a:ln>
+          <a:effectLst/>
+        </p:spPr>
+        <p:style>
+          <a:lnRef idx="1">
+            <a:schemeClr val="accent1"/>
+          </a:lnRef>
+          <a:fillRef idx="3">
+            <a:schemeClr val="accent1"/>
+          </a:fillRef>
+          <a:effectRef idx="2">
+            <a:schemeClr val="accent1"/>
+          </a:effectRef>
+          <a:fontRef idx="minor">
+            <a:schemeClr val="lt1"/>
+          </a:fontRef>
+        </p:style>
+        <p:txBody>
+          <a:bodyPr rtlCol="0" anchor="ctr"/>
+          <a:lstStyle/>
+          <a:p>
+            <a:pPr algn="ctr"/>
+            <a:endParaRPr lang="en-US"/>
+          </a:p>
+        </p:txBody>
+      </p:sp>
+      <p:sp>
+        <p:nvSpPr>
+          <p:cNvPr id="27" name="Multiply 26"/>
+          <p:cNvSpPr/>
+          <p:nvPr/>
+        </p:nvSpPr>
+        <p:spPr>
+          <a:xfrm>
+            <a:off x="2485031" y="2223976"/>
+            <a:ext cx="405915" cy="405915"/>
+          </a:xfrm>
+          <a:prstGeom prst="mathMultiply">
+            <a:avLst/>
+          </a:prstGeom>
+          <a:solidFill>
+            <a:srgbClr val="3899FF"/>
+          </a:solidFill>
+          <a:ln>
+            <a:noFill/>
+          </a:ln>
+          <a:effectLst/>
+        </p:spPr>
+        <p:style>
+          <a:lnRef idx="1">
+            <a:schemeClr val="accent1"/>
+          </a:lnRef>
+          <a:fillRef idx="3">
+            <a:schemeClr val="accent1"/>
+          </a:fillRef>
+          <a:effectRef idx="2">
+            <a:schemeClr val="accent1"/>
+          </a:effectRef>
+          <a:fontRef idx="minor">
+            <a:schemeClr val="lt1"/>
+          </a:fontRef>
+        </p:style>
+        <p:txBody>
+          <a:bodyPr rtlCol="0" anchor="ctr"/>
+          <a:lstStyle/>
+          <a:p>
+            <a:pPr algn="ctr"/>
+            <a:endParaRPr lang="en-US"/>
+          </a:p>
+        </p:txBody>
+      </p:sp>
+      <p:sp>
+        <p:nvSpPr>
+          <p:cNvPr id="28" name="Multiply 27"/>
+          <p:cNvSpPr/>
+          <p:nvPr/>
+        </p:nvSpPr>
+        <p:spPr>
+          <a:xfrm>
+            <a:off x="2744532" y="1850805"/>
+            <a:ext cx="405915" cy="405915"/>
+          </a:xfrm>
+          <a:prstGeom prst="mathMultiply">
+            <a:avLst/>
+          </a:prstGeom>
+          <a:solidFill>
+            <a:srgbClr val="3899FF"/>
+          </a:solidFill>
+          <a:ln>
+            <a:noFill/>
+          </a:ln>
+          <a:effectLst/>
+        </p:spPr>
+        <p:style>
+          <a:lnRef idx="1">
+            <a:schemeClr val="accent1"/>
+          </a:lnRef>
+          <a:fillRef idx="3">
+            <a:schemeClr val="accent1"/>
+          </a:fillRef>
+          <a:effectRef idx="2">
+            <a:schemeClr val="accent1"/>
+          </a:effectRef>
+          <a:fontRef idx="minor">
+            <a:schemeClr val="lt1"/>
+          </a:fontRef>
+        </p:style>
+        <p:txBody>
+          <a:bodyPr rtlCol="0" anchor="ctr"/>
+          <a:lstStyle/>
+          <a:p>
+            <a:pPr algn="ctr"/>
+            <a:endParaRPr lang="en-US"/>
+          </a:p>
+        </p:txBody>
+      </p:sp>
+      <p:sp>
+        <p:nvSpPr>
+          <p:cNvPr id="29" name="Multiply 28"/>
+          <p:cNvSpPr/>
+          <p:nvPr/>
+        </p:nvSpPr>
+        <p:spPr>
+          <a:xfrm>
+            <a:off x="3150447" y="981311"/>
+            <a:ext cx="405915" cy="405915"/>
+          </a:xfrm>
+          <a:prstGeom prst="mathMultiply">
+            <a:avLst/>
+          </a:prstGeom>
+          <a:solidFill>
+            <a:srgbClr val="3899FF"/>
+          </a:solidFill>
+          <a:ln>
+            <a:noFill/>
+          </a:ln>
+          <a:effectLst/>
+        </p:spPr>
+        <p:style>
+          <a:lnRef idx="1">
+            <a:schemeClr val="accent1"/>
+          </a:lnRef>
+          <a:fillRef idx="3">
+            <a:schemeClr val="accent1"/>
+          </a:fillRef>
+          <a:effectRef idx="2">
+            <a:schemeClr val="accent1"/>
+          </a:effectRef>
+          <a:fontRef idx="minor">
+            <a:schemeClr val="lt1"/>
+          </a:fontRef>
+        </p:style>
+        <p:txBody>
+          <a:bodyPr rtlCol="0" anchor="ctr"/>
+          <a:lstStyle/>
+          <a:p>
+            <a:pPr algn="ctr"/>
+            <a:endParaRPr lang="en-US"/>
+          </a:p>
+        </p:txBody>
+      </p:sp>
+      <p:sp>
+        <p:nvSpPr>
+          <p:cNvPr id="39" name="Multiply 38"/>
+          <p:cNvSpPr/>
+          <p:nvPr/>
+        </p:nvSpPr>
+        <p:spPr>
+          <a:xfrm>
+            <a:off x="5963092" y="1820974"/>
+            <a:ext cx="405915" cy="405915"/>
+          </a:xfrm>
+          <a:prstGeom prst="mathMultiply">
+            <a:avLst/>
+          </a:prstGeom>
+          <a:solidFill>
+            <a:srgbClr val="3899FF"/>
+          </a:solidFill>
+          <a:ln>
+            <a:noFill/>
+          </a:ln>
+          <a:effectLst/>
+        </p:spPr>
+        <p:style>
+          <a:lnRef idx="1">
+            <a:schemeClr val="accent1"/>
+          </a:lnRef>
+          <a:fillRef idx="3">
+            <a:schemeClr val="accent1"/>
+          </a:fillRef>
+          <a:effectRef idx="2">
+            <a:schemeClr val="accent1"/>
+          </a:effectRef>
+          <a:fontRef idx="minor">
+            <a:schemeClr val="lt1"/>
+          </a:fontRef>
+        </p:style>
+        <p:txBody>
+          <a:bodyPr rtlCol="0" anchor="ctr"/>
+          <a:lstStyle/>
+          <a:p>
+            <a:pPr algn="ctr"/>
+            <a:endParaRPr lang="en-US"/>
+          </a:p>
+        </p:txBody>
+      </p:sp>
+      <p:sp>
+        <p:nvSpPr>
+          <p:cNvPr id="41" name="Multiply 40"/>
+          <p:cNvSpPr/>
+          <p:nvPr/>
+        </p:nvSpPr>
+        <p:spPr>
+          <a:xfrm>
+            <a:off x="6166050" y="2376375"/>
+            <a:ext cx="405915" cy="405915"/>
+          </a:xfrm>
+          <a:prstGeom prst="mathMultiply">
+            <a:avLst/>
+          </a:prstGeom>
+          <a:solidFill>
+            <a:srgbClr val="3899FF"/>
+          </a:solidFill>
+          <a:ln>
+            <a:noFill/>
+          </a:ln>
+          <a:effectLst/>
+        </p:spPr>
+        <p:style>
+          <a:lnRef idx="1">
+            <a:schemeClr val="accent1"/>
+          </a:lnRef>
+          <a:fillRef idx="3">
+            <a:schemeClr val="accent1"/>
+          </a:fillRef>
+          <a:effectRef idx="2">
+            <a:schemeClr val="accent1"/>
+          </a:effectRef>
+          <a:fontRef idx="minor">
+            <a:schemeClr val="lt1"/>
+          </a:fontRef>
+        </p:style>
+        <p:txBody>
+          <a:bodyPr rtlCol="0" anchor="ctr"/>
+          <a:lstStyle/>
+          <a:p>
+            <a:pPr algn="ctr"/>
+            <a:endParaRPr lang="en-US"/>
+          </a:p>
+        </p:txBody>
+      </p:sp>
+      <p:sp>
+        <p:nvSpPr>
+          <p:cNvPr id="52" name="Multiply 51"/>
+          <p:cNvSpPr/>
+          <p:nvPr/>
+        </p:nvSpPr>
+        <p:spPr>
+          <a:xfrm>
+            <a:off x="548962" y="1080080"/>
+            <a:ext cx="405915" cy="405915"/>
+          </a:xfrm>
+          <a:prstGeom prst="mathMultiply">
+            <a:avLst/>
+          </a:prstGeom>
+          <a:solidFill>
+            <a:srgbClr val="FB3A18">
+              <a:alpha val="85098"/>
+            </a:srgbClr>
+          </a:solidFill>
+          <a:ln>
+            <a:noFill/>
+          </a:ln>
+          <a:effectLst/>
+        </p:spPr>
+        <p:style>
+          <a:lnRef idx="1">
+            <a:schemeClr val="accent1"/>
+          </a:lnRef>
+          <a:fillRef idx="3">
+            <a:schemeClr val="accent1"/>
+          </a:fillRef>
+          <a:effectRef idx="2">
+            <a:schemeClr val="accent1"/>
+          </a:effectRef>
+          <a:fontRef idx="minor">
+            <a:schemeClr val="lt1"/>
+          </a:fontRef>
+        </p:style>
+        <p:txBody>
+          <a:bodyPr rtlCol="0" anchor="ctr"/>
+          <a:lstStyle/>
+          <a:p>
+            <a:pPr algn="ctr"/>
+            <a:endParaRPr lang="en-US"/>
+          </a:p>
+        </p:txBody>
+      </p:sp>
+      <p:sp>
+        <p:nvSpPr>
+          <p:cNvPr id="53" name="Multiply 52"/>
+          <p:cNvSpPr/>
+          <p:nvPr/>
+        </p:nvSpPr>
+        <p:spPr>
+          <a:xfrm>
+            <a:off x="601177" y="1713318"/>
+            <a:ext cx="405915" cy="405915"/>
+          </a:xfrm>
+          <a:prstGeom prst="mathMultiply">
+            <a:avLst/>
+          </a:prstGeom>
+          <a:solidFill>
+            <a:srgbClr val="FB3A18">
+              <a:alpha val="85098"/>
+            </a:srgbClr>
+          </a:solidFill>
+          <a:ln>
+            <a:noFill/>
+          </a:ln>
+          <a:effectLst/>
+        </p:spPr>
+        <p:style>
+          <a:lnRef idx="1">
+            <a:schemeClr val="accent1"/>
+          </a:lnRef>
+          <a:fillRef idx="3">
+            <a:schemeClr val="accent1"/>
+          </a:fillRef>
+          <a:effectRef idx="2">
+            <a:schemeClr val="accent1"/>
+          </a:effectRef>
+          <a:fontRef idx="minor">
+            <a:schemeClr val="lt1"/>
+          </a:fontRef>
+        </p:style>
+        <p:txBody>
+          <a:bodyPr rtlCol="0" anchor="ctr"/>
+          <a:lstStyle/>
+          <a:p>
+            <a:pPr algn="ctr"/>
+            <a:endParaRPr lang="en-US"/>
+          </a:p>
+        </p:txBody>
+      </p:sp>
+      <p:sp>
+        <p:nvSpPr>
+          <p:cNvPr id="54" name="Multiply 53"/>
+          <p:cNvSpPr/>
+          <p:nvPr/>
+        </p:nvSpPr>
+        <p:spPr>
+          <a:xfrm>
+            <a:off x="747591" y="2214523"/>
+            <a:ext cx="405915" cy="405915"/>
+          </a:xfrm>
+          <a:prstGeom prst="mathMultiply">
+            <a:avLst/>
+          </a:prstGeom>
+          <a:solidFill>
+            <a:srgbClr val="FB3A18">
+              <a:alpha val="85098"/>
+            </a:srgbClr>
+          </a:solidFill>
+          <a:ln>
+            <a:noFill/>
+          </a:ln>
+          <a:effectLst/>
+        </p:spPr>
+        <p:style>
+          <a:lnRef idx="1">
+            <a:schemeClr val="accent1"/>
+          </a:lnRef>
+          <a:fillRef idx="3">
+            <a:schemeClr val="accent1"/>
+          </a:fillRef>
+          <a:effectRef idx="2">
+            <a:schemeClr val="accent1"/>
+          </a:effectRef>
+          <a:fontRef idx="minor">
+            <a:schemeClr val="lt1"/>
+          </a:fontRef>
+        </p:style>
+        <p:txBody>
+          <a:bodyPr rtlCol="0" anchor="ctr"/>
+          <a:lstStyle/>
+          <a:p>
+            <a:pPr algn="ctr"/>
+            <a:endParaRPr lang="en-US"/>
+          </a:p>
+        </p:txBody>
+      </p:sp>
+      <p:sp>
+        <p:nvSpPr>
+          <p:cNvPr id="55" name="Multiply 54"/>
+          <p:cNvSpPr/>
+          <p:nvPr/>
+        </p:nvSpPr>
+        <p:spPr>
+          <a:xfrm>
+            <a:off x="1007092" y="1841352"/>
+            <a:ext cx="405915" cy="405915"/>
+          </a:xfrm>
+          <a:prstGeom prst="mathMultiply">
+            <a:avLst/>
+          </a:prstGeom>
+          <a:solidFill>
+            <a:srgbClr val="FB3A18">
+              <a:alpha val="85098"/>
+            </a:srgbClr>
+          </a:solidFill>
+          <a:ln>
+            <a:noFill/>
+          </a:ln>
+          <a:effectLst/>
+        </p:spPr>
+        <p:style>
+          <a:lnRef idx="1">
+            <a:schemeClr val="accent1"/>
+          </a:lnRef>
+          <a:fillRef idx="3">
+            <a:schemeClr val="accent1"/>
+          </a:fillRef>
+          <a:effectRef idx="2">
+            <a:schemeClr val="accent1"/>
+          </a:effectRef>
+          <a:fontRef idx="minor">
+            <a:schemeClr val="lt1"/>
+          </a:fontRef>
+        </p:style>
+        <p:txBody>
+          <a:bodyPr rtlCol="0" anchor="ctr"/>
+          <a:lstStyle/>
+          <a:p>
+            <a:pPr algn="ctr"/>
+            <a:endParaRPr lang="en-US"/>
+          </a:p>
+        </p:txBody>
+      </p:sp>
+      <p:sp>
+        <p:nvSpPr>
+          <p:cNvPr id="56" name="Multiply 55"/>
+          <p:cNvSpPr/>
+          <p:nvPr/>
+        </p:nvSpPr>
+        <p:spPr>
+          <a:xfrm>
+            <a:off x="1360792" y="981311"/>
+            <a:ext cx="405915" cy="405915"/>
+          </a:xfrm>
+          <a:prstGeom prst="mathMultiply">
+            <a:avLst/>
+          </a:prstGeom>
+          <a:solidFill>
+            <a:srgbClr val="FB3A18">
+              <a:alpha val="85098"/>
+            </a:srgbClr>
+          </a:solidFill>
+          <a:ln>
+            <a:noFill/>
+          </a:ln>
+          <a:effectLst/>
+        </p:spPr>
+        <p:style>
+          <a:lnRef idx="1">
+            <a:schemeClr val="accent1"/>
+          </a:lnRef>
+          <a:fillRef idx="3">
+            <a:schemeClr val="accent1"/>
+          </a:fillRef>
+          <a:effectRef idx="2">
+            <a:schemeClr val="accent1"/>
+          </a:effectRef>
+          <a:fontRef idx="minor">
+            <a:schemeClr val="lt1"/>
+          </a:fontRef>
+        </p:style>
+        <p:txBody>
+          <a:bodyPr rtlCol="0" anchor="ctr"/>
+          <a:lstStyle/>
+          <a:p>
+            <a:pPr algn="ctr"/>
+            <a:endParaRPr lang="en-US"/>
+          </a:p>
+        </p:txBody>
+      </p:sp>
+      <p:sp>
+        <p:nvSpPr>
+          <p:cNvPr id="74" name="Multiply 73"/>
+          <p:cNvSpPr/>
+          <p:nvPr/>
+        </p:nvSpPr>
+        <p:spPr>
+          <a:xfrm>
+            <a:off x="10615226" y="2294913"/>
+            <a:ext cx="405915" cy="405915"/>
+          </a:xfrm>
+          <a:prstGeom prst="mathMultiply">
+            <a:avLst/>
+          </a:prstGeom>
+          <a:solidFill>
+            <a:srgbClr val="3899FF"/>
+          </a:solidFill>
+          <a:ln>
+            <a:noFill/>
+          </a:ln>
+          <a:effectLst/>
+        </p:spPr>
+        <p:style>
+          <a:lnRef idx="1">
+            <a:schemeClr val="accent1"/>
+          </a:lnRef>
+          <a:fillRef idx="3">
+            <a:schemeClr val="accent1"/>
+          </a:fillRef>
+          <a:effectRef idx="2">
+            <a:schemeClr val="accent1"/>
+          </a:effectRef>
+          <a:fontRef idx="minor">
+            <a:schemeClr val="lt1"/>
+          </a:fontRef>
+        </p:style>
+        <p:txBody>
+          <a:bodyPr rtlCol="0" anchor="ctr"/>
+          <a:lstStyle/>
+          <a:p>
+            <a:pPr algn="ctr"/>
+            <a:endParaRPr lang="en-US"/>
+          </a:p>
+        </p:txBody>
+      </p:sp>
+      <p:sp>
+        <p:nvSpPr>
+          <p:cNvPr id="75" name="Multiply 74"/>
+          <p:cNvSpPr/>
+          <p:nvPr/>
+        </p:nvSpPr>
+        <p:spPr>
+          <a:xfrm>
+            <a:off x="10432544" y="1808608"/>
+            <a:ext cx="405915" cy="405915"/>
+          </a:xfrm>
+          <a:prstGeom prst="mathMultiply">
+            <a:avLst/>
+          </a:prstGeom>
+          <a:solidFill>
+            <a:srgbClr val="3899FF"/>
+          </a:solidFill>
+          <a:ln>
+            <a:noFill/>
+          </a:ln>
+          <a:effectLst/>
+        </p:spPr>
+        <p:style>
+          <a:lnRef idx="1">
+            <a:schemeClr val="accent1"/>
+          </a:lnRef>
+          <a:fillRef idx="3">
+            <a:schemeClr val="accent1"/>
+          </a:fillRef>
+          <a:effectRef idx="2">
+            <a:schemeClr val="accent1"/>
+          </a:effectRef>
+          <a:fontRef idx="minor">
+            <a:schemeClr val="lt1"/>
+          </a:fontRef>
+        </p:style>
+        <p:txBody>
+          <a:bodyPr rtlCol="0" anchor="ctr"/>
+          <a:lstStyle/>
+          <a:p>
+            <a:pPr algn="ctr"/>
+            <a:endParaRPr lang="en-US"/>
+          </a:p>
+        </p:txBody>
+      </p:sp>
+    </p:spTree>
+    <p:extLst>
+      <p:ext uri="{BB962C8B-B14F-4D97-AF65-F5344CB8AC3E}">
+        <p14:creationId xmlns:p14="http://schemas.microsoft.com/office/powerpoint/2010/main" val="26158022"/>
       </p:ext>
     </p:extLst>
   </p:cSld>

--- a/figs/figs.pptx
+++ b/figs/figs.pptx
@@ -124,7 +124,7 @@
   </p:defaultTextStyle>
   <p:extLst>
     <p:ext uri="{EFAFB233-063F-42B5-8137-9DF3F51BA10A}">
-      <p15:sldGuideLst xmlns:p15="http://schemas.microsoft.com/office/powerpoint/2012/main">
+      <p15:sldGuideLst xmlns:p15="http://schemas.microsoft.com/office/powerpoint/2012/main" xmlns="">
         <p15:guide id="1" orient="horz" pos="2160">
           <p15:clr>
             <a:srgbClr val="A4A3A4"/>
@@ -223,7 +223,7 @@
           <a:p>
             <a:fld id="{347ECA95-75C3-5E48-946C-F7960CA43F88}" type="datetimeFigureOut">
               <a:rPr lang="en-US" smtClean="0"/>
-              <a:t>9/30/15</a:t>
+              <a:t>10/12/15</a:t>
             </a:fld>
             <a:endParaRPr lang="en-US"/>
           </a:p>
@@ -840,7 +840,7 @@
           <a:p>
             <a:fld id="{73A4B2A3-D9DC-064E-90FE-771C025222F9}" type="datetimeFigureOut">
               <a:rPr lang="en-US" smtClean="0"/>
-              <a:t>9/30/15</a:t>
+              <a:t>10/12/15</a:t>
             </a:fld>
             <a:endParaRPr lang="en-US"/>
           </a:p>
@@ -1010,7 +1010,7 @@
           <a:p>
             <a:fld id="{73A4B2A3-D9DC-064E-90FE-771C025222F9}" type="datetimeFigureOut">
               <a:rPr lang="en-US" smtClean="0"/>
-              <a:t>9/30/15</a:t>
+              <a:t>10/12/15</a:t>
             </a:fld>
             <a:endParaRPr lang="en-US"/>
           </a:p>
@@ -1190,7 +1190,7 @@
           <a:p>
             <a:fld id="{73A4B2A3-D9DC-064E-90FE-771C025222F9}" type="datetimeFigureOut">
               <a:rPr lang="en-US" smtClean="0"/>
-              <a:t>9/30/15</a:t>
+              <a:t>10/12/15</a:t>
             </a:fld>
             <a:endParaRPr lang="en-US"/>
           </a:p>
@@ -1360,7 +1360,7 @@
           <a:p>
             <a:fld id="{73A4B2A3-D9DC-064E-90FE-771C025222F9}" type="datetimeFigureOut">
               <a:rPr lang="en-US" smtClean="0"/>
-              <a:t>9/30/15</a:t>
+              <a:t>10/12/15</a:t>
             </a:fld>
             <a:endParaRPr lang="en-US"/>
           </a:p>
@@ -1606,7 +1606,7 @@
           <a:p>
             <a:fld id="{73A4B2A3-D9DC-064E-90FE-771C025222F9}" type="datetimeFigureOut">
               <a:rPr lang="en-US" smtClean="0"/>
-              <a:t>9/30/15</a:t>
+              <a:t>10/12/15</a:t>
             </a:fld>
             <a:endParaRPr lang="en-US"/>
           </a:p>
@@ -1894,7 +1894,7 @@
           <a:p>
             <a:fld id="{73A4B2A3-D9DC-064E-90FE-771C025222F9}" type="datetimeFigureOut">
               <a:rPr lang="en-US" smtClean="0"/>
-              <a:t>9/30/15</a:t>
+              <a:t>10/12/15</a:t>
             </a:fld>
             <a:endParaRPr lang="en-US"/>
           </a:p>
@@ -2316,7 +2316,7 @@
           <a:p>
             <a:fld id="{73A4B2A3-D9DC-064E-90FE-771C025222F9}" type="datetimeFigureOut">
               <a:rPr lang="en-US" smtClean="0"/>
-              <a:t>9/30/15</a:t>
+              <a:t>10/12/15</a:t>
             </a:fld>
             <a:endParaRPr lang="en-US"/>
           </a:p>
@@ -2434,7 +2434,7 @@
           <a:p>
             <a:fld id="{73A4B2A3-D9DC-064E-90FE-771C025222F9}" type="datetimeFigureOut">
               <a:rPr lang="en-US" smtClean="0"/>
-              <a:t>9/30/15</a:t>
+              <a:t>10/12/15</a:t>
             </a:fld>
             <a:endParaRPr lang="en-US"/>
           </a:p>
@@ -2529,7 +2529,7 @@
           <a:p>
             <a:fld id="{73A4B2A3-D9DC-064E-90FE-771C025222F9}" type="datetimeFigureOut">
               <a:rPr lang="en-US" smtClean="0"/>
-              <a:t>9/30/15</a:t>
+              <a:t>10/12/15</a:t>
             </a:fld>
             <a:endParaRPr lang="en-US"/>
           </a:p>
@@ -2806,7 +2806,7 @@
           <a:p>
             <a:fld id="{73A4B2A3-D9DC-064E-90FE-771C025222F9}" type="datetimeFigureOut">
               <a:rPr lang="en-US" smtClean="0"/>
-              <a:t>9/30/15</a:t>
+              <a:t>10/12/15</a:t>
             </a:fld>
             <a:endParaRPr lang="en-US"/>
           </a:p>
@@ -3059,7 +3059,7 @@
           <a:p>
             <a:fld id="{73A4B2A3-D9DC-064E-90FE-771C025222F9}" type="datetimeFigureOut">
               <a:rPr lang="en-US" smtClean="0"/>
-              <a:t>9/30/15</a:t>
+              <a:t>10/12/15</a:t>
             </a:fld>
             <a:endParaRPr lang="en-US"/>
           </a:p>
@@ -3272,7 +3272,7 @@
           <a:p>
             <a:fld id="{73A4B2A3-D9DC-064E-90FE-771C025222F9}" type="datetimeFigureOut">
               <a:rPr lang="en-US" smtClean="0"/>
-              <a:t>9/30/15</a:t>
+              <a:t>10/12/15</a:t>
             </a:fld>
             <a:endParaRPr lang="en-US"/>
           </a:p>
@@ -10784,13 +10784,11 @@
           <a:prstGeom prst="ellipse">
             <a:avLst/>
           </a:prstGeom>
-          <a:solidFill>
-            <a:srgbClr val="FF3C18">
-              <a:alpha val="65882"/>
-            </a:srgbClr>
-          </a:solidFill>
-          <a:ln>
-            <a:noFill/>
+          <a:noFill/>
+          <a:ln w="60325">
+            <a:solidFill>
+              <a:srgbClr val="FF3C18"/>
+            </a:solidFill>
           </a:ln>
           <a:effectLst/>
         </p:spPr>
@@ -13064,1863 +13062,1880 @@
           <a:chExt cx="0" cy="0"/>
         </a:xfrm>
       </p:grpSpPr>
-      <p:cxnSp>
-        <p:nvCxnSpPr>
-          <p:cNvPr id="76" name="Straight Connector 75"/>
-          <p:cNvCxnSpPr/>
+      <p:grpSp>
+        <p:nvGrpSpPr>
+          <p:cNvPr id="8" name="Group 7"/>
+          <p:cNvGrpSpPr/>
           <p:nvPr/>
-        </p:nvCxnSpPr>
-        <p:spPr>
-          <a:xfrm flipH="1" flipV="1">
-            <a:off x="10115153" y="1089534"/>
-            <a:ext cx="1355652" cy="2559704"/>
+        </p:nvGrpSpPr>
+        <p:grpSpPr>
+          <a:xfrm>
+            <a:off x="253045" y="868019"/>
+            <a:ext cx="11387799" cy="3652030"/>
+            <a:chOff x="253045" y="868019"/>
+            <a:chExt cx="11387799" cy="3652030"/>
           </a:xfrm>
-          <a:prstGeom prst="line">
-            <a:avLst/>
-          </a:prstGeom>
-          <a:ln w="50800">
-            <a:solidFill>
-              <a:srgbClr val="FB3A18"/>
-            </a:solidFill>
-          </a:ln>
-          <a:effectLst/>
-        </p:spPr>
-        <p:style>
-          <a:lnRef idx="2">
-            <a:schemeClr val="accent1"/>
-          </a:lnRef>
-          <a:fillRef idx="0">
-            <a:schemeClr val="accent1"/>
-          </a:fillRef>
-          <a:effectRef idx="1">
-            <a:schemeClr val="accent1"/>
-          </a:effectRef>
-          <a:fontRef idx="minor">
-            <a:schemeClr val="tx1"/>
-          </a:fontRef>
-        </p:style>
-      </p:cxnSp>
-      <p:sp>
-        <p:nvSpPr>
-          <p:cNvPr id="33" name="TextBox 32"/>
-          <p:cNvSpPr txBox="1"/>
-          <p:nvPr/>
-        </p:nvSpPr>
-        <p:spPr>
-          <a:xfrm>
-            <a:off x="531165" y="4054044"/>
-            <a:ext cx="2685351" cy="461665"/>
-          </a:xfrm>
-          <a:prstGeom prst="rect">
-            <a:avLst/>
-          </a:prstGeom>
-          <a:noFill/>
-        </p:spPr>
-        <p:txBody>
-          <a:bodyPr wrap="none" rtlCol="0">
-            <a:spAutoFit/>
-          </a:bodyPr>
-          <a:lstStyle/>
-          <a:p>
-            <a:r>
-              <a:rPr lang="en-US" sz="2400" dirty="0" smtClean="0">
+        </p:grpSpPr>
+        <p:cxnSp>
+          <p:nvCxnSpPr>
+            <p:cNvPr id="76" name="Straight Connector 75"/>
+            <p:cNvCxnSpPr/>
+            <p:nvPr/>
+          </p:nvCxnSpPr>
+          <p:spPr>
+            <a:xfrm flipH="1" flipV="1">
+              <a:off x="10115154" y="1089535"/>
+              <a:ext cx="637716" cy="2105969"/>
+            </a:xfrm>
+            <a:prstGeom prst="line">
+              <a:avLst/>
+            </a:prstGeom>
+            <a:ln w="50800">
+              <a:solidFill>
+                <a:srgbClr val="FB3A18"/>
+              </a:solidFill>
+            </a:ln>
+            <a:effectLst/>
+          </p:spPr>
+          <p:style>
+            <a:lnRef idx="2">
+              <a:schemeClr val="accent1"/>
+            </a:lnRef>
+            <a:fillRef idx="0">
+              <a:schemeClr val="accent1"/>
+            </a:fillRef>
+            <a:effectRef idx="1">
+              <a:schemeClr val="accent1"/>
+            </a:effectRef>
+            <a:fontRef idx="minor">
+              <a:schemeClr val="tx1"/>
+            </a:fontRef>
+          </p:style>
+        </p:cxnSp>
+        <p:sp>
+          <p:nvSpPr>
+            <p:cNvPr id="33" name="TextBox 32"/>
+            <p:cNvSpPr txBox="1"/>
+            <p:nvPr/>
+          </p:nvSpPr>
+          <p:spPr>
+            <a:xfrm>
+              <a:off x="531165" y="4054044"/>
+              <a:ext cx="2685351" cy="461665"/>
+            </a:xfrm>
+            <a:prstGeom prst="rect">
+              <a:avLst/>
+            </a:prstGeom>
+            <a:noFill/>
+          </p:spPr>
+          <p:txBody>
+            <a:bodyPr wrap="none" rtlCol="0">
+              <a:spAutoFit/>
+            </a:bodyPr>
+            <a:lstStyle/>
+            <a:p>
+              <a:r>
+                <a:rPr lang="en-US" sz="2400" dirty="0" smtClean="0">
+                  <a:latin typeface="Times New Roman" charset="0"/>
+                  <a:ea typeface="Times New Roman" charset="0"/>
+                  <a:cs typeface="Times New Roman" charset="0"/>
+                </a:rPr>
+                <a:t>(a) Systematic Error</a:t>
+              </a:r>
+              <a:endParaRPr lang="en-US" sz="2400" dirty="0">
                 <a:latin typeface="Times New Roman" charset="0"/>
                 <a:ea typeface="Times New Roman" charset="0"/>
                 <a:cs typeface="Times New Roman" charset="0"/>
-              </a:rPr>
-              <a:t>(a) Systematic Error</a:t>
-            </a:r>
-            <a:endParaRPr lang="en-US" sz="2400" dirty="0">
-              <a:latin typeface="Times New Roman" charset="0"/>
-              <a:ea typeface="Times New Roman" charset="0"/>
-              <a:cs typeface="Times New Roman" charset="0"/>
-            </a:endParaRPr>
-          </a:p>
-        </p:txBody>
-      </p:sp>
-      <p:cxnSp>
-        <p:nvCxnSpPr>
-          <p:cNvPr id="42" name="Straight Connector 41"/>
-          <p:cNvCxnSpPr/>
-          <p:nvPr/>
-        </p:nvCxnSpPr>
-        <p:spPr>
-          <a:xfrm flipH="1" flipV="1">
-            <a:off x="4191213" y="1232748"/>
-            <a:ext cx="3411038" cy="2096952"/>
-          </a:xfrm>
-          <a:prstGeom prst="line">
-            <a:avLst/>
-          </a:prstGeom>
-          <a:ln w="50800">
-            <a:solidFill>
-              <a:srgbClr val="FB3A18"/>
-            </a:solidFill>
-          </a:ln>
-          <a:effectLst/>
-        </p:spPr>
-        <p:style>
-          <a:lnRef idx="2">
-            <a:schemeClr val="accent1"/>
-          </a:lnRef>
-          <a:fillRef idx="0">
-            <a:schemeClr val="accent1"/>
-          </a:fillRef>
-          <a:effectRef idx="1">
-            <a:schemeClr val="accent1"/>
-          </a:effectRef>
-          <a:fontRef idx="minor">
-            <a:schemeClr val="tx1"/>
-          </a:fontRef>
-        </p:style>
-      </p:cxnSp>
-      <p:sp>
-        <p:nvSpPr>
-          <p:cNvPr id="43" name="TextBox 42"/>
-          <p:cNvSpPr txBox="1"/>
-          <p:nvPr/>
-        </p:nvSpPr>
-        <p:spPr>
-          <a:xfrm>
-            <a:off x="4191213" y="4058384"/>
-            <a:ext cx="3460202" cy="461665"/>
-          </a:xfrm>
-          <a:prstGeom prst="rect">
-            <a:avLst/>
-          </a:prstGeom>
-          <a:noFill/>
-        </p:spPr>
-        <p:txBody>
-          <a:bodyPr wrap="none" rtlCol="0">
-            <a:spAutoFit/>
-          </a:bodyPr>
-          <a:lstStyle/>
-          <a:p>
-            <a:r>
-              <a:rPr lang="en-US" sz="2400" dirty="0" smtClean="0">
+              </a:endParaRPr>
+            </a:p>
+          </p:txBody>
+        </p:sp>
+        <p:cxnSp>
+          <p:nvCxnSpPr>
+            <p:cNvPr id="42" name="Straight Connector 41"/>
+            <p:cNvCxnSpPr/>
+            <p:nvPr/>
+          </p:nvCxnSpPr>
+          <p:spPr>
+            <a:xfrm flipH="1" flipV="1">
+              <a:off x="4191213" y="1232748"/>
+              <a:ext cx="3411038" cy="1768723"/>
+            </a:xfrm>
+            <a:prstGeom prst="line">
+              <a:avLst/>
+            </a:prstGeom>
+            <a:ln w="50800">
+              <a:solidFill>
+                <a:srgbClr val="FB3A18"/>
+              </a:solidFill>
+            </a:ln>
+            <a:effectLst/>
+          </p:spPr>
+          <p:style>
+            <a:lnRef idx="2">
+              <a:schemeClr val="accent1"/>
+            </a:lnRef>
+            <a:fillRef idx="0">
+              <a:schemeClr val="accent1"/>
+            </a:fillRef>
+            <a:effectRef idx="1">
+              <a:schemeClr val="accent1"/>
+            </a:effectRef>
+            <a:fontRef idx="minor">
+              <a:schemeClr val="tx1"/>
+            </a:fontRef>
+          </p:style>
+        </p:cxnSp>
+        <p:sp>
+          <p:nvSpPr>
+            <p:cNvPr id="43" name="TextBox 42"/>
+            <p:cNvSpPr txBox="1"/>
+            <p:nvPr/>
+          </p:nvSpPr>
+          <p:spPr>
+            <a:xfrm>
+              <a:off x="4191213" y="4058384"/>
+              <a:ext cx="3460202" cy="461665"/>
+            </a:xfrm>
+            <a:prstGeom prst="rect">
+              <a:avLst/>
+            </a:prstGeom>
+            <a:noFill/>
+          </p:spPr>
+          <p:txBody>
+            <a:bodyPr wrap="none" rtlCol="0">
+              <a:spAutoFit/>
+            </a:bodyPr>
+            <a:lstStyle/>
+            <a:p>
+              <a:r>
+                <a:rPr lang="en-US" sz="2400" dirty="0" smtClean="0">
+                  <a:latin typeface="Times New Roman" charset="0"/>
+                  <a:ea typeface="Times New Roman" charset="0"/>
+                  <a:cs typeface="Times New Roman" charset="0"/>
+                </a:rPr>
+                <a:t>(b) Mixed Dirty and Clean</a:t>
+              </a:r>
+              <a:endParaRPr lang="en-US" sz="2400" dirty="0">
                 <a:latin typeface="Times New Roman" charset="0"/>
                 <a:ea typeface="Times New Roman" charset="0"/>
                 <a:cs typeface="Times New Roman" charset="0"/>
-              </a:rPr>
-              <a:t>(b) Mixed Dirty and Clean</a:t>
-            </a:r>
-            <a:endParaRPr lang="en-US" sz="2400" dirty="0">
-              <a:latin typeface="Times New Roman" charset="0"/>
-              <a:ea typeface="Times New Roman" charset="0"/>
-              <a:cs typeface="Times New Roman" charset="0"/>
-            </a:endParaRPr>
-          </a:p>
-        </p:txBody>
-      </p:sp>
-      <p:sp>
-        <p:nvSpPr>
-          <p:cNvPr id="44" name="Multiply 43"/>
-          <p:cNvSpPr/>
-          <p:nvPr/>
-        </p:nvSpPr>
-        <p:spPr>
-          <a:xfrm>
-            <a:off x="4495841" y="1038975"/>
-            <a:ext cx="405915" cy="405915"/>
-          </a:xfrm>
-          <a:prstGeom prst="mathMultiply">
-            <a:avLst/>
-          </a:prstGeom>
-          <a:solidFill>
-            <a:srgbClr val="FB3A18">
-              <a:alpha val="85098"/>
-            </a:srgbClr>
-          </a:solidFill>
-          <a:ln>
+              </a:endParaRPr>
+            </a:p>
+          </p:txBody>
+        </p:sp>
+        <p:sp>
+          <p:nvSpPr>
+            <p:cNvPr id="44" name="Multiply 43"/>
+            <p:cNvSpPr/>
+            <p:nvPr/>
+          </p:nvSpPr>
+          <p:spPr>
+            <a:xfrm>
+              <a:off x="4495841" y="1038975"/>
+              <a:ext cx="405915" cy="405915"/>
+            </a:xfrm>
+            <a:prstGeom prst="mathMultiply">
+              <a:avLst/>
+            </a:prstGeom>
+            <a:solidFill>
+              <a:srgbClr val="FB3A18">
+                <a:alpha val="85098"/>
+              </a:srgbClr>
+            </a:solidFill>
+            <a:ln>
+              <a:noFill/>
+            </a:ln>
+            <a:effectLst/>
+          </p:spPr>
+          <p:style>
+            <a:lnRef idx="1">
+              <a:schemeClr val="accent1"/>
+            </a:lnRef>
+            <a:fillRef idx="3">
+              <a:schemeClr val="accent1"/>
+            </a:fillRef>
+            <a:effectRef idx="2">
+              <a:schemeClr val="accent1"/>
+            </a:effectRef>
+            <a:fontRef idx="minor">
+              <a:schemeClr val="lt1"/>
+            </a:fontRef>
+          </p:style>
+          <p:txBody>
+            <a:bodyPr rtlCol="0" anchor="ctr"/>
+            <a:lstStyle/>
+            <a:p>
+              <a:pPr algn="ctr"/>
+              <a:endParaRPr lang="en-US"/>
+            </a:p>
+          </p:txBody>
+        </p:sp>
+        <p:sp>
+          <p:nvSpPr>
+            <p:cNvPr id="45" name="Multiply 44"/>
+            <p:cNvSpPr/>
+            <p:nvPr/>
+          </p:nvSpPr>
+          <p:spPr>
+            <a:xfrm>
+              <a:off x="4548056" y="1672213"/>
+              <a:ext cx="405915" cy="405915"/>
+            </a:xfrm>
+            <a:prstGeom prst="mathMultiply">
+              <a:avLst/>
+            </a:prstGeom>
+            <a:solidFill>
+              <a:srgbClr val="FB3A18">
+                <a:alpha val="85098"/>
+              </a:srgbClr>
+            </a:solidFill>
+            <a:ln>
+              <a:noFill/>
+            </a:ln>
+            <a:effectLst/>
+          </p:spPr>
+          <p:style>
+            <a:lnRef idx="1">
+              <a:schemeClr val="accent1"/>
+            </a:lnRef>
+            <a:fillRef idx="3">
+              <a:schemeClr val="accent1"/>
+            </a:fillRef>
+            <a:effectRef idx="2">
+              <a:schemeClr val="accent1"/>
+            </a:effectRef>
+            <a:fontRef idx="minor">
+              <a:schemeClr val="lt1"/>
+            </a:fontRef>
+          </p:style>
+          <p:txBody>
+            <a:bodyPr rtlCol="0" anchor="ctr"/>
+            <a:lstStyle/>
+            <a:p>
+              <a:pPr algn="ctr"/>
+              <a:endParaRPr lang="en-US"/>
+            </a:p>
+          </p:txBody>
+        </p:sp>
+        <p:sp>
+          <p:nvSpPr>
+            <p:cNvPr id="46" name="Multiply 45"/>
+            <p:cNvSpPr/>
+            <p:nvPr/>
+          </p:nvSpPr>
+          <p:spPr>
+            <a:xfrm>
+              <a:off x="4694470" y="2173418"/>
+              <a:ext cx="405915" cy="405915"/>
+            </a:xfrm>
+            <a:prstGeom prst="mathMultiply">
+              <a:avLst/>
+            </a:prstGeom>
+            <a:solidFill>
+              <a:srgbClr val="FB3A18">
+                <a:alpha val="85098"/>
+              </a:srgbClr>
+            </a:solidFill>
+            <a:ln>
+              <a:noFill/>
+            </a:ln>
+            <a:effectLst/>
+          </p:spPr>
+          <p:style>
+            <a:lnRef idx="1">
+              <a:schemeClr val="accent1"/>
+            </a:lnRef>
+            <a:fillRef idx="3">
+              <a:schemeClr val="accent1"/>
+            </a:fillRef>
+            <a:effectRef idx="2">
+              <a:schemeClr val="accent1"/>
+            </a:effectRef>
+            <a:fontRef idx="minor">
+              <a:schemeClr val="lt1"/>
+            </a:fontRef>
+          </p:style>
+          <p:txBody>
+            <a:bodyPr rtlCol="0" anchor="ctr"/>
+            <a:lstStyle/>
+            <a:p>
+              <a:pPr algn="ctr"/>
+              <a:endParaRPr lang="en-US"/>
+            </a:p>
+          </p:txBody>
+        </p:sp>
+        <p:sp>
+          <p:nvSpPr>
+            <p:cNvPr id="47" name="Multiply 46"/>
+            <p:cNvSpPr/>
+            <p:nvPr/>
+          </p:nvSpPr>
+          <p:spPr>
+            <a:xfrm>
+              <a:off x="5310991" y="1038975"/>
+              <a:ext cx="405915" cy="405915"/>
+            </a:xfrm>
+            <a:prstGeom prst="mathMultiply">
+              <a:avLst/>
+            </a:prstGeom>
+            <a:solidFill>
+              <a:srgbClr val="FB3A18">
+                <a:alpha val="85098"/>
+              </a:srgbClr>
+            </a:solidFill>
+            <a:ln>
+              <a:noFill/>
+            </a:ln>
+            <a:effectLst/>
+          </p:spPr>
+          <p:style>
+            <a:lnRef idx="1">
+              <a:schemeClr val="accent1"/>
+            </a:lnRef>
+            <a:fillRef idx="3">
+              <a:schemeClr val="accent1"/>
+            </a:fillRef>
+            <a:effectRef idx="2">
+              <a:schemeClr val="accent1"/>
+            </a:effectRef>
+            <a:fontRef idx="minor">
+              <a:schemeClr val="lt1"/>
+            </a:fontRef>
+          </p:style>
+          <p:txBody>
+            <a:bodyPr rtlCol="0" anchor="ctr"/>
+            <a:lstStyle/>
+            <a:p>
+              <a:pPr algn="ctr"/>
+              <a:endParaRPr lang="en-US"/>
+            </a:p>
+          </p:txBody>
+        </p:sp>
+        <p:cxnSp>
+          <p:nvCxnSpPr>
+            <p:cNvPr id="61" name="Straight Arrow Connector 60"/>
+            <p:cNvCxnSpPr/>
+            <p:nvPr/>
+          </p:nvCxnSpPr>
+          <p:spPr>
+            <a:xfrm flipV="1">
+              <a:off x="1495512" y="2119233"/>
+              <a:ext cx="737102" cy="1"/>
+            </a:xfrm>
+            <a:prstGeom prst="straightConnector1">
+              <a:avLst/>
+            </a:prstGeom>
+            <a:ln w="38100">
+              <a:solidFill>
+                <a:schemeClr val="bg1">
+                  <a:lumMod val="75000"/>
+                </a:schemeClr>
+              </a:solidFill>
+              <a:tailEnd type="triangle"/>
+            </a:ln>
+            <a:effectLst/>
+          </p:spPr>
+          <p:style>
+            <a:lnRef idx="2">
+              <a:schemeClr val="accent1"/>
+            </a:lnRef>
+            <a:fillRef idx="0">
+              <a:schemeClr val="accent1"/>
+            </a:fillRef>
+            <a:effectRef idx="1">
+              <a:schemeClr val="accent1"/>
+            </a:effectRef>
+            <a:fontRef idx="minor">
+              <a:schemeClr val="tx1"/>
+            </a:fontRef>
+          </p:style>
+        </p:cxnSp>
+        <p:sp>
+          <p:nvSpPr>
+            <p:cNvPr id="77" name="TextBox 76"/>
+            <p:cNvSpPr txBox="1"/>
+            <p:nvPr/>
+          </p:nvSpPr>
+          <p:spPr>
+            <a:xfrm>
+              <a:off x="8346482" y="4058384"/>
+              <a:ext cx="3124323" cy="461665"/>
+            </a:xfrm>
+            <a:prstGeom prst="rect">
+              <a:avLst/>
+            </a:prstGeom>
             <a:noFill/>
-          </a:ln>
-          <a:effectLst/>
-        </p:spPr>
-        <p:style>
-          <a:lnRef idx="1">
-            <a:schemeClr val="accent1"/>
-          </a:lnRef>
-          <a:fillRef idx="3">
-            <a:schemeClr val="accent1"/>
-          </a:fillRef>
-          <a:effectRef idx="2">
-            <a:schemeClr val="accent1"/>
-          </a:effectRef>
-          <a:fontRef idx="minor">
-            <a:schemeClr val="lt1"/>
-          </a:fontRef>
-        </p:style>
-        <p:txBody>
-          <a:bodyPr rtlCol="0" anchor="ctr"/>
-          <a:lstStyle/>
-          <a:p>
-            <a:pPr algn="ctr"/>
-            <a:endParaRPr lang="en-US"/>
-          </a:p>
-        </p:txBody>
-      </p:sp>
-      <p:sp>
-        <p:nvSpPr>
-          <p:cNvPr id="45" name="Multiply 44"/>
-          <p:cNvSpPr/>
-          <p:nvPr/>
-        </p:nvSpPr>
-        <p:spPr>
-          <a:xfrm>
-            <a:off x="4548056" y="1672213"/>
-            <a:ext cx="405915" cy="405915"/>
-          </a:xfrm>
-          <a:prstGeom prst="mathMultiply">
-            <a:avLst/>
-          </a:prstGeom>
-          <a:solidFill>
-            <a:srgbClr val="FB3A18">
-              <a:alpha val="85098"/>
-            </a:srgbClr>
-          </a:solidFill>
-          <a:ln>
-            <a:noFill/>
-          </a:ln>
-          <a:effectLst/>
-        </p:spPr>
-        <p:style>
-          <a:lnRef idx="1">
-            <a:schemeClr val="accent1"/>
-          </a:lnRef>
-          <a:fillRef idx="3">
-            <a:schemeClr val="accent1"/>
-          </a:fillRef>
-          <a:effectRef idx="2">
-            <a:schemeClr val="accent1"/>
-          </a:effectRef>
-          <a:fontRef idx="minor">
-            <a:schemeClr val="lt1"/>
-          </a:fontRef>
-        </p:style>
-        <p:txBody>
-          <a:bodyPr rtlCol="0" anchor="ctr"/>
-          <a:lstStyle/>
-          <a:p>
-            <a:pPr algn="ctr"/>
-            <a:endParaRPr lang="en-US"/>
-          </a:p>
-        </p:txBody>
-      </p:sp>
-      <p:sp>
-        <p:nvSpPr>
-          <p:cNvPr id="46" name="Multiply 45"/>
-          <p:cNvSpPr/>
-          <p:nvPr/>
-        </p:nvSpPr>
-        <p:spPr>
-          <a:xfrm>
-            <a:off x="4694470" y="2173418"/>
-            <a:ext cx="405915" cy="405915"/>
-          </a:xfrm>
-          <a:prstGeom prst="mathMultiply">
-            <a:avLst/>
-          </a:prstGeom>
-          <a:solidFill>
-            <a:srgbClr val="FB3A18">
-              <a:alpha val="85098"/>
-            </a:srgbClr>
-          </a:solidFill>
-          <a:ln>
-            <a:noFill/>
-          </a:ln>
-          <a:effectLst/>
-        </p:spPr>
-        <p:style>
-          <a:lnRef idx="1">
-            <a:schemeClr val="accent1"/>
-          </a:lnRef>
-          <a:fillRef idx="3">
-            <a:schemeClr val="accent1"/>
-          </a:fillRef>
-          <a:effectRef idx="2">
-            <a:schemeClr val="accent1"/>
-          </a:effectRef>
-          <a:fontRef idx="minor">
-            <a:schemeClr val="lt1"/>
-          </a:fontRef>
-        </p:style>
-        <p:txBody>
-          <a:bodyPr rtlCol="0" anchor="ctr"/>
-          <a:lstStyle/>
-          <a:p>
-            <a:pPr algn="ctr"/>
-            <a:endParaRPr lang="en-US"/>
-          </a:p>
-        </p:txBody>
-      </p:sp>
-      <p:sp>
-        <p:nvSpPr>
-          <p:cNvPr id="47" name="Multiply 46"/>
-          <p:cNvSpPr/>
-          <p:nvPr/>
-        </p:nvSpPr>
-        <p:spPr>
-          <a:xfrm>
-            <a:off x="5310991" y="1038975"/>
-            <a:ext cx="405915" cy="405915"/>
-          </a:xfrm>
-          <a:prstGeom prst="mathMultiply">
-            <a:avLst/>
-          </a:prstGeom>
-          <a:solidFill>
-            <a:srgbClr val="FB3A18">
-              <a:alpha val="85098"/>
-            </a:srgbClr>
-          </a:solidFill>
-          <a:ln>
-            <a:noFill/>
-          </a:ln>
-          <a:effectLst/>
-        </p:spPr>
-        <p:style>
-          <a:lnRef idx="1">
-            <a:schemeClr val="accent1"/>
-          </a:lnRef>
-          <a:fillRef idx="3">
-            <a:schemeClr val="accent1"/>
-          </a:fillRef>
-          <a:effectRef idx="2">
-            <a:schemeClr val="accent1"/>
-          </a:effectRef>
-          <a:fontRef idx="minor">
-            <a:schemeClr val="lt1"/>
-          </a:fontRef>
-        </p:style>
-        <p:txBody>
-          <a:bodyPr rtlCol="0" anchor="ctr"/>
-          <a:lstStyle/>
-          <a:p>
-            <a:pPr algn="ctr"/>
-            <a:endParaRPr lang="en-US"/>
-          </a:p>
-        </p:txBody>
-      </p:sp>
-      <p:cxnSp>
-        <p:nvCxnSpPr>
-          <p:cNvPr id="61" name="Straight Arrow Connector 60"/>
-          <p:cNvCxnSpPr/>
-          <p:nvPr/>
-        </p:nvCxnSpPr>
-        <p:spPr>
-          <a:xfrm flipV="1">
-            <a:off x="1495512" y="2119233"/>
-            <a:ext cx="737102" cy="1"/>
-          </a:xfrm>
-          <a:prstGeom prst="straightConnector1">
-            <a:avLst/>
-          </a:prstGeom>
-          <a:ln w="38100">
-            <a:solidFill>
-              <a:schemeClr val="bg1">
-                <a:lumMod val="75000"/>
-              </a:schemeClr>
-            </a:solidFill>
-            <a:tailEnd type="triangle"/>
-          </a:ln>
-          <a:effectLst/>
-        </p:spPr>
-        <p:style>
-          <a:lnRef idx="2">
-            <a:schemeClr val="accent1"/>
-          </a:lnRef>
-          <a:fillRef idx="0">
-            <a:schemeClr val="accent1"/>
-          </a:fillRef>
-          <a:effectRef idx="1">
-            <a:schemeClr val="accent1"/>
-          </a:effectRef>
-          <a:fontRef idx="minor">
-            <a:schemeClr val="tx1"/>
-          </a:fontRef>
-        </p:style>
-      </p:cxnSp>
-      <p:sp>
-        <p:nvSpPr>
-          <p:cNvPr id="77" name="TextBox 76"/>
-          <p:cNvSpPr txBox="1"/>
-          <p:nvPr/>
-        </p:nvSpPr>
-        <p:spPr>
-          <a:xfrm>
-            <a:off x="8346482" y="4058384"/>
-            <a:ext cx="3124323" cy="461665"/>
-          </a:xfrm>
-          <a:prstGeom prst="rect">
-            <a:avLst/>
-          </a:prstGeom>
-          <a:noFill/>
-        </p:spPr>
-        <p:txBody>
-          <a:bodyPr wrap="none" rtlCol="0">
-            <a:spAutoFit/>
-          </a:bodyPr>
-          <a:lstStyle/>
-          <a:p>
-            <a:r>
-              <a:rPr lang="en-US" sz="2400" dirty="0" smtClean="0">
+          </p:spPr>
+          <p:txBody>
+            <a:bodyPr wrap="none" rtlCol="0">
+              <a:spAutoFit/>
+            </a:bodyPr>
+            <a:lstStyle/>
+            <a:p>
+              <a:r>
+                <a:rPr lang="en-US" sz="2400" dirty="0" smtClean="0">
+                  <a:latin typeface="Times New Roman" charset="0"/>
+                  <a:ea typeface="Times New Roman" charset="0"/>
+                  <a:cs typeface="Times New Roman" charset="0"/>
+                </a:rPr>
+                <a:t>(c) Sampled Clean Data</a:t>
+              </a:r>
+              <a:endParaRPr lang="en-US" sz="2400" dirty="0">
                 <a:latin typeface="Times New Roman" charset="0"/>
                 <a:ea typeface="Times New Roman" charset="0"/>
                 <a:cs typeface="Times New Roman" charset="0"/>
-              </a:rPr>
-              <a:t>(c) Sampled Clean Data</a:t>
-            </a:r>
-            <a:endParaRPr lang="en-US" sz="2400" dirty="0">
-              <a:latin typeface="Times New Roman" charset="0"/>
-              <a:ea typeface="Times New Roman" charset="0"/>
-              <a:cs typeface="Times New Roman" charset="0"/>
-            </a:endParaRPr>
-          </a:p>
-        </p:txBody>
-      </p:sp>
-      <p:cxnSp>
-        <p:nvCxnSpPr>
-          <p:cNvPr id="31" name="Straight Connector 30"/>
-          <p:cNvCxnSpPr/>
-          <p:nvPr/>
-        </p:nvCxnSpPr>
-        <p:spPr>
-          <a:xfrm flipV="1">
-            <a:off x="1216408" y="910126"/>
-            <a:ext cx="2142643" cy="3125833"/>
-          </a:xfrm>
-          <a:prstGeom prst="line">
-            <a:avLst/>
-          </a:prstGeom>
-          <a:ln w="50800">
+              </a:endParaRPr>
+            </a:p>
+          </p:txBody>
+        </p:sp>
+        <p:cxnSp>
+          <p:nvCxnSpPr>
+            <p:cNvPr id="31" name="Straight Connector 30"/>
+            <p:cNvCxnSpPr/>
+            <p:nvPr/>
+          </p:nvCxnSpPr>
+          <p:spPr>
+            <a:xfrm flipV="1">
+              <a:off x="1216408" y="910126"/>
+              <a:ext cx="2142643" cy="3125833"/>
+            </a:xfrm>
+            <a:prstGeom prst="line">
+              <a:avLst/>
+            </a:prstGeom>
+            <a:ln w="50800">
+              <a:solidFill>
+                <a:srgbClr val="3899FF"/>
+              </a:solidFill>
+            </a:ln>
+            <a:effectLst/>
+          </p:spPr>
+          <p:style>
+            <a:lnRef idx="2">
+              <a:schemeClr val="accent1"/>
+            </a:lnRef>
+            <a:fillRef idx="0">
+              <a:schemeClr val="accent1"/>
+            </a:fillRef>
+            <a:effectRef idx="1">
+              <a:schemeClr val="accent1"/>
+            </a:effectRef>
+            <a:fontRef idx="minor">
+              <a:schemeClr val="tx1"/>
+            </a:fontRef>
+          </p:style>
+        </p:cxnSp>
+        <p:cxnSp>
+          <p:nvCxnSpPr>
+            <p:cNvPr id="51" name="Straight Connector 50"/>
+            <p:cNvCxnSpPr/>
+            <p:nvPr/>
+          </p:nvCxnSpPr>
+          <p:spPr>
+            <a:xfrm flipV="1">
+              <a:off x="341676" y="910126"/>
+              <a:ext cx="1163141" cy="1790702"/>
+            </a:xfrm>
+            <a:prstGeom prst="line">
+              <a:avLst/>
+            </a:prstGeom>
+            <a:ln w="50800">
+              <a:solidFill>
+                <a:srgbClr val="FB3A18"/>
+              </a:solidFill>
+            </a:ln>
+            <a:effectLst/>
+          </p:spPr>
+          <p:style>
+            <a:lnRef idx="2">
+              <a:schemeClr val="accent1"/>
+            </a:lnRef>
+            <a:fillRef idx="0">
+              <a:schemeClr val="accent1"/>
+            </a:fillRef>
+            <a:effectRef idx="1">
+              <a:schemeClr val="accent1"/>
+            </a:effectRef>
+            <a:fontRef idx="minor">
+              <a:schemeClr val="tx1"/>
+            </a:fontRef>
+          </p:style>
+        </p:cxnSp>
+        <p:sp>
+          <p:nvSpPr>
+            <p:cNvPr id="2" name="Rectangle 1"/>
+            <p:cNvSpPr/>
+            <p:nvPr/>
+          </p:nvSpPr>
+          <p:spPr>
+            <a:xfrm>
+              <a:off x="2834896" y="3279906"/>
+              <a:ext cx="197311" cy="200528"/>
+            </a:xfrm>
+            <a:prstGeom prst="rect">
+              <a:avLst/>
+            </a:prstGeom>
             <a:solidFill>
               <a:srgbClr val="3899FF"/>
             </a:solidFill>
-          </a:ln>
-          <a:effectLst/>
-        </p:spPr>
-        <p:style>
-          <a:lnRef idx="2">
-            <a:schemeClr val="accent1"/>
-          </a:lnRef>
-          <a:fillRef idx="0">
-            <a:schemeClr val="accent1"/>
-          </a:fillRef>
-          <a:effectRef idx="1">
-            <a:schemeClr val="accent1"/>
-          </a:effectRef>
-          <a:fontRef idx="minor">
-            <a:schemeClr val="tx1"/>
-          </a:fontRef>
-        </p:style>
-      </p:cxnSp>
-      <p:cxnSp>
-        <p:nvCxnSpPr>
-          <p:cNvPr id="51" name="Straight Connector 50"/>
-          <p:cNvCxnSpPr/>
-          <p:nvPr/>
-        </p:nvCxnSpPr>
-        <p:spPr>
-          <a:xfrm flipV="1">
-            <a:off x="341676" y="910126"/>
-            <a:ext cx="1163141" cy="1790702"/>
-          </a:xfrm>
-          <a:prstGeom prst="line">
-            <a:avLst/>
-          </a:prstGeom>
-          <a:ln w="50800">
-            <a:solidFill>
-              <a:srgbClr val="FB3A18"/>
-            </a:solidFill>
-          </a:ln>
-          <a:effectLst/>
-        </p:spPr>
-        <p:style>
-          <a:lnRef idx="2">
-            <a:schemeClr val="accent1"/>
-          </a:lnRef>
-          <a:fillRef idx="0">
-            <a:schemeClr val="accent1"/>
-          </a:fillRef>
-          <a:effectRef idx="1">
-            <a:schemeClr val="accent1"/>
-          </a:effectRef>
-          <a:fontRef idx="minor">
-            <a:schemeClr val="tx1"/>
-          </a:fontRef>
-        </p:style>
-      </p:cxnSp>
-      <p:sp>
-        <p:nvSpPr>
-          <p:cNvPr id="2" name="Rectangle 1"/>
-          <p:cNvSpPr/>
-          <p:nvPr/>
-        </p:nvSpPr>
-        <p:spPr>
-          <a:xfrm>
-            <a:off x="2834896" y="3279906"/>
-            <a:ext cx="197311" cy="200528"/>
-          </a:xfrm>
-          <a:prstGeom prst="rect">
-            <a:avLst/>
-          </a:prstGeom>
-          <a:solidFill>
-            <a:srgbClr val="3899FF"/>
-          </a:solidFill>
-          <a:ln w="34925">
+            <a:ln w="34925">
+              <a:noFill/>
+            </a:ln>
+            <a:effectLst/>
+          </p:spPr>
+          <p:style>
+            <a:lnRef idx="1">
+              <a:schemeClr val="accent1"/>
+            </a:lnRef>
+            <a:fillRef idx="3">
+              <a:schemeClr val="accent1"/>
+            </a:fillRef>
+            <a:effectRef idx="2">
+              <a:schemeClr val="accent1"/>
+            </a:effectRef>
+            <a:fontRef idx="minor">
+              <a:schemeClr val="lt1"/>
+            </a:fontRef>
+          </p:style>
+          <p:txBody>
+            <a:bodyPr rtlCol="0" anchor="ctr"/>
+            <a:lstStyle/>
+            <a:p>
+              <a:pPr algn="ctr"/>
+              <a:endParaRPr lang="en-US"/>
+            </a:p>
+          </p:txBody>
+        </p:sp>
+        <p:sp>
+          <p:nvSpPr>
+            <p:cNvPr id="3" name="TextBox 2"/>
+            <p:cNvSpPr txBox="1"/>
+            <p:nvPr/>
+          </p:nvSpPr>
+          <p:spPr>
+            <a:xfrm>
+              <a:off x="2995075" y="3195504"/>
+              <a:ext cx="723200" cy="369332"/>
+            </a:xfrm>
+            <a:prstGeom prst="rect">
+              <a:avLst/>
+            </a:prstGeom>
             <a:noFill/>
-          </a:ln>
-          <a:effectLst/>
-        </p:spPr>
-        <p:style>
-          <a:lnRef idx="1">
-            <a:schemeClr val="accent1"/>
-          </a:lnRef>
-          <a:fillRef idx="3">
-            <a:schemeClr val="accent1"/>
-          </a:fillRef>
-          <a:effectRef idx="2">
-            <a:schemeClr val="accent1"/>
-          </a:effectRef>
-          <a:fontRef idx="minor">
-            <a:schemeClr val="lt1"/>
-          </a:fontRef>
-        </p:style>
-        <p:txBody>
-          <a:bodyPr rtlCol="0" anchor="ctr"/>
-          <a:lstStyle/>
-          <a:p>
-            <a:pPr algn="ctr"/>
-            <a:endParaRPr lang="en-US"/>
-          </a:p>
-        </p:txBody>
-      </p:sp>
-      <p:sp>
-        <p:nvSpPr>
-          <p:cNvPr id="3" name="TextBox 2"/>
-          <p:cNvSpPr txBox="1"/>
-          <p:nvPr/>
-        </p:nvSpPr>
-        <p:spPr>
-          <a:xfrm>
-            <a:off x="2995075" y="3195504"/>
-            <a:ext cx="723200" cy="369332"/>
-          </a:xfrm>
-          <a:prstGeom prst="rect">
-            <a:avLst/>
-          </a:prstGeom>
-          <a:noFill/>
-        </p:spPr>
-        <p:txBody>
-          <a:bodyPr wrap="none" rtlCol="0">
-            <a:spAutoFit/>
-          </a:bodyPr>
-          <a:lstStyle/>
-          <a:p>
-            <a:r>
-              <a:rPr lang="en-US" dirty="0" smtClean="0">
+          </p:spPr>
+          <p:txBody>
+            <a:bodyPr wrap="none" rtlCol="0">
+              <a:spAutoFit/>
+            </a:bodyPr>
+            <a:lstStyle/>
+            <a:p>
+              <a:r>
+                <a:rPr lang="en-US" dirty="0" smtClean="0">
+                  <a:solidFill>
+                    <a:srgbClr val="3899FF"/>
+                  </a:solidFill>
+                  <a:latin typeface="Gill Sans"/>
+                  <a:cs typeface="Gill Sans"/>
+                </a:rPr>
+                <a:t>Clean</a:t>
+              </a:r>
+              <a:endParaRPr lang="en-US" dirty="0">
                 <a:solidFill>
                   <a:srgbClr val="3899FF"/>
                 </a:solidFill>
                 <a:latin typeface="Gill Sans"/>
                 <a:cs typeface="Gill Sans"/>
-              </a:rPr>
-              <a:t>Clean</a:t>
-            </a:r>
-            <a:endParaRPr lang="en-US" dirty="0">
-              <a:solidFill>
-                <a:srgbClr val="3899FF"/>
-              </a:solidFill>
-              <a:latin typeface="Gill Sans"/>
-              <a:cs typeface="Gill Sans"/>
-            </a:endParaRPr>
-          </a:p>
-        </p:txBody>
-      </p:sp>
-      <p:sp>
-        <p:nvSpPr>
-          <p:cNvPr id="49" name="Rectangle 48"/>
-          <p:cNvSpPr/>
-          <p:nvPr/>
-        </p:nvSpPr>
-        <p:spPr>
-          <a:xfrm>
-            <a:off x="2834896" y="3649238"/>
-            <a:ext cx="197311" cy="200528"/>
-          </a:xfrm>
-          <a:prstGeom prst="rect">
-            <a:avLst/>
-          </a:prstGeom>
-          <a:solidFill>
-            <a:srgbClr val="FB3A18"/>
-          </a:solidFill>
-          <a:ln w="34925">
+              </a:endParaRPr>
+            </a:p>
+          </p:txBody>
+        </p:sp>
+        <p:sp>
+          <p:nvSpPr>
+            <p:cNvPr id="50" name="TextBox 49"/>
+            <p:cNvSpPr txBox="1"/>
+            <p:nvPr/>
+          </p:nvSpPr>
+          <p:spPr>
+            <a:xfrm>
+              <a:off x="2995075" y="3564836"/>
+              <a:ext cx="684803" cy="369332"/>
+            </a:xfrm>
+            <a:prstGeom prst="rect">
+              <a:avLst/>
+            </a:prstGeom>
             <a:noFill/>
-          </a:ln>
-          <a:effectLst/>
-        </p:spPr>
-        <p:style>
-          <a:lnRef idx="1">
-            <a:schemeClr val="accent1"/>
-          </a:lnRef>
-          <a:fillRef idx="3">
-            <a:schemeClr val="accent1"/>
-          </a:fillRef>
-          <a:effectRef idx="2">
-            <a:schemeClr val="accent1"/>
-          </a:effectRef>
-          <a:fontRef idx="minor">
-            <a:schemeClr val="lt1"/>
-          </a:fontRef>
-        </p:style>
-        <p:txBody>
-          <a:bodyPr rtlCol="0" anchor="ctr"/>
-          <a:lstStyle/>
-          <a:p>
-            <a:pPr algn="ctr"/>
-            <a:endParaRPr lang="en-US"/>
-          </a:p>
-        </p:txBody>
-      </p:sp>
-      <p:sp>
-        <p:nvSpPr>
-          <p:cNvPr id="50" name="TextBox 49"/>
-          <p:cNvSpPr txBox="1"/>
-          <p:nvPr/>
-        </p:nvSpPr>
-        <p:spPr>
-          <a:xfrm>
-            <a:off x="2995075" y="3564836"/>
-            <a:ext cx="684803" cy="369332"/>
-          </a:xfrm>
-          <a:prstGeom prst="rect">
-            <a:avLst/>
-          </a:prstGeom>
-          <a:noFill/>
-        </p:spPr>
-        <p:txBody>
-          <a:bodyPr wrap="none" rtlCol="0">
-            <a:spAutoFit/>
-          </a:bodyPr>
-          <a:lstStyle/>
-          <a:p>
-            <a:r>
-              <a:rPr lang="en-US" dirty="0" smtClean="0">
+          </p:spPr>
+          <p:txBody>
+            <a:bodyPr wrap="none" rtlCol="0">
+              <a:spAutoFit/>
+            </a:bodyPr>
+            <a:lstStyle/>
+            <a:p>
+              <a:r>
+                <a:rPr lang="en-US" dirty="0" smtClean="0">
+                  <a:solidFill>
+                    <a:srgbClr val="FB3A18"/>
+                  </a:solidFill>
+                  <a:latin typeface="Gill Sans"/>
+                  <a:cs typeface="Gill Sans"/>
+                </a:rPr>
+                <a:t>Dirty</a:t>
+              </a:r>
+              <a:endParaRPr lang="en-US" dirty="0">
                 <a:solidFill>
                   <a:srgbClr val="FB3A18"/>
                 </a:solidFill>
                 <a:latin typeface="Gill Sans"/>
                 <a:cs typeface="Gill Sans"/>
-              </a:rPr>
-              <a:t>Dirty</a:t>
-            </a:r>
-            <a:endParaRPr lang="en-US" dirty="0">
+              </a:endParaRPr>
+            </a:p>
+          </p:txBody>
+        </p:sp>
+        <p:cxnSp>
+          <p:nvCxnSpPr>
+            <p:cNvPr id="48" name="Straight Connector 47"/>
+            <p:cNvCxnSpPr/>
+            <p:nvPr/>
+          </p:nvCxnSpPr>
+          <p:spPr>
+            <a:xfrm flipV="1">
+              <a:off x="5310991" y="1049429"/>
+              <a:ext cx="1907694" cy="2936971"/>
+            </a:xfrm>
+            <a:prstGeom prst="line">
+              <a:avLst/>
+            </a:prstGeom>
+            <a:ln w="50800">
               <a:solidFill>
-                <a:srgbClr val="FB3A18"/>
+                <a:srgbClr val="3899FF"/>
               </a:solidFill>
-              <a:latin typeface="Gill Sans"/>
-              <a:cs typeface="Gill Sans"/>
-            </a:endParaRPr>
-          </a:p>
-        </p:txBody>
-      </p:sp>
-      <p:cxnSp>
-        <p:nvCxnSpPr>
-          <p:cNvPr id="48" name="Straight Connector 47"/>
-          <p:cNvCxnSpPr/>
-          <p:nvPr/>
-        </p:nvCxnSpPr>
-        <p:spPr>
-          <a:xfrm flipV="1">
-            <a:off x="5310991" y="1049429"/>
-            <a:ext cx="1907694" cy="2936971"/>
-          </a:xfrm>
-          <a:prstGeom prst="line">
-            <a:avLst/>
-          </a:prstGeom>
-          <a:ln w="50800">
-            <a:solidFill>
-              <a:srgbClr val="3899FF"/>
-            </a:solidFill>
-          </a:ln>
-          <a:effectLst/>
-        </p:spPr>
-        <p:style>
-          <a:lnRef idx="2">
-            <a:schemeClr val="accent1"/>
-          </a:lnRef>
-          <a:fillRef idx="0">
-            <a:schemeClr val="accent1"/>
-          </a:fillRef>
-          <a:effectRef idx="1">
-            <a:schemeClr val="accent1"/>
-          </a:effectRef>
-          <a:fontRef idx="minor">
-            <a:schemeClr val="tx1"/>
-          </a:fontRef>
-        </p:style>
-      </p:cxnSp>
-      <p:cxnSp>
-        <p:nvCxnSpPr>
-          <p:cNvPr id="58" name="Straight Connector 57"/>
-          <p:cNvCxnSpPr/>
-          <p:nvPr/>
-        </p:nvCxnSpPr>
-        <p:spPr>
-          <a:xfrm flipV="1">
-            <a:off x="9378831" y="1065628"/>
-            <a:ext cx="1907694" cy="2936971"/>
-          </a:xfrm>
-          <a:prstGeom prst="line">
-            <a:avLst/>
-          </a:prstGeom>
-          <a:ln w="50800">
-            <a:solidFill>
-              <a:srgbClr val="3899FF"/>
-            </a:solidFill>
-          </a:ln>
-          <a:effectLst/>
-        </p:spPr>
-        <p:style>
-          <a:lnRef idx="2">
-            <a:schemeClr val="accent1"/>
-          </a:lnRef>
-          <a:fillRef idx="0">
-            <a:schemeClr val="accent1"/>
-          </a:fillRef>
-          <a:effectRef idx="1">
-            <a:schemeClr val="accent1"/>
-          </a:effectRef>
-          <a:fontRef idx="minor">
-            <a:schemeClr val="tx1"/>
-          </a:fontRef>
-        </p:style>
-      </p:cxnSp>
-      <p:sp>
-        <p:nvSpPr>
-          <p:cNvPr id="14" name="TextBox 13"/>
-          <p:cNvSpPr txBox="1"/>
-          <p:nvPr/>
-        </p:nvSpPr>
-        <p:spPr>
-          <a:xfrm rot="18183509">
-            <a:off x="1009143" y="3367615"/>
-            <a:ext cx="612668" cy="369332"/>
-          </a:xfrm>
-          <a:prstGeom prst="rect">
-            <a:avLst/>
-          </a:prstGeom>
-          <a:noFill/>
-        </p:spPr>
-        <p:txBody>
-          <a:bodyPr wrap="none" rtlCol="0">
-            <a:spAutoFit/>
-          </a:bodyPr>
-          <a:lstStyle/>
-          <a:p>
-            <a:r>
-              <a:rPr lang="en-US" dirty="0" smtClean="0">
+            </a:ln>
+            <a:effectLst/>
+          </p:spPr>
+          <p:style>
+            <a:lnRef idx="2">
+              <a:schemeClr val="accent1"/>
+            </a:lnRef>
+            <a:fillRef idx="0">
+              <a:schemeClr val="accent1"/>
+            </a:fillRef>
+            <a:effectRef idx="1">
+              <a:schemeClr val="accent1"/>
+            </a:effectRef>
+            <a:fontRef idx="minor">
+              <a:schemeClr val="tx1"/>
+            </a:fontRef>
+          </p:style>
+        </p:cxnSp>
+        <p:cxnSp>
+          <p:nvCxnSpPr>
+            <p:cNvPr id="58" name="Straight Connector 57"/>
+            <p:cNvCxnSpPr/>
+            <p:nvPr/>
+          </p:nvCxnSpPr>
+          <p:spPr>
+            <a:xfrm flipV="1">
+              <a:off x="9378831" y="1065628"/>
+              <a:ext cx="1907694" cy="2936971"/>
+            </a:xfrm>
+            <a:prstGeom prst="line">
+              <a:avLst/>
+            </a:prstGeom>
+            <a:ln w="50800">
+              <a:solidFill>
+                <a:srgbClr val="3899FF"/>
+              </a:solidFill>
+            </a:ln>
+            <a:effectLst/>
+          </p:spPr>
+          <p:style>
+            <a:lnRef idx="2">
+              <a:schemeClr val="accent1"/>
+            </a:lnRef>
+            <a:fillRef idx="0">
+              <a:schemeClr val="accent1"/>
+            </a:fillRef>
+            <a:effectRef idx="1">
+              <a:schemeClr val="accent1"/>
+            </a:effectRef>
+            <a:fontRef idx="minor">
+              <a:schemeClr val="tx1"/>
+            </a:fontRef>
+          </p:style>
+        </p:cxnSp>
+        <p:sp>
+          <p:nvSpPr>
+            <p:cNvPr id="14" name="TextBox 13"/>
+            <p:cNvSpPr txBox="1"/>
+            <p:nvPr/>
+          </p:nvSpPr>
+          <p:spPr>
+            <a:xfrm rot="18183509">
+              <a:off x="1009143" y="3367615"/>
+              <a:ext cx="612668" cy="369332"/>
+            </a:xfrm>
+            <a:prstGeom prst="rect">
+              <a:avLst/>
+            </a:prstGeom>
+            <a:noFill/>
+          </p:spPr>
+          <p:txBody>
+            <a:bodyPr wrap="none" rtlCol="0">
+              <a:spAutoFit/>
+            </a:bodyPr>
+            <a:lstStyle/>
+            <a:p>
+              <a:r>
+                <a:rPr lang="en-US" dirty="0" smtClean="0">
+                  <a:solidFill>
+                    <a:srgbClr val="3899FF"/>
+                  </a:solidFill>
+                  <a:latin typeface="Gill Sans"/>
+                  <a:cs typeface="Gill Sans"/>
+                </a:rPr>
+                <a:t>True</a:t>
+              </a:r>
+              <a:endParaRPr lang="en-US" dirty="0">
                 <a:solidFill>
                   <a:srgbClr val="3899FF"/>
                 </a:solidFill>
                 <a:latin typeface="Gill Sans"/>
                 <a:cs typeface="Gill Sans"/>
-              </a:rPr>
-              <a:t>True</a:t>
-            </a:r>
-            <a:endParaRPr lang="en-US" dirty="0">
-              <a:solidFill>
-                <a:srgbClr val="3899FF"/>
-              </a:solidFill>
-              <a:latin typeface="Gill Sans"/>
-              <a:cs typeface="Gill Sans"/>
-            </a:endParaRPr>
-          </a:p>
-        </p:txBody>
-      </p:sp>
-      <p:sp>
-        <p:nvSpPr>
-          <p:cNvPr id="60" name="TextBox 59"/>
-          <p:cNvSpPr txBox="1"/>
-          <p:nvPr/>
-        </p:nvSpPr>
-        <p:spPr>
-          <a:xfrm>
-            <a:off x="345405" y="2616852"/>
-            <a:ext cx="766557" cy="369332"/>
-          </a:xfrm>
-          <a:prstGeom prst="rect">
-            <a:avLst/>
-          </a:prstGeom>
-          <a:noFill/>
-        </p:spPr>
-        <p:txBody>
-          <a:bodyPr wrap="none" rtlCol="0">
-            <a:spAutoFit/>
-          </a:bodyPr>
-          <a:lstStyle/>
-          <a:p>
-            <a:r>
-              <a:rPr lang="en-US" dirty="0" smtClean="0">
+              </a:endParaRPr>
+            </a:p>
+          </p:txBody>
+        </p:sp>
+        <p:sp>
+          <p:nvSpPr>
+            <p:cNvPr id="60" name="TextBox 59"/>
+            <p:cNvSpPr txBox="1"/>
+            <p:nvPr/>
+          </p:nvSpPr>
+          <p:spPr>
+            <a:xfrm>
+              <a:off x="253045" y="2632139"/>
+              <a:ext cx="766557" cy="369332"/>
+            </a:xfrm>
+            <a:prstGeom prst="rect">
+              <a:avLst/>
+            </a:prstGeom>
+            <a:noFill/>
+          </p:spPr>
+          <p:txBody>
+            <a:bodyPr wrap="none" rtlCol="0">
+              <a:spAutoFit/>
+            </a:bodyPr>
+            <a:lstStyle/>
+            <a:p>
+              <a:r>
+                <a:rPr lang="en-US" dirty="0" smtClean="0">
+                  <a:solidFill>
+                    <a:srgbClr val="FF0000"/>
+                  </a:solidFill>
+                  <a:latin typeface="Gill Sans"/>
+                  <a:cs typeface="Gill Sans"/>
+                </a:rPr>
+                <a:t>Result</a:t>
+              </a:r>
+              <a:endParaRPr lang="en-US" dirty="0">
                 <a:solidFill>
                   <a:srgbClr val="FF0000"/>
                 </a:solidFill>
                 <a:latin typeface="Gill Sans"/>
                 <a:cs typeface="Gill Sans"/>
-              </a:rPr>
-              <a:t>Result</a:t>
-            </a:r>
-            <a:endParaRPr lang="en-US" dirty="0">
-              <a:solidFill>
-                <a:srgbClr val="FF0000"/>
-              </a:solidFill>
-              <a:latin typeface="Gill Sans"/>
-              <a:cs typeface="Gill Sans"/>
-            </a:endParaRPr>
-          </a:p>
-        </p:txBody>
-      </p:sp>
-      <p:sp>
-        <p:nvSpPr>
-          <p:cNvPr id="64" name="TextBox 63"/>
-          <p:cNvSpPr txBox="1"/>
-          <p:nvPr/>
-        </p:nvSpPr>
-        <p:spPr>
-          <a:xfrm>
-            <a:off x="6750236" y="3190923"/>
-            <a:ext cx="766557" cy="369332"/>
-          </a:xfrm>
-          <a:prstGeom prst="rect">
-            <a:avLst/>
-          </a:prstGeom>
-          <a:noFill/>
-        </p:spPr>
-        <p:txBody>
-          <a:bodyPr wrap="none" rtlCol="0">
-            <a:spAutoFit/>
-          </a:bodyPr>
-          <a:lstStyle/>
-          <a:p>
-            <a:r>
-              <a:rPr lang="en-US" dirty="0" smtClean="0">
+              </a:endParaRPr>
+            </a:p>
+          </p:txBody>
+        </p:sp>
+        <p:sp>
+          <p:nvSpPr>
+            <p:cNvPr id="64" name="TextBox 63"/>
+            <p:cNvSpPr txBox="1"/>
+            <p:nvPr/>
+          </p:nvSpPr>
+          <p:spPr>
+            <a:xfrm>
+              <a:off x="6884858" y="2949588"/>
+              <a:ext cx="766557" cy="369332"/>
+            </a:xfrm>
+            <a:prstGeom prst="rect">
+              <a:avLst/>
+            </a:prstGeom>
+            <a:noFill/>
+          </p:spPr>
+          <p:txBody>
+            <a:bodyPr wrap="none" rtlCol="0">
+              <a:spAutoFit/>
+            </a:bodyPr>
+            <a:lstStyle/>
+            <a:p>
+              <a:r>
+                <a:rPr lang="en-US" dirty="0" smtClean="0">
+                  <a:solidFill>
+                    <a:srgbClr val="FF0000"/>
+                  </a:solidFill>
+                  <a:latin typeface="Gill Sans"/>
+                  <a:cs typeface="Gill Sans"/>
+                </a:rPr>
+                <a:t>Result</a:t>
+              </a:r>
+              <a:endParaRPr lang="en-US" dirty="0">
                 <a:solidFill>
                   <a:srgbClr val="FF0000"/>
                 </a:solidFill>
                 <a:latin typeface="Gill Sans"/>
                 <a:cs typeface="Gill Sans"/>
-              </a:rPr>
-              <a:t>Result</a:t>
-            </a:r>
-            <a:endParaRPr lang="en-US" dirty="0">
-              <a:solidFill>
-                <a:srgbClr val="FF0000"/>
-              </a:solidFill>
-              <a:latin typeface="Gill Sans"/>
-              <a:cs typeface="Gill Sans"/>
-            </a:endParaRPr>
-          </a:p>
-        </p:txBody>
-      </p:sp>
-      <p:sp>
-        <p:nvSpPr>
-          <p:cNvPr id="66" name="TextBox 65"/>
-          <p:cNvSpPr txBox="1"/>
-          <p:nvPr/>
-        </p:nvSpPr>
-        <p:spPr>
-          <a:xfrm>
-            <a:off x="10466503" y="3190923"/>
-            <a:ext cx="766557" cy="369332"/>
-          </a:xfrm>
-          <a:prstGeom prst="rect">
-            <a:avLst/>
-          </a:prstGeom>
-          <a:noFill/>
-        </p:spPr>
-        <p:txBody>
-          <a:bodyPr wrap="none" rtlCol="0">
-            <a:spAutoFit/>
-          </a:bodyPr>
-          <a:lstStyle/>
-          <a:p>
-            <a:r>
-              <a:rPr lang="en-US" dirty="0" smtClean="0">
+              </a:endParaRPr>
+            </a:p>
+          </p:txBody>
+        </p:sp>
+        <p:sp>
+          <p:nvSpPr>
+            <p:cNvPr id="66" name="TextBox 65"/>
+            <p:cNvSpPr txBox="1"/>
+            <p:nvPr/>
+          </p:nvSpPr>
+          <p:spPr>
+            <a:xfrm>
+              <a:off x="10466503" y="3190923"/>
+              <a:ext cx="766557" cy="369332"/>
+            </a:xfrm>
+            <a:prstGeom prst="rect">
+              <a:avLst/>
+            </a:prstGeom>
+            <a:noFill/>
+          </p:spPr>
+          <p:txBody>
+            <a:bodyPr wrap="none" rtlCol="0">
+              <a:spAutoFit/>
+            </a:bodyPr>
+            <a:lstStyle/>
+            <a:p>
+              <a:r>
+                <a:rPr lang="en-US" dirty="0" smtClean="0">
+                  <a:solidFill>
+                    <a:srgbClr val="FF0000"/>
+                  </a:solidFill>
+                  <a:latin typeface="Gill Sans"/>
+                  <a:cs typeface="Gill Sans"/>
+                </a:rPr>
+                <a:t>Result</a:t>
+              </a:r>
+              <a:endParaRPr lang="en-US" dirty="0">
                 <a:solidFill>
                   <a:srgbClr val="FF0000"/>
                 </a:solidFill>
                 <a:latin typeface="Gill Sans"/>
                 <a:cs typeface="Gill Sans"/>
-              </a:rPr>
-              <a:t>Result</a:t>
-            </a:r>
-            <a:endParaRPr lang="en-US" dirty="0">
-              <a:solidFill>
-                <a:srgbClr val="FF0000"/>
-              </a:solidFill>
-              <a:latin typeface="Gill Sans"/>
-              <a:cs typeface="Gill Sans"/>
-            </a:endParaRPr>
-          </a:p>
-        </p:txBody>
-      </p:sp>
-      <p:sp>
-        <p:nvSpPr>
-          <p:cNvPr id="67" name="TextBox 66"/>
-          <p:cNvSpPr txBox="1"/>
-          <p:nvPr/>
-        </p:nvSpPr>
-        <p:spPr>
-          <a:xfrm rot="18183509">
-            <a:off x="5046673" y="3367615"/>
-            <a:ext cx="612668" cy="369332"/>
-          </a:xfrm>
-          <a:prstGeom prst="rect">
-            <a:avLst/>
-          </a:prstGeom>
-          <a:noFill/>
-        </p:spPr>
-        <p:txBody>
-          <a:bodyPr wrap="none" rtlCol="0">
-            <a:spAutoFit/>
-          </a:bodyPr>
-          <a:lstStyle/>
-          <a:p>
-            <a:r>
-              <a:rPr lang="en-US" dirty="0" smtClean="0">
+              </a:endParaRPr>
+            </a:p>
+          </p:txBody>
+        </p:sp>
+        <p:sp>
+          <p:nvSpPr>
+            <p:cNvPr id="67" name="TextBox 66"/>
+            <p:cNvSpPr txBox="1"/>
+            <p:nvPr/>
+          </p:nvSpPr>
+          <p:spPr>
+            <a:xfrm rot="18183509">
+              <a:off x="5046673" y="3367615"/>
+              <a:ext cx="612668" cy="369332"/>
+            </a:xfrm>
+            <a:prstGeom prst="rect">
+              <a:avLst/>
+            </a:prstGeom>
+            <a:noFill/>
+          </p:spPr>
+          <p:txBody>
+            <a:bodyPr wrap="none" rtlCol="0">
+              <a:spAutoFit/>
+            </a:bodyPr>
+            <a:lstStyle/>
+            <a:p>
+              <a:r>
+                <a:rPr lang="en-US" dirty="0" smtClean="0">
+                  <a:solidFill>
+                    <a:srgbClr val="3899FF"/>
+                  </a:solidFill>
+                  <a:latin typeface="Gill Sans"/>
+                  <a:cs typeface="Gill Sans"/>
+                </a:rPr>
+                <a:t>True</a:t>
+              </a:r>
+              <a:endParaRPr lang="en-US" dirty="0">
                 <a:solidFill>
                   <a:srgbClr val="3899FF"/>
                 </a:solidFill>
                 <a:latin typeface="Gill Sans"/>
                 <a:cs typeface="Gill Sans"/>
-              </a:rPr>
-              <a:t>True</a:t>
-            </a:r>
-            <a:endParaRPr lang="en-US" dirty="0">
-              <a:solidFill>
-                <a:srgbClr val="3899FF"/>
-              </a:solidFill>
-              <a:latin typeface="Gill Sans"/>
-              <a:cs typeface="Gill Sans"/>
-            </a:endParaRPr>
-          </a:p>
-        </p:txBody>
-      </p:sp>
-      <p:sp>
-        <p:nvSpPr>
-          <p:cNvPr id="69" name="TextBox 68"/>
-          <p:cNvSpPr txBox="1"/>
-          <p:nvPr/>
-        </p:nvSpPr>
-        <p:spPr>
-          <a:xfrm rot="18183509">
-            <a:off x="9129389" y="3367615"/>
-            <a:ext cx="612668" cy="369332"/>
-          </a:xfrm>
-          <a:prstGeom prst="rect">
-            <a:avLst/>
-          </a:prstGeom>
-          <a:noFill/>
-        </p:spPr>
-        <p:txBody>
-          <a:bodyPr wrap="none" rtlCol="0">
-            <a:spAutoFit/>
-          </a:bodyPr>
-          <a:lstStyle/>
-          <a:p>
-            <a:r>
-              <a:rPr lang="en-US" dirty="0" smtClean="0">
+              </a:endParaRPr>
+            </a:p>
+          </p:txBody>
+        </p:sp>
+        <p:sp>
+          <p:nvSpPr>
+            <p:cNvPr id="69" name="TextBox 68"/>
+            <p:cNvSpPr txBox="1"/>
+            <p:nvPr/>
+          </p:nvSpPr>
+          <p:spPr>
+            <a:xfrm rot="18183509">
+              <a:off x="9129389" y="3367615"/>
+              <a:ext cx="612668" cy="369332"/>
+            </a:xfrm>
+            <a:prstGeom prst="rect">
+              <a:avLst/>
+            </a:prstGeom>
+            <a:noFill/>
+          </p:spPr>
+          <p:txBody>
+            <a:bodyPr wrap="none" rtlCol="0">
+              <a:spAutoFit/>
+            </a:bodyPr>
+            <a:lstStyle/>
+            <a:p>
+              <a:r>
+                <a:rPr lang="en-US" dirty="0" smtClean="0">
+                  <a:solidFill>
+                    <a:srgbClr val="3899FF"/>
+                  </a:solidFill>
+                  <a:latin typeface="Gill Sans"/>
+                  <a:cs typeface="Gill Sans"/>
+                </a:rPr>
+                <a:t>True</a:t>
+              </a:r>
+              <a:endParaRPr lang="en-US" dirty="0">
                 <a:solidFill>
                   <a:srgbClr val="3899FF"/>
                 </a:solidFill>
                 <a:latin typeface="Gill Sans"/>
                 <a:cs typeface="Gill Sans"/>
-              </a:rPr>
-              <a:t>True</a:t>
-            </a:r>
-            <a:endParaRPr lang="en-US" dirty="0">
+              </a:endParaRPr>
+            </a:p>
+          </p:txBody>
+        </p:sp>
+        <p:cxnSp>
+          <p:nvCxnSpPr>
+            <p:cNvPr id="12" name="Straight Arrow Connector 11"/>
+            <p:cNvCxnSpPr/>
+            <p:nvPr/>
+          </p:nvCxnSpPr>
+          <p:spPr>
+            <a:xfrm flipV="1">
+              <a:off x="307236" y="897850"/>
+              <a:ext cx="0" cy="3116380"/>
+            </a:xfrm>
+            <a:prstGeom prst="straightConnector1">
+              <a:avLst/>
+            </a:prstGeom>
+            <a:ln w="50800">
               <a:solidFill>
-                <a:srgbClr val="3899FF"/>
+                <a:schemeClr val="bg1">
+                  <a:lumMod val="50000"/>
+                </a:schemeClr>
               </a:solidFill>
-              <a:latin typeface="Gill Sans"/>
-              <a:cs typeface="Gill Sans"/>
-            </a:endParaRPr>
-          </a:p>
-        </p:txBody>
-      </p:sp>
-      <p:cxnSp>
-        <p:nvCxnSpPr>
-          <p:cNvPr id="12" name="Straight Arrow Connector 11"/>
-          <p:cNvCxnSpPr/>
-          <p:nvPr/>
-        </p:nvCxnSpPr>
-        <p:spPr>
-          <a:xfrm flipV="1">
-            <a:off x="307236" y="897850"/>
-            <a:ext cx="0" cy="3116380"/>
-          </a:xfrm>
-          <a:prstGeom prst="straightConnector1">
-            <a:avLst/>
-          </a:prstGeom>
-          <a:ln w="50800">
+              <a:tailEnd type="triangle"/>
+            </a:ln>
+            <a:effectLst/>
+          </p:spPr>
+          <p:style>
+            <a:lnRef idx="2">
+              <a:schemeClr val="accent1"/>
+            </a:lnRef>
+            <a:fillRef idx="0">
+              <a:schemeClr val="accent1"/>
+            </a:fillRef>
+            <a:effectRef idx="1">
+              <a:schemeClr val="accent1"/>
+            </a:effectRef>
+            <a:fontRef idx="minor">
+              <a:schemeClr val="tx1"/>
+            </a:fontRef>
+          </p:style>
+        </p:cxnSp>
+        <p:cxnSp>
+          <p:nvCxnSpPr>
+            <p:cNvPr id="13" name="Straight Arrow Connector 12"/>
+            <p:cNvCxnSpPr/>
+            <p:nvPr/>
+          </p:nvCxnSpPr>
+          <p:spPr>
+            <a:xfrm flipV="1">
+              <a:off x="307236" y="3992769"/>
+              <a:ext cx="3482804" cy="21461"/>
+            </a:xfrm>
+            <a:prstGeom prst="straightConnector1">
+              <a:avLst/>
+            </a:prstGeom>
+            <a:ln w="50800">
+              <a:solidFill>
+                <a:schemeClr val="bg1">
+                  <a:lumMod val="50000"/>
+                </a:schemeClr>
+              </a:solidFill>
+              <a:tailEnd type="triangle"/>
+            </a:ln>
+            <a:effectLst/>
+          </p:spPr>
+          <p:style>
+            <a:lnRef idx="2">
+              <a:schemeClr val="accent1"/>
+            </a:lnRef>
+            <a:fillRef idx="0">
+              <a:schemeClr val="accent1"/>
+            </a:fillRef>
+            <a:effectRef idx="1">
+              <a:schemeClr val="accent1"/>
+            </a:effectRef>
+            <a:fontRef idx="minor">
+              <a:schemeClr val="tx1"/>
+            </a:fontRef>
+          </p:style>
+        </p:cxnSp>
+        <p:cxnSp>
+          <p:nvCxnSpPr>
+            <p:cNvPr id="34" name="Straight Arrow Connector 33"/>
+            <p:cNvCxnSpPr/>
+            <p:nvPr/>
+          </p:nvCxnSpPr>
+          <p:spPr>
+            <a:xfrm flipV="1">
+              <a:off x="4191213" y="868019"/>
+              <a:ext cx="0" cy="3116380"/>
+            </a:xfrm>
+            <a:prstGeom prst="straightConnector1">
+              <a:avLst/>
+            </a:prstGeom>
+            <a:ln w="50800">
+              <a:solidFill>
+                <a:schemeClr val="bg1">
+                  <a:lumMod val="50000"/>
+                </a:schemeClr>
+              </a:solidFill>
+              <a:tailEnd type="triangle"/>
+            </a:ln>
+            <a:effectLst/>
+          </p:spPr>
+          <p:style>
+            <a:lnRef idx="2">
+              <a:schemeClr val="accent1"/>
+            </a:lnRef>
+            <a:fillRef idx="0">
+              <a:schemeClr val="accent1"/>
+            </a:fillRef>
+            <a:effectRef idx="1">
+              <a:schemeClr val="accent1"/>
+            </a:effectRef>
+            <a:fontRef idx="minor">
+              <a:schemeClr val="tx1"/>
+            </a:fontRef>
+          </p:style>
+        </p:cxnSp>
+        <p:cxnSp>
+          <p:nvCxnSpPr>
+            <p:cNvPr id="35" name="Straight Arrow Connector 34"/>
+            <p:cNvCxnSpPr/>
+            <p:nvPr/>
+          </p:nvCxnSpPr>
+          <p:spPr>
+            <a:xfrm flipV="1">
+              <a:off x="4191213" y="3962938"/>
+              <a:ext cx="3482804" cy="21461"/>
+            </a:xfrm>
+            <a:prstGeom prst="straightConnector1">
+              <a:avLst/>
+            </a:prstGeom>
+            <a:ln w="50800">
+              <a:solidFill>
+                <a:schemeClr val="bg1">
+                  <a:lumMod val="50000"/>
+                </a:schemeClr>
+              </a:solidFill>
+              <a:tailEnd type="triangle"/>
+            </a:ln>
+            <a:effectLst/>
+          </p:spPr>
+          <p:style>
+            <a:lnRef idx="2">
+              <a:schemeClr val="accent1"/>
+            </a:lnRef>
+            <a:fillRef idx="0">
+              <a:schemeClr val="accent1"/>
+            </a:fillRef>
+            <a:effectRef idx="1">
+              <a:schemeClr val="accent1"/>
+            </a:effectRef>
+            <a:fontRef idx="minor">
+              <a:schemeClr val="tx1"/>
+            </a:fontRef>
+          </p:style>
+        </p:cxnSp>
+        <p:cxnSp>
+          <p:nvCxnSpPr>
+            <p:cNvPr id="72" name="Straight Arrow Connector 71"/>
+            <p:cNvCxnSpPr/>
+            <p:nvPr/>
+          </p:nvCxnSpPr>
+          <p:spPr>
+            <a:xfrm flipV="1">
+              <a:off x="8158040" y="878749"/>
+              <a:ext cx="0" cy="3116380"/>
+            </a:xfrm>
+            <a:prstGeom prst="straightConnector1">
+              <a:avLst/>
+            </a:prstGeom>
+            <a:ln w="50800">
+              <a:solidFill>
+                <a:schemeClr val="bg1">
+                  <a:lumMod val="50000"/>
+                </a:schemeClr>
+              </a:solidFill>
+              <a:tailEnd type="triangle"/>
+            </a:ln>
+            <a:effectLst/>
+          </p:spPr>
+          <p:style>
+            <a:lnRef idx="2">
+              <a:schemeClr val="accent1"/>
+            </a:lnRef>
+            <a:fillRef idx="0">
+              <a:schemeClr val="accent1"/>
+            </a:fillRef>
+            <a:effectRef idx="1">
+              <a:schemeClr val="accent1"/>
+            </a:effectRef>
+            <a:fontRef idx="minor">
+              <a:schemeClr val="tx1"/>
+            </a:fontRef>
+          </p:style>
+        </p:cxnSp>
+        <p:cxnSp>
+          <p:nvCxnSpPr>
+            <p:cNvPr id="73" name="Straight Arrow Connector 72"/>
+            <p:cNvCxnSpPr/>
+            <p:nvPr/>
+          </p:nvCxnSpPr>
+          <p:spPr>
+            <a:xfrm flipV="1">
+              <a:off x="8158040" y="3973668"/>
+              <a:ext cx="3482804" cy="21461"/>
+            </a:xfrm>
+            <a:prstGeom prst="straightConnector1">
+              <a:avLst/>
+            </a:prstGeom>
+            <a:ln w="50800">
+              <a:solidFill>
+                <a:schemeClr val="bg1">
+                  <a:lumMod val="50000"/>
+                </a:schemeClr>
+              </a:solidFill>
+              <a:tailEnd type="triangle"/>
+            </a:ln>
+            <a:effectLst/>
+          </p:spPr>
+          <p:style>
+            <a:lnRef idx="2">
+              <a:schemeClr val="accent1"/>
+            </a:lnRef>
+            <a:fillRef idx="0">
+              <a:schemeClr val="accent1"/>
+            </a:fillRef>
+            <a:effectRef idx="1">
+              <a:schemeClr val="accent1"/>
+            </a:effectRef>
+            <a:fontRef idx="minor">
+              <a:schemeClr val="tx1"/>
+            </a:fontRef>
+          </p:style>
+        </p:cxnSp>
+        <p:sp>
+          <p:nvSpPr>
+            <p:cNvPr id="52" name="Multiply 51"/>
+            <p:cNvSpPr/>
+            <p:nvPr/>
+          </p:nvSpPr>
+          <p:spPr>
+            <a:xfrm>
+              <a:off x="548962" y="1080080"/>
+              <a:ext cx="405915" cy="405915"/>
+            </a:xfrm>
+            <a:prstGeom prst="mathMultiply">
+              <a:avLst/>
+            </a:prstGeom>
             <a:solidFill>
-              <a:schemeClr val="bg1">
-                <a:lumMod val="50000"/>
-              </a:schemeClr>
+              <a:srgbClr val="FB3A18">
+                <a:alpha val="85098"/>
+              </a:srgbClr>
             </a:solidFill>
-            <a:tailEnd type="triangle"/>
-          </a:ln>
-          <a:effectLst/>
-        </p:spPr>
-        <p:style>
-          <a:lnRef idx="2">
-            <a:schemeClr val="accent1"/>
-          </a:lnRef>
-          <a:fillRef idx="0">
-            <a:schemeClr val="accent1"/>
-          </a:fillRef>
-          <a:effectRef idx="1">
-            <a:schemeClr val="accent1"/>
-          </a:effectRef>
-          <a:fontRef idx="minor">
-            <a:schemeClr val="tx1"/>
-          </a:fontRef>
-        </p:style>
-      </p:cxnSp>
-      <p:cxnSp>
-        <p:nvCxnSpPr>
-          <p:cNvPr id="13" name="Straight Arrow Connector 12"/>
-          <p:cNvCxnSpPr/>
-          <p:nvPr/>
-        </p:nvCxnSpPr>
-        <p:spPr>
-          <a:xfrm flipV="1">
-            <a:off x="307236" y="3992769"/>
-            <a:ext cx="3482804" cy="21461"/>
-          </a:xfrm>
-          <a:prstGeom prst="straightConnector1">
-            <a:avLst/>
-          </a:prstGeom>
-          <a:ln w="50800">
+            <a:ln>
+              <a:noFill/>
+            </a:ln>
+            <a:effectLst/>
+          </p:spPr>
+          <p:style>
+            <a:lnRef idx="1">
+              <a:schemeClr val="accent1"/>
+            </a:lnRef>
+            <a:fillRef idx="3">
+              <a:schemeClr val="accent1"/>
+            </a:fillRef>
+            <a:effectRef idx="2">
+              <a:schemeClr val="accent1"/>
+            </a:effectRef>
+            <a:fontRef idx="minor">
+              <a:schemeClr val="lt1"/>
+            </a:fontRef>
+          </p:style>
+          <p:txBody>
+            <a:bodyPr rtlCol="0" anchor="ctr"/>
+            <a:lstStyle/>
+            <a:p>
+              <a:pPr algn="ctr"/>
+              <a:endParaRPr lang="en-US"/>
+            </a:p>
+          </p:txBody>
+        </p:sp>
+        <p:sp>
+          <p:nvSpPr>
+            <p:cNvPr id="53" name="Multiply 52"/>
+            <p:cNvSpPr/>
+            <p:nvPr/>
+          </p:nvSpPr>
+          <p:spPr>
+            <a:xfrm>
+              <a:off x="601177" y="1713318"/>
+              <a:ext cx="405915" cy="405915"/>
+            </a:xfrm>
+            <a:prstGeom prst="mathMultiply">
+              <a:avLst/>
+            </a:prstGeom>
             <a:solidFill>
-              <a:schemeClr val="bg1">
-                <a:lumMod val="50000"/>
-              </a:schemeClr>
+              <a:srgbClr val="FB3A18">
+                <a:alpha val="85098"/>
+              </a:srgbClr>
             </a:solidFill>
-            <a:tailEnd type="triangle"/>
-          </a:ln>
-          <a:effectLst/>
-        </p:spPr>
-        <p:style>
-          <a:lnRef idx="2">
-            <a:schemeClr val="accent1"/>
-          </a:lnRef>
-          <a:fillRef idx="0">
-            <a:schemeClr val="accent1"/>
-          </a:fillRef>
-          <a:effectRef idx="1">
-            <a:schemeClr val="accent1"/>
-          </a:effectRef>
-          <a:fontRef idx="minor">
-            <a:schemeClr val="tx1"/>
-          </a:fontRef>
-        </p:style>
-      </p:cxnSp>
-      <p:cxnSp>
-        <p:nvCxnSpPr>
-          <p:cNvPr id="34" name="Straight Arrow Connector 33"/>
-          <p:cNvCxnSpPr/>
-          <p:nvPr/>
-        </p:nvCxnSpPr>
-        <p:spPr>
-          <a:xfrm flipV="1">
-            <a:off x="4191213" y="868019"/>
-            <a:ext cx="0" cy="3116380"/>
-          </a:xfrm>
-          <a:prstGeom prst="straightConnector1">
-            <a:avLst/>
-          </a:prstGeom>
-          <a:ln w="50800">
+            <a:ln>
+              <a:noFill/>
+            </a:ln>
+            <a:effectLst/>
+          </p:spPr>
+          <p:style>
+            <a:lnRef idx="1">
+              <a:schemeClr val="accent1"/>
+            </a:lnRef>
+            <a:fillRef idx="3">
+              <a:schemeClr val="accent1"/>
+            </a:fillRef>
+            <a:effectRef idx="2">
+              <a:schemeClr val="accent1"/>
+            </a:effectRef>
+            <a:fontRef idx="minor">
+              <a:schemeClr val="lt1"/>
+            </a:fontRef>
+          </p:style>
+          <p:txBody>
+            <a:bodyPr rtlCol="0" anchor="ctr"/>
+            <a:lstStyle/>
+            <a:p>
+              <a:pPr algn="ctr"/>
+              <a:endParaRPr lang="en-US"/>
+            </a:p>
+          </p:txBody>
+        </p:sp>
+        <p:sp>
+          <p:nvSpPr>
+            <p:cNvPr id="54" name="Multiply 53"/>
+            <p:cNvSpPr/>
+            <p:nvPr/>
+          </p:nvSpPr>
+          <p:spPr>
+            <a:xfrm>
+              <a:off x="531165" y="2376375"/>
+              <a:ext cx="405915" cy="405915"/>
+            </a:xfrm>
+            <a:prstGeom prst="mathMultiply">
+              <a:avLst/>
+            </a:prstGeom>
             <a:solidFill>
-              <a:schemeClr val="bg1">
-                <a:lumMod val="50000"/>
-              </a:schemeClr>
+              <a:srgbClr val="FB3A18">
+                <a:alpha val="85098"/>
+              </a:srgbClr>
             </a:solidFill>
-            <a:tailEnd type="triangle"/>
-          </a:ln>
-          <a:effectLst/>
-        </p:spPr>
-        <p:style>
-          <a:lnRef idx="2">
-            <a:schemeClr val="accent1"/>
-          </a:lnRef>
-          <a:fillRef idx="0">
-            <a:schemeClr val="accent1"/>
-          </a:fillRef>
-          <a:effectRef idx="1">
-            <a:schemeClr val="accent1"/>
-          </a:effectRef>
-          <a:fontRef idx="minor">
-            <a:schemeClr val="tx1"/>
-          </a:fontRef>
-        </p:style>
-      </p:cxnSp>
-      <p:cxnSp>
-        <p:nvCxnSpPr>
-          <p:cNvPr id="35" name="Straight Arrow Connector 34"/>
-          <p:cNvCxnSpPr/>
-          <p:nvPr/>
-        </p:nvCxnSpPr>
-        <p:spPr>
-          <a:xfrm flipV="1">
-            <a:off x="4191213" y="3962938"/>
-            <a:ext cx="3482804" cy="21461"/>
-          </a:xfrm>
-          <a:prstGeom prst="straightConnector1">
-            <a:avLst/>
-          </a:prstGeom>
-          <a:ln w="50800">
+            <a:ln>
+              <a:noFill/>
+            </a:ln>
+            <a:effectLst/>
+          </p:spPr>
+          <p:style>
+            <a:lnRef idx="1">
+              <a:schemeClr val="accent1"/>
+            </a:lnRef>
+            <a:fillRef idx="3">
+              <a:schemeClr val="accent1"/>
+            </a:fillRef>
+            <a:effectRef idx="2">
+              <a:schemeClr val="accent1"/>
+            </a:effectRef>
+            <a:fontRef idx="minor">
+              <a:schemeClr val="lt1"/>
+            </a:fontRef>
+          </p:style>
+          <p:txBody>
+            <a:bodyPr rtlCol="0" anchor="ctr"/>
+            <a:lstStyle/>
+            <a:p>
+              <a:pPr algn="ctr"/>
+              <a:endParaRPr lang="en-US"/>
+            </a:p>
+          </p:txBody>
+        </p:sp>
+        <p:sp>
+          <p:nvSpPr>
+            <p:cNvPr id="55" name="Multiply 54"/>
+            <p:cNvSpPr/>
+            <p:nvPr/>
+          </p:nvSpPr>
+          <p:spPr>
+            <a:xfrm>
+              <a:off x="1111962" y="1841352"/>
+              <a:ext cx="405915" cy="405915"/>
+            </a:xfrm>
+            <a:prstGeom prst="mathMultiply">
+              <a:avLst/>
+            </a:prstGeom>
             <a:solidFill>
-              <a:schemeClr val="bg1">
-                <a:lumMod val="50000"/>
-              </a:schemeClr>
+              <a:srgbClr val="FB3A18">
+                <a:alpha val="85098"/>
+              </a:srgbClr>
             </a:solidFill>
-            <a:tailEnd type="triangle"/>
-          </a:ln>
-          <a:effectLst/>
-        </p:spPr>
-        <p:style>
-          <a:lnRef idx="2">
-            <a:schemeClr val="accent1"/>
-          </a:lnRef>
-          <a:fillRef idx="0">
-            <a:schemeClr val="accent1"/>
-          </a:fillRef>
-          <a:effectRef idx="1">
-            <a:schemeClr val="accent1"/>
-          </a:effectRef>
-          <a:fontRef idx="minor">
-            <a:schemeClr val="tx1"/>
-          </a:fontRef>
-        </p:style>
-      </p:cxnSp>
-      <p:cxnSp>
-        <p:nvCxnSpPr>
-          <p:cNvPr id="72" name="Straight Arrow Connector 71"/>
-          <p:cNvCxnSpPr/>
-          <p:nvPr/>
-        </p:nvCxnSpPr>
-        <p:spPr>
-          <a:xfrm flipV="1">
-            <a:off x="8158040" y="878749"/>
-            <a:ext cx="0" cy="3116380"/>
-          </a:xfrm>
-          <a:prstGeom prst="straightConnector1">
-            <a:avLst/>
-          </a:prstGeom>
-          <a:ln w="50800">
+            <a:ln>
+              <a:noFill/>
+            </a:ln>
+            <a:effectLst/>
+          </p:spPr>
+          <p:style>
+            <a:lnRef idx="1">
+              <a:schemeClr val="accent1"/>
+            </a:lnRef>
+            <a:fillRef idx="3">
+              <a:schemeClr val="accent1"/>
+            </a:fillRef>
+            <a:effectRef idx="2">
+              <a:schemeClr val="accent1"/>
+            </a:effectRef>
+            <a:fontRef idx="minor">
+              <a:schemeClr val="lt1"/>
+            </a:fontRef>
+          </p:style>
+          <p:txBody>
+            <a:bodyPr rtlCol="0" anchor="ctr"/>
+            <a:lstStyle/>
+            <a:p>
+              <a:pPr algn="ctr"/>
+              <a:endParaRPr lang="en-US"/>
+            </a:p>
+          </p:txBody>
+        </p:sp>
+        <p:sp>
+          <p:nvSpPr>
+            <p:cNvPr id="56" name="Multiply 55"/>
+            <p:cNvSpPr/>
+            <p:nvPr/>
+          </p:nvSpPr>
+          <p:spPr>
+            <a:xfrm>
+              <a:off x="1360792" y="981311"/>
+              <a:ext cx="405915" cy="405915"/>
+            </a:xfrm>
+            <a:prstGeom prst="mathMultiply">
+              <a:avLst/>
+            </a:prstGeom>
             <a:solidFill>
-              <a:schemeClr val="bg1">
-                <a:lumMod val="50000"/>
-              </a:schemeClr>
+              <a:srgbClr val="FB3A18">
+                <a:alpha val="85098"/>
+              </a:srgbClr>
             </a:solidFill>
-            <a:tailEnd type="triangle"/>
-          </a:ln>
-          <a:effectLst/>
-        </p:spPr>
-        <p:style>
-          <a:lnRef idx="2">
-            <a:schemeClr val="accent1"/>
-          </a:lnRef>
-          <a:fillRef idx="0">
-            <a:schemeClr val="accent1"/>
-          </a:fillRef>
-          <a:effectRef idx="1">
-            <a:schemeClr val="accent1"/>
-          </a:effectRef>
-          <a:fontRef idx="minor">
-            <a:schemeClr val="tx1"/>
-          </a:fontRef>
-        </p:style>
-      </p:cxnSp>
-      <p:cxnSp>
-        <p:nvCxnSpPr>
-          <p:cNvPr id="73" name="Straight Arrow Connector 72"/>
-          <p:cNvCxnSpPr/>
-          <p:nvPr/>
-        </p:nvCxnSpPr>
-        <p:spPr>
-          <a:xfrm flipV="1">
-            <a:off x="8158040" y="3973668"/>
-            <a:ext cx="3482804" cy="21461"/>
-          </a:xfrm>
-          <a:prstGeom prst="straightConnector1">
-            <a:avLst/>
-          </a:prstGeom>
-          <a:ln w="50800">
+            <a:ln>
+              <a:noFill/>
+            </a:ln>
+            <a:effectLst/>
+          </p:spPr>
+          <p:style>
+            <a:lnRef idx="1">
+              <a:schemeClr val="accent1"/>
+            </a:lnRef>
+            <a:fillRef idx="3">
+              <a:schemeClr val="accent1"/>
+            </a:fillRef>
+            <a:effectRef idx="2">
+              <a:schemeClr val="accent1"/>
+            </a:effectRef>
+            <a:fontRef idx="minor">
+              <a:schemeClr val="lt1"/>
+            </a:fontRef>
+          </p:style>
+          <p:txBody>
+            <a:bodyPr rtlCol="0" anchor="ctr"/>
+            <a:lstStyle/>
+            <a:p>
+              <a:pPr algn="ctr"/>
+              <a:endParaRPr lang="en-US"/>
+            </a:p>
+          </p:txBody>
+        </p:sp>
+        <p:sp>
+          <p:nvSpPr>
+            <p:cNvPr id="57" name="Multiply 56"/>
+            <p:cNvSpPr/>
+            <p:nvPr/>
+          </p:nvSpPr>
+          <p:spPr>
+            <a:xfrm>
+              <a:off x="2719006" y="3567753"/>
+              <a:ext cx="405915" cy="405915"/>
+            </a:xfrm>
+            <a:prstGeom prst="mathMultiply">
+              <a:avLst/>
+            </a:prstGeom>
             <a:solidFill>
-              <a:schemeClr val="bg1">
-                <a:lumMod val="50000"/>
-              </a:schemeClr>
+              <a:srgbClr val="FB3A18">
+                <a:alpha val="85098"/>
+              </a:srgbClr>
             </a:solidFill>
-            <a:tailEnd type="triangle"/>
-          </a:ln>
-          <a:effectLst/>
-        </p:spPr>
-        <p:style>
-          <a:lnRef idx="2">
-            <a:schemeClr val="accent1"/>
-          </a:lnRef>
-          <a:fillRef idx="0">
-            <a:schemeClr val="accent1"/>
-          </a:fillRef>
-          <a:effectRef idx="1">
-            <a:schemeClr val="accent1"/>
-          </a:effectRef>
-          <a:fontRef idx="minor">
-            <a:schemeClr val="tx1"/>
-          </a:fontRef>
-        </p:style>
-      </p:cxnSp>
-      <p:sp>
-        <p:nvSpPr>
-          <p:cNvPr id="25" name="Multiply 24"/>
-          <p:cNvSpPr/>
-          <p:nvPr/>
-        </p:nvSpPr>
-        <p:spPr>
-          <a:xfrm>
-            <a:off x="2286402" y="1089533"/>
-            <a:ext cx="405915" cy="405915"/>
-          </a:xfrm>
-          <a:prstGeom prst="mathMultiply">
-            <a:avLst/>
-          </a:prstGeom>
-          <a:solidFill>
-            <a:srgbClr val="3899FF"/>
-          </a:solidFill>
-          <a:ln>
-            <a:noFill/>
-          </a:ln>
-          <a:effectLst/>
-        </p:spPr>
-        <p:style>
-          <a:lnRef idx="1">
-            <a:schemeClr val="accent1"/>
-          </a:lnRef>
-          <a:fillRef idx="3">
-            <a:schemeClr val="accent1"/>
-          </a:fillRef>
-          <a:effectRef idx="2">
-            <a:schemeClr val="accent1"/>
-          </a:effectRef>
-          <a:fontRef idx="minor">
-            <a:schemeClr val="lt1"/>
-          </a:fontRef>
-        </p:style>
-        <p:txBody>
-          <a:bodyPr rtlCol="0" anchor="ctr"/>
-          <a:lstStyle/>
-          <a:p>
-            <a:pPr algn="ctr"/>
-            <a:endParaRPr lang="en-US"/>
-          </a:p>
-        </p:txBody>
-      </p:sp>
-      <p:sp>
-        <p:nvSpPr>
-          <p:cNvPr id="26" name="Multiply 25"/>
-          <p:cNvSpPr/>
-          <p:nvPr/>
-        </p:nvSpPr>
-        <p:spPr>
-          <a:xfrm>
-            <a:off x="2338617" y="1722771"/>
-            <a:ext cx="405915" cy="405915"/>
-          </a:xfrm>
-          <a:prstGeom prst="mathMultiply">
-            <a:avLst/>
-          </a:prstGeom>
-          <a:solidFill>
-            <a:srgbClr val="3899FF"/>
-          </a:solidFill>
-          <a:ln>
-            <a:noFill/>
-          </a:ln>
-          <a:effectLst/>
-        </p:spPr>
-        <p:style>
-          <a:lnRef idx="1">
-            <a:schemeClr val="accent1"/>
-          </a:lnRef>
-          <a:fillRef idx="3">
-            <a:schemeClr val="accent1"/>
-          </a:fillRef>
-          <a:effectRef idx="2">
-            <a:schemeClr val="accent1"/>
-          </a:effectRef>
-          <a:fontRef idx="minor">
-            <a:schemeClr val="lt1"/>
-          </a:fontRef>
-        </p:style>
-        <p:txBody>
-          <a:bodyPr rtlCol="0" anchor="ctr"/>
-          <a:lstStyle/>
-          <a:p>
-            <a:pPr algn="ctr"/>
-            <a:endParaRPr lang="en-US"/>
-          </a:p>
-        </p:txBody>
-      </p:sp>
-      <p:sp>
-        <p:nvSpPr>
-          <p:cNvPr id="27" name="Multiply 26"/>
-          <p:cNvSpPr/>
-          <p:nvPr/>
-        </p:nvSpPr>
-        <p:spPr>
-          <a:xfrm>
-            <a:off x="2485031" y="2223976"/>
-            <a:ext cx="405915" cy="405915"/>
-          </a:xfrm>
-          <a:prstGeom prst="mathMultiply">
-            <a:avLst/>
-          </a:prstGeom>
-          <a:solidFill>
-            <a:srgbClr val="3899FF"/>
-          </a:solidFill>
-          <a:ln>
-            <a:noFill/>
-          </a:ln>
-          <a:effectLst/>
-        </p:spPr>
-        <p:style>
-          <a:lnRef idx="1">
-            <a:schemeClr val="accent1"/>
-          </a:lnRef>
-          <a:fillRef idx="3">
-            <a:schemeClr val="accent1"/>
-          </a:fillRef>
-          <a:effectRef idx="2">
-            <a:schemeClr val="accent1"/>
-          </a:effectRef>
-          <a:fontRef idx="minor">
-            <a:schemeClr val="lt1"/>
-          </a:fontRef>
-        </p:style>
-        <p:txBody>
-          <a:bodyPr rtlCol="0" anchor="ctr"/>
-          <a:lstStyle/>
-          <a:p>
-            <a:pPr algn="ctr"/>
-            <a:endParaRPr lang="en-US"/>
-          </a:p>
-        </p:txBody>
-      </p:sp>
-      <p:sp>
-        <p:nvSpPr>
-          <p:cNvPr id="28" name="Multiply 27"/>
-          <p:cNvSpPr/>
-          <p:nvPr/>
-        </p:nvSpPr>
-        <p:spPr>
-          <a:xfrm>
-            <a:off x="2744532" y="1850805"/>
-            <a:ext cx="405915" cy="405915"/>
-          </a:xfrm>
-          <a:prstGeom prst="mathMultiply">
-            <a:avLst/>
-          </a:prstGeom>
-          <a:solidFill>
-            <a:srgbClr val="3899FF"/>
-          </a:solidFill>
-          <a:ln>
-            <a:noFill/>
-          </a:ln>
-          <a:effectLst/>
-        </p:spPr>
-        <p:style>
-          <a:lnRef idx="1">
-            <a:schemeClr val="accent1"/>
-          </a:lnRef>
-          <a:fillRef idx="3">
-            <a:schemeClr val="accent1"/>
-          </a:fillRef>
-          <a:effectRef idx="2">
-            <a:schemeClr val="accent1"/>
-          </a:effectRef>
-          <a:fontRef idx="minor">
-            <a:schemeClr val="lt1"/>
-          </a:fontRef>
-        </p:style>
-        <p:txBody>
-          <a:bodyPr rtlCol="0" anchor="ctr"/>
-          <a:lstStyle/>
-          <a:p>
-            <a:pPr algn="ctr"/>
-            <a:endParaRPr lang="en-US"/>
-          </a:p>
-        </p:txBody>
-      </p:sp>
-      <p:sp>
-        <p:nvSpPr>
-          <p:cNvPr id="29" name="Multiply 28"/>
-          <p:cNvSpPr/>
-          <p:nvPr/>
-        </p:nvSpPr>
-        <p:spPr>
-          <a:xfrm>
-            <a:off x="3150447" y="981311"/>
-            <a:ext cx="405915" cy="405915"/>
-          </a:xfrm>
-          <a:prstGeom prst="mathMultiply">
-            <a:avLst/>
-          </a:prstGeom>
-          <a:solidFill>
-            <a:srgbClr val="3899FF"/>
-          </a:solidFill>
-          <a:ln>
-            <a:noFill/>
-          </a:ln>
-          <a:effectLst/>
-        </p:spPr>
-        <p:style>
-          <a:lnRef idx="1">
-            <a:schemeClr val="accent1"/>
-          </a:lnRef>
-          <a:fillRef idx="3">
-            <a:schemeClr val="accent1"/>
-          </a:fillRef>
-          <a:effectRef idx="2">
-            <a:schemeClr val="accent1"/>
-          </a:effectRef>
-          <a:fontRef idx="minor">
-            <a:schemeClr val="lt1"/>
-          </a:fontRef>
-        </p:style>
-        <p:txBody>
-          <a:bodyPr rtlCol="0" anchor="ctr"/>
-          <a:lstStyle/>
-          <a:p>
-            <a:pPr algn="ctr"/>
-            <a:endParaRPr lang="en-US"/>
-          </a:p>
-        </p:txBody>
-      </p:sp>
-      <p:sp>
-        <p:nvSpPr>
-          <p:cNvPr id="39" name="Multiply 38"/>
-          <p:cNvSpPr/>
-          <p:nvPr/>
-        </p:nvSpPr>
-        <p:spPr>
-          <a:xfrm>
-            <a:off x="5963092" y="1820974"/>
-            <a:ext cx="405915" cy="405915"/>
-          </a:xfrm>
-          <a:prstGeom prst="mathMultiply">
-            <a:avLst/>
-          </a:prstGeom>
-          <a:solidFill>
-            <a:srgbClr val="3899FF"/>
-          </a:solidFill>
-          <a:ln>
-            <a:noFill/>
-          </a:ln>
-          <a:effectLst/>
-        </p:spPr>
-        <p:style>
-          <a:lnRef idx="1">
-            <a:schemeClr val="accent1"/>
-          </a:lnRef>
-          <a:fillRef idx="3">
-            <a:schemeClr val="accent1"/>
-          </a:fillRef>
-          <a:effectRef idx="2">
-            <a:schemeClr val="accent1"/>
-          </a:effectRef>
-          <a:fontRef idx="minor">
-            <a:schemeClr val="lt1"/>
-          </a:fontRef>
-        </p:style>
-        <p:txBody>
-          <a:bodyPr rtlCol="0" anchor="ctr"/>
-          <a:lstStyle/>
-          <a:p>
-            <a:pPr algn="ctr"/>
-            <a:endParaRPr lang="en-US"/>
-          </a:p>
-        </p:txBody>
-      </p:sp>
-      <p:sp>
-        <p:nvSpPr>
-          <p:cNvPr id="41" name="Multiply 40"/>
-          <p:cNvSpPr/>
-          <p:nvPr/>
-        </p:nvSpPr>
-        <p:spPr>
-          <a:xfrm>
-            <a:off x="6166050" y="2376375"/>
-            <a:ext cx="405915" cy="405915"/>
-          </a:xfrm>
-          <a:prstGeom prst="mathMultiply">
-            <a:avLst/>
-          </a:prstGeom>
-          <a:solidFill>
-            <a:srgbClr val="3899FF"/>
-          </a:solidFill>
-          <a:ln>
-            <a:noFill/>
-          </a:ln>
-          <a:effectLst/>
-        </p:spPr>
-        <p:style>
-          <a:lnRef idx="1">
-            <a:schemeClr val="accent1"/>
-          </a:lnRef>
-          <a:fillRef idx="3">
-            <a:schemeClr val="accent1"/>
-          </a:fillRef>
-          <a:effectRef idx="2">
-            <a:schemeClr val="accent1"/>
-          </a:effectRef>
-          <a:fontRef idx="minor">
-            <a:schemeClr val="lt1"/>
-          </a:fontRef>
-        </p:style>
-        <p:txBody>
-          <a:bodyPr rtlCol="0" anchor="ctr"/>
-          <a:lstStyle/>
-          <a:p>
-            <a:pPr algn="ctr"/>
-            <a:endParaRPr lang="en-US"/>
-          </a:p>
-        </p:txBody>
-      </p:sp>
-      <p:sp>
-        <p:nvSpPr>
-          <p:cNvPr id="52" name="Multiply 51"/>
-          <p:cNvSpPr/>
-          <p:nvPr/>
-        </p:nvSpPr>
-        <p:spPr>
-          <a:xfrm>
-            <a:off x="548962" y="1080080"/>
-            <a:ext cx="405915" cy="405915"/>
-          </a:xfrm>
-          <a:prstGeom prst="mathMultiply">
-            <a:avLst/>
-          </a:prstGeom>
-          <a:solidFill>
-            <a:srgbClr val="FB3A18">
-              <a:alpha val="85098"/>
-            </a:srgbClr>
-          </a:solidFill>
-          <a:ln>
-            <a:noFill/>
-          </a:ln>
-          <a:effectLst/>
-        </p:spPr>
-        <p:style>
-          <a:lnRef idx="1">
-            <a:schemeClr val="accent1"/>
-          </a:lnRef>
-          <a:fillRef idx="3">
-            <a:schemeClr val="accent1"/>
-          </a:fillRef>
-          <a:effectRef idx="2">
-            <a:schemeClr val="accent1"/>
-          </a:effectRef>
-          <a:fontRef idx="minor">
-            <a:schemeClr val="lt1"/>
-          </a:fontRef>
-        </p:style>
-        <p:txBody>
-          <a:bodyPr rtlCol="0" anchor="ctr"/>
-          <a:lstStyle/>
-          <a:p>
-            <a:pPr algn="ctr"/>
-            <a:endParaRPr lang="en-US"/>
-          </a:p>
-        </p:txBody>
-      </p:sp>
-      <p:sp>
-        <p:nvSpPr>
-          <p:cNvPr id="53" name="Multiply 52"/>
-          <p:cNvSpPr/>
-          <p:nvPr/>
-        </p:nvSpPr>
-        <p:spPr>
-          <a:xfrm>
-            <a:off x="601177" y="1713318"/>
-            <a:ext cx="405915" cy="405915"/>
-          </a:xfrm>
-          <a:prstGeom prst="mathMultiply">
-            <a:avLst/>
-          </a:prstGeom>
-          <a:solidFill>
-            <a:srgbClr val="FB3A18">
-              <a:alpha val="85098"/>
-            </a:srgbClr>
-          </a:solidFill>
-          <a:ln>
-            <a:noFill/>
-          </a:ln>
-          <a:effectLst/>
-        </p:spPr>
-        <p:style>
-          <a:lnRef idx="1">
-            <a:schemeClr val="accent1"/>
-          </a:lnRef>
-          <a:fillRef idx="3">
-            <a:schemeClr val="accent1"/>
-          </a:fillRef>
-          <a:effectRef idx="2">
-            <a:schemeClr val="accent1"/>
-          </a:effectRef>
-          <a:fontRef idx="minor">
-            <a:schemeClr val="lt1"/>
-          </a:fontRef>
-        </p:style>
-        <p:txBody>
-          <a:bodyPr rtlCol="0" anchor="ctr"/>
-          <a:lstStyle/>
-          <a:p>
-            <a:pPr algn="ctr"/>
-            <a:endParaRPr lang="en-US"/>
-          </a:p>
-        </p:txBody>
-      </p:sp>
-      <p:sp>
-        <p:nvSpPr>
-          <p:cNvPr id="54" name="Multiply 53"/>
-          <p:cNvSpPr/>
-          <p:nvPr/>
-        </p:nvSpPr>
-        <p:spPr>
-          <a:xfrm>
-            <a:off x="747591" y="2214523"/>
-            <a:ext cx="405915" cy="405915"/>
-          </a:xfrm>
-          <a:prstGeom prst="mathMultiply">
-            <a:avLst/>
-          </a:prstGeom>
-          <a:solidFill>
-            <a:srgbClr val="FB3A18">
-              <a:alpha val="85098"/>
-            </a:srgbClr>
-          </a:solidFill>
-          <a:ln>
-            <a:noFill/>
-          </a:ln>
-          <a:effectLst/>
-        </p:spPr>
-        <p:style>
-          <a:lnRef idx="1">
-            <a:schemeClr val="accent1"/>
-          </a:lnRef>
-          <a:fillRef idx="3">
-            <a:schemeClr val="accent1"/>
-          </a:fillRef>
-          <a:effectRef idx="2">
-            <a:schemeClr val="accent1"/>
-          </a:effectRef>
-          <a:fontRef idx="minor">
-            <a:schemeClr val="lt1"/>
-          </a:fontRef>
-        </p:style>
-        <p:txBody>
-          <a:bodyPr rtlCol="0" anchor="ctr"/>
-          <a:lstStyle/>
-          <a:p>
-            <a:pPr algn="ctr"/>
-            <a:endParaRPr lang="en-US"/>
-          </a:p>
-        </p:txBody>
-      </p:sp>
-      <p:sp>
-        <p:nvSpPr>
-          <p:cNvPr id="55" name="Multiply 54"/>
-          <p:cNvSpPr/>
-          <p:nvPr/>
-        </p:nvSpPr>
-        <p:spPr>
-          <a:xfrm>
-            <a:off x="1007092" y="1841352"/>
-            <a:ext cx="405915" cy="405915"/>
-          </a:xfrm>
-          <a:prstGeom prst="mathMultiply">
-            <a:avLst/>
-          </a:prstGeom>
-          <a:solidFill>
-            <a:srgbClr val="FB3A18">
-              <a:alpha val="85098"/>
-            </a:srgbClr>
-          </a:solidFill>
-          <a:ln>
-            <a:noFill/>
-          </a:ln>
-          <a:effectLst/>
-        </p:spPr>
-        <p:style>
-          <a:lnRef idx="1">
-            <a:schemeClr val="accent1"/>
-          </a:lnRef>
-          <a:fillRef idx="3">
-            <a:schemeClr val="accent1"/>
-          </a:fillRef>
-          <a:effectRef idx="2">
-            <a:schemeClr val="accent1"/>
-          </a:effectRef>
-          <a:fontRef idx="minor">
-            <a:schemeClr val="lt1"/>
-          </a:fontRef>
-        </p:style>
-        <p:txBody>
-          <a:bodyPr rtlCol="0" anchor="ctr"/>
-          <a:lstStyle/>
-          <a:p>
-            <a:pPr algn="ctr"/>
-            <a:endParaRPr lang="en-US"/>
-          </a:p>
-        </p:txBody>
-      </p:sp>
-      <p:sp>
-        <p:nvSpPr>
-          <p:cNvPr id="56" name="Multiply 55"/>
-          <p:cNvSpPr/>
-          <p:nvPr/>
-        </p:nvSpPr>
-        <p:spPr>
-          <a:xfrm>
-            <a:off x="1360792" y="981311"/>
-            <a:ext cx="405915" cy="405915"/>
-          </a:xfrm>
-          <a:prstGeom prst="mathMultiply">
-            <a:avLst/>
-          </a:prstGeom>
-          <a:solidFill>
-            <a:srgbClr val="FB3A18">
-              <a:alpha val="85098"/>
-            </a:srgbClr>
-          </a:solidFill>
-          <a:ln>
-            <a:noFill/>
-          </a:ln>
-          <a:effectLst/>
-        </p:spPr>
-        <p:style>
-          <a:lnRef idx="1">
-            <a:schemeClr val="accent1"/>
-          </a:lnRef>
-          <a:fillRef idx="3">
-            <a:schemeClr val="accent1"/>
-          </a:fillRef>
-          <a:effectRef idx="2">
-            <a:schemeClr val="accent1"/>
-          </a:effectRef>
-          <a:fontRef idx="minor">
-            <a:schemeClr val="lt1"/>
-          </a:fontRef>
-        </p:style>
-        <p:txBody>
-          <a:bodyPr rtlCol="0" anchor="ctr"/>
-          <a:lstStyle/>
-          <a:p>
-            <a:pPr algn="ctr"/>
-            <a:endParaRPr lang="en-US"/>
-          </a:p>
-        </p:txBody>
-      </p:sp>
-      <p:sp>
-        <p:nvSpPr>
-          <p:cNvPr id="74" name="Multiply 73"/>
-          <p:cNvSpPr/>
-          <p:nvPr/>
-        </p:nvSpPr>
-        <p:spPr>
-          <a:xfrm>
-            <a:off x="10615226" y="2294913"/>
-            <a:ext cx="405915" cy="405915"/>
-          </a:xfrm>
-          <a:prstGeom prst="mathMultiply">
-            <a:avLst/>
-          </a:prstGeom>
-          <a:solidFill>
-            <a:srgbClr val="3899FF"/>
-          </a:solidFill>
-          <a:ln>
-            <a:noFill/>
-          </a:ln>
-          <a:effectLst/>
-        </p:spPr>
-        <p:style>
-          <a:lnRef idx="1">
-            <a:schemeClr val="accent1"/>
-          </a:lnRef>
-          <a:fillRef idx="3">
-            <a:schemeClr val="accent1"/>
-          </a:fillRef>
-          <a:effectRef idx="2">
-            <a:schemeClr val="accent1"/>
-          </a:effectRef>
-          <a:fontRef idx="minor">
-            <a:schemeClr val="lt1"/>
-          </a:fontRef>
-        </p:style>
-        <p:txBody>
-          <a:bodyPr rtlCol="0" anchor="ctr"/>
-          <a:lstStyle/>
-          <a:p>
-            <a:pPr algn="ctr"/>
-            <a:endParaRPr lang="en-US"/>
-          </a:p>
-        </p:txBody>
-      </p:sp>
-      <p:sp>
-        <p:nvSpPr>
-          <p:cNvPr id="75" name="Multiply 74"/>
-          <p:cNvSpPr/>
-          <p:nvPr/>
-        </p:nvSpPr>
-        <p:spPr>
-          <a:xfrm>
-            <a:off x="10432544" y="1808608"/>
-            <a:ext cx="405915" cy="405915"/>
-          </a:xfrm>
-          <a:prstGeom prst="mathMultiply">
-            <a:avLst/>
-          </a:prstGeom>
-          <a:solidFill>
-            <a:srgbClr val="3899FF"/>
-          </a:solidFill>
-          <a:ln>
-            <a:noFill/>
-          </a:ln>
-          <a:effectLst/>
-        </p:spPr>
-        <p:style>
-          <a:lnRef idx="1">
-            <a:schemeClr val="accent1"/>
-          </a:lnRef>
-          <a:fillRef idx="3">
-            <a:schemeClr val="accent1"/>
-          </a:fillRef>
-          <a:effectRef idx="2">
-            <a:schemeClr val="accent1"/>
-          </a:effectRef>
-          <a:fontRef idx="minor">
-            <a:schemeClr val="lt1"/>
-          </a:fontRef>
-        </p:style>
-        <p:txBody>
-          <a:bodyPr rtlCol="0" anchor="ctr"/>
-          <a:lstStyle/>
-          <a:p>
-            <a:pPr algn="ctr"/>
-            <a:endParaRPr lang="en-US"/>
-          </a:p>
-        </p:txBody>
-      </p:sp>
+            <a:ln>
+              <a:noFill/>
+            </a:ln>
+            <a:effectLst/>
+          </p:spPr>
+          <p:style>
+            <a:lnRef idx="1">
+              <a:schemeClr val="accent1"/>
+            </a:lnRef>
+            <a:fillRef idx="3">
+              <a:schemeClr val="accent1"/>
+            </a:fillRef>
+            <a:effectRef idx="2">
+              <a:schemeClr val="accent1"/>
+            </a:effectRef>
+            <a:fontRef idx="minor">
+              <a:schemeClr val="lt1"/>
+            </a:fontRef>
+          </p:style>
+          <p:txBody>
+            <a:bodyPr rtlCol="0" anchor="ctr"/>
+            <a:lstStyle/>
+            <a:p>
+              <a:pPr algn="ctr"/>
+              <a:endParaRPr lang="en-US"/>
+            </a:p>
+          </p:txBody>
+        </p:sp>
+        <p:sp>
+          <p:nvSpPr>
+            <p:cNvPr id="59" name="Rectangle 58"/>
+            <p:cNvSpPr/>
+            <p:nvPr/>
+          </p:nvSpPr>
+          <p:spPr>
+            <a:xfrm>
+              <a:off x="2374400" y="2604732"/>
+              <a:ext cx="197311" cy="200528"/>
+            </a:xfrm>
+            <a:prstGeom prst="rect">
+              <a:avLst/>
+            </a:prstGeom>
+            <a:solidFill>
+              <a:srgbClr val="3899FF"/>
+            </a:solidFill>
+            <a:ln w="34925">
+              <a:noFill/>
+            </a:ln>
+            <a:effectLst/>
+          </p:spPr>
+          <p:style>
+            <a:lnRef idx="1">
+              <a:schemeClr val="accent1"/>
+            </a:lnRef>
+            <a:fillRef idx="3">
+              <a:schemeClr val="accent1"/>
+            </a:fillRef>
+            <a:effectRef idx="2">
+              <a:schemeClr val="accent1"/>
+            </a:effectRef>
+            <a:fontRef idx="minor">
+              <a:schemeClr val="lt1"/>
+            </a:fontRef>
+          </p:style>
+          <p:txBody>
+            <a:bodyPr rtlCol="0" anchor="ctr"/>
+            <a:lstStyle/>
+            <a:p>
+              <a:pPr algn="ctr"/>
+              <a:endParaRPr lang="en-US"/>
+            </a:p>
+          </p:txBody>
+        </p:sp>
+        <p:sp>
+          <p:nvSpPr>
+            <p:cNvPr id="62" name="Rectangle 61"/>
+            <p:cNvSpPr/>
+            <p:nvPr/>
+          </p:nvSpPr>
+          <p:spPr>
+            <a:xfrm>
+              <a:off x="2980321" y="1904946"/>
+              <a:ext cx="197311" cy="200528"/>
+            </a:xfrm>
+            <a:prstGeom prst="rect">
+              <a:avLst/>
+            </a:prstGeom>
+            <a:solidFill>
+              <a:srgbClr val="3899FF"/>
+            </a:solidFill>
+            <a:ln w="34925">
+              <a:noFill/>
+            </a:ln>
+            <a:effectLst/>
+          </p:spPr>
+          <p:style>
+            <a:lnRef idx="1">
+              <a:schemeClr val="accent1"/>
+            </a:lnRef>
+            <a:fillRef idx="3">
+              <a:schemeClr val="accent1"/>
+            </a:fillRef>
+            <a:effectRef idx="2">
+              <a:schemeClr val="accent1"/>
+            </a:effectRef>
+            <a:fontRef idx="minor">
+              <a:schemeClr val="lt1"/>
+            </a:fontRef>
+          </p:style>
+          <p:txBody>
+            <a:bodyPr rtlCol="0" anchor="ctr"/>
+            <a:lstStyle/>
+            <a:p>
+              <a:pPr algn="ctr"/>
+              <a:endParaRPr lang="en-US"/>
+            </a:p>
+          </p:txBody>
+        </p:sp>
+        <p:sp>
+          <p:nvSpPr>
+            <p:cNvPr id="63" name="Rectangle 62"/>
+            <p:cNvSpPr/>
+            <p:nvPr/>
+          </p:nvSpPr>
+          <p:spPr>
+            <a:xfrm>
+              <a:off x="2218485" y="1859865"/>
+              <a:ext cx="197311" cy="200528"/>
+            </a:xfrm>
+            <a:prstGeom prst="rect">
+              <a:avLst/>
+            </a:prstGeom>
+            <a:solidFill>
+              <a:srgbClr val="3899FF"/>
+            </a:solidFill>
+            <a:ln w="34925">
+              <a:noFill/>
+            </a:ln>
+            <a:effectLst/>
+          </p:spPr>
+          <p:style>
+            <a:lnRef idx="1">
+              <a:schemeClr val="accent1"/>
+            </a:lnRef>
+            <a:fillRef idx="3">
+              <a:schemeClr val="accent1"/>
+            </a:fillRef>
+            <a:effectRef idx="2">
+              <a:schemeClr val="accent1"/>
+            </a:effectRef>
+            <a:fontRef idx="minor">
+              <a:schemeClr val="lt1"/>
+            </a:fontRef>
+          </p:style>
+          <p:txBody>
+            <a:bodyPr rtlCol="0" anchor="ctr"/>
+            <a:lstStyle/>
+            <a:p>
+              <a:pPr algn="ctr"/>
+              <a:endParaRPr lang="en-US"/>
+            </a:p>
+          </p:txBody>
+        </p:sp>
+        <p:sp>
+          <p:nvSpPr>
+            <p:cNvPr id="65" name="Rectangle 64"/>
+            <p:cNvSpPr/>
+            <p:nvPr/>
+          </p:nvSpPr>
+          <p:spPr>
+            <a:xfrm>
+              <a:off x="2521695" y="1132484"/>
+              <a:ext cx="197311" cy="200528"/>
+            </a:xfrm>
+            <a:prstGeom prst="rect">
+              <a:avLst/>
+            </a:prstGeom>
+            <a:solidFill>
+              <a:srgbClr val="3899FF"/>
+            </a:solidFill>
+            <a:ln w="34925">
+              <a:noFill/>
+            </a:ln>
+            <a:effectLst/>
+          </p:spPr>
+          <p:style>
+            <a:lnRef idx="1">
+              <a:schemeClr val="accent1"/>
+            </a:lnRef>
+            <a:fillRef idx="3">
+              <a:schemeClr val="accent1"/>
+            </a:fillRef>
+            <a:effectRef idx="2">
+              <a:schemeClr val="accent1"/>
+            </a:effectRef>
+            <a:fontRef idx="minor">
+              <a:schemeClr val="lt1"/>
+            </a:fontRef>
+          </p:style>
+          <p:txBody>
+            <a:bodyPr rtlCol="0" anchor="ctr"/>
+            <a:lstStyle/>
+            <a:p>
+              <a:pPr algn="ctr"/>
+              <a:endParaRPr lang="en-US"/>
+            </a:p>
+          </p:txBody>
+        </p:sp>
+        <p:sp>
+          <p:nvSpPr>
+            <p:cNvPr id="68" name="Rectangle 67"/>
+            <p:cNvSpPr/>
+            <p:nvPr/>
+          </p:nvSpPr>
+          <p:spPr>
+            <a:xfrm>
+              <a:off x="3260395" y="1126191"/>
+              <a:ext cx="197311" cy="200528"/>
+            </a:xfrm>
+            <a:prstGeom prst="rect">
+              <a:avLst/>
+            </a:prstGeom>
+            <a:solidFill>
+              <a:srgbClr val="3899FF"/>
+            </a:solidFill>
+            <a:ln w="34925">
+              <a:noFill/>
+            </a:ln>
+            <a:effectLst/>
+          </p:spPr>
+          <p:style>
+            <a:lnRef idx="1">
+              <a:schemeClr val="accent1"/>
+            </a:lnRef>
+            <a:fillRef idx="3">
+              <a:schemeClr val="accent1"/>
+            </a:fillRef>
+            <a:effectRef idx="2">
+              <a:schemeClr val="accent1"/>
+            </a:effectRef>
+            <a:fontRef idx="minor">
+              <a:schemeClr val="lt1"/>
+            </a:fontRef>
+          </p:style>
+          <p:txBody>
+            <a:bodyPr rtlCol="0" anchor="ctr"/>
+            <a:lstStyle/>
+            <a:p>
+              <a:pPr algn="ctr"/>
+              <a:endParaRPr lang="en-US"/>
+            </a:p>
+          </p:txBody>
+        </p:sp>
+        <p:sp>
+          <p:nvSpPr>
+            <p:cNvPr id="70" name="Rectangle 69"/>
+            <p:cNvSpPr/>
+            <p:nvPr/>
+          </p:nvSpPr>
+          <p:spPr>
+            <a:xfrm>
+              <a:off x="6316084" y="2682026"/>
+              <a:ext cx="197311" cy="200528"/>
+            </a:xfrm>
+            <a:prstGeom prst="rect">
+              <a:avLst/>
+            </a:prstGeom>
+            <a:solidFill>
+              <a:srgbClr val="3899FF"/>
+            </a:solidFill>
+            <a:ln w="34925">
+              <a:noFill/>
+            </a:ln>
+            <a:effectLst/>
+          </p:spPr>
+          <p:style>
+            <a:lnRef idx="1">
+              <a:schemeClr val="accent1"/>
+            </a:lnRef>
+            <a:fillRef idx="3">
+              <a:schemeClr val="accent1"/>
+            </a:fillRef>
+            <a:effectRef idx="2">
+              <a:schemeClr val="accent1"/>
+            </a:effectRef>
+            <a:fontRef idx="minor">
+              <a:schemeClr val="lt1"/>
+            </a:fontRef>
+          </p:style>
+          <p:txBody>
+            <a:bodyPr rtlCol="0" anchor="ctr"/>
+            <a:lstStyle/>
+            <a:p>
+              <a:pPr algn="ctr"/>
+              <a:endParaRPr lang="en-US"/>
+            </a:p>
+          </p:txBody>
+        </p:sp>
+        <p:sp>
+          <p:nvSpPr>
+            <p:cNvPr id="71" name="Rectangle 70"/>
+            <p:cNvSpPr/>
+            <p:nvPr/>
+          </p:nvSpPr>
+          <p:spPr>
+            <a:xfrm>
+              <a:off x="6173841" y="1943506"/>
+              <a:ext cx="197311" cy="200528"/>
+            </a:xfrm>
+            <a:prstGeom prst="rect">
+              <a:avLst/>
+            </a:prstGeom>
+            <a:solidFill>
+              <a:srgbClr val="3899FF"/>
+            </a:solidFill>
+            <a:ln w="34925">
+              <a:noFill/>
+            </a:ln>
+            <a:effectLst/>
+          </p:spPr>
+          <p:style>
+            <a:lnRef idx="1">
+              <a:schemeClr val="accent1"/>
+            </a:lnRef>
+            <a:fillRef idx="3">
+              <a:schemeClr val="accent1"/>
+            </a:fillRef>
+            <a:effectRef idx="2">
+              <a:schemeClr val="accent1"/>
+            </a:effectRef>
+            <a:fontRef idx="minor">
+              <a:schemeClr val="lt1"/>
+            </a:fontRef>
+          </p:style>
+          <p:txBody>
+            <a:bodyPr rtlCol="0" anchor="ctr"/>
+            <a:lstStyle/>
+            <a:p>
+              <a:pPr algn="ctr"/>
+              <a:endParaRPr lang="en-US"/>
+            </a:p>
+          </p:txBody>
+        </p:sp>
+        <p:sp>
+          <p:nvSpPr>
+            <p:cNvPr id="78" name="Rectangle 77"/>
+            <p:cNvSpPr/>
+            <p:nvPr/>
+          </p:nvSpPr>
+          <p:spPr>
+            <a:xfrm>
+              <a:off x="10358249" y="1943506"/>
+              <a:ext cx="197311" cy="200528"/>
+            </a:xfrm>
+            <a:prstGeom prst="rect">
+              <a:avLst/>
+            </a:prstGeom>
+            <a:solidFill>
+              <a:srgbClr val="3899FF"/>
+            </a:solidFill>
+            <a:ln w="34925">
+              <a:noFill/>
+            </a:ln>
+            <a:effectLst/>
+          </p:spPr>
+          <p:style>
+            <a:lnRef idx="1">
+              <a:schemeClr val="accent1"/>
+            </a:lnRef>
+            <a:fillRef idx="3">
+              <a:schemeClr val="accent1"/>
+            </a:fillRef>
+            <a:effectRef idx="2">
+              <a:schemeClr val="accent1"/>
+            </a:effectRef>
+            <a:fontRef idx="minor">
+              <a:schemeClr val="lt1"/>
+            </a:fontRef>
+          </p:style>
+          <p:txBody>
+            <a:bodyPr rtlCol="0" anchor="ctr"/>
+            <a:lstStyle/>
+            <a:p>
+              <a:pPr algn="ctr"/>
+              <a:endParaRPr lang="en-US"/>
+            </a:p>
+          </p:txBody>
+        </p:sp>
+        <p:sp>
+          <p:nvSpPr>
+            <p:cNvPr id="79" name="Rectangle 78"/>
+            <p:cNvSpPr/>
+            <p:nvPr/>
+          </p:nvSpPr>
+          <p:spPr>
+            <a:xfrm>
+              <a:off x="10555559" y="2700828"/>
+              <a:ext cx="197311" cy="200528"/>
+            </a:xfrm>
+            <a:prstGeom prst="rect">
+              <a:avLst/>
+            </a:prstGeom>
+            <a:solidFill>
+              <a:srgbClr val="3899FF"/>
+            </a:solidFill>
+            <a:ln w="34925">
+              <a:noFill/>
+            </a:ln>
+            <a:effectLst/>
+          </p:spPr>
+          <p:style>
+            <a:lnRef idx="1">
+              <a:schemeClr val="accent1"/>
+            </a:lnRef>
+            <a:fillRef idx="3">
+              <a:schemeClr val="accent1"/>
+            </a:fillRef>
+            <a:effectRef idx="2">
+              <a:schemeClr val="accent1"/>
+            </a:effectRef>
+            <a:fontRef idx="minor">
+              <a:schemeClr val="lt1"/>
+            </a:fontRef>
+          </p:style>
+          <p:txBody>
+            <a:bodyPr rtlCol="0" anchor="ctr"/>
+            <a:lstStyle/>
+            <a:p>
+              <a:pPr algn="ctr"/>
+              <a:endParaRPr lang="en-US"/>
+            </a:p>
+          </p:txBody>
+        </p:sp>
+      </p:grpSp>
     </p:spTree>
     <p:extLst>
       <p:ext uri="{BB962C8B-B14F-4D97-AF65-F5344CB8AC3E}">

--- a/figs/figs.pptx
+++ b/figs/figs.pptx
@@ -9611,1246 +9611,1272 @@
           <a:chExt cx="0" cy="0"/>
         </a:xfrm>
       </p:grpSpPr>
-      <p:cxnSp>
-        <p:nvCxnSpPr>
-          <p:cNvPr id="49" name="Straight Arrow Connector 48"/>
-          <p:cNvCxnSpPr/>
+      <p:grpSp>
+        <p:nvGrpSpPr>
+          <p:cNvPr id="3" name="Group 2"/>
+          <p:cNvGrpSpPr/>
           <p:nvPr/>
-        </p:nvCxnSpPr>
-        <p:spPr>
+        </p:nvGrpSpPr>
+        <p:grpSpPr>
           <a:xfrm>
-            <a:off x="6963230" y="3089632"/>
-            <a:ext cx="514101" cy="0"/>
+            <a:off x="671036" y="1543352"/>
+            <a:ext cx="8664046" cy="4047136"/>
+            <a:chOff x="671036" y="1543352"/>
+            <a:chExt cx="8664046" cy="4047136"/>
           </a:xfrm>
-          <a:prstGeom prst="straightConnector1">
-            <a:avLst/>
-          </a:prstGeom>
-          <a:ln w="38100">
-            <a:solidFill>
-              <a:schemeClr val="bg1">
-                <a:lumMod val="50000"/>
-              </a:schemeClr>
-            </a:solidFill>
-            <a:tailEnd type="triangle"/>
-          </a:ln>
-          <a:effectLst/>
-        </p:spPr>
-        <p:style>
-          <a:lnRef idx="2">
-            <a:schemeClr val="accent1"/>
-          </a:lnRef>
-          <a:fillRef idx="0">
-            <a:schemeClr val="accent1"/>
-          </a:fillRef>
-          <a:effectRef idx="1">
-            <a:schemeClr val="accent1"/>
-          </a:effectRef>
-          <a:fontRef idx="minor">
-            <a:schemeClr val="tx1"/>
-          </a:fontRef>
-        </p:style>
-      </p:cxnSp>
-      <p:cxnSp>
-        <p:nvCxnSpPr>
-          <p:cNvPr id="18" name="Straight Connector 17"/>
-          <p:cNvCxnSpPr/>
-          <p:nvPr/>
-        </p:nvCxnSpPr>
-        <p:spPr>
-          <a:xfrm>
-            <a:off x="2541543" y="3230437"/>
-            <a:ext cx="9335" cy="1286534"/>
-          </a:xfrm>
-          <a:prstGeom prst="line">
-            <a:avLst/>
-          </a:prstGeom>
-          <a:ln>
-            <a:solidFill>
-              <a:schemeClr val="bg1">
-                <a:lumMod val="50000"/>
-              </a:schemeClr>
-            </a:solidFill>
-            <a:prstDash val="sysDash"/>
-          </a:ln>
-          <a:effectLst/>
-        </p:spPr>
-        <p:style>
-          <a:lnRef idx="2">
-            <a:schemeClr val="accent1"/>
-          </a:lnRef>
-          <a:fillRef idx="0">
-            <a:schemeClr val="accent1"/>
-          </a:fillRef>
-          <a:effectRef idx="1">
-            <a:schemeClr val="accent1"/>
-          </a:effectRef>
-          <a:fontRef idx="minor">
-            <a:schemeClr val="tx1"/>
-          </a:fontRef>
-        </p:style>
-      </p:cxnSp>
-      <p:sp>
-        <p:nvSpPr>
-          <p:cNvPr id="15" name="Freeform 14"/>
-          <p:cNvSpPr/>
-          <p:nvPr/>
-        </p:nvSpPr>
-        <p:spPr>
-          <a:xfrm>
-            <a:off x="1459435" y="1760245"/>
-            <a:ext cx="2243298" cy="2756726"/>
-          </a:xfrm>
-          <a:custGeom>
-            <a:avLst/>
-            <a:gdLst>
-              <a:gd name="connsiteX0" fmla="*/ 0 w 1963987"/>
-              <a:gd name="connsiteY0" fmla="*/ 0 h 1820078"/>
-              <a:gd name="connsiteX1" fmla="*/ 1008180 w 1963987"/>
-              <a:gd name="connsiteY1" fmla="*/ 1820071 h 1820078"/>
-              <a:gd name="connsiteX2" fmla="*/ 1963987 w 1963987"/>
-              <a:gd name="connsiteY2" fmla="*/ 26188 h 1820078"/>
-              <a:gd name="connsiteX3" fmla="*/ 1963987 w 1963987"/>
-              <a:gd name="connsiteY3" fmla="*/ 26188 h 1820078"/>
-            </a:gdLst>
-            <a:ahLst/>
-            <a:cxnLst>
-              <a:cxn ang="0">
-                <a:pos x="connsiteX0" y="connsiteY0"/>
-              </a:cxn>
-              <a:cxn ang="0">
-                <a:pos x="connsiteX1" y="connsiteY1"/>
-              </a:cxn>
-              <a:cxn ang="0">
-                <a:pos x="connsiteX2" y="connsiteY2"/>
-              </a:cxn>
-              <a:cxn ang="0">
-                <a:pos x="connsiteX3" y="connsiteY3"/>
-              </a:cxn>
-            </a:cxnLst>
-            <a:rect l="l" t="t" r="r" b="b"/>
-            <a:pathLst>
-              <a:path w="1963987" h="1820078">
-                <a:moveTo>
-                  <a:pt x="0" y="0"/>
-                </a:moveTo>
-                <a:cubicBezTo>
-                  <a:pt x="340424" y="907853"/>
-                  <a:pt x="680849" y="1815706"/>
-                  <a:pt x="1008180" y="1820071"/>
-                </a:cubicBezTo>
-                <a:cubicBezTo>
-                  <a:pt x="1335511" y="1824436"/>
-                  <a:pt x="1963987" y="26188"/>
-                  <a:pt x="1963987" y="26188"/>
-                </a:cubicBezTo>
-                <a:lnTo>
-                  <a:pt x="1963987" y="26188"/>
-                </a:lnTo>
-              </a:path>
-            </a:pathLst>
-          </a:custGeom>
-          <a:ln w="50800">
-            <a:solidFill>
-              <a:srgbClr val="FB3A18"/>
-            </a:solidFill>
-            <a:prstDash val="sysDot"/>
-          </a:ln>
-          <a:effectLst/>
-        </p:spPr>
-        <p:style>
-          <a:lnRef idx="2">
-            <a:schemeClr val="accent1"/>
-          </a:lnRef>
-          <a:fillRef idx="0">
-            <a:schemeClr val="accent1"/>
-          </a:fillRef>
-          <a:effectRef idx="1">
-            <a:schemeClr val="accent1"/>
-          </a:effectRef>
-          <a:fontRef idx="minor">
-            <a:schemeClr val="tx1"/>
-          </a:fontRef>
-        </p:style>
-        <p:txBody>
-          <a:bodyPr rtlCol="0" anchor="ctr"/>
-          <a:lstStyle/>
-          <a:p>
-            <a:pPr algn="ctr"/>
-            <a:endParaRPr lang="en-US"/>
-          </a:p>
-        </p:txBody>
-      </p:sp>
-      <p:sp>
-        <p:nvSpPr>
-          <p:cNvPr id="5" name="Freeform 4"/>
-          <p:cNvSpPr/>
-          <p:nvPr/>
-        </p:nvSpPr>
-        <p:spPr>
-          <a:xfrm>
-            <a:off x="2138934" y="1760245"/>
-            <a:ext cx="2304576" cy="2736653"/>
-          </a:xfrm>
-          <a:custGeom>
-            <a:avLst/>
-            <a:gdLst>
-              <a:gd name="connsiteX0" fmla="*/ 0 w 1963987"/>
-              <a:gd name="connsiteY0" fmla="*/ 0 h 1820078"/>
-              <a:gd name="connsiteX1" fmla="*/ 1008180 w 1963987"/>
-              <a:gd name="connsiteY1" fmla="*/ 1820071 h 1820078"/>
-              <a:gd name="connsiteX2" fmla="*/ 1963987 w 1963987"/>
-              <a:gd name="connsiteY2" fmla="*/ 26188 h 1820078"/>
-              <a:gd name="connsiteX3" fmla="*/ 1963987 w 1963987"/>
-              <a:gd name="connsiteY3" fmla="*/ 26188 h 1820078"/>
-            </a:gdLst>
-            <a:ahLst/>
-            <a:cxnLst>
-              <a:cxn ang="0">
-                <a:pos x="connsiteX0" y="connsiteY0"/>
-              </a:cxn>
-              <a:cxn ang="0">
-                <a:pos x="connsiteX1" y="connsiteY1"/>
-              </a:cxn>
-              <a:cxn ang="0">
-                <a:pos x="connsiteX2" y="connsiteY2"/>
-              </a:cxn>
-              <a:cxn ang="0">
-                <a:pos x="connsiteX3" y="connsiteY3"/>
-              </a:cxn>
-            </a:cxnLst>
-            <a:rect l="l" t="t" r="r" b="b"/>
-            <a:pathLst>
-              <a:path w="1963987" h="1820078">
-                <a:moveTo>
-                  <a:pt x="0" y="0"/>
-                </a:moveTo>
-                <a:cubicBezTo>
-                  <a:pt x="340424" y="907853"/>
-                  <a:pt x="680849" y="1815706"/>
-                  <a:pt x="1008180" y="1820071"/>
-                </a:cubicBezTo>
-                <a:cubicBezTo>
-                  <a:pt x="1335511" y="1824436"/>
-                  <a:pt x="1963987" y="26188"/>
-                  <a:pt x="1963987" y="26188"/>
-                </a:cubicBezTo>
-                <a:lnTo>
-                  <a:pt x="1963987" y="26188"/>
-                </a:lnTo>
-              </a:path>
-            </a:pathLst>
-          </a:custGeom>
-          <a:ln w="50800">
-            <a:solidFill>
-              <a:srgbClr val="3899FF"/>
-            </a:solidFill>
-          </a:ln>
-          <a:effectLst/>
-        </p:spPr>
-        <p:style>
-          <a:lnRef idx="2">
-            <a:schemeClr val="accent1"/>
-          </a:lnRef>
-          <a:fillRef idx="0">
-            <a:schemeClr val="accent1"/>
-          </a:fillRef>
-          <a:effectRef idx="1">
-            <a:schemeClr val="accent1"/>
-          </a:effectRef>
-          <a:fontRef idx="minor">
-            <a:schemeClr val="tx1"/>
-          </a:fontRef>
-        </p:style>
-        <p:txBody>
-          <a:bodyPr rtlCol="0" anchor="ctr"/>
-          <a:lstStyle/>
-          <a:p>
-            <a:pPr algn="ctr"/>
-            <a:endParaRPr lang="en-US"/>
-          </a:p>
-        </p:txBody>
-      </p:sp>
-      <p:cxnSp>
-        <p:nvCxnSpPr>
-          <p:cNvPr id="6" name="Straight Arrow Connector 5"/>
-          <p:cNvCxnSpPr/>
-          <p:nvPr/>
-        </p:nvCxnSpPr>
-        <p:spPr>
-          <a:xfrm flipV="1">
-            <a:off x="1247005" y="1543352"/>
-            <a:ext cx="0" cy="3116380"/>
-          </a:xfrm>
-          <a:prstGeom prst="straightConnector1">
-            <a:avLst/>
-          </a:prstGeom>
-          <a:ln w="50800">
-            <a:solidFill>
-              <a:schemeClr val="bg1">
-                <a:lumMod val="50000"/>
-              </a:schemeClr>
-            </a:solidFill>
-            <a:tailEnd type="triangle"/>
-          </a:ln>
-          <a:effectLst/>
-        </p:spPr>
-        <p:style>
-          <a:lnRef idx="2">
-            <a:schemeClr val="accent1"/>
-          </a:lnRef>
-          <a:fillRef idx="0">
-            <a:schemeClr val="accent1"/>
-          </a:fillRef>
-          <a:effectRef idx="1">
-            <a:schemeClr val="accent1"/>
-          </a:effectRef>
-          <a:fontRef idx="minor">
-            <a:schemeClr val="tx1"/>
-          </a:fontRef>
-        </p:style>
-      </p:cxnSp>
-      <p:cxnSp>
-        <p:nvCxnSpPr>
-          <p:cNvPr id="7" name="Straight Arrow Connector 6"/>
-          <p:cNvCxnSpPr/>
-          <p:nvPr/>
-        </p:nvCxnSpPr>
-        <p:spPr>
-          <a:xfrm flipV="1">
-            <a:off x="1239510" y="4623281"/>
-            <a:ext cx="3482804" cy="21461"/>
-          </a:xfrm>
-          <a:prstGeom prst="straightConnector1">
-            <a:avLst/>
-          </a:prstGeom>
-          <a:ln w="50800">
-            <a:solidFill>
-              <a:schemeClr val="bg1">
-                <a:lumMod val="50000"/>
-              </a:schemeClr>
-            </a:solidFill>
-            <a:tailEnd type="triangle"/>
-          </a:ln>
-          <a:effectLst/>
-        </p:spPr>
-        <p:style>
-          <a:lnRef idx="2">
-            <a:schemeClr val="accent1"/>
-          </a:lnRef>
-          <a:fillRef idx="0">
-            <a:schemeClr val="accent1"/>
-          </a:fillRef>
-          <a:effectRef idx="1">
-            <a:schemeClr val="accent1"/>
-          </a:effectRef>
-          <a:fontRef idx="minor">
-            <a:schemeClr val="tx1"/>
-          </a:fontRef>
-        </p:style>
-      </p:cxnSp>
-      <p:sp>
-        <p:nvSpPr>
-          <p:cNvPr id="8" name="TextBox 7"/>
-          <p:cNvSpPr txBox="1"/>
-          <p:nvPr/>
-        </p:nvSpPr>
-        <p:spPr>
-          <a:xfrm>
-            <a:off x="2798179" y="4666496"/>
-            <a:ext cx="388448" cy="461665"/>
-          </a:xfrm>
-          <a:prstGeom prst="rect">
-            <a:avLst/>
-          </a:prstGeom>
-          <a:noFill/>
-        </p:spPr>
-        <p:txBody>
-          <a:bodyPr wrap="none" rtlCol="0">
-            <a:spAutoFit/>
-          </a:bodyPr>
-          <a:lstStyle/>
-          <a:p>
-            <a:r>
-              <a:rPr lang="en-US" sz="2400" dirty="0" err="1" smtClean="0">
+        </p:grpSpPr>
+        <p:cxnSp>
+          <p:nvCxnSpPr>
+            <p:cNvPr id="49" name="Straight Arrow Connector 48"/>
+            <p:cNvCxnSpPr/>
+            <p:nvPr/>
+          </p:nvCxnSpPr>
+          <p:spPr>
+            <a:xfrm>
+              <a:off x="6963230" y="3089632"/>
+              <a:ext cx="514101" cy="0"/>
+            </a:xfrm>
+            <a:prstGeom prst="straightConnector1">
+              <a:avLst/>
+            </a:prstGeom>
+            <a:ln w="38100">
+              <a:solidFill>
+                <a:schemeClr val="bg1">
+                  <a:lumMod val="50000"/>
+                </a:schemeClr>
+              </a:solidFill>
+              <a:tailEnd type="triangle"/>
+            </a:ln>
+            <a:effectLst/>
+          </p:spPr>
+          <p:style>
+            <a:lnRef idx="2">
+              <a:schemeClr val="accent1"/>
+            </a:lnRef>
+            <a:fillRef idx="0">
+              <a:schemeClr val="accent1"/>
+            </a:fillRef>
+            <a:effectRef idx="1">
+              <a:schemeClr val="accent1"/>
+            </a:effectRef>
+            <a:fontRef idx="minor">
+              <a:schemeClr val="tx1"/>
+            </a:fontRef>
+          </p:style>
+        </p:cxnSp>
+        <p:cxnSp>
+          <p:nvCxnSpPr>
+            <p:cNvPr id="18" name="Straight Connector 17"/>
+            <p:cNvCxnSpPr/>
+            <p:nvPr/>
+          </p:nvCxnSpPr>
+          <p:spPr>
+            <a:xfrm>
+              <a:off x="2541543" y="3230437"/>
+              <a:ext cx="9335" cy="1286534"/>
+            </a:xfrm>
+            <a:prstGeom prst="line">
+              <a:avLst/>
+            </a:prstGeom>
+            <a:ln>
+              <a:solidFill>
+                <a:schemeClr val="bg1">
+                  <a:lumMod val="50000"/>
+                </a:schemeClr>
+              </a:solidFill>
+              <a:prstDash val="sysDash"/>
+            </a:ln>
+            <a:effectLst/>
+          </p:spPr>
+          <p:style>
+            <a:lnRef idx="2">
+              <a:schemeClr val="accent1"/>
+            </a:lnRef>
+            <a:fillRef idx="0">
+              <a:schemeClr val="accent1"/>
+            </a:fillRef>
+            <a:effectRef idx="1">
+              <a:schemeClr val="accent1"/>
+            </a:effectRef>
+            <a:fontRef idx="minor">
+              <a:schemeClr val="tx1"/>
+            </a:fontRef>
+          </p:style>
+        </p:cxnSp>
+        <p:sp>
+          <p:nvSpPr>
+            <p:cNvPr id="15" name="Freeform 14"/>
+            <p:cNvSpPr/>
+            <p:nvPr/>
+          </p:nvSpPr>
+          <p:spPr>
+            <a:xfrm>
+              <a:off x="1459435" y="1760245"/>
+              <a:ext cx="2243298" cy="2756726"/>
+            </a:xfrm>
+            <a:custGeom>
+              <a:avLst/>
+              <a:gdLst>
+                <a:gd name="connsiteX0" fmla="*/ 0 w 1963987"/>
+                <a:gd name="connsiteY0" fmla="*/ 0 h 1820078"/>
+                <a:gd name="connsiteX1" fmla="*/ 1008180 w 1963987"/>
+                <a:gd name="connsiteY1" fmla="*/ 1820071 h 1820078"/>
+                <a:gd name="connsiteX2" fmla="*/ 1963987 w 1963987"/>
+                <a:gd name="connsiteY2" fmla="*/ 26188 h 1820078"/>
+                <a:gd name="connsiteX3" fmla="*/ 1963987 w 1963987"/>
+                <a:gd name="connsiteY3" fmla="*/ 26188 h 1820078"/>
+              </a:gdLst>
+              <a:ahLst/>
+              <a:cxnLst>
+                <a:cxn ang="0">
+                  <a:pos x="connsiteX0" y="connsiteY0"/>
+                </a:cxn>
+                <a:cxn ang="0">
+                  <a:pos x="connsiteX1" y="connsiteY1"/>
+                </a:cxn>
+                <a:cxn ang="0">
+                  <a:pos x="connsiteX2" y="connsiteY2"/>
+                </a:cxn>
+                <a:cxn ang="0">
+                  <a:pos x="connsiteX3" y="connsiteY3"/>
+                </a:cxn>
+              </a:cxnLst>
+              <a:rect l="l" t="t" r="r" b="b"/>
+              <a:pathLst>
+                <a:path w="1963987" h="1820078">
+                  <a:moveTo>
+                    <a:pt x="0" y="0"/>
+                  </a:moveTo>
+                  <a:cubicBezTo>
+                    <a:pt x="340424" y="907853"/>
+                    <a:pt x="680849" y="1815706"/>
+                    <a:pt x="1008180" y="1820071"/>
+                  </a:cubicBezTo>
+                  <a:cubicBezTo>
+                    <a:pt x="1335511" y="1824436"/>
+                    <a:pt x="1963987" y="26188"/>
+                    <a:pt x="1963987" y="26188"/>
+                  </a:cubicBezTo>
+                  <a:lnTo>
+                    <a:pt x="1963987" y="26188"/>
+                  </a:lnTo>
+                </a:path>
+              </a:pathLst>
+            </a:custGeom>
+            <a:ln w="50800">
+              <a:solidFill>
+                <a:srgbClr val="FB3A18"/>
+              </a:solidFill>
+              <a:prstDash val="sysDot"/>
+            </a:ln>
+            <a:effectLst/>
+          </p:spPr>
+          <p:style>
+            <a:lnRef idx="2">
+              <a:schemeClr val="accent1"/>
+            </a:lnRef>
+            <a:fillRef idx="0">
+              <a:schemeClr val="accent1"/>
+            </a:fillRef>
+            <a:effectRef idx="1">
+              <a:schemeClr val="accent1"/>
+            </a:effectRef>
+            <a:fontRef idx="minor">
+              <a:schemeClr val="tx1"/>
+            </a:fontRef>
+          </p:style>
+          <p:txBody>
+            <a:bodyPr rtlCol="0" anchor="ctr"/>
+            <a:lstStyle/>
+            <a:p>
+              <a:pPr algn="ctr"/>
+              <a:endParaRPr lang="en-US"/>
+            </a:p>
+          </p:txBody>
+        </p:sp>
+        <p:sp>
+          <p:nvSpPr>
+            <p:cNvPr id="5" name="Freeform 4"/>
+            <p:cNvSpPr/>
+            <p:nvPr/>
+          </p:nvSpPr>
+          <p:spPr>
+            <a:xfrm>
+              <a:off x="2138934" y="1760245"/>
+              <a:ext cx="2304576" cy="2736653"/>
+            </a:xfrm>
+            <a:custGeom>
+              <a:avLst/>
+              <a:gdLst>
+                <a:gd name="connsiteX0" fmla="*/ 0 w 1963987"/>
+                <a:gd name="connsiteY0" fmla="*/ 0 h 1820078"/>
+                <a:gd name="connsiteX1" fmla="*/ 1008180 w 1963987"/>
+                <a:gd name="connsiteY1" fmla="*/ 1820071 h 1820078"/>
+                <a:gd name="connsiteX2" fmla="*/ 1963987 w 1963987"/>
+                <a:gd name="connsiteY2" fmla="*/ 26188 h 1820078"/>
+                <a:gd name="connsiteX3" fmla="*/ 1963987 w 1963987"/>
+                <a:gd name="connsiteY3" fmla="*/ 26188 h 1820078"/>
+              </a:gdLst>
+              <a:ahLst/>
+              <a:cxnLst>
+                <a:cxn ang="0">
+                  <a:pos x="connsiteX0" y="connsiteY0"/>
+                </a:cxn>
+                <a:cxn ang="0">
+                  <a:pos x="connsiteX1" y="connsiteY1"/>
+                </a:cxn>
+                <a:cxn ang="0">
+                  <a:pos x="connsiteX2" y="connsiteY2"/>
+                </a:cxn>
+                <a:cxn ang="0">
+                  <a:pos x="connsiteX3" y="connsiteY3"/>
+                </a:cxn>
+              </a:cxnLst>
+              <a:rect l="l" t="t" r="r" b="b"/>
+              <a:pathLst>
+                <a:path w="1963987" h="1820078">
+                  <a:moveTo>
+                    <a:pt x="0" y="0"/>
+                  </a:moveTo>
+                  <a:cubicBezTo>
+                    <a:pt x="340424" y="907853"/>
+                    <a:pt x="680849" y="1815706"/>
+                    <a:pt x="1008180" y="1820071"/>
+                  </a:cubicBezTo>
+                  <a:cubicBezTo>
+                    <a:pt x="1335511" y="1824436"/>
+                    <a:pt x="1963987" y="26188"/>
+                    <a:pt x="1963987" y="26188"/>
+                  </a:cubicBezTo>
+                  <a:lnTo>
+                    <a:pt x="1963987" y="26188"/>
+                  </a:lnTo>
+                </a:path>
+              </a:pathLst>
+            </a:custGeom>
+            <a:ln w="50800">
+              <a:solidFill>
+                <a:srgbClr val="3899FF"/>
+              </a:solidFill>
+            </a:ln>
+            <a:effectLst/>
+          </p:spPr>
+          <p:style>
+            <a:lnRef idx="2">
+              <a:schemeClr val="accent1"/>
+            </a:lnRef>
+            <a:fillRef idx="0">
+              <a:schemeClr val="accent1"/>
+            </a:fillRef>
+            <a:effectRef idx="1">
+              <a:schemeClr val="accent1"/>
+            </a:effectRef>
+            <a:fontRef idx="minor">
+              <a:schemeClr val="tx1"/>
+            </a:fontRef>
+          </p:style>
+          <p:txBody>
+            <a:bodyPr rtlCol="0" anchor="ctr"/>
+            <a:lstStyle/>
+            <a:p>
+              <a:pPr algn="ctr"/>
+              <a:endParaRPr lang="en-US"/>
+            </a:p>
+          </p:txBody>
+        </p:sp>
+        <p:cxnSp>
+          <p:nvCxnSpPr>
+            <p:cNvPr id="6" name="Straight Arrow Connector 5"/>
+            <p:cNvCxnSpPr/>
+            <p:nvPr/>
+          </p:nvCxnSpPr>
+          <p:spPr>
+            <a:xfrm flipV="1">
+              <a:off x="1247005" y="1543352"/>
+              <a:ext cx="0" cy="3116380"/>
+            </a:xfrm>
+            <a:prstGeom prst="straightConnector1">
+              <a:avLst/>
+            </a:prstGeom>
+            <a:ln w="50800">
+              <a:solidFill>
+                <a:schemeClr val="bg1">
+                  <a:lumMod val="50000"/>
+                </a:schemeClr>
+              </a:solidFill>
+              <a:tailEnd type="triangle"/>
+            </a:ln>
+            <a:effectLst/>
+          </p:spPr>
+          <p:style>
+            <a:lnRef idx="2">
+              <a:schemeClr val="accent1"/>
+            </a:lnRef>
+            <a:fillRef idx="0">
+              <a:schemeClr val="accent1"/>
+            </a:fillRef>
+            <a:effectRef idx="1">
+              <a:schemeClr val="accent1"/>
+            </a:effectRef>
+            <a:fontRef idx="minor">
+              <a:schemeClr val="tx1"/>
+            </a:fontRef>
+          </p:style>
+        </p:cxnSp>
+        <p:cxnSp>
+          <p:nvCxnSpPr>
+            <p:cNvPr id="7" name="Straight Arrow Connector 6"/>
+            <p:cNvCxnSpPr/>
+            <p:nvPr/>
+          </p:nvCxnSpPr>
+          <p:spPr>
+            <a:xfrm flipV="1">
+              <a:off x="1239510" y="4623281"/>
+              <a:ext cx="3482804" cy="21461"/>
+            </a:xfrm>
+            <a:prstGeom prst="straightConnector1">
+              <a:avLst/>
+            </a:prstGeom>
+            <a:ln w="50800">
+              <a:solidFill>
+                <a:schemeClr val="bg1">
+                  <a:lumMod val="50000"/>
+                </a:schemeClr>
+              </a:solidFill>
+              <a:tailEnd type="triangle"/>
+            </a:ln>
+            <a:effectLst/>
+          </p:spPr>
+          <p:style>
+            <a:lnRef idx="2">
+              <a:schemeClr val="accent1"/>
+            </a:lnRef>
+            <a:fillRef idx="0">
+              <a:schemeClr val="accent1"/>
+            </a:fillRef>
+            <a:effectRef idx="1">
+              <a:schemeClr val="accent1"/>
+            </a:effectRef>
+            <a:fontRef idx="minor">
+              <a:schemeClr val="tx1"/>
+            </a:fontRef>
+          </p:style>
+        </p:cxnSp>
+        <p:sp>
+          <p:nvSpPr>
+            <p:cNvPr id="8" name="TextBox 7"/>
+            <p:cNvSpPr txBox="1"/>
+            <p:nvPr/>
+          </p:nvSpPr>
+          <p:spPr>
+            <a:xfrm>
+              <a:off x="2798179" y="4666496"/>
+              <a:ext cx="388448" cy="461665"/>
+            </a:xfrm>
+            <a:prstGeom prst="rect">
+              <a:avLst/>
+            </a:prstGeom>
+            <a:noFill/>
+          </p:spPr>
+          <p:txBody>
+            <a:bodyPr wrap="none" rtlCol="0">
+              <a:spAutoFit/>
+            </a:bodyPr>
+            <a:lstStyle/>
+            <a:p>
+              <a:r>
+                <a:rPr lang="en-US" sz="2400" dirty="0" err="1" smtClean="0">
+                  <a:solidFill>
+                    <a:schemeClr val="bg1">
+                      <a:lumMod val="50000"/>
+                    </a:schemeClr>
+                  </a:solidFill>
+                </a:rPr>
+                <a:t>Θ</a:t>
+              </a:r>
+              <a:endParaRPr lang="en-US" sz="2400" dirty="0">
                 <a:solidFill>
                   <a:schemeClr val="bg1">
                     <a:lumMod val="50000"/>
                   </a:schemeClr>
                 </a:solidFill>
-              </a:rPr>
-              <a:t>Θ</a:t>
-            </a:r>
-            <a:endParaRPr lang="en-US" sz="2400" dirty="0">
+              </a:endParaRPr>
+            </a:p>
+          </p:txBody>
+        </p:sp>
+        <p:sp>
+          <p:nvSpPr>
+            <p:cNvPr id="9" name="TextBox 8"/>
+            <p:cNvSpPr txBox="1"/>
+            <p:nvPr/>
+          </p:nvSpPr>
+          <p:spPr>
+            <a:xfrm rot="16200000">
+              <a:off x="373807" y="2714653"/>
+              <a:ext cx="1174104" cy="579646"/>
+            </a:xfrm>
+            <a:prstGeom prst="rect">
+              <a:avLst/>
+            </a:prstGeom>
+            <a:noFill/>
+          </p:spPr>
+          <p:txBody>
+            <a:bodyPr wrap="none" rtlCol="0">
+              <a:spAutoFit/>
+            </a:bodyPr>
+            <a:lstStyle/>
+            <a:p>
+              <a:pPr algn="ctr">
+                <a:lnSpc>
+                  <a:spcPts val="1900"/>
+                </a:lnSpc>
+              </a:pPr>
+              <a:r>
+                <a:rPr lang="en-US" sz="2400" dirty="0" smtClean="0">
+                  <a:solidFill>
+                    <a:schemeClr val="bg1">
+                      <a:lumMod val="50000"/>
+                    </a:schemeClr>
+                  </a:solidFill>
+                </a:rPr>
+                <a:t>Training</a:t>
+              </a:r>
+            </a:p>
+            <a:p>
+              <a:pPr algn="ctr">
+                <a:lnSpc>
+                  <a:spcPts val="1900"/>
+                </a:lnSpc>
+              </a:pPr>
+              <a:r>
+                <a:rPr lang="en-US" sz="2400" dirty="0" smtClean="0">
+                  <a:solidFill>
+                    <a:schemeClr val="bg1">
+                      <a:lumMod val="50000"/>
+                    </a:schemeClr>
+                  </a:solidFill>
+                </a:rPr>
+                <a:t>Error</a:t>
+              </a:r>
+              <a:endParaRPr lang="en-US" sz="2400" dirty="0">
+                <a:solidFill>
+                  <a:schemeClr val="bg1">
+                    <a:lumMod val="50000"/>
+                  </a:schemeClr>
+                </a:solidFill>
+              </a:endParaRPr>
+            </a:p>
+          </p:txBody>
+        </p:sp>
+        <p:sp>
+          <p:nvSpPr>
+            <p:cNvPr id="10" name="5-Point Star 9"/>
+            <p:cNvSpPr/>
+            <p:nvPr/>
+          </p:nvSpPr>
+          <p:spPr>
+            <a:xfrm>
+              <a:off x="3122277" y="4187665"/>
+              <a:ext cx="379798" cy="403560"/>
+            </a:xfrm>
+            <a:prstGeom prst="star5">
+              <a:avLst/>
+            </a:prstGeom>
+            <a:solidFill>
+              <a:srgbClr val="FFB000"/>
+            </a:solidFill>
+            <a:ln>
+              <a:solidFill>
+                <a:schemeClr val="bg1"/>
+              </a:solidFill>
+            </a:ln>
+            <a:effectLst/>
+          </p:spPr>
+          <p:style>
+            <a:lnRef idx="1">
+              <a:schemeClr val="accent1"/>
+            </a:lnRef>
+            <a:fillRef idx="3">
+              <a:schemeClr val="accent1"/>
+            </a:fillRef>
+            <a:effectRef idx="2">
+              <a:schemeClr val="accent1"/>
+            </a:effectRef>
+            <a:fontRef idx="minor">
+              <a:schemeClr val="lt1"/>
+            </a:fontRef>
+          </p:style>
+          <p:txBody>
+            <a:bodyPr rtlCol="0" anchor="ctr"/>
+            <a:lstStyle/>
+            <a:p>
+              <a:pPr algn="ctr"/>
+              <a:endParaRPr lang="en-US"/>
+            </a:p>
+          </p:txBody>
+        </p:sp>
+        <p:sp>
+          <p:nvSpPr>
+            <p:cNvPr id="11" name="Oval 10"/>
+            <p:cNvSpPr/>
+            <p:nvPr/>
+          </p:nvSpPr>
+          <p:spPr>
+            <a:xfrm>
+              <a:off x="2423697" y="2978902"/>
+              <a:ext cx="235693" cy="235693"/>
+            </a:xfrm>
+            <a:prstGeom prst="ellipse">
+              <a:avLst/>
+            </a:prstGeom>
+            <a:solidFill>
+              <a:srgbClr val="FB3A18"/>
+            </a:solidFill>
+            <a:ln>
+              <a:solidFill>
+                <a:srgbClr val="FB3A18"/>
+              </a:solidFill>
+            </a:ln>
+            <a:effectLst/>
+          </p:spPr>
+          <p:style>
+            <a:lnRef idx="1">
+              <a:schemeClr val="accent1"/>
+            </a:lnRef>
+            <a:fillRef idx="3">
+              <a:schemeClr val="accent1"/>
+            </a:fillRef>
+            <a:effectRef idx="2">
+              <a:schemeClr val="accent1"/>
+            </a:effectRef>
+            <a:fontRef idx="minor">
+              <a:schemeClr val="lt1"/>
+            </a:fontRef>
+          </p:style>
+          <p:txBody>
+            <a:bodyPr rtlCol="0" anchor="ctr"/>
+            <a:lstStyle/>
+            <a:p>
+              <a:pPr algn="ctr"/>
+              <a:endParaRPr lang="en-US"/>
+            </a:p>
+          </p:txBody>
+        </p:sp>
+        <p:sp>
+          <p:nvSpPr>
+            <p:cNvPr id="12" name="TextBox 11"/>
+            <p:cNvSpPr txBox="1"/>
+            <p:nvPr/>
+          </p:nvSpPr>
+          <p:spPr>
+            <a:xfrm>
+              <a:off x="1527477" y="3972122"/>
+              <a:ext cx="771102" cy="646331"/>
+            </a:xfrm>
+            <a:prstGeom prst="rect">
+              <a:avLst/>
+            </a:prstGeom>
+            <a:noFill/>
+          </p:spPr>
+          <p:txBody>
+            <a:bodyPr wrap="none" rtlCol="0">
+              <a:spAutoFit/>
+            </a:bodyPr>
+            <a:lstStyle/>
+            <a:p>
+              <a:pPr algn="ctr"/>
+              <a:r>
+                <a:rPr lang="en-US" dirty="0" smtClean="0">
+                  <a:solidFill>
+                    <a:srgbClr val="FF0000"/>
+                  </a:solidFill>
+                  <a:latin typeface="Gill Sans"/>
+                  <a:cs typeface="Gill Sans"/>
+                </a:rPr>
+                <a:t>Dirty </a:t>
+              </a:r>
+            </a:p>
+            <a:p>
+              <a:pPr algn="ctr"/>
+              <a:r>
+                <a:rPr lang="en-US" dirty="0" smtClean="0">
+                  <a:solidFill>
+                    <a:srgbClr val="FF0000"/>
+                  </a:solidFill>
+                  <a:latin typeface="Gill Sans"/>
+                  <a:cs typeface="Gill Sans"/>
+                </a:rPr>
+                <a:t>Model</a:t>
+              </a:r>
+              <a:endParaRPr lang="en-US" dirty="0">
+                <a:solidFill>
+                  <a:srgbClr val="FF0000"/>
+                </a:solidFill>
+                <a:latin typeface="Gill Sans"/>
+                <a:cs typeface="Gill Sans"/>
+              </a:endParaRPr>
+            </a:p>
+          </p:txBody>
+        </p:sp>
+        <p:sp>
+          <p:nvSpPr>
+            <p:cNvPr id="13" name="TextBox 12"/>
+            <p:cNvSpPr txBox="1"/>
+            <p:nvPr/>
+          </p:nvSpPr>
+          <p:spPr>
+            <a:xfrm>
+              <a:off x="3708092" y="3963686"/>
+              <a:ext cx="787395" cy="646331"/>
+            </a:xfrm>
+            <a:prstGeom prst="rect">
+              <a:avLst/>
+            </a:prstGeom>
+            <a:noFill/>
+          </p:spPr>
+          <p:txBody>
+            <a:bodyPr wrap="none" rtlCol="0">
+              <a:spAutoFit/>
+            </a:bodyPr>
+            <a:lstStyle/>
+            <a:p>
+              <a:pPr algn="ctr"/>
+              <a:r>
+                <a:rPr lang="en-US" dirty="0" smtClean="0">
+                  <a:solidFill>
+                    <a:srgbClr val="FFB000"/>
+                  </a:solidFill>
+                  <a:latin typeface="Gill Sans"/>
+                  <a:cs typeface="Gill Sans"/>
+                </a:rPr>
+                <a:t>Clean </a:t>
+              </a:r>
+            </a:p>
+            <a:p>
+              <a:pPr algn="ctr"/>
+              <a:r>
+                <a:rPr lang="en-US" dirty="0" smtClean="0">
+                  <a:solidFill>
+                    <a:srgbClr val="FFB000"/>
+                  </a:solidFill>
+                  <a:latin typeface="Gill Sans"/>
+                  <a:cs typeface="Gill Sans"/>
+                </a:rPr>
+                <a:t>Model</a:t>
+              </a:r>
+              <a:endParaRPr lang="en-US" dirty="0">
+                <a:solidFill>
+                  <a:srgbClr val="FFB000"/>
+                </a:solidFill>
+                <a:latin typeface="Gill Sans"/>
+                <a:cs typeface="Gill Sans"/>
+              </a:endParaRPr>
+            </a:p>
+          </p:txBody>
+        </p:sp>
+        <p:sp>
+          <p:nvSpPr>
+            <p:cNvPr id="16" name="5-Point Star 15"/>
+            <p:cNvSpPr/>
+            <p:nvPr/>
+          </p:nvSpPr>
+          <p:spPr>
+            <a:xfrm>
+              <a:off x="2358150" y="4187665"/>
+              <a:ext cx="379798" cy="403560"/>
+            </a:xfrm>
+            <a:prstGeom prst="star5">
+              <a:avLst/>
+            </a:prstGeom>
+            <a:solidFill>
+              <a:srgbClr val="FB3A18"/>
+            </a:solidFill>
+            <a:ln>
+              <a:solidFill>
+                <a:schemeClr val="bg1"/>
+              </a:solidFill>
+            </a:ln>
+            <a:effectLst/>
+          </p:spPr>
+          <p:style>
+            <a:lnRef idx="1">
+              <a:schemeClr val="accent1"/>
+            </a:lnRef>
+            <a:fillRef idx="3">
+              <a:schemeClr val="accent1"/>
+            </a:fillRef>
+            <a:effectRef idx="2">
+              <a:schemeClr val="accent1"/>
+            </a:effectRef>
+            <a:fontRef idx="minor">
+              <a:schemeClr val="lt1"/>
+            </a:fontRef>
+          </p:style>
+          <p:txBody>
+            <a:bodyPr rtlCol="0" anchor="ctr"/>
+            <a:lstStyle/>
+            <a:p>
+              <a:pPr algn="ctr"/>
+              <a:endParaRPr lang="en-US"/>
+            </a:p>
+          </p:txBody>
+        </p:sp>
+        <p:sp>
+          <p:nvSpPr>
+            <p:cNvPr id="37" name="Freeform 36"/>
+            <p:cNvSpPr/>
+            <p:nvPr/>
+          </p:nvSpPr>
+          <p:spPr>
+            <a:xfrm>
+              <a:off x="6560620" y="1761494"/>
+              <a:ext cx="2304576" cy="2736653"/>
+            </a:xfrm>
+            <a:custGeom>
+              <a:avLst/>
+              <a:gdLst>
+                <a:gd name="connsiteX0" fmla="*/ 0 w 1963987"/>
+                <a:gd name="connsiteY0" fmla="*/ 0 h 1820078"/>
+                <a:gd name="connsiteX1" fmla="*/ 1008180 w 1963987"/>
+                <a:gd name="connsiteY1" fmla="*/ 1820071 h 1820078"/>
+                <a:gd name="connsiteX2" fmla="*/ 1963987 w 1963987"/>
+                <a:gd name="connsiteY2" fmla="*/ 26188 h 1820078"/>
+                <a:gd name="connsiteX3" fmla="*/ 1963987 w 1963987"/>
+                <a:gd name="connsiteY3" fmla="*/ 26188 h 1820078"/>
+              </a:gdLst>
+              <a:ahLst/>
+              <a:cxnLst>
+                <a:cxn ang="0">
+                  <a:pos x="connsiteX0" y="connsiteY0"/>
+                </a:cxn>
+                <a:cxn ang="0">
+                  <a:pos x="connsiteX1" y="connsiteY1"/>
+                </a:cxn>
+                <a:cxn ang="0">
+                  <a:pos x="connsiteX2" y="connsiteY2"/>
+                </a:cxn>
+                <a:cxn ang="0">
+                  <a:pos x="connsiteX3" y="connsiteY3"/>
+                </a:cxn>
+              </a:cxnLst>
+              <a:rect l="l" t="t" r="r" b="b"/>
+              <a:pathLst>
+                <a:path w="1963987" h="1820078">
+                  <a:moveTo>
+                    <a:pt x="0" y="0"/>
+                  </a:moveTo>
+                  <a:cubicBezTo>
+                    <a:pt x="340424" y="907853"/>
+                    <a:pt x="680849" y="1815706"/>
+                    <a:pt x="1008180" y="1820071"/>
+                  </a:cubicBezTo>
+                  <a:cubicBezTo>
+                    <a:pt x="1335511" y="1824436"/>
+                    <a:pt x="1963987" y="26188"/>
+                    <a:pt x="1963987" y="26188"/>
+                  </a:cubicBezTo>
+                  <a:lnTo>
+                    <a:pt x="1963987" y="26188"/>
+                  </a:lnTo>
+                </a:path>
+              </a:pathLst>
+            </a:custGeom>
+            <a:ln w="50800">
+              <a:solidFill>
+                <a:srgbClr val="3899FF"/>
+              </a:solidFill>
+            </a:ln>
+            <a:effectLst/>
+          </p:spPr>
+          <p:style>
+            <a:lnRef idx="2">
+              <a:schemeClr val="accent1"/>
+            </a:lnRef>
+            <a:fillRef idx="0">
+              <a:schemeClr val="accent1"/>
+            </a:fillRef>
+            <a:effectRef idx="1">
+              <a:schemeClr val="accent1"/>
+            </a:effectRef>
+            <a:fontRef idx="minor">
+              <a:schemeClr val="tx1"/>
+            </a:fontRef>
+          </p:style>
+          <p:txBody>
+            <a:bodyPr rtlCol="0" anchor="ctr"/>
+            <a:lstStyle/>
+            <a:p>
+              <a:pPr algn="ctr"/>
+              <a:endParaRPr lang="en-US"/>
+            </a:p>
+          </p:txBody>
+        </p:sp>
+        <p:cxnSp>
+          <p:nvCxnSpPr>
+            <p:cNvPr id="38" name="Straight Arrow Connector 37"/>
+            <p:cNvCxnSpPr/>
+            <p:nvPr/>
+          </p:nvCxnSpPr>
+          <p:spPr>
+            <a:xfrm flipV="1">
+              <a:off x="5668691" y="1543352"/>
+              <a:ext cx="0" cy="3117630"/>
+            </a:xfrm>
+            <a:prstGeom prst="straightConnector1">
+              <a:avLst/>
+            </a:prstGeom>
+            <a:ln w="50800">
               <a:solidFill>
                 <a:schemeClr val="bg1">
                   <a:lumMod val="50000"/>
                 </a:schemeClr>
               </a:solidFill>
-            </a:endParaRPr>
-          </a:p>
-        </p:txBody>
-      </p:sp>
-      <p:sp>
-        <p:nvSpPr>
-          <p:cNvPr id="9" name="TextBox 8"/>
-          <p:cNvSpPr txBox="1"/>
-          <p:nvPr/>
-        </p:nvSpPr>
-        <p:spPr>
-          <a:xfrm rot="16200000">
-            <a:off x="373807" y="2714653"/>
-            <a:ext cx="1174104" cy="579646"/>
-          </a:xfrm>
-          <a:prstGeom prst="rect">
-            <a:avLst/>
-          </a:prstGeom>
-          <a:noFill/>
-        </p:spPr>
-        <p:txBody>
-          <a:bodyPr wrap="none" rtlCol="0">
-            <a:spAutoFit/>
-          </a:bodyPr>
-          <a:lstStyle/>
-          <a:p>
-            <a:pPr algn="ctr">
-              <a:lnSpc>
-                <a:spcPts val="1900"/>
-              </a:lnSpc>
-            </a:pPr>
-            <a:r>
-              <a:rPr lang="en-US" sz="2400" dirty="0" smtClean="0">
+              <a:tailEnd type="triangle"/>
+            </a:ln>
+            <a:effectLst/>
+          </p:spPr>
+          <p:style>
+            <a:lnRef idx="2">
+              <a:schemeClr val="accent1"/>
+            </a:lnRef>
+            <a:fillRef idx="0">
+              <a:schemeClr val="accent1"/>
+            </a:fillRef>
+            <a:effectRef idx="1">
+              <a:schemeClr val="accent1"/>
+            </a:effectRef>
+            <a:fontRef idx="minor">
+              <a:schemeClr val="tx1"/>
+            </a:fontRef>
+          </p:style>
+        </p:cxnSp>
+        <p:cxnSp>
+          <p:nvCxnSpPr>
+            <p:cNvPr id="39" name="Straight Arrow Connector 38"/>
+            <p:cNvCxnSpPr/>
+            <p:nvPr/>
+          </p:nvCxnSpPr>
+          <p:spPr>
+            <a:xfrm flipV="1">
+              <a:off x="5661196" y="4624530"/>
+              <a:ext cx="3482804" cy="21461"/>
+            </a:xfrm>
+            <a:prstGeom prst="straightConnector1">
+              <a:avLst/>
+            </a:prstGeom>
+            <a:ln w="50800">
+              <a:solidFill>
+                <a:schemeClr val="bg1">
+                  <a:lumMod val="50000"/>
+                </a:schemeClr>
+              </a:solidFill>
+              <a:tailEnd type="triangle"/>
+            </a:ln>
+            <a:effectLst/>
+          </p:spPr>
+          <p:style>
+            <a:lnRef idx="2">
+              <a:schemeClr val="accent1"/>
+            </a:lnRef>
+            <a:fillRef idx="0">
+              <a:schemeClr val="accent1"/>
+            </a:fillRef>
+            <a:effectRef idx="1">
+              <a:schemeClr val="accent1"/>
+            </a:effectRef>
+            <a:fontRef idx="minor">
+              <a:schemeClr val="tx1"/>
+            </a:fontRef>
+          </p:style>
+        </p:cxnSp>
+        <p:sp>
+          <p:nvSpPr>
+            <p:cNvPr id="40" name="TextBox 39"/>
+            <p:cNvSpPr txBox="1"/>
+            <p:nvPr/>
+          </p:nvSpPr>
+          <p:spPr>
+            <a:xfrm>
+              <a:off x="7218552" y="4666496"/>
+              <a:ext cx="388448" cy="461665"/>
+            </a:xfrm>
+            <a:prstGeom prst="rect">
+              <a:avLst/>
+            </a:prstGeom>
+            <a:noFill/>
+          </p:spPr>
+          <p:txBody>
+            <a:bodyPr wrap="none" rtlCol="0">
+              <a:spAutoFit/>
+            </a:bodyPr>
+            <a:lstStyle/>
+            <a:p>
+              <a:r>
+                <a:rPr lang="en-US" sz="2400" dirty="0" err="1" smtClean="0">
+                  <a:solidFill>
+                    <a:schemeClr val="bg1">
+                      <a:lumMod val="50000"/>
+                    </a:schemeClr>
+                  </a:solidFill>
+                </a:rPr>
+                <a:t>Θ</a:t>
+              </a:r>
+              <a:endParaRPr lang="en-US" sz="2400" dirty="0">
                 <a:solidFill>
                   <a:schemeClr val="bg1">
                     <a:lumMod val="50000"/>
                   </a:schemeClr>
                 </a:solidFill>
-              </a:rPr>
-              <a:t>Training</a:t>
-            </a:r>
-          </a:p>
-          <a:p>
-            <a:pPr algn="ctr">
-              <a:lnSpc>
-                <a:spcPts val="1900"/>
-              </a:lnSpc>
-            </a:pPr>
-            <a:r>
-              <a:rPr lang="en-US" sz="2400" dirty="0" smtClean="0">
+              </a:endParaRPr>
+            </a:p>
+          </p:txBody>
+        </p:sp>
+        <p:sp>
+          <p:nvSpPr>
+            <p:cNvPr id="41" name="TextBox 40"/>
+            <p:cNvSpPr txBox="1"/>
+            <p:nvPr/>
+          </p:nvSpPr>
+          <p:spPr>
+            <a:xfrm rot="16200000">
+              <a:off x="4794180" y="2867053"/>
+              <a:ext cx="1174104" cy="579646"/>
+            </a:xfrm>
+            <a:prstGeom prst="rect">
+              <a:avLst/>
+            </a:prstGeom>
+            <a:noFill/>
+          </p:spPr>
+          <p:txBody>
+            <a:bodyPr wrap="none" rtlCol="0">
+              <a:spAutoFit/>
+            </a:bodyPr>
+            <a:lstStyle/>
+            <a:p>
+              <a:pPr algn="ctr">
+                <a:lnSpc>
+                  <a:spcPts val="1900"/>
+                </a:lnSpc>
+              </a:pPr>
+              <a:r>
+                <a:rPr lang="en-US" sz="2400" dirty="0" smtClean="0">
+                  <a:solidFill>
+                    <a:schemeClr val="bg1">
+                      <a:lumMod val="50000"/>
+                    </a:schemeClr>
+                  </a:solidFill>
+                </a:rPr>
+                <a:t>Training</a:t>
+              </a:r>
+            </a:p>
+            <a:p>
+              <a:pPr algn="ctr">
+                <a:lnSpc>
+                  <a:spcPts val="1900"/>
+                </a:lnSpc>
+              </a:pPr>
+              <a:r>
+                <a:rPr lang="en-US" sz="2400" dirty="0" smtClean="0">
+                  <a:solidFill>
+                    <a:schemeClr val="bg1">
+                      <a:lumMod val="50000"/>
+                    </a:schemeClr>
+                  </a:solidFill>
+                </a:rPr>
+                <a:t>Error</a:t>
+              </a:r>
+              <a:endParaRPr lang="en-US" sz="2400" dirty="0">
                 <a:solidFill>
                   <a:schemeClr val="bg1">
                     <a:lumMod val="50000"/>
                   </a:schemeClr>
                 </a:solidFill>
-              </a:rPr>
-              <a:t>Error</a:t>
-            </a:r>
-            <a:endParaRPr lang="en-US" sz="2400" dirty="0">
+              </a:endParaRPr>
+            </a:p>
+          </p:txBody>
+        </p:sp>
+        <p:sp>
+          <p:nvSpPr>
+            <p:cNvPr id="42" name="5-Point Star 41"/>
+            <p:cNvSpPr/>
+            <p:nvPr/>
+          </p:nvSpPr>
+          <p:spPr>
+            <a:xfrm>
+              <a:off x="7543963" y="4187665"/>
+              <a:ext cx="379798" cy="403560"/>
+            </a:xfrm>
+            <a:prstGeom prst="star5">
+              <a:avLst/>
+            </a:prstGeom>
+            <a:solidFill>
+              <a:srgbClr val="FFB000"/>
+            </a:solidFill>
+            <a:ln>
+              <a:solidFill>
+                <a:schemeClr val="bg1"/>
+              </a:solidFill>
+            </a:ln>
+            <a:effectLst/>
+          </p:spPr>
+          <p:style>
+            <a:lnRef idx="1">
+              <a:schemeClr val="accent1"/>
+            </a:lnRef>
+            <a:fillRef idx="3">
+              <a:schemeClr val="accent1"/>
+            </a:fillRef>
+            <a:effectRef idx="2">
+              <a:schemeClr val="accent1"/>
+            </a:effectRef>
+            <a:fontRef idx="minor">
+              <a:schemeClr val="lt1"/>
+            </a:fontRef>
+          </p:style>
+          <p:txBody>
+            <a:bodyPr rtlCol="0" anchor="ctr"/>
+            <a:lstStyle/>
+            <a:p>
+              <a:pPr algn="ctr"/>
+              <a:endParaRPr lang="en-US"/>
+            </a:p>
+          </p:txBody>
+        </p:sp>
+        <p:sp>
+          <p:nvSpPr>
+            <p:cNvPr id="43" name="Oval 42"/>
+            <p:cNvSpPr/>
+            <p:nvPr/>
+          </p:nvSpPr>
+          <p:spPr>
+            <a:xfrm>
+              <a:off x="6845383" y="2980151"/>
+              <a:ext cx="235693" cy="235693"/>
+            </a:xfrm>
+            <a:prstGeom prst="ellipse">
+              <a:avLst/>
+            </a:prstGeom>
+            <a:solidFill>
+              <a:srgbClr val="FB3A18"/>
+            </a:solidFill>
+            <a:ln>
+              <a:noFill/>
+            </a:ln>
+            <a:effectLst/>
+          </p:spPr>
+          <p:style>
+            <a:lnRef idx="1">
+              <a:schemeClr val="accent1"/>
+            </a:lnRef>
+            <a:fillRef idx="3">
+              <a:schemeClr val="accent1"/>
+            </a:fillRef>
+            <a:effectRef idx="2">
+              <a:schemeClr val="accent1"/>
+            </a:effectRef>
+            <a:fontRef idx="minor">
+              <a:schemeClr val="lt1"/>
+            </a:fontRef>
+          </p:style>
+          <p:txBody>
+            <a:bodyPr rtlCol="0" anchor="ctr"/>
+            <a:lstStyle/>
+            <a:p>
+              <a:pPr algn="ctr"/>
+              <a:endParaRPr lang="en-US"/>
+            </a:p>
+          </p:txBody>
+        </p:sp>
+        <p:sp>
+          <p:nvSpPr>
+            <p:cNvPr id="44" name="TextBox 43"/>
+            <p:cNvSpPr txBox="1"/>
+            <p:nvPr/>
+          </p:nvSpPr>
+          <p:spPr>
+            <a:xfrm>
+              <a:off x="6250106" y="3973371"/>
+              <a:ext cx="982961" cy="646331"/>
+            </a:xfrm>
+            <a:prstGeom prst="rect">
+              <a:avLst/>
+            </a:prstGeom>
+            <a:noFill/>
+          </p:spPr>
+          <p:txBody>
+            <a:bodyPr wrap="none" rtlCol="0">
+              <a:spAutoFit/>
+            </a:bodyPr>
+            <a:lstStyle/>
+            <a:p>
+              <a:pPr algn="ctr"/>
+              <a:r>
+                <a:rPr lang="en-US" dirty="0" smtClean="0">
+                  <a:solidFill>
+                    <a:srgbClr val="FF0000"/>
+                  </a:solidFill>
+                  <a:latin typeface="Gill Sans"/>
+                  <a:cs typeface="Gill Sans"/>
+                </a:rPr>
+                <a:t>Updated</a:t>
+              </a:r>
+            </a:p>
+            <a:p>
+              <a:pPr algn="ctr"/>
+              <a:r>
+                <a:rPr lang="en-US" dirty="0" smtClean="0">
+                  <a:solidFill>
+                    <a:srgbClr val="FF0000"/>
+                  </a:solidFill>
+                  <a:latin typeface="Gill Sans"/>
+                  <a:cs typeface="Gill Sans"/>
+                </a:rPr>
+                <a:t>Model</a:t>
+              </a:r>
+              <a:endParaRPr lang="en-US" dirty="0">
+                <a:solidFill>
+                  <a:srgbClr val="FF0000"/>
+                </a:solidFill>
+                <a:latin typeface="Gill Sans"/>
+                <a:cs typeface="Gill Sans"/>
+              </a:endParaRPr>
+            </a:p>
+          </p:txBody>
+        </p:sp>
+        <p:cxnSp>
+          <p:nvCxnSpPr>
+            <p:cNvPr id="51" name="Straight Connector 50"/>
+            <p:cNvCxnSpPr>
+              <a:endCxn id="54" idx="0"/>
+            </p:cNvCxnSpPr>
+            <p:nvPr/>
+          </p:nvCxnSpPr>
+          <p:spPr>
+            <a:xfrm>
+              <a:off x="7410478" y="3074641"/>
+              <a:ext cx="1" cy="986203"/>
+            </a:xfrm>
+            <a:prstGeom prst="line">
+              <a:avLst/>
+            </a:prstGeom>
+            <a:ln>
               <a:solidFill>
                 <a:schemeClr val="bg1">
                   <a:lumMod val="50000"/>
                 </a:schemeClr>
               </a:solidFill>
-            </a:endParaRPr>
-          </a:p>
-        </p:txBody>
-      </p:sp>
-      <p:sp>
-        <p:nvSpPr>
-          <p:cNvPr id="10" name="5-Point Star 9"/>
-          <p:cNvSpPr/>
-          <p:nvPr/>
-        </p:nvSpPr>
-        <p:spPr>
-          <a:xfrm>
-            <a:off x="3122277" y="4187665"/>
-            <a:ext cx="379798" cy="403560"/>
-          </a:xfrm>
-          <a:prstGeom prst="star5">
-            <a:avLst/>
-          </a:prstGeom>
-          <a:solidFill>
-            <a:srgbClr val="FFB000"/>
-          </a:solidFill>
-          <a:ln>
-            <a:solidFill>
-              <a:schemeClr val="bg1"/>
-            </a:solidFill>
-          </a:ln>
-          <a:effectLst/>
-        </p:spPr>
-        <p:style>
-          <a:lnRef idx="1">
-            <a:schemeClr val="accent1"/>
-          </a:lnRef>
-          <a:fillRef idx="3">
-            <a:schemeClr val="accent1"/>
-          </a:fillRef>
-          <a:effectRef idx="2">
-            <a:schemeClr val="accent1"/>
-          </a:effectRef>
-          <a:fontRef idx="minor">
-            <a:schemeClr val="lt1"/>
-          </a:fontRef>
-        </p:style>
-        <p:txBody>
-          <a:bodyPr rtlCol="0" anchor="ctr"/>
-          <a:lstStyle/>
-          <a:p>
-            <a:pPr algn="ctr"/>
-            <a:endParaRPr lang="en-US"/>
-          </a:p>
-        </p:txBody>
-      </p:sp>
-      <p:sp>
-        <p:nvSpPr>
-          <p:cNvPr id="11" name="Oval 10"/>
-          <p:cNvSpPr/>
-          <p:nvPr/>
-        </p:nvSpPr>
-        <p:spPr>
-          <a:xfrm>
-            <a:off x="2423697" y="2978902"/>
-            <a:ext cx="235693" cy="235693"/>
-          </a:xfrm>
-          <a:prstGeom prst="ellipse">
-            <a:avLst/>
-          </a:prstGeom>
-          <a:solidFill>
-            <a:srgbClr val="FB3A18"/>
-          </a:solidFill>
-          <a:ln>
-            <a:solidFill>
-              <a:srgbClr val="FB3A18"/>
-            </a:solidFill>
-          </a:ln>
-          <a:effectLst/>
-        </p:spPr>
-        <p:style>
-          <a:lnRef idx="1">
-            <a:schemeClr val="accent1"/>
-          </a:lnRef>
-          <a:fillRef idx="3">
-            <a:schemeClr val="accent1"/>
-          </a:fillRef>
-          <a:effectRef idx="2">
-            <a:schemeClr val="accent1"/>
-          </a:effectRef>
-          <a:fontRef idx="minor">
-            <a:schemeClr val="lt1"/>
-          </a:fontRef>
-        </p:style>
-        <p:txBody>
-          <a:bodyPr rtlCol="0" anchor="ctr"/>
-          <a:lstStyle/>
-          <a:p>
-            <a:pPr algn="ctr"/>
-            <a:endParaRPr lang="en-US"/>
-          </a:p>
-        </p:txBody>
-      </p:sp>
-      <p:sp>
-        <p:nvSpPr>
-          <p:cNvPr id="12" name="TextBox 11"/>
-          <p:cNvSpPr txBox="1"/>
-          <p:nvPr/>
-        </p:nvSpPr>
-        <p:spPr>
-          <a:xfrm>
-            <a:off x="1527477" y="3972122"/>
-            <a:ext cx="771102" cy="646331"/>
-          </a:xfrm>
-          <a:prstGeom prst="rect">
-            <a:avLst/>
-          </a:prstGeom>
-          <a:noFill/>
-        </p:spPr>
-        <p:txBody>
-          <a:bodyPr wrap="none" rtlCol="0">
-            <a:spAutoFit/>
-          </a:bodyPr>
-          <a:lstStyle/>
-          <a:p>
-            <a:pPr algn="ctr"/>
-            <a:r>
-              <a:rPr lang="en-US" dirty="0" smtClean="0">
-                <a:solidFill>
-                  <a:srgbClr val="FF0000"/>
-                </a:solidFill>
-                <a:latin typeface="Gill Sans"/>
-                <a:cs typeface="Gill Sans"/>
-              </a:rPr>
-              <a:t>Dirty </a:t>
-            </a:r>
-          </a:p>
-          <a:p>
-            <a:pPr algn="ctr"/>
-            <a:r>
-              <a:rPr lang="en-US" dirty="0" smtClean="0">
-                <a:solidFill>
-                  <a:srgbClr val="FF0000"/>
-                </a:solidFill>
-                <a:latin typeface="Gill Sans"/>
-                <a:cs typeface="Gill Sans"/>
-              </a:rPr>
-              <a:t>Model</a:t>
-            </a:r>
-            <a:endParaRPr lang="en-US" dirty="0">
+              <a:prstDash val="sysDash"/>
+            </a:ln>
+            <a:effectLst/>
+          </p:spPr>
+          <p:style>
+            <a:lnRef idx="2">
+              <a:schemeClr val="accent1"/>
+            </a:lnRef>
+            <a:fillRef idx="0">
+              <a:schemeClr val="accent1"/>
+            </a:fillRef>
+            <a:effectRef idx="1">
+              <a:schemeClr val="accent1"/>
+            </a:effectRef>
+            <a:fontRef idx="minor">
+              <a:schemeClr val="tx1"/>
+            </a:fontRef>
+          </p:style>
+        </p:cxnSp>
+        <p:sp>
+          <p:nvSpPr>
+            <p:cNvPr id="54" name="Oval 53"/>
+            <p:cNvSpPr/>
+            <p:nvPr/>
+          </p:nvSpPr>
+          <p:spPr>
+            <a:xfrm>
+              <a:off x="7292632" y="4060844"/>
+              <a:ext cx="235693" cy="235693"/>
+            </a:xfrm>
+            <a:prstGeom prst="ellipse">
+              <a:avLst/>
+            </a:prstGeom>
+            <a:noFill/>
+            <a:ln w="60325">
               <a:solidFill>
-                <a:srgbClr val="FF0000"/>
+                <a:srgbClr val="FF3C18"/>
               </a:solidFill>
-              <a:latin typeface="Gill Sans"/>
-              <a:cs typeface="Gill Sans"/>
-            </a:endParaRPr>
-          </a:p>
-        </p:txBody>
-      </p:sp>
-      <p:sp>
-        <p:nvSpPr>
-          <p:cNvPr id="13" name="TextBox 12"/>
-          <p:cNvSpPr txBox="1"/>
-          <p:nvPr/>
-        </p:nvSpPr>
-        <p:spPr>
-          <a:xfrm>
-            <a:off x="3708092" y="3963686"/>
-            <a:ext cx="787395" cy="646331"/>
-          </a:xfrm>
-          <a:prstGeom prst="rect">
-            <a:avLst/>
-          </a:prstGeom>
-          <a:noFill/>
-        </p:spPr>
-        <p:txBody>
-          <a:bodyPr wrap="none" rtlCol="0">
-            <a:spAutoFit/>
-          </a:bodyPr>
-          <a:lstStyle/>
-          <a:p>
-            <a:pPr algn="ctr"/>
-            <a:r>
-              <a:rPr lang="en-US" dirty="0" smtClean="0">
-                <a:solidFill>
-                  <a:srgbClr val="FFB000"/>
-                </a:solidFill>
-                <a:latin typeface="Gill Sans"/>
-                <a:cs typeface="Gill Sans"/>
-              </a:rPr>
-              <a:t>Clean </a:t>
-            </a:r>
-          </a:p>
-          <a:p>
-            <a:pPr algn="ctr"/>
-            <a:r>
-              <a:rPr lang="en-US" dirty="0" smtClean="0">
-                <a:solidFill>
-                  <a:srgbClr val="FFB000"/>
-                </a:solidFill>
-                <a:latin typeface="Gill Sans"/>
-                <a:cs typeface="Gill Sans"/>
-              </a:rPr>
-              <a:t>Model</a:t>
-            </a:r>
-            <a:endParaRPr lang="en-US" dirty="0">
-              <a:solidFill>
-                <a:srgbClr val="FFB000"/>
-              </a:solidFill>
-              <a:latin typeface="Gill Sans"/>
-              <a:cs typeface="Gill Sans"/>
-            </a:endParaRPr>
-          </a:p>
-        </p:txBody>
-      </p:sp>
-      <p:sp>
-        <p:nvSpPr>
-          <p:cNvPr id="16" name="5-Point Star 15"/>
-          <p:cNvSpPr/>
-          <p:nvPr/>
-        </p:nvSpPr>
-        <p:spPr>
-          <a:xfrm>
-            <a:off x="2358150" y="4187665"/>
-            <a:ext cx="379798" cy="403560"/>
-          </a:xfrm>
-          <a:prstGeom prst="star5">
-            <a:avLst/>
-          </a:prstGeom>
-          <a:solidFill>
-            <a:srgbClr val="FB3A18"/>
-          </a:solidFill>
-          <a:ln>
-            <a:solidFill>
-              <a:schemeClr val="bg1"/>
-            </a:solidFill>
-          </a:ln>
-          <a:effectLst/>
-        </p:spPr>
-        <p:style>
-          <a:lnRef idx="1">
-            <a:schemeClr val="accent1"/>
-          </a:lnRef>
-          <a:fillRef idx="3">
-            <a:schemeClr val="accent1"/>
-          </a:fillRef>
-          <a:effectRef idx="2">
-            <a:schemeClr val="accent1"/>
-          </a:effectRef>
-          <a:fontRef idx="minor">
-            <a:schemeClr val="lt1"/>
-          </a:fontRef>
-        </p:style>
-        <p:txBody>
-          <a:bodyPr rtlCol="0" anchor="ctr"/>
-          <a:lstStyle/>
-          <a:p>
-            <a:pPr algn="ctr"/>
-            <a:endParaRPr lang="en-US"/>
-          </a:p>
-        </p:txBody>
-      </p:sp>
-      <p:sp>
-        <p:nvSpPr>
-          <p:cNvPr id="37" name="Freeform 36"/>
-          <p:cNvSpPr/>
-          <p:nvPr/>
-        </p:nvSpPr>
-        <p:spPr>
-          <a:xfrm>
-            <a:off x="6560620" y="1761494"/>
-            <a:ext cx="2304576" cy="2736653"/>
-          </a:xfrm>
-          <a:custGeom>
-            <a:avLst/>
-            <a:gdLst>
-              <a:gd name="connsiteX0" fmla="*/ 0 w 1963987"/>
-              <a:gd name="connsiteY0" fmla="*/ 0 h 1820078"/>
-              <a:gd name="connsiteX1" fmla="*/ 1008180 w 1963987"/>
-              <a:gd name="connsiteY1" fmla="*/ 1820071 h 1820078"/>
-              <a:gd name="connsiteX2" fmla="*/ 1963987 w 1963987"/>
-              <a:gd name="connsiteY2" fmla="*/ 26188 h 1820078"/>
-              <a:gd name="connsiteX3" fmla="*/ 1963987 w 1963987"/>
-              <a:gd name="connsiteY3" fmla="*/ 26188 h 1820078"/>
-            </a:gdLst>
-            <a:ahLst/>
-            <a:cxnLst>
-              <a:cxn ang="0">
-                <a:pos x="connsiteX0" y="connsiteY0"/>
-              </a:cxn>
-              <a:cxn ang="0">
-                <a:pos x="connsiteX1" y="connsiteY1"/>
-              </a:cxn>
-              <a:cxn ang="0">
-                <a:pos x="connsiteX2" y="connsiteY2"/>
-              </a:cxn>
-              <a:cxn ang="0">
-                <a:pos x="connsiteX3" y="connsiteY3"/>
-              </a:cxn>
-            </a:cxnLst>
-            <a:rect l="l" t="t" r="r" b="b"/>
-            <a:pathLst>
-              <a:path w="1963987" h="1820078">
-                <a:moveTo>
-                  <a:pt x="0" y="0"/>
-                </a:moveTo>
-                <a:cubicBezTo>
-                  <a:pt x="340424" y="907853"/>
-                  <a:pt x="680849" y="1815706"/>
-                  <a:pt x="1008180" y="1820071"/>
-                </a:cubicBezTo>
-                <a:cubicBezTo>
-                  <a:pt x="1335511" y="1824436"/>
-                  <a:pt x="1963987" y="26188"/>
-                  <a:pt x="1963987" y="26188"/>
-                </a:cubicBezTo>
-                <a:lnTo>
-                  <a:pt x="1963987" y="26188"/>
-                </a:lnTo>
-              </a:path>
-            </a:pathLst>
-          </a:custGeom>
-          <a:ln w="50800">
-            <a:solidFill>
-              <a:srgbClr val="3899FF"/>
-            </a:solidFill>
-          </a:ln>
-          <a:effectLst/>
-        </p:spPr>
-        <p:style>
-          <a:lnRef idx="2">
-            <a:schemeClr val="accent1"/>
-          </a:lnRef>
-          <a:fillRef idx="0">
-            <a:schemeClr val="accent1"/>
-          </a:fillRef>
-          <a:effectRef idx="1">
-            <a:schemeClr val="accent1"/>
-          </a:effectRef>
-          <a:fontRef idx="minor">
-            <a:schemeClr val="tx1"/>
-          </a:fontRef>
-        </p:style>
-        <p:txBody>
-          <a:bodyPr rtlCol="0" anchor="ctr"/>
-          <a:lstStyle/>
-          <a:p>
-            <a:pPr algn="ctr"/>
-            <a:endParaRPr lang="en-US"/>
-          </a:p>
-        </p:txBody>
-      </p:sp>
-      <p:cxnSp>
-        <p:nvCxnSpPr>
-          <p:cNvPr id="38" name="Straight Arrow Connector 37"/>
-          <p:cNvCxnSpPr/>
-          <p:nvPr/>
-        </p:nvCxnSpPr>
-        <p:spPr>
-          <a:xfrm flipV="1">
-            <a:off x="5668691" y="1543352"/>
-            <a:ext cx="0" cy="3117630"/>
-          </a:xfrm>
-          <a:prstGeom prst="straightConnector1">
-            <a:avLst/>
-          </a:prstGeom>
-          <a:ln w="50800">
-            <a:solidFill>
-              <a:schemeClr val="bg1">
-                <a:lumMod val="50000"/>
-              </a:schemeClr>
-            </a:solidFill>
-            <a:tailEnd type="triangle"/>
-          </a:ln>
-          <a:effectLst/>
-        </p:spPr>
-        <p:style>
-          <a:lnRef idx="2">
-            <a:schemeClr val="accent1"/>
-          </a:lnRef>
-          <a:fillRef idx="0">
-            <a:schemeClr val="accent1"/>
-          </a:fillRef>
-          <a:effectRef idx="1">
-            <a:schemeClr val="accent1"/>
-          </a:effectRef>
-          <a:fontRef idx="minor">
-            <a:schemeClr val="tx1"/>
-          </a:fontRef>
-        </p:style>
-      </p:cxnSp>
-      <p:cxnSp>
-        <p:nvCxnSpPr>
-          <p:cNvPr id="39" name="Straight Arrow Connector 38"/>
-          <p:cNvCxnSpPr/>
-          <p:nvPr/>
-        </p:nvCxnSpPr>
-        <p:spPr>
-          <a:xfrm flipV="1">
-            <a:off x="5661196" y="4624530"/>
-            <a:ext cx="3482804" cy="21461"/>
-          </a:xfrm>
-          <a:prstGeom prst="straightConnector1">
-            <a:avLst/>
-          </a:prstGeom>
-          <a:ln w="50800">
-            <a:solidFill>
-              <a:schemeClr val="bg1">
-                <a:lumMod val="50000"/>
-              </a:schemeClr>
-            </a:solidFill>
-            <a:tailEnd type="triangle"/>
-          </a:ln>
-          <a:effectLst/>
-        </p:spPr>
-        <p:style>
-          <a:lnRef idx="2">
-            <a:schemeClr val="accent1"/>
-          </a:lnRef>
-          <a:fillRef idx="0">
-            <a:schemeClr val="accent1"/>
-          </a:fillRef>
-          <a:effectRef idx="1">
-            <a:schemeClr val="accent1"/>
-          </a:effectRef>
-          <a:fontRef idx="minor">
-            <a:schemeClr val="tx1"/>
-          </a:fontRef>
-        </p:style>
-      </p:cxnSp>
-      <p:sp>
-        <p:nvSpPr>
-          <p:cNvPr id="40" name="TextBox 39"/>
-          <p:cNvSpPr txBox="1"/>
-          <p:nvPr/>
-        </p:nvSpPr>
-        <p:spPr>
-          <a:xfrm>
-            <a:off x="7218552" y="4666496"/>
-            <a:ext cx="388448" cy="461665"/>
-          </a:xfrm>
-          <a:prstGeom prst="rect">
-            <a:avLst/>
-          </a:prstGeom>
-          <a:noFill/>
-        </p:spPr>
-        <p:txBody>
-          <a:bodyPr wrap="none" rtlCol="0">
-            <a:spAutoFit/>
-          </a:bodyPr>
-          <a:lstStyle/>
-          <a:p>
-            <a:r>
-              <a:rPr lang="en-US" sz="2400" dirty="0" err="1" smtClean="0">
-                <a:solidFill>
-                  <a:schemeClr val="bg1">
-                    <a:lumMod val="50000"/>
-                  </a:schemeClr>
-                </a:solidFill>
-              </a:rPr>
-              <a:t>Θ</a:t>
-            </a:r>
-            <a:endParaRPr lang="en-US" sz="2400" dirty="0">
-              <a:solidFill>
-                <a:schemeClr val="bg1">
-                  <a:lumMod val="50000"/>
-                </a:schemeClr>
-              </a:solidFill>
-            </a:endParaRPr>
-          </a:p>
-        </p:txBody>
-      </p:sp>
-      <p:sp>
-        <p:nvSpPr>
-          <p:cNvPr id="41" name="TextBox 40"/>
-          <p:cNvSpPr txBox="1"/>
-          <p:nvPr/>
-        </p:nvSpPr>
-        <p:spPr>
-          <a:xfrm rot="16200000">
-            <a:off x="4794180" y="2867053"/>
-            <a:ext cx="1174104" cy="579646"/>
-          </a:xfrm>
-          <a:prstGeom prst="rect">
-            <a:avLst/>
-          </a:prstGeom>
-          <a:noFill/>
-        </p:spPr>
-        <p:txBody>
-          <a:bodyPr wrap="none" rtlCol="0">
-            <a:spAutoFit/>
-          </a:bodyPr>
-          <a:lstStyle/>
-          <a:p>
-            <a:pPr algn="ctr">
-              <a:lnSpc>
-                <a:spcPts val="1900"/>
-              </a:lnSpc>
-            </a:pPr>
-            <a:r>
-              <a:rPr lang="en-US" sz="2400" dirty="0" smtClean="0">
-                <a:solidFill>
-                  <a:schemeClr val="bg1">
-                    <a:lumMod val="50000"/>
-                  </a:schemeClr>
-                </a:solidFill>
-              </a:rPr>
-              <a:t>Training</a:t>
-            </a:r>
-          </a:p>
-          <a:p>
-            <a:pPr algn="ctr">
-              <a:lnSpc>
-                <a:spcPts val="1900"/>
-              </a:lnSpc>
-            </a:pPr>
-            <a:r>
-              <a:rPr lang="en-US" sz="2400" dirty="0" smtClean="0">
-                <a:solidFill>
-                  <a:schemeClr val="bg1">
-                    <a:lumMod val="50000"/>
-                  </a:schemeClr>
-                </a:solidFill>
-              </a:rPr>
-              <a:t>Error</a:t>
-            </a:r>
-            <a:endParaRPr lang="en-US" sz="2400" dirty="0">
-              <a:solidFill>
-                <a:schemeClr val="bg1">
-                  <a:lumMod val="50000"/>
-                </a:schemeClr>
-              </a:solidFill>
-            </a:endParaRPr>
-          </a:p>
-        </p:txBody>
-      </p:sp>
-      <p:sp>
-        <p:nvSpPr>
-          <p:cNvPr id="42" name="5-Point Star 41"/>
-          <p:cNvSpPr/>
-          <p:nvPr/>
-        </p:nvSpPr>
-        <p:spPr>
-          <a:xfrm>
-            <a:off x="7543963" y="4187665"/>
-            <a:ext cx="379798" cy="403560"/>
-          </a:xfrm>
-          <a:prstGeom prst="star5">
-            <a:avLst/>
-          </a:prstGeom>
-          <a:solidFill>
-            <a:srgbClr val="FFB000"/>
-          </a:solidFill>
-          <a:ln>
-            <a:solidFill>
-              <a:schemeClr val="bg1"/>
-            </a:solidFill>
-          </a:ln>
-          <a:effectLst/>
-        </p:spPr>
-        <p:style>
-          <a:lnRef idx="1">
-            <a:schemeClr val="accent1"/>
-          </a:lnRef>
-          <a:fillRef idx="3">
-            <a:schemeClr val="accent1"/>
-          </a:fillRef>
-          <a:effectRef idx="2">
-            <a:schemeClr val="accent1"/>
-          </a:effectRef>
-          <a:fontRef idx="minor">
-            <a:schemeClr val="lt1"/>
-          </a:fontRef>
-        </p:style>
-        <p:txBody>
-          <a:bodyPr rtlCol="0" anchor="ctr"/>
-          <a:lstStyle/>
-          <a:p>
-            <a:pPr algn="ctr"/>
-            <a:endParaRPr lang="en-US"/>
-          </a:p>
-        </p:txBody>
-      </p:sp>
-      <p:sp>
-        <p:nvSpPr>
-          <p:cNvPr id="43" name="Oval 42"/>
-          <p:cNvSpPr/>
-          <p:nvPr/>
-        </p:nvSpPr>
-        <p:spPr>
-          <a:xfrm>
-            <a:off x="6845383" y="2980151"/>
-            <a:ext cx="235693" cy="235693"/>
-          </a:xfrm>
-          <a:prstGeom prst="ellipse">
-            <a:avLst/>
-          </a:prstGeom>
-          <a:solidFill>
-            <a:srgbClr val="FB3A18"/>
-          </a:solidFill>
-          <a:ln>
+            </a:ln>
+            <a:effectLst/>
+          </p:spPr>
+          <p:style>
+            <a:lnRef idx="1">
+              <a:schemeClr val="accent1"/>
+            </a:lnRef>
+            <a:fillRef idx="3">
+              <a:schemeClr val="accent1"/>
+            </a:fillRef>
+            <a:effectRef idx="2">
+              <a:schemeClr val="accent1"/>
+            </a:effectRef>
+            <a:fontRef idx="minor">
+              <a:schemeClr val="lt1"/>
+            </a:fontRef>
+          </p:style>
+          <p:txBody>
+            <a:bodyPr rtlCol="0" anchor="ctr"/>
+            <a:lstStyle/>
+            <a:p>
+              <a:pPr algn="ctr"/>
+              <a:endParaRPr lang="en-US"/>
+            </a:p>
+          </p:txBody>
+        </p:sp>
+        <p:sp>
+          <p:nvSpPr>
+            <p:cNvPr id="55" name="TextBox 54"/>
+            <p:cNvSpPr txBox="1"/>
+            <p:nvPr/>
+          </p:nvSpPr>
+          <p:spPr>
+            <a:xfrm>
+              <a:off x="6939592" y="2568899"/>
+              <a:ext cx="1048685" cy="369332"/>
+            </a:xfrm>
+            <a:prstGeom prst="rect">
+              <a:avLst/>
+            </a:prstGeom>
             <a:noFill/>
-          </a:ln>
-          <a:effectLst/>
-        </p:spPr>
-        <p:style>
-          <a:lnRef idx="1">
-            <a:schemeClr val="accent1"/>
-          </a:lnRef>
-          <a:fillRef idx="3">
-            <a:schemeClr val="accent1"/>
-          </a:fillRef>
-          <a:effectRef idx="2">
-            <a:schemeClr val="accent1"/>
-          </a:effectRef>
-          <a:fontRef idx="minor">
-            <a:schemeClr val="lt1"/>
-          </a:fontRef>
-        </p:style>
-        <p:txBody>
-          <a:bodyPr rtlCol="0" anchor="ctr"/>
-          <a:lstStyle/>
-          <a:p>
-            <a:pPr algn="ctr"/>
-            <a:endParaRPr lang="en-US"/>
-          </a:p>
-        </p:txBody>
-      </p:sp>
-      <p:sp>
-        <p:nvSpPr>
-          <p:cNvPr id="44" name="TextBox 43"/>
-          <p:cNvSpPr txBox="1"/>
-          <p:nvPr/>
-        </p:nvSpPr>
-        <p:spPr>
-          <a:xfrm>
-            <a:off x="6250106" y="3973371"/>
-            <a:ext cx="982961" cy="646331"/>
-          </a:xfrm>
-          <a:prstGeom prst="rect">
-            <a:avLst/>
-          </a:prstGeom>
-          <a:noFill/>
-        </p:spPr>
-        <p:txBody>
-          <a:bodyPr wrap="none" rtlCol="0">
-            <a:spAutoFit/>
-          </a:bodyPr>
-          <a:lstStyle/>
-          <a:p>
-            <a:pPr algn="ctr"/>
-            <a:r>
-              <a:rPr lang="en-US" dirty="0" smtClean="0">
-                <a:solidFill>
-                  <a:srgbClr val="FF0000"/>
-                </a:solidFill>
-                <a:latin typeface="Gill Sans"/>
-                <a:cs typeface="Gill Sans"/>
-              </a:rPr>
-              <a:t>Updated</a:t>
-            </a:r>
-          </a:p>
-          <a:p>
-            <a:pPr algn="ctr"/>
-            <a:r>
-              <a:rPr lang="en-US" dirty="0" smtClean="0">
-                <a:solidFill>
-                  <a:srgbClr val="FF0000"/>
-                </a:solidFill>
-                <a:latin typeface="Gill Sans"/>
-                <a:cs typeface="Gill Sans"/>
-              </a:rPr>
-              <a:t>Model</a:t>
-            </a:r>
-            <a:endParaRPr lang="en-US" dirty="0">
-              <a:solidFill>
-                <a:srgbClr val="FF0000"/>
-              </a:solidFill>
-              <a:latin typeface="Gill Sans"/>
-              <a:cs typeface="Gill Sans"/>
-            </a:endParaRPr>
-          </a:p>
-        </p:txBody>
-      </p:sp>
-      <p:cxnSp>
-        <p:nvCxnSpPr>
-          <p:cNvPr id="51" name="Straight Connector 50"/>
-          <p:cNvCxnSpPr>
-            <a:endCxn id="54" idx="0"/>
-          </p:cNvCxnSpPr>
-          <p:nvPr/>
-        </p:nvCxnSpPr>
-        <p:spPr>
-          <a:xfrm>
-            <a:off x="7410478" y="3074641"/>
-            <a:ext cx="1" cy="986203"/>
-          </a:xfrm>
-          <a:prstGeom prst="line">
-            <a:avLst/>
-          </a:prstGeom>
-          <a:ln>
-            <a:solidFill>
-              <a:schemeClr val="bg1">
-                <a:lumMod val="50000"/>
-              </a:schemeClr>
-            </a:solidFill>
-            <a:prstDash val="sysDash"/>
-          </a:ln>
-          <a:effectLst/>
-        </p:spPr>
-        <p:style>
-          <a:lnRef idx="2">
-            <a:schemeClr val="accent1"/>
-          </a:lnRef>
-          <a:fillRef idx="0">
-            <a:schemeClr val="accent1"/>
-          </a:fillRef>
-          <a:effectRef idx="1">
-            <a:schemeClr val="accent1"/>
-          </a:effectRef>
-          <a:fontRef idx="minor">
-            <a:schemeClr val="tx1"/>
-          </a:fontRef>
-        </p:style>
-      </p:cxnSp>
-      <p:sp>
-        <p:nvSpPr>
-          <p:cNvPr id="54" name="Oval 53"/>
-          <p:cNvSpPr/>
-          <p:nvPr/>
-        </p:nvSpPr>
-        <p:spPr>
-          <a:xfrm>
-            <a:off x="7292632" y="4060844"/>
-            <a:ext cx="235693" cy="235693"/>
-          </a:xfrm>
-          <a:prstGeom prst="ellipse">
-            <a:avLst/>
-          </a:prstGeom>
-          <a:noFill/>
-          <a:ln w="60325">
-            <a:solidFill>
-              <a:srgbClr val="FF3C18"/>
-            </a:solidFill>
-          </a:ln>
-          <a:effectLst/>
-        </p:spPr>
-        <p:style>
-          <a:lnRef idx="1">
-            <a:schemeClr val="accent1"/>
-          </a:lnRef>
-          <a:fillRef idx="3">
-            <a:schemeClr val="accent1"/>
-          </a:fillRef>
-          <a:effectRef idx="2">
-            <a:schemeClr val="accent1"/>
-          </a:effectRef>
-          <a:fontRef idx="minor">
-            <a:schemeClr val="lt1"/>
-          </a:fontRef>
-        </p:style>
-        <p:txBody>
-          <a:bodyPr rtlCol="0" anchor="ctr"/>
-          <a:lstStyle/>
-          <a:p>
-            <a:pPr algn="ctr"/>
-            <a:endParaRPr lang="en-US"/>
-          </a:p>
-        </p:txBody>
-      </p:sp>
-      <p:sp>
-        <p:nvSpPr>
-          <p:cNvPr id="55" name="TextBox 54"/>
-          <p:cNvSpPr txBox="1"/>
-          <p:nvPr/>
-        </p:nvSpPr>
-        <p:spPr>
-          <a:xfrm>
-            <a:off x="6939592" y="2568899"/>
-            <a:ext cx="1048685" cy="369332"/>
-          </a:xfrm>
-          <a:prstGeom prst="rect">
-            <a:avLst/>
-          </a:prstGeom>
-          <a:noFill/>
-        </p:spPr>
-        <p:txBody>
-          <a:bodyPr wrap="none" rtlCol="0">
-            <a:spAutoFit/>
-          </a:bodyPr>
-          <a:lstStyle/>
-          <a:p>
-            <a:r>
-              <a:rPr lang="en-US" smtClean="0">
-                <a:solidFill>
-                  <a:schemeClr val="bg1">
-                    <a:lumMod val="50000"/>
-                  </a:schemeClr>
-                </a:solidFill>
-                <a:latin typeface="Gill Sans"/>
-                <a:cs typeface="Gill Sans"/>
-              </a:rPr>
-              <a:t>Update </a:t>
-            </a:r>
-            <a:r>
-              <a:rPr lang="en-US" smtClean="0">
+          </p:spPr>
+          <p:txBody>
+            <a:bodyPr wrap="none" rtlCol="0">
+              <a:spAutoFit/>
+            </a:bodyPr>
+            <a:lstStyle/>
+            <a:p>
+              <a:r>
+                <a:rPr lang="en-US" smtClean="0">
+                  <a:solidFill>
+                    <a:schemeClr val="bg1">
+                      <a:lumMod val="50000"/>
+                    </a:schemeClr>
+                  </a:solidFill>
+                  <a:latin typeface="Gill Sans"/>
+                  <a:cs typeface="Gill Sans"/>
+                </a:rPr>
+                <a:t>Update </a:t>
+              </a:r>
+              <a:r>
+                <a:rPr lang="en-US" smtClean="0">
+                  <a:solidFill>
+                    <a:schemeClr val="bg1">
+                      <a:lumMod val="50000"/>
+                    </a:schemeClr>
+                  </a:solidFill>
+                  <a:latin typeface="Achilles" charset="0"/>
+                  <a:ea typeface="Achilles" charset="0"/>
+                  <a:cs typeface="Achilles" charset="0"/>
+                </a:rPr>
+                <a:t>y</a:t>
+              </a:r>
+              <a:endParaRPr lang="en-US" dirty="0" smtClean="0">
                 <a:solidFill>
                   <a:schemeClr val="bg1">
                     <a:lumMod val="50000"/>
@@ -10859,191 +10885,180 @@
                 <a:latin typeface="Achilles" charset="0"/>
                 <a:ea typeface="Achilles" charset="0"/>
                 <a:cs typeface="Achilles" charset="0"/>
-              </a:rPr>
-              <a:t>y</a:t>
-            </a:r>
-            <a:endParaRPr lang="en-US" dirty="0" smtClean="0">
-              <a:solidFill>
-                <a:schemeClr val="bg1">
-                  <a:lumMod val="50000"/>
-                </a:schemeClr>
-              </a:solidFill>
-              <a:latin typeface="Achilles" charset="0"/>
-              <a:ea typeface="Achilles" charset="0"/>
-              <a:cs typeface="Achilles" charset="0"/>
-            </a:endParaRPr>
-          </a:p>
-        </p:txBody>
-      </p:sp>
-      <p:sp>
-        <p:nvSpPr>
-          <p:cNvPr id="2" name="TextBox 1"/>
-          <p:cNvSpPr txBox="1"/>
-          <p:nvPr/>
-        </p:nvSpPr>
-        <p:spPr>
-          <a:xfrm>
-            <a:off x="937371" y="5128823"/>
-            <a:ext cx="4087081" cy="461665"/>
-          </a:xfrm>
-          <a:prstGeom prst="rect">
-            <a:avLst/>
-          </a:prstGeom>
-          <a:noFill/>
-        </p:spPr>
-        <p:txBody>
-          <a:bodyPr wrap="none" rtlCol="0">
-            <a:spAutoFit/>
-          </a:bodyPr>
-          <a:lstStyle/>
-          <a:p>
-            <a:r>
-              <a:rPr lang="en-US" sz="2400" dirty="0" smtClean="0">
+              </a:endParaRPr>
+            </a:p>
+          </p:txBody>
+        </p:sp>
+        <p:sp>
+          <p:nvSpPr>
+            <p:cNvPr id="2" name="TextBox 1"/>
+            <p:cNvSpPr txBox="1"/>
+            <p:nvPr/>
+          </p:nvSpPr>
+          <p:spPr>
+            <a:xfrm>
+              <a:off x="937371" y="5128823"/>
+              <a:ext cx="4087081" cy="461665"/>
+            </a:xfrm>
+            <a:prstGeom prst="rect">
+              <a:avLst/>
+            </a:prstGeom>
+            <a:noFill/>
+          </p:spPr>
+          <p:txBody>
+            <a:bodyPr wrap="none" rtlCol="0">
+              <a:spAutoFit/>
+            </a:bodyPr>
+            <a:lstStyle/>
+            <a:p>
+              <a:r>
+                <a:rPr lang="en-US" sz="2400" dirty="0" smtClean="0">
+                  <a:latin typeface="Times New Roman" charset="0"/>
+                  <a:ea typeface="Times New Roman" charset="0"/>
+                  <a:cs typeface="Times New Roman" charset="0"/>
+                </a:rPr>
+                <a:t>(A) Before </a:t>
+              </a:r>
+              <a:r>
+                <a:rPr lang="en-US" sz="2400" dirty="0" err="1" smtClean="0">
+                  <a:latin typeface="Times New Roman" charset="0"/>
+                  <a:ea typeface="Times New Roman" charset="0"/>
+                  <a:cs typeface="Times New Roman" charset="0"/>
+                </a:rPr>
+                <a:t>ActiveClean</a:t>
+              </a:r>
+              <a:r>
+                <a:rPr lang="en-US" sz="2400" dirty="0" smtClean="0">
+                  <a:latin typeface="Times New Roman" charset="0"/>
+                  <a:ea typeface="Times New Roman" charset="0"/>
+                  <a:cs typeface="Times New Roman" charset="0"/>
+                </a:rPr>
+                <a:t> Update</a:t>
+              </a:r>
+              <a:endParaRPr lang="en-US" sz="2400" dirty="0">
                 <a:latin typeface="Times New Roman" charset="0"/>
                 <a:ea typeface="Times New Roman" charset="0"/>
                 <a:cs typeface="Times New Roman" charset="0"/>
-              </a:rPr>
-              <a:t>(A) Before </a:t>
-            </a:r>
-            <a:r>
-              <a:rPr lang="en-US" sz="2400" dirty="0" err="1" smtClean="0">
+              </a:endParaRPr>
+            </a:p>
+          </p:txBody>
+        </p:sp>
+        <p:sp>
+          <p:nvSpPr>
+            <p:cNvPr id="32" name="TextBox 31"/>
+            <p:cNvSpPr txBox="1"/>
+            <p:nvPr/>
+          </p:nvSpPr>
+          <p:spPr>
+            <a:xfrm>
+              <a:off x="5470113" y="5126093"/>
+              <a:ext cx="3864969" cy="461665"/>
+            </a:xfrm>
+            <a:prstGeom prst="rect">
+              <a:avLst/>
+            </a:prstGeom>
+            <a:noFill/>
+          </p:spPr>
+          <p:txBody>
+            <a:bodyPr wrap="none" rtlCol="0">
+              <a:spAutoFit/>
+            </a:bodyPr>
+            <a:lstStyle/>
+            <a:p>
+              <a:r>
+                <a:rPr lang="en-US" sz="2400" dirty="0" smtClean="0">
+                  <a:latin typeface="Times New Roman" charset="0"/>
+                  <a:ea typeface="Times New Roman" charset="0"/>
+                  <a:cs typeface="Times New Roman" charset="0"/>
+                </a:rPr>
+                <a:t>(B) After </a:t>
+              </a:r>
+              <a:r>
+                <a:rPr lang="en-US" sz="2400" dirty="0" err="1" smtClean="0">
+                  <a:latin typeface="Times New Roman" charset="0"/>
+                  <a:ea typeface="Times New Roman" charset="0"/>
+                  <a:cs typeface="Times New Roman" charset="0"/>
+                </a:rPr>
+                <a:t>ActiveClean</a:t>
+              </a:r>
+              <a:r>
+                <a:rPr lang="en-US" sz="2400" dirty="0" smtClean="0">
+                  <a:latin typeface="Times New Roman" charset="0"/>
+                  <a:ea typeface="Times New Roman" charset="0"/>
+                  <a:cs typeface="Times New Roman" charset="0"/>
+                </a:rPr>
+                <a:t> Update</a:t>
+              </a:r>
+              <a:endParaRPr lang="en-US" sz="2400" dirty="0">
                 <a:latin typeface="Times New Roman" charset="0"/>
                 <a:ea typeface="Times New Roman" charset="0"/>
                 <a:cs typeface="Times New Roman" charset="0"/>
-              </a:rPr>
-              <a:t>ActiveClean</a:t>
-            </a:r>
-            <a:r>
-              <a:rPr lang="en-US" sz="2400" dirty="0" smtClean="0">
-                <a:latin typeface="Times New Roman" charset="0"/>
-                <a:ea typeface="Times New Roman" charset="0"/>
-                <a:cs typeface="Times New Roman" charset="0"/>
-              </a:rPr>
-              <a:t> Update</a:t>
-            </a:r>
-            <a:endParaRPr lang="en-US" sz="2400" dirty="0">
-              <a:latin typeface="Times New Roman" charset="0"/>
-              <a:ea typeface="Times New Roman" charset="0"/>
-              <a:cs typeface="Times New Roman" charset="0"/>
-            </a:endParaRPr>
-          </a:p>
-        </p:txBody>
-      </p:sp>
-      <p:sp>
-        <p:nvSpPr>
-          <p:cNvPr id="32" name="TextBox 31"/>
-          <p:cNvSpPr txBox="1"/>
-          <p:nvPr/>
-        </p:nvSpPr>
-        <p:spPr>
-          <a:xfrm>
-            <a:off x="5470113" y="5126093"/>
-            <a:ext cx="3864969" cy="461665"/>
-          </a:xfrm>
-          <a:prstGeom prst="rect">
-            <a:avLst/>
-          </a:prstGeom>
-          <a:noFill/>
-        </p:spPr>
-        <p:txBody>
-          <a:bodyPr wrap="none" rtlCol="0">
-            <a:spAutoFit/>
-          </a:bodyPr>
-          <a:lstStyle/>
-          <a:p>
-            <a:r>
-              <a:rPr lang="en-US" sz="2400" dirty="0" smtClean="0">
-                <a:latin typeface="Times New Roman" charset="0"/>
-                <a:ea typeface="Times New Roman" charset="0"/>
-                <a:cs typeface="Times New Roman" charset="0"/>
-              </a:rPr>
-              <a:t>(B) After </a:t>
-            </a:r>
-            <a:r>
-              <a:rPr lang="en-US" sz="2400" dirty="0" err="1" smtClean="0">
-                <a:latin typeface="Times New Roman" charset="0"/>
-                <a:ea typeface="Times New Roman" charset="0"/>
-                <a:cs typeface="Times New Roman" charset="0"/>
-              </a:rPr>
-              <a:t>ActiveClean</a:t>
-            </a:r>
-            <a:r>
-              <a:rPr lang="en-US" sz="2400" dirty="0" smtClean="0">
-                <a:latin typeface="Times New Roman" charset="0"/>
-                <a:ea typeface="Times New Roman" charset="0"/>
-                <a:cs typeface="Times New Roman" charset="0"/>
-              </a:rPr>
-              <a:t> Update</a:t>
-            </a:r>
-            <a:endParaRPr lang="en-US" sz="2400" dirty="0">
-              <a:latin typeface="Times New Roman" charset="0"/>
-              <a:ea typeface="Times New Roman" charset="0"/>
-              <a:cs typeface="Times New Roman" charset="0"/>
-            </a:endParaRPr>
-          </a:p>
-        </p:txBody>
-      </p:sp>
-      <p:sp>
-        <p:nvSpPr>
-          <p:cNvPr id="23" name="TextBox 22"/>
-          <p:cNvSpPr txBox="1"/>
-          <p:nvPr/>
-        </p:nvSpPr>
-        <p:spPr>
-          <a:xfrm>
-            <a:off x="1893959" y="2291900"/>
-            <a:ext cx="1330621" cy="646331"/>
-          </a:xfrm>
-          <a:prstGeom prst="rect">
-            <a:avLst/>
-          </a:prstGeom>
-          <a:solidFill>
-            <a:schemeClr val="bg1"/>
-          </a:solidFill>
-        </p:spPr>
-        <p:txBody>
-          <a:bodyPr wrap="none" rtlCol="0">
-            <a:spAutoFit/>
-          </a:bodyPr>
-          <a:lstStyle/>
-          <a:p>
-            <a:pPr algn="ctr"/>
-            <a:r>
-              <a:rPr lang="en-US" dirty="0" smtClean="0">
+              </a:endParaRPr>
+            </a:p>
+          </p:txBody>
+        </p:sp>
+        <p:sp>
+          <p:nvSpPr>
+            <p:cNvPr id="23" name="TextBox 22"/>
+            <p:cNvSpPr txBox="1"/>
+            <p:nvPr/>
+          </p:nvSpPr>
+          <p:spPr>
+            <a:xfrm>
+              <a:off x="1893959" y="2291900"/>
+              <a:ext cx="1330621" cy="646331"/>
+            </a:xfrm>
+            <a:prstGeom prst="rect">
+              <a:avLst/>
+            </a:prstGeom>
+            <a:solidFill>
+              <a:schemeClr val="bg1"/>
+            </a:solidFill>
+          </p:spPr>
+          <p:txBody>
+            <a:bodyPr wrap="none" rtlCol="0">
+              <a:spAutoFit/>
+            </a:bodyPr>
+            <a:lstStyle/>
+            <a:p>
+              <a:pPr algn="ctr"/>
+              <a:r>
+                <a:rPr lang="en-US" dirty="0" smtClean="0">
+                  <a:solidFill>
+                    <a:srgbClr val="FF3C18"/>
+                  </a:solidFill>
+                  <a:latin typeface="Gill Sans" charset="0"/>
+                  <a:ea typeface="Gill Sans" charset="0"/>
+                  <a:cs typeface="Gill Sans" charset="0"/>
+                </a:rPr>
+                <a:t>Dirty model</a:t>
+              </a:r>
+            </a:p>
+            <a:p>
+              <a:pPr algn="ctr"/>
+              <a:r>
+                <a:rPr lang="en-US" dirty="0" smtClean="0">
+                  <a:solidFill>
+                    <a:srgbClr val="FF3C18"/>
+                  </a:solidFill>
+                  <a:latin typeface="Gill Sans" charset="0"/>
+                  <a:ea typeface="Gill Sans" charset="0"/>
+                  <a:cs typeface="Gill Sans" charset="0"/>
+                </a:rPr>
+                <a:t>(projected)</a:t>
+              </a:r>
+              <a:endParaRPr lang="en-US" dirty="0">
                 <a:solidFill>
                   <a:srgbClr val="FF3C18"/>
                 </a:solidFill>
                 <a:latin typeface="Gill Sans" charset="0"/>
                 <a:ea typeface="Gill Sans" charset="0"/>
                 <a:cs typeface="Gill Sans" charset="0"/>
-              </a:rPr>
-              <a:t>Dirty model</a:t>
-            </a:r>
-          </a:p>
-          <a:p>
-            <a:pPr algn="ctr"/>
-            <a:r>
-              <a:rPr lang="en-US" dirty="0" smtClean="0">
-                <a:solidFill>
-                  <a:srgbClr val="FF3C18"/>
-                </a:solidFill>
-                <a:latin typeface="Gill Sans" charset="0"/>
-                <a:ea typeface="Gill Sans" charset="0"/>
-                <a:cs typeface="Gill Sans" charset="0"/>
-              </a:rPr>
-              <a:t>(projected)</a:t>
-            </a:r>
-            <a:endParaRPr lang="en-US" dirty="0">
-              <a:solidFill>
-                <a:srgbClr val="FF3C18"/>
-              </a:solidFill>
-              <a:latin typeface="Gill Sans" charset="0"/>
-              <a:ea typeface="Gill Sans" charset="0"/>
-              <a:cs typeface="Gill Sans" charset="0"/>
-            </a:endParaRPr>
-          </a:p>
-        </p:txBody>
-      </p:sp>
+              </a:endParaRPr>
+            </a:p>
+          </p:txBody>
+        </p:sp>
+      </p:grpSp>
     </p:spTree>
     <p:extLst>
       <p:ext uri="{BB962C8B-B14F-4D97-AF65-F5344CB8AC3E}">

--- a/figs/figs.pptx
+++ b/figs/figs.pptx
@@ -5,7 +5,7 @@
     <p:sldMasterId id="2147483648" r:id="rId1"/>
   </p:sldMasterIdLst>
   <p:notesMasterIdLst>
-    <p:notesMasterId r:id="rId18"/>
+    <p:notesMasterId r:id="rId19"/>
   </p:notesMasterIdLst>
   <p:sldIdLst>
     <p:sldId id="256" r:id="rId2"/>
@@ -24,6 +24,7 @@
     <p:sldId id="271" r:id="rId15"/>
     <p:sldId id="269" r:id="rId16"/>
     <p:sldId id="270" r:id="rId17"/>
+    <p:sldId id="272" r:id="rId18"/>
   </p:sldIdLst>
   <p:sldSz cx="9144000" cy="6858000" type="screen4x3"/>
   <p:notesSz cx="6858000" cy="9144000"/>
@@ -124,7 +125,7 @@
   </p:defaultTextStyle>
   <p:extLst>
     <p:ext uri="{EFAFB233-063F-42B5-8137-9DF3F51BA10A}">
-      <p15:sldGuideLst xmlns:p15="http://schemas.microsoft.com/office/powerpoint/2012/main" xmlns="">
+      <p15:sldGuideLst xmlns="" xmlns:p15="http://schemas.microsoft.com/office/powerpoint/2012/main">
         <p15:guide id="1" orient="horz" pos="2160">
           <p15:clr>
             <a:srgbClr val="A4A3A4"/>
@@ -223,7 +224,7 @@
           <a:p>
             <a:fld id="{347ECA95-75C3-5E48-946C-F7960CA43F88}" type="datetimeFigureOut">
               <a:rPr lang="en-US" smtClean="0"/>
-              <a:t>10/12/15</a:t>
+              <a:t>1/5/16</a:t>
             </a:fld>
             <a:endParaRPr lang="en-US"/>
           </a:p>
@@ -840,7 +841,7 @@
           <a:p>
             <a:fld id="{73A4B2A3-D9DC-064E-90FE-771C025222F9}" type="datetimeFigureOut">
               <a:rPr lang="en-US" smtClean="0"/>
-              <a:t>10/12/15</a:t>
+              <a:t>1/5/16</a:t>
             </a:fld>
             <a:endParaRPr lang="en-US"/>
           </a:p>
@@ -1010,7 +1011,7 @@
           <a:p>
             <a:fld id="{73A4B2A3-D9DC-064E-90FE-771C025222F9}" type="datetimeFigureOut">
               <a:rPr lang="en-US" smtClean="0"/>
-              <a:t>10/12/15</a:t>
+              <a:t>1/5/16</a:t>
             </a:fld>
             <a:endParaRPr lang="en-US"/>
           </a:p>
@@ -1190,7 +1191,7 @@
           <a:p>
             <a:fld id="{73A4B2A3-D9DC-064E-90FE-771C025222F9}" type="datetimeFigureOut">
               <a:rPr lang="en-US" smtClean="0"/>
-              <a:t>10/12/15</a:t>
+              <a:t>1/5/16</a:t>
             </a:fld>
             <a:endParaRPr lang="en-US"/>
           </a:p>
@@ -1360,7 +1361,7 @@
           <a:p>
             <a:fld id="{73A4B2A3-D9DC-064E-90FE-771C025222F9}" type="datetimeFigureOut">
               <a:rPr lang="en-US" smtClean="0"/>
-              <a:t>10/12/15</a:t>
+              <a:t>1/5/16</a:t>
             </a:fld>
             <a:endParaRPr lang="en-US"/>
           </a:p>
@@ -1606,7 +1607,7 @@
           <a:p>
             <a:fld id="{73A4B2A3-D9DC-064E-90FE-771C025222F9}" type="datetimeFigureOut">
               <a:rPr lang="en-US" smtClean="0"/>
-              <a:t>10/12/15</a:t>
+              <a:t>1/5/16</a:t>
             </a:fld>
             <a:endParaRPr lang="en-US"/>
           </a:p>
@@ -1894,7 +1895,7 @@
           <a:p>
             <a:fld id="{73A4B2A3-D9DC-064E-90FE-771C025222F9}" type="datetimeFigureOut">
               <a:rPr lang="en-US" smtClean="0"/>
-              <a:t>10/12/15</a:t>
+              <a:t>1/5/16</a:t>
             </a:fld>
             <a:endParaRPr lang="en-US"/>
           </a:p>
@@ -2316,7 +2317,7 @@
           <a:p>
             <a:fld id="{73A4B2A3-D9DC-064E-90FE-771C025222F9}" type="datetimeFigureOut">
               <a:rPr lang="en-US" smtClean="0"/>
-              <a:t>10/12/15</a:t>
+              <a:t>1/5/16</a:t>
             </a:fld>
             <a:endParaRPr lang="en-US"/>
           </a:p>
@@ -2434,7 +2435,7 @@
           <a:p>
             <a:fld id="{73A4B2A3-D9DC-064E-90FE-771C025222F9}" type="datetimeFigureOut">
               <a:rPr lang="en-US" smtClean="0"/>
-              <a:t>10/12/15</a:t>
+              <a:t>1/5/16</a:t>
             </a:fld>
             <a:endParaRPr lang="en-US"/>
           </a:p>
@@ -2529,7 +2530,7 @@
           <a:p>
             <a:fld id="{73A4B2A3-D9DC-064E-90FE-771C025222F9}" type="datetimeFigureOut">
               <a:rPr lang="en-US" smtClean="0"/>
-              <a:t>10/12/15</a:t>
+              <a:t>1/5/16</a:t>
             </a:fld>
             <a:endParaRPr lang="en-US"/>
           </a:p>
@@ -2806,7 +2807,7 @@
           <a:p>
             <a:fld id="{73A4B2A3-D9DC-064E-90FE-771C025222F9}" type="datetimeFigureOut">
               <a:rPr lang="en-US" smtClean="0"/>
-              <a:t>10/12/15</a:t>
+              <a:t>1/5/16</a:t>
             </a:fld>
             <a:endParaRPr lang="en-US"/>
           </a:p>
@@ -3059,7 +3060,7 @@
           <a:p>
             <a:fld id="{73A4B2A3-D9DC-064E-90FE-771C025222F9}" type="datetimeFigureOut">
               <a:rPr lang="en-US" smtClean="0"/>
-              <a:t>10/12/15</a:t>
+              <a:t>1/5/16</a:t>
             </a:fld>
             <a:endParaRPr lang="en-US"/>
           </a:p>
@@ -3272,7 +3273,7 @@
           <a:p>
             <a:fld id="{73A4B2A3-D9DC-064E-90FE-771C025222F9}" type="datetimeFigureOut">
               <a:rPr lang="en-US" smtClean="0"/>
-              <a:t>10/12/15</a:t>
+              <a:t>1/5/16</a:t>
             </a:fld>
             <a:endParaRPr lang="en-US"/>
           </a:p>
@@ -14964,6 +14965,2201 @@
 </p:sld>
 </file>
 
+<file path=ppt/slides/slide17.xml><?xml version="1.0" encoding="utf-8"?>
+<p:sld xmlns:a="http://schemas.openxmlformats.org/drawingml/2006/main" xmlns:r="http://schemas.openxmlformats.org/officeDocument/2006/relationships" xmlns:p="http://schemas.openxmlformats.org/presentationml/2006/main">
+  <p:cSld>
+    <p:spTree>
+      <p:nvGrpSpPr>
+        <p:cNvPr id="1" name=""/>
+        <p:cNvGrpSpPr/>
+        <p:nvPr/>
+      </p:nvGrpSpPr>
+      <p:grpSpPr>
+        <a:xfrm>
+          <a:off x="0" y="0"/>
+          <a:ext cx="0" cy="0"/>
+          <a:chOff x="0" y="0"/>
+          <a:chExt cx="0" cy="0"/>
+        </a:xfrm>
+      </p:grpSpPr>
+      <p:grpSp>
+        <p:nvGrpSpPr>
+          <p:cNvPr id="118" name="Group 117"/>
+          <p:cNvGrpSpPr/>
+          <p:nvPr/>
+        </p:nvGrpSpPr>
+        <p:grpSpPr>
+          <a:xfrm>
+            <a:off x="307236" y="775381"/>
+            <a:ext cx="8324819" cy="7994714"/>
+            <a:chOff x="307236" y="775381"/>
+            <a:chExt cx="8324819" cy="7994714"/>
+          </a:xfrm>
+        </p:grpSpPr>
+        <p:cxnSp>
+          <p:nvCxnSpPr>
+            <p:cNvPr id="104" name="Straight Connector 103"/>
+            <p:cNvCxnSpPr/>
+            <p:nvPr/>
+          </p:nvCxnSpPr>
+          <p:spPr>
+            <a:xfrm flipV="1">
+              <a:off x="683406" y="5038978"/>
+              <a:ext cx="1018576" cy="3120698"/>
+            </a:xfrm>
+            <a:prstGeom prst="line">
+              <a:avLst/>
+            </a:prstGeom>
+            <a:ln w="50800">
+              <a:solidFill>
+                <a:srgbClr val="3899FF"/>
+              </a:solidFill>
+            </a:ln>
+            <a:effectLst/>
+          </p:spPr>
+          <p:style>
+            <a:lnRef idx="2">
+              <a:schemeClr val="accent1"/>
+            </a:lnRef>
+            <a:fillRef idx="0">
+              <a:schemeClr val="accent1"/>
+            </a:fillRef>
+            <a:effectRef idx="1">
+              <a:schemeClr val="accent1"/>
+            </a:effectRef>
+            <a:fontRef idx="minor">
+              <a:schemeClr val="tx1"/>
+            </a:fontRef>
+          </p:style>
+        </p:cxnSp>
+        <p:sp>
+          <p:nvSpPr>
+            <p:cNvPr id="6" name="TextBox 5"/>
+            <p:cNvSpPr txBox="1"/>
+            <p:nvPr/>
+          </p:nvSpPr>
+          <p:spPr>
+            <a:xfrm>
+              <a:off x="531165" y="4054044"/>
+              <a:ext cx="2775219" cy="461665"/>
+            </a:xfrm>
+            <a:prstGeom prst="rect">
+              <a:avLst/>
+            </a:prstGeom>
+            <a:noFill/>
+          </p:spPr>
+          <p:txBody>
+            <a:bodyPr wrap="none" rtlCol="0">
+              <a:spAutoFit/>
+            </a:bodyPr>
+            <a:lstStyle/>
+            <a:p>
+              <a:r>
+                <a:rPr lang="en-US" sz="2400" dirty="0" smtClean="0">
+                  <a:latin typeface="Times New Roman" charset="0"/>
+                  <a:ea typeface="Times New Roman" charset="0"/>
+                  <a:cs typeface="Times New Roman" charset="0"/>
+                </a:rPr>
+                <a:t>(Step 1) Train Model</a:t>
+              </a:r>
+              <a:endParaRPr lang="en-US" sz="2400" dirty="0">
+                <a:latin typeface="Times New Roman" charset="0"/>
+                <a:ea typeface="Times New Roman" charset="0"/>
+                <a:cs typeface="Times New Roman" charset="0"/>
+              </a:endParaRPr>
+            </a:p>
+          </p:txBody>
+        </p:sp>
+        <p:cxnSp>
+          <p:nvCxnSpPr>
+            <p:cNvPr id="16" name="Straight Connector 15"/>
+            <p:cNvCxnSpPr/>
+            <p:nvPr/>
+          </p:nvCxnSpPr>
+          <p:spPr>
+            <a:xfrm flipV="1">
+              <a:off x="334260" y="868019"/>
+              <a:ext cx="2375112" cy="3120698"/>
+            </a:xfrm>
+            <a:prstGeom prst="line">
+              <a:avLst/>
+            </a:prstGeom>
+            <a:ln w="50800">
+              <a:solidFill>
+                <a:srgbClr val="FB3A18"/>
+              </a:solidFill>
+            </a:ln>
+            <a:effectLst/>
+          </p:spPr>
+          <p:style>
+            <a:lnRef idx="2">
+              <a:schemeClr val="accent1"/>
+            </a:lnRef>
+            <a:fillRef idx="0">
+              <a:schemeClr val="accent1"/>
+            </a:fillRef>
+            <a:effectRef idx="1">
+              <a:schemeClr val="accent1"/>
+            </a:effectRef>
+            <a:fontRef idx="minor">
+              <a:schemeClr val="tx1"/>
+            </a:fontRef>
+          </p:style>
+        </p:cxnSp>
+        <p:cxnSp>
+          <p:nvCxnSpPr>
+            <p:cNvPr id="28" name="Straight Arrow Connector 27"/>
+            <p:cNvCxnSpPr/>
+            <p:nvPr/>
+          </p:nvCxnSpPr>
+          <p:spPr>
+            <a:xfrm flipV="1">
+              <a:off x="307236" y="897850"/>
+              <a:ext cx="0" cy="3116380"/>
+            </a:xfrm>
+            <a:prstGeom prst="straightConnector1">
+              <a:avLst/>
+            </a:prstGeom>
+            <a:ln w="50800">
+              <a:solidFill>
+                <a:schemeClr val="bg1">
+                  <a:lumMod val="50000"/>
+                </a:schemeClr>
+              </a:solidFill>
+              <a:tailEnd type="triangle"/>
+            </a:ln>
+            <a:effectLst/>
+          </p:spPr>
+          <p:style>
+            <a:lnRef idx="2">
+              <a:schemeClr val="accent1"/>
+            </a:lnRef>
+            <a:fillRef idx="0">
+              <a:schemeClr val="accent1"/>
+            </a:fillRef>
+            <a:effectRef idx="1">
+              <a:schemeClr val="accent1"/>
+            </a:effectRef>
+            <a:fontRef idx="minor">
+              <a:schemeClr val="tx1"/>
+            </a:fontRef>
+          </p:style>
+        </p:cxnSp>
+        <p:cxnSp>
+          <p:nvCxnSpPr>
+            <p:cNvPr id="29" name="Straight Arrow Connector 28"/>
+            <p:cNvCxnSpPr/>
+            <p:nvPr/>
+          </p:nvCxnSpPr>
+          <p:spPr>
+            <a:xfrm flipV="1">
+              <a:off x="307236" y="3992769"/>
+              <a:ext cx="3482804" cy="21461"/>
+            </a:xfrm>
+            <a:prstGeom prst="straightConnector1">
+              <a:avLst/>
+            </a:prstGeom>
+            <a:ln w="50800">
+              <a:solidFill>
+                <a:schemeClr val="bg1">
+                  <a:lumMod val="50000"/>
+                </a:schemeClr>
+              </a:solidFill>
+              <a:tailEnd type="triangle"/>
+            </a:ln>
+            <a:effectLst/>
+          </p:spPr>
+          <p:style>
+            <a:lnRef idx="2">
+              <a:schemeClr val="accent1"/>
+            </a:lnRef>
+            <a:fillRef idx="0">
+              <a:schemeClr val="accent1"/>
+            </a:fillRef>
+            <a:effectRef idx="1">
+              <a:schemeClr val="accent1"/>
+            </a:effectRef>
+            <a:fontRef idx="minor">
+              <a:schemeClr val="tx1"/>
+            </a:fontRef>
+          </p:style>
+        </p:cxnSp>
+        <p:sp>
+          <p:nvSpPr>
+            <p:cNvPr id="34" name="Multiply 33"/>
+            <p:cNvSpPr/>
+            <p:nvPr/>
+          </p:nvSpPr>
+          <p:spPr>
+            <a:xfrm>
+              <a:off x="484237" y="2462171"/>
+              <a:ext cx="405915" cy="405915"/>
+            </a:xfrm>
+            <a:prstGeom prst="mathMultiply">
+              <a:avLst/>
+            </a:prstGeom>
+            <a:solidFill>
+              <a:srgbClr val="FB3A18">
+                <a:alpha val="85098"/>
+              </a:srgbClr>
+            </a:solidFill>
+            <a:ln>
+              <a:noFill/>
+            </a:ln>
+            <a:effectLst/>
+          </p:spPr>
+          <p:style>
+            <a:lnRef idx="1">
+              <a:schemeClr val="accent1"/>
+            </a:lnRef>
+            <a:fillRef idx="3">
+              <a:schemeClr val="accent1"/>
+            </a:fillRef>
+            <a:effectRef idx="2">
+              <a:schemeClr val="accent1"/>
+            </a:effectRef>
+            <a:fontRef idx="minor">
+              <a:schemeClr val="lt1"/>
+            </a:fontRef>
+          </p:style>
+          <p:txBody>
+            <a:bodyPr rtlCol="0" anchor="ctr"/>
+            <a:lstStyle/>
+            <a:p>
+              <a:pPr algn="ctr"/>
+              <a:endParaRPr lang="en-US"/>
+            </a:p>
+          </p:txBody>
+        </p:sp>
+        <p:sp>
+          <p:nvSpPr>
+            <p:cNvPr id="35" name="Multiply 34"/>
+            <p:cNvSpPr/>
+            <p:nvPr/>
+          </p:nvSpPr>
+          <p:spPr>
+            <a:xfrm>
+              <a:off x="536452" y="3095409"/>
+              <a:ext cx="405915" cy="405915"/>
+            </a:xfrm>
+            <a:prstGeom prst="mathMultiply">
+              <a:avLst/>
+            </a:prstGeom>
+            <a:solidFill>
+              <a:srgbClr val="FB3A18">
+                <a:alpha val="85098"/>
+              </a:srgbClr>
+            </a:solidFill>
+            <a:ln>
+              <a:noFill/>
+            </a:ln>
+            <a:effectLst/>
+          </p:spPr>
+          <p:style>
+            <a:lnRef idx="1">
+              <a:schemeClr val="accent1"/>
+            </a:lnRef>
+            <a:fillRef idx="3">
+              <a:schemeClr val="accent1"/>
+            </a:fillRef>
+            <a:effectRef idx="2">
+              <a:schemeClr val="accent1"/>
+            </a:effectRef>
+            <a:fontRef idx="minor">
+              <a:schemeClr val="lt1"/>
+            </a:fontRef>
+          </p:style>
+          <p:txBody>
+            <a:bodyPr rtlCol="0" anchor="ctr"/>
+            <a:lstStyle/>
+            <a:p>
+              <a:pPr algn="ctr"/>
+              <a:endParaRPr lang="en-US"/>
+            </a:p>
+          </p:txBody>
+        </p:sp>
+        <p:sp>
+          <p:nvSpPr>
+            <p:cNvPr id="36" name="Multiply 35"/>
+            <p:cNvSpPr/>
+            <p:nvPr/>
+          </p:nvSpPr>
+          <p:spPr>
+            <a:xfrm>
+              <a:off x="2709372" y="1673949"/>
+              <a:ext cx="405915" cy="405915"/>
+            </a:xfrm>
+            <a:prstGeom prst="mathMultiply">
+              <a:avLst/>
+            </a:prstGeom>
+            <a:solidFill>
+              <a:srgbClr val="FB3A18">
+                <a:alpha val="85098"/>
+              </a:srgbClr>
+            </a:solidFill>
+            <a:ln>
+              <a:noFill/>
+            </a:ln>
+            <a:effectLst/>
+          </p:spPr>
+          <p:style>
+            <a:lnRef idx="1">
+              <a:schemeClr val="accent1"/>
+            </a:lnRef>
+            <a:fillRef idx="3">
+              <a:schemeClr val="accent1"/>
+            </a:fillRef>
+            <a:effectRef idx="2">
+              <a:schemeClr val="accent1"/>
+            </a:effectRef>
+            <a:fontRef idx="minor">
+              <a:schemeClr val="lt1"/>
+            </a:fontRef>
+          </p:style>
+          <p:txBody>
+            <a:bodyPr rtlCol="0" anchor="ctr"/>
+            <a:lstStyle/>
+            <a:p>
+              <a:pPr algn="ctr"/>
+              <a:endParaRPr lang="en-US"/>
+            </a:p>
+          </p:txBody>
+        </p:sp>
+        <p:sp>
+          <p:nvSpPr>
+            <p:cNvPr id="37" name="Multiply 36"/>
+            <p:cNvSpPr/>
+            <p:nvPr/>
+          </p:nvSpPr>
+          <p:spPr>
+            <a:xfrm>
+              <a:off x="1047237" y="3223443"/>
+              <a:ext cx="405915" cy="405915"/>
+            </a:xfrm>
+            <a:prstGeom prst="mathMultiply">
+              <a:avLst/>
+            </a:prstGeom>
+            <a:solidFill>
+              <a:srgbClr val="FB3A18">
+                <a:alpha val="85098"/>
+              </a:srgbClr>
+            </a:solidFill>
+            <a:ln>
+              <a:noFill/>
+            </a:ln>
+            <a:effectLst/>
+          </p:spPr>
+          <p:style>
+            <a:lnRef idx="1">
+              <a:schemeClr val="accent1"/>
+            </a:lnRef>
+            <a:fillRef idx="3">
+              <a:schemeClr val="accent1"/>
+            </a:fillRef>
+            <a:effectRef idx="2">
+              <a:schemeClr val="accent1"/>
+            </a:effectRef>
+            <a:fontRef idx="minor">
+              <a:schemeClr val="lt1"/>
+            </a:fontRef>
+          </p:style>
+          <p:txBody>
+            <a:bodyPr rtlCol="0" anchor="ctr"/>
+            <a:lstStyle/>
+            <a:p>
+              <a:pPr algn="ctr"/>
+              <a:endParaRPr lang="en-US"/>
+            </a:p>
+          </p:txBody>
+        </p:sp>
+        <p:sp>
+          <p:nvSpPr>
+            <p:cNvPr id="38" name="Multiply 37"/>
+            <p:cNvSpPr/>
+            <p:nvPr/>
+          </p:nvSpPr>
+          <p:spPr>
+            <a:xfrm>
+              <a:off x="1296067" y="2363402"/>
+              <a:ext cx="405915" cy="405915"/>
+            </a:xfrm>
+            <a:prstGeom prst="mathMultiply">
+              <a:avLst/>
+            </a:prstGeom>
+            <a:solidFill>
+              <a:srgbClr val="FB3A18">
+                <a:alpha val="85098"/>
+              </a:srgbClr>
+            </a:solidFill>
+            <a:ln>
+              <a:noFill/>
+            </a:ln>
+            <a:effectLst/>
+          </p:spPr>
+          <p:style>
+            <a:lnRef idx="1">
+              <a:schemeClr val="accent1"/>
+            </a:lnRef>
+            <a:fillRef idx="3">
+              <a:schemeClr val="accent1"/>
+            </a:fillRef>
+            <a:effectRef idx="2">
+              <a:schemeClr val="accent1"/>
+            </a:effectRef>
+            <a:fontRef idx="minor">
+              <a:schemeClr val="lt1"/>
+            </a:fontRef>
+          </p:style>
+          <p:txBody>
+            <a:bodyPr rtlCol="0" anchor="ctr"/>
+            <a:lstStyle/>
+            <a:p>
+              <a:pPr algn="ctr"/>
+              <a:endParaRPr lang="en-US"/>
+            </a:p>
+          </p:txBody>
+        </p:sp>
+        <p:sp>
+          <p:nvSpPr>
+            <p:cNvPr id="52" name="Multiply 51"/>
+            <p:cNvSpPr/>
+            <p:nvPr/>
+          </p:nvSpPr>
+          <p:spPr>
+            <a:xfrm>
+              <a:off x="2056490" y="1752826"/>
+              <a:ext cx="405915" cy="405915"/>
+            </a:xfrm>
+            <a:prstGeom prst="mathMultiply">
+              <a:avLst/>
+            </a:prstGeom>
+            <a:solidFill>
+              <a:srgbClr val="FB3A18">
+                <a:alpha val="85098"/>
+              </a:srgbClr>
+            </a:solidFill>
+            <a:ln>
+              <a:noFill/>
+            </a:ln>
+            <a:effectLst/>
+          </p:spPr>
+          <p:style>
+            <a:lnRef idx="1">
+              <a:schemeClr val="accent1"/>
+            </a:lnRef>
+            <a:fillRef idx="3">
+              <a:schemeClr val="accent1"/>
+            </a:fillRef>
+            <a:effectRef idx="2">
+              <a:schemeClr val="accent1"/>
+            </a:effectRef>
+            <a:fontRef idx="minor">
+              <a:schemeClr val="lt1"/>
+            </a:fontRef>
+          </p:style>
+          <p:txBody>
+            <a:bodyPr rtlCol="0" anchor="ctr"/>
+            <a:lstStyle/>
+            <a:p>
+              <a:pPr algn="ctr"/>
+              <a:endParaRPr lang="en-US"/>
+            </a:p>
+          </p:txBody>
+        </p:sp>
+        <p:sp>
+          <p:nvSpPr>
+            <p:cNvPr id="53" name="TextBox 52"/>
+            <p:cNvSpPr txBox="1"/>
+            <p:nvPr/>
+          </p:nvSpPr>
+          <p:spPr>
+            <a:xfrm>
+              <a:off x="4464027" y="4015002"/>
+              <a:ext cx="4168028" cy="461665"/>
+            </a:xfrm>
+            <a:prstGeom prst="rect">
+              <a:avLst/>
+            </a:prstGeom>
+            <a:noFill/>
+          </p:spPr>
+          <p:txBody>
+            <a:bodyPr wrap="none" rtlCol="0">
+              <a:spAutoFit/>
+            </a:bodyPr>
+            <a:lstStyle/>
+            <a:p>
+              <a:r>
+                <a:rPr lang="en-US" sz="2400" dirty="0" smtClean="0">
+                  <a:latin typeface="Times New Roman" charset="0"/>
+                  <a:ea typeface="Times New Roman" charset="0"/>
+                  <a:cs typeface="Times New Roman" charset="0"/>
+                </a:rPr>
+                <a:t>(Step 2) Identify Possible Errors</a:t>
+              </a:r>
+              <a:endParaRPr lang="en-US" sz="2400" dirty="0">
+                <a:latin typeface="Times New Roman" charset="0"/>
+                <a:ea typeface="Times New Roman" charset="0"/>
+                <a:cs typeface="Times New Roman" charset="0"/>
+              </a:endParaRPr>
+            </a:p>
+          </p:txBody>
+        </p:sp>
+        <p:cxnSp>
+          <p:nvCxnSpPr>
+            <p:cNvPr id="54" name="Straight Connector 53"/>
+            <p:cNvCxnSpPr/>
+            <p:nvPr/>
+          </p:nvCxnSpPr>
+          <p:spPr>
+            <a:xfrm flipV="1">
+              <a:off x="4825811" y="775381"/>
+              <a:ext cx="2375112" cy="3120698"/>
+            </a:xfrm>
+            <a:prstGeom prst="line">
+              <a:avLst/>
+            </a:prstGeom>
+            <a:ln w="50800">
+              <a:solidFill>
+                <a:srgbClr val="FB3A18"/>
+              </a:solidFill>
+            </a:ln>
+            <a:effectLst/>
+          </p:spPr>
+          <p:style>
+            <a:lnRef idx="2">
+              <a:schemeClr val="accent1"/>
+            </a:lnRef>
+            <a:fillRef idx="0">
+              <a:schemeClr val="accent1"/>
+            </a:fillRef>
+            <a:effectRef idx="1">
+              <a:schemeClr val="accent1"/>
+            </a:effectRef>
+            <a:fontRef idx="minor">
+              <a:schemeClr val="tx1"/>
+            </a:fontRef>
+          </p:style>
+        </p:cxnSp>
+        <p:cxnSp>
+          <p:nvCxnSpPr>
+            <p:cNvPr id="55" name="Straight Arrow Connector 54"/>
+            <p:cNvCxnSpPr/>
+            <p:nvPr/>
+          </p:nvCxnSpPr>
+          <p:spPr>
+            <a:xfrm flipV="1">
+              <a:off x="4798787" y="805212"/>
+              <a:ext cx="0" cy="3116380"/>
+            </a:xfrm>
+            <a:prstGeom prst="straightConnector1">
+              <a:avLst/>
+            </a:prstGeom>
+            <a:ln w="50800">
+              <a:solidFill>
+                <a:schemeClr val="bg1">
+                  <a:lumMod val="50000"/>
+                </a:schemeClr>
+              </a:solidFill>
+              <a:tailEnd type="triangle"/>
+            </a:ln>
+            <a:effectLst/>
+          </p:spPr>
+          <p:style>
+            <a:lnRef idx="2">
+              <a:schemeClr val="accent1"/>
+            </a:lnRef>
+            <a:fillRef idx="0">
+              <a:schemeClr val="accent1"/>
+            </a:fillRef>
+            <a:effectRef idx="1">
+              <a:schemeClr val="accent1"/>
+            </a:effectRef>
+            <a:fontRef idx="minor">
+              <a:schemeClr val="tx1"/>
+            </a:fontRef>
+          </p:style>
+        </p:cxnSp>
+        <p:cxnSp>
+          <p:nvCxnSpPr>
+            <p:cNvPr id="56" name="Straight Arrow Connector 55"/>
+            <p:cNvCxnSpPr/>
+            <p:nvPr/>
+          </p:nvCxnSpPr>
+          <p:spPr>
+            <a:xfrm flipV="1">
+              <a:off x="4798787" y="3900131"/>
+              <a:ext cx="3482804" cy="21461"/>
+            </a:xfrm>
+            <a:prstGeom prst="straightConnector1">
+              <a:avLst/>
+            </a:prstGeom>
+            <a:ln w="50800">
+              <a:solidFill>
+                <a:schemeClr val="bg1">
+                  <a:lumMod val="50000"/>
+                </a:schemeClr>
+              </a:solidFill>
+              <a:tailEnd type="triangle"/>
+            </a:ln>
+            <a:effectLst/>
+          </p:spPr>
+          <p:style>
+            <a:lnRef idx="2">
+              <a:schemeClr val="accent1"/>
+            </a:lnRef>
+            <a:fillRef idx="0">
+              <a:schemeClr val="accent1"/>
+            </a:fillRef>
+            <a:effectRef idx="1">
+              <a:schemeClr val="accent1"/>
+            </a:effectRef>
+            <a:fontRef idx="minor">
+              <a:schemeClr val="tx1"/>
+            </a:fontRef>
+          </p:style>
+        </p:cxnSp>
+        <p:sp>
+          <p:nvSpPr>
+            <p:cNvPr id="57" name="Multiply 56"/>
+            <p:cNvSpPr/>
+            <p:nvPr/>
+          </p:nvSpPr>
+          <p:spPr>
+            <a:xfrm>
+              <a:off x="4975788" y="2369533"/>
+              <a:ext cx="405915" cy="405915"/>
+            </a:xfrm>
+            <a:prstGeom prst="mathMultiply">
+              <a:avLst/>
+            </a:prstGeom>
+            <a:solidFill>
+              <a:srgbClr val="FB3A18">
+                <a:alpha val="85098"/>
+              </a:srgbClr>
+            </a:solidFill>
+            <a:ln>
+              <a:noFill/>
+            </a:ln>
+            <a:effectLst/>
+          </p:spPr>
+          <p:style>
+            <a:lnRef idx="1">
+              <a:schemeClr val="accent1"/>
+            </a:lnRef>
+            <a:fillRef idx="3">
+              <a:schemeClr val="accent1"/>
+            </a:fillRef>
+            <a:effectRef idx="2">
+              <a:schemeClr val="accent1"/>
+            </a:effectRef>
+            <a:fontRef idx="minor">
+              <a:schemeClr val="lt1"/>
+            </a:fontRef>
+          </p:style>
+          <p:txBody>
+            <a:bodyPr rtlCol="0" anchor="ctr"/>
+            <a:lstStyle/>
+            <a:p>
+              <a:pPr algn="ctr"/>
+              <a:endParaRPr lang="en-US"/>
+            </a:p>
+          </p:txBody>
+        </p:sp>
+        <p:sp>
+          <p:nvSpPr>
+            <p:cNvPr id="58" name="Multiply 57"/>
+            <p:cNvSpPr/>
+            <p:nvPr/>
+          </p:nvSpPr>
+          <p:spPr>
+            <a:xfrm>
+              <a:off x="5028003" y="3002771"/>
+              <a:ext cx="405915" cy="405915"/>
+            </a:xfrm>
+            <a:prstGeom prst="mathMultiply">
+              <a:avLst/>
+            </a:prstGeom>
+            <a:solidFill>
+              <a:srgbClr val="FB3A18">
+                <a:alpha val="85098"/>
+              </a:srgbClr>
+            </a:solidFill>
+            <a:ln>
+              <a:noFill/>
+            </a:ln>
+            <a:effectLst/>
+          </p:spPr>
+          <p:style>
+            <a:lnRef idx="1">
+              <a:schemeClr val="accent1"/>
+            </a:lnRef>
+            <a:fillRef idx="3">
+              <a:schemeClr val="accent1"/>
+            </a:fillRef>
+            <a:effectRef idx="2">
+              <a:schemeClr val="accent1"/>
+            </a:effectRef>
+            <a:fontRef idx="minor">
+              <a:schemeClr val="lt1"/>
+            </a:fontRef>
+          </p:style>
+          <p:txBody>
+            <a:bodyPr rtlCol="0" anchor="ctr"/>
+            <a:lstStyle/>
+            <a:p>
+              <a:pPr algn="ctr"/>
+              <a:endParaRPr lang="en-US"/>
+            </a:p>
+          </p:txBody>
+        </p:sp>
+        <p:sp>
+          <p:nvSpPr>
+            <p:cNvPr id="59" name="Multiply 58"/>
+            <p:cNvSpPr/>
+            <p:nvPr/>
+          </p:nvSpPr>
+          <p:spPr>
+            <a:xfrm>
+              <a:off x="7200923" y="1581311"/>
+              <a:ext cx="405915" cy="405915"/>
+            </a:xfrm>
+            <a:prstGeom prst="mathMultiply">
+              <a:avLst/>
+            </a:prstGeom>
+            <a:solidFill>
+              <a:schemeClr val="tx1">
+                <a:alpha val="85098"/>
+              </a:schemeClr>
+            </a:solidFill>
+            <a:ln>
+              <a:noFill/>
+            </a:ln>
+            <a:effectLst/>
+          </p:spPr>
+          <p:style>
+            <a:lnRef idx="1">
+              <a:schemeClr val="accent1"/>
+            </a:lnRef>
+            <a:fillRef idx="3">
+              <a:schemeClr val="accent1"/>
+            </a:fillRef>
+            <a:effectRef idx="2">
+              <a:schemeClr val="accent1"/>
+            </a:effectRef>
+            <a:fontRef idx="minor">
+              <a:schemeClr val="lt1"/>
+            </a:fontRef>
+          </p:style>
+          <p:txBody>
+            <a:bodyPr rtlCol="0" anchor="ctr"/>
+            <a:lstStyle/>
+            <a:p>
+              <a:pPr algn="ctr"/>
+              <a:endParaRPr lang="en-US"/>
+            </a:p>
+          </p:txBody>
+        </p:sp>
+        <p:sp>
+          <p:nvSpPr>
+            <p:cNvPr id="60" name="Multiply 59"/>
+            <p:cNvSpPr/>
+            <p:nvPr/>
+          </p:nvSpPr>
+          <p:spPr>
+            <a:xfrm>
+              <a:off x="5538788" y="3130805"/>
+              <a:ext cx="405915" cy="405915"/>
+            </a:xfrm>
+            <a:prstGeom prst="mathMultiply">
+              <a:avLst/>
+            </a:prstGeom>
+            <a:solidFill>
+              <a:srgbClr val="FB3A18">
+                <a:alpha val="85098"/>
+              </a:srgbClr>
+            </a:solidFill>
+            <a:ln>
+              <a:noFill/>
+            </a:ln>
+            <a:effectLst/>
+          </p:spPr>
+          <p:style>
+            <a:lnRef idx="1">
+              <a:schemeClr val="accent1"/>
+            </a:lnRef>
+            <a:fillRef idx="3">
+              <a:schemeClr val="accent1"/>
+            </a:fillRef>
+            <a:effectRef idx="2">
+              <a:schemeClr val="accent1"/>
+            </a:effectRef>
+            <a:fontRef idx="minor">
+              <a:schemeClr val="lt1"/>
+            </a:fontRef>
+          </p:style>
+          <p:txBody>
+            <a:bodyPr rtlCol="0" anchor="ctr"/>
+            <a:lstStyle/>
+            <a:p>
+              <a:pPr algn="ctr"/>
+              <a:endParaRPr lang="en-US"/>
+            </a:p>
+          </p:txBody>
+        </p:sp>
+        <p:sp>
+          <p:nvSpPr>
+            <p:cNvPr id="61" name="Multiply 60"/>
+            <p:cNvSpPr/>
+            <p:nvPr/>
+          </p:nvSpPr>
+          <p:spPr>
+            <a:xfrm>
+              <a:off x="5787618" y="2270764"/>
+              <a:ext cx="405915" cy="405915"/>
+            </a:xfrm>
+            <a:prstGeom prst="mathMultiply">
+              <a:avLst/>
+            </a:prstGeom>
+            <a:solidFill>
+              <a:srgbClr val="FB3A18">
+                <a:alpha val="85098"/>
+              </a:srgbClr>
+            </a:solidFill>
+            <a:ln>
+              <a:noFill/>
+            </a:ln>
+            <a:effectLst/>
+          </p:spPr>
+          <p:style>
+            <a:lnRef idx="1">
+              <a:schemeClr val="accent1"/>
+            </a:lnRef>
+            <a:fillRef idx="3">
+              <a:schemeClr val="accent1"/>
+            </a:fillRef>
+            <a:effectRef idx="2">
+              <a:schemeClr val="accent1"/>
+            </a:effectRef>
+            <a:fontRef idx="minor">
+              <a:schemeClr val="lt1"/>
+            </a:fontRef>
+          </p:style>
+          <p:txBody>
+            <a:bodyPr rtlCol="0" anchor="ctr"/>
+            <a:lstStyle/>
+            <a:p>
+              <a:pPr algn="ctr"/>
+              <a:endParaRPr lang="en-US"/>
+            </a:p>
+          </p:txBody>
+        </p:sp>
+        <p:sp>
+          <p:nvSpPr>
+            <p:cNvPr id="62" name="Multiply 61"/>
+            <p:cNvSpPr/>
+            <p:nvPr/>
+          </p:nvSpPr>
+          <p:spPr>
+            <a:xfrm>
+              <a:off x="6548041" y="1660188"/>
+              <a:ext cx="405915" cy="405915"/>
+            </a:xfrm>
+            <a:prstGeom prst="mathMultiply">
+              <a:avLst/>
+            </a:prstGeom>
+            <a:solidFill>
+              <a:schemeClr val="tx1">
+                <a:alpha val="85098"/>
+              </a:schemeClr>
+            </a:solidFill>
+            <a:ln>
+              <a:noFill/>
+            </a:ln>
+            <a:effectLst/>
+          </p:spPr>
+          <p:style>
+            <a:lnRef idx="1">
+              <a:schemeClr val="accent1"/>
+            </a:lnRef>
+            <a:fillRef idx="3">
+              <a:schemeClr val="accent1"/>
+            </a:fillRef>
+            <a:effectRef idx="2">
+              <a:schemeClr val="accent1"/>
+            </a:effectRef>
+            <a:fontRef idx="minor">
+              <a:schemeClr val="lt1"/>
+            </a:fontRef>
+          </p:style>
+          <p:txBody>
+            <a:bodyPr rtlCol="0" anchor="ctr"/>
+            <a:lstStyle/>
+            <a:p>
+              <a:pPr algn="ctr"/>
+              <a:endParaRPr lang="en-US"/>
+            </a:p>
+          </p:txBody>
+        </p:sp>
+        <p:sp>
+          <p:nvSpPr>
+            <p:cNvPr id="73" name="TextBox 72"/>
+            <p:cNvSpPr txBox="1"/>
+            <p:nvPr/>
+          </p:nvSpPr>
+          <p:spPr>
+            <a:xfrm>
+              <a:off x="4825811" y="8297700"/>
+              <a:ext cx="3398436" cy="461665"/>
+            </a:xfrm>
+            <a:prstGeom prst="rect">
+              <a:avLst/>
+            </a:prstGeom>
+            <a:noFill/>
+          </p:spPr>
+          <p:txBody>
+            <a:bodyPr wrap="none" rtlCol="0">
+              <a:spAutoFit/>
+            </a:bodyPr>
+            <a:lstStyle/>
+            <a:p>
+              <a:r>
+                <a:rPr lang="en-US" sz="2400" dirty="0" smtClean="0">
+                  <a:latin typeface="Times New Roman" charset="0"/>
+                  <a:ea typeface="Times New Roman" charset="0"/>
+                  <a:cs typeface="Times New Roman" charset="0"/>
+                </a:rPr>
+                <a:t>(Step 3) Clean or Remove</a:t>
+              </a:r>
+              <a:endParaRPr lang="en-US" sz="2400" dirty="0">
+                <a:latin typeface="Times New Roman" charset="0"/>
+                <a:ea typeface="Times New Roman" charset="0"/>
+                <a:cs typeface="Times New Roman" charset="0"/>
+              </a:endParaRPr>
+            </a:p>
+          </p:txBody>
+        </p:sp>
+        <p:cxnSp>
+          <p:nvCxnSpPr>
+            <p:cNvPr id="74" name="Straight Connector 73"/>
+            <p:cNvCxnSpPr/>
+            <p:nvPr/>
+          </p:nvCxnSpPr>
+          <p:spPr>
+            <a:xfrm flipV="1">
+              <a:off x="4874822" y="4947476"/>
+              <a:ext cx="2375112" cy="3120698"/>
+            </a:xfrm>
+            <a:prstGeom prst="line">
+              <a:avLst/>
+            </a:prstGeom>
+            <a:ln w="50800">
+              <a:solidFill>
+                <a:srgbClr val="FB3A18"/>
+              </a:solidFill>
+            </a:ln>
+            <a:effectLst/>
+          </p:spPr>
+          <p:style>
+            <a:lnRef idx="2">
+              <a:schemeClr val="accent1"/>
+            </a:lnRef>
+            <a:fillRef idx="0">
+              <a:schemeClr val="accent1"/>
+            </a:fillRef>
+            <a:effectRef idx="1">
+              <a:schemeClr val="accent1"/>
+            </a:effectRef>
+            <a:fontRef idx="minor">
+              <a:schemeClr val="tx1"/>
+            </a:fontRef>
+          </p:style>
+        </p:cxnSp>
+        <p:cxnSp>
+          <p:nvCxnSpPr>
+            <p:cNvPr id="75" name="Straight Arrow Connector 74"/>
+            <p:cNvCxnSpPr/>
+            <p:nvPr/>
+          </p:nvCxnSpPr>
+          <p:spPr>
+            <a:xfrm flipV="1">
+              <a:off x="4847798" y="4977307"/>
+              <a:ext cx="0" cy="3116380"/>
+            </a:xfrm>
+            <a:prstGeom prst="straightConnector1">
+              <a:avLst/>
+            </a:prstGeom>
+            <a:ln w="50800">
+              <a:solidFill>
+                <a:schemeClr val="bg1">
+                  <a:lumMod val="50000"/>
+                </a:schemeClr>
+              </a:solidFill>
+              <a:tailEnd type="triangle"/>
+            </a:ln>
+            <a:effectLst/>
+          </p:spPr>
+          <p:style>
+            <a:lnRef idx="2">
+              <a:schemeClr val="accent1"/>
+            </a:lnRef>
+            <a:fillRef idx="0">
+              <a:schemeClr val="accent1"/>
+            </a:fillRef>
+            <a:effectRef idx="1">
+              <a:schemeClr val="accent1"/>
+            </a:effectRef>
+            <a:fontRef idx="minor">
+              <a:schemeClr val="tx1"/>
+            </a:fontRef>
+          </p:style>
+        </p:cxnSp>
+        <p:cxnSp>
+          <p:nvCxnSpPr>
+            <p:cNvPr id="76" name="Straight Arrow Connector 75"/>
+            <p:cNvCxnSpPr/>
+            <p:nvPr/>
+          </p:nvCxnSpPr>
+          <p:spPr>
+            <a:xfrm flipV="1">
+              <a:off x="4847798" y="8072226"/>
+              <a:ext cx="3482804" cy="21461"/>
+            </a:xfrm>
+            <a:prstGeom prst="straightConnector1">
+              <a:avLst/>
+            </a:prstGeom>
+            <a:ln w="50800">
+              <a:solidFill>
+                <a:schemeClr val="bg1">
+                  <a:lumMod val="50000"/>
+                </a:schemeClr>
+              </a:solidFill>
+              <a:tailEnd type="triangle"/>
+            </a:ln>
+            <a:effectLst/>
+          </p:spPr>
+          <p:style>
+            <a:lnRef idx="2">
+              <a:schemeClr val="accent1"/>
+            </a:lnRef>
+            <a:fillRef idx="0">
+              <a:schemeClr val="accent1"/>
+            </a:fillRef>
+            <a:effectRef idx="1">
+              <a:schemeClr val="accent1"/>
+            </a:effectRef>
+            <a:fontRef idx="minor">
+              <a:schemeClr val="tx1"/>
+            </a:fontRef>
+          </p:style>
+        </p:cxnSp>
+        <p:sp>
+          <p:nvSpPr>
+            <p:cNvPr id="77" name="Multiply 76"/>
+            <p:cNvSpPr/>
+            <p:nvPr/>
+          </p:nvSpPr>
+          <p:spPr>
+            <a:xfrm>
+              <a:off x="5024799" y="6541628"/>
+              <a:ext cx="405915" cy="405915"/>
+            </a:xfrm>
+            <a:prstGeom prst="mathMultiply">
+              <a:avLst/>
+            </a:prstGeom>
+            <a:solidFill>
+              <a:srgbClr val="FB3A18">
+                <a:alpha val="85098"/>
+              </a:srgbClr>
+            </a:solidFill>
+            <a:ln>
+              <a:noFill/>
+            </a:ln>
+            <a:effectLst/>
+          </p:spPr>
+          <p:style>
+            <a:lnRef idx="1">
+              <a:schemeClr val="accent1"/>
+            </a:lnRef>
+            <a:fillRef idx="3">
+              <a:schemeClr val="accent1"/>
+            </a:fillRef>
+            <a:effectRef idx="2">
+              <a:schemeClr val="accent1"/>
+            </a:effectRef>
+            <a:fontRef idx="minor">
+              <a:schemeClr val="lt1"/>
+            </a:fontRef>
+          </p:style>
+          <p:txBody>
+            <a:bodyPr rtlCol="0" anchor="ctr"/>
+            <a:lstStyle/>
+            <a:p>
+              <a:pPr algn="ctr"/>
+              <a:endParaRPr lang="en-US"/>
+            </a:p>
+          </p:txBody>
+        </p:sp>
+        <p:sp>
+          <p:nvSpPr>
+            <p:cNvPr id="78" name="Multiply 77"/>
+            <p:cNvSpPr/>
+            <p:nvPr/>
+          </p:nvSpPr>
+          <p:spPr>
+            <a:xfrm>
+              <a:off x="5077014" y="7174866"/>
+              <a:ext cx="405915" cy="405915"/>
+            </a:xfrm>
+            <a:prstGeom prst="mathMultiply">
+              <a:avLst/>
+            </a:prstGeom>
+            <a:solidFill>
+              <a:srgbClr val="FB3A18">
+                <a:alpha val="85098"/>
+              </a:srgbClr>
+            </a:solidFill>
+            <a:ln>
+              <a:noFill/>
+            </a:ln>
+            <a:effectLst/>
+          </p:spPr>
+          <p:style>
+            <a:lnRef idx="1">
+              <a:schemeClr val="accent1"/>
+            </a:lnRef>
+            <a:fillRef idx="3">
+              <a:schemeClr val="accent1"/>
+            </a:fillRef>
+            <a:effectRef idx="2">
+              <a:schemeClr val="accent1"/>
+            </a:effectRef>
+            <a:fontRef idx="minor">
+              <a:schemeClr val="lt1"/>
+            </a:fontRef>
+          </p:style>
+          <p:txBody>
+            <a:bodyPr rtlCol="0" anchor="ctr"/>
+            <a:lstStyle/>
+            <a:p>
+              <a:pPr algn="ctr"/>
+              <a:endParaRPr lang="en-US"/>
+            </a:p>
+          </p:txBody>
+        </p:sp>
+        <p:sp>
+          <p:nvSpPr>
+            <p:cNvPr id="79" name="Multiply 78"/>
+            <p:cNvSpPr/>
+            <p:nvPr/>
+          </p:nvSpPr>
+          <p:spPr>
+            <a:xfrm>
+              <a:off x="7249934" y="5753406"/>
+              <a:ext cx="405915" cy="405915"/>
+            </a:xfrm>
+            <a:prstGeom prst="mathMultiply">
+              <a:avLst/>
+            </a:prstGeom>
+            <a:noFill/>
+            <a:ln>
+              <a:solidFill>
+                <a:schemeClr val="tx1"/>
+              </a:solidFill>
+            </a:ln>
+            <a:effectLst/>
+          </p:spPr>
+          <p:style>
+            <a:lnRef idx="1">
+              <a:schemeClr val="accent1"/>
+            </a:lnRef>
+            <a:fillRef idx="3">
+              <a:schemeClr val="accent1"/>
+            </a:fillRef>
+            <a:effectRef idx="2">
+              <a:schemeClr val="accent1"/>
+            </a:effectRef>
+            <a:fontRef idx="minor">
+              <a:schemeClr val="lt1"/>
+            </a:fontRef>
+          </p:style>
+          <p:txBody>
+            <a:bodyPr rtlCol="0" anchor="ctr"/>
+            <a:lstStyle/>
+            <a:p>
+              <a:pPr algn="ctr"/>
+              <a:endParaRPr lang="en-US"/>
+            </a:p>
+          </p:txBody>
+        </p:sp>
+        <p:sp>
+          <p:nvSpPr>
+            <p:cNvPr id="80" name="Multiply 79"/>
+            <p:cNvSpPr/>
+            <p:nvPr/>
+          </p:nvSpPr>
+          <p:spPr>
+            <a:xfrm>
+              <a:off x="5587799" y="7302900"/>
+              <a:ext cx="405915" cy="405915"/>
+            </a:xfrm>
+            <a:prstGeom prst="mathMultiply">
+              <a:avLst/>
+            </a:prstGeom>
+            <a:solidFill>
+              <a:srgbClr val="FB3A18">
+                <a:alpha val="85098"/>
+              </a:srgbClr>
+            </a:solidFill>
+            <a:ln>
+              <a:noFill/>
+            </a:ln>
+            <a:effectLst/>
+          </p:spPr>
+          <p:style>
+            <a:lnRef idx="1">
+              <a:schemeClr val="accent1"/>
+            </a:lnRef>
+            <a:fillRef idx="3">
+              <a:schemeClr val="accent1"/>
+            </a:fillRef>
+            <a:effectRef idx="2">
+              <a:schemeClr val="accent1"/>
+            </a:effectRef>
+            <a:fontRef idx="minor">
+              <a:schemeClr val="lt1"/>
+            </a:fontRef>
+          </p:style>
+          <p:txBody>
+            <a:bodyPr rtlCol="0" anchor="ctr"/>
+            <a:lstStyle/>
+            <a:p>
+              <a:pPr algn="ctr"/>
+              <a:endParaRPr lang="en-US"/>
+            </a:p>
+          </p:txBody>
+        </p:sp>
+        <p:sp>
+          <p:nvSpPr>
+            <p:cNvPr id="81" name="Multiply 80"/>
+            <p:cNvSpPr/>
+            <p:nvPr/>
+          </p:nvSpPr>
+          <p:spPr>
+            <a:xfrm>
+              <a:off x="5836629" y="6442859"/>
+              <a:ext cx="405915" cy="405915"/>
+            </a:xfrm>
+            <a:prstGeom prst="mathMultiply">
+              <a:avLst/>
+            </a:prstGeom>
+            <a:solidFill>
+              <a:srgbClr val="FB3A18">
+                <a:alpha val="85098"/>
+              </a:srgbClr>
+            </a:solidFill>
+            <a:ln>
+              <a:noFill/>
+            </a:ln>
+            <a:effectLst/>
+          </p:spPr>
+          <p:style>
+            <a:lnRef idx="1">
+              <a:schemeClr val="accent1"/>
+            </a:lnRef>
+            <a:fillRef idx="3">
+              <a:schemeClr val="accent1"/>
+            </a:fillRef>
+            <a:effectRef idx="2">
+              <a:schemeClr val="accent1"/>
+            </a:effectRef>
+            <a:fontRef idx="minor">
+              <a:schemeClr val="lt1"/>
+            </a:fontRef>
+          </p:style>
+          <p:txBody>
+            <a:bodyPr rtlCol="0" anchor="ctr"/>
+            <a:lstStyle/>
+            <a:p>
+              <a:pPr algn="ctr"/>
+              <a:endParaRPr lang="en-US"/>
+            </a:p>
+          </p:txBody>
+        </p:sp>
+        <p:sp>
+          <p:nvSpPr>
+            <p:cNvPr id="82" name="Multiply 81"/>
+            <p:cNvSpPr/>
+            <p:nvPr/>
+          </p:nvSpPr>
+          <p:spPr>
+            <a:xfrm>
+              <a:off x="6597052" y="5832283"/>
+              <a:ext cx="405915" cy="405915"/>
+            </a:xfrm>
+            <a:prstGeom prst="mathMultiply">
+              <a:avLst/>
+            </a:prstGeom>
+            <a:solidFill>
+              <a:schemeClr val="tx1">
+                <a:alpha val="85098"/>
+              </a:schemeClr>
+            </a:solidFill>
+            <a:ln>
+              <a:noFill/>
+            </a:ln>
+            <a:effectLst/>
+          </p:spPr>
+          <p:style>
+            <a:lnRef idx="1">
+              <a:schemeClr val="accent1"/>
+            </a:lnRef>
+            <a:fillRef idx="3">
+              <a:schemeClr val="accent1"/>
+            </a:fillRef>
+            <a:effectRef idx="2">
+              <a:schemeClr val="accent1"/>
+            </a:effectRef>
+            <a:fontRef idx="minor">
+              <a:schemeClr val="lt1"/>
+            </a:fontRef>
+          </p:style>
+          <p:txBody>
+            <a:bodyPr rtlCol="0" anchor="ctr"/>
+            <a:lstStyle/>
+            <a:p>
+              <a:pPr algn="ctr"/>
+              <a:endParaRPr lang="en-US"/>
+            </a:p>
+          </p:txBody>
+        </p:sp>
+        <p:cxnSp>
+          <p:nvCxnSpPr>
+            <p:cNvPr id="84" name="Straight Arrow Connector 83"/>
+            <p:cNvCxnSpPr/>
+            <p:nvPr/>
+          </p:nvCxnSpPr>
+          <p:spPr>
+            <a:xfrm flipH="1">
+              <a:off x="5836629" y="6020782"/>
+              <a:ext cx="800612" cy="0"/>
+            </a:xfrm>
+            <a:prstGeom prst="straightConnector1">
+              <a:avLst/>
+            </a:prstGeom>
+            <a:ln w="50800">
+              <a:solidFill>
+                <a:schemeClr val="tx1">
+                  <a:lumMod val="50000"/>
+                  <a:lumOff val="50000"/>
+                </a:schemeClr>
+              </a:solidFill>
+              <a:tailEnd type="triangle"/>
+            </a:ln>
+            <a:effectLst/>
+          </p:spPr>
+          <p:style>
+            <a:lnRef idx="2">
+              <a:schemeClr val="accent1"/>
+            </a:lnRef>
+            <a:fillRef idx="0">
+              <a:schemeClr val="accent1"/>
+            </a:fillRef>
+            <a:effectRef idx="1">
+              <a:schemeClr val="accent1"/>
+            </a:effectRef>
+            <a:fontRef idx="minor">
+              <a:schemeClr val="tx1"/>
+            </a:fontRef>
+          </p:style>
+        </p:cxnSp>
+        <p:sp>
+          <p:nvSpPr>
+            <p:cNvPr id="86" name="Multiply 85"/>
+            <p:cNvSpPr/>
+            <p:nvPr/>
+          </p:nvSpPr>
+          <p:spPr>
+            <a:xfrm>
+              <a:off x="5584351" y="5832283"/>
+              <a:ext cx="405915" cy="405915"/>
+            </a:xfrm>
+            <a:prstGeom prst="mathMultiply">
+              <a:avLst/>
+            </a:prstGeom>
+            <a:solidFill>
+              <a:srgbClr val="FF3C18">
+                <a:alpha val="85098"/>
+              </a:srgbClr>
+            </a:solidFill>
+            <a:ln>
+              <a:noFill/>
+            </a:ln>
+            <a:effectLst/>
+          </p:spPr>
+          <p:style>
+            <a:lnRef idx="1">
+              <a:schemeClr val="accent1"/>
+            </a:lnRef>
+            <a:fillRef idx="3">
+              <a:schemeClr val="accent1"/>
+            </a:fillRef>
+            <a:effectRef idx="2">
+              <a:schemeClr val="accent1"/>
+            </a:effectRef>
+            <a:fontRef idx="minor">
+              <a:schemeClr val="lt1"/>
+            </a:fontRef>
+          </p:style>
+          <p:txBody>
+            <a:bodyPr rtlCol="0" anchor="ctr"/>
+            <a:lstStyle/>
+            <a:p>
+              <a:pPr algn="ctr"/>
+              <a:endParaRPr lang="en-US"/>
+            </a:p>
+          </p:txBody>
+        </p:sp>
+        <p:cxnSp>
+          <p:nvCxnSpPr>
+            <p:cNvPr id="89" name="Straight Arrow Connector 88"/>
+            <p:cNvCxnSpPr/>
+            <p:nvPr/>
+          </p:nvCxnSpPr>
+          <p:spPr>
+            <a:xfrm flipH="1" flipV="1">
+              <a:off x="7249934" y="5758690"/>
+              <a:ext cx="457634" cy="427273"/>
+            </a:xfrm>
+            <a:prstGeom prst="straightConnector1">
+              <a:avLst/>
+            </a:prstGeom>
+            <a:ln w="50800">
+              <a:solidFill>
+                <a:schemeClr val="tx1">
+                  <a:lumMod val="50000"/>
+                  <a:lumOff val="50000"/>
+                </a:schemeClr>
+              </a:solidFill>
+              <a:tailEnd type="none"/>
+            </a:ln>
+            <a:effectLst/>
+          </p:spPr>
+          <p:style>
+            <a:lnRef idx="2">
+              <a:schemeClr val="accent1"/>
+            </a:lnRef>
+            <a:fillRef idx="0">
+              <a:schemeClr val="accent1"/>
+            </a:fillRef>
+            <a:effectRef idx="1">
+              <a:schemeClr val="accent1"/>
+            </a:effectRef>
+            <a:fontRef idx="minor">
+              <a:schemeClr val="tx1"/>
+            </a:fontRef>
+          </p:style>
+        </p:cxnSp>
+        <p:sp>
+          <p:nvSpPr>
+            <p:cNvPr id="91" name="TextBox 90"/>
+            <p:cNvSpPr txBox="1"/>
+            <p:nvPr/>
+          </p:nvSpPr>
+          <p:spPr>
+            <a:xfrm>
+              <a:off x="786462" y="8308430"/>
+              <a:ext cx="2150499" cy="461665"/>
+            </a:xfrm>
+            <a:prstGeom prst="rect">
+              <a:avLst/>
+            </a:prstGeom>
+            <a:noFill/>
+          </p:spPr>
+          <p:txBody>
+            <a:bodyPr wrap="none" rtlCol="0">
+              <a:spAutoFit/>
+            </a:bodyPr>
+            <a:lstStyle/>
+            <a:p>
+              <a:r>
+                <a:rPr lang="en-US" sz="2400" dirty="0" smtClean="0">
+                  <a:latin typeface="Times New Roman" charset="0"/>
+                  <a:ea typeface="Times New Roman" charset="0"/>
+                  <a:cs typeface="Times New Roman" charset="0"/>
+                </a:rPr>
+                <a:t>(Step 4) Retrain</a:t>
+              </a:r>
+              <a:endParaRPr lang="en-US" sz="2400" dirty="0">
+                <a:latin typeface="Times New Roman" charset="0"/>
+                <a:ea typeface="Times New Roman" charset="0"/>
+                <a:cs typeface="Times New Roman" charset="0"/>
+              </a:endParaRPr>
+            </a:p>
+          </p:txBody>
+        </p:sp>
+        <p:cxnSp>
+          <p:nvCxnSpPr>
+            <p:cNvPr id="92" name="Straight Connector 91"/>
+            <p:cNvCxnSpPr/>
+            <p:nvPr/>
+          </p:nvCxnSpPr>
+          <p:spPr>
+            <a:xfrm flipV="1">
+              <a:off x="334260" y="5038978"/>
+              <a:ext cx="2375112" cy="3120698"/>
+            </a:xfrm>
+            <a:prstGeom prst="line">
+              <a:avLst/>
+            </a:prstGeom>
+            <a:ln w="50800">
+              <a:solidFill>
+                <a:srgbClr val="FB3A18"/>
+              </a:solidFill>
+            </a:ln>
+            <a:effectLst/>
+          </p:spPr>
+          <p:style>
+            <a:lnRef idx="2">
+              <a:schemeClr val="accent1"/>
+            </a:lnRef>
+            <a:fillRef idx="0">
+              <a:schemeClr val="accent1"/>
+            </a:fillRef>
+            <a:effectRef idx="1">
+              <a:schemeClr val="accent1"/>
+            </a:effectRef>
+            <a:fontRef idx="minor">
+              <a:schemeClr val="tx1"/>
+            </a:fontRef>
+          </p:style>
+        </p:cxnSp>
+        <p:cxnSp>
+          <p:nvCxnSpPr>
+            <p:cNvPr id="93" name="Straight Arrow Connector 92"/>
+            <p:cNvCxnSpPr/>
+            <p:nvPr/>
+          </p:nvCxnSpPr>
+          <p:spPr>
+            <a:xfrm flipV="1">
+              <a:off x="307236" y="5068809"/>
+              <a:ext cx="0" cy="3116380"/>
+            </a:xfrm>
+            <a:prstGeom prst="straightConnector1">
+              <a:avLst/>
+            </a:prstGeom>
+            <a:ln w="50800">
+              <a:solidFill>
+                <a:schemeClr val="bg1">
+                  <a:lumMod val="50000"/>
+                </a:schemeClr>
+              </a:solidFill>
+              <a:tailEnd type="triangle"/>
+            </a:ln>
+            <a:effectLst/>
+          </p:spPr>
+          <p:style>
+            <a:lnRef idx="2">
+              <a:schemeClr val="accent1"/>
+            </a:lnRef>
+            <a:fillRef idx="0">
+              <a:schemeClr val="accent1"/>
+            </a:fillRef>
+            <a:effectRef idx="1">
+              <a:schemeClr val="accent1"/>
+            </a:effectRef>
+            <a:fontRef idx="minor">
+              <a:schemeClr val="tx1"/>
+            </a:fontRef>
+          </p:style>
+        </p:cxnSp>
+        <p:cxnSp>
+          <p:nvCxnSpPr>
+            <p:cNvPr id="94" name="Straight Arrow Connector 93"/>
+            <p:cNvCxnSpPr/>
+            <p:nvPr/>
+          </p:nvCxnSpPr>
+          <p:spPr>
+            <a:xfrm flipV="1">
+              <a:off x="307236" y="8159676"/>
+              <a:ext cx="3482804" cy="25514"/>
+            </a:xfrm>
+            <a:prstGeom prst="straightConnector1">
+              <a:avLst/>
+            </a:prstGeom>
+            <a:ln w="50800">
+              <a:solidFill>
+                <a:schemeClr val="bg1">
+                  <a:lumMod val="50000"/>
+                </a:schemeClr>
+              </a:solidFill>
+              <a:tailEnd type="triangle"/>
+            </a:ln>
+            <a:effectLst/>
+          </p:spPr>
+          <p:style>
+            <a:lnRef idx="2">
+              <a:schemeClr val="accent1"/>
+            </a:lnRef>
+            <a:fillRef idx="0">
+              <a:schemeClr val="accent1"/>
+            </a:fillRef>
+            <a:effectRef idx="1">
+              <a:schemeClr val="accent1"/>
+            </a:effectRef>
+            <a:fontRef idx="minor">
+              <a:schemeClr val="tx1"/>
+            </a:fontRef>
+          </p:style>
+        </p:cxnSp>
+        <p:sp>
+          <p:nvSpPr>
+            <p:cNvPr id="95" name="Multiply 94"/>
+            <p:cNvSpPr/>
+            <p:nvPr/>
+          </p:nvSpPr>
+          <p:spPr>
+            <a:xfrm>
+              <a:off x="484237" y="6633130"/>
+              <a:ext cx="405915" cy="405915"/>
+            </a:xfrm>
+            <a:prstGeom prst="mathMultiply">
+              <a:avLst/>
+            </a:prstGeom>
+            <a:solidFill>
+              <a:srgbClr val="FB3A18">
+                <a:alpha val="85098"/>
+              </a:srgbClr>
+            </a:solidFill>
+            <a:ln>
+              <a:noFill/>
+            </a:ln>
+            <a:effectLst/>
+          </p:spPr>
+          <p:style>
+            <a:lnRef idx="1">
+              <a:schemeClr val="accent1"/>
+            </a:lnRef>
+            <a:fillRef idx="3">
+              <a:schemeClr val="accent1"/>
+            </a:fillRef>
+            <a:effectRef idx="2">
+              <a:schemeClr val="accent1"/>
+            </a:effectRef>
+            <a:fontRef idx="minor">
+              <a:schemeClr val="lt1"/>
+            </a:fontRef>
+          </p:style>
+          <p:txBody>
+            <a:bodyPr rtlCol="0" anchor="ctr"/>
+            <a:lstStyle/>
+            <a:p>
+              <a:pPr algn="ctr"/>
+              <a:endParaRPr lang="en-US"/>
+            </a:p>
+          </p:txBody>
+        </p:sp>
+        <p:sp>
+          <p:nvSpPr>
+            <p:cNvPr id="96" name="Multiply 95"/>
+            <p:cNvSpPr/>
+            <p:nvPr/>
+          </p:nvSpPr>
+          <p:spPr>
+            <a:xfrm>
+              <a:off x="536452" y="7266368"/>
+              <a:ext cx="405915" cy="405915"/>
+            </a:xfrm>
+            <a:prstGeom prst="mathMultiply">
+              <a:avLst/>
+            </a:prstGeom>
+            <a:solidFill>
+              <a:srgbClr val="FB3A18">
+                <a:alpha val="85098"/>
+              </a:srgbClr>
+            </a:solidFill>
+            <a:ln>
+              <a:noFill/>
+            </a:ln>
+            <a:effectLst/>
+          </p:spPr>
+          <p:style>
+            <a:lnRef idx="1">
+              <a:schemeClr val="accent1"/>
+            </a:lnRef>
+            <a:fillRef idx="3">
+              <a:schemeClr val="accent1"/>
+            </a:fillRef>
+            <a:effectRef idx="2">
+              <a:schemeClr val="accent1"/>
+            </a:effectRef>
+            <a:fontRef idx="minor">
+              <a:schemeClr val="lt1"/>
+            </a:fontRef>
+          </p:style>
+          <p:txBody>
+            <a:bodyPr rtlCol="0" anchor="ctr"/>
+            <a:lstStyle/>
+            <a:p>
+              <a:pPr algn="ctr"/>
+              <a:endParaRPr lang="en-US"/>
+            </a:p>
+          </p:txBody>
+        </p:sp>
+        <p:sp>
+          <p:nvSpPr>
+            <p:cNvPr id="98" name="Multiply 97"/>
+            <p:cNvSpPr/>
+            <p:nvPr/>
+          </p:nvSpPr>
+          <p:spPr>
+            <a:xfrm>
+              <a:off x="1047237" y="7394402"/>
+              <a:ext cx="405915" cy="405915"/>
+            </a:xfrm>
+            <a:prstGeom prst="mathMultiply">
+              <a:avLst/>
+            </a:prstGeom>
+            <a:solidFill>
+              <a:srgbClr val="FB3A18">
+                <a:alpha val="85098"/>
+              </a:srgbClr>
+            </a:solidFill>
+            <a:ln>
+              <a:noFill/>
+            </a:ln>
+            <a:effectLst/>
+          </p:spPr>
+          <p:style>
+            <a:lnRef idx="1">
+              <a:schemeClr val="accent1"/>
+            </a:lnRef>
+            <a:fillRef idx="3">
+              <a:schemeClr val="accent1"/>
+            </a:fillRef>
+            <a:effectRef idx="2">
+              <a:schemeClr val="accent1"/>
+            </a:effectRef>
+            <a:fontRef idx="minor">
+              <a:schemeClr val="lt1"/>
+            </a:fontRef>
+          </p:style>
+          <p:txBody>
+            <a:bodyPr rtlCol="0" anchor="ctr"/>
+            <a:lstStyle/>
+            <a:p>
+              <a:pPr algn="ctr"/>
+              <a:endParaRPr lang="en-US"/>
+            </a:p>
+          </p:txBody>
+        </p:sp>
+        <p:sp>
+          <p:nvSpPr>
+            <p:cNvPr id="99" name="Multiply 98"/>
+            <p:cNvSpPr/>
+            <p:nvPr/>
+          </p:nvSpPr>
+          <p:spPr>
+            <a:xfrm>
+              <a:off x="1296067" y="6534361"/>
+              <a:ext cx="405915" cy="405915"/>
+            </a:xfrm>
+            <a:prstGeom prst="mathMultiply">
+              <a:avLst/>
+            </a:prstGeom>
+            <a:solidFill>
+              <a:srgbClr val="FB3A18">
+                <a:alpha val="85098"/>
+              </a:srgbClr>
+            </a:solidFill>
+            <a:ln>
+              <a:noFill/>
+            </a:ln>
+            <a:effectLst/>
+          </p:spPr>
+          <p:style>
+            <a:lnRef idx="1">
+              <a:schemeClr val="accent1"/>
+            </a:lnRef>
+            <a:fillRef idx="3">
+              <a:schemeClr val="accent1"/>
+            </a:fillRef>
+            <a:effectRef idx="2">
+              <a:schemeClr val="accent1"/>
+            </a:effectRef>
+            <a:fontRef idx="minor">
+              <a:schemeClr val="lt1"/>
+            </a:fontRef>
+          </p:style>
+          <p:txBody>
+            <a:bodyPr rtlCol="0" anchor="ctr"/>
+            <a:lstStyle/>
+            <a:p>
+              <a:pPr algn="ctr"/>
+              <a:endParaRPr lang="en-US"/>
+            </a:p>
+          </p:txBody>
+        </p:sp>
+        <p:sp>
+          <p:nvSpPr>
+            <p:cNvPr id="102" name="Multiply 101"/>
+            <p:cNvSpPr/>
+            <p:nvPr/>
+          </p:nvSpPr>
+          <p:spPr>
+            <a:xfrm>
+              <a:off x="1043789" y="5923785"/>
+              <a:ext cx="405915" cy="405915"/>
+            </a:xfrm>
+            <a:prstGeom prst="mathMultiply">
+              <a:avLst/>
+            </a:prstGeom>
+            <a:solidFill>
+              <a:srgbClr val="FF3C18">
+                <a:alpha val="85098"/>
+              </a:srgbClr>
+            </a:solidFill>
+            <a:ln>
+              <a:noFill/>
+            </a:ln>
+            <a:effectLst/>
+          </p:spPr>
+          <p:style>
+            <a:lnRef idx="1">
+              <a:schemeClr val="accent1"/>
+            </a:lnRef>
+            <a:fillRef idx="3">
+              <a:schemeClr val="accent1"/>
+            </a:fillRef>
+            <a:effectRef idx="2">
+              <a:schemeClr val="accent1"/>
+            </a:effectRef>
+            <a:fontRef idx="minor">
+              <a:schemeClr val="lt1"/>
+            </a:fontRef>
+          </p:style>
+          <p:txBody>
+            <a:bodyPr rtlCol="0" anchor="ctr"/>
+            <a:lstStyle/>
+            <a:p>
+              <a:pPr algn="ctr"/>
+              <a:endParaRPr lang="en-US"/>
+            </a:p>
+          </p:txBody>
+        </p:sp>
+        <p:sp>
+          <p:nvSpPr>
+            <p:cNvPr id="110" name="TextBox 109"/>
+            <p:cNvSpPr txBox="1"/>
+            <p:nvPr/>
+          </p:nvSpPr>
+          <p:spPr>
+            <a:xfrm>
+              <a:off x="1043789" y="5032960"/>
+              <a:ext cx="587621" cy="338554"/>
+            </a:xfrm>
+            <a:prstGeom prst="rect">
+              <a:avLst/>
+            </a:prstGeom>
+            <a:noFill/>
+          </p:spPr>
+          <p:txBody>
+            <a:bodyPr wrap="none" rtlCol="0">
+              <a:spAutoFit/>
+            </a:bodyPr>
+            <a:lstStyle/>
+            <a:p>
+              <a:r>
+                <a:rPr lang="en-US" sz="1600" dirty="0" smtClean="0">
+                  <a:solidFill>
+                    <a:srgbClr val="3899FF"/>
+                  </a:solidFill>
+                  <a:latin typeface="Gill Sans"/>
+                  <a:cs typeface="Gill Sans"/>
+                </a:rPr>
+                <a:t>New</a:t>
+              </a:r>
+              <a:endParaRPr lang="en-US" sz="1600" dirty="0">
+                <a:solidFill>
+                  <a:srgbClr val="3899FF"/>
+                </a:solidFill>
+                <a:latin typeface="Gill Sans"/>
+                <a:cs typeface="Gill Sans"/>
+              </a:endParaRPr>
+            </a:p>
+          </p:txBody>
+        </p:sp>
+        <p:sp>
+          <p:nvSpPr>
+            <p:cNvPr id="111" name="TextBox 110"/>
+            <p:cNvSpPr txBox="1"/>
+            <p:nvPr/>
+          </p:nvSpPr>
+          <p:spPr>
+            <a:xfrm>
+              <a:off x="2668836" y="4957918"/>
+              <a:ext cx="505267" cy="338554"/>
+            </a:xfrm>
+            <a:prstGeom prst="rect">
+              <a:avLst/>
+            </a:prstGeom>
+            <a:noFill/>
+          </p:spPr>
+          <p:txBody>
+            <a:bodyPr wrap="none" rtlCol="0">
+              <a:spAutoFit/>
+            </a:bodyPr>
+            <a:lstStyle/>
+            <a:p>
+              <a:r>
+                <a:rPr lang="en-US" sz="1600" dirty="0" smtClean="0">
+                  <a:solidFill>
+                    <a:srgbClr val="FF0000"/>
+                  </a:solidFill>
+                  <a:latin typeface="Gill Sans"/>
+                  <a:cs typeface="Gill Sans"/>
+                </a:rPr>
+                <a:t>Old</a:t>
+              </a:r>
+              <a:endParaRPr lang="en-US" sz="1600" dirty="0">
+                <a:solidFill>
+                  <a:srgbClr val="FF0000"/>
+                </a:solidFill>
+                <a:latin typeface="Gill Sans"/>
+                <a:cs typeface="Gill Sans"/>
+              </a:endParaRPr>
+            </a:p>
+          </p:txBody>
+        </p:sp>
+        <p:sp>
+          <p:nvSpPr>
+            <p:cNvPr id="112" name="Right Arrow 111"/>
+            <p:cNvSpPr/>
+            <p:nvPr/>
+          </p:nvSpPr>
+          <p:spPr>
+            <a:xfrm>
+              <a:off x="3943855" y="2079864"/>
+              <a:ext cx="520172" cy="596815"/>
+            </a:xfrm>
+            <a:prstGeom prst="rightArrow">
+              <a:avLst/>
+            </a:prstGeom>
+            <a:solidFill>
+              <a:schemeClr val="tx1">
+                <a:lumMod val="75000"/>
+                <a:lumOff val="25000"/>
+                <a:alpha val="85000"/>
+              </a:schemeClr>
+            </a:solidFill>
+            <a:ln>
+              <a:solidFill>
+                <a:schemeClr val="tx1">
+                  <a:lumMod val="85000"/>
+                  <a:lumOff val="15000"/>
+                </a:schemeClr>
+              </a:solidFill>
+            </a:ln>
+            <a:effectLst/>
+          </p:spPr>
+          <p:style>
+            <a:lnRef idx="1">
+              <a:schemeClr val="accent1"/>
+            </a:lnRef>
+            <a:fillRef idx="3">
+              <a:schemeClr val="accent1"/>
+            </a:fillRef>
+            <a:effectRef idx="2">
+              <a:schemeClr val="accent1"/>
+            </a:effectRef>
+            <a:fontRef idx="minor">
+              <a:schemeClr val="lt1"/>
+            </a:fontRef>
+          </p:style>
+          <p:txBody>
+            <a:bodyPr rtlCol="0" anchor="ctr"/>
+            <a:lstStyle/>
+            <a:p>
+              <a:pPr algn="ctr"/>
+              <a:endParaRPr lang="en-US"/>
+            </a:p>
+          </p:txBody>
+        </p:sp>
+        <p:sp>
+          <p:nvSpPr>
+            <p:cNvPr id="113" name="Right Arrow 112"/>
+            <p:cNvSpPr/>
+            <p:nvPr/>
+          </p:nvSpPr>
+          <p:spPr>
+            <a:xfrm rot="5400000">
+              <a:off x="6526205" y="4516474"/>
+              <a:ext cx="520172" cy="596815"/>
+            </a:xfrm>
+            <a:prstGeom prst="rightArrow">
+              <a:avLst/>
+            </a:prstGeom>
+            <a:solidFill>
+              <a:schemeClr val="tx1">
+                <a:lumMod val="75000"/>
+                <a:lumOff val="25000"/>
+                <a:alpha val="85000"/>
+              </a:schemeClr>
+            </a:solidFill>
+            <a:ln>
+              <a:solidFill>
+                <a:schemeClr val="tx1">
+                  <a:lumMod val="85000"/>
+                  <a:lumOff val="15000"/>
+                </a:schemeClr>
+              </a:solidFill>
+            </a:ln>
+            <a:effectLst/>
+          </p:spPr>
+          <p:style>
+            <a:lnRef idx="1">
+              <a:schemeClr val="accent1"/>
+            </a:lnRef>
+            <a:fillRef idx="3">
+              <a:schemeClr val="accent1"/>
+            </a:fillRef>
+            <a:effectRef idx="2">
+              <a:schemeClr val="accent1"/>
+            </a:effectRef>
+            <a:fontRef idx="minor">
+              <a:schemeClr val="lt1"/>
+            </a:fontRef>
+          </p:style>
+          <p:txBody>
+            <a:bodyPr rtlCol="0" anchor="ctr"/>
+            <a:lstStyle/>
+            <a:p>
+              <a:pPr algn="ctr"/>
+              <a:endParaRPr lang="en-US"/>
+            </a:p>
+          </p:txBody>
+        </p:sp>
+        <p:sp>
+          <p:nvSpPr>
+            <p:cNvPr id="114" name="Right Arrow 113"/>
+            <p:cNvSpPr/>
+            <p:nvPr/>
+          </p:nvSpPr>
+          <p:spPr>
+            <a:xfrm rot="10800000">
+              <a:off x="3992866" y="6144451"/>
+              <a:ext cx="520172" cy="596815"/>
+            </a:xfrm>
+            <a:prstGeom prst="rightArrow">
+              <a:avLst/>
+            </a:prstGeom>
+            <a:solidFill>
+              <a:schemeClr val="tx1">
+                <a:lumMod val="75000"/>
+                <a:lumOff val="25000"/>
+                <a:alpha val="85000"/>
+              </a:schemeClr>
+            </a:solidFill>
+            <a:ln>
+              <a:solidFill>
+                <a:schemeClr val="tx1">
+                  <a:lumMod val="85000"/>
+                  <a:lumOff val="15000"/>
+                </a:schemeClr>
+              </a:solidFill>
+            </a:ln>
+            <a:effectLst/>
+          </p:spPr>
+          <p:style>
+            <a:lnRef idx="1">
+              <a:schemeClr val="accent1"/>
+            </a:lnRef>
+            <a:fillRef idx="3">
+              <a:schemeClr val="accent1"/>
+            </a:fillRef>
+            <a:effectRef idx="2">
+              <a:schemeClr val="accent1"/>
+            </a:effectRef>
+            <a:fontRef idx="minor">
+              <a:schemeClr val="lt1"/>
+            </a:fontRef>
+          </p:style>
+          <p:txBody>
+            <a:bodyPr rtlCol="0" anchor="ctr"/>
+            <a:lstStyle/>
+            <a:p>
+              <a:pPr algn="ctr"/>
+              <a:endParaRPr lang="en-US"/>
+            </a:p>
+          </p:txBody>
+        </p:sp>
+        <p:sp>
+          <p:nvSpPr>
+            <p:cNvPr id="115" name="Right Arrow 114"/>
+            <p:cNvSpPr/>
+            <p:nvPr/>
+          </p:nvSpPr>
+          <p:spPr>
+            <a:xfrm rot="16200000">
+              <a:off x="1917304" y="4469754"/>
+              <a:ext cx="520172" cy="596815"/>
+            </a:xfrm>
+            <a:prstGeom prst="rightArrow">
+              <a:avLst/>
+            </a:prstGeom>
+            <a:solidFill>
+              <a:schemeClr val="tx1">
+                <a:lumMod val="75000"/>
+                <a:lumOff val="25000"/>
+                <a:alpha val="85000"/>
+              </a:schemeClr>
+            </a:solidFill>
+            <a:ln>
+              <a:solidFill>
+                <a:schemeClr val="tx1">
+                  <a:lumMod val="85000"/>
+                  <a:lumOff val="15000"/>
+                </a:schemeClr>
+              </a:solidFill>
+            </a:ln>
+            <a:effectLst/>
+          </p:spPr>
+          <p:style>
+            <a:lnRef idx="1">
+              <a:schemeClr val="accent1"/>
+            </a:lnRef>
+            <a:fillRef idx="3">
+              <a:schemeClr val="accent1"/>
+            </a:fillRef>
+            <a:effectRef idx="2">
+              <a:schemeClr val="accent1"/>
+            </a:effectRef>
+            <a:fontRef idx="minor">
+              <a:schemeClr val="lt1"/>
+            </a:fontRef>
+          </p:style>
+          <p:txBody>
+            <a:bodyPr rtlCol="0" anchor="ctr"/>
+            <a:lstStyle/>
+            <a:p>
+              <a:pPr algn="ctr"/>
+              <a:endParaRPr lang="en-US"/>
+            </a:p>
+          </p:txBody>
+        </p:sp>
+      </p:grpSp>
+    </p:spTree>
+    <p:extLst>
+      <p:ext uri="{BB962C8B-B14F-4D97-AF65-F5344CB8AC3E}">
+        <p14:creationId xmlns:p14="http://schemas.microsoft.com/office/powerpoint/2010/main" val="3832685381"/>
+      </p:ext>
+    </p:extLst>
+  </p:cSld>
+  <p:clrMapOvr>
+    <a:masterClrMapping/>
+  </p:clrMapOvr>
+</p:sld>
+</file>
+
 <file path=ppt/slides/slide2.xml><?xml version="1.0" encoding="utf-8"?>
 <p:sld xmlns:a="http://schemas.openxmlformats.org/drawingml/2006/main" xmlns:r="http://schemas.openxmlformats.org/officeDocument/2006/relationships" xmlns:p="http://schemas.openxmlformats.org/presentationml/2006/main">
   <p:cSld>

--- a/figs/figs.pptx
+++ b/figs/figs.pptx
@@ -125,7 +125,7 @@
   </p:defaultTextStyle>
   <p:extLst>
     <p:ext uri="{EFAFB233-063F-42B5-8137-9DF3F51BA10A}">
-      <p15:sldGuideLst xmlns="" xmlns:p15="http://schemas.microsoft.com/office/powerpoint/2012/main">
+      <p15:sldGuideLst xmlns:p15="http://schemas.microsoft.com/office/powerpoint/2012/main">
         <p15:guide id="1" orient="horz" pos="2160">
           <p15:clr>
             <a:srgbClr val="A4A3A4"/>
@@ -224,7 +224,7 @@
           <a:p>
             <a:fld id="{347ECA95-75C3-5E48-946C-F7960CA43F88}" type="datetimeFigureOut">
               <a:rPr lang="en-US" smtClean="0"/>
-              <a:t>1/5/16</a:t>
+              <a:t>1/13/16</a:t>
             </a:fld>
             <a:endParaRPr lang="en-US"/>
           </a:p>
@@ -841,7 +841,7 @@
           <a:p>
             <a:fld id="{73A4B2A3-D9DC-064E-90FE-771C025222F9}" type="datetimeFigureOut">
               <a:rPr lang="en-US" smtClean="0"/>
-              <a:t>1/5/16</a:t>
+              <a:t>1/13/16</a:t>
             </a:fld>
             <a:endParaRPr lang="en-US"/>
           </a:p>
@@ -1011,7 +1011,7 @@
           <a:p>
             <a:fld id="{73A4B2A3-D9DC-064E-90FE-771C025222F9}" type="datetimeFigureOut">
               <a:rPr lang="en-US" smtClean="0"/>
-              <a:t>1/5/16</a:t>
+              <a:t>1/13/16</a:t>
             </a:fld>
             <a:endParaRPr lang="en-US"/>
           </a:p>
@@ -1191,7 +1191,7 @@
           <a:p>
             <a:fld id="{73A4B2A3-D9DC-064E-90FE-771C025222F9}" type="datetimeFigureOut">
               <a:rPr lang="en-US" smtClean="0"/>
-              <a:t>1/5/16</a:t>
+              <a:t>1/13/16</a:t>
             </a:fld>
             <a:endParaRPr lang="en-US"/>
           </a:p>
@@ -1361,7 +1361,7 @@
           <a:p>
             <a:fld id="{73A4B2A3-D9DC-064E-90FE-771C025222F9}" type="datetimeFigureOut">
               <a:rPr lang="en-US" smtClean="0"/>
-              <a:t>1/5/16</a:t>
+              <a:t>1/13/16</a:t>
             </a:fld>
             <a:endParaRPr lang="en-US"/>
           </a:p>
@@ -1607,7 +1607,7 @@
           <a:p>
             <a:fld id="{73A4B2A3-D9DC-064E-90FE-771C025222F9}" type="datetimeFigureOut">
               <a:rPr lang="en-US" smtClean="0"/>
-              <a:t>1/5/16</a:t>
+              <a:t>1/13/16</a:t>
             </a:fld>
             <a:endParaRPr lang="en-US"/>
           </a:p>
@@ -1895,7 +1895,7 @@
           <a:p>
             <a:fld id="{73A4B2A3-D9DC-064E-90FE-771C025222F9}" type="datetimeFigureOut">
               <a:rPr lang="en-US" smtClean="0"/>
-              <a:t>1/5/16</a:t>
+              <a:t>1/13/16</a:t>
             </a:fld>
             <a:endParaRPr lang="en-US"/>
           </a:p>
@@ -2317,7 +2317,7 @@
           <a:p>
             <a:fld id="{73A4B2A3-D9DC-064E-90FE-771C025222F9}" type="datetimeFigureOut">
               <a:rPr lang="en-US" smtClean="0"/>
-              <a:t>1/5/16</a:t>
+              <a:t>1/13/16</a:t>
             </a:fld>
             <a:endParaRPr lang="en-US"/>
           </a:p>
@@ -2435,7 +2435,7 @@
           <a:p>
             <a:fld id="{73A4B2A3-D9DC-064E-90FE-771C025222F9}" type="datetimeFigureOut">
               <a:rPr lang="en-US" smtClean="0"/>
-              <a:t>1/5/16</a:t>
+              <a:t>1/13/16</a:t>
             </a:fld>
             <a:endParaRPr lang="en-US"/>
           </a:p>
@@ -2530,7 +2530,7 @@
           <a:p>
             <a:fld id="{73A4B2A3-D9DC-064E-90FE-771C025222F9}" type="datetimeFigureOut">
               <a:rPr lang="en-US" smtClean="0"/>
-              <a:t>1/5/16</a:t>
+              <a:t>1/13/16</a:t>
             </a:fld>
             <a:endParaRPr lang="en-US"/>
           </a:p>
@@ -2807,7 +2807,7 @@
           <a:p>
             <a:fld id="{73A4B2A3-D9DC-064E-90FE-771C025222F9}" type="datetimeFigureOut">
               <a:rPr lang="en-US" smtClean="0"/>
-              <a:t>1/5/16</a:t>
+              <a:t>1/13/16</a:t>
             </a:fld>
             <a:endParaRPr lang="en-US"/>
           </a:p>
@@ -3060,7 +3060,7 @@
           <a:p>
             <a:fld id="{73A4B2A3-D9DC-064E-90FE-771C025222F9}" type="datetimeFigureOut">
               <a:rPr lang="en-US" smtClean="0"/>
-              <a:t>1/5/16</a:t>
+              <a:t>1/13/16</a:t>
             </a:fld>
             <a:endParaRPr lang="en-US"/>
           </a:p>
@@ -3273,7 +3273,7 @@
           <a:p>
             <a:fld id="{73A4B2A3-D9DC-064E-90FE-771C025222F9}" type="datetimeFigureOut">
               <a:rPr lang="en-US" smtClean="0"/>
-              <a:t>1/5/16</a:t>
+              <a:t>1/13/16</a:t>
             </a:fld>
             <a:endParaRPr lang="en-US"/>
           </a:p>
@@ -14982,94 +14982,58 @@
           <a:chExt cx="0" cy="0"/>
         </a:xfrm>
       </p:grpSpPr>
+      <p:sp>
+        <p:nvSpPr>
+          <p:cNvPr id="6" name="TextBox 5"/>
+          <p:cNvSpPr txBox="1"/>
+          <p:nvPr/>
+        </p:nvSpPr>
+        <p:spPr>
+          <a:xfrm>
+            <a:off x="661029" y="4054044"/>
+            <a:ext cx="2775219" cy="461665"/>
+          </a:xfrm>
+          <a:prstGeom prst="rect">
+            <a:avLst/>
+          </a:prstGeom>
+          <a:noFill/>
+        </p:spPr>
+        <p:txBody>
+          <a:bodyPr wrap="none" rtlCol="0">
+            <a:spAutoFit/>
+          </a:bodyPr>
+          <a:lstStyle/>
+          <a:p>
+            <a:r>
+              <a:rPr lang="en-US" sz="2400" dirty="0" smtClean="0">
+                <a:latin typeface="Times New Roman" charset="0"/>
+                <a:ea typeface="Times New Roman" charset="0"/>
+                <a:cs typeface="Times New Roman" charset="0"/>
+              </a:rPr>
+              <a:t>(Step 1) Train Model</a:t>
+            </a:r>
+            <a:endParaRPr lang="en-US" sz="2400" dirty="0">
+              <a:latin typeface="Times New Roman" charset="0"/>
+              <a:ea typeface="Times New Roman" charset="0"/>
+              <a:cs typeface="Times New Roman" charset="0"/>
+            </a:endParaRPr>
+          </a:p>
+        </p:txBody>
+      </p:sp>
       <p:grpSp>
         <p:nvGrpSpPr>
-          <p:cNvPr id="118" name="Group 117"/>
+          <p:cNvPr id="9" name="Group 8"/>
           <p:cNvGrpSpPr/>
           <p:nvPr/>
         </p:nvGrpSpPr>
         <p:grpSpPr>
           <a:xfrm>
-            <a:off x="307236" y="775381"/>
-            <a:ext cx="8324819" cy="7994714"/>
-            <a:chOff x="307236" y="775381"/>
-            <a:chExt cx="8324819" cy="7994714"/>
+            <a:off x="307236" y="821700"/>
+            <a:ext cx="3482804" cy="3146211"/>
+            <a:chOff x="307236" y="868019"/>
+            <a:chExt cx="3482804" cy="3146211"/>
           </a:xfrm>
         </p:grpSpPr>
-        <p:cxnSp>
-          <p:nvCxnSpPr>
-            <p:cNvPr id="104" name="Straight Connector 103"/>
-            <p:cNvCxnSpPr/>
-            <p:nvPr/>
-          </p:nvCxnSpPr>
-          <p:spPr>
-            <a:xfrm flipV="1">
-              <a:off x="683406" y="5038978"/>
-              <a:ext cx="1018576" cy="3120698"/>
-            </a:xfrm>
-            <a:prstGeom prst="line">
-              <a:avLst/>
-            </a:prstGeom>
-            <a:ln w="50800">
-              <a:solidFill>
-                <a:srgbClr val="3899FF"/>
-              </a:solidFill>
-            </a:ln>
-            <a:effectLst/>
-          </p:spPr>
-          <p:style>
-            <a:lnRef idx="2">
-              <a:schemeClr val="accent1"/>
-            </a:lnRef>
-            <a:fillRef idx="0">
-              <a:schemeClr val="accent1"/>
-            </a:fillRef>
-            <a:effectRef idx="1">
-              <a:schemeClr val="accent1"/>
-            </a:effectRef>
-            <a:fontRef idx="minor">
-              <a:schemeClr val="tx1"/>
-            </a:fontRef>
-          </p:style>
-        </p:cxnSp>
-        <p:sp>
-          <p:nvSpPr>
-            <p:cNvPr id="6" name="TextBox 5"/>
-            <p:cNvSpPr txBox="1"/>
-            <p:nvPr/>
-          </p:nvSpPr>
-          <p:spPr>
-            <a:xfrm>
-              <a:off x="531165" y="4054044"/>
-              <a:ext cx="2775219" cy="461665"/>
-            </a:xfrm>
-            <a:prstGeom prst="rect">
-              <a:avLst/>
-            </a:prstGeom>
-            <a:noFill/>
-          </p:spPr>
-          <p:txBody>
-            <a:bodyPr wrap="none" rtlCol="0">
-              <a:spAutoFit/>
-            </a:bodyPr>
-            <a:lstStyle/>
-            <a:p>
-              <a:r>
-                <a:rPr lang="en-US" sz="2400" dirty="0" smtClean="0">
-                  <a:latin typeface="Times New Roman" charset="0"/>
-                  <a:ea typeface="Times New Roman" charset="0"/>
-                  <a:cs typeface="Times New Roman" charset="0"/>
-                </a:rPr>
-                <a:t>(Step 1) Train Model</a:t>
-              </a:r>
-              <a:endParaRPr lang="en-US" sz="2400" dirty="0">
-                <a:latin typeface="Times New Roman" charset="0"/>
-                <a:ea typeface="Times New Roman" charset="0"/>
-                <a:cs typeface="Times New Roman" charset="0"/>
-              </a:endParaRPr>
-            </a:p>
-          </p:txBody>
-        </p:sp>
         <p:cxnSp>
           <p:nvCxnSpPr>
             <p:cNvPr id="16" name="Straight Connector 15"/>
@@ -15466,44 +15430,59 @@
             </a:p>
           </p:txBody>
         </p:sp>
-        <p:sp>
-          <p:nvSpPr>
-            <p:cNvPr id="53" name="TextBox 52"/>
-            <p:cNvSpPr txBox="1"/>
-            <p:nvPr/>
-          </p:nvSpPr>
-          <p:spPr>
-            <a:xfrm>
-              <a:off x="4464027" y="4015002"/>
-              <a:ext cx="4168028" cy="461665"/>
-            </a:xfrm>
-            <a:prstGeom prst="rect">
-              <a:avLst/>
-            </a:prstGeom>
-            <a:noFill/>
-          </p:spPr>
-          <p:txBody>
-            <a:bodyPr wrap="none" rtlCol="0">
-              <a:spAutoFit/>
-            </a:bodyPr>
-            <a:lstStyle/>
-            <a:p>
-              <a:r>
-                <a:rPr lang="en-US" sz="2400" dirty="0" smtClean="0">
-                  <a:latin typeface="Times New Roman" charset="0"/>
-                  <a:ea typeface="Times New Roman" charset="0"/>
-                  <a:cs typeface="Times New Roman" charset="0"/>
-                </a:rPr>
-                <a:t>(Step 2) Identify Possible Errors</a:t>
-              </a:r>
-              <a:endParaRPr lang="en-US" sz="2400" dirty="0">
+      </p:grpSp>
+      <p:sp>
+        <p:nvSpPr>
+          <p:cNvPr id="53" name="TextBox 52"/>
+          <p:cNvSpPr txBox="1"/>
+          <p:nvPr/>
+        </p:nvSpPr>
+        <p:spPr>
+          <a:xfrm>
+            <a:off x="4464027" y="4015002"/>
+            <a:ext cx="4168028" cy="461665"/>
+          </a:xfrm>
+          <a:prstGeom prst="rect">
+            <a:avLst/>
+          </a:prstGeom>
+          <a:noFill/>
+        </p:spPr>
+        <p:txBody>
+          <a:bodyPr wrap="none" rtlCol="0">
+            <a:spAutoFit/>
+          </a:bodyPr>
+          <a:lstStyle/>
+          <a:p>
+            <a:r>
+              <a:rPr lang="en-US" sz="2400" dirty="0" smtClean="0">
                 <a:latin typeface="Times New Roman" charset="0"/>
                 <a:ea typeface="Times New Roman" charset="0"/>
                 <a:cs typeface="Times New Roman" charset="0"/>
-              </a:endParaRPr>
-            </a:p>
-          </p:txBody>
-        </p:sp>
+              </a:rPr>
+              <a:t>(Step 2) Identify Possible Errors</a:t>
+            </a:r>
+            <a:endParaRPr lang="en-US" sz="2400" dirty="0">
+              <a:latin typeface="Times New Roman" charset="0"/>
+              <a:ea typeface="Times New Roman" charset="0"/>
+              <a:cs typeface="Times New Roman" charset="0"/>
+            </a:endParaRPr>
+          </a:p>
+        </p:txBody>
+      </p:sp>
+      <p:grpSp>
+        <p:nvGrpSpPr>
+          <p:cNvPr id="8" name="Group 7"/>
+          <p:cNvGrpSpPr/>
+          <p:nvPr/>
+        </p:nvGrpSpPr>
+        <p:grpSpPr>
+          <a:xfrm>
+            <a:off x="4806639" y="821700"/>
+            <a:ext cx="3482804" cy="3146211"/>
+            <a:chOff x="4798787" y="775381"/>
+            <a:chExt cx="3482804" cy="3146211"/>
+          </a:xfrm>
+        </p:grpSpPr>
         <p:cxnSp>
           <p:nvCxnSpPr>
             <p:cNvPr id="54" name="Straight Connector 53"/>
@@ -15900,16 +15879,482 @@
             </a:p>
           </p:txBody>
         </p:sp>
+      </p:grpSp>
+      <p:sp>
+        <p:nvSpPr>
+          <p:cNvPr id="73" name="TextBox 72"/>
+          <p:cNvSpPr txBox="1"/>
+          <p:nvPr/>
+        </p:nvSpPr>
+        <p:spPr>
+          <a:xfrm>
+            <a:off x="4848823" y="8297700"/>
+            <a:ext cx="3398436" cy="461665"/>
+          </a:xfrm>
+          <a:prstGeom prst="rect">
+            <a:avLst/>
+          </a:prstGeom>
+          <a:noFill/>
+        </p:spPr>
+        <p:txBody>
+          <a:bodyPr wrap="none" rtlCol="0">
+            <a:spAutoFit/>
+          </a:bodyPr>
+          <a:lstStyle/>
+          <a:p>
+            <a:r>
+              <a:rPr lang="en-US" sz="2400" dirty="0" smtClean="0">
+                <a:latin typeface="Times New Roman" charset="0"/>
+                <a:ea typeface="Times New Roman" charset="0"/>
+                <a:cs typeface="Times New Roman" charset="0"/>
+              </a:rPr>
+              <a:t>(Step 3) Clean or Remove</a:t>
+            </a:r>
+            <a:endParaRPr lang="en-US" sz="2400" dirty="0">
+              <a:latin typeface="Times New Roman" charset="0"/>
+              <a:ea typeface="Times New Roman" charset="0"/>
+              <a:cs typeface="Times New Roman" charset="0"/>
+            </a:endParaRPr>
+          </a:p>
+        </p:txBody>
+      </p:sp>
+      <p:sp>
+        <p:nvSpPr>
+          <p:cNvPr id="91" name="TextBox 90"/>
+          <p:cNvSpPr txBox="1"/>
+          <p:nvPr/>
+        </p:nvSpPr>
+        <p:spPr>
+          <a:xfrm>
+            <a:off x="973389" y="8308430"/>
+            <a:ext cx="2150499" cy="461665"/>
+          </a:xfrm>
+          <a:prstGeom prst="rect">
+            <a:avLst/>
+          </a:prstGeom>
+          <a:noFill/>
+        </p:spPr>
+        <p:txBody>
+          <a:bodyPr wrap="none" rtlCol="0">
+            <a:spAutoFit/>
+          </a:bodyPr>
+          <a:lstStyle/>
+          <a:p>
+            <a:r>
+              <a:rPr lang="en-US" sz="2400" dirty="0" smtClean="0">
+                <a:latin typeface="Times New Roman" charset="0"/>
+                <a:ea typeface="Times New Roman" charset="0"/>
+                <a:cs typeface="Times New Roman" charset="0"/>
+              </a:rPr>
+              <a:t>(Step 4) Retrain</a:t>
+            </a:r>
+            <a:endParaRPr lang="en-US" sz="2400" dirty="0">
+              <a:latin typeface="Times New Roman" charset="0"/>
+              <a:ea typeface="Times New Roman" charset="0"/>
+              <a:cs typeface="Times New Roman" charset="0"/>
+            </a:endParaRPr>
+          </a:p>
+        </p:txBody>
+      </p:sp>
+      <p:grpSp>
+        <p:nvGrpSpPr>
+          <p:cNvPr id="12" name="Group 11"/>
+          <p:cNvGrpSpPr/>
+          <p:nvPr/>
+        </p:nvGrpSpPr>
+        <p:grpSpPr>
+          <a:xfrm>
+            <a:off x="307236" y="4993227"/>
+            <a:ext cx="3482804" cy="3146212"/>
+            <a:chOff x="307236" y="5038978"/>
+            <a:chExt cx="3482804" cy="3146212"/>
+          </a:xfrm>
+        </p:grpSpPr>
+        <p:cxnSp>
+          <p:nvCxnSpPr>
+            <p:cNvPr id="104" name="Straight Connector 103"/>
+            <p:cNvCxnSpPr/>
+            <p:nvPr/>
+          </p:nvCxnSpPr>
+          <p:spPr>
+            <a:xfrm flipV="1">
+              <a:off x="683406" y="5038978"/>
+              <a:ext cx="1018576" cy="3120698"/>
+            </a:xfrm>
+            <a:prstGeom prst="line">
+              <a:avLst/>
+            </a:prstGeom>
+            <a:ln w="50800">
+              <a:solidFill>
+                <a:srgbClr val="3899FF"/>
+              </a:solidFill>
+            </a:ln>
+            <a:effectLst/>
+          </p:spPr>
+          <p:style>
+            <a:lnRef idx="2">
+              <a:schemeClr val="accent1"/>
+            </a:lnRef>
+            <a:fillRef idx="0">
+              <a:schemeClr val="accent1"/>
+            </a:fillRef>
+            <a:effectRef idx="1">
+              <a:schemeClr val="accent1"/>
+            </a:effectRef>
+            <a:fontRef idx="minor">
+              <a:schemeClr val="tx1"/>
+            </a:fontRef>
+          </p:style>
+        </p:cxnSp>
+        <p:cxnSp>
+          <p:nvCxnSpPr>
+            <p:cNvPr id="92" name="Straight Connector 91"/>
+            <p:cNvCxnSpPr/>
+            <p:nvPr/>
+          </p:nvCxnSpPr>
+          <p:spPr>
+            <a:xfrm flipV="1">
+              <a:off x="334260" y="5038978"/>
+              <a:ext cx="2375112" cy="3120698"/>
+            </a:xfrm>
+            <a:prstGeom prst="line">
+              <a:avLst/>
+            </a:prstGeom>
+            <a:ln w="50800">
+              <a:solidFill>
+                <a:srgbClr val="FB3A18"/>
+              </a:solidFill>
+            </a:ln>
+            <a:effectLst/>
+          </p:spPr>
+          <p:style>
+            <a:lnRef idx="2">
+              <a:schemeClr val="accent1"/>
+            </a:lnRef>
+            <a:fillRef idx="0">
+              <a:schemeClr val="accent1"/>
+            </a:fillRef>
+            <a:effectRef idx="1">
+              <a:schemeClr val="accent1"/>
+            </a:effectRef>
+            <a:fontRef idx="minor">
+              <a:schemeClr val="tx1"/>
+            </a:fontRef>
+          </p:style>
+        </p:cxnSp>
+        <p:cxnSp>
+          <p:nvCxnSpPr>
+            <p:cNvPr id="93" name="Straight Arrow Connector 92"/>
+            <p:cNvCxnSpPr/>
+            <p:nvPr/>
+          </p:nvCxnSpPr>
+          <p:spPr>
+            <a:xfrm flipV="1">
+              <a:off x="307236" y="5068809"/>
+              <a:ext cx="0" cy="3116380"/>
+            </a:xfrm>
+            <a:prstGeom prst="straightConnector1">
+              <a:avLst/>
+            </a:prstGeom>
+            <a:ln w="50800">
+              <a:solidFill>
+                <a:schemeClr val="bg1">
+                  <a:lumMod val="50000"/>
+                </a:schemeClr>
+              </a:solidFill>
+              <a:tailEnd type="triangle"/>
+            </a:ln>
+            <a:effectLst/>
+          </p:spPr>
+          <p:style>
+            <a:lnRef idx="2">
+              <a:schemeClr val="accent1"/>
+            </a:lnRef>
+            <a:fillRef idx="0">
+              <a:schemeClr val="accent1"/>
+            </a:fillRef>
+            <a:effectRef idx="1">
+              <a:schemeClr val="accent1"/>
+            </a:effectRef>
+            <a:fontRef idx="minor">
+              <a:schemeClr val="tx1"/>
+            </a:fontRef>
+          </p:style>
+        </p:cxnSp>
+        <p:cxnSp>
+          <p:nvCxnSpPr>
+            <p:cNvPr id="94" name="Straight Arrow Connector 93"/>
+            <p:cNvCxnSpPr/>
+            <p:nvPr/>
+          </p:nvCxnSpPr>
+          <p:spPr>
+            <a:xfrm flipV="1">
+              <a:off x="307236" y="8159676"/>
+              <a:ext cx="3482804" cy="25514"/>
+            </a:xfrm>
+            <a:prstGeom prst="straightConnector1">
+              <a:avLst/>
+            </a:prstGeom>
+            <a:ln w="50800">
+              <a:solidFill>
+                <a:schemeClr val="bg1">
+                  <a:lumMod val="50000"/>
+                </a:schemeClr>
+              </a:solidFill>
+              <a:tailEnd type="triangle"/>
+            </a:ln>
+            <a:effectLst/>
+          </p:spPr>
+          <p:style>
+            <a:lnRef idx="2">
+              <a:schemeClr val="accent1"/>
+            </a:lnRef>
+            <a:fillRef idx="0">
+              <a:schemeClr val="accent1"/>
+            </a:fillRef>
+            <a:effectRef idx="1">
+              <a:schemeClr val="accent1"/>
+            </a:effectRef>
+            <a:fontRef idx="minor">
+              <a:schemeClr val="tx1"/>
+            </a:fontRef>
+          </p:style>
+        </p:cxnSp>
         <p:sp>
           <p:nvSpPr>
-            <p:cNvPr id="73" name="TextBox 72"/>
+            <p:cNvPr id="95" name="Multiply 94"/>
+            <p:cNvSpPr/>
+            <p:nvPr/>
+          </p:nvSpPr>
+          <p:spPr>
+            <a:xfrm>
+              <a:off x="484237" y="6633130"/>
+              <a:ext cx="405915" cy="405915"/>
+            </a:xfrm>
+            <a:prstGeom prst="mathMultiply">
+              <a:avLst/>
+            </a:prstGeom>
+            <a:solidFill>
+              <a:srgbClr val="3899FF"/>
+            </a:solidFill>
+            <a:ln>
+              <a:noFill/>
+            </a:ln>
+            <a:effectLst/>
+          </p:spPr>
+          <p:style>
+            <a:lnRef idx="1">
+              <a:schemeClr val="accent1"/>
+            </a:lnRef>
+            <a:fillRef idx="3">
+              <a:schemeClr val="accent1"/>
+            </a:fillRef>
+            <a:effectRef idx="2">
+              <a:schemeClr val="accent1"/>
+            </a:effectRef>
+            <a:fontRef idx="minor">
+              <a:schemeClr val="lt1"/>
+            </a:fontRef>
+          </p:style>
+          <p:txBody>
+            <a:bodyPr rtlCol="0" anchor="ctr"/>
+            <a:lstStyle/>
+            <a:p>
+              <a:pPr algn="ctr"/>
+              <a:endParaRPr lang="en-US"/>
+            </a:p>
+          </p:txBody>
+        </p:sp>
+        <p:sp>
+          <p:nvSpPr>
+            <p:cNvPr id="96" name="Multiply 95"/>
+            <p:cNvSpPr/>
+            <p:nvPr/>
+          </p:nvSpPr>
+          <p:spPr>
+            <a:xfrm>
+              <a:off x="536452" y="7266368"/>
+              <a:ext cx="405915" cy="405915"/>
+            </a:xfrm>
+            <a:prstGeom prst="mathMultiply">
+              <a:avLst/>
+            </a:prstGeom>
+            <a:solidFill>
+              <a:srgbClr val="3899FF"/>
+            </a:solidFill>
+            <a:ln>
+              <a:noFill/>
+            </a:ln>
+            <a:effectLst/>
+          </p:spPr>
+          <p:style>
+            <a:lnRef idx="1">
+              <a:schemeClr val="accent1"/>
+            </a:lnRef>
+            <a:fillRef idx="3">
+              <a:schemeClr val="accent1"/>
+            </a:fillRef>
+            <a:effectRef idx="2">
+              <a:schemeClr val="accent1"/>
+            </a:effectRef>
+            <a:fontRef idx="minor">
+              <a:schemeClr val="lt1"/>
+            </a:fontRef>
+          </p:style>
+          <p:txBody>
+            <a:bodyPr rtlCol="0" anchor="ctr"/>
+            <a:lstStyle/>
+            <a:p>
+              <a:pPr algn="ctr"/>
+              <a:endParaRPr lang="en-US"/>
+            </a:p>
+          </p:txBody>
+        </p:sp>
+        <p:sp>
+          <p:nvSpPr>
+            <p:cNvPr id="98" name="Multiply 97"/>
+            <p:cNvSpPr/>
+            <p:nvPr/>
+          </p:nvSpPr>
+          <p:spPr>
+            <a:xfrm>
+              <a:off x="1047237" y="7394402"/>
+              <a:ext cx="405915" cy="405915"/>
+            </a:xfrm>
+            <a:prstGeom prst="mathMultiply">
+              <a:avLst/>
+            </a:prstGeom>
+            <a:solidFill>
+              <a:srgbClr val="3899FF"/>
+            </a:solidFill>
+            <a:ln>
+              <a:noFill/>
+            </a:ln>
+            <a:effectLst/>
+          </p:spPr>
+          <p:style>
+            <a:lnRef idx="1">
+              <a:schemeClr val="accent1"/>
+            </a:lnRef>
+            <a:fillRef idx="3">
+              <a:schemeClr val="accent1"/>
+            </a:fillRef>
+            <a:effectRef idx="2">
+              <a:schemeClr val="accent1"/>
+            </a:effectRef>
+            <a:fontRef idx="minor">
+              <a:schemeClr val="lt1"/>
+            </a:fontRef>
+          </p:style>
+          <p:txBody>
+            <a:bodyPr rtlCol="0" anchor="ctr"/>
+            <a:lstStyle/>
+            <a:p>
+              <a:pPr algn="ctr"/>
+              <a:endParaRPr lang="en-US"/>
+            </a:p>
+          </p:txBody>
+        </p:sp>
+        <p:sp>
+          <p:nvSpPr>
+            <p:cNvPr id="99" name="Multiply 98"/>
+            <p:cNvSpPr/>
+            <p:nvPr/>
+          </p:nvSpPr>
+          <p:spPr>
+            <a:xfrm>
+              <a:off x="1296067" y="6534361"/>
+              <a:ext cx="405915" cy="405915"/>
+            </a:xfrm>
+            <a:prstGeom prst="mathMultiply">
+              <a:avLst/>
+            </a:prstGeom>
+            <a:solidFill>
+              <a:srgbClr val="3899FF"/>
+            </a:solidFill>
+            <a:ln>
+              <a:noFill/>
+            </a:ln>
+            <a:effectLst/>
+          </p:spPr>
+          <p:style>
+            <a:lnRef idx="1">
+              <a:schemeClr val="accent1"/>
+            </a:lnRef>
+            <a:fillRef idx="3">
+              <a:schemeClr val="accent1"/>
+            </a:fillRef>
+            <a:effectRef idx="2">
+              <a:schemeClr val="accent1"/>
+            </a:effectRef>
+            <a:fontRef idx="minor">
+              <a:schemeClr val="lt1"/>
+            </a:fontRef>
+          </p:style>
+          <p:txBody>
+            <a:bodyPr rtlCol="0" anchor="ctr"/>
+            <a:lstStyle/>
+            <a:p>
+              <a:pPr algn="ctr"/>
+              <a:endParaRPr lang="en-US"/>
+            </a:p>
+          </p:txBody>
+        </p:sp>
+        <p:sp>
+          <p:nvSpPr>
+            <p:cNvPr id="102" name="Multiply 101"/>
+            <p:cNvSpPr/>
+            <p:nvPr/>
+          </p:nvSpPr>
+          <p:spPr>
+            <a:xfrm>
+              <a:off x="1043789" y="5923785"/>
+              <a:ext cx="405915" cy="405915"/>
+            </a:xfrm>
+            <a:prstGeom prst="mathMultiply">
+              <a:avLst/>
+            </a:prstGeom>
+            <a:solidFill>
+              <a:srgbClr val="3899FF"/>
+            </a:solidFill>
+            <a:ln>
+              <a:noFill/>
+            </a:ln>
+            <a:effectLst/>
+          </p:spPr>
+          <p:style>
+            <a:lnRef idx="1">
+              <a:schemeClr val="accent1"/>
+            </a:lnRef>
+            <a:fillRef idx="3">
+              <a:schemeClr val="accent1"/>
+            </a:fillRef>
+            <a:effectRef idx="2">
+              <a:schemeClr val="accent1"/>
+            </a:effectRef>
+            <a:fontRef idx="minor">
+              <a:schemeClr val="lt1"/>
+            </a:fontRef>
+          </p:style>
+          <p:txBody>
+            <a:bodyPr rtlCol="0" anchor="ctr"/>
+            <a:lstStyle/>
+            <a:p>
+              <a:pPr algn="ctr"/>
+              <a:endParaRPr lang="en-US"/>
+            </a:p>
+          </p:txBody>
+        </p:sp>
+        <p:sp>
+          <p:nvSpPr>
+            <p:cNvPr id="110" name="TextBox 109"/>
             <p:cNvSpPr txBox="1"/>
             <p:nvPr/>
           </p:nvSpPr>
           <p:spPr>
             <a:xfrm>
-              <a:off x="4825811" y="8297700"/>
-              <a:ext cx="3398436" cy="461665"/>
+              <a:off x="700885" y="5081167"/>
+              <a:ext cx="889411" cy="523220"/>
             </a:xfrm>
             <a:prstGeom prst="rect">
               <a:avLst/>
@@ -15923,21 +16368,242 @@
             <a:lstStyle/>
             <a:p>
               <a:r>
-                <a:rPr lang="en-US" sz="2400" dirty="0" smtClean="0">
-                  <a:latin typeface="Times New Roman" charset="0"/>
-                  <a:ea typeface="Times New Roman" charset="0"/>
-                  <a:cs typeface="Times New Roman" charset="0"/>
+                <a:rPr lang="en-US" sz="2800" dirty="0" smtClean="0">
+                  <a:solidFill>
+                    <a:srgbClr val="3899FF"/>
+                  </a:solidFill>
+                  <a:latin typeface="Gill Sans"/>
+                  <a:cs typeface="Gill Sans"/>
                 </a:rPr>
-                <a:t>(Step 3) Clean or Remove</a:t>
+                <a:t>New</a:t>
               </a:r>
-              <a:endParaRPr lang="en-US" sz="2400" dirty="0">
-                <a:latin typeface="Times New Roman" charset="0"/>
-                <a:ea typeface="Times New Roman" charset="0"/>
-                <a:cs typeface="Times New Roman" charset="0"/>
+              <a:endParaRPr lang="en-US" sz="2800" dirty="0">
+                <a:solidFill>
+                  <a:srgbClr val="3899FF"/>
+                </a:solidFill>
+                <a:latin typeface="Gill Sans"/>
+                <a:cs typeface="Gill Sans"/>
               </a:endParaRPr>
             </a:p>
           </p:txBody>
         </p:sp>
+        <p:sp>
+          <p:nvSpPr>
+            <p:cNvPr id="111" name="TextBox 110"/>
+            <p:cNvSpPr txBox="1"/>
+            <p:nvPr/>
+          </p:nvSpPr>
+          <p:spPr>
+            <a:xfrm>
+              <a:off x="2625975" y="5081167"/>
+              <a:ext cx="740908" cy="523220"/>
+            </a:xfrm>
+            <a:prstGeom prst="rect">
+              <a:avLst/>
+            </a:prstGeom>
+            <a:noFill/>
+          </p:spPr>
+          <p:txBody>
+            <a:bodyPr wrap="none" rtlCol="0">
+              <a:spAutoFit/>
+            </a:bodyPr>
+            <a:lstStyle/>
+            <a:p>
+              <a:r>
+                <a:rPr lang="en-US" sz="2800" dirty="0" smtClean="0">
+                  <a:solidFill>
+                    <a:srgbClr val="FF0000"/>
+                  </a:solidFill>
+                  <a:latin typeface="Gill Sans"/>
+                  <a:cs typeface="Gill Sans"/>
+                </a:rPr>
+                <a:t>Old</a:t>
+              </a:r>
+              <a:endParaRPr lang="en-US" sz="2800" dirty="0">
+                <a:solidFill>
+                  <a:srgbClr val="FF0000"/>
+                </a:solidFill>
+                <a:latin typeface="Gill Sans"/>
+                <a:cs typeface="Gill Sans"/>
+              </a:endParaRPr>
+            </a:p>
+          </p:txBody>
+        </p:sp>
+      </p:grpSp>
+      <p:cxnSp>
+        <p:nvCxnSpPr>
+          <p:cNvPr id="3" name="Straight Arrow Connector 2"/>
+          <p:cNvCxnSpPr/>
+          <p:nvPr/>
+        </p:nvCxnSpPr>
+        <p:spPr>
+          <a:xfrm>
+            <a:off x="3943855" y="2394805"/>
+            <a:ext cx="520172" cy="0"/>
+          </a:xfrm>
+          <a:prstGeom prst="straightConnector1">
+            <a:avLst/>
+          </a:prstGeom>
+          <a:ln w="76200">
+            <a:solidFill>
+              <a:schemeClr val="bg1">
+                <a:lumMod val="50000"/>
+              </a:schemeClr>
+            </a:solidFill>
+            <a:headEnd type="none" w="med" len="med"/>
+            <a:tailEnd type="triangle" w="med" len="med"/>
+          </a:ln>
+          <a:effectLst/>
+        </p:spPr>
+        <p:style>
+          <a:lnRef idx="2">
+            <a:schemeClr val="accent1"/>
+          </a:lnRef>
+          <a:fillRef idx="0">
+            <a:schemeClr val="accent1"/>
+          </a:fillRef>
+          <a:effectRef idx="1">
+            <a:schemeClr val="accent1"/>
+          </a:effectRef>
+          <a:fontRef idx="minor">
+            <a:schemeClr val="tx1"/>
+          </a:fontRef>
+        </p:style>
+      </p:cxnSp>
+      <p:cxnSp>
+        <p:nvCxnSpPr>
+          <p:cNvPr id="63" name="Straight Arrow Connector 62"/>
+          <p:cNvCxnSpPr/>
+          <p:nvPr/>
+        </p:nvCxnSpPr>
+        <p:spPr>
+          <a:xfrm>
+            <a:off x="6548041" y="4554796"/>
+            <a:ext cx="0" cy="520172"/>
+          </a:xfrm>
+          <a:prstGeom prst="straightConnector1">
+            <a:avLst/>
+          </a:prstGeom>
+          <a:ln w="76200">
+            <a:solidFill>
+              <a:schemeClr val="bg1">
+                <a:lumMod val="50000"/>
+              </a:schemeClr>
+            </a:solidFill>
+            <a:headEnd type="none" w="med" len="med"/>
+            <a:tailEnd type="triangle" w="med" len="med"/>
+          </a:ln>
+          <a:effectLst/>
+        </p:spPr>
+        <p:style>
+          <a:lnRef idx="2">
+            <a:schemeClr val="accent1"/>
+          </a:lnRef>
+          <a:fillRef idx="0">
+            <a:schemeClr val="accent1"/>
+          </a:fillRef>
+          <a:effectRef idx="1">
+            <a:schemeClr val="accent1"/>
+          </a:effectRef>
+          <a:fontRef idx="minor">
+            <a:schemeClr val="tx1"/>
+          </a:fontRef>
+        </p:style>
+      </p:cxnSp>
+      <p:cxnSp>
+        <p:nvCxnSpPr>
+          <p:cNvPr id="64" name="Straight Arrow Connector 63"/>
+          <p:cNvCxnSpPr/>
+          <p:nvPr/>
+        </p:nvCxnSpPr>
+        <p:spPr>
+          <a:xfrm>
+            <a:off x="3943855" y="6566333"/>
+            <a:ext cx="520172" cy="0"/>
+          </a:xfrm>
+          <a:prstGeom prst="straightConnector1">
+            <a:avLst/>
+          </a:prstGeom>
+          <a:ln w="76200">
+            <a:solidFill>
+              <a:schemeClr val="bg1">
+                <a:lumMod val="50000"/>
+              </a:schemeClr>
+            </a:solidFill>
+            <a:headEnd type="triangle" w="med" len="med"/>
+            <a:tailEnd type="none" w="med" len="med"/>
+          </a:ln>
+          <a:effectLst/>
+        </p:spPr>
+        <p:style>
+          <a:lnRef idx="2">
+            <a:schemeClr val="accent1"/>
+          </a:lnRef>
+          <a:fillRef idx="0">
+            <a:schemeClr val="accent1"/>
+          </a:fillRef>
+          <a:effectRef idx="1">
+            <a:schemeClr val="accent1"/>
+          </a:effectRef>
+          <a:fontRef idx="minor">
+            <a:schemeClr val="tx1"/>
+          </a:fontRef>
+        </p:style>
+      </p:cxnSp>
+      <p:cxnSp>
+        <p:nvCxnSpPr>
+          <p:cNvPr id="65" name="Straight Arrow Connector 64"/>
+          <p:cNvCxnSpPr/>
+          <p:nvPr/>
+        </p:nvCxnSpPr>
+        <p:spPr>
+          <a:xfrm>
+            <a:off x="2048638" y="4554796"/>
+            <a:ext cx="0" cy="520172"/>
+          </a:xfrm>
+          <a:prstGeom prst="straightConnector1">
+            <a:avLst/>
+          </a:prstGeom>
+          <a:ln w="76200">
+            <a:solidFill>
+              <a:schemeClr val="bg1">
+                <a:lumMod val="50000"/>
+              </a:schemeClr>
+            </a:solidFill>
+            <a:headEnd type="triangle" w="med" len="med"/>
+            <a:tailEnd type="none" w="med" len="med"/>
+          </a:ln>
+          <a:effectLst/>
+        </p:spPr>
+        <p:style>
+          <a:lnRef idx="2">
+            <a:schemeClr val="accent1"/>
+          </a:lnRef>
+          <a:fillRef idx="0">
+            <a:schemeClr val="accent1"/>
+          </a:fillRef>
+          <a:effectRef idx="1">
+            <a:schemeClr val="accent1"/>
+          </a:effectRef>
+          <a:fontRef idx="minor">
+            <a:schemeClr val="tx1"/>
+          </a:fontRef>
+        </p:style>
+      </p:cxnSp>
+      <p:grpSp>
+        <p:nvGrpSpPr>
+          <p:cNvPr id="11" name="Group 10"/>
+          <p:cNvGrpSpPr/>
+          <p:nvPr/>
+        </p:nvGrpSpPr>
+        <p:grpSpPr>
+          <a:xfrm>
+            <a:off x="4806639" y="4993228"/>
+            <a:ext cx="3482804" cy="3146211"/>
+            <a:chOff x="4847798" y="4947476"/>
+            <a:chExt cx="3482804" cy="3146211"/>
+          </a:xfrm>
+        </p:grpSpPr>
         <p:cxnSp>
           <p:nvCxnSpPr>
             <p:cNvPr id="74" name="Straight Connector 73"/>
@@ -16067,9 +16733,7 @@
               <a:avLst/>
             </a:prstGeom>
             <a:solidFill>
-              <a:srgbClr val="FB3A18">
-                <a:alpha val="85098"/>
-              </a:srgbClr>
+              <a:srgbClr val="3899FF"/>
             </a:solidFill>
             <a:ln>
               <a:noFill/>
@@ -16114,9 +16778,7 @@
               <a:avLst/>
             </a:prstGeom>
             <a:solidFill>
-              <a:srgbClr val="FB3A18">
-                <a:alpha val="85098"/>
-              </a:srgbClr>
+              <a:srgbClr val="3899FF"/>
             </a:solidFill>
             <a:ln>
               <a:noFill/>
@@ -16160,11 +16822,13 @@
             <a:prstGeom prst="mathMultiply">
               <a:avLst/>
             </a:prstGeom>
-            <a:noFill/>
+            <a:solidFill>
+              <a:schemeClr val="bg1">
+                <a:lumMod val="75000"/>
+              </a:schemeClr>
+            </a:solidFill>
             <a:ln>
-              <a:solidFill>
-                <a:schemeClr val="tx1"/>
-              </a:solidFill>
+              <a:noFill/>
             </a:ln>
             <a:effectLst/>
           </p:spPr>
@@ -16206,9 +16870,7 @@
               <a:avLst/>
             </a:prstGeom>
             <a:solidFill>
-              <a:srgbClr val="FB3A18">
-                <a:alpha val="85098"/>
-              </a:srgbClr>
+              <a:srgbClr val="3899FF"/>
             </a:solidFill>
             <a:ln>
               <a:noFill/>
@@ -16253,9 +16915,7 @@
               <a:avLst/>
             </a:prstGeom>
             <a:solidFill>
-              <a:srgbClr val="FB3A18">
-                <a:alpha val="85098"/>
-              </a:srgbClr>
+              <a:srgbClr val="3899FF"/>
             </a:solidFill>
             <a:ln>
               <a:noFill/>
@@ -16340,8 +17000,8 @@
           </p:nvCxnSpPr>
           <p:spPr>
             <a:xfrm flipH="1">
-              <a:off x="5836629" y="6020782"/>
-              <a:ext cx="800612" cy="0"/>
+              <a:off x="5936645" y="6029325"/>
+              <a:ext cx="682836" cy="5745"/>
             </a:xfrm>
             <a:prstGeom prst="straightConnector1">
               <a:avLst/>
@@ -16387,248 +17047,7 @@
               <a:avLst/>
             </a:prstGeom>
             <a:solidFill>
-              <a:srgbClr val="FF3C18">
-                <a:alpha val="85098"/>
-              </a:srgbClr>
-            </a:solidFill>
-            <a:ln>
-              <a:noFill/>
-            </a:ln>
-            <a:effectLst/>
-          </p:spPr>
-          <p:style>
-            <a:lnRef idx="1">
-              <a:schemeClr val="accent1"/>
-            </a:lnRef>
-            <a:fillRef idx="3">
-              <a:schemeClr val="accent1"/>
-            </a:fillRef>
-            <a:effectRef idx="2">
-              <a:schemeClr val="accent1"/>
-            </a:effectRef>
-            <a:fontRef idx="minor">
-              <a:schemeClr val="lt1"/>
-            </a:fontRef>
-          </p:style>
-          <p:txBody>
-            <a:bodyPr rtlCol="0" anchor="ctr"/>
-            <a:lstStyle/>
-            <a:p>
-              <a:pPr algn="ctr"/>
-              <a:endParaRPr lang="en-US"/>
-            </a:p>
-          </p:txBody>
-        </p:sp>
-        <p:cxnSp>
-          <p:nvCxnSpPr>
-            <p:cNvPr id="89" name="Straight Arrow Connector 88"/>
-            <p:cNvCxnSpPr/>
-            <p:nvPr/>
-          </p:nvCxnSpPr>
-          <p:spPr>
-            <a:xfrm flipH="1" flipV="1">
-              <a:off x="7249934" y="5758690"/>
-              <a:ext cx="457634" cy="427273"/>
-            </a:xfrm>
-            <a:prstGeom prst="straightConnector1">
-              <a:avLst/>
-            </a:prstGeom>
-            <a:ln w="50800">
-              <a:solidFill>
-                <a:schemeClr val="tx1">
-                  <a:lumMod val="50000"/>
-                  <a:lumOff val="50000"/>
-                </a:schemeClr>
-              </a:solidFill>
-              <a:tailEnd type="none"/>
-            </a:ln>
-            <a:effectLst/>
-          </p:spPr>
-          <p:style>
-            <a:lnRef idx="2">
-              <a:schemeClr val="accent1"/>
-            </a:lnRef>
-            <a:fillRef idx="0">
-              <a:schemeClr val="accent1"/>
-            </a:fillRef>
-            <a:effectRef idx="1">
-              <a:schemeClr val="accent1"/>
-            </a:effectRef>
-            <a:fontRef idx="minor">
-              <a:schemeClr val="tx1"/>
-            </a:fontRef>
-          </p:style>
-        </p:cxnSp>
-        <p:sp>
-          <p:nvSpPr>
-            <p:cNvPr id="91" name="TextBox 90"/>
-            <p:cNvSpPr txBox="1"/>
-            <p:nvPr/>
-          </p:nvSpPr>
-          <p:spPr>
-            <a:xfrm>
-              <a:off x="786462" y="8308430"/>
-              <a:ext cx="2150499" cy="461665"/>
-            </a:xfrm>
-            <a:prstGeom prst="rect">
-              <a:avLst/>
-            </a:prstGeom>
-            <a:noFill/>
-          </p:spPr>
-          <p:txBody>
-            <a:bodyPr wrap="none" rtlCol="0">
-              <a:spAutoFit/>
-            </a:bodyPr>
-            <a:lstStyle/>
-            <a:p>
-              <a:r>
-                <a:rPr lang="en-US" sz="2400" dirty="0" smtClean="0">
-                  <a:latin typeface="Times New Roman" charset="0"/>
-                  <a:ea typeface="Times New Roman" charset="0"/>
-                  <a:cs typeface="Times New Roman" charset="0"/>
-                </a:rPr>
-                <a:t>(Step 4) Retrain</a:t>
-              </a:r>
-              <a:endParaRPr lang="en-US" sz="2400" dirty="0">
-                <a:latin typeface="Times New Roman" charset="0"/>
-                <a:ea typeface="Times New Roman" charset="0"/>
-                <a:cs typeface="Times New Roman" charset="0"/>
-              </a:endParaRPr>
-            </a:p>
-          </p:txBody>
-        </p:sp>
-        <p:cxnSp>
-          <p:nvCxnSpPr>
-            <p:cNvPr id="92" name="Straight Connector 91"/>
-            <p:cNvCxnSpPr/>
-            <p:nvPr/>
-          </p:nvCxnSpPr>
-          <p:spPr>
-            <a:xfrm flipV="1">
-              <a:off x="334260" y="5038978"/>
-              <a:ext cx="2375112" cy="3120698"/>
-            </a:xfrm>
-            <a:prstGeom prst="line">
-              <a:avLst/>
-            </a:prstGeom>
-            <a:ln w="50800">
-              <a:solidFill>
-                <a:srgbClr val="FB3A18"/>
-              </a:solidFill>
-            </a:ln>
-            <a:effectLst/>
-          </p:spPr>
-          <p:style>
-            <a:lnRef idx="2">
-              <a:schemeClr val="accent1"/>
-            </a:lnRef>
-            <a:fillRef idx="0">
-              <a:schemeClr val="accent1"/>
-            </a:fillRef>
-            <a:effectRef idx="1">
-              <a:schemeClr val="accent1"/>
-            </a:effectRef>
-            <a:fontRef idx="minor">
-              <a:schemeClr val="tx1"/>
-            </a:fontRef>
-          </p:style>
-        </p:cxnSp>
-        <p:cxnSp>
-          <p:nvCxnSpPr>
-            <p:cNvPr id="93" name="Straight Arrow Connector 92"/>
-            <p:cNvCxnSpPr/>
-            <p:nvPr/>
-          </p:nvCxnSpPr>
-          <p:spPr>
-            <a:xfrm flipV="1">
-              <a:off x="307236" y="5068809"/>
-              <a:ext cx="0" cy="3116380"/>
-            </a:xfrm>
-            <a:prstGeom prst="straightConnector1">
-              <a:avLst/>
-            </a:prstGeom>
-            <a:ln w="50800">
-              <a:solidFill>
-                <a:schemeClr val="bg1">
-                  <a:lumMod val="50000"/>
-                </a:schemeClr>
-              </a:solidFill>
-              <a:tailEnd type="triangle"/>
-            </a:ln>
-            <a:effectLst/>
-          </p:spPr>
-          <p:style>
-            <a:lnRef idx="2">
-              <a:schemeClr val="accent1"/>
-            </a:lnRef>
-            <a:fillRef idx="0">
-              <a:schemeClr val="accent1"/>
-            </a:fillRef>
-            <a:effectRef idx="1">
-              <a:schemeClr val="accent1"/>
-            </a:effectRef>
-            <a:fontRef idx="minor">
-              <a:schemeClr val="tx1"/>
-            </a:fontRef>
-          </p:style>
-        </p:cxnSp>
-        <p:cxnSp>
-          <p:nvCxnSpPr>
-            <p:cNvPr id="94" name="Straight Arrow Connector 93"/>
-            <p:cNvCxnSpPr/>
-            <p:nvPr/>
-          </p:nvCxnSpPr>
-          <p:spPr>
-            <a:xfrm flipV="1">
-              <a:off x="307236" y="8159676"/>
-              <a:ext cx="3482804" cy="25514"/>
-            </a:xfrm>
-            <a:prstGeom prst="straightConnector1">
-              <a:avLst/>
-            </a:prstGeom>
-            <a:ln w="50800">
-              <a:solidFill>
-                <a:schemeClr val="bg1">
-                  <a:lumMod val="50000"/>
-                </a:schemeClr>
-              </a:solidFill>
-              <a:tailEnd type="triangle"/>
-            </a:ln>
-            <a:effectLst/>
-          </p:spPr>
-          <p:style>
-            <a:lnRef idx="2">
-              <a:schemeClr val="accent1"/>
-            </a:lnRef>
-            <a:fillRef idx="0">
-              <a:schemeClr val="accent1"/>
-            </a:fillRef>
-            <a:effectRef idx="1">
-              <a:schemeClr val="accent1"/>
-            </a:effectRef>
-            <a:fontRef idx="minor">
-              <a:schemeClr val="tx1"/>
-            </a:fontRef>
-          </p:style>
-        </p:cxnSp>
-        <p:sp>
-          <p:nvSpPr>
-            <p:cNvPr id="95" name="Multiply 94"/>
-            <p:cNvSpPr/>
-            <p:nvPr/>
-          </p:nvSpPr>
-          <p:spPr>
-            <a:xfrm>
-              <a:off x="484237" y="6633130"/>
-              <a:ext cx="405915" cy="405915"/>
-            </a:xfrm>
-            <a:prstGeom prst="mathMultiply">
-              <a:avLst/>
-            </a:prstGeom>
-            <a:solidFill>
-              <a:srgbClr val="FB3A18">
-                <a:alpha val="85098"/>
-              </a:srgbClr>
+              <a:srgbClr val="3899FF"/>
             </a:solidFill>
             <a:ln>
               <a:noFill/>
@@ -16660,202 +17079,14 @@
         </p:sp>
         <p:sp>
           <p:nvSpPr>
-            <p:cNvPr id="96" name="Multiply 95"/>
-            <p:cNvSpPr/>
-            <p:nvPr/>
-          </p:nvSpPr>
-          <p:spPr>
-            <a:xfrm>
-              <a:off x="536452" y="7266368"/>
-              <a:ext cx="405915" cy="405915"/>
-            </a:xfrm>
-            <a:prstGeom prst="mathMultiply">
-              <a:avLst/>
-            </a:prstGeom>
-            <a:solidFill>
-              <a:srgbClr val="FB3A18">
-                <a:alpha val="85098"/>
-              </a:srgbClr>
-            </a:solidFill>
-            <a:ln>
-              <a:noFill/>
-            </a:ln>
-            <a:effectLst/>
-          </p:spPr>
-          <p:style>
-            <a:lnRef idx="1">
-              <a:schemeClr val="accent1"/>
-            </a:lnRef>
-            <a:fillRef idx="3">
-              <a:schemeClr val="accent1"/>
-            </a:fillRef>
-            <a:effectRef idx="2">
-              <a:schemeClr val="accent1"/>
-            </a:effectRef>
-            <a:fontRef idx="minor">
-              <a:schemeClr val="lt1"/>
-            </a:fontRef>
-          </p:style>
-          <p:txBody>
-            <a:bodyPr rtlCol="0" anchor="ctr"/>
-            <a:lstStyle/>
-            <a:p>
-              <a:pPr algn="ctr"/>
-              <a:endParaRPr lang="en-US"/>
-            </a:p>
-          </p:txBody>
-        </p:sp>
-        <p:sp>
-          <p:nvSpPr>
-            <p:cNvPr id="98" name="Multiply 97"/>
-            <p:cNvSpPr/>
-            <p:nvPr/>
-          </p:nvSpPr>
-          <p:spPr>
-            <a:xfrm>
-              <a:off x="1047237" y="7394402"/>
-              <a:ext cx="405915" cy="405915"/>
-            </a:xfrm>
-            <a:prstGeom prst="mathMultiply">
-              <a:avLst/>
-            </a:prstGeom>
-            <a:solidFill>
-              <a:srgbClr val="FB3A18">
-                <a:alpha val="85098"/>
-              </a:srgbClr>
-            </a:solidFill>
-            <a:ln>
-              <a:noFill/>
-            </a:ln>
-            <a:effectLst/>
-          </p:spPr>
-          <p:style>
-            <a:lnRef idx="1">
-              <a:schemeClr val="accent1"/>
-            </a:lnRef>
-            <a:fillRef idx="3">
-              <a:schemeClr val="accent1"/>
-            </a:fillRef>
-            <a:effectRef idx="2">
-              <a:schemeClr val="accent1"/>
-            </a:effectRef>
-            <a:fontRef idx="minor">
-              <a:schemeClr val="lt1"/>
-            </a:fontRef>
-          </p:style>
-          <p:txBody>
-            <a:bodyPr rtlCol="0" anchor="ctr"/>
-            <a:lstStyle/>
-            <a:p>
-              <a:pPr algn="ctr"/>
-              <a:endParaRPr lang="en-US"/>
-            </a:p>
-          </p:txBody>
-        </p:sp>
-        <p:sp>
-          <p:nvSpPr>
-            <p:cNvPr id="99" name="Multiply 98"/>
-            <p:cNvSpPr/>
-            <p:nvPr/>
-          </p:nvSpPr>
-          <p:spPr>
-            <a:xfrm>
-              <a:off x="1296067" y="6534361"/>
-              <a:ext cx="405915" cy="405915"/>
-            </a:xfrm>
-            <a:prstGeom prst="mathMultiply">
-              <a:avLst/>
-            </a:prstGeom>
-            <a:solidFill>
-              <a:srgbClr val="FB3A18">
-                <a:alpha val="85098"/>
-              </a:srgbClr>
-            </a:solidFill>
-            <a:ln>
-              <a:noFill/>
-            </a:ln>
-            <a:effectLst/>
-          </p:spPr>
-          <p:style>
-            <a:lnRef idx="1">
-              <a:schemeClr val="accent1"/>
-            </a:lnRef>
-            <a:fillRef idx="3">
-              <a:schemeClr val="accent1"/>
-            </a:fillRef>
-            <a:effectRef idx="2">
-              <a:schemeClr val="accent1"/>
-            </a:effectRef>
-            <a:fontRef idx="minor">
-              <a:schemeClr val="lt1"/>
-            </a:fontRef>
-          </p:style>
-          <p:txBody>
-            <a:bodyPr rtlCol="0" anchor="ctr"/>
-            <a:lstStyle/>
-            <a:p>
-              <a:pPr algn="ctr"/>
-              <a:endParaRPr lang="en-US"/>
-            </a:p>
-          </p:txBody>
-        </p:sp>
-        <p:sp>
-          <p:nvSpPr>
-            <p:cNvPr id="102" name="Multiply 101"/>
-            <p:cNvSpPr/>
-            <p:nvPr/>
-          </p:nvSpPr>
-          <p:spPr>
-            <a:xfrm>
-              <a:off x="1043789" y="5923785"/>
-              <a:ext cx="405915" cy="405915"/>
-            </a:xfrm>
-            <a:prstGeom prst="mathMultiply">
-              <a:avLst/>
-            </a:prstGeom>
-            <a:solidFill>
-              <a:srgbClr val="FF3C18">
-                <a:alpha val="85098"/>
-              </a:srgbClr>
-            </a:solidFill>
-            <a:ln>
-              <a:noFill/>
-            </a:ln>
-            <a:effectLst/>
-          </p:spPr>
-          <p:style>
-            <a:lnRef idx="1">
-              <a:schemeClr val="accent1"/>
-            </a:lnRef>
-            <a:fillRef idx="3">
-              <a:schemeClr val="accent1"/>
-            </a:fillRef>
-            <a:effectRef idx="2">
-              <a:schemeClr val="accent1"/>
-            </a:effectRef>
-            <a:fontRef idx="minor">
-              <a:schemeClr val="lt1"/>
-            </a:fontRef>
-          </p:style>
-          <p:txBody>
-            <a:bodyPr rtlCol="0" anchor="ctr"/>
-            <a:lstStyle/>
-            <a:p>
-              <a:pPr algn="ctr"/>
-              <a:endParaRPr lang="en-US"/>
-            </a:p>
-          </p:txBody>
-        </p:sp>
-        <p:sp>
-          <p:nvSpPr>
-            <p:cNvPr id="110" name="TextBox 109"/>
+            <p:cNvPr id="10" name="TextBox 9"/>
             <p:cNvSpPr txBox="1"/>
             <p:nvPr/>
           </p:nvSpPr>
           <p:spPr>
             <a:xfrm>
-              <a:off x="1043789" y="5032960"/>
-              <a:ext cx="587621" cy="338554"/>
+              <a:off x="7126663" y="5404775"/>
+              <a:ext cx="1162947" cy="369332"/>
             </a:xfrm>
             <a:prstGeom prst="rect">
               <a:avLst/>
@@ -16869,280 +17100,22 @@
             <a:lstStyle/>
             <a:p>
               <a:r>
-                <a:rPr lang="en-US" sz="1600" dirty="0" smtClean="0">
+                <a:rPr lang="en-US" smtClean="0">
                   <a:solidFill>
-                    <a:srgbClr val="3899FF"/>
+                    <a:schemeClr val="bg1">
+                      <a:lumMod val="50000"/>
+                    </a:schemeClr>
                   </a:solidFill>
-                  <a:latin typeface="Gill Sans"/>
-                  <a:cs typeface="Gill Sans"/>
                 </a:rPr>
-                <a:t>New</a:t>
+                <a:t>(removed)</a:t>
               </a:r>
-              <a:endParaRPr lang="en-US" sz="1600" dirty="0">
+              <a:endParaRPr lang="en-US">
                 <a:solidFill>
-                  <a:srgbClr val="3899FF"/>
+                  <a:schemeClr val="bg1">
+                    <a:lumMod val="50000"/>
+                  </a:schemeClr>
                 </a:solidFill>
-                <a:latin typeface="Gill Sans"/>
-                <a:cs typeface="Gill Sans"/>
               </a:endParaRPr>
-            </a:p>
-          </p:txBody>
-        </p:sp>
-        <p:sp>
-          <p:nvSpPr>
-            <p:cNvPr id="111" name="TextBox 110"/>
-            <p:cNvSpPr txBox="1"/>
-            <p:nvPr/>
-          </p:nvSpPr>
-          <p:spPr>
-            <a:xfrm>
-              <a:off x="2668836" y="4957918"/>
-              <a:ext cx="505267" cy="338554"/>
-            </a:xfrm>
-            <a:prstGeom prst="rect">
-              <a:avLst/>
-            </a:prstGeom>
-            <a:noFill/>
-          </p:spPr>
-          <p:txBody>
-            <a:bodyPr wrap="none" rtlCol="0">
-              <a:spAutoFit/>
-            </a:bodyPr>
-            <a:lstStyle/>
-            <a:p>
-              <a:r>
-                <a:rPr lang="en-US" sz="1600" dirty="0" smtClean="0">
-                  <a:solidFill>
-                    <a:srgbClr val="FF0000"/>
-                  </a:solidFill>
-                  <a:latin typeface="Gill Sans"/>
-                  <a:cs typeface="Gill Sans"/>
-                </a:rPr>
-                <a:t>Old</a:t>
-              </a:r>
-              <a:endParaRPr lang="en-US" sz="1600" dirty="0">
-                <a:solidFill>
-                  <a:srgbClr val="FF0000"/>
-                </a:solidFill>
-                <a:latin typeface="Gill Sans"/>
-                <a:cs typeface="Gill Sans"/>
-              </a:endParaRPr>
-            </a:p>
-          </p:txBody>
-        </p:sp>
-        <p:sp>
-          <p:nvSpPr>
-            <p:cNvPr id="112" name="Right Arrow 111"/>
-            <p:cNvSpPr/>
-            <p:nvPr/>
-          </p:nvSpPr>
-          <p:spPr>
-            <a:xfrm>
-              <a:off x="3943855" y="2079864"/>
-              <a:ext cx="520172" cy="596815"/>
-            </a:xfrm>
-            <a:prstGeom prst="rightArrow">
-              <a:avLst/>
-            </a:prstGeom>
-            <a:solidFill>
-              <a:schemeClr val="tx1">
-                <a:lumMod val="75000"/>
-                <a:lumOff val="25000"/>
-                <a:alpha val="85000"/>
-              </a:schemeClr>
-            </a:solidFill>
-            <a:ln>
-              <a:solidFill>
-                <a:schemeClr val="tx1">
-                  <a:lumMod val="85000"/>
-                  <a:lumOff val="15000"/>
-                </a:schemeClr>
-              </a:solidFill>
-            </a:ln>
-            <a:effectLst/>
-          </p:spPr>
-          <p:style>
-            <a:lnRef idx="1">
-              <a:schemeClr val="accent1"/>
-            </a:lnRef>
-            <a:fillRef idx="3">
-              <a:schemeClr val="accent1"/>
-            </a:fillRef>
-            <a:effectRef idx="2">
-              <a:schemeClr val="accent1"/>
-            </a:effectRef>
-            <a:fontRef idx="minor">
-              <a:schemeClr val="lt1"/>
-            </a:fontRef>
-          </p:style>
-          <p:txBody>
-            <a:bodyPr rtlCol="0" anchor="ctr"/>
-            <a:lstStyle/>
-            <a:p>
-              <a:pPr algn="ctr"/>
-              <a:endParaRPr lang="en-US"/>
-            </a:p>
-          </p:txBody>
-        </p:sp>
-        <p:sp>
-          <p:nvSpPr>
-            <p:cNvPr id="113" name="Right Arrow 112"/>
-            <p:cNvSpPr/>
-            <p:nvPr/>
-          </p:nvSpPr>
-          <p:spPr>
-            <a:xfrm rot="5400000">
-              <a:off x="6526205" y="4516474"/>
-              <a:ext cx="520172" cy="596815"/>
-            </a:xfrm>
-            <a:prstGeom prst="rightArrow">
-              <a:avLst/>
-            </a:prstGeom>
-            <a:solidFill>
-              <a:schemeClr val="tx1">
-                <a:lumMod val="75000"/>
-                <a:lumOff val="25000"/>
-                <a:alpha val="85000"/>
-              </a:schemeClr>
-            </a:solidFill>
-            <a:ln>
-              <a:solidFill>
-                <a:schemeClr val="tx1">
-                  <a:lumMod val="85000"/>
-                  <a:lumOff val="15000"/>
-                </a:schemeClr>
-              </a:solidFill>
-            </a:ln>
-            <a:effectLst/>
-          </p:spPr>
-          <p:style>
-            <a:lnRef idx="1">
-              <a:schemeClr val="accent1"/>
-            </a:lnRef>
-            <a:fillRef idx="3">
-              <a:schemeClr val="accent1"/>
-            </a:fillRef>
-            <a:effectRef idx="2">
-              <a:schemeClr val="accent1"/>
-            </a:effectRef>
-            <a:fontRef idx="minor">
-              <a:schemeClr val="lt1"/>
-            </a:fontRef>
-          </p:style>
-          <p:txBody>
-            <a:bodyPr rtlCol="0" anchor="ctr"/>
-            <a:lstStyle/>
-            <a:p>
-              <a:pPr algn="ctr"/>
-              <a:endParaRPr lang="en-US"/>
-            </a:p>
-          </p:txBody>
-        </p:sp>
-        <p:sp>
-          <p:nvSpPr>
-            <p:cNvPr id="114" name="Right Arrow 113"/>
-            <p:cNvSpPr/>
-            <p:nvPr/>
-          </p:nvSpPr>
-          <p:spPr>
-            <a:xfrm rot="10800000">
-              <a:off x="3992866" y="6144451"/>
-              <a:ext cx="520172" cy="596815"/>
-            </a:xfrm>
-            <a:prstGeom prst="rightArrow">
-              <a:avLst/>
-            </a:prstGeom>
-            <a:solidFill>
-              <a:schemeClr val="tx1">
-                <a:lumMod val="75000"/>
-                <a:lumOff val="25000"/>
-                <a:alpha val="85000"/>
-              </a:schemeClr>
-            </a:solidFill>
-            <a:ln>
-              <a:solidFill>
-                <a:schemeClr val="tx1">
-                  <a:lumMod val="85000"/>
-                  <a:lumOff val="15000"/>
-                </a:schemeClr>
-              </a:solidFill>
-            </a:ln>
-            <a:effectLst/>
-          </p:spPr>
-          <p:style>
-            <a:lnRef idx="1">
-              <a:schemeClr val="accent1"/>
-            </a:lnRef>
-            <a:fillRef idx="3">
-              <a:schemeClr val="accent1"/>
-            </a:fillRef>
-            <a:effectRef idx="2">
-              <a:schemeClr val="accent1"/>
-            </a:effectRef>
-            <a:fontRef idx="minor">
-              <a:schemeClr val="lt1"/>
-            </a:fontRef>
-          </p:style>
-          <p:txBody>
-            <a:bodyPr rtlCol="0" anchor="ctr"/>
-            <a:lstStyle/>
-            <a:p>
-              <a:pPr algn="ctr"/>
-              <a:endParaRPr lang="en-US"/>
-            </a:p>
-          </p:txBody>
-        </p:sp>
-        <p:sp>
-          <p:nvSpPr>
-            <p:cNvPr id="115" name="Right Arrow 114"/>
-            <p:cNvSpPr/>
-            <p:nvPr/>
-          </p:nvSpPr>
-          <p:spPr>
-            <a:xfrm rot="16200000">
-              <a:off x="1917304" y="4469754"/>
-              <a:ext cx="520172" cy="596815"/>
-            </a:xfrm>
-            <a:prstGeom prst="rightArrow">
-              <a:avLst/>
-            </a:prstGeom>
-            <a:solidFill>
-              <a:schemeClr val="tx1">
-                <a:lumMod val="75000"/>
-                <a:lumOff val="25000"/>
-                <a:alpha val="85000"/>
-              </a:schemeClr>
-            </a:solidFill>
-            <a:ln>
-              <a:solidFill>
-                <a:schemeClr val="tx1">
-                  <a:lumMod val="85000"/>
-                  <a:lumOff val="15000"/>
-                </a:schemeClr>
-              </a:solidFill>
-            </a:ln>
-            <a:effectLst/>
-          </p:spPr>
-          <p:style>
-            <a:lnRef idx="1">
-              <a:schemeClr val="accent1"/>
-            </a:lnRef>
-            <a:fillRef idx="3">
-              <a:schemeClr val="accent1"/>
-            </a:fillRef>
-            <a:effectRef idx="2">
-              <a:schemeClr val="accent1"/>
-            </a:effectRef>
-            <a:fontRef idx="minor">
-              <a:schemeClr val="lt1"/>
-            </a:fontRef>
-          </p:style>
-          <p:txBody>
-            <a:bodyPr rtlCol="0" anchor="ctr"/>
-            <a:lstStyle/>
-            <a:p>
-              <a:pPr algn="ctr"/>
-              <a:endParaRPr lang="en-US"/>
             </a:p>
           </p:txBody>
         </p:sp>

--- a/figs/figs.pptx
+++ b/figs/figs.pptx
@@ -125,7 +125,7 @@
   </p:defaultTextStyle>
   <p:extLst>
     <p:ext uri="{EFAFB233-063F-42B5-8137-9DF3F51BA10A}">
-      <p15:sldGuideLst xmlns:p15="http://schemas.microsoft.com/office/powerpoint/2012/main">
+      <p15:sldGuideLst xmlns:p15="http://schemas.microsoft.com/office/powerpoint/2012/main" xmlns="">
         <p15:guide id="1" orient="horz" pos="2160">
           <p15:clr>
             <a:srgbClr val="A4A3A4"/>
@@ -224,7 +224,7 @@
           <a:p>
             <a:fld id="{347ECA95-75C3-5E48-946C-F7960CA43F88}" type="datetimeFigureOut">
               <a:rPr lang="en-US" smtClean="0"/>
-              <a:t>1/13/16</a:t>
+              <a:t>1/19/16</a:t>
             </a:fld>
             <a:endParaRPr lang="en-US"/>
           </a:p>
@@ -841,7 +841,7 @@
           <a:p>
             <a:fld id="{73A4B2A3-D9DC-064E-90FE-771C025222F9}" type="datetimeFigureOut">
               <a:rPr lang="en-US" smtClean="0"/>
-              <a:t>1/13/16</a:t>
+              <a:t>1/19/16</a:t>
             </a:fld>
             <a:endParaRPr lang="en-US"/>
           </a:p>
@@ -1011,7 +1011,7 @@
           <a:p>
             <a:fld id="{73A4B2A3-D9DC-064E-90FE-771C025222F9}" type="datetimeFigureOut">
               <a:rPr lang="en-US" smtClean="0"/>
-              <a:t>1/13/16</a:t>
+              <a:t>1/19/16</a:t>
             </a:fld>
             <a:endParaRPr lang="en-US"/>
           </a:p>
@@ -1191,7 +1191,7 @@
           <a:p>
             <a:fld id="{73A4B2A3-D9DC-064E-90FE-771C025222F9}" type="datetimeFigureOut">
               <a:rPr lang="en-US" smtClean="0"/>
-              <a:t>1/13/16</a:t>
+              <a:t>1/19/16</a:t>
             </a:fld>
             <a:endParaRPr lang="en-US"/>
           </a:p>
@@ -1361,7 +1361,7 @@
           <a:p>
             <a:fld id="{73A4B2A3-D9DC-064E-90FE-771C025222F9}" type="datetimeFigureOut">
               <a:rPr lang="en-US" smtClean="0"/>
-              <a:t>1/13/16</a:t>
+              <a:t>1/19/16</a:t>
             </a:fld>
             <a:endParaRPr lang="en-US"/>
           </a:p>
@@ -1607,7 +1607,7 @@
           <a:p>
             <a:fld id="{73A4B2A3-D9DC-064E-90FE-771C025222F9}" type="datetimeFigureOut">
               <a:rPr lang="en-US" smtClean="0"/>
-              <a:t>1/13/16</a:t>
+              <a:t>1/19/16</a:t>
             </a:fld>
             <a:endParaRPr lang="en-US"/>
           </a:p>
@@ -1895,7 +1895,7 @@
           <a:p>
             <a:fld id="{73A4B2A3-D9DC-064E-90FE-771C025222F9}" type="datetimeFigureOut">
               <a:rPr lang="en-US" smtClean="0"/>
-              <a:t>1/13/16</a:t>
+              <a:t>1/19/16</a:t>
             </a:fld>
             <a:endParaRPr lang="en-US"/>
           </a:p>
@@ -2317,7 +2317,7 @@
           <a:p>
             <a:fld id="{73A4B2A3-D9DC-064E-90FE-771C025222F9}" type="datetimeFigureOut">
               <a:rPr lang="en-US" smtClean="0"/>
-              <a:t>1/13/16</a:t>
+              <a:t>1/19/16</a:t>
             </a:fld>
             <a:endParaRPr lang="en-US"/>
           </a:p>
@@ -2435,7 +2435,7 @@
           <a:p>
             <a:fld id="{73A4B2A3-D9DC-064E-90FE-771C025222F9}" type="datetimeFigureOut">
               <a:rPr lang="en-US" smtClean="0"/>
-              <a:t>1/13/16</a:t>
+              <a:t>1/19/16</a:t>
             </a:fld>
             <a:endParaRPr lang="en-US"/>
           </a:p>
@@ -2530,7 +2530,7 @@
           <a:p>
             <a:fld id="{73A4B2A3-D9DC-064E-90FE-771C025222F9}" type="datetimeFigureOut">
               <a:rPr lang="en-US" smtClean="0"/>
-              <a:t>1/13/16</a:t>
+              <a:t>1/19/16</a:t>
             </a:fld>
             <a:endParaRPr lang="en-US"/>
           </a:p>
@@ -2807,7 +2807,7 @@
           <a:p>
             <a:fld id="{73A4B2A3-D9DC-064E-90FE-771C025222F9}" type="datetimeFigureOut">
               <a:rPr lang="en-US" smtClean="0"/>
-              <a:t>1/13/16</a:t>
+              <a:t>1/19/16</a:t>
             </a:fld>
             <a:endParaRPr lang="en-US"/>
           </a:p>
@@ -3060,7 +3060,7 @@
           <a:p>
             <a:fld id="{73A4B2A3-D9DC-064E-90FE-771C025222F9}" type="datetimeFigureOut">
               <a:rPr lang="en-US" smtClean="0"/>
-              <a:t>1/13/16</a:t>
+              <a:t>1/19/16</a:t>
             </a:fld>
             <a:endParaRPr lang="en-US"/>
           </a:p>
@@ -3273,7 +3273,7 @@
           <a:p>
             <a:fld id="{73A4B2A3-D9DC-064E-90FE-771C025222F9}" type="datetimeFigureOut">
               <a:rPr lang="en-US" smtClean="0"/>
-              <a:t>1/13/16</a:t>
+              <a:t>1/19/16</a:t>
             </a:fld>
             <a:endParaRPr lang="en-US"/>
           </a:p>
@@ -13336,53 +13336,6 @@
         </p:sp>
         <p:sp>
           <p:nvSpPr>
-            <p:cNvPr id="46" name="Multiply 45"/>
-            <p:cNvSpPr/>
-            <p:nvPr/>
-          </p:nvSpPr>
-          <p:spPr>
-            <a:xfrm>
-              <a:off x="4694470" y="2173418"/>
-              <a:ext cx="405915" cy="405915"/>
-            </a:xfrm>
-            <a:prstGeom prst="mathMultiply">
-              <a:avLst/>
-            </a:prstGeom>
-            <a:solidFill>
-              <a:srgbClr val="FB3A18">
-                <a:alpha val="85098"/>
-              </a:srgbClr>
-            </a:solidFill>
-            <a:ln>
-              <a:noFill/>
-            </a:ln>
-            <a:effectLst/>
-          </p:spPr>
-          <p:style>
-            <a:lnRef idx="1">
-              <a:schemeClr val="accent1"/>
-            </a:lnRef>
-            <a:fillRef idx="3">
-              <a:schemeClr val="accent1"/>
-            </a:fillRef>
-            <a:effectRef idx="2">
-              <a:schemeClr val="accent1"/>
-            </a:effectRef>
-            <a:fontRef idx="minor">
-              <a:schemeClr val="lt1"/>
-            </a:fontRef>
-          </p:style>
-          <p:txBody>
-            <a:bodyPr rtlCol="0" anchor="ctr"/>
-            <a:lstStyle/>
-            <a:p>
-              <a:pPr algn="ctr"/>
-              <a:endParaRPr lang="en-US"/>
-            </a:p>
-          </p:txBody>
-        </p:sp>
-        <p:sp>
-          <p:nvSpPr>
             <p:cNvPr id="47" name="Multiply 46"/>
             <p:cNvSpPr/>
             <p:nvPr/>

--- a/figs/figs.pptx
+++ b/figs/figs.pptx
@@ -5,7 +5,7 @@
     <p:sldMasterId id="2147483648" r:id="rId1"/>
   </p:sldMasterIdLst>
   <p:notesMasterIdLst>
-    <p:notesMasterId r:id="rId19"/>
+    <p:notesMasterId r:id="rId20"/>
   </p:notesMasterIdLst>
   <p:sldIdLst>
     <p:sldId id="256" r:id="rId2"/>
@@ -25,6 +25,7 @@
     <p:sldId id="269" r:id="rId16"/>
     <p:sldId id="270" r:id="rId17"/>
     <p:sldId id="272" r:id="rId18"/>
+    <p:sldId id="273" r:id="rId19"/>
   </p:sldIdLst>
   <p:sldSz cx="9144000" cy="6858000" type="screen4x3"/>
   <p:notesSz cx="6858000" cy="9144000"/>
@@ -125,7 +126,7 @@
   </p:defaultTextStyle>
   <p:extLst>
     <p:ext uri="{EFAFB233-063F-42B5-8137-9DF3F51BA10A}">
-      <p15:sldGuideLst xmlns:p15="http://schemas.microsoft.com/office/powerpoint/2012/main" xmlns="">
+      <p15:sldGuideLst xmlns="" xmlns:p15="http://schemas.microsoft.com/office/powerpoint/2012/main">
         <p15:guide id="1" orient="horz" pos="2160">
           <p15:clr>
             <a:srgbClr val="A4A3A4"/>
@@ -224,7 +225,7 @@
           <a:p>
             <a:fld id="{347ECA95-75C3-5E48-946C-F7960CA43F88}" type="datetimeFigureOut">
               <a:rPr lang="en-US" smtClean="0"/>
-              <a:t>1/19/16</a:t>
+              <a:t>5/11/16</a:t>
             </a:fld>
             <a:endParaRPr lang="en-US"/>
           </a:p>
@@ -841,7 +842,7 @@
           <a:p>
             <a:fld id="{73A4B2A3-D9DC-064E-90FE-771C025222F9}" type="datetimeFigureOut">
               <a:rPr lang="en-US" smtClean="0"/>
-              <a:t>1/19/16</a:t>
+              <a:t>5/11/16</a:t>
             </a:fld>
             <a:endParaRPr lang="en-US"/>
           </a:p>
@@ -1011,7 +1012,7 @@
           <a:p>
             <a:fld id="{73A4B2A3-D9DC-064E-90FE-771C025222F9}" type="datetimeFigureOut">
               <a:rPr lang="en-US" smtClean="0"/>
-              <a:t>1/19/16</a:t>
+              <a:t>5/11/16</a:t>
             </a:fld>
             <a:endParaRPr lang="en-US"/>
           </a:p>
@@ -1191,7 +1192,7 @@
           <a:p>
             <a:fld id="{73A4B2A3-D9DC-064E-90FE-771C025222F9}" type="datetimeFigureOut">
               <a:rPr lang="en-US" smtClean="0"/>
-              <a:t>1/19/16</a:t>
+              <a:t>5/11/16</a:t>
             </a:fld>
             <a:endParaRPr lang="en-US"/>
           </a:p>
@@ -1361,7 +1362,7 @@
           <a:p>
             <a:fld id="{73A4B2A3-D9DC-064E-90FE-771C025222F9}" type="datetimeFigureOut">
               <a:rPr lang="en-US" smtClean="0"/>
-              <a:t>1/19/16</a:t>
+              <a:t>5/11/16</a:t>
             </a:fld>
             <a:endParaRPr lang="en-US"/>
           </a:p>
@@ -1607,7 +1608,7 @@
           <a:p>
             <a:fld id="{73A4B2A3-D9DC-064E-90FE-771C025222F9}" type="datetimeFigureOut">
               <a:rPr lang="en-US" smtClean="0"/>
-              <a:t>1/19/16</a:t>
+              <a:t>5/11/16</a:t>
             </a:fld>
             <a:endParaRPr lang="en-US"/>
           </a:p>
@@ -1895,7 +1896,7 @@
           <a:p>
             <a:fld id="{73A4B2A3-D9DC-064E-90FE-771C025222F9}" type="datetimeFigureOut">
               <a:rPr lang="en-US" smtClean="0"/>
-              <a:t>1/19/16</a:t>
+              <a:t>5/11/16</a:t>
             </a:fld>
             <a:endParaRPr lang="en-US"/>
           </a:p>
@@ -2317,7 +2318,7 @@
           <a:p>
             <a:fld id="{73A4B2A3-D9DC-064E-90FE-771C025222F9}" type="datetimeFigureOut">
               <a:rPr lang="en-US" smtClean="0"/>
-              <a:t>1/19/16</a:t>
+              <a:t>5/11/16</a:t>
             </a:fld>
             <a:endParaRPr lang="en-US"/>
           </a:p>
@@ -2435,7 +2436,7 @@
           <a:p>
             <a:fld id="{73A4B2A3-D9DC-064E-90FE-771C025222F9}" type="datetimeFigureOut">
               <a:rPr lang="en-US" smtClean="0"/>
-              <a:t>1/19/16</a:t>
+              <a:t>5/11/16</a:t>
             </a:fld>
             <a:endParaRPr lang="en-US"/>
           </a:p>
@@ -2530,7 +2531,7 @@
           <a:p>
             <a:fld id="{73A4B2A3-D9DC-064E-90FE-771C025222F9}" type="datetimeFigureOut">
               <a:rPr lang="en-US" smtClean="0"/>
-              <a:t>1/19/16</a:t>
+              <a:t>5/11/16</a:t>
             </a:fld>
             <a:endParaRPr lang="en-US"/>
           </a:p>
@@ -2807,7 +2808,7 @@
           <a:p>
             <a:fld id="{73A4B2A3-D9DC-064E-90FE-771C025222F9}" type="datetimeFigureOut">
               <a:rPr lang="en-US" smtClean="0"/>
-              <a:t>1/19/16</a:t>
+              <a:t>5/11/16</a:t>
             </a:fld>
             <a:endParaRPr lang="en-US"/>
           </a:p>
@@ -3060,7 +3061,7 @@
           <a:p>
             <a:fld id="{73A4B2A3-D9DC-064E-90FE-771C025222F9}" type="datetimeFigureOut">
               <a:rPr lang="en-US" smtClean="0"/>
-              <a:t>1/19/16</a:t>
+              <a:t>5/11/16</a:t>
             </a:fld>
             <a:endParaRPr lang="en-US"/>
           </a:p>
@@ -3273,7 +3274,7 @@
           <a:p>
             <a:fld id="{73A4B2A3-D9DC-064E-90FE-771C025222F9}" type="datetimeFigureOut">
               <a:rPr lang="en-US" smtClean="0"/>
-              <a:t>1/19/16</a:t>
+              <a:t>5/11/16</a:t>
             </a:fld>
             <a:endParaRPr lang="en-US"/>
           </a:p>
@@ -11098,7 +11099,7 @@
         </p:nvGrpSpPr>
         <p:grpSpPr>
           <a:xfrm>
-            <a:off x="299105" y="747996"/>
+            <a:off x="-6883" y="868019"/>
             <a:ext cx="11341739" cy="3772053"/>
             <a:chOff x="299105" y="747996"/>
             <a:chExt cx="11341739" cy="3772053"/>
@@ -11717,7 +11718,7 @@
                   </p:nvCxnSpPr>
                   <p:spPr>
                     <a:xfrm flipH="1" flipV="1">
-                      <a:off x="4896162" y="1286858"/>
+                      <a:off x="4896162" y="1131637"/>
                       <a:ext cx="3482804" cy="2147422"/>
                     </a:xfrm>
                     <a:prstGeom prst="line">
@@ -11839,57 +11840,7 @@
                   </p:nvSpPr>
                   <p:spPr>
                     <a:xfrm>
-                      <a:off x="5253005" y="1726323"/>
-                      <a:ext cx="405915" cy="405915"/>
-                    </a:xfrm>
-                    <a:prstGeom prst="mathMultiply">
-                      <a:avLst/>
-                    </a:prstGeom>
-                    <a:solidFill>
-                      <a:schemeClr val="accent6">
-                        <a:lumMod val="50000"/>
-                        <a:alpha val="83000"/>
-                      </a:schemeClr>
-                    </a:solidFill>
-                    <a:ln>
-                      <a:solidFill>
-                        <a:schemeClr val="tx1"/>
-                      </a:solidFill>
-                    </a:ln>
-                    <a:effectLst/>
-                  </p:spPr>
-                  <p:style>
-                    <a:lnRef idx="1">
-                      <a:schemeClr val="accent1"/>
-                    </a:lnRef>
-                    <a:fillRef idx="3">
-                      <a:schemeClr val="accent1"/>
-                    </a:fillRef>
-                    <a:effectRef idx="2">
-                      <a:schemeClr val="accent1"/>
-                    </a:effectRef>
-                    <a:fontRef idx="minor">
-                      <a:schemeClr val="lt1"/>
-                    </a:fontRef>
-                  </p:style>
-                  <p:txBody>
-                    <a:bodyPr rtlCol="0" anchor="ctr"/>
-                    <a:lstStyle/>
-                    <a:p>
-                      <a:pPr algn="ctr"/>
-                      <a:endParaRPr lang="en-US"/>
-                    </a:p>
-                  </p:txBody>
-                </p:sp>
-                <p:sp>
-                  <p:nvSpPr>
-                    <p:cNvPr id="46" name="Multiply 45"/>
-                    <p:cNvSpPr/>
-                    <p:nvPr/>
-                  </p:nvSpPr>
-                  <p:spPr>
-                    <a:xfrm>
-                      <a:off x="5399419" y="2227528"/>
+                      <a:off x="5606705" y="1979838"/>
                       <a:ext cx="405915" cy="405915"/>
                     </a:xfrm>
                     <a:prstGeom prst="mathMultiply">
@@ -17077,6 +17028,171 @@
     <p:extLst>
       <p:ext uri="{BB962C8B-B14F-4D97-AF65-F5344CB8AC3E}">
         <p14:creationId xmlns:p14="http://schemas.microsoft.com/office/powerpoint/2010/main" val="3832685381"/>
+      </p:ext>
+    </p:extLst>
+  </p:cSld>
+  <p:clrMapOvr>
+    <a:masterClrMapping/>
+  </p:clrMapOvr>
+</p:sld>
+</file>
+
+<file path=ppt/slides/slide18.xml><?xml version="1.0" encoding="utf-8"?>
+<p:sld xmlns:a="http://schemas.openxmlformats.org/drawingml/2006/main" xmlns:r="http://schemas.openxmlformats.org/officeDocument/2006/relationships" xmlns:p="http://schemas.openxmlformats.org/presentationml/2006/main">
+  <p:cSld>
+    <p:spTree>
+      <p:nvGrpSpPr>
+        <p:cNvPr id="1" name=""/>
+        <p:cNvGrpSpPr/>
+        <p:nvPr/>
+      </p:nvGrpSpPr>
+      <p:grpSpPr>
+        <a:xfrm>
+          <a:off x="0" y="0"/>
+          <a:ext cx="0" cy="0"/>
+          <a:chOff x="0" y="0"/>
+          <a:chExt cx="0" cy="0"/>
+        </a:xfrm>
+      </p:grpSpPr>
+      <p:grpSp>
+        <p:nvGrpSpPr>
+          <p:cNvPr id="15" name="Group 14"/>
+          <p:cNvGrpSpPr/>
+          <p:nvPr/>
+        </p:nvGrpSpPr>
+        <p:grpSpPr>
+          <a:xfrm>
+            <a:off x="-5660082" y="1523999"/>
+            <a:ext cx="18183076" cy="3527778"/>
+            <a:chOff x="-5660082" y="1523999"/>
+            <a:chExt cx="18183076" cy="3527778"/>
+          </a:xfrm>
+        </p:grpSpPr>
+        <p:pic>
+          <p:nvPicPr>
+            <p:cNvPr id="9" name="Picture 8" descr="exp1.pdf"/>
+            <p:cNvPicPr>
+              <a:picLocks noChangeAspect="1"/>
+            </p:cNvPicPr>
+            <p:nvPr/>
+          </p:nvPicPr>
+          <p:blipFill>
+            <a:blip r:embed="rId2">
+              <a:extLst>
+                <a:ext uri="{28A0092B-C50C-407E-A947-70E740481C1C}">
+                  <a14:useLocalDpi xmlns:a14="http://schemas.microsoft.com/office/drawing/2010/main" val="0"/>
+                </a:ext>
+              </a:extLst>
+            </a:blip>
+            <a:stretch>
+              <a:fillRect/>
+            </a:stretch>
+          </p:blipFill>
+          <p:spPr>
+            <a:xfrm>
+              <a:off x="-1153978" y="1523999"/>
+              <a:ext cx="4578202" cy="3527778"/>
+            </a:xfrm>
+            <a:prstGeom prst="rect">
+              <a:avLst/>
+            </a:prstGeom>
+          </p:spPr>
+        </p:pic>
+        <p:pic>
+          <p:nvPicPr>
+            <p:cNvPr id="10" name="Picture 9" descr="exp0.pdf"/>
+            <p:cNvPicPr>
+              <a:picLocks noChangeAspect="1"/>
+            </p:cNvPicPr>
+            <p:nvPr/>
+          </p:nvPicPr>
+          <p:blipFill>
+            <a:blip r:embed="rId3">
+              <a:extLst>
+                <a:ext uri="{28A0092B-C50C-407E-A947-70E740481C1C}">
+                  <a14:useLocalDpi xmlns:a14="http://schemas.microsoft.com/office/drawing/2010/main" val="0"/>
+                </a:ext>
+              </a:extLst>
+            </a:blip>
+            <a:stretch>
+              <a:fillRect/>
+            </a:stretch>
+          </p:blipFill>
+          <p:spPr>
+            <a:xfrm>
+              <a:off x="-5660082" y="1523999"/>
+              <a:ext cx="4506104" cy="3527778"/>
+            </a:xfrm>
+            <a:prstGeom prst="rect">
+              <a:avLst/>
+            </a:prstGeom>
+          </p:spPr>
+        </p:pic>
+        <p:pic>
+          <p:nvPicPr>
+            <p:cNvPr id="13" name="Picture 12" descr="exp2.pdf"/>
+            <p:cNvPicPr>
+              <a:picLocks noChangeAspect="1"/>
+            </p:cNvPicPr>
+            <p:nvPr/>
+          </p:nvPicPr>
+          <p:blipFill>
+            <a:blip r:embed="rId4">
+              <a:extLst>
+                <a:ext uri="{28A0092B-C50C-407E-A947-70E740481C1C}">
+                  <a14:useLocalDpi xmlns:a14="http://schemas.microsoft.com/office/drawing/2010/main" val="0"/>
+                </a:ext>
+              </a:extLst>
+            </a:blip>
+            <a:stretch>
+              <a:fillRect/>
+            </a:stretch>
+          </p:blipFill>
+          <p:spPr>
+            <a:xfrm>
+              <a:off x="3424224" y="1523999"/>
+              <a:ext cx="4578202" cy="3527778"/>
+            </a:xfrm>
+            <a:prstGeom prst="rect">
+              <a:avLst/>
+            </a:prstGeom>
+          </p:spPr>
+        </p:pic>
+        <p:pic>
+          <p:nvPicPr>
+            <p:cNvPr id="14" name="Picture 13" descr="exp3.pdf"/>
+            <p:cNvPicPr>
+              <a:picLocks noChangeAspect="1"/>
+            </p:cNvPicPr>
+            <p:nvPr/>
+          </p:nvPicPr>
+          <p:blipFill>
+            <a:blip r:embed="rId5">
+              <a:extLst>
+                <a:ext uri="{28A0092B-C50C-407E-A947-70E740481C1C}">
+                  <a14:useLocalDpi xmlns:a14="http://schemas.microsoft.com/office/drawing/2010/main" val="0"/>
+                </a:ext>
+              </a:extLst>
+            </a:blip>
+            <a:stretch>
+              <a:fillRect/>
+            </a:stretch>
+          </p:blipFill>
+          <p:spPr>
+            <a:xfrm>
+              <a:off x="8002426" y="1523999"/>
+              <a:ext cx="4520568" cy="3527778"/>
+            </a:xfrm>
+            <a:prstGeom prst="rect">
+              <a:avLst/>
+            </a:prstGeom>
+          </p:spPr>
+        </p:pic>
+      </p:grpSp>
+    </p:spTree>
+    <p:extLst>
+      <p:ext uri="{BB962C8B-B14F-4D97-AF65-F5344CB8AC3E}">
+        <p14:creationId xmlns:p14="http://schemas.microsoft.com/office/powerpoint/2010/main" val="4221664144"/>
       </p:ext>
     </p:extLst>
   </p:cSld>

--- a/figs/figs.pptx
+++ b/figs/figs.pptx
@@ -5,27 +5,29 @@
     <p:sldMasterId id="2147483648" r:id="rId1"/>
   </p:sldMasterIdLst>
   <p:notesMasterIdLst>
-    <p:notesMasterId r:id="rId20"/>
+    <p:notesMasterId r:id="rId22"/>
   </p:notesMasterIdLst>
   <p:sldIdLst>
     <p:sldId id="256" r:id="rId2"/>
-    <p:sldId id="257" r:id="rId3"/>
-    <p:sldId id="258" r:id="rId4"/>
-    <p:sldId id="259" r:id="rId5"/>
-    <p:sldId id="260" r:id="rId6"/>
-    <p:sldId id="261" r:id="rId7"/>
-    <p:sldId id="262" r:id="rId8"/>
-    <p:sldId id="263" r:id="rId9"/>
-    <p:sldId id="264" r:id="rId10"/>
-    <p:sldId id="265" r:id="rId11"/>
-    <p:sldId id="266" r:id="rId12"/>
-    <p:sldId id="267" r:id="rId13"/>
-    <p:sldId id="268" r:id="rId14"/>
-    <p:sldId id="271" r:id="rId15"/>
-    <p:sldId id="269" r:id="rId16"/>
-    <p:sldId id="270" r:id="rId17"/>
-    <p:sldId id="272" r:id="rId18"/>
-    <p:sldId id="273" r:id="rId19"/>
+    <p:sldId id="274" r:id="rId3"/>
+    <p:sldId id="275" r:id="rId4"/>
+    <p:sldId id="257" r:id="rId5"/>
+    <p:sldId id="258" r:id="rId6"/>
+    <p:sldId id="259" r:id="rId7"/>
+    <p:sldId id="260" r:id="rId8"/>
+    <p:sldId id="261" r:id="rId9"/>
+    <p:sldId id="262" r:id="rId10"/>
+    <p:sldId id="263" r:id="rId11"/>
+    <p:sldId id="264" r:id="rId12"/>
+    <p:sldId id="265" r:id="rId13"/>
+    <p:sldId id="266" r:id="rId14"/>
+    <p:sldId id="267" r:id="rId15"/>
+    <p:sldId id="268" r:id="rId16"/>
+    <p:sldId id="271" r:id="rId17"/>
+    <p:sldId id="269" r:id="rId18"/>
+    <p:sldId id="270" r:id="rId19"/>
+    <p:sldId id="272" r:id="rId20"/>
+    <p:sldId id="273" r:id="rId21"/>
   </p:sldIdLst>
   <p:sldSz cx="9144000" cy="6858000" type="screen4x3"/>
   <p:notesSz cx="6858000" cy="9144000"/>
@@ -126,7 +128,7 @@
   </p:defaultTextStyle>
   <p:extLst>
     <p:ext uri="{EFAFB233-063F-42B5-8137-9DF3F51BA10A}">
-      <p15:sldGuideLst xmlns="" xmlns:p15="http://schemas.microsoft.com/office/powerpoint/2012/main">
+      <p15:sldGuideLst xmlns:p15="http://schemas.microsoft.com/office/powerpoint/2012/main" xmlns="">
         <p15:guide id="1" orient="horz" pos="2160">
           <p15:clr>
             <a:srgbClr val="A4A3A4"/>
@@ -225,7 +227,7 @@
           <a:p>
             <a:fld id="{347ECA95-75C3-5E48-946C-F7960CA43F88}" type="datetimeFigureOut">
               <a:rPr lang="en-US" smtClean="0"/>
-              <a:t>5/11/16</a:t>
+              <a:t>5/12/16</a:t>
             </a:fld>
             <a:endParaRPr lang="en-US"/>
           </a:p>
@@ -558,7 +560,7 @@
           <a:p>
             <a:fld id="{6649FCC0-D304-2A49-B48A-CCE92E13242F}" type="slidenum">
               <a:rPr lang="en-US" smtClean="0"/>
-              <a:t>15</a:t>
+              <a:t>17</a:t>
             </a:fld>
             <a:endParaRPr lang="en-US"/>
           </a:p>
@@ -642,7 +644,7 @@
           <a:p>
             <a:fld id="{6649FCC0-D304-2A49-B48A-CCE92E13242F}" type="slidenum">
               <a:rPr lang="en-US" smtClean="0"/>
-              <a:t>16</a:t>
+              <a:t>18</a:t>
             </a:fld>
             <a:endParaRPr lang="en-US"/>
           </a:p>
@@ -842,7 +844,7 @@
           <a:p>
             <a:fld id="{73A4B2A3-D9DC-064E-90FE-771C025222F9}" type="datetimeFigureOut">
               <a:rPr lang="en-US" smtClean="0"/>
-              <a:t>5/11/16</a:t>
+              <a:t>5/12/16</a:t>
             </a:fld>
             <a:endParaRPr lang="en-US"/>
           </a:p>
@@ -1012,7 +1014,7 @@
           <a:p>
             <a:fld id="{73A4B2A3-D9DC-064E-90FE-771C025222F9}" type="datetimeFigureOut">
               <a:rPr lang="en-US" smtClean="0"/>
-              <a:t>5/11/16</a:t>
+              <a:t>5/12/16</a:t>
             </a:fld>
             <a:endParaRPr lang="en-US"/>
           </a:p>
@@ -1192,7 +1194,7 @@
           <a:p>
             <a:fld id="{73A4B2A3-D9DC-064E-90FE-771C025222F9}" type="datetimeFigureOut">
               <a:rPr lang="en-US" smtClean="0"/>
-              <a:t>5/11/16</a:t>
+              <a:t>5/12/16</a:t>
             </a:fld>
             <a:endParaRPr lang="en-US"/>
           </a:p>
@@ -1362,7 +1364,7 @@
           <a:p>
             <a:fld id="{73A4B2A3-D9DC-064E-90FE-771C025222F9}" type="datetimeFigureOut">
               <a:rPr lang="en-US" smtClean="0"/>
-              <a:t>5/11/16</a:t>
+              <a:t>5/12/16</a:t>
             </a:fld>
             <a:endParaRPr lang="en-US"/>
           </a:p>
@@ -1608,7 +1610,7 @@
           <a:p>
             <a:fld id="{73A4B2A3-D9DC-064E-90FE-771C025222F9}" type="datetimeFigureOut">
               <a:rPr lang="en-US" smtClean="0"/>
-              <a:t>5/11/16</a:t>
+              <a:t>5/12/16</a:t>
             </a:fld>
             <a:endParaRPr lang="en-US"/>
           </a:p>
@@ -1896,7 +1898,7 @@
           <a:p>
             <a:fld id="{73A4B2A3-D9DC-064E-90FE-771C025222F9}" type="datetimeFigureOut">
               <a:rPr lang="en-US" smtClean="0"/>
-              <a:t>5/11/16</a:t>
+              <a:t>5/12/16</a:t>
             </a:fld>
             <a:endParaRPr lang="en-US"/>
           </a:p>
@@ -2318,7 +2320,7 @@
           <a:p>
             <a:fld id="{73A4B2A3-D9DC-064E-90FE-771C025222F9}" type="datetimeFigureOut">
               <a:rPr lang="en-US" smtClean="0"/>
-              <a:t>5/11/16</a:t>
+              <a:t>5/12/16</a:t>
             </a:fld>
             <a:endParaRPr lang="en-US"/>
           </a:p>
@@ -2436,7 +2438,7 @@
           <a:p>
             <a:fld id="{73A4B2A3-D9DC-064E-90FE-771C025222F9}" type="datetimeFigureOut">
               <a:rPr lang="en-US" smtClean="0"/>
-              <a:t>5/11/16</a:t>
+              <a:t>5/12/16</a:t>
             </a:fld>
             <a:endParaRPr lang="en-US"/>
           </a:p>
@@ -2531,7 +2533,7 @@
           <a:p>
             <a:fld id="{73A4B2A3-D9DC-064E-90FE-771C025222F9}" type="datetimeFigureOut">
               <a:rPr lang="en-US" smtClean="0"/>
-              <a:t>5/11/16</a:t>
+              <a:t>5/12/16</a:t>
             </a:fld>
             <a:endParaRPr lang="en-US"/>
           </a:p>
@@ -2808,7 +2810,7 @@
           <a:p>
             <a:fld id="{73A4B2A3-D9DC-064E-90FE-771C025222F9}" type="datetimeFigureOut">
               <a:rPr lang="en-US" smtClean="0"/>
-              <a:t>5/11/16</a:t>
+              <a:t>5/12/16</a:t>
             </a:fld>
             <a:endParaRPr lang="en-US"/>
           </a:p>
@@ -3061,7 +3063,7 @@
           <a:p>
             <a:fld id="{73A4B2A3-D9DC-064E-90FE-771C025222F9}" type="datetimeFigureOut">
               <a:rPr lang="en-US" smtClean="0"/>
-              <a:t>5/11/16</a:t>
+              <a:t>5/12/16</a:t>
             </a:fld>
             <a:endParaRPr lang="en-US"/>
           </a:p>
@@ -3274,7 +3276,7 @@
           <a:p>
             <a:fld id="{73A4B2A3-D9DC-064E-90FE-771C025222F9}" type="datetimeFigureOut">
               <a:rPr lang="en-US" smtClean="0"/>
-              <a:t>5/11/16</a:t>
+              <a:t>5/12/16</a:t>
             </a:fld>
             <a:endParaRPr lang="en-US"/>
           </a:p>
@@ -5705,6 +5707,1935 @@
       </p:grpSpPr>
       <p:grpSp>
         <p:nvGrpSpPr>
+          <p:cNvPr id="38" name="Group 37"/>
+          <p:cNvGrpSpPr/>
+          <p:nvPr/>
+        </p:nvGrpSpPr>
+        <p:grpSpPr>
+          <a:xfrm>
+            <a:off x="2055641" y="287445"/>
+            <a:ext cx="6140737" cy="4316795"/>
+            <a:chOff x="2055641" y="287445"/>
+            <a:chExt cx="6140737" cy="4316795"/>
+          </a:xfrm>
+        </p:grpSpPr>
+        <p:grpSp>
+          <p:nvGrpSpPr>
+            <p:cNvPr id="79" name="Group 78"/>
+            <p:cNvGrpSpPr/>
+            <p:nvPr/>
+          </p:nvGrpSpPr>
+          <p:grpSpPr>
+            <a:xfrm>
+              <a:off x="2055641" y="287445"/>
+              <a:ext cx="6140737" cy="4316795"/>
+              <a:chOff x="2055641" y="287445"/>
+              <a:chExt cx="6140737" cy="4316795"/>
+            </a:xfrm>
+          </p:grpSpPr>
+          <p:sp>
+            <p:nvSpPr>
+              <p:cNvPr id="71" name="Rectangle 70"/>
+              <p:cNvSpPr/>
+              <p:nvPr/>
+            </p:nvSpPr>
+            <p:spPr>
+              <a:xfrm>
+                <a:off x="2068734" y="313633"/>
+                <a:ext cx="6127644" cy="4290607"/>
+              </a:xfrm>
+              <a:prstGeom prst="rect">
+                <a:avLst/>
+              </a:prstGeom>
+              <a:pattFill prst="pct10">
+                <a:fgClr>
+                  <a:schemeClr val="bg1">
+                    <a:lumMod val="75000"/>
+                  </a:schemeClr>
+                </a:fgClr>
+                <a:bgClr>
+                  <a:prstClr val="white"/>
+                </a:bgClr>
+              </a:pattFill>
+              <a:ln w="34925">
+                <a:solidFill>
+                  <a:schemeClr val="tx1"/>
+                </a:solidFill>
+              </a:ln>
+              <a:effectLst/>
+            </p:spPr>
+            <p:style>
+              <a:lnRef idx="1">
+                <a:schemeClr val="accent1"/>
+              </a:lnRef>
+              <a:fillRef idx="3">
+                <a:schemeClr val="accent1"/>
+              </a:fillRef>
+              <a:effectRef idx="2">
+                <a:schemeClr val="accent1"/>
+              </a:effectRef>
+              <a:fontRef idx="minor">
+                <a:schemeClr val="lt1"/>
+              </a:fontRef>
+            </p:style>
+            <p:txBody>
+              <a:bodyPr rtlCol="0" anchor="ctr"/>
+              <a:lstStyle/>
+              <a:p>
+                <a:pPr algn="ctr"/>
+                <a:endParaRPr lang="en-US" dirty="0">
+                  <a:solidFill>
+                    <a:srgbClr val="000000"/>
+                  </a:solidFill>
+                  <a:latin typeface="Gill Sans"/>
+                  <a:cs typeface="Gill Sans"/>
+                </a:endParaRPr>
+              </a:p>
+            </p:txBody>
+          </p:sp>
+          <p:sp>
+            <p:nvSpPr>
+              <p:cNvPr id="9" name="TextBox 8"/>
+              <p:cNvSpPr txBox="1"/>
+              <p:nvPr/>
+            </p:nvSpPr>
+            <p:spPr>
+              <a:xfrm>
+                <a:off x="2409110" y="2679002"/>
+                <a:ext cx="826894" cy="646331"/>
+              </a:xfrm>
+              <a:prstGeom prst="rect">
+                <a:avLst/>
+              </a:prstGeom>
+              <a:noFill/>
+            </p:spPr>
+            <p:txBody>
+              <a:bodyPr wrap="none" rtlCol="0">
+                <a:spAutoFit/>
+              </a:bodyPr>
+              <a:lstStyle/>
+              <a:p>
+                <a:r>
+                  <a:rPr lang="en-US" dirty="0" smtClean="0">
+                    <a:solidFill>
+                      <a:srgbClr val="FFFFFF"/>
+                    </a:solidFill>
+                    <a:latin typeface="Gill Sans"/>
+                    <a:cs typeface="Gill Sans"/>
+                  </a:rPr>
+                  <a:t>Error </a:t>
+                </a:r>
+              </a:p>
+              <a:p>
+                <a:r>
+                  <a:rPr lang="en-US" dirty="0" smtClean="0">
+                    <a:solidFill>
+                      <a:srgbClr val="FFFFFF"/>
+                    </a:solidFill>
+                    <a:latin typeface="Gill Sans"/>
+                    <a:cs typeface="Gill Sans"/>
+                  </a:rPr>
+                  <a:t>Oracle</a:t>
+                </a:r>
+                <a:endParaRPr lang="en-US" dirty="0">
+                  <a:solidFill>
+                    <a:srgbClr val="FFFFFF"/>
+                  </a:solidFill>
+                  <a:latin typeface="Gill Sans"/>
+                  <a:cs typeface="Gill Sans"/>
+                </a:endParaRPr>
+              </a:p>
+            </p:txBody>
+          </p:sp>
+          <p:cxnSp>
+            <p:nvCxnSpPr>
+              <p:cNvPr id="10" name="Straight Arrow Connector 9"/>
+              <p:cNvCxnSpPr>
+                <a:stCxn id="22" idx="3"/>
+                <a:endCxn id="19" idx="1"/>
+              </p:cNvCxnSpPr>
+              <p:nvPr/>
+            </p:nvCxnSpPr>
+            <p:spPr>
+              <a:xfrm>
+                <a:off x="3373894" y="1715701"/>
+                <a:ext cx="584597" cy="0"/>
+              </a:xfrm>
+              <a:prstGeom prst="straightConnector1">
+                <a:avLst/>
+              </a:prstGeom>
+              <a:ln w="50800">
+                <a:solidFill>
+                  <a:schemeClr val="tx1"/>
+                </a:solidFill>
+                <a:prstDash val="solid"/>
+                <a:tailEnd type="triangle"/>
+              </a:ln>
+              <a:effectLst/>
+            </p:spPr>
+            <p:style>
+              <a:lnRef idx="2">
+                <a:schemeClr val="accent1"/>
+              </a:lnRef>
+              <a:fillRef idx="0">
+                <a:schemeClr val="accent1"/>
+              </a:fillRef>
+              <a:effectRef idx="1">
+                <a:schemeClr val="accent1"/>
+              </a:effectRef>
+              <a:fontRef idx="minor">
+                <a:schemeClr val="tx1"/>
+              </a:fontRef>
+            </p:style>
+          </p:cxnSp>
+          <p:cxnSp>
+            <p:nvCxnSpPr>
+              <p:cNvPr id="12" name="Straight Arrow Connector 11"/>
+              <p:cNvCxnSpPr>
+                <a:stCxn id="22" idx="2"/>
+              </p:cNvCxnSpPr>
+              <p:nvPr/>
+            </p:nvCxnSpPr>
+            <p:spPr>
+              <a:xfrm>
+                <a:off x="2749605" y="2268902"/>
+                <a:ext cx="1208886" cy="1586425"/>
+              </a:xfrm>
+              <a:prstGeom prst="straightConnector1">
+                <a:avLst/>
+              </a:prstGeom>
+              <a:ln w="50800">
+                <a:solidFill>
+                  <a:schemeClr val="tx1"/>
+                </a:solidFill>
+                <a:prstDash val="solid"/>
+                <a:tailEnd type="none"/>
+              </a:ln>
+              <a:effectLst/>
+            </p:spPr>
+            <p:style>
+              <a:lnRef idx="2">
+                <a:schemeClr val="accent1"/>
+              </a:lnRef>
+              <a:fillRef idx="0">
+                <a:schemeClr val="accent1"/>
+              </a:fillRef>
+              <a:effectRef idx="1">
+                <a:schemeClr val="accent1"/>
+              </a:effectRef>
+              <a:fontRef idx="minor">
+                <a:schemeClr val="tx1"/>
+              </a:fontRef>
+            </p:style>
+          </p:cxnSp>
+          <p:sp>
+            <p:nvSpPr>
+              <p:cNvPr id="19" name="Rectangle 18"/>
+              <p:cNvSpPr/>
+              <p:nvPr/>
+            </p:nvSpPr>
+            <p:spPr>
+              <a:xfrm>
+                <a:off x="3958491" y="1162499"/>
+                <a:ext cx="1248579" cy="1106403"/>
+              </a:xfrm>
+              <a:prstGeom prst="rect">
+                <a:avLst/>
+              </a:prstGeom>
+              <a:solidFill>
+                <a:srgbClr val="3366FF"/>
+              </a:solidFill>
+              <a:ln w="34925">
+                <a:solidFill>
+                  <a:schemeClr val="tx1"/>
+                </a:solidFill>
+              </a:ln>
+              <a:effectLst/>
+            </p:spPr>
+            <p:style>
+              <a:lnRef idx="1">
+                <a:schemeClr val="accent1"/>
+              </a:lnRef>
+              <a:fillRef idx="3">
+                <a:schemeClr val="accent1"/>
+              </a:fillRef>
+              <a:effectRef idx="2">
+                <a:schemeClr val="accent1"/>
+              </a:effectRef>
+              <a:fontRef idx="minor">
+                <a:schemeClr val="lt1"/>
+              </a:fontRef>
+            </p:style>
+            <p:txBody>
+              <a:bodyPr rtlCol="0" anchor="ctr"/>
+              <a:lstStyle/>
+              <a:p>
+                <a:pPr algn="ctr"/>
+                <a:r>
+                  <a:rPr lang="en-US" dirty="0" smtClean="0">
+                    <a:solidFill>
+                      <a:schemeClr val="bg1"/>
+                    </a:solidFill>
+                    <a:latin typeface="Gill Sans"/>
+                    <a:cs typeface="Gill Sans"/>
+                  </a:rPr>
+                  <a:t>Sampling</a:t>
+                </a:r>
+              </a:p>
+            </p:txBody>
+          </p:sp>
+          <p:sp>
+            <p:nvSpPr>
+              <p:cNvPr id="20" name="Rectangle 19"/>
+              <p:cNvSpPr/>
+              <p:nvPr/>
+            </p:nvSpPr>
+            <p:spPr>
+              <a:xfrm>
+                <a:off x="5308571" y="1162499"/>
+                <a:ext cx="1248579" cy="1106403"/>
+              </a:xfrm>
+              <a:prstGeom prst="rect">
+                <a:avLst/>
+              </a:prstGeom>
+              <a:solidFill>
+                <a:schemeClr val="tx1"/>
+              </a:solidFill>
+              <a:ln w="34925">
+                <a:solidFill>
+                  <a:schemeClr val="tx1"/>
+                </a:solidFill>
+              </a:ln>
+              <a:effectLst/>
+            </p:spPr>
+            <p:style>
+              <a:lnRef idx="1">
+                <a:schemeClr val="accent1"/>
+              </a:lnRef>
+              <a:fillRef idx="3">
+                <a:schemeClr val="accent1"/>
+              </a:fillRef>
+              <a:effectRef idx="2">
+                <a:schemeClr val="accent1"/>
+              </a:effectRef>
+              <a:fontRef idx="minor">
+                <a:schemeClr val="lt1"/>
+              </a:fontRef>
+            </p:style>
+            <p:txBody>
+              <a:bodyPr rtlCol="0" anchor="ctr"/>
+              <a:lstStyle/>
+              <a:p>
+                <a:pPr algn="ctr"/>
+                <a:r>
+                  <a:rPr lang="en-US" dirty="0" smtClean="0">
+                    <a:solidFill>
+                      <a:srgbClr val="FFFFFF"/>
+                    </a:solidFill>
+                    <a:latin typeface="Gill Sans"/>
+                    <a:cs typeface="Gill Sans"/>
+                  </a:rPr>
+                  <a:t>Data </a:t>
+                </a:r>
+              </a:p>
+              <a:p>
+                <a:pPr algn="ctr"/>
+                <a:r>
+                  <a:rPr lang="en-US" dirty="0" smtClean="0">
+                    <a:solidFill>
+                      <a:srgbClr val="FFFFFF"/>
+                    </a:solidFill>
+                    <a:latin typeface="Gill Sans"/>
+                    <a:cs typeface="Gill Sans"/>
+                  </a:rPr>
+                  <a:t>Cleaning</a:t>
+                </a:r>
+                <a:endParaRPr lang="en-US" dirty="0">
+                  <a:solidFill>
+                    <a:srgbClr val="FFFFFF"/>
+                  </a:solidFill>
+                  <a:latin typeface="Gill Sans"/>
+                  <a:cs typeface="Gill Sans"/>
+                </a:endParaRPr>
+              </a:p>
+            </p:txBody>
+          </p:sp>
+          <p:sp>
+            <p:nvSpPr>
+              <p:cNvPr id="21" name="Rectangle 20"/>
+              <p:cNvSpPr/>
+              <p:nvPr/>
+            </p:nvSpPr>
+            <p:spPr>
+              <a:xfrm>
+                <a:off x="6648803" y="1162499"/>
+                <a:ext cx="1338082" cy="1106403"/>
+              </a:xfrm>
+              <a:prstGeom prst="rect">
+                <a:avLst/>
+              </a:prstGeom>
+              <a:solidFill>
+                <a:srgbClr val="3366FF"/>
+              </a:solidFill>
+              <a:ln w="34925">
+                <a:solidFill>
+                  <a:schemeClr val="tx1"/>
+                </a:solidFill>
+              </a:ln>
+              <a:effectLst/>
+            </p:spPr>
+            <p:style>
+              <a:lnRef idx="1">
+                <a:schemeClr val="accent1"/>
+              </a:lnRef>
+              <a:fillRef idx="3">
+                <a:schemeClr val="accent1"/>
+              </a:fillRef>
+              <a:effectRef idx="2">
+                <a:schemeClr val="accent1"/>
+              </a:effectRef>
+              <a:fontRef idx="minor">
+                <a:schemeClr val="lt1"/>
+              </a:fontRef>
+            </p:style>
+            <p:txBody>
+              <a:bodyPr rtlCol="0" anchor="ctr"/>
+              <a:lstStyle/>
+              <a:p>
+                <a:pPr algn="ctr"/>
+                <a:r>
+                  <a:rPr lang="en-US" dirty="0" smtClean="0">
+                    <a:solidFill>
+                      <a:srgbClr val="FFFFFF"/>
+                    </a:solidFill>
+                    <a:latin typeface="Gill Sans"/>
+                    <a:cs typeface="Gill Sans"/>
+                  </a:rPr>
+                  <a:t>Error</a:t>
+                </a:r>
+              </a:p>
+              <a:p>
+                <a:pPr algn="ctr"/>
+                <a:r>
+                  <a:rPr lang="en-US" dirty="0" smtClean="0">
+                    <a:solidFill>
+                      <a:srgbClr val="FFFFFF"/>
+                    </a:solidFill>
+                    <a:latin typeface="Gill Sans"/>
+                    <a:cs typeface="Gill Sans"/>
+                  </a:rPr>
+                  <a:t>Estimation</a:t>
+                </a:r>
+                <a:endParaRPr lang="en-US" dirty="0">
+                  <a:solidFill>
+                    <a:srgbClr val="FFFFFF"/>
+                  </a:solidFill>
+                  <a:latin typeface="Gill Sans"/>
+                  <a:cs typeface="Gill Sans"/>
+                </a:endParaRPr>
+              </a:p>
+            </p:txBody>
+          </p:sp>
+          <p:cxnSp>
+            <p:nvCxnSpPr>
+              <p:cNvPr id="27" name="Elbow Connector 26"/>
+              <p:cNvCxnSpPr>
+                <a:stCxn id="21" idx="0"/>
+              </p:cNvCxnSpPr>
+              <p:nvPr/>
+            </p:nvCxnSpPr>
+            <p:spPr>
+              <a:xfrm rot="16200000" flipH="1" flipV="1">
+                <a:off x="5097167" y="-1058177"/>
+                <a:ext cx="1" cy="4441352"/>
+              </a:xfrm>
+              <a:prstGeom prst="bentConnector4">
+                <a:avLst>
+                  <a:gd name="adj1" fmla="val -22860000000"/>
+                  <a:gd name="adj2" fmla="val 99983"/>
+                </a:avLst>
+              </a:prstGeom>
+              <a:ln w="47625">
+                <a:solidFill>
+                  <a:schemeClr val="tx1"/>
+                </a:solidFill>
+                <a:tailEnd type="triangle"/>
+              </a:ln>
+              <a:effectLst/>
+            </p:spPr>
+            <p:style>
+              <a:lnRef idx="2">
+                <a:schemeClr val="accent1"/>
+              </a:lnRef>
+              <a:fillRef idx="0">
+                <a:schemeClr val="accent1"/>
+              </a:fillRef>
+              <a:effectRef idx="1">
+                <a:schemeClr val="accent1"/>
+              </a:effectRef>
+              <a:fontRef idx="minor">
+                <a:schemeClr val="tx1"/>
+              </a:fontRef>
+            </p:style>
+          </p:cxnSp>
+          <p:cxnSp>
+            <p:nvCxnSpPr>
+              <p:cNvPr id="32" name="Straight Arrow Connector 31"/>
+              <p:cNvCxnSpPr/>
+              <p:nvPr/>
+            </p:nvCxnSpPr>
+            <p:spPr>
+              <a:xfrm>
+                <a:off x="5107985" y="1701131"/>
+                <a:ext cx="401172" cy="0"/>
+              </a:xfrm>
+              <a:prstGeom prst="straightConnector1">
+                <a:avLst/>
+              </a:prstGeom>
+              <a:ln w="50800">
+                <a:solidFill>
+                  <a:schemeClr val="tx1"/>
+                </a:solidFill>
+                <a:prstDash val="solid"/>
+                <a:tailEnd type="triangle"/>
+              </a:ln>
+              <a:effectLst/>
+            </p:spPr>
+            <p:style>
+              <a:lnRef idx="2">
+                <a:schemeClr val="accent1"/>
+              </a:lnRef>
+              <a:fillRef idx="0">
+                <a:schemeClr val="accent1"/>
+              </a:fillRef>
+              <a:effectRef idx="1">
+                <a:schemeClr val="accent1"/>
+              </a:effectRef>
+              <a:fontRef idx="minor">
+                <a:schemeClr val="tx1"/>
+              </a:fontRef>
+            </p:style>
+          </p:cxnSp>
+          <p:cxnSp>
+            <p:nvCxnSpPr>
+              <p:cNvPr id="34" name="Straight Arrow Connector 33"/>
+              <p:cNvCxnSpPr/>
+              <p:nvPr/>
+            </p:nvCxnSpPr>
+            <p:spPr>
+              <a:xfrm>
+                <a:off x="6448217" y="1701131"/>
+                <a:ext cx="401172" cy="0"/>
+              </a:xfrm>
+              <a:prstGeom prst="straightConnector1">
+                <a:avLst/>
+              </a:prstGeom>
+              <a:ln w="50800">
+                <a:solidFill>
+                  <a:schemeClr val="tx1"/>
+                </a:solidFill>
+                <a:prstDash val="solid"/>
+                <a:tailEnd type="triangle"/>
+              </a:ln>
+              <a:effectLst/>
+            </p:spPr>
+            <p:style>
+              <a:lnRef idx="2">
+                <a:schemeClr val="accent1"/>
+              </a:lnRef>
+              <a:fillRef idx="0">
+                <a:schemeClr val="accent1"/>
+              </a:fillRef>
+              <a:effectRef idx="1">
+                <a:schemeClr val="accent1"/>
+              </a:effectRef>
+              <a:fontRef idx="minor">
+                <a:schemeClr val="tx1"/>
+              </a:fontRef>
+            </p:style>
+          </p:cxnSp>
+          <p:sp>
+            <p:nvSpPr>
+              <p:cNvPr id="39" name="Rectangle 38"/>
+              <p:cNvSpPr/>
+              <p:nvPr/>
+            </p:nvSpPr>
+            <p:spPr>
+              <a:xfrm>
+                <a:off x="5308571" y="3286984"/>
+                <a:ext cx="1248579" cy="1106403"/>
+              </a:xfrm>
+              <a:prstGeom prst="rect">
+                <a:avLst/>
+              </a:prstGeom>
+              <a:solidFill>
+                <a:srgbClr val="3366FF"/>
+              </a:solidFill>
+              <a:ln w="34925">
+                <a:solidFill>
+                  <a:schemeClr val="tx1"/>
+                </a:solidFill>
+              </a:ln>
+              <a:effectLst/>
+            </p:spPr>
+            <p:style>
+              <a:lnRef idx="1">
+                <a:schemeClr val="accent1"/>
+              </a:lnRef>
+              <a:fillRef idx="3">
+                <a:schemeClr val="accent1"/>
+              </a:fillRef>
+              <a:effectRef idx="2">
+                <a:schemeClr val="accent1"/>
+              </a:effectRef>
+              <a:fontRef idx="minor">
+                <a:schemeClr val="lt1"/>
+              </a:fontRef>
+            </p:style>
+            <p:txBody>
+              <a:bodyPr rtlCol="0" anchor="ctr"/>
+              <a:lstStyle/>
+              <a:p>
+                <a:pPr algn="ctr"/>
+                <a:r>
+                  <a:rPr lang="en-US" dirty="0" smtClean="0">
+                    <a:solidFill>
+                      <a:srgbClr val="FFFFFF"/>
+                    </a:solidFill>
+                    <a:latin typeface="Gill Sans"/>
+                    <a:cs typeface="Gill Sans"/>
+                  </a:rPr>
+                  <a:t>Iterative </a:t>
+                </a:r>
+              </a:p>
+              <a:p>
+                <a:pPr algn="ctr"/>
+                <a:r>
+                  <a:rPr lang="en-US" dirty="0" smtClean="0">
+                    <a:solidFill>
+                      <a:srgbClr val="FFFFFF"/>
+                    </a:solidFill>
+                    <a:latin typeface="Gill Sans"/>
+                    <a:cs typeface="Gill Sans"/>
+                  </a:rPr>
+                  <a:t>Model</a:t>
+                </a:r>
+              </a:p>
+              <a:p>
+                <a:pPr algn="ctr"/>
+                <a:r>
+                  <a:rPr lang="en-US" dirty="0" smtClean="0">
+                    <a:solidFill>
+                      <a:srgbClr val="FFFFFF"/>
+                    </a:solidFill>
+                    <a:latin typeface="Gill Sans"/>
+                    <a:cs typeface="Gill Sans"/>
+                  </a:rPr>
+                  <a:t>Update</a:t>
+                </a:r>
+                <a:endParaRPr lang="en-US" dirty="0">
+                  <a:solidFill>
+                    <a:srgbClr val="FFFFFF"/>
+                  </a:solidFill>
+                  <a:latin typeface="Gill Sans"/>
+                  <a:cs typeface="Gill Sans"/>
+                </a:endParaRPr>
+              </a:p>
+            </p:txBody>
+          </p:sp>
+          <p:cxnSp>
+            <p:nvCxnSpPr>
+              <p:cNvPr id="40" name="Straight Arrow Connector 39"/>
+              <p:cNvCxnSpPr>
+                <a:stCxn id="20" idx="2"/>
+                <a:endCxn id="39" idx="0"/>
+              </p:cNvCxnSpPr>
+              <p:nvPr/>
+            </p:nvCxnSpPr>
+            <p:spPr>
+              <a:xfrm>
+                <a:off x="5932861" y="2268902"/>
+                <a:ext cx="0" cy="1018082"/>
+              </a:xfrm>
+              <a:prstGeom prst="straightConnector1">
+                <a:avLst/>
+              </a:prstGeom>
+              <a:ln w="50800">
+                <a:solidFill>
+                  <a:schemeClr val="tx1"/>
+                </a:solidFill>
+                <a:prstDash val="solid"/>
+                <a:tailEnd type="triangle"/>
+              </a:ln>
+              <a:effectLst/>
+            </p:spPr>
+            <p:style>
+              <a:lnRef idx="2">
+                <a:schemeClr val="accent1"/>
+              </a:lnRef>
+              <a:fillRef idx="0">
+                <a:schemeClr val="accent1"/>
+              </a:fillRef>
+              <a:effectRef idx="1">
+                <a:schemeClr val="accent1"/>
+              </a:effectRef>
+              <a:fontRef idx="minor">
+                <a:schemeClr val="tx1"/>
+              </a:fontRef>
+            </p:style>
+          </p:cxnSp>
+          <p:cxnSp>
+            <p:nvCxnSpPr>
+              <p:cNvPr id="50" name="Straight Arrow Connector 49"/>
+              <p:cNvCxnSpPr/>
+              <p:nvPr/>
+            </p:nvCxnSpPr>
+            <p:spPr>
+              <a:xfrm flipV="1">
+                <a:off x="3958491" y="3840186"/>
+                <a:ext cx="1350080" cy="15141"/>
+              </a:xfrm>
+              <a:prstGeom prst="straightConnector1">
+                <a:avLst/>
+              </a:prstGeom>
+              <a:ln w="50800">
+                <a:solidFill>
+                  <a:schemeClr val="tx1"/>
+                </a:solidFill>
+                <a:prstDash val="solid"/>
+                <a:tailEnd type="triangle"/>
+              </a:ln>
+              <a:effectLst/>
+            </p:spPr>
+            <p:style>
+              <a:lnRef idx="2">
+                <a:schemeClr val="accent1"/>
+              </a:lnRef>
+              <a:fillRef idx="0">
+                <a:schemeClr val="accent1"/>
+              </a:fillRef>
+              <a:effectRef idx="1">
+                <a:schemeClr val="accent1"/>
+              </a:effectRef>
+              <a:fontRef idx="minor">
+                <a:schemeClr val="tx1"/>
+              </a:fontRef>
+            </p:style>
+          </p:cxnSp>
+          <p:sp>
+            <p:nvSpPr>
+              <p:cNvPr id="73" name="TextBox 72"/>
+              <p:cNvSpPr txBox="1"/>
+              <p:nvPr/>
+            </p:nvSpPr>
+            <p:spPr>
+              <a:xfrm>
+                <a:off x="2055641" y="287445"/>
+                <a:ext cx="3052344" cy="369332"/>
+              </a:xfrm>
+              <a:prstGeom prst="rect">
+                <a:avLst/>
+              </a:prstGeom>
+              <a:noFill/>
+            </p:spPr>
+            <p:txBody>
+              <a:bodyPr wrap="square" rtlCol="0">
+                <a:spAutoFit/>
+              </a:bodyPr>
+              <a:lstStyle/>
+              <a:p>
+                <a:r>
+                  <a:rPr lang="en-US" b="1" dirty="0" smtClean="0">
+                    <a:latin typeface="Gill Sans"/>
+                    <a:cs typeface="Gill Sans"/>
+                  </a:rPr>
+                  <a:t>Adaptive Detection</a:t>
+                </a:r>
+                <a:endParaRPr lang="en-US" b="1" dirty="0">
+                  <a:latin typeface="Gill Sans"/>
+                  <a:cs typeface="Gill Sans"/>
+                </a:endParaRPr>
+              </a:p>
+            </p:txBody>
+          </p:sp>
+        </p:grpSp>
+        <p:sp>
+          <p:nvSpPr>
+            <p:cNvPr id="22" name="Rectangle 21"/>
+            <p:cNvSpPr/>
+            <p:nvPr/>
+          </p:nvSpPr>
+          <p:spPr>
+            <a:xfrm>
+              <a:off x="2125315" y="1162499"/>
+              <a:ext cx="1248579" cy="1106403"/>
+            </a:xfrm>
+            <a:prstGeom prst="rect">
+              <a:avLst/>
+            </a:prstGeom>
+            <a:solidFill>
+              <a:srgbClr val="3366FF"/>
+            </a:solidFill>
+            <a:ln w="34925">
+              <a:solidFill>
+                <a:schemeClr val="tx1"/>
+              </a:solidFill>
+            </a:ln>
+            <a:effectLst/>
+          </p:spPr>
+          <p:style>
+            <a:lnRef idx="1">
+              <a:schemeClr val="accent1"/>
+            </a:lnRef>
+            <a:fillRef idx="3">
+              <a:schemeClr val="accent1"/>
+            </a:fillRef>
+            <a:effectRef idx="2">
+              <a:schemeClr val="accent1"/>
+            </a:effectRef>
+            <a:fontRef idx="minor">
+              <a:schemeClr val="lt1"/>
+            </a:fontRef>
+          </p:style>
+          <p:txBody>
+            <a:bodyPr rtlCol="0" anchor="ctr"/>
+            <a:lstStyle/>
+            <a:p>
+              <a:pPr algn="ctr"/>
+              <a:r>
+                <a:rPr lang="en-US" dirty="0" smtClean="0">
+                  <a:solidFill>
+                    <a:schemeClr val="bg1"/>
+                  </a:solidFill>
+                  <a:latin typeface="Gill Sans"/>
+                  <a:cs typeface="Gill Sans"/>
+                </a:rPr>
+                <a:t>Classifier</a:t>
+              </a:r>
+            </a:p>
+          </p:txBody>
+        </p:sp>
+        <p:cxnSp>
+          <p:nvCxnSpPr>
+            <p:cNvPr id="41" name="Straight Arrow Connector 40"/>
+            <p:cNvCxnSpPr/>
+            <p:nvPr/>
+          </p:nvCxnSpPr>
+          <p:spPr>
+            <a:xfrm>
+              <a:off x="4645003" y="942810"/>
+              <a:ext cx="0" cy="288029"/>
+            </a:xfrm>
+            <a:prstGeom prst="straightConnector1">
+              <a:avLst/>
+            </a:prstGeom>
+            <a:ln w="50800">
+              <a:solidFill>
+                <a:schemeClr val="tx1"/>
+              </a:solidFill>
+              <a:prstDash val="solid"/>
+              <a:tailEnd type="triangle"/>
+            </a:ln>
+            <a:effectLst/>
+          </p:spPr>
+          <p:style>
+            <a:lnRef idx="2">
+              <a:schemeClr val="accent1"/>
+            </a:lnRef>
+            <a:fillRef idx="0">
+              <a:schemeClr val="accent1"/>
+            </a:fillRef>
+            <a:effectRef idx="1">
+              <a:schemeClr val="accent1"/>
+            </a:effectRef>
+            <a:fontRef idx="minor">
+              <a:schemeClr val="tx1"/>
+            </a:fontRef>
+          </p:style>
+        </p:cxnSp>
+        <p:sp>
+          <p:nvSpPr>
+            <p:cNvPr id="45" name="TextBox 44"/>
+            <p:cNvSpPr txBox="1"/>
+            <p:nvPr/>
+          </p:nvSpPr>
+          <p:spPr>
+            <a:xfrm>
+              <a:off x="3325850" y="1690066"/>
+              <a:ext cx="684803" cy="369332"/>
+            </a:xfrm>
+            <a:prstGeom prst="rect">
+              <a:avLst/>
+            </a:prstGeom>
+            <a:noFill/>
+          </p:spPr>
+          <p:txBody>
+            <a:bodyPr wrap="none" rtlCol="0">
+              <a:spAutoFit/>
+            </a:bodyPr>
+            <a:lstStyle/>
+            <a:p>
+              <a:pPr algn="ctr"/>
+              <a:r>
+                <a:rPr lang="en-US" dirty="0" smtClean="0">
+                  <a:latin typeface="Gill Sans"/>
+                  <a:cs typeface="Gill Sans"/>
+                </a:rPr>
+                <a:t>Dirty</a:t>
+              </a:r>
+              <a:endParaRPr lang="en-US" dirty="0">
+                <a:latin typeface="Gill Sans"/>
+                <a:cs typeface="Gill Sans"/>
+              </a:endParaRPr>
+            </a:p>
+          </p:txBody>
+        </p:sp>
+        <p:sp>
+          <p:nvSpPr>
+            <p:cNvPr id="46" name="TextBox 45"/>
+            <p:cNvSpPr txBox="1"/>
+            <p:nvPr/>
+          </p:nvSpPr>
+          <p:spPr>
+            <a:xfrm rot="2964673">
+              <a:off x="3070912" y="2707571"/>
+              <a:ext cx="723200" cy="369332"/>
+            </a:xfrm>
+            <a:prstGeom prst="rect">
+              <a:avLst/>
+            </a:prstGeom>
+            <a:noFill/>
+          </p:spPr>
+          <p:txBody>
+            <a:bodyPr wrap="none" rtlCol="0">
+              <a:spAutoFit/>
+            </a:bodyPr>
+            <a:lstStyle/>
+            <a:p>
+              <a:pPr algn="ctr"/>
+              <a:r>
+                <a:rPr lang="en-US" dirty="0" smtClean="0">
+                  <a:latin typeface="Gill Sans"/>
+                  <a:cs typeface="Gill Sans"/>
+                </a:rPr>
+                <a:t>Clean</a:t>
+              </a:r>
+              <a:endParaRPr lang="en-US" dirty="0">
+                <a:latin typeface="Gill Sans"/>
+                <a:cs typeface="Gill Sans"/>
+              </a:endParaRPr>
+            </a:p>
+          </p:txBody>
+        </p:sp>
+        <p:sp>
+          <p:nvSpPr>
+            <p:cNvPr id="47" name="TextBox 46"/>
+            <p:cNvSpPr txBox="1"/>
+            <p:nvPr/>
+          </p:nvSpPr>
+          <p:spPr>
+            <a:xfrm>
+              <a:off x="2744588" y="573477"/>
+              <a:ext cx="1808157" cy="369332"/>
+            </a:xfrm>
+            <a:prstGeom prst="rect">
+              <a:avLst/>
+            </a:prstGeom>
+            <a:noFill/>
+          </p:spPr>
+          <p:txBody>
+            <a:bodyPr wrap="none" rtlCol="0">
+              <a:spAutoFit/>
+            </a:bodyPr>
+            <a:lstStyle/>
+            <a:p>
+              <a:pPr algn="ctr"/>
+              <a:r>
+                <a:rPr lang="en-US" dirty="0" smtClean="0">
+                  <a:latin typeface="Gill Sans"/>
+                  <a:cs typeface="Gill Sans"/>
+                </a:rPr>
+                <a:t>Learn From Fixes</a:t>
+              </a:r>
+              <a:endParaRPr lang="en-US" dirty="0">
+                <a:latin typeface="Gill Sans"/>
+                <a:cs typeface="Gill Sans"/>
+              </a:endParaRPr>
+            </a:p>
+          </p:txBody>
+        </p:sp>
+      </p:grpSp>
+    </p:spTree>
+    <p:extLst>
+      <p:ext uri="{BB962C8B-B14F-4D97-AF65-F5344CB8AC3E}">
+        <p14:creationId xmlns:p14="http://schemas.microsoft.com/office/powerpoint/2010/main" val="3426411864"/>
+      </p:ext>
+    </p:extLst>
+  </p:cSld>
+  <p:clrMapOvr>
+    <a:masterClrMapping/>
+  </p:clrMapOvr>
+</p:sld>
+</file>
+
+<file path=ppt/slides/slide11.xml><?xml version="1.0" encoding="utf-8"?>
+<p:sld xmlns:a="http://schemas.openxmlformats.org/drawingml/2006/main" xmlns:r="http://schemas.openxmlformats.org/officeDocument/2006/relationships" xmlns:p="http://schemas.openxmlformats.org/presentationml/2006/main">
+  <p:cSld>
+    <p:spTree>
+      <p:nvGrpSpPr>
+        <p:cNvPr id="1" name=""/>
+        <p:cNvGrpSpPr/>
+        <p:nvPr/>
+      </p:nvGrpSpPr>
+      <p:grpSpPr>
+        <a:xfrm>
+          <a:off x="0" y="0"/>
+          <a:ext cx="0" cy="0"/>
+          <a:chOff x="0" y="0"/>
+          <a:chExt cx="0" cy="0"/>
+        </a:xfrm>
+      </p:grpSpPr>
+      <p:grpSp>
+        <p:nvGrpSpPr>
+          <p:cNvPr id="49" name="Group 48"/>
+          <p:cNvGrpSpPr/>
+          <p:nvPr/>
+        </p:nvGrpSpPr>
+        <p:grpSpPr>
+          <a:xfrm>
+            <a:off x="919673" y="1722001"/>
+            <a:ext cx="5142503" cy="3383175"/>
+            <a:chOff x="919673" y="1722001"/>
+            <a:chExt cx="5142503" cy="3383175"/>
+          </a:xfrm>
+        </p:grpSpPr>
+        <p:grpSp>
+          <p:nvGrpSpPr>
+            <p:cNvPr id="47" name="Group 46"/>
+            <p:cNvGrpSpPr/>
+            <p:nvPr/>
+          </p:nvGrpSpPr>
+          <p:grpSpPr>
+            <a:xfrm>
+              <a:off x="919673" y="1722001"/>
+              <a:ext cx="5142503" cy="2895464"/>
+              <a:chOff x="919673" y="1722001"/>
+              <a:chExt cx="5142503" cy="2895464"/>
+            </a:xfrm>
+          </p:grpSpPr>
+          <p:cxnSp>
+            <p:nvCxnSpPr>
+              <p:cNvPr id="5" name="Straight Arrow Connector 4"/>
+              <p:cNvCxnSpPr/>
+              <p:nvPr/>
+            </p:nvCxnSpPr>
+            <p:spPr>
+              <a:xfrm flipV="1">
+                <a:off x="2605558" y="1741506"/>
+                <a:ext cx="0" cy="2828312"/>
+              </a:xfrm>
+              <a:prstGeom prst="straightConnector1">
+                <a:avLst/>
+              </a:prstGeom>
+              <a:ln w="50800">
+                <a:solidFill>
+                  <a:schemeClr val="tx1"/>
+                </a:solidFill>
+                <a:tailEnd type="triangle"/>
+              </a:ln>
+              <a:effectLst/>
+            </p:spPr>
+            <p:style>
+              <a:lnRef idx="2">
+                <a:schemeClr val="accent1"/>
+              </a:lnRef>
+              <a:fillRef idx="0">
+                <a:schemeClr val="accent1"/>
+              </a:fillRef>
+              <a:effectRef idx="1">
+                <a:schemeClr val="accent1"/>
+              </a:effectRef>
+              <a:fontRef idx="minor">
+                <a:schemeClr val="tx1"/>
+              </a:fontRef>
+            </p:style>
+          </p:cxnSp>
+          <p:cxnSp>
+            <p:nvCxnSpPr>
+              <p:cNvPr id="10" name="Straight Arrow Connector 9"/>
+              <p:cNvCxnSpPr/>
+              <p:nvPr/>
+            </p:nvCxnSpPr>
+            <p:spPr>
+              <a:xfrm flipV="1">
+                <a:off x="2579372" y="4556724"/>
+                <a:ext cx="3482804" cy="21461"/>
+              </a:xfrm>
+              <a:prstGeom prst="straightConnector1">
+                <a:avLst/>
+              </a:prstGeom>
+              <a:ln w="50800">
+                <a:solidFill>
+                  <a:schemeClr val="tx1"/>
+                </a:solidFill>
+                <a:tailEnd type="triangle"/>
+              </a:ln>
+              <a:effectLst/>
+            </p:spPr>
+            <p:style>
+              <a:lnRef idx="2">
+                <a:schemeClr val="accent1"/>
+              </a:lnRef>
+              <a:fillRef idx="0">
+                <a:schemeClr val="accent1"/>
+              </a:fillRef>
+              <a:effectRef idx="1">
+                <a:schemeClr val="accent1"/>
+              </a:effectRef>
+              <a:fontRef idx="minor">
+                <a:schemeClr val="tx1"/>
+              </a:fontRef>
+            </p:style>
+          </p:cxnSp>
+          <p:sp>
+            <p:nvSpPr>
+              <p:cNvPr id="14" name="Freeform 13"/>
+              <p:cNvSpPr/>
+              <p:nvPr/>
+            </p:nvSpPr>
+            <p:spPr>
+              <a:xfrm>
+                <a:off x="2657930" y="2841404"/>
+                <a:ext cx="3103101" cy="1702225"/>
+              </a:xfrm>
+              <a:custGeom>
+                <a:avLst/>
+                <a:gdLst>
+                  <a:gd name="connsiteX0" fmla="*/ 0 w 2998354"/>
+                  <a:gd name="connsiteY0" fmla="*/ 0 h 2403809"/>
+                  <a:gd name="connsiteX1" fmla="*/ 563009 w 2998354"/>
+                  <a:gd name="connsiteY1" fmla="*/ 2081951 h 2403809"/>
+                  <a:gd name="connsiteX2" fmla="*/ 2998354 w 2998354"/>
+                  <a:gd name="connsiteY2" fmla="*/ 2396208 h 2403809"/>
+                  <a:gd name="connsiteX3" fmla="*/ 2998354 w 2998354"/>
+                  <a:gd name="connsiteY3" fmla="*/ 2396208 h 2403809"/>
+                </a:gdLst>
+                <a:ahLst/>
+                <a:cxnLst>
+                  <a:cxn ang="0">
+                    <a:pos x="connsiteX0" y="connsiteY0"/>
+                  </a:cxn>
+                  <a:cxn ang="0">
+                    <a:pos x="connsiteX1" y="connsiteY1"/>
+                  </a:cxn>
+                  <a:cxn ang="0">
+                    <a:pos x="connsiteX2" y="connsiteY2"/>
+                  </a:cxn>
+                  <a:cxn ang="0">
+                    <a:pos x="connsiteX3" y="connsiteY3"/>
+                  </a:cxn>
+                </a:cxnLst>
+                <a:rect l="l" t="t" r="r" b="b"/>
+                <a:pathLst>
+                  <a:path w="2998354" h="2403809">
+                    <a:moveTo>
+                      <a:pt x="0" y="0"/>
+                    </a:moveTo>
+                    <a:cubicBezTo>
+                      <a:pt x="31641" y="841291"/>
+                      <a:pt x="63283" y="1682583"/>
+                      <a:pt x="563009" y="2081951"/>
+                    </a:cubicBezTo>
+                    <a:cubicBezTo>
+                      <a:pt x="1062735" y="2481319"/>
+                      <a:pt x="2998354" y="2396208"/>
+                      <a:pt x="2998354" y="2396208"/>
+                    </a:cubicBezTo>
+                    <a:lnTo>
+                      <a:pt x="2998354" y="2396208"/>
+                    </a:lnTo>
+                  </a:path>
+                </a:pathLst>
+              </a:custGeom>
+              <a:ln w="50800">
+                <a:solidFill>
+                  <a:srgbClr val="3366FF"/>
+                </a:solidFill>
+              </a:ln>
+              <a:effectLst/>
+            </p:spPr>
+            <p:style>
+              <a:lnRef idx="2">
+                <a:schemeClr val="accent1"/>
+              </a:lnRef>
+              <a:fillRef idx="0">
+                <a:schemeClr val="accent1"/>
+              </a:fillRef>
+              <a:effectRef idx="1">
+                <a:schemeClr val="accent1"/>
+              </a:effectRef>
+              <a:fontRef idx="minor">
+                <a:schemeClr val="tx1"/>
+              </a:fontRef>
+            </p:style>
+            <p:txBody>
+              <a:bodyPr rtlCol="0" anchor="ctr"/>
+              <a:lstStyle/>
+              <a:p>
+                <a:pPr algn="ctr"/>
+                <a:endParaRPr lang="en-US"/>
+              </a:p>
+            </p:txBody>
+          </p:sp>
+          <p:sp>
+            <p:nvSpPr>
+              <p:cNvPr id="17" name="Freeform 16"/>
+              <p:cNvSpPr/>
+              <p:nvPr/>
+            </p:nvSpPr>
+            <p:spPr>
+              <a:xfrm>
+                <a:off x="2605558" y="1898635"/>
+                <a:ext cx="3155473" cy="2644995"/>
+              </a:xfrm>
+              <a:custGeom>
+                <a:avLst/>
+                <a:gdLst>
+                  <a:gd name="connsiteX0" fmla="*/ 0 w 4058909"/>
+                  <a:gd name="connsiteY0" fmla="*/ 0 h 2615663"/>
+                  <a:gd name="connsiteX1" fmla="*/ 1728310 w 4058909"/>
+                  <a:gd name="connsiteY1" fmla="*/ 2304550 h 2615663"/>
+                  <a:gd name="connsiteX2" fmla="*/ 4058909 w 4058909"/>
+                  <a:gd name="connsiteY2" fmla="*/ 2592618 h 2615663"/>
+                  <a:gd name="connsiteX3" fmla="*/ 4058909 w 4058909"/>
+                  <a:gd name="connsiteY3" fmla="*/ 2592618 h 2615663"/>
+                </a:gdLst>
+                <a:ahLst/>
+                <a:cxnLst>
+                  <a:cxn ang="0">
+                    <a:pos x="connsiteX0" y="connsiteY0"/>
+                  </a:cxn>
+                  <a:cxn ang="0">
+                    <a:pos x="connsiteX1" y="connsiteY1"/>
+                  </a:cxn>
+                  <a:cxn ang="0">
+                    <a:pos x="connsiteX2" y="connsiteY2"/>
+                  </a:cxn>
+                  <a:cxn ang="0">
+                    <a:pos x="connsiteX3" y="connsiteY3"/>
+                  </a:cxn>
+                </a:cxnLst>
+                <a:rect l="l" t="t" r="r" b="b"/>
+                <a:pathLst>
+                  <a:path w="4058909" h="2615663">
+                    <a:moveTo>
+                      <a:pt x="0" y="0"/>
+                    </a:moveTo>
+                    <a:cubicBezTo>
+                      <a:pt x="525912" y="936223"/>
+                      <a:pt x="1051825" y="1872447"/>
+                      <a:pt x="1728310" y="2304550"/>
+                    </a:cubicBezTo>
+                    <a:cubicBezTo>
+                      <a:pt x="2404795" y="2736653"/>
+                      <a:pt x="4058909" y="2592618"/>
+                      <a:pt x="4058909" y="2592618"/>
+                    </a:cubicBezTo>
+                    <a:lnTo>
+                      <a:pt x="4058909" y="2592618"/>
+                    </a:lnTo>
+                  </a:path>
+                </a:pathLst>
+              </a:custGeom>
+              <a:ln w="50800">
+                <a:solidFill>
+                  <a:srgbClr val="FFB508"/>
+                </a:solidFill>
+              </a:ln>
+              <a:effectLst/>
+            </p:spPr>
+            <p:style>
+              <a:lnRef idx="2">
+                <a:schemeClr val="accent1"/>
+              </a:lnRef>
+              <a:fillRef idx="0">
+                <a:schemeClr val="accent1"/>
+              </a:fillRef>
+              <a:effectRef idx="1">
+                <a:schemeClr val="accent1"/>
+              </a:effectRef>
+              <a:fontRef idx="minor">
+                <a:schemeClr val="tx1"/>
+              </a:fontRef>
+            </p:style>
+            <p:txBody>
+              <a:bodyPr rtlCol="0" anchor="ctr"/>
+              <a:lstStyle/>
+              <a:p>
+                <a:pPr algn="ctr"/>
+                <a:endParaRPr lang="en-US"/>
+              </a:p>
+            </p:txBody>
+          </p:sp>
+          <p:sp>
+            <p:nvSpPr>
+              <p:cNvPr id="20" name="Oval 19"/>
+              <p:cNvSpPr/>
+              <p:nvPr/>
+            </p:nvSpPr>
+            <p:spPr>
+              <a:xfrm>
+                <a:off x="2566278" y="2756293"/>
+                <a:ext cx="170223" cy="170223"/>
+              </a:xfrm>
+              <a:prstGeom prst="ellipse">
+                <a:avLst/>
+              </a:prstGeom>
+              <a:solidFill>
+                <a:srgbClr val="FF0000"/>
+              </a:solidFill>
+              <a:ln>
+                <a:noFill/>
+              </a:ln>
+              <a:effectLst/>
+            </p:spPr>
+            <p:style>
+              <a:lnRef idx="1">
+                <a:schemeClr val="accent1"/>
+              </a:lnRef>
+              <a:fillRef idx="3">
+                <a:schemeClr val="accent1"/>
+              </a:fillRef>
+              <a:effectRef idx="2">
+                <a:schemeClr val="accent1"/>
+              </a:effectRef>
+              <a:fontRef idx="minor">
+                <a:schemeClr val="lt1"/>
+              </a:fontRef>
+            </p:style>
+            <p:txBody>
+              <a:bodyPr rtlCol="0" anchor="ctr"/>
+              <a:lstStyle/>
+              <a:p>
+                <a:pPr algn="ctr"/>
+                <a:endParaRPr lang="en-US"/>
+              </a:p>
+            </p:txBody>
+          </p:sp>
+          <p:sp>
+            <p:nvSpPr>
+              <p:cNvPr id="21" name="Oval 20"/>
+              <p:cNvSpPr/>
+              <p:nvPr/>
+            </p:nvSpPr>
+            <p:spPr>
+              <a:xfrm>
+                <a:off x="5625378" y="4447242"/>
+                <a:ext cx="170223" cy="170223"/>
+              </a:xfrm>
+              <a:prstGeom prst="ellipse">
+                <a:avLst/>
+              </a:prstGeom>
+              <a:solidFill>
+                <a:srgbClr val="008000"/>
+              </a:solidFill>
+              <a:ln>
+                <a:noFill/>
+              </a:ln>
+              <a:effectLst/>
+            </p:spPr>
+            <p:style>
+              <a:lnRef idx="1">
+                <a:schemeClr val="accent1"/>
+              </a:lnRef>
+              <a:fillRef idx="3">
+                <a:schemeClr val="accent1"/>
+              </a:fillRef>
+              <a:effectRef idx="2">
+                <a:schemeClr val="accent1"/>
+              </a:effectRef>
+              <a:fontRef idx="minor">
+                <a:schemeClr val="lt1"/>
+              </a:fontRef>
+            </p:style>
+            <p:txBody>
+              <a:bodyPr rtlCol="0" anchor="ctr"/>
+              <a:lstStyle/>
+              <a:p>
+                <a:pPr algn="ctr"/>
+                <a:endParaRPr lang="en-US"/>
+              </a:p>
+            </p:txBody>
+          </p:sp>
+          <p:sp>
+            <p:nvSpPr>
+              <p:cNvPr id="22" name="Oval 21"/>
+              <p:cNvSpPr/>
+              <p:nvPr/>
+            </p:nvSpPr>
+            <p:spPr>
+              <a:xfrm>
+                <a:off x="4811650" y="1911796"/>
+                <a:ext cx="170223" cy="170223"/>
+              </a:xfrm>
+              <a:prstGeom prst="ellipse">
+                <a:avLst/>
+              </a:prstGeom>
+              <a:solidFill>
+                <a:srgbClr val="FF0000"/>
+              </a:solidFill>
+              <a:ln>
+                <a:noFill/>
+              </a:ln>
+              <a:effectLst/>
+            </p:spPr>
+            <p:style>
+              <a:lnRef idx="1">
+                <a:schemeClr val="accent1"/>
+              </a:lnRef>
+              <a:fillRef idx="3">
+                <a:schemeClr val="accent1"/>
+              </a:fillRef>
+              <a:effectRef idx="2">
+                <a:schemeClr val="accent1"/>
+              </a:effectRef>
+              <a:fontRef idx="minor">
+                <a:schemeClr val="lt1"/>
+              </a:fontRef>
+            </p:style>
+            <p:txBody>
+              <a:bodyPr rtlCol="0" anchor="ctr"/>
+              <a:lstStyle/>
+              <a:p>
+                <a:pPr algn="ctr"/>
+                <a:endParaRPr lang="en-US"/>
+              </a:p>
+            </p:txBody>
+          </p:sp>
+          <p:sp>
+            <p:nvSpPr>
+              <p:cNvPr id="23" name="TextBox 22"/>
+              <p:cNvSpPr txBox="1"/>
+              <p:nvPr/>
+            </p:nvSpPr>
+            <p:spPr>
+              <a:xfrm>
+                <a:off x="4937876" y="1826619"/>
+                <a:ext cx="571791" cy="307777"/>
+              </a:xfrm>
+              <a:prstGeom prst="rect">
+                <a:avLst/>
+              </a:prstGeom>
+              <a:noFill/>
+            </p:spPr>
+            <p:txBody>
+              <a:bodyPr wrap="none" rtlCol="0">
+                <a:spAutoFit/>
+              </a:bodyPr>
+              <a:lstStyle/>
+              <a:p>
+                <a:r>
+                  <a:rPr lang="en-US" sz="1400" dirty="0" smtClean="0">
+                    <a:latin typeface="Gill Sans"/>
+                    <a:cs typeface="Gill Sans"/>
+                  </a:rPr>
+                  <a:t>Dirty</a:t>
+                </a:r>
+                <a:endParaRPr lang="en-US" sz="1400" dirty="0">
+                  <a:latin typeface="Gill Sans"/>
+                  <a:cs typeface="Gill Sans"/>
+                </a:endParaRPr>
+              </a:p>
+            </p:txBody>
+          </p:sp>
+          <p:sp>
+            <p:nvSpPr>
+              <p:cNvPr id="24" name="Oval 23"/>
+              <p:cNvSpPr/>
+              <p:nvPr/>
+            </p:nvSpPr>
+            <p:spPr>
+              <a:xfrm>
+                <a:off x="4811650" y="2795641"/>
+                <a:ext cx="170223" cy="170223"/>
+              </a:xfrm>
+              <a:prstGeom prst="ellipse">
+                <a:avLst/>
+              </a:prstGeom>
+              <a:solidFill>
+                <a:srgbClr val="008000"/>
+              </a:solidFill>
+              <a:ln>
+                <a:noFill/>
+              </a:ln>
+              <a:effectLst/>
+            </p:spPr>
+            <p:style>
+              <a:lnRef idx="1">
+                <a:schemeClr val="accent1"/>
+              </a:lnRef>
+              <a:fillRef idx="3">
+                <a:schemeClr val="accent1"/>
+              </a:fillRef>
+              <a:effectRef idx="2">
+                <a:schemeClr val="accent1"/>
+              </a:effectRef>
+              <a:fontRef idx="minor">
+                <a:schemeClr val="lt1"/>
+              </a:fontRef>
+            </p:style>
+            <p:txBody>
+              <a:bodyPr rtlCol="0" anchor="ctr"/>
+              <a:lstStyle/>
+              <a:p>
+                <a:pPr algn="ctr"/>
+                <a:endParaRPr lang="en-US"/>
+              </a:p>
+            </p:txBody>
+          </p:sp>
+          <p:sp>
+            <p:nvSpPr>
+              <p:cNvPr id="25" name="TextBox 24"/>
+              <p:cNvSpPr txBox="1"/>
+              <p:nvPr/>
+            </p:nvSpPr>
+            <p:spPr>
+              <a:xfrm>
+                <a:off x="4937876" y="2710464"/>
+                <a:ext cx="603526" cy="307777"/>
+              </a:xfrm>
+              <a:prstGeom prst="rect">
+                <a:avLst/>
+              </a:prstGeom>
+              <a:noFill/>
+            </p:spPr>
+            <p:txBody>
+              <a:bodyPr wrap="none" rtlCol="0">
+                <a:spAutoFit/>
+              </a:bodyPr>
+              <a:lstStyle/>
+              <a:p>
+                <a:r>
+                  <a:rPr lang="en-US" sz="1400" dirty="0" smtClean="0">
+                    <a:latin typeface="Gill Sans"/>
+                    <a:cs typeface="Gill Sans"/>
+                  </a:rPr>
+                  <a:t>Clean</a:t>
+                </a:r>
+                <a:endParaRPr lang="en-US" sz="1400" dirty="0">
+                  <a:latin typeface="Gill Sans"/>
+                  <a:cs typeface="Gill Sans"/>
+                </a:endParaRPr>
+              </a:p>
+            </p:txBody>
+          </p:sp>
+          <p:cxnSp>
+            <p:nvCxnSpPr>
+              <p:cNvPr id="30" name="Straight Connector 29"/>
+              <p:cNvCxnSpPr/>
+              <p:nvPr/>
+            </p:nvCxnSpPr>
+            <p:spPr>
+              <a:xfrm>
+                <a:off x="4787300" y="2317711"/>
+                <a:ext cx="222586" cy="0"/>
+              </a:xfrm>
+              <a:prstGeom prst="line">
+                <a:avLst/>
+              </a:prstGeom>
+              <a:ln w="50800">
+                <a:solidFill>
+                  <a:srgbClr val="FFB508"/>
+                </a:solidFill>
+              </a:ln>
+              <a:effectLst/>
+            </p:spPr>
+            <p:style>
+              <a:lnRef idx="2">
+                <a:schemeClr val="accent1"/>
+              </a:lnRef>
+              <a:fillRef idx="0">
+                <a:schemeClr val="accent1"/>
+              </a:fillRef>
+              <a:effectRef idx="1">
+                <a:schemeClr val="accent1"/>
+              </a:effectRef>
+              <a:fontRef idx="minor">
+                <a:schemeClr val="tx1"/>
+              </a:fontRef>
+            </p:style>
+          </p:cxnSp>
+          <p:sp>
+            <p:nvSpPr>
+              <p:cNvPr id="31" name="TextBox 30"/>
+              <p:cNvSpPr txBox="1"/>
+              <p:nvPr/>
+            </p:nvSpPr>
+            <p:spPr>
+              <a:xfrm>
+                <a:off x="4946253" y="2134396"/>
+                <a:ext cx="1115923" cy="307777"/>
+              </a:xfrm>
+              <a:prstGeom prst="rect">
+                <a:avLst/>
+              </a:prstGeom>
+              <a:noFill/>
+            </p:spPr>
+            <p:txBody>
+              <a:bodyPr wrap="none" rtlCol="0">
+                <a:spAutoFit/>
+              </a:bodyPr>
+              <a:lstStyle/>
+              <a:p>
+                <a:r>
+                  <a:rPr lang="en-US" sz="1400" dirty="0" err="1" smtClean="0">
+                    <a:latin typeface="Gill Sans"/>
+                    <a:cs typeface="Gill Sans"/>
+                  </a:rPr>
+                  <a:t>SampleClean</a:t>
+                </a:r>
+                <a:endParaRPr lang="en-US" sz="1400" dirty="0">
+                  <a:latin typeface="Gill Sans"/>
+                  <a:cs typeface="Gill Sans"/>
+                </a:endParaRPr>
+              </a:p>
+            </p:txBody>
+          </p:sp>
+          <p:cxnSp>
+            <p:nvCxnSpPr>
+              <p:cNvPr id="32" name="Straight Connector 31"/>
+              <p:cNvCxnSpPr/>
+              <p:nvPr/>
+            </p:nvCxnSpPr>
+            <p:spPr>
+              <a:xfrm>
+                <a:off x="4780747" y="2572908"/>
+                <a:ext cx="222586" cy="0"/>
+              </a:xfrm>
+              <a:prstGeom prst="line">
+                <a:avLst/>
+              </a:prstGeom>
+              <a:ln w="50800">
+                <a:solidFill>
+                  <a:srgbClr val="3366FF"/>
+                </a:solidFill>
+              </a:ln>
+              <a:effectLst/>
+            </p:spPr>
+            <p:style>
+              <a:lnRef idx="2">
+                <a:schemeClr val="accent1"/>
+              </a:lnRef>
+              <a:fillRef idx="0">
+                <a:schemeClr val="accent1"/>
+              </a:fillRef>
+              <a:effectRef idx="1">
+                <a:schemeClr val="accent1"/>
+              </a:effectRef>
+              <a:fontRef idx="minor">
+                <a:schemeClr val="tx1"/>
+              </a:fontRef>
+            </p:style>
+          </p:cxnSp>
+          <p:sp>
+            <p:nvSpPr>
+              <p:cNvPr id="33" name="TextBox 32"/>
+              <p:cNvSpPr txBox="1"/>
+              <p:nvPr/>
+            </p:nvSpPr>
+            <p:spPr>
+              <a:xfrm>
+                <a:off x="4939700" y="2389593"/>
+                <a:ext cx="1062097" cy="307777"/>
+              </a:xfrm>
+              <a:prstGeom prst="rect">
+                <a:avLst/>
+              </a:prstGeom>
+              <a:noFill/>
+            </p:spPr>
+            <p:txBody>
+              <a:bodyPr wrap="none" rtlCol="0">
+                <a:spAutoFit/>
+              </a:bodyPr>
+              <a:lstStyle/>
+              <a:p>
+                <a:r>
+                  <a:rPr lang="en-US" sz="1400" dirty="0" err="1" smtClean="0">
+                    <a:latin typeface="Gill Sans"/>
+                    <a:cs typeface="Gill Sans"/>
+                  </a:rPr>
+                  <a:t>ActiveClean</a:t>
+                </a:r>
+                <a:endParaRPr lang="en-US" sz="1400" dirty="0">
+                  <a:latin typeface="Gill Sans"/>
+                  <a:cs typeface="Gill Sans"/>
+                </a:endParaRPr>
+              </a:p>
+            </p:txBody>
+          </p:sp>
+          <p:sp>
+            <p:nvSpPr>
+              <p:cNvPr id="34" name="Rectangle 33"/>
+              <p:cNvSpPr/>
+              <p:nvPr/>
+            </p:nvSpPr>
+            <p:spPr>
+              <a:xfrm>
+                <a:off x="4687385" y="1741506"/>
+                <a:ext cx="1361698" cy="1388036"/>
+              </a:xfrm>
+              <a:prstGeom prst="rect">
+                <a:avLst/>
+              </a:prstGeom>
+              <a:noFill/>
+              <a:ln w="34925">
+                <a:solidFill>
+                  <a:schemeClr val="tx1"/>
+                </a:solidFill>
+              </a:ln>
+              <a:effectLst/>
+            </p:spPr>
+            <p:style>
+              <a:lnRef idx="1">
+                <a:schemeClr val="accent1"/>
+              </a:lnRef>
+              <a:fillRef idx="3">
+                <a:schemeClr val="accent1"/>
+              </a:fillRef>
+              <a:effectRef idx="2">
+                <a:schemeClr val="accent1"/>
+              </a:effectRef>
+              <a:fontRef idx="minor">
+                <a:schemeClr val="lt1"/>
+              </a:fontRef>
+            </p:style>
+            <p:txBody>
+              <a:bodyPr rtlCol="0" anchor="ctr"/>
+              <a:lstStyle/>
+              <a:p>
+                <a:pPr algn="ctr"/>
+                <a:endParaRPr lang="en-US"/>
+              </a:p>
+            </p:txBody>
+          </p:sp>
+          <p:sp>
+            <p:nvSpPr>
+              <p:cNvPr id="36" name="TextBox 35"/>
+              <p:cNvSpPr txBox="1"/>
+              <p:nvPr/>
+            </p:nvSpPr>
+            <p:spPr>
+              <a:xfrm>
+                <a:off x="1084538" y="1722001"/>
+                <a:ext cx="1338828" cy="461665"/>
+              </a:xfrm>
+              <a:prstGeom prst="rect">
+                <a:avLst/>
+              </a:prstGeom>
+              <a:noFill/>
+            </p:spPr>
+            <p:txBody>
+              <a:bodyPr wrap="none" rtlCol="0">
+                <a:spAutoFit/>
+              </a:bodyPr>
+              <a:lstStyle/>
+              <a:p>
+                <a:r>
+                  <a:rPr lang="en-US" sz="2400" dirty="0" smtClean="0">
+                    <a:latin typeface="Gill Sans"/>
+                    <a:cs typeface="Gill Sans"/>
+                  </a:rPr>
+                  <a:t>Accuracy</a:t>
+                </a:r>
+                <a:endParaRPr lang="en-US" sz="2400" dirty="0">
+                  <a:latin typeface="Gill Sans"/>
+                  <a:cs typeface="Gill Sans"/>
+                </a:endParaRPr>
+              </a:p>
+            </p:txBody>
+          </p:sp>
+          <p:cxnSp>
+            <p:nvCxnSpPr>
+              <p:cNvPr id="40" name="Straight Connector 39"/>
+              <p:cNvCxnSpPr/>
+              <p:nvPr/>
+            </p:nvCxnSpPr>
+            <p:spPr>
+              <a:xfrm>
+                <a:off x="2605558" y="3836552"/>
+                <a:ext cx="3181659" cy="0"/>
+              </a:xfrm>
+              <a:prstGeom prst="line">
+                <a:avLst/>
+              </a:prstGeom>
+              <a:ln>
+                <a:solidFill>
+                  <a:srgbClr val="B418FD"/>
+                </a:solidFill>
+                <a:prstDash val="sysDash"/>
+                <a:miter lim="800000"/>
+              </a:ln>
+              <a:effectLst/>
+            </p:spPr>
+            <p:style>
+              <a:lnRef idx="2">
+                <a:schemeClr val="accent1"/>
+              </a:lnRef>
+              <a:fillRef idx="0">
+                <a:schemeClr val="accent1"/>
+              </a:fillRef>
+              <a:effectRef idx="1">
+                <a:schemeClr val="accent1"/>
+              </a:effectRef>
+              <a:fontRef idx="minor">
+                <a:schemeClr val="tx1"/>
+              </a:fontRef>
+            </p:style>
+          </p:cxnSp>
+          <p:sp>
+            <p:nvSpPr>
+              <p:cNvPr id="41" name="TextBox 40"/>
+              <p:cNvSpPr txBox="1"/>
+              <p:nvPr/>
+            </p:nvSpPr>
+            <p:spPr>
+              <a:xfrm>
+                <a:off x="919673" y="3627993"/>
+                <a:ext cx="1646605" cy="338554"/>
+              </a:xfrm>
+              <a:prstGeom prst="rect">
+                <a:avLst/>
+              </a:prstGeom>
+              <a:noFill/>
+            </p:spPr>
+            <p:txBody>
+              <a:bodyPr wrap="none" rtlCol="0">
+                <a:spAutoFit/>
+              </a:bodyPr>
+              <a:lstStyle/>
+              <a:p>
+                <a:r>
+                  <a:rPr lang="en-US" sz="1600" dirty="0" smtClean="0">
+                    <a:latin typeface="Gill Sans"/>
+                    <a:cs typeface="Gill Sans"/>
+                  </a:rPr>
+                  <a:t>Desired Accuracy</a:t>
+                </a:r>
+                <a:endParaRPr lang="en-US" sz="1600" dirty="0">
+                  <a:latin typeface="Gill Sans"/>
+                  <a:cs typeface="Gill Sans"/>
+                </a:endParaRPr>
+              </a:p>
+            </p:txBody>
+          </p:sp>
+          <p:cxnSp>
+            <p:nvCxnSpPr>
+              <p:cNvPr id="43" name="Straight Connector 42"/>
+              <p:cNvCxnSpPr/>
+              <p:nvPr/>
+            </p:nvCxnSpPr>
+            <p:spPr>
+              <a:xfrm>
+                <a:off x="2841236" y="3831826"/>
+                <a:ext cx="785595" cy="0"/>
+              </a:xfrm>
+              <a:prstGeom prst="line">
+                <a:avLst/>
+              </a:prstGeom>
+              <a:ln w="50800">
+                <a:solidFill>
+                  <a:schemeClr val="tx1"/>
+                </a:solidFill>
+                <a:headEnd type="oval"/>
+                <a:tailEnd type="oval"/>
+              </a:ln>
+              <a:effectLst/>
+            </p:spPr>
+            <p:style>
+              <a:lnRef idx="2">
+                <a:schemeClr val="accent1"/>
+              </a:lnRef>
+              <a:fillRef idx="0">
+                <a:schemeClr val="accent1"/>
+              </a:fillRef>
+              <a:effectRef idx="1">
+                <a:schemeClr val="accent1"/>
+              </a:effectRef>
+              <a:fontRef idx="minor">
+                <a:schemeClr val="tx1"/>
+              </a:fontRef>
+            </p:style>
+          </p:cxnSp>
+        </p:grpSp>
+        <p:sp>
+          <p:nvSpPr>
+            <p:cNvPr id="48" name="TextBox 47"/>
+            <p:cNvSpPr txBox="1"/>
+            <p:nvPr/>
+          </p:nvSpPr>
+          <p:spPr>
+            <a:xfrm>
+              <a:off x="3957986" y="4643511"/>
+              <a:ext cx="822761" cy="461665"/>
+            </a:xfrm>
+            <a:prstGeom prst="rect">
+              <a:avLst/>
+            </a:prstGeom>
+            <a:noFill/>
+          </p:spPr>
+          <p:txBody>
+            <a:bodyPr wrap="none" rtlCol="0">
+              <a:spAutoFit/>
+            </a:bodyPr>
+            <a:lstStyle/>
+            <a:p>
+              <a:r>
+                <a:rPr lang="en-US" sz="2400" dirty="0" smtClean="0">
+                  <a:latin typeface="Gill Sans"/>
+                  <a:cs typeface="Gill Sans"/>
+                </a:rPr>
+                <a:t>Time</a:t>
+              </a:r>
+              <a:endParaRPr lang="en-US" sz="2400" dirty="0">
+                <a:latin typeface="Gill Sans"/>
+                <a:cs typeface="Gill Sans"/>
+              </a:endParaRPr>
+            </a:p>
+          </p:txBody>
+        </p:sp>
+      </p:grpSp>
+    </p:spTree>
+    <p:extLst>
+      <p:ext uri="{BB962C8B-B14F-4D97-AF65-F5344CB8AC3E}">
+        <p14:creationId xmlns:p14="http://schemas.microsoft.com/office/powerpoint/2010/main" val="4281030460"/>
+      </p:ext>
+    </p:extLst>
+  </p:cSld>
+  <p:clrMapOvr>
+    <a:masterClrMapping/>
+  </p:clrMapOvr>
+</p:sld>
+</file>
+
+<file path=ppt/slides/slide12.xml><?xml version="1.0" encoding="utf-8"?>
+<p:sld xmlns:a="http://schemas.openxmlformats.org/drawingml/2006/main" xmlns:r="http://schemas.openxmlformats.org/officeDocument/2006/relationships" xmlns:p="http://schemas.openxmlformats.org/presentationml/2006/main">
+  <p:cSld>
+    <p:spTree>
+      <p:nvGrpSpPr>
+        <p:cNvPr id="1" name=""/>
+        <p:cNvGrpSpPr/>
+        <p:nvPr/>
+      </p:nvGrpSpPr>
+      <p:grpSpPr>
+        <a:xfrm>
+          <a:off x="0" y="0"/>
+          <a:ext cx="0" cy="0"/>
+          <a:chOff x="0" y="0"/>
+          <a:chExt cx="0" cy="0"/>
+        </a:xfrm>
+      </p:grpSpPr>
+      <p:grpSp>
+        <p:nvGrpSpPr>
           <p:cNvPr id="31" name="Group 30"/>
           <p:cNvGrpSpPr/>
           <p:nvPr/>
@@ -6290,7 +8221,7 @@
 </p:sld>
 </file>
 
-<file path=ppt/slides/slide11.xml><?xml version="1.0" encoding="utf-8"?>
+<file path=ppt/slides/slide13.xml><?xml version="1.0" encoding="utf-8"?>
 <p:sld xmlns:a="http://schemas.openxmlformats.org/drawingml/2006/main" xmlns:r="http://schemas.openxmlformats.org/officeDocument/2006/relationships" xmlns:p="http://schemas.openxmlformats.org/presentationml/2006/main">
   <p:cSld>
     <p:spTree>
@@ -7328,7 +9259,7 @@
 </p:sld>
 </file>
 
-<file path=ppt/slides/slide12.xml><?xml version="1.0" encoding="utf-8"?>
+<file path=ppt/slides/slide14.xml><?xml version="1.0" encoding="utf-8"?>
 <p:sld xmlns:a="http://schemas.openxmlformats.org/drawingml/2006/main" xmlns:r="http://schemas.openxmlformats.org/officeDocument/2006/relationships" xmlns:p="http://schemas.openxmlformats.org/presentationml/2006/main">
   <p:cSld>
     <p:spTree>
@@ -8244,7 +10175,7 @@
 </p:sld>
 </file>
 
-<file path=ppt/slides/slide13.xml><?xml version="1.0" encoding="utf-8"?>
+<file path=ppt/slides/slide15.xml><?xml version="1.0" encoding="utf-8"?>
 <p:sld xmlns:a="http://schemas.openxmlformats.org/drawingml/2006/main" xmlns:r="http://schemas.openxmlformats.org/officeDocument/2006/relationships" xmlns:p="http://schemas.openxmlformats.org/presentationml/2006/main">
   <p:cSld>
     <p:spTree>
@@ -9596,7 +11527,7 @@
 </p:sld>
 </file>
 
-<file path=ppt/slides/slide14.xml><?xml version="1.0" encoding="utf-8"?>
+<file path=ppt/slides/slide16.xml><?xml version="1.0" encoding="utf-8"?>
 <p:sld xmlns:a="http://schemas.openxmlformats.org/drawingml/2006/main" xmlns:r="http://schemas.openxmlformats.org/officeDocument/2006/relationships" xmlns:p="http://schemas.openxmlformats.org/presentationml/2006/main">
   <p:cSld>
     <p:spTree>
@@ -11074,7 +13005,7 @@
 </p:sld>
 </file>
 
-<file path=ppt/slides/slide15.xml><?xml version="1.0" encoding="utf-8"?>
+<file path=ppt/slides/slide17.xml><?xml version="1.0" encoding="utf-8"?>
 <p:sld xmlns:a="http://schemas.openxmlformats.org/drawingml/2006/main" xmlns:r="http://schemas.openxmlformats.org/officeDocument/2006/relationships" xmlns:p="http://schemas.openxmlformats.org/presentationml/2006/main">
   <p:cSld>
     <p:spTree>
@@ -13012,7 +14943,7 @@
 </p:sld>
 </file>
 
-<file path=ppt/slides/slide16.xml><?xml version="1.0" encoding="utf-8"?>
+<file path=ppt/slides/slide18.xml><?xml version="1.0" encoding="utf-8"?>
 <p:sld xmlns:a="http://schemas.openxmlformats.org/drawingml/2006/main" xmlns:r="http://schemas.openxmlformats.org/officeDocument/2006/relationships" xmlns:p="http://schemas.openxmlformats.org/presentationml/2006/main">
   <p:cSld>
     <p:spTree>
@@ -14869,7 +16800,7 @@
 </p:sld>
 </file>
 
-<file path=ppt/slides/slide17.xml><?xml version="1.0" encoding="utf-8"?>
+<file path=ppt/slides/slide19.xml><?xml version="1.0" encoding="utf-8"?>
 <p:sld xmlns:a="http://schemas.openxmlformats.org/drawingml/2006/main" xmlns:r="http://schemas.openxmlformats.org/officeDocument/2006/relationships" xmlns:p="http://schemas.openxmlformats.org/presentationml/2006/main">
   <p:cSld>
     <p:spTree>
@@ -17037,7 +18968,1031 @@
 </p:sld>
 </file>
 
-<file path=ppt/slides/slide18.xml><?xml version="1.0" encoding="utf-8"?>
+<file path=ppt/slides/slide2.xml><?xml version="1.0" encoding="utf-8"?>
+<p:sld xmlns:a="http://schemas.openxmlformats.org/drawingml/2006/main" xmlns:r="http://schemas.openxmlformats.org/officeDocument/2006/relationships" xmlns:p="http://schemas.openxmlformats.org/presentationml/2006/main">
+  <p:cSld>
+    <p:spTree>
+      <p:nvGrpSpPr>
+        <p:cNvPr id="1" name=""/>
+        <p:cNvGrpSpPr/>
+        <p:nvPr/>
+      </p:nvGrpSpPr>
+      <p:grpSpPr>
+        <a:xfrm>
+          <a:off x="0" y="0"/>
+          <a:ext cx="0" cy="0"/>
+          <a:chOff x="0" y="0"/>
+          <a:chExt cx="0" cy="0"/>
+        </a:xfrm>
+      </p:grpSpPr>
+      <p:grpSp>
+        <p:nvGrpSpPr>
+          <p:cNvPr id="52" name="Group 51"/>
+          <p:cNvGrpSpPr/>
+          <p:nvPr/>
+        </p:nvGrpSpPr>
+        <p:grpSpPr>
+          <a:xfrm>
+            <a:off x="-2594938" y="1889650"/>
+            <a:ext cx="16963623" cy="4778994"/>
+            <a:chOff x="-2594938" y="1889650"/>
+            <a:chExt cx="16963623" cy="4778994"/>
+          </a:xfrm>
+        </p:grpSpPr>
+        <p:pic>
+          <p:nvPicPr>
+            <p:cNvPr id="37" name="Picture 36"/>
+            <p:cNvPicPr>
+              <a:picLocks noChangeAspect="1"/>
+            </p:cNvPicPr>
+            <p:nvPr/>
+          </p:nvPicPr>
+          <p:blipFill>
+            <a:blip r:embed="rId2"/>
+            <a:stretch>
+              <a:fillRect/>
+            </a:stretch>
+          </p:blipFill>
+          <p:spPr>
+            <a:xfrm>
+              <a:off x="3611027" y="4412721"/>
+              <a:ext cx="2255923" cy="2255923"/>
+            </a:xfrm>
+            <a:prstGeom prst="rect">
+              <a:avLst/>
+            </a:prstGeom>
+          </p:spPr>
+        </p:pic>
+        <p:grpSp>
+          <p:nvGrpSpPr>
+            <p:cNvPr id="12" name="Group 11"/>
+            <p:cNvGrpSpPr/>
+            <p:nvPr/>
+          </p:nvGrpSpPr>
+          <p:grpSpPr>
+            <a:xfrm>
+              <a:off x="-2594938" y="1889650"/>
+              <a:ext cx="12089038" cy="1961609"/>
+              <a:chOff x="-3001519" y="1374616"/>
+              <a:chExt cx="12089038" cy="1961609"/>
+            </a:xfrm>
+          </p:grpSpPr>
+          <p:sp>
+            <p:nvSpPr>
+              <p:cNvPr id="7" name="TextBox 6"/>
+              <p:cNvSpPr txBox="1"/>
+              <p:nvPr/>
+            </p:nvSpPr>
+            <p:spPr>
+              <a:xfrm>
+                <a:off x="-850435" y="1374616"/>
+                <a:ext cx="1700869" cy="492443"/>
+              </a:xfrm>
+              <a:prstGeom prst="rect">
+                <a:avLst/>
+              </a:prstGeom>
+              <a:noFill/>
+            </p:spPr>
+            <p:txBody>
+              <a:bodyPr wrap="none" rtlCol="0">
+                <a:spAutoFit/>
+              </a:bodyPr>
+              <a:lstStyle/>
+              <a:p>
+                <a:r>
+                  <a:rPr lang="en-US" sz="2600" dirty="0" smtClean="0">
+                    <a:latin typeface="Gill Sans"/>
+                    <a:cs typeface="Gill Sans"/>
+                  </a:rPr>
+                  <a:t>Clean Data</a:t>
+                </a:r>
+                <a:endParaRPr lang="en-US" sz="2600" dirty="0">
+                  <a:latin typeface="Gill Sans"/>
+                  <a:cs typeface="Gill Sans"/>
+                </a:endParaRPr>
+              </a:p>
+            </p:txBody>
+          </p:sp>
+          <p:sp>
+            <p:nvSpPr>
+              <p:cNvPr id="9" name="TextBox 8"/>
+              <p:cNvSpPr txBox="1"/>
+              <p:nvPr/>
+            </p:nvSpPr>
+            <p:spPr>
+              <a:xfrm>
+                <a:off x="1783752" y="1448983"/>
+                <a:ext cx="1842346" cy="492443"/>
+              </a:xfrm>
+              <a:prstGeom prst="rect">
+                <a:avLst/>
+              </a:prstGeom>
+              <a:noFill/>
+            </p:spPr>
+            <p:txBody>
+              <a:bodyPr wrap="none" rtlCol="0">
+                <a:spAutoFit/>
+              </a:bodyPr>
+              <a:lstStyle/>
+              <a:p>
+                <a:r>
+                  <a:rPr lang="en-US" sz="2600" dirty="0" smtClean="0">
+                    <a:latin typeface="Gill Sans"/>
+                    <a:cs typeface="Gill Sans"/>
+                  </a:rPr>
+                  <a:t>Feature Eng.</a:t>
+                </a:r>
+                <a:endParaRPr lang="en-US" sz="2600" dirty="0">
+                  <a:latin typeface="Gill Sans"/>
+                  <a:cs typeface="Gill Sans"/>
+                </a:endParaRPr>
+              </a:p>
+            </p:txBody>
+          </p:sp>
+          <p:sp>
+            <p:nvSpPr>
+              <p:cNvPr id="11" name="TextBox 10"/>
+              <p:cNvSpPr txBox="1"/>
+              <p:nvPr/>
+            </p:nvSpPr>
+            <p:spPr>
+              <a:xfrm>
+                <a:off x="4624265" y="1533511"/>
+                <a:ext cx="1582998" cy="492443"/>
+              </a:xfrm>
+              <a:prstGeom prst="rect">
+                <a:avLst/>
+              </a:prstGeom>
+              <a:noFill/>
+            </p:spPr>
+            <p:txBody>
+              <a:bodyPr wrap="none" rtlCol="0">
+                <a:spAutoFit/>
+              </a:bodyPr>
+              <a:lstStyle/>
+              <a:p>
+                <a:r>
+                  <a:rPr lang="en-US" sz="2600" dirty="0" smtClean="0">
+                    <a:latin typeface="Gill Sans"/>
+                    <a:cs typeface="Gill Sans"/>
+                  </a:rPr>
+                  <a:t>Model Sel.</a:t>
+                </a:r>
+                <a:endParaRPr lang="en-US" sz="2600" dirty="0">
+                  <a:latin typeface="Gill Sans"/>
+                  <a:cs typeface="Gill Sans"/>
+                </a:endParaRPr>
+              </a:p>
+            </p:txBody>
+          </p:sp>
+          <p:sp>
+            <p:nvSpPr>
+              <p:cNvPr id="14" name="Can 13"/>
+              <p:cNvSpPr/>
+              <p:nvPr/>
+            </p:nvSpPr>
+            <p:spPr>
+              <a:xfrm>
+                <a:off x="-3001519" y="1796903"/>
+                <a:ext cx="1542864" cy="1539322"/>
+              </a:xfrm>
+              <a:prstGeom prst="can">
+                <a:avLst/>
+              </a:prstGeom>
+              <a:pattFill prst="pct10">
+                <a:fgClr>
+                  <a:schemeClr val="bg1">
+                    <a:lumMod val="85000"/>
+                  </a:schemeClr>
+                </a:fgClr>
+                <a:bgClr>
+                  <a:prstClr val="white"/>
+                </a:bgClr>
+              </a:pattFill>
+              <a:ln w="47625">
+                <a:solidFill>
+                  <a:schemeClr val="tx1">
+                    <a:lumMod val="65000"/>
+                    <a:lumOff val="35000"/>
+                  </a:schemeClr>
+                </a:solidFill>
+              </a:ln>
+              <a:effectLst/>
+            </p:spPr>
+            <p:style>
+              <a:lnRef idx="1">
+                <a:schemeClr val="accent1"/>
+              </a:lnRef>
+              <a:fillRef idx="3">
+                <a:schemeClr val="accent1"/>
+              </a:fillRef>
+              <a:effectRef idx="2">
+                <a:schemeClr val="accent1"/>
+              </a:effectRef>
+              <a:fontRef idx="minor">
+                <a:schemeClr val="lt1"/>
+              </a:fontRef>
+            </p:style>
+            <p:txBody>
+              <a:bodyPr rtlCol="0" anchor="ctr"/>
+              <a:lstStyle/>
+              <a:p>
+                <a:pPr algn="ctr"/>
+                <a:r>
+                  <a:rPr lang="en-US" sz="2600" dirty="0" smtClean="0">
+                    <a:solidFill>
+                      <a:srgbClr val="000000"/>
+                    </a:solidFill>
+                    <a:latin typeface="Gill Sans"/>
+                    <a:cs typeface="Gill Sans"/>
+                  </a:rPr>
+                  <a:t>Database</a:t>
+                </a:r>
+                <a:endParaRPr lang="en-US" sz="2600" dirty="0">
+                  <a:solidFill>
+                    <a:srgbClr val="000000"/>
+                  </a:solidFill>
+                  <a:latin typeface="Gill Sans"/>
+                  <a:cs typeface="Gill Sans"/>
+                </a:endParaRPr>
+              </a:p>
+            </p:txBody>
+          </p:sp>
+          <p:sp>
+            <p:nvSpPr>
+              <p:cNvPr id="20" name="TextBox 19"/>
+              <p:cNvSpPr txBox="1"/>
+              <p:nvPr/>
+            </p:nvSpPr>
+            <p:spPr>
+              <a:xfrm>
+                <a:off x="6993151" y="1610477"/>
+                <a:ext cx="2094368" cy="492443"/>
+              </a:xfrm>
+              <a:prstGeom prst="rect">
+                <a:avLst/>
+              </a:prstGeom>
+              <a:noFill/>
+            </p:spPr>
+            <p:txBody>
+              <a:bodyPr wrap="none" rtlCol="0">
+                <a:spAutoFit/>
+              </a:bodyPr>
+              <a:lstStyle/>
+              <a:p>
+                <a:r>
+                  <a:rPr lang="en-US" sz="2600" dirty="0" smtClean="0">
+                    <a:latin typeface="Gill Sans"/>
+                    <a:cs typeface="Gill Sans"/>
+                  </a:rPr>
+                  <a:t>Algorithm Sel.</a:t>
+                </a:r>
+                <a:endParaRPr lang="en-US" sz="2600" dirty="0">
+                  <a:latin typeface="Gill Sans"/>
+                  <a:cs typeface="Gill Sans"/>
+                </a:endParaRPr>
+              </a:p>
+            </p:txBody>
+          </p:sp>
+          <p:sp>
+            <p:nvSpPr>
+              <p:cNvPr id="22" name="TextBox 21"/>
+              <p:cNvSpPr txBox="1"/>
+              <p:nvPr/>
+            </p:nvSpPr>
+            <p:spPr>
+              <a:xfrm>
+                <a:off x="2037606" y="2237314"/>
+                <a:ext cx="1416173" cy="584776"/>
+              </a:xfrm>
+              <a:prstGeom prst="rect">
+                <a:avLst/>
+              </a:prstGeom>
+              <a:noFill/>
+            </p:spPr>
+            <p:txBody>
+              <a:bodyPr wrap="none" rtlCol="0">
+                <a:spAutoFit/>
+              </a:bodyPr>
+              <a:lstStyle/>
+              <a:p>
+                <a:r>
+                  <a:rPr lang="en-US" sz="3200" b="1" dirty="0" smtClean="0">
+                    <a:latin typeface="Arial Black"/>
+                    <a:cs typeface="Arial Black"/>
+                  </a:rPr>
+                  <a:t>[],[],[]</a:t>
+                </a:r>
+                <a:endParaRPr lang="en-US" sz="3200" b="1" dirty="0">
+                  <a:latin typeface="Arial Black"/>
+                  <a:cs typeface="Arial Black"/>
+                </a:endParaRPr>
+              </a:p>
+            </p:txBody>
+          </p:sp>
+          <p:cxnSp>
+            <p:nvCxnSpPr>
+              <p:cNvPr id="25" name="Straight Connector 24"/>
+              <p:cNvCxnSpPr/>
+              <p:nvPr/>
+            </p:nvCxnSpPr>
+            <p:spPr>
+              <a:xfrm flipH="1">
+                <a:off x="5415764" y="2228952"/>
+                <a:ext cx="613952" cy="853244"/>
+              </a:xfrm>
+              <a:prstGeom prst="line">
+                <a:avLst/>
+              </a:prstGeom>
+              <a:ln w="38100">
+                <a:solidFill>
+                  <a:schemeClr val="tx1"/>
+                </a:solidFill>
+              </a:ln>
+              <a:effectLst/>
+            </p:spPr>
+            <p:style>
+              <a:lnRef idx="2">
+                <a:schemeClr val="accent1"/>
+              </a:lnRef>
+              <a:fillRef idx="0">
+                <a:schemeClr val="accent1"/>
+              </a:fillRef>
+              <a:effectRef idx="1">
+                <a:schemeClr val="accent1"/>
+              </a:effectRef>
+              <a:fontRef idx="minor">
+                <a:schemeClr val="tx1"/>
+              </a:fontRef>
+            </p:style>
+          </p:cxnSp>
+          <p:sp>
+            <p:nvSpPr>
+              <p:cNvPr id="28" name="Oval 27"/>
+              <p:cNvSpPr/>
+              <p:nvPr/>
+            </p:nvSpPr>
+            <p:spPr>
+              <a:xfrm>
+                <a:off x="4759607" y="2341336"/>
+                <a:ext cx="656157" cy="360147"/>
+              </a:xfrm>
+              <a:prstGeom prst="ellipse">
+                <a:avLst/>
+              </a:prstGeom>
+              <a:solidFill>
+                <a:schemeClr val="tx1"/>
+              </a:solidFill>
+              <a:ln>
+                <a:noFill/>
+              </a:ln>
+              <a:effectLst/>
+            </p:spPr>
+            <p:style>
+              <a:lnRef idx="1">
+                <a:schemeClr val="accent1"/>
+              </a:lnRef>
+              <a:fillRef idx="3">
+                <a:schemeClr val="accent1"/>
+              </a:fillRef>
+              <a:effectRef idx="2">
+                <a:schemeClr val="accent1"/>
+              </a:effectRef>
+              <a:fontRef idx="minor">
+                <a:schemeClr val="lt1"/>
+              </a:fontRef>
+            </p:style>
+            <p:txBody>
+              <a:bodyPr rtlCol="0" anchor="ctr"/>
+              <a:lstStyle/>
+              <a:p>
+                <a:pPr algn="ctr"/>
+                <a:endParaRPr lang="en-US"/>
+              </a:p>
+            </p:txBody>
+          </p:sp>
+          <p:sp>
+            <p:nvSpPr>
+              <p:cNvPr id="31" name="Freeform 30"/>
+              <p:cNvSpPr/>
+              <p:nvPr/>
+            </p:nvSpPr>
+            <p:spPr>
+              <a:xfrm>
+                <a:off x="7485828" y="2361832"/>
+                <a:ext cx="602972" cy="392499"/>
+              </a:xfrm>
+              <a:custGeom>
+                <a:avLst/>
+                <a:gdLst>
+                  <a:gd name="connsiteX0" fmla="*/ 3347 w 298418"/>
+                  <a:gd name="connsiteY0" fmla="*/ 0 h 295037"/>
+                  <a:gd name="connsiteX1" fmla="*/ 41834 w 298418"/>
+                  <a:gd name="connsiteY1" fmla="*/ 218071 h 295037"/>
+                  <a:gd name="connsiteX2" fmla="*/ 298418 w 298418"/>
+                  <a:gd name="connsiteY2" fmla="*/ 295037 h 295037"/>
+                </a:gdLst>
+                <a:ahLst/>
+                <a:cxnLst>
+                  <a:cxn ang="0">
+                    <a:pos x="connsiteX0" y="connsiteY0"/>
+                  </a:cxn>
+                  <a:cxn ang="0">
+                    <a:pos x="connsiteX1" y="connsiteY1"/>
+                  </a:cxn>
+                  <a:cxn ang="0">
+                    <a:pos x="connsiteX2" y="connsiteY2"/>
+                  </a:cxn>
+                </a:cxnLst>
+                <a:rect l="l" t="t" r="r" b="b"/>
+                <a:pathLst>
+                  <a:path w="298418" h="295037">
+                    <a:moveTo>
+                      <a:pt x="3347" y="0"/>
+                    </a:moveTo>
+                    <a:cubicBezTo>
+                      <a:pt x="-1999" y="84449"/>
+                      <a:pt x="-7344" y="168898"/>
+                      <a:pt x="41834" y="218071"/>
+                    </a:cubicBezTo>
+                    <a:cubicBezTo>
+                      <a:pt x="91012" y="267244"/>
+                      <a:pt x="298418" y="295037"/>
+                      <a:pt x="298418" y="295037"/>
+                    </a:cubicBezTo>
+                  </a:path>
+                </a:pathLst>
+              </a:custGeom>
+              <a:ln w="50800">
+                <a:solidFill>
+                  <a:schemeClr val="tx1"/>
+                </a:solidFill>
+                <a:tailEnd type="triangle"/>
+              </a:ln>
+              <a:effectLst/>
+            </p:spPr>
+            <p:style>
+              <a:lnRef idx="2">
+                <a:schemeClr val="accent1"/>
+              </a:lnRef>
+              <a:fillRef idx="0">
+                <a:schemeClr val="accent1"/>
+              </a:fillRef>
+              <a:effectRef idx="1">
+                <a:schemeClr val="accent1"/>
+              </a:effectRef>
+              <a:fontRef idx="minor">
+                <a:schemeClr val="tx1"/>
+              </a:fontRef>
+            </p:style>
+            <p:txBody>
+              <a:bodyPr rtlCol="0" anchor="ctr"/>
+              <a:lstStyle/>
+              <a:p>
+                <a:pPr algn="ctr"/>
+                <a:endParaRPr lang="en-US"/>
+              </a:p>
+            </p:txBody>
+          </p:sp>
+          <p:sp>
+            <p:nvSpPr>
+              <p:cNvPr id="32" name="Right Arrow 31"/>
+              <p:cNvSpPr/>
+              <p:nvPr/>
+            </p:nvSpPr>
+            <p:spPr>
+              <a:xfrm>
+                <a:off x="-1375246" y="2308983"/>
+                <a:ext cx="487004" cy="513107"/>
+              </a:xfrm>
+              <a:prstGeom prst="rightArrow">
+                <a:avLst/>
+              </a:prstGeom>
+              <a:noFill/>
+              <a:ln w="47625">
+                <a:solidFill>
+                  <a:schemeClr val="tx1"/>
+                </a:solidFill>
+              </a:ln>
+              <a:effectLst/>
+            </p:spPr>
+            <p:style>
+              <a:lnRef idx="1">
+                <a:schemeClr val="accent1"/>
+              </a:lnRef>
+              <a:fillRef idx="3">
+                <a:schemeClr val="accent1"/>
+              </a:fillRef>
+              <a:effectRef idx="2">
+                <a:schemeClr val="accent1"/>
+              </a:effectRef>
+              <a:fontRef idx="minor">
+                <a:schemeClr val="lt1"/>
+              </a:fontRef>
+            </p:style>
+            <p:txBody>
+              <a:bodyPr rtlCol="0" anchor="ctr"/>
+              <a:lstStyle/>
+              <a:p>
+                <a:pPr algn="ctr"/>
+                <a:endParaRPr lang="en-US"/>
+              </a:p>
+            </p:txBody>
+          </p:sp>
+          <p:sp>
+            <p:nvSpPr>
+              <p:cNvPr id="33" name="Right Arrow 32"/>
+              <p:cNvSpPr/>
+              <p:nvPr/>
+            </p:nvSpPr>
+            <p:spPr>
+              <a:xfrm>
+                <a:off x="1142302" y="2308983"/>
+                <a:ext cx="487004" cy="513107"/>
+              </a:xfrm>
+              <a:prstGeom prst="rightArrow">
+                <a:avLst/>
+              </a:prstGeom>
+              <a:noFill/>
+              <a:ln w="47625">
+                <a:solidFill>
+                  <a:schemeClr val="tx1"/>
+                </a:solidFill>
+              </a:ln>
+              <a:effectLst/>
+            </p:spPr>
+            <p:style>
+              <a:lnRef idx="1">
+                <a:schemeClr val="accent1"/>
+              </a:lnRef>
+              <a:fillRef idx="3">
+                <a:schemeClr val="accent1"/>
+              </a:fillRef>
+              <a:effectRef idx="2">
+                <a:schemeClr val="accent1"/>
+              </a:effectRef>
+              <a:fontRef idx="minor">
+                <a:schemeClr val="lt1"/>
+              </a:fontRef>
+            </p:style>
+            <p:txBody>
+              <a:bodyPr rtlCol="0" anchor="ctr"/>
+              <a:lstStyle/>
+              <a:p>
+                <a:pPr algn="ctr"/>
+                <a:endParaRPr lang="en-US"/>
+              </a:p>
+            </p:txBody>
+          </p:sp>
+          <p:sp>
+            <p:nvSpPr>
+              <p:cNvPr id="34" name="Right Arrow 33"/>
+              <p:cNvSpPr/>
+              <p:nvPr/>
+            </p:nvSpPr>
+            <p:spPr>
+              <a:xfrm>
+                <a:off x="3967971" y="2315681"/>
+                <a:ext cx="487004" cy="513107"/>
+              </a:xfrm>
+              <a:prstGeom prst="rightArrow">
+                <a:avLst/>
+              </a:prstGeom>
+              <a:noFill/>
+              <a:ln w="47625">
+                <a:solidFill>
+                  <a:schemeClr val="tx1"/>
+                </a:solidFill>
+              </a:ln>
+              <a:effectLst/>
+            </p:spPr>
+            <p:style>
+              <a:lnRef idx="1">
+                <a:schemeClr val="accent1"/>
+              </a:lnRef>
+              <a:fillRef idx="3">
+                <a:schemeClr val="accent1"/>
+              </a:fillRef>
+              <a:effectRef idx="2">
+                <a:schemeClr val="accent1"/>
+              </a:effectRef>
+              <a:fontRef idx="minor">
+                <a:schemeClr val="lt1"/>
+              </a:fontRef>
+            </p:style>
+            <p:txBody>
+              <a:bodyPr rtlCol="0" anchor="ctr"/>
+              <a:lstStyle/>
+              <a:p>
+                <a:pPr algn="ctr"/>
+                <a:endParaRPr lang="en-US"/>
+              </a:p>
+            </p:txBody>
+          </p:sp>
+          <p:sp>
+            <p:nvSpPr>
+              <p:cNvPr id="35" name="Right Arrow 34"/>
+              <p:cNvSpPr/>
+              <p:nvPr/>
+            </p:nvSpPr>
+            <p:spPr>
+              <a:xfrm>
+                <a:off x="6506147" y="2315681"/>
+                <a:ext cx="487004" cy="513107"/>
+              </a:xfrm>
+              <a:prstGeom prst="rightArrow">
+                <a:avLst/>
+              </a:prstGeom>
+              <a:noFill/>
+              <a:ln w="47625">
+                <a:solidFill>
+                  <a:schemeClr val="tx1"/>
+                </a:solidFill>
+              </a:ln>
+              <a:effectLst/>
+            </p:spPr>
+            <p:style>
+              <a:lnRef idx="1">
+                <a:schemeClr val="accent1"/>
+              </a:lnRef>
+              <a:fillRef idx="3">
+                <a:schemeClr val="accent1"/>
+              </a:fillRef>
+              <a:effectRef idx="2">
+                <a:schemeClr val="accent1"/>
+              </a:effectRef>
+              <a:fontRef idx="minor">
+                <a:schemeClr val="lt1"/>
+              </a:fontRef>
+            </p:style>
+            <p:txBody>
+              <a:bodyPr rtlCol="0" anchor="ctr"/>
+              <a:lstStyle/>
+              <a:p>
+                <a:pPr algn="ctr"/>
+                <a:endParaRPr lang="en-US"/>
+              </a:p>
+            </p:txBody>
+          </p:sp>
+          <p:pic>
+            <p:nvPicPr>
+              <p:cNvPr id="3" name="Picture 2"/>
+              <p:cNvPicPr>
+                <a:picLocks noChangeAspect="1"/>
+              </p:cNvPicPr>
+              <p:nvPr/>
+            </p:nvPicPr>
+            <p:blipFill>
+              <a:blip r:embed="rId3"/>
+              <a:stretch>
+                <a:fillRect/>
+              </a:stretch>
+            </p:blipFill>
+            <p:spPr>
+              <a:xfrm>
+                <a:off x="-544627" y="2042747"/>
+                <a:ext cx="1270000" cy="1270000"/>
+              </a:xfrm>
+              <a:prstGeom prst="rect">
+                <a:avLst/>
+              </a:prstGeom>
+            </p:spPr>
+          </p:pic>
+        </p:grpSp>
+        <p:sp>
+          <p:nvSpPr>
+            <p:cNvPr id="13" name="Rectangle 12"/>
+            <p:cNvSpPr/>
+            <p:nvPr/>
+          </p:nvSpPr>
+          <p:spPr>
+            <a:xfrm>
+              <a:off x="10258316" y="2617954"/>
+              <a:ext cx="4110369" cy="1077526"/>
+            </a:xfrm>
+            <a:prstGeom prst="rect">
+              <a:avLst/>
+            </a:prstGeom>
+            <a:noFill/>
+            <a:ln w="47625">
+              <a:solidFill>
+                <a:schemeClr val="tx1"/>
+              </a:solidFill>
+            </a:ln>
+            <a:effectLst/>
+          </p:spPr>
+          <p:style>
+            <a:lnRef idx="1">
+              <a:schemeClr val="accent1"/>
+            </a:lnRef>
+            <a:fillRef idx="3">
+              <a:schemeClr val="accent1"/>
+            </a:fillRef>
+            <a:effectRef idx="2">
+              <a:schemeClr val="accent1"/>
+            </a:effectRef>
+            <a:fontRef idx="minor">
+              <a:schemeClr val="lt1"/>
+            </a:fontRef>
+          </p:style>
+          <p:txBody>
+            <a:bodyPr rtlCol="0" anchor="ctr"/>
+            <a:lstStyle/>
+            <a:p>
+              <a:pPr algn="ctr"/>
+              <a:endParaRPr lang="en-US"/>
+            </a:p>
+          </p:txBody>
+        </p:sp>
+        <p:sp>
+          <p:nvSpPr>
+            <p:cNvPr id="15" name="TextBox 14"/>
+            <p:cNvSpPr txBox="1"/>
+            <p:nvPr/>
+          </p:nvSpPr>
+          <p:spPr>
+            <a:xfrm>
+              <a:off x="10367991" y="2784714"/>
+              <a:ext cx="3853977" cy="615553"/>
+            </a:xfrm>
+            <a:prstGeom prst="rect">
+              <a:avLst/>
+            </a:prstGeom>
+            <a:noFill/>
+          </p:spPr>
+          <p:txBody>
+            <a:bodyPr wrap="none" rtlCol="0">
+              <a:spAutoFit/>
+            </a:bodyPr>
+            <a:lstStyle/>
+            <a:p>
+              <a:r>
+                <a:rPr lang="en-US" sz="3400" dirty="0" smtClean="0">
+                  <a:latin typeface="Gill Sans"/>
+                  <a:cs typeface="Gill Sans"/>
+                </a:rPr>
+                <a:t>Result: 0.86 accuracy</a:t>
+              </a:r>
+              <a:endParaRPr lang="en-US" sz="3400" dirty="0">
+                <a:latin typeface="Gill Sans"/>
+                <a:cs typeface="Gill Sans"/>
+              </a:endParaRPr>
+            </a:p>
+          </p:txBody>
+        </p:sp>
+        <p:cxnSp>
+          <p:nvCxnSpPr>
+            <p:cNvPr id="38" name="Straight Arrow Connector 37"/>
+            <p:cNvCxnSpPr/>
+            <p:nvPr/>
+          </p:nvCxnSpPr>
+          <p:spPr>
+            <a:xfrm flipH="1" flipV="1">
+              <a:off x="808239" y="3597230"/>
+              <a:ext cx="3966779" cy="815491"/>
+            </a:xfrm>
+            <a:prstGeom prst="straightConnector1">
+              <a:avLst/>
+            </a:prstGeom>
+            <a:ln w="50800">
+              <a:solidFill>
+                <a:srgbClr val="E10067"/>
+              </a:solidFill>
+              <a:tailEnd type="triangle"/>
+            </a:ln>
+            <a:effectLst/>
+          </p:spPr>
+          <p:style>
+            <a:lnRef idx="2">
+              <a:schemeClr val="accent1"/>
+            </a:lnRef>
+            <a:fillRef idx="0">
+              <a:schemeClr val="accent1"/>
+            </a:fillRef>
+            <a:effectRef idx="1">
+              <a:schemeClr val="accent1"/>
+            </a:effectRef>
+            <a:fontRef idx="minor">
+              <a:schemeClr val="tx1"/>
+            </a:fontRef>
+          </p:style>
+        </p:cxnSp>
+        <p:cxnSp>
+          <p:nvCxnSpPr>
+            <p:cNvPr id="39" name="Straight Arrow Connector 38"/>
+            <p:cNvCxnSpPr>
+              <a:stCxn id="37" idx="0"/>
+            </p:cNvCxnSpPr>
+            <p:nvPr/>
+          </p:nvCxnSpPr>
+          <p:spPr>
+            <a:xfrm flipH="1" flipV="1">
+              <a:off x="3168809" y="3343822"/>
+              <a:ext cx="1570180" cy="1068899"/>
+            </a:xfrm>
+            <a:prstGeom prst="straightConnector1">
+              <a:avLst/>
+            </a:prstGeom>
+            <a:ln w="50800">
+              <a:solidFill>
+                <a:srgbClr val="E10067"/>
+              </a:solidFill>
+              <a:tailEnd type="triangle"/>
+            </a:ln>
+            <a:effectLst/>
+          </p:spPr>
+          <p:style>
+            <a:lnRef idx="2">
+              <a:schemeClr val="accent1"/>
+            </a:lnRef>
+            <a:fillRef idx="0">
+              <a:schemeClr val="accent1"/>
+            </a:fillRef>
+            <a:effectRef idx="1">
+              <a:schemeClr val="accent1"/>
+            </a:effectRef>
+            <a:fontRef idx="minor">
+              <a:schemeClr val="tx1"/>
+            </a:fontRef>
+          </p:style>
+        </p:cxnSp>
+        <p:cxnSp>
+          <p:nvCxnSpPr>
+            <p:cNvPr id="42" name="Straight Arrow Connector 41"/>
+            <p:cNvCxnSpPr>
+              <a:stCxn id="37" idx="0"/>
+            </p:cNvCxnSpPr>
+            <p:nvPr/>
+          </p:nvCxnSpPr>
+          <p:spPr>
+            <a:xfrm flipV="1">
+              <a:off x="4738989" y="3476302"/>
+              <a:ext cx="790389" cy="936419"/>
+            </a:xfrm>
+            <a:prstGeom prst="straightConnector1">
+              <a:avLst/>
+            </a:prstGeom>
+            <a:ln w="50800">
+              <a:solidFill>
+                <a:srgbClr val="E10067"/>
+              </a:solidFill>
+              <a:tailEnd type="triangle"/>
+            </a:ln>
+            <a:effectLst/>
+          </p:spPr>
+          <p:style>
+            <a:lnRef idx="2">
+              <a:schemeClr val="accent1"/>
+            </a:lnRef>
+            <a:fillRef idx="0">
+              <a:schemeClr val="accent1"/>
+            </a:fillRef>
+            <a:effectRef idx="1">
+              <a:schemeClr val="accent1"/>
+            </a:effectRef>
+            <a:fontRef idx="minor">
+              <a:schemeClr val="tx1"/>
+            </a:fontRef>
+          </p:style>
+        </p:cxnSp>
+        <p:cxnSp>
+          <p:nvCxnSpPr>
+            <p:cNvPr id="45" name="Straight Arrow Connector 44"/>
+            <p:cNvCxnSpPr>
+              <a:stCxn id="37" idx="0"/>
+            </p:cNvCxnSpPr>
+            <p:nvPr/>
+          </p:nvCxnSpPr>
+          <p:spPr>
+            <a:xfrm flipV="1">
+              <a:off x="4738989" y="3476302"/>
+              <a:ext cx="2235056" cy="936419"/>
+            </a:xfrm>
+            <a:prstGeom prst="straightConnector1">
+              <a:avLst/>
+            </a:prstGeom>
+            <a:ln w="50800">
+              <a:solidFill>
+                <a:srgbClr val="E10067"/>
+              </a:solidFill>
+              <a:tailEnd type="triangle"/>
+            </a:ln>
+            <a:effectLst/>
+          </p:spPr>
+          <p:style>
+            <a:lnRef idx="2">
+              <a:schemeClr val="accent1"/>
+            </a:lnRef>
+            <a:fillRef idx="0">
+              <a:schemeClr val="accent1"/>
+            </a:fillRef>
+            <a:effectRef idx="1">
+              <a:schemeClr val="accent1"/>
+            </a:effectRef>
+            <a:fontRef idx="minor">
+              <a:schemeClr val="tx1"/>
+            </a:fontRef>
+          </p:style>
+        </p:cxnSp>
+        <p:sp>
+          <p:nvSpPr>
+            <p:cNvPr id="49" name="Right Arrow 48"/>
+            <p:cNvSpPr/>
+            <p:nvPr/>
+          </p:nvSpPr>
+          <p:spPr>
+            <a:xfrm>
+              <a:off x="9494100" y="2834180"/>
+              <a:ext cx="487004" cy="513107"/>
+            </a:xfrm>
+            <a:prstGeom prst="rightArrow">
+              <a:avLst/>
+            </a:prstGeom>
+            <a:noFill/>
+            <a:ln w="47625">
+              <a:solidFill>
+                <a:schemeClr val="tx1"/>
+              </a:solidFill>
+            </a:ln>
+            <a:effectLst/>
+          </p:spPr>
+          <p:style>
+            <a:lnRef idx="1">
+              <a:schemeClr val="accent1"/>
+            </a:lnRef>
+            <a:fillRef idx="3">
+              <a:schemeClr val="accent1"/>
+            </a:fillRef>
+            <a:effectRef idx="2">
+              <a:schemeClr val="accent1"/>
+            </a:effectRef>
+            <a:fontRef idx="minor">
+              <a:schemeClr val="lt1"/>
+            </a:fontRef>
+          </p:style>
+          <p:txBody>
+            <a:bodyPr rtlCol="0" anchor="ctr"/>
+            <a:lstStyle/>
+            <a:p>
+              <a:pPr algn="ctr"/>
+              <a:endParaRPr lang="en-US"/>
+            </a:p>
+          </p:txBody>
+        </p:sp>
+        <p:cxnSp>
+          <p:nvCxnSpPr>
+            <p:cNvPr id="51" name="Elbow Connector 50"/>
+            <p:cNvCxnSpPr>
+              <a:stCxn id="13" idx="2"/>
+            </p:cNvCxnSpPr>
+            <p:nvPr/>
+          </p:nvCxnSpPr>
+          <p:spPr>
+            <a:xfrm rot="5400000">
+              <a:off x="8173601" y="1388830"/>
+              <a:ext cx="1833251" cy="6446551"/>
+            </a:xfrm>
+            <a:prstGeom prst="bentConnector2">
+              <a:avLst/>
+            </a:prstGeom>
+            <a:ln w="50800">
+              <a:solidFill>
+                <a:schemeClr val="tx1"/>
+              </a:solidFill>
+              <a:tailEnd type="arrow"/>
+            </a:ln>
+            <a:effectLst/>
+          </p:spPr>
+          <p:style>
+            <a:lnRef idx="2">
+              <a:schemeClr val="accent1"/>
+            </a:lnRef>
+            <a:fillRef idx="0">
+              <a:schemeClr val="accent1"/>
+            </a:fillRef>
+            <a:effectRef idx="1">
+              <a:schemeClr val="accent1"/>
+            </a:effectRef>
+            <a:fontRef idx="minor">
+              <a:schemeClr val="tx1"/>
+            </a:fontRef>
+          </p:style>
+        </p:cxnSp>
+      </p:grpSp>
+    </p:spTree>
+    <p:extLst>
+      <p:ext uri="{BB962C8B-B14F-4D97-AF65-F5344CB8AC3E}">
+        <p14:creationId xmlns:p14="http://schemas.microsoft.com/office/powerpoint/2010/main" val="822639125"/>
+      </p:ext>
+    </p:extLst>
+  </p:cSld>
+  <p:clrMapOvr>
+    <a:masterClrMapping/>
+  </p:clrMapOvr>
+</p:sld>
+</file>
+
+<file path=ppt/slides/slide20.xml><?xml version="1.0" encoding="utf-8"?>
 <p:sld xmlns:a="http://schemas.openxmlformats.org/drawingml/2006/main" xmlns:r="http://schemas.openxmlformats.org/officeDocument/2006/relationships" xmlns:p="http://schemas.openxmlformats.org/presentationml/2006/main">
   <p:cSld>
     <p:spTree>
@@ -17202,7 +20157,817 @@
 </p:sld>
 </file>
 
-<file path=ppt/slides/slide2.xml><?xml version="1.0" encoding="utf-8"?>
+<file path=ppt/slides/slide3.xml><?xml version="1.0" encoding="utf-8"?>
+<p:sld xmlns:a="http://schemas.openxmlformats.org/drawingml/2006/main" xmlns:r="http://schemas.openxmlformats.org/officeDocument/2006/relationships" xmlns:p="http://schemas.openxmlformats.org/presentationml/2006/main">
+  <p:cSld>
+    <p:spTree>
+      <p:nvGrpSpPr>
+        <p:cNvPr id="1" name=""/>
+        <p:cNvGrpSpPr/>
+        <p:nvPr/>
+      </p:nvGrpSpPr>
+      <p:grpSpPr>
+        <a:xfrm>
+          <a:off x="0" y="0"/>
+          <a:ext cx="0" cy="0"/>
+          <a:chOff x="0" y="0"/>
+          <a:chExt cx="0" cy="0"/>
+        </a:xfrm>
+      </p:grpSpPr>
+      <p:grpSp>
+        <p:nvGrpSpPr>
+          <p:cNvPr id="8" name="Group 7"/>
+          <p:cNvGrpSpPr/>
+          <p:nvPr/>
+        </p:nvGrpSpPr>
+        <p:grpSpPr>
+          <a:xfrm>
+            <a:off x="-2594938" y="1889650"/>
+            <a:ext cx="13794122" cy="4778994"/>
+            <a:chOff x="-2594938" y="1889650"/>
+            <a:chExt cx="13794122" cy="4778994"/>
+          </a:xfrm>
+        </p:grpSpPr>
+        <p:grpSp>
+          <p:nvGrpSpPr>
+            <p:cNvPr id="52" name="Group 51"/>
+            <p:cNvGrpSpPr/>
+            <p:nvPr/>
+          </p:nvGrpSpPr>
+          <p:grpSpPr>
+            <a:xfrm>
+              <a:off x="-2594938" y="1889650"/>
+              <a:ext cx="13794122" cy="4778994"/>
+              <a:chOff x="-2594938" y="1889650"/>
+              <a:chExt cx="13794122" cy="4778994"/>
+            </a:xfrm>
+          </p:grpSpPr>
+          <p:pic>
+            <p:nvPicPr>
+              <p:cNvPr id="37" name="Picture 36"/>
+              <p:cNvPicPr>
+                <a:picLocks noChangeAspect="1"/>
+              </p:cNvPicPr>
+              <p:nvPr/>
+            </p:nvPicPr>
+            <p:blipFill>
+              <a:blip r:embed="rId2"/>
+              <a:stretch>
+                <a:fillRect/>
+              </a:stretch>
+            </p:blipFill>
+            <p:spPr>
+              <a:xfrm>
+                <a:off x="3611027" y="4412721"/>
+                <a:ext cx="2255923" cy="2255923"/>
+              </a:xfrm>
+              <a:prstGeom prst="rect">
+                <a:avLst/>
+              </a:prstGeom>
+            </p:spPr>
+          </p:pic>
+          <p:grpSp>
+            <p:nvGrpSpPr>
+              <p:cNvPr id="12" name="Group 11"/>
+              <p:cNvGrpSpPr/>
+              <p:nvPr/>
+            </p:nvGrpSpPr>
+            <p:grpSpPr>
+              <a:xfrm>
+                <a:off x="-2594938" y="1889650"/>
+                <a:ext cx="8610576" cy="1961609"/>
+                <a:chOff x="-3001519" y="1374616"/>
+                <a:chExt cx="8610576" cy="1961609"/>
+              </a:xfrm>
+            </p:grpSpPr>
+            <p:sp>
+              <p:nvSpPr>
+                <p:cNvPr id="7" name="TextBox 6"/>
+                <p:cNvSpPr txBox="1"/>
+                <p:nvPr/>
+              </p:nvSpPr>
+              <p:spPr>
+                <a:xfrm>
+                  <a:off x="-850435" y="1374616"/>
+                  <a:ext cx="1700869" cy="492443"/>
+                </a:xfrm>
+                <a:prstGeom prst="rect">
+                  <a:avLst/>
+                </a:prstGeom>
+                <a:noFill/>
+              </p:spPr>
+              <p:txBody>
+                <a:bodyPr wrap="none" rtlCol="0">
+                  <a:spAutoFit/>
+                </a:bodyPr>
+                <a:lstStyle/>
+                <a:p>
+                  <a:r>
+                    <a:rPr lang="en-US" sz="2600" dirty="0" smtClean="0">
+                      <a:latin typeface="Gill Sans"/>
+                      <a:cs typeface="Gill Sans"/>
+                    </a:rPr>
+                    <a:t>Clean Data</a:t>
+                  </a:r>
+                  <a:endParaRPr lang="en-US" sz="2600" dirty="0">
+                    <a:latin typeface="Gill Sans"/>
+                    <a:cs typeface="Gill Sans"/>
+                  </a:endParaRPr>
+                </a:p>
+              </p:txBody>
+            </p:sp>
+            <p:sp>
+              <p:nvSpPr>
+                <p:cNvPr id="11" name="TextBox 10"/>
+                <p:cNvSpPr txBox="1"/>
+                <p:nvPr/>
+              </p:nvSpPr>
+              <p:spPr>
+                <a:xfrm>
+                  <a:off x="2065479" y="1374616"/>
+                  <a:ext cx="1031740" cy="492443"/>
+                </a:xfrm>
+                <a:prstGeom prst="rect">
+                  <a:avLst/>
+                </a:prstGeom>
+                <a:noFill/>
+              </p:spPr>
+              <p:txBody>
+                <a:bodyPr wrap="none" rtlCol="0">
+                  <a:spAutoFit/>
+                </a:bodyPr>
+                <a:lstStyle/>
+                <a:p>
+                  <a:r>
+                    <a:rPr lang="en-US" sz="2600" dirty="0" smtClean="0">
+                      <a:latin typeface="Gill Sans"/>
+                      <a:cs typeface="Gill Sans"/>
+                    </a:rPr>
+                    <a:t>Model</a:t>
+                  </a:r>
+                  <a:endParaRPr lang="en-US" sz="2600" dirty="0">
+                    <a:latin typeface="Gill Sans"/>
+                    <a:cs typeface="Gill Sans"/>
+                  </a:endParaRPr>
+                </a:p>
+              </p:txBody>
+            </p:sp>
+            <p:sp>
+              <p:nvSpPr>
+                <p:cNvPr id="14" name="Can 13"/>
+                <p:cNvSpPr/>
+                <p:nvPr/>
+              </p:nvSpPr>
+              <p:spPr>
+                <a:xfrm>
+                  <a:off x="-3001519" y="1796903"/>
+                  <a:ext cx="1542864" cy="1539322"/>
+                </a:xfrm>
+                <a:prstGeom prst="can">
+                  <a:avLst/>
+                </a:prstGeom>
+                <a:pattFill prst="pct10">
+                  <a:fgClr>
+                    <a:schemeClr val="bg1">
+                      <a:lumMod val="85000"/>
+                    </a:schemeClr>
+                  </a:fgClr>
+                  <a:bgClr>
+                    <a:prstClr val="white"/>
+                  </a:bgClr>
+                </a:pattFill>
+                <a:ln w="47625">
+                  <a:solidFill>
+                    <a:schemeClr val="tx1">
+                      <a:lumMod val="65000"/>
+                      <a:lumOff val="35000"/>
+                    </a:schemeClr>
+                  </a:solidFill>
+                </a:ln>
+                <a:effectLst/>
+              </p:spPr>
+              <p:style>
+                <a:lnRef idx="1">
+                  <a:schemeClr val="accent1"/>
+                </a:lnRef>
+                <a:fillRef idx="3">
+                  <a:schemeClr val="accent1"/>
+                </a:fillRef>
+                <a:effectRef idx="2">
+                  <a:schemeClr val="accent1"/>
+                </a:effectRef>
+                <a:fontRef idx="minor">
+                  <a:schemeClr val="lt1"/>
+                </a:fontRef>
+              </p:style>
+              <p:txBody>
+                <a:bodyPr rtlCol="0" anchor="ctr"/>
+                <a:lstStyle/>
+                <a:p>
+                  <a:pPr algn="ctr"/>
+                  <a:r>
+                    <a:rPr lang="en-US" sz="2600" dirty="0" smtClean="0">
+                      <a:solidFill>
+                        <a:srgbClr val="000000"/>
+                      </a:solidFill>
+                      <a:latin typeface="Gill Sans"/>
+                      <a:cs typeface="Gill Sans"/>
+                    </a:rPr>
+                    <a:t>Database</a:t>
+                  </a:r>
+                  <a:endParaRPr lang="en-US" sz="2600" dirty="0">
+                    <a:solidFill>
+                      <a:srgbClr val="000000"/>
+                    </a:solidFill>
+                    <a:latin typeface="Gill Sans"/>
+                    <a:cs typeface="Gill Sans"/>
+                  </a:endParaRPr>
+                </a:p>
+              </p:txBody>
+            </p:sp>
+            <p:sp>
+              <p:nvSpPr>
+                <p:cNvPr id="20" name="TextBox 19"/>
+                <p:cNvSpPr txBox="1"/>
+                <p:nvPr/>
+              </p:nvSpPr>
+              <p:spPr>
+                <a:xfrm>
+                  <a:off x="4368438" y="1374616"/>
+                  <a:ext cx="1240619" cy="492443"/>
+                </a:xfrm>
+                <a:prstGeom prst="rect">
+                  <a:avLst/>
+                </a:prstGeom>
+                <a:noFill/>
+              </p:spPr>
+              <p:txBody>
+                <a:bodyPr wrap="none" rtlCol="0">
+                  <a:spAutoFit/>
+                </a:bodyPr>
+                <a:lstStyle/>
+                <a:p>
+                  <a:r>
+                    <a:rPr lang="en-US" sz="2600" dirty="0" smtClean="0">
+                      <a:latin typeface="Gill Sans"/>
+                      <a:cs typeface="Gill Sans"/>
+                    </a:rPr>
+                    <a:t>Training</a:t>
+                  </a:r>
+                  <a:endParaRPr lang="en-US" sz="2600" dirty="0">
+                    <a:latin typeface="Gill Sans"/>
+                    <a:cs typeface="Gill Sans"/>
+                  </a:endParaRPr>
+                </a:p>
+              </p:txBody>
+            </p:sp>
+            <p:cxnSp>
+              <p:nvCxnSpPr>
+                <p:cNvPr id="25" name="Straight Connector 24"/>
+                <p:cNvCxnSpPr/>
+                <p:nvPr/>
+              </p:nvCxnSpPr>
+              <p:spPr>
+                <a:xfrm flipH="1">
+                  <a:off x="2721636" y="2228952"/>
+                  <a:ext cx="613952" cy="853244"/>
+                </a:xfrm>
+                <a:prstGeom prst="line">
+                  <a:avLst/>
+                </a:prstGeom>
+                <a:ln w="38100">
+                  <a:solidFill>
+                    <a:schemeClr val="tx1"/>
+                  </a:solidFill>
+                </a:ln>
+                <a:effectLst/>
+              </p:spPr>
+              <p:style>
+                <a:lnRef idx="2">
+                  <a:schemeClr val="accent1"/>
+                </a:lnRef>
+                <a:fillRef idx="0">
+                  <a:schemeClr val="accent1"/>
+                </a:fillRef>
+                <a:effectRef idx="1">
+                  <a:schemeClr val="accent1"/>
+                </a:effectRef>
+                <a:fontRef idx="minor">
+                  <a:schemeClr val="tx1"/>
+                </a:fontRef>
+              </p:style>
+            </p:cxnSp>
+            <p:sp>
+              <p:nvSpPr>
+                <p:cNvPr id="28" name="Oval 27"/>
+                <p:cNvSpPr/>
+                <p:nvPr/>
+              </p:nvSpPr>
+              <p:spPr>
+                <a:xfrm>
+                  <a:off x="2065479" y="2341336"/>
+                  <a:ext cx="656157" cy="360147"/>
+                </a:xfrm>
+                <a:prstGeom prst="ellipse">
+                  <a:avLst/>
+                </a:prstGeom>
+                <a:solidFill>
+                  <a:schemeClr val="tx1"/>
+                </a:solidFill>
+                <a:ln>
+                  <a:noFill/>
+                </a:ln>
+                <a:effectLst/>
+              </p:spPr>
+              <p:style>
+                <a:lnRef idx="1">
+                  <a:schemeClr val="accent1"/>
+                </a:lnRef>
+                <a:fillRef idx="3">
+                  <a:schemeClr val="accent1"/>
+                </a:fillRef>
+                <a:effectRef idx="2">
+                  <a:schemeClr val="accent1"/>
+                </a:effectRef>
+                <a:fontRef idx="minor">
+                  <a:schemeClr val="lt1"/>
+                </a:fontRef>
+              </p:style>
+              <p:txBody>
+                <a:bodyPr rtlCol="0" anchor="ctr"/>
+                <a:lstStyle/>
+                <a:p>
+                  <a:pPr algn="ctr"/>
+                  <a:endParaRPr lang="en-US"/>
+                </a:p>
+              </p:txBody>
+            </p:sp>
+            <p:sp>
+              <p:nvSpPr>
+                <p:cNvPr id="31" name="Freeform 30"/>
+                <p:cNvSpPr/>
+                <p:nvPr/>
+              </p:nvSpPr>
+              <p:spPr>
+                <a:xfrm>
+                  <a:off x="4714724" y="2302687"/>
+                  <a:ext cx="602972" cy="392499"/>
+                </a:xfrm>
+                <a:custGeom>
+                  <a:avLst/>
+                  <a:gdLst>
+                    <a:gd name="connsiteX0" fmla="*/ 3347 w 298418"/>
+                    <a:gd name="connsiteY0" fmla="*/ 0 h 295037"/>
+                    <a:gd name="connsiteX1" fmla="*/ 41834 w 298418"/>
+                    <a:gd name="connsiteY1" fmla="*/ 218071 h 295037"/>
+                    <a:gd name="connsiteX2" fmla="*/ 298418 w 298418"/>
+                    <a:gd name="connsiteY2" fmla="*/ 295037 h 295037"/>
+                  </a:gdLst>
+                  <a:ahLst/>
+                  <a:cxnLst>
+                    <a:cxn ang="0">
+                      <a:pos x="connsiteX0" y="connsiteY0"/>
+                    </a:cxn>
+                    <a:cxn ang="0">
+                      <a:pos x="connsiteX1" y="connsiteY1"/>
+                    </a:cxn>
+                    <a:cxn ang="0">
+                      <a:pos x="connsiteX2" y="connsiteY2"/>
+                    </a:cxn>
+                  </a:cxnLst>
+                  <a:rect l="l" t="t" r="r" b="b"/>
+                  <a:pathLst>
+                    <a:path w="298418" h="295037">
+                      <a:moveTo>
+                        <a:pt x="3347" y="0"/>
+                      </a:moveTo>
+                      <a:cubicBezTo>
+                        <a:pt x="-1999" y="84449"/>
+                        <a:pt x="-7344" y="168898"/>
+                        <a:pt x="41834" y="218071"/>
+                      </a:cubicBezTo>
+                      <a:cubicBezTo>
+                        <a:pt x="91012" y="267244"/>
+                        <a:pt x="298418" y="295037"/>
+                        <a:pt x="298418" y="295037"/>
+                      </a:cubicBezTo>
+                    </a:path>
+                  </a:pathLst>
+                </a:custGeom>
+                <a:ln w="50800">
+                  <a:solidFill>
+                    <a:schemeClr val="tx1"/>
+                  </a:solidFill>
+                  <a:tailEnd type="triangle"/>
+                </a:ln>
+                <a:effectLst/>
+              </p:spPr>
+              <p:style>
+                <a:lnRef idx="2">
+                  <a:schemeClr val="accent1"/>
+                </a:lnRef>
+                <a:fillRef idx="0">
+                  <a:schemeClr val="accent1"/>
+                </a:fillRef>
+                <a:effectRef idx="1">
+                  <a:schemeClr val="accent1"/>
+                </a:effectRef>
+                <a:fontRef idx="minor">
+                  <a:schemeClr val="tx1"/>
+                </a:fontRef>
+              </p:style>
+              <p:txBody>
+                <a:bodyPr rtlCol="0" anchor="ctr"/>
+                <a:lstStyle/>
+                <a:p>
+                  <a:pPr algn="ctr"/>
+                  <a:endParaRPr lang="en-US"/>
+                </a:p>
+              </p:txBody>
+            </p:sp>
+            <p:sp>
+              <p:nvSpPr>
+                <p:cNvPr id="32" name="Right Arrow 31"/>
+                <p:cNvSpPr/>
+                <p:nvPr/>
+              </p:nvSpPr>
+              <p:spPr>
+                <a:xfrm>
+                  <a:off x="-1375246" y="2308983"/>
+                  <a:ext cx="487004" cy="513107"/>
+                </a:xfrm>
+                <a:prstGeom prst="rightArrow">
+                  <a:avLst/>
+                </a:prstGeom>
+                <a:noFill/>
+                <a:ln w="47625">
+                  <a:solidFill>
+                    <a:schemeClr val="tx1"/>
+                  </a:solidFill>
+                </a:ln>
+                <a:effectLst/>
+              </p:spPr>
+              <p:style>
+                <a:lnRef idx="1">
+                  <a:schemeClr val="accent1"/>
+                </a:lnRef>
+                <a:fillRef idx="3">
+                  <a:schemeClr val="accent1"/>
+                </a:fillRef>
+                <a:effectRef idx="2">
+                  <a:schemeClr val="accent1"/>
+                </a:effectRef>
+                <a:fontRef idx="minor">
+                  <a:schemeClr val="lt1"/>
+                </a:fontRef>
+              </p:style>
+              <p:txBody>
+                <a:bodyPr rtlCol="0" anchor="ctr"/>
+                <a:lstStyle/>
+                <a:p>
+                  <a:pPr algn="ctr"/>
+                  <a:endParaRPr lang="en-US"/>
+                </a:p>
+              </p:txBody>
+            </p:sp>
+            <p:sp>
+              <p:nvSpPr>
+                <p:cNvPr id="33" name="Right Arrow 32"/>
+                <p:cNvSpPr/>
+                <p:nvPr/>
+              </p:nvSpPr>
+              <p:spPr>
+                <a:xfrm>
+                  <a:off x="1142302" y="2308983"/>
+                  <a:ext cx="487004" cy="513107"/>
+                </a:xfrm>
+                <a:prstGeom prst="rightArrow">
+                  <a:avLst/>
+                </a:prstGeom>
+                <a:noFill/>
+                <a:ln w="47625">
+                  <a:solidFill>
+                    <a:schemeClr val="tx1"/>
+                  </a:solidFill>
+                </a:ln>
+                <a:effectLst/>
+              </p:spPr>
+              <p:style>
+                <a:lnRef idx="1">
+                  <a:schemeClr val="accent1"/>
+                </a:lnRef>
+                <a:fillRef idx="3">
+                  <a:schemeClr val="accent1"/>
+                </a:fillRef>
+                <a:effectRef idx="2">
+                  <a:schemeClr val="accent1"/>
+                </a:effectRef>
+                <a:fontRef idx="minor">
+                  <a:schemeClr val="lt1"/>
+                </a:fontRef>
+              </p:style>
+              <p:txBody>
+                <a:bodyPr rtlCol="0" anchor="ctr"/>
+                <a:lstStyle/>
+                <a:p>
+                  <a:pPr algn="ctr"/>
+                  <a:endParaRPr lang="en-US"/>
+                </a:p>
+              </p:txBody>
+            </p:sp>
+            <p:sp>
+              <p:nvSpPr>
+                <p:cNvPr id="35" name="Right Arrow 34"/>
+                <p:cNvSpPr/>
+                <p:nvPr/>
+              </p:nvSpPr>
+              <p:spPr>
+                <a:xfrm>
+                  <a:off x="3568264" y="2269680"/>
+                  <a:ext cx="487004" cy="513107"/>
+                </a:xfrm>
+                <a:prstGeom prst="rightArrow">
+                  <a:avLst/>
+                </a:prstGeom>
+                <a:noFill/>
+                <a:ln w="47625">
+                  <a:solidFill>
+                    <a:schemeClr val="tx1"/>
+                  </a:solidFill>
+                </a:ln>
+                <a:effectLst/>
+              </p:spPr>
+              <p:style>
+                <a:lnRef idx="1">
+                  <a:schemeClr val="accent1"/>
+                </a:lnRef>
+                <a:fillRef idx="3">
+                  <a:schemeClr val="accent1"/>
+                </a:fillRef>
+                <a:effectRef idx="2">
+                  <a:schemeClr val="accent1"/>
+                </a:effectRef>
+                <a:fontRef idx="minor">
+                  <a:schemeClr val="lt1"/>
+                </a:fontRef>
+              </p:style>
+              <p:txBody>
+                <a:bodyPr rtlCol="0" anchor="ctr"/>
+                <a:lstStyle/>
+                <a:p>
+                  <a:pPr algn="ctr"/>
+                  <a:endParaRPr lang="en-US"/>
+                </a:p>
+              </p:txBody>
+            </p:sp>
+            <p:pic>
+              <p:nvPicPr>
+                <p:cNvPr id="3" name="Picture 2"/>
+                <p:cNvPicPr>
+                  <a:picLocks noChangeAspect="1"/>
+                </p:cNvPicPr>
+                <p:nvPr/>
+              </p:nvPicPr>
+              <p:blipFill>
+                <a:blip r:embed="rId3"/>
+                <a:stretch>
+                  <a:fillRect/>
+                </a:stretch>
+              </p:blipFill>
+              <p:spPr>
+                <a:xfrm>
+                  <a:off x="-544627" y="2042747"/>
+                  <a:ext cx="1270000" cy="1270000"/>
+                </a:xfrm>
+                <a:prstGeom prst="rect">
+                  <a:avLst/>
+                </a:prstGeom>
+              </p:spPr>
+            </p:pic>
+          </p:grpSp>
+          <p:sp>
+            <p:nvSpPr>
+              <p:cNvPr id="13" name="Rectangle 12"/>
+              <p:cNvSpPr/>
+              <p:nvPr/>
+            </p:nvSpPr>
+            <p:spPr>
+              <a:xfrm>
+                <a:off x="7088815" y="2382093"/>
+                <a:ext cx="4110369" cy="1077526"/>
+              </a:xfrm>
+              <a:prstGeom prst="rect">
+                <a:avLst/>
+              </a:prstGeom>
+              <a:noFill/>
+              <a:ln w="47625">
+                <a:solidFill>
+                  <a:schemeClr val="tx1"/>
+                </a:solidFill>
+              </a:ln>
+              <a:effectLst/>
+            </p:spPr>
+            <p:style>
+              <a:lnRef idx="1">
+                <a:schemeClr val="accent1"/>
+              </a:lnRef>
+              <a:fillRef idx="3">
+                <a:schemeClr val="accent1"/>
+              </a:fillRef>
+              <a:effectRef idx="2">
+                <a:schemeClr val="accent1"/>
+              </a:effectRef>
+              <a:fontRef idx="minor">
+                <a:schemeClr val="lt1"/>
+              </a:fontRef>
+            </p:style>
+            <p:txBody>
+              <a:bodyPr rtlCol="0" anchor="ctr"/>
+              <a:lstStyle/>
+              <a:p>
+                <a:pPr algn="ctr"/>
+                <a:endParaRPr lang="en-US"/>
+              </a:p>
+            </p:txBody>
+          </p:sp>
+          <p:sp>
+            <p:nvSpPr>
+              <p:cNvPr id="15" name="TextBox 14"/>
+              <p:cNvSpPr txBox="1"/>
+              <p:nvPr/>
+            </p:nvSpPr>
+            <p:spPr>
+              <a:xfrm>
+                <a:off x="7217011" y="2602071"/>
+                <a:ext cx="3853977" cy="615553"/>
+              </a:xfrm>
+              <a:prstGeom prst="rect">
+                <a:avLst/>
+              </a:prstGeom>
+              <a:noFill/>
+            </p:spPr>
+            <p:txBody>
+              <a:bodyPr wrap="none" rtlCol="0">
+                <a:spAutoFit/>
+              </a:bodyPr>
+              <a:lstStyle/>
+              <a:p>
+                <a:r>
+                  <a:rPr lang="en-US" sz="3400" dirty="0" smtClean="0">
+                    <a:latin typeface="Gill Sans"/>
+                    <a:cs typeface="Gill Sans"/>
+                  </a:rPr>
+                  <a:t>Result: 0.86 accuracy</a:t>
+                </a:r>
+                <a:endParaRPr lang="en-US" sz="3400" dirty="0">
+                  <a:latin typeface="Gill Sans"/>
+                  <a:cs typeface="Gill Sans"/>
+                </a:endParaRPr>
+              </a:p>
+            </p:txBody>
+          </p:sp>
+          <p:sp>
+            <p:nvSpPr>
+              <p:cNvPr id="49" name="Right Arrow 48"/>
+              <p:cNvSpPr/>
+              <p:nvPr/>
+            </p:nvSpPr>
+            <p:spPr>
+              <a:xfrm>
+                <a:off x="6209830" y="2743986"/>
+                <a:ext cx="487004" cy="513107"/>
+              </a:xfrm>
+              <a:prstGeom prst="rightArrow">
+                <a:avLst/>
+              </a:prstGeom>
+              <a:noFill/>
+              <a:ln w="47625">
+                <a:solidFill>
+                  <a:schemeClr val="tx1"/>
+                </a:solidFill>
+              </a:ln>
+              <a:effectLst/>
+            </p:spPr>
+            <p:style>
+              <a:lnRef idx="1">
+                <a:schemeClr val="accent1"/>
+              </a:lnRef>
+              <a:fillRef idx="3">
+                <a:schemeClr val="accent1"/>
+              </a:fillRef>
+              <a:effectRef idx="2">
+                <a:schemeClr val="accent1"/>
+              </a:effectRef>
+              <a:fontRef idx="minor">
+                <a:schemeClr val="lt1"/>
+              </a:fontRef>
+            </p:style>
+            <p:txBody>
+              <a:bodyPr rtlCol="0" anchor="ctr"/>
+              <a:lstStyle/>
+              <a:p>
+                <a:pPr algn="ctr"/>
+                <a:endParaRPr lang="en-US"/>
+              </a:p>
+            </p:txBody>
+          </p:sp>
+          <p:cxnSp>
+            <p:nvCxnSpPr>
+              <p:cNvPr id="51" name="Elbow Connector 50"/>
+              <p:cNvCxnSpPr>
+                <a:stCxn id="13" idx="2"/>
+                <a:endCxn id="37" idx="3"/>
+              </p:cNvCxnSpPr>
+              <p:nvPr/>
+            </p:nvCxnSpPr>
+            <p:spPr>
+              <a:xfrm rot="5400000">
+                <a:off x="6464943" y="2861626"/>
+                <a:ext cx="2081064" cy="3277050"/>
+              </a:xfrm>
+              <a:prstGeom prst="bentConnector2">
+                <a:avLst/>
+              </a:prstGeom>
+              <a:ln w="50800">
+                <a:solidFill>
+                  <a:schemeClr val="tx1"/>
+                </a:solidFill>
+                <a:tailEnd type="arrow"/>
+              </a:ln>
+              <a:effectLst/>
+            </p:spPr>
+            <p:style>
+              <a:lnRef idx="2">
+                <a:schemeClr val="accent1"/>
+              </a:lnRef>
+              <a:fillRef idx="0">
+                <a:schemeClr val="accent1"/>
+              </a:fillRef>
+              <a:effectRef idx="1">
+                <a:schemeClr val="accent1"/>
+              </a:effectRef>
+              <a:fontRef idx="minor">
+                <a:schemeClr val="tx1"/>
+              </a:fontRef>
+            </p:style>
+          </p:cxnSp>
+        </p:grpSp>
+        <p:cxnSp>
+          <p:nvCxnSpPr>
+            <p:cNvPr id="26" name="Elbow Connector 25"/>
+            <p:cNvCxnSpPr>
+              <a:stCxn id="37" idx="1"/>
+            </p:cNvCxnSpPr>
+            <p:nvPr/>
+          </p:nvCxnSpPr>
+          <p:spPr>
+            <a:xfrm rot="10800000">
+              <a:off x="465119" y="3838201"/>
+              <a:ext cx="3145908" cy="1702483"/>
+            </a:xfrm>
+            <a:prstGeom prst="bentConnector3">
+              <a:avLst>
+                <a:gd name="adj1" fmla="val 98937"/>
+              </a:avLst>
+            </a:prstGeom>
+            <a:ln w="50800">
+              <a:solidFill>
+                <a:schemeClr val="tx1"/>
+              </a:solidFill>
+              <a:tailEnd type="arrow"/>
+            </a:ln>
+            <a:effectLst/>
+          </p:spPr>
+          <p:style>
+            <a:lnRef idx="2">
+              <a:schemeClr val="accent1"/>
+            </a:lnRef>
+            <a:fillRef idx="0">
+              <a:schemeClr val="accent1"/>
+            </a:fillRef>
+            <a:effectRef idx="1">
+              <a:schemeClr val="accent1"/>
+            </a:effectRef>
+            <a:fontRef idx="minor">
+              <a:schemeClr val="tx1"/>
+            </a:fontRef>
+          </p:style>
+        </p:cxnSp>
+      </p:grpSp>
+    </p:spTree>
+    <p:extLst>
+      <p:ext uri="{BB962C8B-B14F-4D97-AF65-F5344CB8AC3E}">
+        <p14:creationId xmlns:p14="http://schemas.microsoft.com/office/powerpoint/2010/main" val="4044097696"/>
+      </p:ext>
+    </p:extLst>
+  </p:cSld>
+  <p:clrMapOvr>
+    <a:masterClrMapping/>
+  </p:clrMapOvr>
+</p:sld>
+</file>
+
+<file path=ppt/slides/slide4.xml><?xml version="1.0" encoding="utf-8"?>
 <p:sld xmlns:a="http://schemas.openxmlformats.org/drawingml/2006/main" xmlns:r="http://schemas.openxmlformats.org/officeDocument/2006/relationships" xmlns:p="http://schemas.openxmlformats.org/presentationml/2006/main">
   <p:cSld>
     <p:spTree>
@@ -18408,7 +22173,7 @@
 </p:sld>
 </file>
 
-<file path=ppt/slides/slide3.xml><?xml version="1.0" encoding="utf-8"?>
+<file path=ppt/slides/slide5.xml><?xml version="1.0" encoding="utf-8"?>
 <p:sld xmlns:a="http://schemas.openxmlformats.org/drawingml/2006/main" xmlns:r="http://schemas.openxmlformats.org/officeDocument/2006/relationships" xmlns:p="http://schemas.openxmlformats.org/presentationml/2006/main">
   <p:cSld>
     <p:spTree>
@@ -19577,7 +23342,7 @@
 </p:sld>
 </file>
 
-<file path=ppt/slides/slide4.xml><?xml version="1.0" encoding="utf-8"?>
+<file path=ppt/slides/slide6.xml><?xml version="1.0" encoding="utf-8"?>
 <p:sld xmlns:a="http://schemas.openxmlformats.org/drawingml/2006/main" xmlns:r="http://schemas.openxmlformats.org/officeDocument/2006/relationships" xmlns:p="http://schemas.openxmlformats.org/presentationml/2006/main">
   <p:cSld>
     <p:spTree>
@@ -21051,7 +24816,7 @@
 </p:sld>
 </file>
 
-<file path=ppt/slides/slide5.xml><?xml version="1.0" encoding="utf-8"?>
+<file path=ppt/slides/slide7.xml><?xml version="1.0" encoding="utf-8"?>
 <p:sld xmlns:a="http://schemas.openxmlformats.org/drawingml/2006/main" xmlns:r="http://schemas.openxmlformats.org/officeDocument/2006/relationships" xmlns:p="http://schemas.openxmlformats.org/presentationml/2006/main">
   <p:cSld>
     <p:spTree>
@@ -22440,7 +26205,7 @@
 </p:sld>
 </file>
 
-<file path=ppt/slides/slide6.xml><?xml version="1.0" encoding="utf-8"?>
+<file path=ppt/slides/slide8.xml><?xml version="1.0" encoding="utf-8"?>
 <p:sld xmlns:a="http://schemas.openxmlformats.org/drawingml/2006/main" xmlns:r="http://schemas.openxmlformats.org/officeDocument/2006/relationships" xmlns:p="http://schemas.openxmlformats.org/presentationml/2006/main">
   <p:cSld>
     <p:spTree>
@@ -23367,7 +27132,7 @@
 </p:sld>
 </file>
 
-<file path=ppt/slides/slide7.xml><?xml version="1.0" encoding="utf-8"?>
+<file path=ppt/slides/slide9.xml><?xml version="1.0" encoding="utf-8"?>
 <p:sld xmlns:a="http://schemas.openxmlformats.org/drawingml/2006/main" xmlns:r="http://schemas.openxmlformats.org/officeDocument/2006/relationships" xmlns:p="http://schemas.openxmlformats.org/presentationml/2006/main">
   <p:cSld>
     <p:spTree>
@@ -24259,1935 +28024,6 @@
     <p:extLst>
       <p:ext uri="{BB962C8B-B14F-4D97-AF65-F5344CB8AC3E}">
         <p14:creationId xmlns:p14="http://schemas.microsoft.com/office/powerpoint/2010/main" val="843242964"/>
-      </p:ext>
-    </p:extLst>
-  </p:cSld>
-  <p:clrMapOvr>
-    <a:masterClrMapping/>
-  </p:clrMapOvr>
-</p:sld>
-</file>
-
-<file path=ppt/slides/slide8.xml><?xml version="1.0" encoding="utf-8"?>
-<p:sld xmlns:a="http://schemas.openxmlformats.org/drawingml/2006/main" xmlns:r="http://schemas.openxmlformats.org/officeDocument/2006/relationships" xmlns:p="http://schemas.openxmlformats.org/presentationml/2006/main">
-  <p:cSld>
-    <p:spTree>
-      <p:nvGrpSpPr>
-        <p:cNvPr id="1" name=""/>
-        <p:cNvGrpSpPr/>
-        <p:nvPr/>
-      </p:nvGrpSpPr>
-      <p:grpSpPr>
-        <a:xfrm>
-          <a:off x="0" y="0"/>
-          <a:ext cx="0" cy="0"/>
-          <a:chOff x="0" y="0"/>
-          <a:chExt cx="0" cy="0"/>
-        </a:xfrm>
-      </p:grpSpPr>
-      <p:grpSp>
-        <p:nvGrpSpPr>
-          <p:cNvPr id="38" name="Group 37"/>
-          <p:cNvGrpSpPr/>
-          <p:nvPr/>
-        </p:nvGrpSpPr>
-        <p:grpSpPr>
-          <a:xfrm>
-            <a:off x="2055641" y="287445"/>
-            <a:ext cx="6140737" cy="4316795"/>
-            <a:chOff x="2055641" y="287445"/>
-            <a:chExt cx="6140737" cy="4316795"/>
-          </a:xfrm>
-        </p:grpSpPr>
-        <p:grpSp>
-          <p:nvGrpSpPr>
-            <p:cNvPr id="79" name="Group 78"/>
-            <p:cNvGrpSpPr/>
-            <p:nvPr/>
-          </p:nvGrpSpPr>
-          <p:grpSpPr>
-            <a:xfrm>
-              <a:off x="2055641" y="287445"/>
-              <a:ext cx="6140737" cy="4316795"/>
-              <a:chOff x="2055641" y="287445"/>
-              <a:chExt cx="6140737" cy="4316795"/>
-            </a:xfrm>
-          </p:grpSpPr>
-          <p:sp>
-            <p:nvSpPr>
-              <p:cNvPr id="71" name="Rectangle 70"/>
-              <p:cNvSpPr/>
-              <p:nvPr/>
-            </p:nvSpPr>
-            <p:spPr>
-              <a:xfrm>
-                <a:off x="2068734" y="313633"/>
-                <a:ext cx="6127644" cy="4290607"/>
-              </a:xfrm>
-              <a:prstGeom prst="rect">
-                <a:avLst/>
-              </a:prstGeom>
-              <a:pattFill prst="pct10">
-                <a:fgClr>
-                  <a:schemeClr val="bg1">
-                    <a:lumMod val="75000"/>
-                  </a:schemeClr>
-                </a:fgClr>
-                <a:bgClr>
-                  <a:prstClr val="white"/>
-                </a:bgClr>
-              </a:pattFill>
-              <a:ln w="34925">
-                <a:solidFill>
-                  <a:schemeClr val="tx1"/>
-                </a:solidFill>
-              </a:ln>
-              <a:effectLst/>
-            </p:spPr>
-            <p:style>
-              <a:lnRef idx="1">
-                <a:schemeClr val="accent1"/>
-              </a:lnRef>
-              <a:fillRef idx="3">
-                <a:schemeClr val="accent1"/>
-              </a:fillRef>
-              <a:effectRef idx="2">
-                <a:schemeClr val="accent1"/>
-              </a:effectRef>
-              <a:fontRef idx="minor">
-                <a:schemeClr val="lt1"/>
-              </a:fontRef>
-            </p:style>
-            <p:txBody>
-              <a:bodyPr rtlCol="0" anchor="ctr"/>
-              <a:lstStyle/>
-              <a:p>
-                <a:pPr algn="ctr"/>
-                <a:endParaRPr lang="en-US" dirty="0">
-                  <a:solidFill>
-                    <a:srgbClr val="000000"/>
-                  </a:solidFill>
-                  <a:latin typeface="Gill Sans"/>
-                  <a:cs typeface="Gill Sans"/>
-                </a:endParaRPr>
-              </a:p>
-            </p:txBody>
-          </p:sp>
-          <p:sp>
-            <p:nvSpPr>
-              <p:cNvPr id="9" name="TextBox 8"/>
-              <p:cNvSpPr txBox="1"/>
-              <p:nvPr/>
-            </p:nvSpPr>
-            <p:spPr>
-              <a:xfrm>
-                <a:off x="2409110" y="2679002"/>
-                <a:ext cx="826894" cy="646331"/>
-              </a:xfrm>
-              <a:prstGeom prst="rect">
-                <a:avLst/>
-              </a:prstGeom>
-              <a:noFill/>
-            </p:spPr>
-            <p:txBody>
-              <a:bodyPr wrap="none" rtlCol="0">
-                <a:spAutoFit/>
-              </a:bodyPr>
-              <a:lstStyle/>
-              <a:p>
-                <a:r>
-                  <a:rPr lang="en-US" dirty="0" smtClean="0">
-                    <a:solidFill>
-                      <a:srgbClr val="FFFFFF"/>
-                    </a:solidFill>
-                    <a:latin typeface="Gill Sans"/>
-                    <a:cs typeface="Gill Sans"/>
-                  </a:rPr>
-                  <a:t>Error </a:t>
-                </a:r>
-              </a:p>
-              <a:p>
-                <a:r>
-                  <a:rPr lang="en-US" dirty="0" smtClean="0">
-                    <a:solidFill>
-                      <a:srgbClr val="FFFFFF"/>
-                    </a:solidFill>
-                    <a:latin typeface="Gill Sans"/>
-                    <a:cs typeface="Gill Sans"/>
-                  </a:rPr>
-                  <a:t>Oracle</a:t>
-                </a:r>
-                <a:endParaRPr lang="en-US" dirty="0">
-                  <a:solidFill>
-                    <a:srgbClr val="FFFFFF"/>
-                  </a:solidFill>
-                  <a:latin typeface="Gill Sans"/>
-                  <a:cs typeface="Gill Sans"/>
-                </a:endParaRPr>
-              </a:p>
-            </p:txBody>
-          </p:sp>
-          <p:cxnSp>
-            <p:nvCxnSpPr>
-              <p:cNvPr id="10" name="Straight Arrow Connector 9"/>
-              <p:cNvCxnSpPr>
-                <a:stCxn id="22" idx="3"/>
-                <a:endCxn id="19" idx="1"/>
-              </p:cNvCxnSpPr>
-              <p:nvPr/>
-            </p:nvCxnSpPr>
-            <p:spPr>
-              <a:xfrm>
-                <a:off x="3373894" y="1715701"/>
-                <a:ext cx="584597" cy="0"/>
-              </a:xfrm>
-              <a:prstGeom prst="straightConnector1">
-                <a:avLst/>
-              </a:prstGeom>
-              <a:ln w="50800">
-                <a:solidFill>
-                  <a:schemeClr val="tx1"/>
-                </a:solidFill>
-                <a:prstDash val="solid"/>
-                <a:tailEnd type="triangle"/>
-              </a:ln>
-              <a:effectLst/>
-            </p:spPr>
-            <p:style>
-              <a:lnRef idx="2">
-                <a:schemeClr val="accent1"/>
-              </a:lnRef>
-              <a:fillRef idx="0">
-                <a:schemeClr val="accent1"/>
-              </a:fillRef>
-              <a:effectRef idx="1">
-                <a:schemeClr val="accent1"/>
-              </a:effectRef>
-              <a:fontRef idx="minor">
-                <a:schemeClr val="tx1"/>
-              </a:fontRef>
-            </p:style>
-          </p:cxnSp>
-          <p:cxnSp>
-            <p:nvCxnSpPr>
-              <p:cNvPr id="12" name="Straight Arrow Connector 11"/>
-              <p:cNvCxnSpPr>
-                <a:stCxn id="22" idx="2"/>
-              </p:cNvCxnSpPr>
-              <p:nvPr/>
-            </p:nvCxnSpPr>
-            <p:spPr>
-              <a:xfrm>
-                <a:off x="2749605" y="2268902"/>
-                <a:ext cx="1208886" cy="1586425"/>
-              </a:xfrm>
-              <a:prstGeom prst="straightConnector1">
-                <a:avLst/>
-              </a:prstGeom>
-              <a:ln w="50800">
-                <a:solidFill>
-                  <a:schemeClr val="tx1"/>
-                </a:solidFill>
-                <a:prstDash val="solid"/>
-                <a:tailEnd type="none"/>
-              </a:ln>
-              <a:effectLst/>
-            </p:spPr>
-            <p:style>
-              <a:lnRef idx="2">
-                <a:schemeClr val="accent1"/>
-              </a:lnRef>
-              <a:fillRef idx="0">
-                <a:schemeClr val="accent1"/>
-              </a:fillRef>
-              <a:effectRef idx="1">
-                <a:schemeClr val="accent1"/>
-              </a:effectRef>
-              <a:fontRef idx="minor">
-                <a:schemeClr val="tx1"/>
-              </a:fontRef>
-            </p:style>
-          </p:cxnSp>
-          <p:sp>
-            <p:nvSpPr>
-              <p:cNvPr id="19" name="Rectangle 18"/>
-              <p:cNvSpPr/>
-              <p:nvPr/>
-            </p:nvSpPr>
-            <p:spPr>
-              <a:xfrm>
-                <a:off x="3958491" y="1162499"/>
-                <a:ext cx="1248579" cy="1106403"/>
-              </a:xfrm>
-              <a:prstGeom prst="rect">
-                <a:avLst/>
-              </a:prstGeom>
-              <a:solidFill>
-                <a:srgbClr val="3366FF"/>
-              </a:solidFill>
-              <a:ln w="34925">
-                <a:solidFill>
-                  <a:schemeClr val="tx1"/>
-                </a:solidFill>
-              </a:ln>
-              <a:effectLst/>
-            </p:spPr>
-            <p:style>
-              <a:lnRef idx="1">
-                <a:schemeClr val="accent1"/>
-              </a:lnRef>
-              <a:fillRef idx="3">
-                <a:schemeClr val="accent1"/>
-              </a:fillRef>
-              <a:effectRef idx="2">
-                <a:schemeClr val="accent1"/>
-              </a:effectRef>
-              <a:fontRef idx="minor">
-                <a:schemeClr val="lt1"/>
-              </a:fontRef>
-            </p:style>
-            <p:txBody>
-              <a:bodyPr rtlCol="0" anchor="ctr"/>
-              <a:lstStyle/>
-              <a:p>
-                <a:pPr algn="ctr"/>
-                <a:r>
-                  <a:rPr lang="en-US" dirty="0" smtClean="0">
-                    <a:solidFill>
-                      <a:schemeClr val="bg1"/>
-                    </a:solidFill>
-                    <a:latin typeface="Gill Sans"/>
-                    <a:cs typeface="Gill Sans"/>
-                  </a:rPr>
-                  <a:t>Sampling</a:t>
-                </a:r>
-              </a:p>
-            </p:txBody>
-          </p:sp>
-          <p:sp>
-            <p:nvSpPr>
-              <p:cNvPr id="20" name="Rectangle 19"/>
-              <p:cNvSpPr/>
-              <p:nvPr/>
-            </p:nvSpPr>
-            <p:spPr>
-              <a:xfrm>
-                <a:off x="5308571" y="1162499"/>
-                <a:ext cx="1248579" cy="1106403"/>
-              </a:xfrm>
-              <a:prstGeom prst="rect">
-                <a:avLst/>
-              </a:prstGeom>
-              <a:solidFill>
-                <a:schemeClr val="tx1"/>
-              </a:solidFill>
-              <a:ln w="34925">
-                <a:solidFill>
-                  <a:schemeClr val="tx1"/>
-                </a:solidFill>
-              </a:ln>
-              <a:effectLst/>
-            </p:spPr>
-            <p:style>
-              <a:lnRef idx="1">
-                <a:schemeClr val="accent1"/>
-              </a:lnRef>
-              <a:fillRef idx="3">
-                <a:schemeClr val="accent1"/>
-              </a:fillRef>
-              <a:effectRef idx="2">
-                <a:schemeClr val="accent1"/>
-              </a:effectRef>
-              <a:fontRef idx="minor">
-                <a:schemeClr val="lt1"/>
-              </a:fontRef>
-            </p:style>
-            <p:txBody>
-              <a:bodyPr rtlCol="0" anchor="ctr"/>
-              <a:lstStyle/>
-              <a:p>
-                <a:pPr algn="ctr"/>
-                <a:r>
-                  <a:rPr lang="en-US" dirty="0" smtClean="0">
-                    <a:solidFill>
-                      <a:srgbClr val="FFFFFF"/>
-                    </a:solidFill>
-                    <a:latin typeface="Gill Sans"/>
-                    <a:cs typeface="Gill Sans"/>
-                  </a:rPr>
-                  <a:t>Data </a:t>
-                </a:r>
-              </a:p>
-              <a:p>
-                <a:pPr algn="ctr"/>
-                <a:r>
-                  <a:rPr lang="en-US" dirty="0" smtClean="0">
-                    <a:solidFill>
-                      <a:srgbClr val="FFFFFF"/>
-                    </a:solidFill>
-                    <a:latin typeface="Gill Sans"/>
-                    <a:cs typeface="Gill Sans"/>
-                  </a:rPr>
-                  <a:t>Cleaning</a:t>
-                </a:r>
-                <a:endParaRPr lang="en-US" dirty="0">
-                  <a:solidFill>
-                    <a:srgbClr val="FFFFFF"/>
-                  </a:solidFill>
-                  <a:latin typeface="Gill Sans"/>
-                  <a:cs typeface="Gill Sans"/>
-                </a:endParaRPr>
-              </a:p>
-            </p:txBody>
-          </p:sp>
-          <p:sp>
-            <p:nvSpPr>
-              <p:cNvPr id="21" name="Rectangle 20"/>
-              <p:cNvSpPr/>
-              <p:nvPr/>
-            </p:nvSpPr>
-            <p:spPr>
-              <a:xfrm>
-                <a:off x="6648803" y="1162499"/>
-                <a:ext cx="1338082" cy="1106403"/>
-              </a:xfrm>
-              <a:prstGeom prst="rect">
-                <a:avLst/>
-              </a:prstGeom>
-              <a:solidFill>
-                <a:srgbClr val="3366FF"/>
-              </a:solidFill>
-              <a:ln w="34925">
-                <a:solidFill>
-                  <a:schemeClr val="tx1"/>
-                </a:solidFill>
-              </a:ln>
-              <a:effectLst/>
-            </p:spPr>
-            <p:style>
-              <a:lnRef idx="1">
-                <a:schemeClr val="accent1"/>
-              </a:lnRef>
-              <a:fillRef idx="3">
-                <a:schemeClr val="accent1"/>
-              </a:fillRef>
-              <a:effectRef idx="2">
-                <a:schemeClr val="accent1"/>
-              </a:effectRef>
-              <a:fontRef idx="minor">
-                <a:schemeClr val="lt1"/>
-              </a:fontRef>
-            </p:style>
-            <p:txBody>
-              <a:bodyPr rtlCol="0" anchor="ctr"/>
-              <a:lstStyle/>
-              <a:p>
-                <a:pPr algn="ctr"/>
-                <a:r>
-                  <a:rPr lang="en-US" dirty="0" smtClean="0">
-                    <a:solidFill>
-                      <a:srgbClr val="FFFFFF"/>
-                    </a:solidFill>
-                    <a:latin typeface="Gill Sans"/>
-                    <a:cs typeface="Gill Sans"/>
-                  </a:rPr>
-                  <a:t>Error</a:t>
-                </a:r>
-              </a:p>
-              <a:p>
-                <a:pPr algn="ctr"/>
-                <a:r>
-                  <a:rPr lang="en-US" dirty="0" smtClean="0">
-                    <a:solidFill>
-                      <a:srgbClr val="FFFFFF"/>
-                    </a:solidFill>
-                    <a:latin typeface="Gill Sans"/>
-                    <a:cs typeface="Gill Sans"/>
-                  </a:rPr>
-                  <a:t>Estimation</a:t>
-                </a:r>
-                <a:endParaRPr lang="en-US" dirty="0">
-                  <a:solidFill>
-                    <a:srgbClr val="FFFFFF"/>
-                  </a:solidFill>
-                  <a:latin typeface="Gill Sans"/>
-                  <a:cs typeface="Gill Sans"/>
-                </a:endParaRPr>
-              </a:p>
-            </p:txBody>
-          </p:sp>
-          <p:cxnSp>
-            <p:nvCxnSpPr>
-              <p:cNvPr id="27" name="Elbow Connector 26"/>
-              <p:cNvCxnSpPr>
-                <a:stCxn id="21" idx="0"/>
-              </p:cNvCxnSpPr>
-              <p:nvPr/>
-            </p:nvCxnSpPr>
-            <p:spPr>
-              <a:xfrm rot="16200000" flipH="1" flipV="1">
-                <a:off x="5097167" y="-1058177"/>
-                <a:ext cx="1" cy="4441352"/>
-              </a:xfrm>
-              <a:prstGeom prst="bentConnector4">
-                <a:avLst>
-                  <a:gd name="adj1" fmla="val -22860000000"/>
-                  <a:gd name="adj2" fmla="val 99983"/>
-                </a:avLst>
-              </a:prstGeom>
-              <a:ln w="47625">
-                <a:solidFill>
-                  <a:schemeClr val="tx1"/>
-                </a:solidFill>
-                <a:tailEnd type="triangle"/>
-              </a:ln>
-              <a:effectLst/>
-            </p:spPr>
-            <p:style>
-              <a:lnRef idx="2">
-                <a:schemeClr val="accent1"/>
-              </a:lnRef>
-              <a:fillRef idx="0">
-                <a:schemeClr val="accent1"/>
-              </a:fillRef>
-              <a:effectRef idx="1">
-                <a:schemeClr val="accent1"/>
-              </a:effectRef>
-              <a:fontRef idx="minor">
-                <a:schemeClr val="tx1"/>
-              </a:fontRef>
-            </p:style>
-          </p:cxnSp>
-          <p:cxnSp>
-            <p:nvCxnSpPr>
-              <p:cNvPr id="32" name="Straight Arrow Connector 31"/>
-              <p:cNvCxnSpPr/>
-              <p:nvPr/>
-            </p:nvCxnSpPr>
-            <p:spPr>
-              <a:xfrm>
-                <a:off x="5107985" y="1701131"/>
-                <a:ext cx="401172" cy="0"/>
-              </a:xfrm>
-              <a:prstGeom prst="straightConnector1">
-                <a:avLst/>
-              </a:prstGeom>
-              <a:ln w="50800">
-                <a:solidFill>
-                  <a:schemeClr val="tx1"/>
-                </a:solidFill>
-                <a:prstDash val="solid"/>
-                <a:tailEnd type="triangle"/>
-              </a:ln>
-              <a:effectLst/>
-            </p:spPr>
-            <p:style>
-              <a:lnRef idx="2">
-                <a:schemeClr val="accent1"/>
-              </a:lnRef>
-              <a:fillRef idx="0">
-                <a:schemeClr val="accent1"/>
-              </a:fillRef>
-              <a:effectRef idx="1">
-                <a:schemeClr val="accent1"/>
-              </a:effectRef>
-              <a:fontRef idx="minor">
-                <a:schemeClr val="tx1"/>
-              </a:fontRef>
-            </p:style>
-          </p:cxnSp>
-          <p:cxnSp>
-            <p:nvCxnSpPr>
-              <p:cNvPr id="34" name="Straight Arrow Connector 33"/>
-              <p:cNvCxnSpPr/>
-              <p:nvPr/>
-            </p:nvCxnSpPr>
-            <p:spPr>
-              <a:xfrm>
-                <a:off x="6448217" y="1701131"/>
-                <a:ext cx="401172" cy="0"/>
-              </a:xfrm>
-              <a:prstGeom prst="straightConnector1">
-                <a:avLst/>
-              </a:prstGeom>
-              <a:ln w="50800">
-                <a:solidFill>
-                  <a:schemeClr val="tx1"/>
-                </a:solidFill>
-                <a:prstDash val="solid"/>
-                <a:tailEnd type="triangle"/>
-              </a:ln>
-              <a:effectLst/>
-            </p:spPr>
-            <p:style>
-              <a:lnRef idx="2">
-                <a:schemeClr val="accent1"/>
-              </a:lnRef>
-              <a:fillRef idx="0">
-                <a:schemeClr val="accent1"/>
-              </a:fillRef>
-              <a:effectRef idx="1">
-                <a:schemeClr val="accent1"/>
-              </a:effectRef>
-              <a:fontRef idx="minor">
-                <a:schemeClr val="tx1"/>
-              </a:fontRef>
-            </p:style>
-          </p:cxnSp>
-          <p:sp>
-            <p:nvSpPr>
-              <p:cNvPr id="39" name="Rectangle 38"/>
-              <p:cNvSpPr/>
-              <p:nvPr/>
-            </p:nvSpPr>
-            <p:spPr>
-              <a:xfrm>
-                <a:off x="5308571" y="3286984"/>
-                <a:ext cx="1248579" cy="1106403"/>
-              </a:xfrm>
-              <a:prstGeom prst="rect">
-                <a:avLst/>
-              </a:prstGeom>
-              <a:solidFill>
-                <a:srgbClr val="3366FF"/>
-              </a:solidFill>
-              <a:ln w="34925">
-                <a:solidFill>
-                  <a:schemeClr val="tx1"/>
-                </a:solidFill>
-              </a:ln>
-              <a:effectLst/>
-            </p:spPr>
-            <p:style>
-              <a:lnRef idx="1">
-                <a:schemeClr val="accent1"/>
-              </a:lnRef>
-              <a:fillRef idx="3">
-                <a:schemeClr val="accent1"/>
-              </a:fillRef>
-              <a:effectRef idx="2">
-                <a:schemeClr val="accent1"/>
-              </a:effectRef>
-              <a:fontRef idx="minor">
-                <a:schemeClr val="lt1"/>
-              </a:fontRef>
-            </p:style>
-            <p:txBody>
-              <a:bodyPr rtlCol="0" anchor="ctr"/>
-              <a:lstStyle/>
-              <a:p>
-                <a:pPr algn="ctr"/>
-                <a:r>
-                  <a:rPr lang="en-US" dirty="0" smtClean="0">
-                    <a:solidFill>
-                      <a:srgbClr val="FFFFFF"/>
-                    </a:solidFill>
-                    <a:latin typeface="Gill Sans"/>
-                    <a:cs typeface="Gill Sans"/>
-                  </a:rPr>
-                  <a:t>Iterative </a:t>
-                </a:r>
-              </a:p>
-              <a:p>
-                <a:pPr algn="ctr"/>
-                <a:r>
-                  <a:rPr lang="en-US" dirty="0" smtClean="0">
-                    <a:solidFill>
-                      <a:srgbClr val="FFFFFF"/>
-                    </a:solidFill>
-                    <a:latin typeface="Gill Sans"/>
-                    <a:cs typeface="Gill Sans"/>
-                  </a:rPr>
-                  <a:t>Model</a:t>
-                </a:r>
-              </a:p>
-              <a:p>
-                <a:pPr algn="ctr"/>
-                <a:r>
-                  <a:rPr lang="en-US" dirty="0" smtClean="0">
-                    <a:solidFill>
-                      <a:srgbClr val="FFFFFF"/>
-                    </a:solidFill>
-                    <a:latin typeface="Gill Sans"/>
-                    <a:cs typeface="Gill Sans"/>
-                  </a:rPr>
-                  <a:t>Update</a:t>
-                </a:r>
-                <a:endParaRPr lang="en-US" dirty="0">
-                  <a:solidFill>
-                    <a:srgbClr val="FFFFFF"/>
-                  </a:solidFill>
-                  <a:latin typeface="Gill Sans"/>
-                  <a:cs typeface="Gill Sans"/>
-                </a:endParaRPr>
-              </a:p>
-            </p:txBody>
-          </p:sp>
-          <p:cxnSp>
-            <p:nvCxnSpPr>
-              <p:cNvPr id="40" name="Straight Arrow Connector 39"/>
-              <p:cNvCxnSpPr>
-                <a:stCxn id="20" idx="2"/>
-                <a:endCxn id="39" idx="0"/>
-              </p:cNvCxnSpPr>
-              <p:nvPr/>
-            </p:nvCxnSpPr>
-            <p:spPr>
-              <a:xfrm>
-                <a:off x="5932861" y="2268902"/>
-                <a:ext cx="0" cy="1018082"/>
-              </a:xfrm>
-              <a:prstGeom prst="straightConnector1">
-                <a:avLst/>
-              </a:prstGeom>
-              <a:ln w="50800">
-                <a:solidFill>
-                  <a:schemeClr val="tx1"/>
-                </a:solidFill>
-                <a:prstDash val="solid"/>
-                <a:tailEnd type="triangle"/>
-              </a:ln>
-              <a:effectLst/>
-            </p:spPr>
-            <p:style>
-              <a:lnRef idx="2">
-                <a:schemeClr val="accent1"/>
-              </a:lnRef>
-              <a:fillRef idx="0">
-                <a:schemeClr val="accent1"/>
-              </a:fillRef>
-              <a:effectRef idx="1">
-                <a:schemeClr val="accent1"/>
-              </a:effectRef>
-              <a:fontRef idx="minor">
-                <a:schemeClr val="tx1"/>
-              </a:fontRef>
-            </p:style>
-          </p:cxnSp>
-          <p:cxnSp>
-            <p:nvCxnSpPr>
-              <p:cNvPr id="50" name="Straight Arrow Connector 49"/>
-              <p:cNvCxnSpPr/>
-              <p:nvPr/>
-            </p:nvCxnSpPr>
-            <p:spPr>
-              <a:xfrm flipV="1">
-                <a:off x="3958491" y="3840186"/>
-                <a:ext cx="1350080" cy="15141"/>
-              </a:xfrm>
-              <a:prstGeom prst="straightConnector1">
-                <a:avLst/>
-              </a:prstGeom>
-              <a:ln w="50800">
-                <a:solidFill>
-                  <a:schemeClr val="tx1"/>
-                </a:solidFill>
-                <a:prstDash val="solid"/>
-                <a:tailEnd type="triangle"/>
-              </a:ln>
-              <a:effectLst/>
-            </p:spPr>
-            <p:style>
-              <a:lnRef idx="2">
-                <a:schemeClr val="accent1"/>
-              </a:lnRef>
-              <a:fillRef idx="0">
-                <a:schemeClr val="accent1"/>
-              </a:fillRef>
-              <a:effectRef idx="1">
-                <a:schemeClr val="accent1"/>
-              </a:effectRef>
-              <a:fontRef idx="minor">
-                <a:schemeClr val="tx1"/>
-              </a:fontRef>
-            </p:style>
-          </p:cxnSp>
-          <p:sp>
-            <p:nvSpPr>
-              <p:cNvPr id="73" name="TextBox 72"/>
-              <p:cNvSpPr txBox="1"/>
-              <p:nvPr/>
-            </p:nvSpPr>
-            <p:spPr>
-              <a:xfrm>
-                <a:off x="2055641" y="287445"/>
-                <a:ext cx="3052344" cy="369332"/>
-              </a:xfrm>
-              <a:prstGeom prst="rect">
-                <a:avLst/>
-              </a:prstGeom>
-              <a:noFill/>
-            </p:spPr>
-            <p:txBody>
-              <a:bodyPr wrap="square" rtlCol="0">
-                <a:spAutoFit/>
-              </a:bodyPr>
-              <a:lstStyle/>
-              <a:p>
-                <a:r>
-                  <a:rPr lang="en-US" b="1" dirty="0" smtClean="0">
-                    <a:latin typeface="Gill Sans"/>
-                    <a:cs typeface="Gill Sans"/>
-                  </a:rPr>
-                  <a:t>Adaptive Detection</a:t>
-                </a:r>
-                <a:endParaRPr lang="en-US" b="1" dirty="0">
-                  <a:latin typeface="Gill Sans"/>
-                  <a:cs typeface="Gill Sans"/>
-                </a:endParaRPr>
-              </a:p>
-            </p:txBody>
-          </p:sp>
-        </p:grpSp>
-        <p:sp>
-          <p:nvSpPr>
-            <p:cNvPr id="22" name="Rectangle 21"/>
-            <p:cNvSpPr/>
-            <p:nvPr/>
-          </p:nvSpPr>
-          <p:spPr>
-            <a:xfrm>
-              <a:off x="2125315" y="1162499"/>
-              <a:ext cx="1248579" cy="1106403"/>
-            </a:xfrm>
-            <a:prstGeom prst="rect">
-              <a:avLst/>
-            </a:prstGeom>
-            <a:solidFill>
-              <a:srgbClr val="3366FF"/>
-            </a:solidFill>
-            <a:ln w="34925">
-              <a:solidFill>
-                <a:schemeClr val="tx1"/>
-              </a:solidFill>
-            </a:ln>
-            <a:effectLst/>
-          </p:spPr>
-          <p:style>
-            <a:lnRef idx="1">
-              <a:schemeClr val="accent1"/>
-            </a:lnRef>
-            <a:fillRef idx="3">
-              <a:schemeClr val="accent1"/>
-            </a:fillRef>
-            <a:effectRef idx="2">
-              <a:schemeClr val="accent1"/>
-            </a:effectRef>
-            <a:fontRef idx="minor">
-              <a:schemeClr val="lt1"/>
-            </a:fontRef>
-          </p:style>
-          <p:txBody>
-            <a:bodyPr rtlCol="0" anchor="ctr"/>
-            <a:lstStyle/>
-            <a:p>
-              <a:pPr algn="ctr"/>
-              <a:r>
-                <a:rPr lang="en-US" dirty="0" smtClean="0">
-                  <a:solidFill>
-                    <a:schemeClr val="bg1"/>
-                  </a:solidFill>
-                  <a:latin typeface="Gill Sans"/>
-                  <a:cs typeface="Gill Sans"/>
-                </a:rPr>
-                <a:t>Classifier</a:t>
-              </a:r>
-            </a:p>
-          </p:txBody>
-        </p:sp>
-        <p:cxnSp>
-          <p:nvCxnSpPr>
-            <p:cNvPr id="41" name="Straight Arrow Connector 40"/>
-            <p:cNvCxnSpPr/>
-            <p:nvPr/>
-          </p:nvCxnSpPr>
-          <p:spPr>
-            <a:xfrm>
-              <a:off x="4645003" y="942810"/>
-              <a:ext cx="0" cy="288029"/>
-            </a:xfrm>
-            <a:prstGeom prst="straightConnector1">
-              <a:avLst/>
-            </a:prstGeom>
-            <a:ln w="50800">
-              <a:solidFill>
-                <a:schemeClr val="tx1"/>
-              </a:solidFill>
-              <a:prstDash val="solid"/>
-              <a:tailEnd type="triangle"/>
-            </a:ln>
-            <a:effectLst/>
-          </p:spPr>
-          <p:style>
-            <a:lnRef idx="2">
-              <a:schemeClr val="accent1"/>
-            </a:lnRef>
-            <a:fillRef idx="0">
-              <a:schemeClr val="accent1"/>
-            </a:fillRef>
-            <a:effectRef idx="1">
-              <a:schemeClr val="accent1"/>
-            </a:effectRef>
-            <a:fontRef idx="minor">
-              <a:schemeClr val="tx1"/>
-            </a:fontRef>
-          </p:style>
-        </p:cxnSp>
-        <p:sp>
-          <p:nvSpPr>
-            <p:cNvPr id="45" name="TextBox 44"/>
-            <p:cNvSpPr txBox="1"/>
-            <p:nvPr/>
-          </p:nvSpPr>
-          <p:spPr>
-            <a:xfrm>
-              <a:off x="3325850" y="1690066"/>
-              <a:ext cx="684803" cy="369332"/>
-            </a:xfrm>
-            <a:prstGeom prst="rect">
-              <a:avLst/>
-            </a:prstGeom>
-            <a:noFill/>
-          </p:spPr>
-          <p:txBody>
-            <a:bodyPr wrap="none" rtlCol="0">
-              <a:spAutoFit/>
-            </a:bodyPr>
-            <a:lstStyle/>
-            <a:p>
-              <a:pPr algn="ctr"/>
-              <a:r>
-                <a:rPr lang="en-US" dirty="0" smtClean="0">
-                  <a:latin typeface="Gill Sans"/>
-                  <a:cs typeface="Gill Sans"/>
-                </a:rPr>
-                <a:t>Dirty</a:t>
-              </a:r>
-              <a:endParaRPr lang="en-US" dirty="0">
-                <a:latin typeface="Gill Sans"/>
-                <a:cs typeface="Gill Sans"/>
-              </a:endParaRPr>
-            </a:p>
-          </p:txBody>
-        </p:sp>
-        <p:sp>
-          <p:nvSpPr>
-            <p:cNvPr id="46" name="TextBox 45"/>
-            <p:cNvSpPr txBox="1"/>
-            <p:nvPr/>
-          </p:nvSpPr>
-          <p:spPr>
-            <a:xfrm rot="2964673">
-              <a:off x="3070912" y="2707571"/>
-              <a:ext cx="723200" cy="369332"/>
-            </a:xfrm>
-            <a:prstGeom prst="rect">
-              <a:avLst/>
-            </a:prstGeom>
-            <a:noFill/>
-          </p:spPr>
-          <p:txBody>
-            <a:bodyPr wrap="none" rtlCol="0">
-              <a:spAutoFit/>
-            </a:bodyPr>
-            <a:lstStyle/>
-            <a:p>
-              <a:pPr algn="ctr"/>
-              <a:r>
-                <a:rPr lang="en-US" dirty="0" smtClean="0">
-                  <a:latin typeface="Gill Sans"/>
-                  <a:cs typeface="Gill Sans"/>
-                </a:rPr>
-                <a:t>Clean</a:t>
-              </a:r>
-              <a:endParaRPr lang="en-US" dirty="0">
-                <a:latin typeface="Gill Sans"/>
-                <a:cs typeface="Gill Sans"/>
-              </a:endParaRPr>
-            </a:p>
-          </p:txBody>
-        </p:sp>
-        <p:sp>
-          <p:nvSpPr>
-            <p:cNvPr id="47" name="TextBox 46"/>
-            <p:cNvSpPr txBox="1"/>
-            <p:nvPr/>
-          </p:nvSpPr>
-          <p:spPr>
-            <a:xfrm>
-              <a:off x="2744588" y="573477"/>
-              <a:ext cx="1808157" cy="369332"/>
-            </a:xfrm>
-            <a:prstGeom prst="rect">
-              <a:avLst/>
-            </a:prstGeom>
-            <a:noFill/>
-          </p:spPr>
-          <p:txBody>
-            <a:bodyPr wrap="none" rtlCol="0">
-              <a:spAutoFit/>
-            </a:bodyPr>
-            <a:lstStyle/>
-            <a:p>
-              <a:pPr algn="ctr"/>
-              <a:r>
-                <a:rPr lang="en-US" dirty="0" smtClean="0">
-                  <a:latin typeface="Gill Sans"/>
-                  <a:cs typeface="Gill Sans"/>
-                </a:rPr>
-                <a:t>Learn From Fixes</a:t>
-              </a:r>
-              <a:endParaRPr lang="en-US" dirty="0">
-                <a:latin typeface="Gill Sans"/>
-                <a:cs typeface="Gill Sans"/>
-              </a:endParaRPr>
-            </a:p>
-          </p:txBody>
-        </p:sp>
-      </p:grpSp>
-    </p:spTree>
-    <p:extLst>
-      <p:ext uri="{BB962C8B-B14F-4D97-AF65-F5344CB8AC3E}">
-        <p14:creationId xmlns:p14="http://schemas.microsoft.com/office/powerpoint/2010/main" val="3426411864"/>
-      </p:ext>
-    </p:extLst>
-  </p:cSld>
-  <p:clrMapOvr>
-    <a:masterClrMapping/>
-  </p:clrMapOvr>
-</p:sld>
-</file>
-
-<file path=ppt/slides/slide9.xml><?xml version="1.0" encoding="utf-8"?>
-<p:sld xmlns:a="http://schemas.openxmlformats.org/drawingml/2006/main" xmlns:r="http://schemas.openxmlformats.org/officeDocument/2006/relationships" xmlns:p="http://schemas.openxmlformats.org/presentationml/2006/main">
-  <p:cSld>
-    <p:spTree>
-      <p:nvGrpSpPr>
-        <p:cNvPr id="1" name=""/>
-        <p:cNvGrpSpPr/>
-        <p:nvPr/>
-      </p:nvGrpSpPr>
-      <p:grpSpPr>
-        <a:xfrm>
-          <a:off x="0" y="0"/>
-          <a:ext cx="0" cy="0"/>
-          <a:chOff x="0" y="0"/>
-          <a:chExt cx="0" cy="0"/>
-        </a:xfrm>
-      </p:grpSpPr>
-      <p:grpSp>
-        <p:nvGrpSpPr>
-          <p:cNvPr id="49" name="Group 48"/>
-          <p:cNvGrpSpPr/>
-          <p:nvPr/>
-        </p:nvGrpSpPr>
-        <p:grpSpPr>
-          <a:xfrm>
-            <a:off x="919673" y="1722001"/>
-            <a:ext cx="5142503" cy="3383175"/>
-            <a:chOff x="919673" y="1722001"/>
-            <a:chExt cx="5142503" cy="3383175"/>
-          </a:xfrm>
-        </p:grpSpPr>
-        <p:grpSp>
-          <p:nvGrpSpPr>
-            <p:cNvPr id="47" name="Group 46"/>
-            <p:cNvGrpSpPr/>
-            <p:nvPr/>
-          </p:nvGrpSpPr>
-          <p:grpSpPr>
-            <a:xfrm>
-              <a:off x="919673" y="1722001"/>
-              <a:ext cx="5142503" cy="2895464"/>
-              <a:chOff x="919673" y="1722001"/>
-              <a:chExt cx="5142503" cy="2895464"/>
-            </a:xfrm>
-          </p:grpSpPr>
-          <p:cxnSp>
-            <p:nvCxnSpPr>
-              <p:cNvPr id="5" name="Straight Arrow Connector 4"/>
-              <p:cNvCxnSpPr/>
-              <p:nvPr/>
-            </p:nvCxnSpPr>
-            <p:spPr>
-              <a:xfrm flipV="1">
-                <a:off x="2605558" y="1741506"/>
-                <a:ext cx="0" cy="2828312"/>
-              </a:xfrm>
-              <a:prstGeom prst="straightConnector1">
-                <a:avLst/>
-              </a:prstGeom>
-              <a:ln w="50800">
-                <a:solidFill>
-                  <a:schemeClr val="tx1"/>
-                </a:solidFill>
-                <a:tailEnd type="triangle"/>
-              </a:ln>
-              <a:effectLst/>
-            </p:spPr>
-            <p:style>
-              <a:lnRef idx="2">
-                <a:schemeClr val="accent1"/>
-              </a:lnRef>
-              <a:fillRef idx="0">
-                <a:schemeClr val="accent1"/>
-              </a:fillRef>
-              <a:effectRef idx="1">
-                <a:schemeClr val="accent1"/>
-              </a:effectRef>
-              <a:fontRef idx="minor">
-                <a:schemeClr val="tx1"/>
-              </a:fontRef>
-            </p:style>
-          </p:cxnSp>
-          <p:cxnSp>
-            <p:nvCxnSpPr>
-              <p:cNvPr id="10" name="Straight Arrow Connector 9"/>
-              <p:cNvCxnSpPr/>
-              <p:nvPr/>
-            </p:nvCxnSpPr>
-            <p:spPr>
-              <a:xfrm flipV="1">
-                <a:off x="2579372" y="4556724"/>
-                <a:ext cx="3482804" cy="21461"/>
-              </a:xfrm>
-              <a:prstGeom prst="straightConnector1">
-                <a:avLst/>
-              </a:prstGeom>
-              <a:ln w="50800">
-                <a:solidFill>
-                  <a:schemeClr val="tx1"/>
-                </a:solidFill>
-                <a:tailEnd type="triangle"/>
-              </a:ln>
-              <a:effectLst/>
-            </p:spPr>
-            <p:style>
-              <a:lnRef idx="2">
-                <a:schemeClr val="accent1"/>
-              </a:lnRef>
-              <a:fillRef idx="0">
-                <a:schemeClr val="accent1"/>
-              </a:fillRef>
-              <a:effectRef idx="1">
-                <a:schemeClr val="accent1"/>
-              </a:effectRef>
-              <a:fontRef idx="minor">
-                <a:schemeClr val="tx1"/>
-              </a:fontRef>
-            </p:style>
-          </p:cxnSp>
-          <p:sp>
-            <p:nvSpPr>
-              <p:cNvPr id="14" name="Freeform 13"/>
-              <p:cNvSpPr/>
-              <p:nvPr/>
-            </p:nvSpPr>
-            <p:spPr>
-              <a:xfrm>
-                <a:off x="2657930" y="2841404"/>
-                <a:ext cx="3103101" cy="1702225"/>
-              </a:xfrm>
-              <a:custGeom>
-                <a:avLst/>
-                <a:gdLst>
-                  <a:gd name="connsiteX0" fmla="*/ 0 w 2998354"/>
-                  <a:gd name="connsiteY0" fmla="*/ 0 h 2403809"/>
-                  <a:gd name="connsiteX1" fmla="*/ 563009 w 2998354"/>
-                  <a:gd name="connsiteY1" fmla="*/ 2081951 h 2403809"/>
-                  <a:gd name="connsiteX2" fmla="*/ 2998354 w 2998354"/>
-                  <a:gd name="connsiteY2" fmla="*/ 2396208 h 2403809"/>
-                  <a:gd name="connsiteX3" fmla="*/ 2998354 w 2998354"/>
-                  <a:gd name="connsiteY3" fmla="*/ 2396208 h 2403809"/>
-                </a:gdLst>
-                <a:ahLst/>
-                <a:cxnLst>
-                  <a:cxn ang="0">
-                    <a:pos x="connsiteX0" y="connsiteY0"/>
-                  </a:cxn>
-                  <a:cxn ang="0">
-                    <a:pos x="connsiteX1" y="connsiteY1"/>
-                  </a:cxn>
-                  <a:cxn ang="0">
-                    <a:pos x="connsiteX2" y="connsiteY2"/>
-                  </a:cxn>
-                  <a:cxn ang="0">
-                    <a:pos x="connsiteX3" y="connsiteY3"/>
-                  </a:cxn>
-                </a:cxnLst>
-                <a:rect l="l" t="t" r="r" b="b"/>
-                <a:pathLst>
-                  <a:path w="2998354" h="2403809">
-                    <a:moveTo>
-                      <a:pt x="0" y="0"/>
-                    </a:moveTo>
-                    <a:cubicBezTo>
-                      <a:pt x="31641" y="841291"/>
-                      <a:pt x="63283" y="1682583"/>
-                      <a:pt x="563009" y="2081951"/>
-                    </a:cubicBezTo>
-                    <a:cubicBezTo>
-                      <a:pt x="1062735" y="2481319"/>
-                      <a:pt x="2998354" y="2396208"/>
-                      <a:pt x="2998354" y="2396208"/>
-                    </a:cubicBezTo>
-                    <a:lnTo>
-                      <a:pt x="2998354" y="2396208"/>
-                    </a:lnTo>
-                  </a:path>
-                </a:pathLst>
-              </a:custGeom>
-              <a:ln w="50800">
-                <a:solidFill>
-                  <a:srgbClr val="3366FF"/>
-                </a:solidFill>
-              </a:ln>
-              <a:effectLst/>
-            </p:spPr>
-            <p:style>
-              <a:lnRef idx="2">
-                <a:schemeClr val="accent1"/>
-              </a:lnRef>
-              <a:fillRef idx="0">
-                <a:schemeClr val="accent1"/>
-              </a:fillRef>
-              <a:effectRef idx="1">
-                <a:schemeClr val="accent1"/>
-              </a:effectRef>
-              <a:fontRef idx="minor">
-                <a:schemeClr val="tx1"/>
-              </a:fontRef>
-            </p:style>
-            <p:txBody>
-              <a:bodyPr rtlCol="0" anchor="ctr"/>
-              <a:lstStyle/>
-              <a:p>
-                <a:pPr algn="ctr"/>
-                <a:endParaRPr lang="en-US"/>
-              </a:p>
-            </p:txBody>
-          </p:sp>
-          <p:sp>
-            <p:nvSpPr>
-              <p:cNvPr id="17" name="Freeform 16"/>
-              <p:cNvSpPr/>
-              <p:nvPr/>
-            </p:nvSpPr>
-            <p:spPr>
-              <a:xfrm>
-                <a:off x="2605558" y="1898635"/>
-                <a:ext cx="3155473" cy="2644995"/>
-              </a:xfrm>
-              <a:custGeom>
-                <a:avLst/>
-                <a:gdLst>
-                  <a:gd name="connsiteX0" fmla="*/ 0 w 4058909"/>
-                  <a:gd name="connsiteY0" fmla="*/ 0 h 2615663"/>
-                  <a:gd name="connsiteX1" fmla="*/ 1728310 w 4058909"/>
-                  <a:gd name="connsiteY1" fmla="*/ 2304550 h 2615663"/>
-                  <a:gd name="connsiteX2" fmla="*/ 4058909 w 4058909"/>
-                  <a:gd name="connsiteY2" fmla="*/ 2592618 h 2615663"/>
-                  <a:gd name="connsiteX3" fmla="*/ 4058909 w 4058909"/>
-                  <a:gd name="connsiteY3" fmla="*/ 2592618 h 2615663"/>
-                </a:gdLst>
-                <a:ahLst/>
-                <a:cxnLst>
-                  <a:cxn ang="0">
-                    <a:pos x="connsiteX0" y="connsiteY0"/>
-                  </a:cxn>
-                  <a:cxn ang="0">
-                    <a:pos x="connsiteX1" y="connsiteY1"/>
-                  </a:cxn>
-                  <a:cxn ang="0">
-                    <a:pos x="connsiteX2" y="connsiteY2"/>
-                  </a:cxn>
-                  <a:cxn ang="0">
-                    <a:pos x="connsiteX3" y="connsiteY3"/>
-                  </a:cxn>
-                </a:cxnLst>
-                <a:rect l="l" t="t" r="r" b="b"/>
-                <a:pathLst>
-                  <a:path w="4058909" h="2615663">
-                    <a:moveTo>
-                      <a:pt x="0" y="0"/>
-                    </a:moveTo>
-                    <a:cubicBezTo>
-                      <a:pt x="525912" y="936223"/>
-                      <a:pt x="1051825" y="1872447"/>
-                      <a:pt x="1728310" y="2304550"/>
-                    </a:cubicBezTo>
-                    <a:cubicBezTo>
-                      <a:pt x="2404795" y="2736653"/>
-                      <a:pt x="4058909" y="2592618"/>
-                      <a:pt x="4058909" y="2592618"/>
-                    </a:cubicBezTo>
-                    <a:lnTo>
-                      <a:pt x="4058909" y="2592618"/>
-                    </a:lnTo>
-                  </a:path>
-                </a:pathLst>
-              </a:custGeom>
-              <a:ln w="50800">
-                <a:solidFill>
-                  <a:srgbClr val="FFB508"/>
-                </a:solidFill>
-              </a:ln>
-              <a:effectLst/>
-            </p:spPr>
-            <p:style>
-              <a:lnRef idx="2">
-                <a:schemeClr val="accent1"/>
-              </a:lnRef>
-              <a:fillRef idx="0">
-                <a:schemeClr val="accent1"/>
-              </a:fillRef>
-              <a:effectRef idx="1">
-                <a:schemeClr val="accent1"/>
-              </a:effectRef>
-              <a:fontRef idx="minor">
-                <a:schemeClr val="tx1"/>
-              </a:fontRef>
-            </p:style>
-            <p:txBody>
-              <a:bodyPr rtlCol="0" anchor="ctr"/>
-              <a:lstStyle/>
-              <a:p>
-                <a:pPr algn="ctr"/>
-                <a:endParaRPr lang="en-US"/>
-              </a:p>
-            </p:txBody>
-          </p:sp>
-          <p:sp>
-            <p:nvSpPr>
-              <p:cNvPr id="20" name="Oval 19"/>
-              <p:cNvSpPr/>
-              <p:nvPr/>
-            </p:nvSpPr>
-            <p:spPr>
-              <a:xfrm>
-                <a:off x="2566278" y="2756293"/>
-                <a:ext cx="170223" cy="170223"/>
-              </a:xfrm>
-              <a:prstGeom prst="ellipse">
-                <a:avLst/>
-              </a:prstGeom>
-              <a:solidFill>
-                <a:srgbClr val="FF0000"/>
-              </a:solidFill>
-              <a:ln>
-                <a:noFill/>
-              </a:ln>
-              <a:effectLst/>
-            </p:spPr>
-            <p:style>
-              <a:lnRef idx="1">
-                <a:schemeClr val="accent1"/>
-              </a:lnRef>
-              <a:fillRef idx="3">
-                <a:schemeClr val="accent1"/>
-              </a:fillRef>
-              <a:effectRef idx="2">
-                <a:schemeClr val="accent1"/>
-              </a:effectRef>
-              <a:fontRef idx="minor">
-                <a:schemeClr val="lt1"/>
-              </a:fontRef>
-            </p:style>
-            <p:txBody>
-              <a:bodyPr rtlCol="0" anchor="ctr"/>
-              <a:lstStyle/>
-              <a:p>
-                <a:pPr algn="ctr"/>
-                <a:endParaRPr lang="en-US"/>
-              </a:p>
-            </p:txBody>
-          </p:sp>
-          <p:sp>
-            <p:nvSpPr>
-              <p:cNvPr id="21" name="Oval 20"/>
-              <p:cNvSpPr/>
-              <p:nvPr/>
-            </p:nvSpPr>
-            <p:spPr>
-              <a:xfrm>
-                <a:off x="5625378" y="4447242"/>
-                <a:ext cx="170223" cy="170223"/>
-              </a:xfrm>
-              <a:prstGeom prst="ellipse">
-                <a:avLst/>
-              </a:prstGeom>
-              <a:solidFill>
-                <a:srgbClr val="008000"/>
-              </a:solidFill>
-              <a:ln>
-                <a:noFill/>
-              </a:ln>
-              <a:effectLst/>
-            </p:spPr>
-            <p:style>
-              <a:lnRef idx="1">
-                <a:schemeClr val="accent1"/>
-              </a:lnRef>
-              <a:fillRef idx="3">
-                <a:schemeClr val="accent1"/>
-              </a:fillRef>
-              <a:effectRef idx="2">
-                <a:schemeClr val="accent1"/>
-              </a:effectRef>
-              <a:fontRef idx="minor">
-                <a:schemeClr val="lt1"/>
-              </a:fontRef>
-            </p:style>
-            <p:txBody>
-              <a:bodyPr rtlCol="0" anchor="ctr"/>
-              <a:lstStyle/>
-              <a:p>
-                <a:pPr algn="ctr"/>
-                <a:endParaRPr lang="en-US"/>
-              </a:p>
-            </p:txBody>
-          </p:sp>
-          <p:sp>
-            <p:nvSpPr>
-              <p:cNvPr id="22" name="Oval 21"/>
-              <p:cNvSpPr/>
-              <p:nvPr/>
-            </p:nvSpPr>
-            <p:spPr>
-              <a:xfrm>
-                <a:off x="4811650" y="1911796"/>
-                <a:ext cx="170223" cy="170223"/>
-              </a:xfrm>
-              <a:prstGeom prst="ellipse">
-                <a:avLst/>
-              </a:prstGeom>
-              <a:solidFill>
-                <a:srgbClr val="FF0000"/>
-              </a:solidFill>
-              <a:ln>
-                <a:noFill/>
-              </a:ln>
-              <a:effectLst/>
-            </p:spPr>
-            <p:style>
-              <a:lnRef idx="1">
-                <a:schemeClr val="accent1"/>
-              </a:lnRef>
-              <a:fillRef idx="3">
-                <a:schemeClr val="accent1"/>
-              </a:fillRef>
-              <a:effectRef idx="2">
-                <a:schemeClr val="accent1"/>
-              </a:effectRef>
-              <a:fontRef idx="minor">
-                <a:schemeClr val="lt1"/>
-              </a:fontRef>
-            </p:style>
-            <p:txBody>
-              <a:bodyPr rtlCol="0" anchor="ctr"/>
-              <a:lstStyle/>
-              <a:p>
-                <a:pPr algn="ctr"/>
-                <a:endParaRPr lang="en-US"/>
-              </a:p>
-            </p:txBody>
-          </p:sp>
-          <p:sp>
-            <p:nvSpPr>
-              <p:cNvPr id="23" name="TextBox 22"/>
-              <p:cNvSpPr txBox="1"/>
-              <p:nvPr/>
-            </p:nvSpPr>
-            <p:spPr>
-              <a:xfrm>
-                <a:off x="4937876" y="1826619"/>
-                <a:ext cx="571791" cy="307777"/>
-              </a:xfrm>
-              <a:prstGeom prst="rect">
-                <a:avLst/>
-              </a:prstGeom>
-              <a:noFill/>
-            </p:spPr>
-            <p:txBody>
-              <a:bodyPr wrap="none" rtlCol="0">
-                <a:spAutoFit/>
-              </a:bodyPr>
-              <a:lstStyle/>
-              <a:p>
-                <a:r>
-                  <a:rPr lang="en-US" sz="1400" dirty="0" smtClean="0">
-                    <a:latin typeface="Gill Sans"/>
-                    <a:cs typeface="Gill Sans"/>
-                  </a:rPr>
-                  <a:t>Dirty</a:t>
-                </a:r>
-                <a:endParaRPr lang="en-US" sz="1400" dirty="0">
-                  <a:latin typeface="Gill Sans"/>
-                  <a:cs typeface="Gill Sans"/>
-                </a:endParaRPr>
-              </a:p>
-            </p:txBody>
-          </p:sp>
-          <p:sp>
-            <p:nvSpPr>
-              <p:cNvPr id="24" name="Oval 23"/>
-              <p:cNvSpPr/>
-              <p:nvPr/>
-            </p:nvSpPr>
-            <p:spPr>
-              <a:xfrm>
-                <a:off x="4811650" y="2795641"/>
-                <a:ext cx="170223" cy="170223"/>
-              </a:xfrm>
-              <a:prstGeom prst="ellipse">
-                <a:avLst/>
-              </a:prstGeom>
-              <a:solidFill>
-                <a:srgbClr val="008000"/>
-              </a:solidFill>
-              <a:ln>
-                <a:noFill/>
-              </a:ln>
-              <a:effectLst/>
-            </p:spPr>
-            <p:style>
-              <a:lnRef idx="1">
-                <a:schemeClr val="accent1"/>
-              </a:lnRef>
-              <a:fillRef idx="3">
-                <a:schemeClr val="accent1"/>
-              </a:fillRef>
-              <a:effectRef idx="2">
-                <a:schemeClr val="accent1"/>
-              </a:effectRef>
-              <a:fontRef idx="minor">
-                <a:schemeClr val="lt1"/>
-              </a:fontRef>
-            </p:style>
-            <p:txBody>
-              <a:bodyPr rtlCol="0" anchor="ctr"/>
-              <a:lstStyle/>
-              <a:p>
-                <a:pPr algn="ctr"/>
-                <a:endParaRPr lang="en-US"/>
-              </a:p>
-            </p:txBody>
-          </p:sp>
-          <p:sp>
-            <p:nvSpPr>
-              <p:cNvPr id="25" name="TextBox 24"/>
-              <p:cNvSpPr txBox="1"/>
-              <p:nvPr/>
-            </p:nvSpPr>
-            <p:spPr>
-              <a:xfrm>
-                <a:off x="4937876" y="2710464"/>
-                <a:ext cx="603526" cy="307777"/>
-              </a:xfrm>
-              <a:prstGeom prst="rect">
-                <a:avLst/>
-              </a:prstGeom>
-              <a:noFill/>
-            </p:spPr>
-            <p:txBody>
-              <a:bodyPr wrap="none" rtlCol="0">
-                <a:spAutoFit/>
-              </a:bodyPr>
-              <a:lstStyle/>
-              <a:p>
-                <a:r>
-                  <a:rPr lang="en-US" sz="1400" dirty="0" smtClean="0">
-                    <a:latin typeface="Gill Sans"/>
-                    <a:cs typeface="Gill Sans"/>
-                  </a:rPr>
-                  <a:t>Clean</a:t>
-                </a:r>
-                <a:endParaRPr lang="en-US" sz="1400" dirty="0">
-                  <a:latin typeface="Gill Sans"/>
-                  <a:cs typeface="Gill Sans"/>
-                </a:endParaRPr>
-              </a:p>
-            </p:txBody>
-          </p:sp>
-          <p:cxnSp>
-            <p:nvCxnSpPr>
-              <p:cNvPr id="30" name="Straight Connector 29"/>
-              <p:cNvCxnSpPr/>
-              <p:nvPr/>
-            </p:nvCxnSpPr>
-            <p:spPr>
-              <a:xfrm>
-                <a:off x="4787300" y="2317711"/>
-                <a:ext cx="222586" cy="0"/>
-              </a:xfrm>
-              <a:prstGeom prst="line">
-                <a:avLst/>
-              </a:prstGeom>
-              <a:ln w="50800">
-                <a:solidFill>
-                  <a:srgbClr val="FFB508"/>
-                </a:solidFill>
-              </a:ln>
-              <a:effectLst/>
-            </p:spPr>
-            <p:style>
-              <a:lnRef idx="2">
-                <a:schemeClr val="accent1"/>
-              </a:lnRef>
-              <a:fillRef idx="0">
-                <a:schemeClr val="accent1"/>
-              </a:fillRef>
-              <a:effectRef idx="1">
-                <a:schemeClr val="accent1"/>
-              </a:effectRef>
-              <a:fontRef idx="minor">
-                <a:schemeClr val="tx1"/>
-              </a:fontRef>
-            </p:style>
-          </p:cxnSp>
-          <p:sp>
-            <p:nvSpPr>
-              <p:cNvPr id="31" name="TextBox 30"/>
-              <p:cNvSpPr txBox="1"/>
-              <p:nvPr/>
-            </p:nvSpPr>
-            <p:spPr>
-              <a:xfrm>
-                <a:off x="4946253" y="2134396"/>
-                <a:ext cx="1115923" cy="307777"/>
-              </a:xfrm>
-              <a:prstGeom prst="rect">
-                <a:avLst/>
-              </a:prstGeom>
-              <a:noFill/>
-            </p:spPr>
-            <p:txBody>
-              <a:bodyPr wrap="none" rtlCol="0">
-                <a:spAutoFit/>
-              </a:bodyPr>
-              <a:lstStyle/>
-              <a:p>
-                <a:r>
-                  <a:rPr lang="en-US" sz="1400" dirty="0" err="1" smtClean="0">
-                    <a:latin typeface="Gill Sans"/>
-                    <a:cs typeface="Gill Sans"/>
-                  </a:rPr>
-                  <a:t>SampleClean</a:t>
-                </a:r>
-                <a:endParaRPr lang="en-US" sz="1400" dirty="0">
-                  <a:latin typeface="Gill Sans"/>
-                  <a:cs typeface="Gill Sans"/>
-                </a:endParaRPr>
-              </a:p>
-            </p:txBody>
-          </p:sp>
-          <p:cxnSp>
-            <p:nvCxnSpPr>
-              <p:cNvPr id="32" name="Straight Connector 31"/>
-              <p:cNvCxnSpPr/>
-              <p:nvPr/>
-            </p:nvCxnSpPr>
-            <p:spPr>
-              <a:xfrm>
-                <a:off x="4780747" y="2572908"/>
-                <a:ext cx="222586" cy="0"/>
-              </a:xfrm>
-              <a:prstGeom prst="line">
-                <a:avLst/>
-              </a:prstGeom>
-              <a:ln w="50800">
-                <a:solidFill>
-                  <a:srgbClr val="3366FF"/>
-                </a:solidFill>
-              </a:ln>
-              <a:effectLst/>
-            </p:spPr>
-            <p:style>
-              <a:lnRef idx="2">
-                <a:schemeClr val="accent1"/>
-              </a:lnRef>
-              <a:fillRef idx="0">
-                <a:schemeClr val="accent1"/>
-              </a:fillRef>
-              <a:effectRef idx="1">
-                <a:schemeClr val="accent1"/>
-              </a:effectRef>
-              <a:fontRef idx="minor">
-                <a:schemeClr val="tx1"/>
-              </a:fontRef>
-            </p:style>
-          </p:cxnSp>
-          <p:sp>
-            <p:nvSpPr>
-              <p:cNvPr id="33" name="TextBox 32"/>
-              <p:cNvSpPr txBox="1"/>
-              <p:nvPr/>
-            </p:nvSpPr>
-            <p:spPr>
-              <a:xfrm>
-                <a:off x="4939700" y="2389593"/>
-                <a:ext cx="1062097" cy="307777"/>
-              </a:xfrm>
-              <a:prstGeom prst="rect">
-                <a:avLst/>
-              </a:prstGeom>
-              <a:noFill/>
-            </p:spPr>
-            <p:txBody>
-              <a:bodyPr wrap="none" rtlCol="0">
-                <a:spAutoFit/>
-              </a:bodyPr>
-              <a:lstStyle/>
-              <a:p>
-                <a:r>
-                  <a:rPr lang="en-US" sz="1400" dirty="0" err="1" smtClean="0">
-                    <a:latin typeface="Gill Sans"/>
-                    <a:cs typeface="Gill Sans"/>
-                  </a:rPr>
-                  <a:t>ActiveClean</a:t>
-                </a:r>
-                <a:endParaRPr lang="en-US" sz="1400" dirty="0">
-                  <a:latin typeface="Gill Sans"/>
-                  <a:cs typeface="Gill Sans"/>
-                </a:endParaRPr>
-              </a:p>
-            </p:txBody>
-          </p:sp>
-          <p:sp>
-            <p:nvSpPr>
-              <p:cNvPr id="34" name="Rectangle 33"/>
-              <p:cNvSpPr/>
-              <p:nvPr/>
-            </p:nvSpPr>
-            <p:spPr>
-              <a:xfrm>
-                <a:off x="4687385" y="1741506"/>
-                <a:ext cx="1361698" cy="1388036"/>
-              </a:xfrm>
-              <a:prstGeom prst="rect">
-                <a:avLst/>
-              </a:prstGeom>
-              <a:noFill/>
-              <a:ln w="34925">
-                <a:solidFill>
-                  <a:schemeClr val="tx1"/>
-                </a:solidFill>
-              </a:ln>
-              <a:effectLst/>
-            </p:spPr>
-            <p:style>
-              <a:lnRef idx="1">
-                <a:schemeClr val="accent1"/>
-              </a:lnRef>
-              <a:fillRef idx="3">
-                <a:schemeClr val="accent1"/>
-              </a:fillRef>
-              <a:effectRef idx="2">
-                <a:schemeClr val="accent1"/>
-              </a:effectRef>
-              <a:fontRef idx="minor">
-                <a:schemeClr val="lt1"/>
-              </a:fontRef>
-            </p:style>
-            <p:txBody>
-              <a:bodyPr rtlCol="0" anchor="ctr"/>
-              <a:lstStyle/>
-              <a:p>
-                <a:pPr algn="ctr"/>
-                <a:endParaRPr lang="en-US"/>
-              </a:p>
-            </p:txBody>
-          </p:sp>
-          <p:sp>
-            <p:nvSpPr>
-              <p:cNvPr id="36" name="TextBox 35"/>
-              <p:cNvSpPr txBox="1"/>
-              <p:nvPr/>
-            </p:nvSpPr>
-            <p:spPr>
-              <a:xfrm>
-                <a:off x="1084538" y="1722001"/>
-                <a:ext cx="1338828" cy="461665"/>
-              </a:xfrm>
-              <a:prstGeom prst="rect">
-                <a:avLst/>
-              </a:prstGeom>
-              <a:noFill/>
-            </p:spPr>
-            <p:txBody>
-              <a:bodyPr wrap="none" rtlCol="0">
-                <a:spAutoFit/>
-              </a:bodyPr>
-              <a:lstStyle/>
-              <a:p>
-                <a:r>
-                  <a:rPr lang="en-US" sz="2400" dirty="0" smtClean="0">
-                    <a:latin typeface="Gill Sans"/>
-                    <a:cs typeface="Gill Sans"/>
-                  </a:rPr>
-                  <a:t>Accuracy</a:t>
-                </a:r>
-                <a:endParaRPr lang="en-US" sz="2400" dirty="0">
-                  <a:latin typeface="Gill Sans"/>
-                  <a:cs typeface="Gill Sans"/>
-                </a:endParaRPr>
-              </a:p>
-            </p:txBody>
-          </p:sp>
-          <p:cxnSp>
-            <p:nvCxnSpPr>
-              <p:cNvPr id="40" name="Straight Connector 39"/>
-              <p:cNvCxnSpPr/>
-              <p:nvPr/>
-            </p:nvCxnSpPr>
-            <p:spPr>
-              <a:xfrm>
-                <a:off x="2605558" y="3836552"/>
-                <a:ext cx="3181659" cy="0"/>
-              </a:xfrm>
-              <a:prstGeom prst="line">
-                <a:avLst/>
-              </a:prstGeom>
-              <a:ln>
-                <a:solidFill>
-                  <a:srgbClr val="B418FD"/>
-                </a:solidFill>
-                <a:prstDash val="sysDash"/>
-                <a:miter lim="800000"/>
-              </a:ln>
-              <a:effectLst/>
-            </p:spPr>
-            <p:style>
-              <a:lnRef idx="2">
-                <a:schemeClr val="accent1"/>
-              </a:lnRef>
-              <a:fillRef idx="0">
-                <a:schemeClr val="accent1"/>
-              </a:fillRef>
-              <a:effectRef idx="1">
-                <a:schemeClr val="accent1"/>
-              </a:effectRef>
-              <a:fontRef idx="minor">
-                <a:schemeClr val="tx1"/>
-              </a:fontRef>
-            </p:style>
-          </p:cxnSp>
-          <p:sp>
-            <p:nvSpPr>
-              <p:cNvPr id="41" name="TextBox 40"/>
-              <p:cNvSpPr txBox="1"/>
-              <p:nvPr/>
-            </p:nvSpPr>
-            <p:spPr>
-              <a:xfrm>
-                <a:off x="919673" y="3627993"/>
-                <a:ext cx="1646605" cy="338554"/>
-              </a:xfrm>
-              <a:prstGeom prst="rect">
-                <a:avLst/>
-              </a:prstGeom>
-              <a:noFill/>
-            </p:spPr>
-            <p:txBody>
-              <a:bodyPr wrap="none" rtlCol="0">
-                <a:spAutoFit/>
-              </a:bodyPr>
-              <a:lstStyle/>
-              <a:p>
-                <a:r>
-                  <a:rPr lang="en-US" sz="1600" dirty="0" smtClean="0">
-                    <a:latin typeface="Gill Sans"/>
-                    <a:cs typeface="Gill Sans"/>
-                  </a:rPr>
-                  <a:t>Desired Accuracy</a:t>
-                </a:r>
-                <a:endParaRPr lang="en-US" sz="1600" dirty="0">
-                  <a:latin typeface="Gill Sans"/>
-                  <a:cs typeface="Gill Sans"/>
-                </a:endParaRPr>
-              </a:p>
-            </p:txBody>
-          </p:sp>
-          <p:cxnSp>
-            <p:nvCxnSpPr>
-              <p:cNvPr id="43" name="Straight Connector 42"/>
-              <p:cNvCxnSpPr/>
-              <p:nvPr/>
-            </p:nvCxnSpPr>
-            <p:spPr>
-              <a:xfrm>
-                <a:off x="2841236" y="3831826"/>
-                <a:ext cx="785595" cy="0"/>
-              </a:xfrm>
-              <a:prstGeom prst="line">
-                <a:avLst/>
-              </a:prstGeom>
-              <a:ln w="50800">
-                <a:solidFill>
-                  <a:schemeClr val="tx1"/>
-                </a:solidFill>
-                <a:headEnd type="oval"/>
-                <a:tailEnd type="oval"/>
-              </a:ln>
-              <a:effectLst/>
-            </p:spPr>
-            <p:style>
-              <a:lnRef idx="2">
-                <a:schemeClr val="accent1"/>
-              </a:lnRef>
-              <a:fillRef idx="0">
-                <a:schemeClr val="accent1"/>
-              </a:fillRef>
-              <a:effectRef idx="1">
-                <a:schemeClr val="accent1"/>
-              </a:effectRef>
-              <a:fontRef idx="minor">
-                <a:schemeClr val="tx1"/>
-              </a:fontRef>
-            </p:style>
-          </p:cxnSp>
-        </p:grpSp>
-        <p:sp>
-          <p:nvSpPr>
-            <p:cNvPr id="48" name="TextBox 47"/>
-            <p:cNvSpPr txBox="1"/>
-            <p:nvPr/>
-          </p:nvSpPr>
-          <p:spPr>
-            <a:xfrm>
-              <a:off x="3957986" y="4643511"/>
-              <a:ext cx="822761" cy="461665"/>
-            </a:xfrm>
-            <a:prstGeom prst="rect">
-              <a:avLst/>
-            </a:prstGeom>
-            <a:noFill/>
-          </p:spPr>
-          <p:txBody>
-            <a:bodyPr wrap="none" rtlCol="0">
-              <a:spAutoFit/>
-            </a:bodyPr>
-            <a:lstStyle/>
-            <a:p>
-              <a:r>
-                <a:rPr lang="en-US" sz="2400" dirty="0" smtClean="0">
-                  <a:latin typeface="Gill Sans"/>
-                  <a:cs typeface="Gill Sans"/>
-                </a:rPr>
-                <a:t>Time</a:t>
-              </a:r>
-              <a:endParaRPr lang="en-US" sz="2400" dirty="0">
-                <a:latin typeface="Gill Sans"/>
-                <a:cs typeface="Gill Sans"/>
-              </a:endParaRPr>
-            </a:p>
-          </p:txBody>
-        </p:sp>
-      </p:grpSp>
-    </p:spTree>
-    <p:extLst>
-      <p:ext uri="{BB962C8B-B14F-4D97-AF65-F5344CB8AC3E}">
-        <p14:creationId xmlns:p14="http://schemas.microsoft.com/office/powerpoint/2010/main" val="4281030460"/>
       </p:ext>
     </p:extLst>
   </p:cSld>

--- a/figs/figs.pptx
+++ b/figs/figs.pptx
@@ -128,7 +128,7 @@
   </p:defaultTextStyle>
   <p:extLst>
     <p:ext uri="{EFAFB233-063F-42B5-8137-9DF3F51BA10A}">
-      <p15:sldGuideLst xmlns:p15="http://schemas.microsoft.com/office/powerpoint/2012/main" xmlns="">
+      <p15:sldGuideLst xmlns="" xmlns:p15="http://schemas.microsoft.com/office/powerpoint/2012/main">
         <p15:guide id="1" orient="horz" pos="2160">
           <p15:clr>
             <a:srgbClr val="A4A3A4"/>
@@ -13030,10 +13030,10 @@
         </p:nvGrpSpPr>
         <p:grpSpPr>
           <a:xfrm>
-            <a:off x="-6883" y="868019"/>
-            <a:ext cx="11341739" cy="3772053"/>
-            <a:chOff x="299105" y="747996"/>
-            <a:chExt cx="11341739" cy="3772053"/>
+            <a:off x="-6883" y="882014"/>
+            <a:ext cx="11341739" cy="3758058"/>
+            <a:chOff x="299105" y="761991"/>
+            <a:chExt cx="11341739" cy="3758058"/>
           </a:xfrm>
         </p:grpSpPr>
         <p:grpSp>
@@ -13044,10 +13044,10 @@
           </p:nvGrpSpPr>
           <p:grpSpPr>
             <a:xfrm>
-              <a:off x="299105" y="747996"/>
-              <a:ext cx="11341739" cy="3772053"/>
-              <a:chOff x="299105" y="747996"/>
-              <a:chExt cx="11341739" cy="3772053"/>
+              <a:off x="299105" y="761991"/>
+              <a:ext cx="11341739" cy="3758058"/>
+              <a:chOff x="299105" y="761991"/>
+              <a:chExt cx="11341739" cy="3758058"/>
             </a:xfrm>
           </p:grpSpPr>
           <p:grpSp>
@@ -13058,10 +13058,10 @@
             </p:nvGrpSpPr>
             <p:grpSpPr>
               <a:xfrm>
-                <a:off x="307236" y="747996"/>
-                <a:ext cx="11333608" cy="3772053"/>
-                <a:chOff x="1012185" y="802106"/>
-                <a:chExt cx="11333608" cy="3772053"/>
+                <a:off x="307236" y="761991"/>
+                <a:ext cx="11333608" cy="3758058"/>
+                <a:chOff x="1012185" y="816101"/>
+                <a:chExt cx="11333608" cy="3758058"/>
               </a:xfrm>
             </p:grpSpPr>
             <p:grpSp>
@@ -13072,10 +13072,10 @@
               </p:nvGrpSpPr>
               <p:grpSpPr>
                 <a:xfrm>
-                  <a:off x="1012185" y="802106"/>
-                  <a:ext cx="11333608" cy="3772053"/>
-                  <a:chOff x="1012185" y="802106"/>
-                  <a:chExt cx="11333608" cy="3772053"/>
+                  <a:off x="1012185" y="816101"/>
+                  <a:ext cx="11333608" cy="3758058"/>
+                  <a:chOff x="1012185" y="816101"/>
+                  <a:chExt cx="11333608" cy="3758058"/>
                 </a:xfrm>
               </p:grpSpPr>
               <p:grpSp>
@@ -13086,10 +13086,10 @@
                 </p:nvGrpSpPr>
                 <p:grpSpPr>
                   <a:xfrm>
-                    <a:off x="1012185" y="802106"/>
-                    <a:ext cx="11333608" cy="3772053"/>
-                    <a:chOff x="1012185" y="802106"/>
-                    <a:chExt cx="11333608" cy="3772053"/>
+                    <a:off x="1012185" y="816101"/>
+                    <a:ext cx="11333608" cy="3758058"/>
+                    <a:chOff x="1012185" y="816101"/>
+                    <a:chExt cx="11333608" cy="3758058"/>
                   </a:xfrm>
                 </p:grpSpPr>
                 <p:cxnSp>
@@ -13100,7 +13100,7 @@
                   </p:nvCxnSpPr>
                   <p:spPr>
                     <a:xfrm flipH="1" flipV="1">
-                      <a:off x="10681369" y="802106"/>
+                      <a:off x="10772070" y="816101"/>
                       <a:ext cx="1403684" cy="2874210"/>
                     </a:xfrm>
                     <a:prstGeom prst="line">
@@ -13555,7 +13555,7 @@
                   </p:nvSpPr>
                   <p:spPr>
                     <a:xfrm>
-                      <a:off x="6668041" y="1875084"/>
+                      <a:off x="6668041" y="1804529"/>
                       <a:ext cx="405915" cy="405915"/>
                     </a:xfrm>
                     <a:prstGeom prst="mathMultiply">
@@ -13602,7 +13602,7 @@
                   </p:nvSpPr>
                   <p:spPr>
                     <a:xfrm>
-                      <a:off x="6870999" y="2430485"/>
+                      <a:off x="6870999" y="2303486"/>
                       <a:ext cx="405915" cy="405915"/>
                     </a:xfrm>
                     <a:prstGeom prst="mathMultiply">
@@ -13650,7 +13650,7 @@
                   <p:spPr>
                     <a:xfrm flipH="1" flipV="1">
                       <a:off x="4896162" y="1131637"/>
-                      <a:ext cx="3482804" cy="2147422"/>
+                      <a:ext cx="3460202" cy="1885507"/>
                     </a:xfrm>
                     <a:prstGeom prst="line">
                       <a:avLst/>
@@ -14235,7 +14235,7 @@
                   </p:nvSpPr>
                   <p:spPr>
                     <a:xfrm>
-                      <a:off x="11320175" y="2349023"/>
+                      <a:off x="11320175" y="2151469"/>
                       <a:ext cx="405915" cy="405915"/>
                     </a:xfrm>
                     <a:prstGeom prst="mathMultiply">
@@ -14282,7 +14282,7 @@
                   </p:nvSpPr>
                   <p:spPr>
                     <a:xfrm>
-                      <a:off x="11137493" y="1862718"/>
+                      <a:off x="11137493" y="1665164"/>
                       <a:ext cx="405915" cy="405915"/>
                     </a:xfrm>
                     <a:prstGeom prst="mathMultiply">

--- a/figs/figs.pptx
+++ b/figs/figs.pptx
@@ -128,7 +128,7 @@
   </p:defaultTextStyle>
   <p:extLst>
     <p:ext uri="{EFAFB233-063F-42B5-8137-9DF3F51BA10A}">
-      <p15:sldGuideLst xmlns="" xmlns:p15="http://schemas.microsoft.com/office/powerpoint/2012/main">
+      <p15:sldGuideLst xmlns:p15="http://schemas.microsoft.com/office/powerpoint/2012/main" xmlns="">
         <p15:guide id="1" orient="horz" pos="2160">
           <p15:clr>
             <a:srgbClr val="A4A3A4"/>
@@ -227,7 +227,7 @@
           <a:p>
             <a:fld id="{347ECA95-75C3-5E48-946C-F7960CA43F88}" type="datetimeFigureOut">
               <a:rPr lang="en-US" smtClean="0"/>
-              <a:t>5/12/16</a:t>
+              <a:t>5/16/16</a:t>
             </a:fld>
             <a:endParaRPr lang="en-US"/>
           </a:p>
@@ -844,7 +844,7 @@
           <a:p>
             <a:fld id="{73A4B2A3-D9DC-064E-90FE-771C025222F9}" type="datetimeFigureOut">
               <a:rPr lang="en-US" smtClean="0"/>
-              <a:t>5/12/16</a:t>
+              <a:t>5/16/16</a:t>
             </a:fld>
             <a:endParaRPr lang="en-US"/>
           </a:p>
@@ -1014,7 +1014,7 @@
           <a:p>
             <a:fld id="{73A4B2A3-D9DC-064E-90FE-771C025222F9}" type="datetimeFigureOut">
               <a:rPr lang="en-US" smtClean="0"/>
-              <a:t>5/12/16</a:t>
+              <a:t>5/16/16</a:t>
             </a:fld>
             <a:endParaRPr lang="en-US"/>
           </a:p>
@@ -1194,7 +1194,7 @@
           <a:p>
             <a:fld id="{73A4B2A3-D9DC-064E-90FE-771C025222F9}" type="datetimeFigureOut">
               <a:rPr lang="en-US" smtClean="0"/>
-              <a:t>5/12/16</a:t>
+              <a:t>5/16/16</a:t>
             </a:fld>
             <a:endParaRPr lang="en-US"/>
           </a:p>
@@ -1364,7 +1364,7 @@
           <a:p>
             <a:fld id="{73A4B2A3-D9DC-064E-90FE-771C025222F9}" type="datetimeFigureOut">
               <a:rPr lang="en-US" smtClean="0"/>
-              <a:t>5/12/16</a:t>
+              <a:t>5/16/16</a:t>
             </a:fld>
             <a:endParaRPr lang="en-US"/>
           </a:p>
@@ -1610,7 +1610,7 @@
           <a:p>
             <a:fld id="{73A4B2A3-D9DC-064E-90FE-771C025222F9}" type="datetimeFigureOut">
               <a:rPr lang="en-US" smtClean="0"/>
-              <a:t>5/12/16</a:t>
+              <a:t>5/16/16</a:t>
             </a:fld>
             <a:endParaRPr lang="en-US"/>
           </a:p>
@@ -1898,7 +1898,7 @@
           <a:p>
             <a:fld id="{73A4B2A3-D9DC-064E-90FE-771C025222F9}" type="datetimeFigureOut">
               <a:rPr lang="en-US" smtClean="0"/>
-              <a:t>5/12/16</a:t>
+              <a:t>5/16/16</a:t>
             </a:fld>
             <a:endParaRPr lang="en-US"/>
           </a:p>
@@ -2320,7 +2320,7 @@
           <a:p>
             <a:fld id="{73A4B2A3-D9DC-064E-90FE-771C025222F9}" type="datetimeFigureOut">
               <a:rPr lang="en-US" smtClean="0"/>
-              <a:t>5/12/16</a:t>
+              <a:t>5/16/16</a:t>
             </a:fld>
             <a:endParaRPr lang="en-US"/>
           </a:p>
@@ -2438,7 +2438,7 @@
           <a:p>
             <a:fld id="{73A4B2A3-D9DC-064E-90FE-771C025222F9}" type="datetimeFigureOut">
               <a:rPr lang="en-US" smtClean="0"/>
-              <a:t>5/12/16</a:t>
+              <a:t>5/16/16</a:t>
             </a:fld>
             <a:endParaRPr lang="en-US"/>
           </a:p>
@@ -2533,7 +2533,7 @@
           <a:p>
             <a:fld id="{73A4B2A3-D9DC-064E-90FE-771C025222F9}" type="datetimeFigureOut">
               <a:rPr lang="en-US" smtClean="0"/>
-              <a:t>5/12/16</a:t>
+              <a:t>5/16/16</a:t>
             </a:fld>
             <a:endParaRPr lang="en-US"/>
           </a:p>
@@ -2810,7 +2810,7 @@
           <a:p>
             <a:fld id="{73A4B2A3-D9DC-064E-90FE-771C025222F9}" type="datetimeFigureOut">
               <a:rPr lang="en-US" smtClean="0"/>
-              <a:t>5/12/16</a:t>
+              <a:t>5/16/16</a:t>
             </a:fld>
             <a:endParaRPr lang="en-US"/>
           </a:p>
@@ -3063,7 +3063,7 @@
           <a:p>
             <a:fld id="{73A4B2A3-D9DC-064E-90FE-771C025222F9}" type="datetimeFigureOut">
               <a:rPr lang="en-US" smtClean="0"/>
-              <a:t>5/12/16</a:t>
+              <a:t>5/16/16</a:t>
             </a:fld>
             <a:endParaRPr lang="en-US"/>
           </a:p>
@@ -3276,7 +3276,7 @@
           <a:p>
             <a:fld id="{73A4B2A3-D9DC-064E-90FE-771C025222F9}" type="datetimeFigureOut">
               <a:rPr lang="en-US" smtClean="0"/>
-              <a:t>5/12/16</a:t>
+              <a:t>5/16/16</a:t>
             </a:fld>
             <a:endParaRPr lang="en-US"/>
           </a:p>
@@ -20011,42 +20011,36 @@
       </p:grpSpPr>
       <p:grpSp>
         <p:nvGrpSpPr>
-          <p:cNvPr id="15" name="Group 14"/>
+          <p:cNvPr id="8" name="Group 7"/>
           <p:cNvGrpSpPr/>
           <p:nvPr/>
         </p:nvGrpSpPr>
         <p:grpSpPr>
           <a:xfrm>
-            <a:off x="-5660082" y="1523999"/>
-            <a:ext cx="18183076" cy="3527778"/>
-            <a:chOff x="-5660082" y="1523999"/>
-            <a:chExt cx="18183076" cy="3527778"/>
+            <a:off x="-3108583" y="1523999"/>
+            <a:ext cx="18062982" cy="3527778"/>
+            <a:chOff x="-3108583" y="1523999"/>
+            <a:chExt cx="18062982" cy="3527778"/>
           </a:xfrm>
         </p:grpSpPr>
         <p:pic>
           <p:nvPicPr>
-            <p:cNvPr id="9" name="Picture 8" descr="exp1.pdf"/>
+            <p:cNvPr id="2" name="Picture 1"/>
             <p:cNvPicPr>
               <a:picLocks noChangeAspect="1"/>
             </p:cNvPicPr>
             <p:nvPr/>
           </p:nvPicPr>
           <p:blipFill>
-            <a:blip r:embed="rId2">
-              <a:extLst>
-                <a:ext uri="{28A0092B-C50C-407E-A947-70E740481C1C}">
-                  <a14:useLocalDpi xmlns:a14="http://schemas.microsoft.com/office/drawing/2010/main" val="0"/>
-                </a:ext>
-              </a:extLst>
-            </a:blip>
+            <a:blip r:embed="rId2"/>
             <a:stretch>
               <a:fillRect/>
             </a:stretch>
           </p:blipFill>
           <p:spPr>
             <a:xfrm>
-              <a:off x="-1153978" y="1523999"/>
-              <a:ext cx="4578202" cy="3527778"/>
+              <a:off x="5903625" y="1523999"/>
+              <a:ext cx="4530206" cy="3527778"/>
             </a:xfrm>
             <a:prstGeom prst="rect">
               <a:avLst/>
@@ -20055,27 +20049,45 @@
         </p:pic>
         <p:pic>
           <p:nvPicPr>
-            <p:cNvPr id="10" name="Picture 9" descr="exp0.pdf"/>
+            <p:cNvPr id="3" name="Picture 2"/>
             <p:cNvPicPr>
               <a:picLocks noChangeAspect="1"/>
             </p:cNvPicPr>
             <p:nvPr/>
           </p:nvPicPr>
           <p:blipFill>
-            <a:blip r:embed="rId3">
-              <a:extLst>
-                <a:ext uri="{28A0092B-C50C-407E-A947-70E740481C1C}">
-                  <a14:useLocalDpi xmlns:a14="http://schemas.microsoft.com/office/drawing/2010/main" val="0"/>
-                </a:ext>
-              </a:extLst>
-            </a:blip>
+            <a:blip r:embed="rId3"/>
             <a:stretch>
               <a:fillRect/>
             </a:stretch>
           </p:blipFill>
           <p:spPr>
             <a:xfrm>
-              <a:off x="-5660082" y="1523999"/>
+              <a:off x="10433831" y="1523999"/>
+              <a:ext cx="4520568" cy="3527778"/>
+            </a:xfrm>
+            <a:prstGeom prst="rect">
+              <a:avLst/>
+            </a:prstGeom>
+          </p:spPr>
+        </p:pic>
+        <p:pic>
+          <p:nvPicPr>
+            <p:cNvPr id="5" name="Picture 4"/>
+            <p:cNvPicPr>
+              <a:picLocks noChangeAspect="1"/>
+            </p:cNvPicPr>
+            <p:nvPr/>
+          </p:nvPicPr>
+          <p:blipFill>
+            <a:blip r:embed="rId4"/>
+            <a:stretch>
+              <a:fillRect/>
+            </a:stretch>
+          </p:blipFill>
+          <p:spPr>
+            <a:xfrm>
+              <a:off x="1397521" y="1523999"/>
               <a:ext cx="4506104" cy="3527778"/>
             </a:xfrm>
             <a:prstGeom prst="rect">
@@ -20085,58 +20097,22 @@
         </p:pic>
         <p:pic>
           <p:nvPicPr>
-            <p:cNvPr id="13" name="Picture 12" descr="exp2.pdf"/>
+            <p:cNvPr id="6" name="Picture 5"/>
             <p:cNvPicPr>
               <a:picLocks noChangeAspect="1"/>
             </p:cNvPicPr>
             <p:nvPr/>
           </p:nvPicPr>
           <p:blipFill>
-            <a:blip r:embed="rId4">
-              <a:extLst>
-                <a:ext uri="{28A0092B-C50C-407E-A947-70E740481C1C}">
-                  <a14:useLocalDpi xmlns:a14="http://schemas.microsoft.com/office/drawing/2010/main" val="0"/>
-                </a:ext>
-              </a:extLst>
-            </a:blip>
+            <a:blip r:embed="rId5"/>
             <a:stretch>
               <a:fillRect/>
             </a:stretch>
           </p:blipFill>
           <p:spPr>
             <a:xfrm>
-              <a:off x="3424224" y="1523999"/>
-              <a:ext cx="4578202" cy="3527778"/>
-            </a:xfrm>
-            <a:prstGeom prst="rect">
-              <a:avLst/>
-            </a:prstGeom>
-          </p:spPr>
-        </p:pic>
-        <p:pic>
-          <p:nvPicPr>
-            <p:cNvPr id="14" name="Picture 13" descr="exp3.pdf"/>
-            <p:cNvPicPr>
-              <a:picLocks noChangeAspect="1"/>
-            </p:cNvPicPr>
-            <p:nvPr/>
-          </p:nvPicPr>
-          <p:blipFill>
-            <a:blip r:embed="rId5">
-              <a:extLst>
-                <a:ext uri="{28A0092B-C50C-407E-A947-70E740481C1C}">
-                  <a14:useLocalDpi xmlns:a14="http://schemas.microsoft.com/office/drawing/2010/main" val="0"/>
-                </a:ext>
-              </a:extLst>
-            </a:blip>
-            <a:stretch>
-              <a:fillRect/>
-            </a:stretch>
-          </p:blipFill>
-          <p:spPr>
-            <a:xfrm>
-              <a:off x="8002426" y="1523999"/>
-              <a:ext cx="4520568" cy="3527778"/>
+              <a:off x="-3108583" y="1523999"/>
+              <a:ext cx="4506104" cy="3527778"/>
             </a:xfrm>
             <a:prstGeom prst="rect">
               <a:avLst/>

--- a/figs/figs.pptx
+++ b/figs/figs.pptx
@@ -128,7 +128,7 @@
   </p:defaultTextStyle>
   <p:extLst>
     <p:ext uri="{EFAFB233-063F-42B5-8137-9DF3F51BA10A}">
-      <p15:sldGuideLst xmlns:p15="http://schemas.microsoft.com/office/powerpoint/2012/main" xmlns="">
+      <p15:sldGuideLst xmlns="" xmlns:p15="http://schemas.microsoft.com/office/powerpoint/2012/main">
         <p15:guide id="1" orient="horz" pos="2160">
           <p15:clr>
             <a:srgbClr val="A4A3A4"/>
@@ -227,7 +227,7 @@
           <a:p>
             <a:fld id="{347ECA95-75C3-5E48-946C-F7960CA43F88}" type="datetimeFigureOut">
               <a:rPr lang="en-US" smtClean="0"/>
-              <a:t>5/16/16</a:t>
+              <a:t>5/23/16</a:t>
             </a:fld>
             <a:endParaRPr lang="en-US"/>
           </a:p>
@@ -844,7 +844,7 @@
           <a:p>
             <a:fld id="{73A4B2A3-D9DC-064E-90FE-771C025222F9}" type="datetimeFigureOut">
               <a:rPr lang="en-US" smtClean="0"/>
-              <a:t>5/16/16</a:t>
+              <a:t>5/23/16</a:t>
             </a:fld>
             <a:endParaRPr lang="en-US"/>
           </a:p>
@@ -1014,7 +1014,7 @@
           <a:p>
             <a:fld id="{73A4B2A3-D9DC-064E-90FE-771C025222F9}" type="datetimeFigureOut">
               <a:rPr lang="en-US" smtClean="0"/>
-              <a:t>5/16/16</a:t>
+              <a:t>5/23/16</a:t>
             </a:fld>
             <a:endParaRPr lang="en-US"/>
           </a:p>
@@ -1194,7 +1194,7 @@
           <a:p>
             <a:fld id="{73A4B2A3-D9DC-064E-90FE-771C025222F9}" type="datetimeFigureOut">
               <a:rPr lang="en-US" smtClean="0"/>
-              <a:t>5/16/16</a:t>
+              <a:t>5/23/16</a:t>
             </a:fld>
             <a:endParaRPr lang="en-US"/>
           </a:p>
@@ -1364,7 +1364,7 @@
           <a:p>
             <a:fld id="{73A4B2A3-D9DC-064E-90FE-771C025222F9}" type="datetimeFigureOut">
               <a:rPr lang="en-US" smtClean="0"/>
-              <a:t>5/16/16</a:t>
+              <a:t>5/23/16</a:t>
             </a:fld>
             <a:endParaRPr lang="en-US"/>
           </a:p>
@@ -1610,7 +1610,7 @@
           <a:p>
             <a:fld id="{73A4B2A3-D9DC-064E-90FE-771C025222F9}" type="datetimeFigureOut">
               <a:rPr lang="en-US" smtClean="0"/>
-              <a:t>5/16/16</a:t>
+              <a:t>5/23/16</a:t>
             </a:fld>
             <a:endParaRPr lang="en-US"/>
           </a:p>
@@ -1898,7 +1898,7 @@
           <a:p>
             <a:fld id="{73A4B2A3-D9DC-064E-90FE-771C025222F9}" type="datetimeFigureOut">
               <a:rPr lang="en-US" smtClean="0"/>
-              <a:t>5/16/16</a:t>
+              <a:t>5/23/16</a:t>
             </a:fld>
             <a:endParaRPr lang="en-US"/>
           </a:p>
@@ -2320,7 +2320,7 @@
           <a:p>
             <a:fld id="{73A4B2A3-D9DC-064E-90FE-771C025222F9}" type="datetimeFigureOut">
               <a:rPr lang="en-US" smtClean="0"/>
-              <a:t>5/16/16</a:t>
+              <a:t>5/23/16</a:t>
             </a:fld>
             <a:endParaRPr lang="en-US"/>
           </a:p>
@@ -2438,7 +2438,7 @@
           <a:p>
             <a:fld id="{73A4B2A3-D9DC-064E-90FE-771C025222F9}" type="datetimeFigureOut">
               <a:rPr lang="en-US" smtClean="0"/>
-              <a:t>5/16/16</a:t>
+              <a:t>5/23/16</a:t>
             </a:fld>
             <a:endParaRPr lang="en-US"/>
           </a:p>
@@ -2533,7 +2533,7 @@
           <a:p>
             <a:fld id="{73A4B2A3-D9DC-064E-90FE-771C025222F9}" type="datetimeFigureOut">
               <a:rPr lang="en-US" smtClean="0"/>
-              <a:t>5/16/16</a:t>
+              <a:t>5/23/16</a:t>
             </a:fld>
             <a:endParaRPr lang="en-US"/>
           </a:p>
@@ -2810,7 +2810,7 @@
           <a:p>
             <a:fld id="{73A4B2A3-D9DC-064E-90FE-771C025222F9}" type="datetimeFigureOut">
               <a:rPr lang="en-US" smtClean="0"/>
-              <a:t>5/16/16</a:t>
+              <a:t>5/23/16</a:t>
             </a:fld>
             <a:endParaRPr lang="en-US"/>
           </a:p>
@@ -3063,7 +3063,7 @@
           <a:p>
             <a:fld id="{73A4B2A3-D9DC-064E-90FE-771C025222F9}" type="datetimeFigureOut">
               <a:rPr lang="en-US" smtClean="0"/>
-              <a:t>5/16/16</a:t>
+              <a:t>5/23/16</a:t>
             </a:fld>
             <a:endParaRPr lang="en-US"/>
           </a:p>
@@ -3276,7 +3276,7 @@
           <a:p>
             <a:fld id="{73A4B2A3-D9DC-064E-90FE-771C025222F9}" type="datetimeFigureOut">
               <a:rPr lang="en-US" smtClean="0"/>
-              <a:t>5/16/16</a:t>
+              <a:t>5/23/16</a:t>
             </a:fld>
             <a:endParaRPr lang="en-US"/>
           </a:p>
@@ -13024,27 +13024,27 @@
       </p:grpSpPr>
       <p:grpSp>
         <p:nvGrpSpPr>
-          <p:cNvPr id="16" name="Group 15"/>
+          <p:cNvPr id="7" name="Group 6"/>
           <p:cNvGrpSpPr/>
           <p:nvPr/>
         </p:nvGrpSpPr>
         <p:grpSpPr>
           <a:xfrm>
-            <a:off x="-6883" y="882014"/>
-            <a:ext cx="11341739" cy="3758058"/>
-            <a:chOff x="299105" y="761991"/>
-            <a:chExt cx="11341739" cy="3758058"/>
+            <a:off x="-6883" y="842328"/>
+            <a:ext cx="11341739" cy="3797744"/>
+            <a:chOff x="-6883" y="842328"/>
+            <a:chExt cx="11341739" cy="3797744"/>
           </a:xfrm>
         </p:grpSpPr>
         <p:grpSp>
           <p:nvGrpSpPr>
-            <p:cNvPr id="15" name="Group 14"/>
+            <p:cNvPr id="16" name="Group 15"/>
             <p:cNvGrpSpPr/>
             <p:nvPr/>
           </p:nvGrpSpPr>
           <p:grpSpPr>
             <a:xfrm>
-              <a:off x="299105" y="761991"/>
+              <a:off x="-6883" y="882014"/>
               <a:ext cx="11341739" cy="3758058"/>
               <a:chOff x="299105" y="761991"/>
               <a:chExt cx="11341739" cy="3758058"/>
@@ -13052,27 +13052,27 @@
           </p:grpSpPr>
           <p:grpSp>
             <p:nvGrpSpPr>
-              <p:cNvPr id="5" name="Group 4"/>
+              <p:cNvPr id="15" name="Group 14"/>
               <p:cNvGrpSpPr/>
               <p:nvPr/>
             </p:nvGrpSpPr>
             <p:grpSpPr>
               <a:xfrm>
-                <a:off x="307236" y="761991"/>
-                <a:ext cx="11333608" cy="3758058"/>
-                <a:chOff x="1012185" y="816101"/>
-                <a:chExt cx="11333608" cy="3758058"/>
+                <a:off x="299105" y="761991"/>
+                <a:ext cx="11341739" cy="3758058"/>
+                <a:chOff x="299105" y="761991"/>
+                <a:chExt cx="11341739" cy="3758058"/>
               </a:xfrm>
             </p:grpSpPr>
             <p:grpSp>
               <p:nvGrpSpPr>
-                <p:cNvPr id="4" name="Group 3"/>
+                <p:cNvPr id="5" name="Group 4"/>
                 <p:cNvGrpSpPr/>
                 <p:nvPr/>
               </p:nvGrpSpPr>
               <p:grpSpPr>
                 <a:xfrm>
-                  <a:off x="1012185" y="816101"/>
+                  <a:off x="307236" y="761991"/>
                   <a:ext cx="11333608" cy="3758058"/>
                   <a:chOff x="1012185" y="816101"/>
                   <a:chExt cx="11333608" cy="3758058"/>
@@ -13080,7 +13080,7 @@
               </p:grpSpPr>
               <p:grpSp>
                 <p:nvGrpSpPr>
-                  <p:cNvPr id="84" name="Group 83"/>
+                  <p:cNvPr id="4" name="Group 3"/>
                   <p:cNvGrpSpPr/>
                   <p:nvPr/>
                 </p:nvGrpSpPr>
@@ -13092,134 +13092,1336 @@
                     <a:chExt cx="11333608" cy="3758058"/>
                   </a:xfrm>
                 </p:grpSpPr>
-                <p:cxnSp>
-                  <p:nvCxnSpPr>
-                    <p:cNvPr id="76" name="Straight Connector 75"/>
-                    <p:cNvCxnSpPr/>
+                <p:grpSp>
+                  <p:nvGrpSpPr>
+                    <p:cNvPr id="84" name="Group 83"/>
+                    <p:cNvGrpSpPr/>
                     <p:nvPr/>
-                  </p:nvCxnSpPr>
-                  <p:spPr>
-                    <a:xfrm flipH="1" flipV="1">
-                      <a:off x="10772070" y="816101"/>
-                      <a:ext cx="1403684" cy="2874210"/>
+                  </p:nvGrpSpPr>
+                  <p:grpSpPr>
+                    <a:xfrm>
+                      <a:off x="1012185" y="816101"/>
+                      <a:ext cx="11333608" cy="3758058"/>
+                      <a:chOff x="1012185" y="816101"/>
+                      <a:chExt cx="11333608" cy="3758058"/>
                     </a:xfrm>
-                    <a:prstGeom prst="line">
-                      <a:avLst/>
-                    </a:prstGeom>
-                    <a:ln w="50800">
+                  </p:grpSpPr>
+                  <p:cxnSp>
+                    <p:nvCxnSpPr>
+                      <p:cNvPr id="76" name="Straight Connector 75"/>
+                      <p:cNvCxnSpPr/>
+                      <p:nvPr/>
+                    </p:nvCxnSpPr>
+                    <p:spPr>
+                      <a:xfrm flipH="1" flipV="1">
+                        <a:off x="10772070" y="816101"/>
+                        <a:ext cx="1403684" cy="2874210"/>
+                      </a:xfrm>
+                      <a:prstGeom prst="line">
+                        <a:avLst/>
+                      </a:prstGeom>
+                      <a:ln w="50800">
+                        <a:solidFill>
+                          <a:srgbClr val="FF0000"/>
+                        </a:solidFill>
+                      </a:ln>
+                      <a:effectLst/>
+                    </p:spPr>
+                    <p:style>
+                      <a:lnRef idx="2">
+                        <a:schemeClr val="accent1"/>
+                      </a:lnRef>
+                      <a:fillRef idx="0">
+                        <a:schemeClr val="accent1"/>
+                      </a:fillRef>
+                      <a:effectRef idx="1">
+                        <a:schemeClr val="accent1"/>
+                      </a:effectRef>
+                      <a:fontRef idx="minor">
+                        <a:schemeClr val="tx1"/>
+                      </a:fontRef>
+                    </p:style>
+                  </p:cxnSp>
+                  <p:cxnSp>
+                    <p:nvCxnSpPr>
+                      <p:cNvPr id="12" name="Straight Arrow Connector 11"/>
+                      <p:cNvCxnSpPr/>
+                      <p:nvPr/>
+                    </p:nvCxnSpPr>
+                    <p:spPr>
+                      <a:xfrm flipV="1">
+                        <a:off x="1012185" y="951960"/>
+                        <a:ext cx="0" cy="3116380"/>
+                      </a:xfrm>
+                      <a:prstGeom prst="straightConnector1">
+                        <a:avLst/>
+                      </a:prstGeom>
+                      <a:ln w="50800">
+                        <a:solidFill>
+                          <a:schemeClr val="tx1"/>
+                        </a:solidFill>
+                        <a:tailEnd type="triangle"/>
+                      </a:ln>
+                      <a:effectLst/>
+                    </p:spPr>
+                    <p:style>
+                      <a:lnRef idx="2">
+                        <a:schemeClr val="accent1"/>
+                      </a:lnRef>
+                      <a:fillRef idx="0">
+                        <a:schemeClr val="accent1"/>
+                      </a:fillRef>
+                      <a:effectRef idx="1">
+                        <a:schemeClr val="accent1"/>
+                      </a:effectRef>
+                      <a:fontRef idx="minor">
+                        <a:schemeClr val="tx1"/>
+                      </a:fontRef>
+                    </p:style>
+                  </p:cxnSp>
+                  <p:cxnSp>
+                    <p:nvCxnSpPr>
+                      <p:cNvPr id="13" name="Straight Arrow Connector 12"/>
+                      <p:cNvCxnSpPr/>
+                      <p:nvPr/>
+                    </p:nvCxnSpPr>
+                    <p:spPr>
+                      <a:xfrm flipV="1">
+                        <a:off x="1012185" y="4046879"/>
+                        <a:ext cx="3482804" cy="21461"/>
+                      </a:xfrm>
+                      <a:prstGeom prst="straightConnector1">
+                        <a:avLst/>
+                      </a:prstGeom>
+                      <a:ln w="50800">
+                        <a:solidFill>
+                          <a:schemeClr val="tx1"/>
+                        </a:solidFill>
+                        <a:tailEnd type="triangle"/>
+                      </a:ln>
+                      <a:effectLst/>
+                    </p:spPr>
+                    <p:style>
+                      <a:lnRef idx="2">
+                        <a:schemeClr val="accent1"/>
+                      </a:lnRef>
+                      <a:fillRef idx="0">
+                        <a:schemeClr val="accent1"/>
+                      </a:fillRef>
+                      <a:effectRef idx="1">
+                        <a:schemeClr val="accent1"/>
+                      </a:effectRef>
+                      <a:fontRef idx="minor">
+                        <a:schemeClr val="tx1"/>
+                      </a:fontRef>
+                    </p:style>
+                  </p:cxnSp>
+                  <p:sp>
+                    <p:nvSpPr>
+                      <p:cNvPr id="25" name="Multiply 24"/>
+                      <p:cNvSpPr/>
+                      <p:nvPr/>
+                    </p:nvSpPr>
+                    <p:spPr>
+                      <a:xfrm>
+                        <a:off x="2991351" y="1143643"/>
+                        <a:ext cx="405915" cy="405915"/>
+                      </a:xfrm>
+                      <a:prstGeom prst="mathMultiply">
+                        <a:avLst/>
+                      </a:prstGeom>
                       <a:solidFill>
-                        <a:srgbClr val="FF0000"/>
+                        <a:srgbClr val="00FF66"/>
                       </a:solidFill>
-                    </a:ln>
-                    <a:effectLst/>
-                  </p:spPr>
-                  <p:style>
-                    <a:lnRef idx="2">
-                      <a:schemeClr val="accent1"/>
-                    </a:lnRef>
-                    <a:fillRef idx="0">
-                      <a:schemeClr val="accent1"/>
-                    </a:fillRef>
-                    <a:effectRef idx="1">
-                      <a:schemeClr val="accent1"/>
-                    </a:effectRef>
-                    <a:fontRef idx="minor">
-                      <a:schemeClr val="tx1"/>
-                    </a:fontRef>
-                  </p:style>
-                </p:cxnSp>
-                <p:cxnSp>
-                  <p:nvCxnSpPr>
-                    <p:cNvPr id="12" name="Straight Arrow Connector 11"/>
-                    <p:cNvCxnSpPr/>
-                    <p:nvPr/>
-                  </p:nvCxnSpPr>
-                  <p:spPr>
-                    <a:xfrm flipV="1">
-                      <a:off x="1012185" y="951960"/>
-                      <a:ext cx="0" cy="3116380"/>
-                    </a:xfrm>
-                    <a:prstGeom prst="straightConnector1">
-                      <a:avLst/>
-                    </a:prstGeom>
-                    <a:ln w="50800">
+                      <a:ln>
+                        <a:solidFill>
+                          <a:schemeClr val="tx1"/>
+                        </a:solidFill>
+                      </a:ln>
+                      <a:effectLst/>
+                    </p:spPr>
+                    <p:style>
+                      <a:lnRef idx="1">
+                        <a:schemeClr val="accent1"/>
+                      </a:lnRef>
+                      <a:fillRef idx="3">
+                        <a:schemeClr val="accent1"/>
+                      </a:fillRef>
+                      <a:effectRef idx="2">
+                        <a:schemeClr val="accent1"/>
+                      </a:effectRef>
+                      <a:fontRef idx="minor">
+                        <a:schemeClr val="lt1"/>
+                      </a:fontRef>
+                    </p:style>
+                    <p:txBody>
+                      <a:bodyPr rtlCol="0" anchor="ctr"/>
+                      <a:lstStyle/>
+                      <a:p>
+                        <a:pPr algn="ctr"/>
+                        <a:endParaRPr lang="en-US"/>
+                      </a:p>
+                    </p:txBody>
+                  </p:sp>
+                  <p:sp>
+                    <p:nvSpPr>
+                      <p:cNvPr id="26" name="Multiply 25"/>
+                      <p:cNvSpPr/>
+                      <p:nvPr/>
+                    </p:nvSpPr>
+                    <p:spPr>
+                      <a:xfrm>
+                        <a:off x="3043566" y="1776881"/>
+                        <a:ext cx="405915" cy="405915"/>
+                      </a:xfrm>
+                      <a:prstGeom prst="mathMultiply">
+                        <a:avLst/>
+                      </a:prstGeom>
                       <a:solidFill>
+                        <a:srgbClr val="00FF66"/>
+                      </a:solidFill>
+                      <a:ln>
+                        <a:solidFill>
+                          <a:schemeClr val="tx1"/>
+                        </a:solidFill>
+                      </a:ln>
+                      <a:effectLst/>
+                    </p:spPr>
+                    <p:style>
+                      <a:lnRef idx="1">
+                        <a:schemeClr val="accent1"/>
+                      </a:lnRef>
+                      <a:fillRef idx="3">
+                        <a:schemeClr val="accent1"/>
+                      </a:fillRef>
+                      <a:effectRef idx="2">
+                        <a:schemeClr val="accent1"/>
+                      </a:effectRef>
+                      <a:fontRef idx="minor">
+                        <a:schemeClr val="lt1"/>
+                      </a:fontRef>
+                    </p:style>
+                    <p:txBody>
+                      <a:bodyPr rtlCol="0" anchor="ctr"/>
+                      <a:lstStyle/>
+                      <a:p>
+                        <a:pPr algn="ctr"/>
+                        <a:endParaRPr lang="en-US"/>
+                      </a:p>
+                    </p:txBody>
+                  </p:sp>
+                  <p:sp>
+                    <p:nvSpPr>
+                      <p:cNvPr id="27" name="Multiply 26"/>
+                      <p:cNvSpPr/>
+                      <p:nvPr/>
+                    </p:nvSpPr>
+                    <p:spPr>
+                      <a:xfrm>
+                        <a:off x="3189980" y="2278086"/>
+                        <a:ext cx="405915" cy="405915"/>
+                      </a:xfrm>
+                      <a:prstGeom prst="mathMultiply">
+                        <a:avLst/>
+                      </a:prstGeom>
+                      <a:solidFill>
+                        <a:srgbClr val="00FF66"/>
+                      </a:solidFill>
+                      <a:ln>
+                        <a:solidFill>
+                          <a:schemeClr val="tx1"/>
+                        </a:solidFill>
+                      </a:ln>
+                      <a:effectLst/>
+                    </p:spPr>
+                    <p:style>
+                      <a:lnRef idx="1">
+                        <a:schemeClr val="accent1"/>
+                      </a:lnRef>
+                      <a:fillRef idx="3">
+                        <a:schemeClr val="accent1"/>
+                      </a:fillRef>
+                      <a:effectRef idx="2">
+                        <a:schemeClr val="accent1"/>
+                      </a:effectRef>
+                      <a:fontRef idx="minor">
+                        <a:schemeClr val="lt1"/>
+                      </a:fontRef>
+                    </p:style>
+                    <p:txBody>
+                      <a:bodyPr rtlCol="0" anchor="ctr"/>
+                      <a:lstStyle/>
+                      <a:p>
+                        <a:pPr algn="ctr"/>
+                        <a:endParaRPr lang="en-US"/>
+                      </a:p>
+                    </p:txBody>
+                  </p:sp>
+                  <p:sp>
+                    <p:nvSpPr>
+                      <p:cNvPr id="28" name="Multiply 27"/>
+                      <p:cNvSpPr/>
+                      <p:nvPr/>
+                    </p:nvSpPr>
+                    <p:spPr>
+                      <a:xfrm>
+                        <a:off x="3449481" y="1904915"/>
+                        <a:ext cx="405915" cy="405915"/>
+                      </a:xfrm>
+                      <a:prstGeom prst="mathMultiply">
+                        <a:avLst/>
+                      </a:prstGeom>
+                      <a:solidFill>
+                        <a:srgbClr val="00FF66"/>
+                      </a:solidFill>
+                      <a:ln>
+                        <a:solidFill>
+                          <a:schemeClr val="tx1"/>
+                        </a:solidFill>
+                      </a:ln>
+                      <a:effectLst/>
+                    </p:spPr>
+                    <p:style>
+                      <a:lnRef idx="1">
+                        <a:schemeClr val="accent1"/>
+                      </a:lnRef>
+                      <a:fillRef idx="3">
+                        <a:schemeClr val="accent1"/>
+                      </a:fillRef>
+                      <a:effectRef idx="2">
+                        <a:schemeClr val="accent1"/>
+                      </a:effectRef>
+                      <a:fontRef idx="minor">
+                        <a:schemeClr val="lt1"/>
+                      </a:fontRef>
+                    </p:style>
+                    <p:txBody>
+                      <a:bodyPr rtlCol="0" anchor="ctr"/>
+                      <a:lstStyle/>
+                      <a:p>
+                        <a:pPr algn="ctr"/>
+                        <a:endParaRPr lang="en-US"/>
+                      </a:p>
+                    </p:txBody>
+                  </p:sp>
+                  <p:sp>
+                    <p:nvSpPr>
+                      <p:cNvPr id="29" name="Multiply 28"/>
+                      <p:cNvSpPr/>
+                      <p:nvPr/>
+                    </p:nvSpPr>
+                    <p:spPr>
+                      <a:xfrm>
+                        <a:off x="3855396" y="1035421"/>
+                        <a:ext cx="405915" cy="405915"/>
+                      </a:xfrm>
+                      <a:prstGeom prst="mathMultiply">
+                        <a:avLst/>
+                      </a:prstGeom>
+                      <a:solidFill>
+                        <a:srgbClr val="00FF66"/>
+                      </a:solidFill>
+                      <a:ln>
+                        <a:solidFill>
+                          <a:schemeClr val="tx1"/>
+                        </a:solidFill>
+                      </a:ln>
+                      <a:effectLst/>
+                    </p:spPr>
+                    <p:style>
+                      <a:lnRef idx="1">
+                        <a:schemeClr val="accent1"/>
+                      </a:lnRef>
+                      <a:fillRef idx="3">
+                        <a:schemeClr val="accent1"/>
+                      </a:fillRef>
+                      <a:effectRef idx="2">
+                        <a:schemeClr val="accent1"/>
+                      </a:effectRef>
+                      <a:fontRef idx="minor">
+                        <a:schemeClr val="lt1"/>
+                      </a:fontRef>
+                    </p:style>
+                    <p:txBody>
+                      <a:bodyPr rtlCol="0" anchor="ctr"/>
+                      <a:lstStyle/>
+                      <a:p>
+                        <a:pPr algn="ctr"/>
+                        <a:endParaRPr lang="en-US"/>
+                      </a:p>
+                    </p:txBody>
+                  </p:sp>
+                  <p:sp>
+                    <p:nvSpPr>
+                      <p:cNvPr id="33" name="TextBox 32"/>
+                      <p:cNvSpPr txBox="1"/>
+                      <p:nvPr/>
+                    </p:nvSpPr>
+                    <p:spPr>
+                      <a:xfrm>
+                        <a:off x="1236114" y="4108154"/>
+                        <a:ext cx="2685351" cy="461665"/>
+                      </a:xfrm>
+                      <a:prstGeom prst="rect">
+                        <a:avLst/>
+                      </a:prstGeom>
+                      <a:noFill/>
+                    </p:spPr>
+                    <p:txBody>
+                      <a:bodyPr wrap="none" rtlCol="0">
+                        <a:spAutoFit/>
+                      </a:bodyPr>
+                      <a:lstStyle/>
+                      <a:p>
+                        <a:r>
+                          <a:rPr lang="en-US" sz="2400" dirty="0" smtClean="0">
+                            <a:latin typeface="Gill Sans"/>
+                            <a:cs typeface="Gill Sans"/>
+                          </a:rPr>
+                          <a:t>(a) Systematic Error</a:t>
+                        </a:r>
+                        <a:endParaRPr lang="en-US" sz="2400" dirty="0">
+                          <a:latin typeface="Gill Sans"/>
+                          <a:cs typeface="Gill Sans"/>
+                        </a:endParaRPr>
+                      </a:p>
+                    </p:txBody>
+                  </p:sp>
+                  <p:cxnSp>
+                    <p:nvCxnSpPr>
+                      <p:cNvPr id="34" name="Straight Arrow Connector 33"/>
+                      <p:cNvCxnSpPr/>
+                      <p:nvPr/>
+                    </p:nvCxnSpPr>
+                    <p:spPr>
+                      <a:xfrm flipV="1">
+                        <a:off x="4896162" y="922129"/>
+                        <a:ext cx="0" cy="3116380"/>
+                      </a:xfrm>
+                      <a:prstGeom prst="straightConnector1">
+                        <a:avLst/>
+                      </a:prstGeom>
+                      <a:ln w="50800">
+                        <a:solidFill>
+                          <a:schemeClr val="tx1"/>
+                        </a:solidFill>
+                        <a:tailEnd type="triangle"/>
+                      </a:ln>
+                      <a:effectLst/>
+                    </p:spPr>
+                    <p:style>
+                      <a:lnRef idx="2">
+                        <a:schemeClr val="accent1"/>
+                      </a:lnRef>
+                      <a:fillRef idx="0">
+                        <a:schemeClr val="accent1"/>
+                      </a:fillRef>
+                      <a:effectRef idx="1">
+                        <a:schemeClr val="accent1"/>
+                      </a:effectRef>
+                      <a:fontRef idx="minor">
                         <a:schemeClr val="tx1"/>
+                      </a:fontRef>
+                    </p:style>
+                  </p:cxnSp>
+                  <p:cxnSp>
+                    <p:nvCxnSpPr>
+                      <p:cNvPr id="35" name="Straight Arrow Connector 34"/>
+                      <p:cNvCxnSpPr/>
+                      <p:nvPr/>
+                    </p:nvCxnSpPr>
+                    <p:spPr>
+                      <a:xfrm flipV="1">
+                        <a:off x="4896162" y="4017048"/>
+                        <a:ext cx="3482804" cy="21461"/>
+                      </a:xfrm>
+                      <a:prstGeom prst="straightConnector1">
+                        <a:avLst/>
+                      </a:prstGeom>
+                      <a:ln w="50800">
+                        <a:solidFill>
+                          <a:schemeClr val="tx1"/>
+                        </a:solidFill>
+                        <a:tailEnd type="triangle"/>
+                      </a:ln>
+                      <a:effectLst/>
+                    </p:spPr>
+                    <p:style>
+                      <a:lnRef idx="2">
+                        <a:schemeClr val="accent1"/>
+                      </a:lnRef>
+                      <a:fillRef idx="0">
+                        <a:schemeClr val="accent1"/>
+                      </a:fillRef>
+                      <a:effectRef idx="1">
+                        <a:schemeClr val="accent1"/>
+                      </a:effectRef>
+                      <a:fontRef idx="minor">
+                        <a:schemeClr val="tx1"/>
+                      </a:fontRef>
+                    </p:style>
+                  </p:cxnSp>
+                  <p:sp>
+                    <p:nvSpPr>
+                      <p:cNvPr id="39" name="Multiply 38"/>
+                      <p:cNvSpPr/>
+                      <p:nvPr/>
+                    </p:nvSpPr>
+                    <p:spPr>
+                      <a:xfrm>
+                        <a:off x="6668041" y="1804529"/>
+                        <a:ext cx="405915" cy="405915"/>
+                      </a:xfrm>
+                      <a:prstGeom prst="mathMultiply">
+                        <a:avLst/>
+                      </a:prstGeom>
+                      <a:solidFill>
+                        <a:srgbClr val="00FF66"/>
                       </a:solidFill>
-                      <a:tailEnd type="triangle"/>
-                    </a:ln>
-                    <a:effectLst/>
-                  </p:spPr>
-                  <p:style>
-                    <a:lnRef idx="2">
-                      <a:schemeClr val="accent1"/>
-                    </a:lnRef>
-                    <a:fillRef idx="0">
-                      <a:schemeClr val="accent1"/>
-                    </a:fillRef>
-                    <a:effectRef idx="1">
-                      <a:schemeClr val="accent1"/>
-                    </a:effectRef>
-                    <a:fontRef idx="minor">
-                      <a:schemeClr val="tx1"/>
-                    </a:fontRef>
-                  </p:style>
-                </p:cxnSp>
-                <p:cxnSp>
-                  <p:nvCxnSpPr>
-                    <p:cNvPr id="13" name="Straight Arrow Connector 12"/>
-                    <p:cNvCxnSpPr/>
-                    <p:nvPr/>
-                  </p:nvCxnSpPr>
-                  <p:spPr>
-                    <a:xfrm flipV="1">
-                      <a:off x="1012185" y="4046879"/>
-                      <a:ext cx="3482804" cy="21461"/>
-                    </a:xfrm>
-                    <a:prstGeom prst="straightConnector1">
-                      <a:avLst/>
-                    </a:prstGeom>
-                    <a:ln w="50800">
+                      <a:ln>
+                        <a:solidFill>
+                          <a:schemeClr val="tx1"/>
+                        </a:solidFill>
+                      </a:ln>
+                      <a:effectLst/>
+                    </p:spPr>
+                    <p:style>
+                      <a:lnRef idx="1">
+                        <a:schemeClr val="accent1"/>
+                      </a:lnRef>
+                      <a:fillRef idx="3">
+                        <a:schemeClr val="accent1"/>
+                      </a:fillRef>
+                      <a:effectRef idx="2">
+                        <a:schemeClr val="accent1"/>
+                      </a:effectRef>
+                      <a:fontRef idx="minor">
+                        <a:schemeClr val="lt1"/>
+                      </a:fontRef>
+                    </p:style>
+                    <p:txBody>
+                      <a:bodyPr rtlCol="0" anchor="ctr"/>
+                      <a:lstStyle/>
+                      <a:p>
+                        <a:pPr algn="ctr"/>
+                        <a:endParaRPr lang="en-US"/>
+                      </a:p>
+                    </p:txBody>
+                  </p:sp>
+                  <p:sp>
+                    <p:nvSpPr>
+                      <p:cNvPr id="41" name="Multiply 40"/>
+                      <p:cNvSpPr/>
+                      <p:nvPr/>
+                    </p:nvSpPr>
+                    <p:spPr>
+                      <a:xfrm>
+                        <a:off x="6870999" y="2303486"/>
+                        <a:ext cx="405915" cy="405915"/>
+                      </a:xfrm>
+                      <a:prstGeom prst="mathMultiply">
+                        <a:avLst/>
+                      </a:prstGeom>
                       <a:solidFill>
+                        <a:srgbClr val="00FF66"/>
+                      </a:solidFill>
+                      <a:ln>
+                        <a:solidFill>
+                          <a:schemeClr val="tx1"/>
+                        </a:solidFill>
+                      </a:ln>
+                      <a:effectLst/>
+                    </p:spPr>
+                    <p:style>
+                      <a:lnRef idx="1">
+                        <a:schemeClr val="accent1"/>
+                      </a:lnRef>
+                      <a:fillRef idx="3">
+                        <a:schemeClr val="accent1"/>
+                      </a:fillRef>
+                      <a:effectRef idx="2">
+                        <a:schemeClr val="accent1"/>
+                      </a:effectRef>
+                      <a:fontRef idx="minor">
+                        <a:schemeClr val="lt1"/>
+                      </a:fontRef>
+                    </p:style>
+                    <p:txBody>
+                      <a:bodyPr rtlCol="0" anchor="ctr"/>
+                      <a:lstStyle/>
+                      <a:p>
+                        <a:pPr algn="ctr"/>
+                        <a:endParaRPr lang="en-US"/>
+                      </a:p>
+                    </p:txBody>
+                  </p:sp>
+                  <p:cxnSp>
+                    <p:nvCxnSpPr>
+                      <p:cNvPr id="42" name="Straight Connector 41"/>
+                      <p:cNvCxnSpPr/>
+                      <p:nvPr/>
+                    </p:nvCxnSpPr>
+                    <p:spPr>
+                      <a:xfrm flipH="1" flipV="1">
+                        <a:off x="4896162" y="1131637"/>
+                        <a:ext cx="3460202" cy="1885507"/>
+                      </a:xfrm>
+                      <a:prstGeom prst="line">
+                        <a:avLst/>
+                      </a:prstGeom>
+                      <a:ln w="50800">
+                        <a:solidFill>
+                          <a:srgbClr val="FF0000"/>
+                        </a:solidFill>
+                      </a:ln>
+                      <a:effectLst/>
+                    </p:spPr>
+                    <p:style>
+                      <a:lnRef idx="2">
+                        <a:schemeClr val="accent1"/>
+                      </a:lnRef>
+                      <a:fillRef idx="0">
+                        <a:schemeClr val="accent1"/>
+                      </a:fillRef>
+                      <a:effectRef idx="1">
+                        <a:schemeClr val="accent1"/>
+                      </a:effectRef>
+                      <a:fontRef idx="minor">
                         <a:schemeClr val="tx1"/>
+                      </a:fontRef>
+                    </p:style>
+                  </p:cxnSp>
+                  <p:sp>
+                    <p:nvSpPr>
+                      <p:cNvPr id="43" name="TextBox 42"/>
+                      <p:cNvSpPr txBox="1"/>
+                      <p:nvPr/>
+                    </p:nvSpPr>
+                    <p:spPr>
+                      <a:xfrm>
+                        <a:off x="4896162" y="4112494"/>
+                        <a:ext cx="3460202" cy="461665"/>
+                      </a:xfrm>
+                      <a:prstGeom prst="rect">
+                        <a:avLst/>
+                      </a:prstGeom>
+                      <a:noFill/>
+                    </p:spPr>
+                    <p:txBody>
+                      <a:bodyPr wrap="none" rtlCol="0">
+                        <a:spAutoFit/>
+                      </a:bodyPr>
+                      <a:lstStyle/>
+                      <a:p>
+                        <a:r>
+                          <a:rPr lang="en-US" sz="2400" dirty="0" smtClean="0">
+                            <a:latin typeface="Gill Sans"/>
+                            <a:cs typeface="Gill Sans"/>
+                          </a:rPr>
+                          <a:t>(b) Mixed Dirty and Clean</a:t>
+                        </a:r>
+                        <a:endParaRPr lang="en-US" sz="2400" dirty="0">
+                          <a:latin typeface="Gill Sans"/>
+                          <a:cs typeface="Gill Sans"/>
+                        </a:endParaRPr>
+                      </a:p>
+                    </p:txBody>
+                  </p:sp>
+                  <p:sp>
+                    <p:nvSpPr>
+                      <p:cNvPr id="44" name="Multiply 43"/>
+                      <p:cNvSpPr/>
+                      <p:nvPr/>
+                    </p:nvSpPr>
+                    <p:spPr>
+                      <a:xfrm>
+                        <a:off x="5200790" y="1093085"/>
+                        <a:ext cx="405915" cy="405915"/>
+                      </a:xfrm>
+                      <a:prstGeom prst="mathMultiply">
+                        <a:avLst/>
+                      </a:prstGeom>
+                      <a:solidFill>
+                        <a:schemeClr val="accent6">
+                          <a:lumMod val="50000"/>
+                          <a:alpha val="83000"/>
+                        </a:schemeClr>
                       </a:solidFill>
-                      <a:tailEnd type="triangle"/>
-                    </a:ln>
-                    <a:effectLst/>
-                  </p:spPr>
-                  <p:style>
-                    <a:lnRef idx="2">
-                      <a:schemeClr val="accent1"/>
-                    </a:lnRef>
-                    <a:fillRef idx="0">
-                      <a:schemeClr val="accent1"/>
-                    </a:fillRef>
-                    <a:effectRef idx="1">
-                      <a:schemeClr val="accent1"/>
-                    </a:effectRef>
-                    <a:fontRef idx="minor">
-                      <a:schemeClr val="tx1"/>
-                    </a:fontRef>
-                  </p:style>
-                </p:cxnSp>
+                      <a:ln>
+                        <a:solidFill>
+                          <a:schemeClr val="tx1"/>
+                        </a:solidFill>
+                      </a:ln>
+                      <a:effectLst/>
+                    </p:spPr>
+                    <p:style>
+                      <a:lnRef idx="1">
+                        <a:schemeClr val="accent1"/>
+                      </a:lnRef>
+                      <a:fillRef idx="3">
+                        <a:schemeClr val="accent1"/>
+                      </a:fillRef>
+                      <a:effectRef idx="2">
+                        <a:schemeClr val="accent1"/>
+                      </a:effectRef>
+                      <a:fontRef idx="minor">
+                        <a:schemeClr val="lt1"/>
+                      </a:fontRef>
+                    </p:style>
+                    <p:txBody>
+                      <a:bodyPr rtlCol="0" anchor="ctr"/>
+                      <a:lstStyle/>
+                      <a:p>
+                        <a:pPr algn="ctr"/>
+                        <a:endParaRPr lang="en-US"/>
+                      </a:p>
+                    </p:txBody>
+                  </p:sp>
+                  <p:sp>
+                    <p:nvSpPr>
+                      <p:cNvPr id="45" name="Multiply 44"/>
+                      <p:cNvSpPr/>
+                      <p:nvPr/>
+                    </p:nvSpPr>
+                    <p:spPr>
+                      <a:xfrm>
+                        <a:off x="5606705" y="1979838"/>
+                        <a:ext cx="405915" cy="405915"/>
+                      </a:xfrm>
+                      <a:prstGeom prst="mathMultiply">
+                        <a:avLst/>
+                      </a:prstGeom>
+                      <a:solidFill>
+                        <a:schemeClr val="accent6">
+                          <a:lumMod val="50000"/>
+                          <a:alpha val="83000"/>
+                        </a:schemeClr>
+                      </a:solidFill>
+                      <a:ln>
+                        <a:solidFill>
+                          <a:schemeClr val="tx1"/>
+                        </a:solidFill>
+                      </a:ln>
+                      <a:effectLst/>
+                    </p:spPr>
+                    <p:style>
+                      <a:lnRef idx="1">
+                        <a:schemeClr val="accent1"/>
+                      </a:lnRef>
+                      <a:fillRef idx="3">
+                        <a:schemeClr val="accent1"/>
+                      </a:fillRef>
+                      <a:effectRef idx="2">
+                        <a:schemeClr val="accent1"/>
+                      </a:effectRef>
+                      <a:fontRef idx="minor">
+                        <a:schemeClr val="lt1"/>
+                      </a:fontRef>
+                    </p:style>
+                    <p:txBody>
+                      <a:bodyPr rtlCol="0" anchor="ctr"/>
+                      <a:lstStyle/>
+                      <a:p>
+                        <a:pPr algn="ctr"/>
+                        <a:endParaRPr lang="en-US"/>
+                      </a:p>
+                    </p:txBody>
+                  </p:sp>
+                  <p:sp>
+                    <p:nvSpPr>
+                      <p:cNvPr id="47" name="Multiply 46"/>
+                      <p:cNvSpPr/>
+                      <p:nvPr/>
+                    </p:nvSpPr>
+                    <p:spPr>
+                      <a:xfrm>
+                        <a:off x="6015940" y="1093085"/>
+                        <a:ext cx="405915" cy="405915"/>
+                      </a:xfrm>
+                      <a:prstGeom prst="mathMultiply">
+                        <a:avLst/>
+                      </a:prstGeom>
+                      <a:solidFill>
+                        <a:schemeClr val="accent6">
+                          <a:lumMod val="50000"/>
+                          <a:alpha val="83000"/>
+                        </a:schemeClr>
+                      </a:solidFill>
+                      <a:ln>
+                        <a:solidFill>
+                          <a:schemeClr val="tx1"/>
+                        </a:solidFill>
+                      </a:ln>
+                      <a:effectLst/>
+                    </p:spPr>
+                    <p:style>
+                      <a:lnRef idx="1">
+                        <a:schemeClr val="accent1"/>
+                      </a:lnRef>
+                      <a:fillRef idx="3">
+                        <a:schemeClr val="accent1"/>
+                      </a:fillRef>
+                      <a:effectRef idx="2">
+                        <a:schemeClr val="accent1"/>
+                      </a:effectRef>
+                      <a:fontRef idx="minor">
+                        <a:schemeClr val="lt1"/>
+                      </a:fontRef>
+                    </p:style>
+                    <p:txBody>
+                      <a:bodyPr rtlCol="0" anchor="ctr"/>
+                      <a:lstStyle/>
+                      <a:p>
+                        <a:pPr algn="ctr"/>
+                        <a:endParaRPr lang="en-US"/>
+                      </a:p>
+                    </p:txBody>
+                  </p:sp>
+                  <p:sp>
+                    <p:nvSpPr>
+                      <p:cNvPr id="52" name="Multiply 51"/>
+                      <p:cNvSpPr/>
+                      <p:nvPr/>
+                    </p:nvSpPr>
+                    <p:spPr>
+                      <a:xfrm>
+                        <a:off x="1253911" y="1134190"/>
+                        <a:ext cx="405915" cy="405915"/>
+                      </a:xfrm>
+                      <a:prstGeom prst="mathMultiply">
+                        <a:avLst/>
+                      </a:prstGeom>
+                      <a:solidFill>
+                        <a:schemeClr val="accent6">
+                          <a:lumMod val="50000"/>
+                          <a:alpha val="83000"/>
+                        </a:schemeClr>
+                      </a:solidFill>
+                      <a:ln>
+                        <a:solidFill>
+                          <a:schemeClr val="tx1"/>
+                        </a:solidFill>
+                      </a:ln>
+                      <a:effectLst/>
+                    </p:spPr>
+                    <p:style>
+                      <a:lnRef idx="1">
+                        <a:schemeClr val="accent1"/>
+                      </a:lnRef>
+                      <a:fillRef idx="3">
+                        <a:schemeClr val="accent1"/>
+                      </a:fillRef>
+                      <a:effectRef idx="2">
+                        <a:schemeClr val="accent1"/>
+                      </a:effectRef>
+                      <a:fontRef idx="minor">
+                        <a:schemeClr val="lt1"/>
+                      </a:fontRef>
+                    </p:style>
+                    <p:txBody>
+                      <a:bodyPr rtlCol="0" anchor="ctr"/>
+                      <a:lstStyle/>
+                      <a:p>
+                        <a:pPr algn="ctr"/>
+                        <a:endParaRPr lang="en-US"/>
+                      </a:p>
+                    </p:txBody>
+                  </p:sp>
+                  <p:sp>
+                    <p:nvSpPr>
+                      <p:cNvPr id="53" name="Multiply 52"/>
+                      <p:cNvSpPr/>
+                      <p:nvPr/>
+                    </p:nvSpPr>
+                    <p:spPr>
+                      <a:xfrm>
+                        <a:off x="1306126" y="1767428"/>
+                        <a:ext cx="405915" cy="405915"/>
+                      </a:xfrm>
+                      <a:prstGeom prst="mathMultiply">
+                        <a:avLst/>
+                      </a:prstGeom>
+                      <a:solidFill>
+                        <a:schemeClr val="accent6">
+                          <a:lumMod val="50000"/>
+                          <a:alpha val="83000"/>
+                        </a:schemeClr>
+                      </a:solidFill>
+                      <a:ln>
+                        <a:solidFill>
+                          <a:schemeClr val="tx1"/>
+                        </a:solidFill>
+                      </a:ln>
+                      <a:effectLst/>
+                    </p:spPr>
+                    <p:style>
+                      <a:lnRef idx="1">
+                        <a:schemeClr val="accent1"/>
+                      </a:lnRef>
+                      <a:fillRef idx="3">
+                        <a:schemeClr val="accent1"/>
+                      </a:fillRef>
+                      <a:effectRef idx="2">
+                        <a:schemeClr val="accent1"/>
+                      </a:effectRef>
+                      <a:fontRef idx="minor">
+                        <a:schemeClr val="lt1"/>
+                      </a:fontRef>
+                    </p:style>
+                    <p:txBody>
+                      <a:bodyPr rtlCol="0" anchor="ctr"/>
+                      <a:lstStyle/>
+                      <a:p>
+                        <a:pPr algn="ctr"/>
+                        <a:endParaRPr lang="en-US"/>
+                      </a:p>
+                    </p:txBody>
+                  </p:sp>
+                  <p:sp>
+                    <p:nvSpPr>
+                      <p:cNvPr id="54" name="Multiply 53"/>
+                      <p:cNvSpPr/>
+                      <p:nvPr/>
+                    </p:nvSpPr>
+                    <p:spPr>
+                      <a:xfrm>
+                        <a:off x="1452540" y="2268633"/>
+                        <a:ext cx="405915" cy="405915"/>
+                      </a:xfrm>
+                      <a:prstGeom prst="mathMultiply">
+                        <a:avLst/>
+                      </a:prstGeom>
+                      <a:solidFill>
+                        <a:schemeClr val="accent6">
+                          <a:lumMod val="50000"/>
+                          <a:alpha val="83000"/>
+                        </a:schemeClr>
+                      </a:solidFill>
+                      <a:ln>
+                        <a:solidFill>
+                          <a:schemeClr val="tx1"/>
+                        </a:solidFill>
+                      </a:ln>
+                      <a:effectLst/>
+                    </p:spPr>
+                    <p:style>
+                      <a:lnRef idx="1">
+                        <a:schemeClr val="accent1"/>
+                      </a:lnRef>
+                      <a:fillRef idx="3">
+                        <a:schemeClr val="accent1"/>
+                      </a:fillRef>
+                      <a:effectRef idx="2">
+                        <a:schemeClr val="accent1"/>
+                      </a:effectRef>
+                      <a:fontRef idx="minor">
+                        <a:schemeClr val="lt1"/>
+                      </a:fontRef>
+                    </p:style>
+                    <p:txBody>
+                      <a:bodyPr rtlCol="0" anchor="ctr"/>
+                      <a:lstStyle/>
+                      <a:p>
+                        <a:pPr algn="ctr"/>
+                        <a:endParaRPr lang="en-US"/>
+                      </a:p>
+                    </p:txBody>
+                  </p:sp>
+                  <p:sp>
+                    <p:nvSpPr>
+                      <p:cNvPr id="55" name="Multiply 54"/>
+                      <p:cNvSpPr/>
+                      <p:nvPr/>
+                    </p:nvSpPr>
+                    <p:spPr>
+                      <a:xfrm>
+                        <a:off x="1712041" y="1895462"/>
+                        <a:ext cx="405915" cy="405915"/>
+                      </a:xfrm>
+                      <a:prstGeom prst="mathMultiply">
+                        <a:avLst/>
+                      </a:prstGeom>
+                      <a:solidFill>
+                        <a:schemeClr val="accent6">
+                          <a:lumMod val="50000"/>
+                          <a:alpha val="83000"/>
+                        </a:schemeClr>
+                      </a:solidFill>
+                      <a:ln>
+                        <a:solidFill>
+                          <a:schemeClr val="tx1"/>
+                        </a:solidFill>
+                      </a:ln>
+                      <a:effectLst/>
+                    </p:spPr>
+                    <p:style>
+                      <a:lnRef idx="1">
+                        <a:schemeClr val="accent1"/>
+                      </a:lnRef>
+                      <a:fillRef idx="3">
+                        <a:schemeClr val="accent1"/>
+                      </a:fillRef>
+                      <a:effectRef idx="2">
+                        <a:schemeClr val="accent1"/>
+                      </a:effectRef>
+                      <a:fontRef idx="minor">
+                        <a:schemeClr val="lt1"/>
+                      </a:fontRef>
+                    </p:style>
+                    <p:txBody>
+                      <a:bodyPr rtlCol="0" anchor="ctr"/>
+                      <a:lstStyle/>
+                      <a:p>
+                        <a:pPr algn="ctr"/>
+                        <a:endParaRPr lang="en-US"/>
+                      </a:p>
+                    </p:txBody>
+                  </p:sp>
+                  <p:sp>
+                    <p:nvSpPr>
+                      <p:cNvPr id="56" name="Multiply 55"/>
+                      <p:cNvSpPr/>
+                      <p:nvPr/>
+                    </p:nvSpPr>
+                    <p:spPr>
+                      <a:xfrm>
+                        <a:off x="2065741" y="1035421"/>
+                        <a:ext cx="405915" cy="405915"/>
+                      </a:xfrm>
+                      <a:prstGeom prst="mathMultiply">
+                        <a:avLst/>
+                      </a:prstGeom>
+                      <a:solidFill>
+                        <a:schemeClr val="accent6">
+                          <a:lumMod val="50000"/>
+                          <a:alpha val="83000"/>
+                        </a:schemeClr>
+                      </a:solidFill>
+                      <a:ln>
+                        <a:solidFill>
+                          <a:schemeClr val="tx1"/>
+                        </a:solidFill>
+                      </a:ln>
+                      <a:effectLst/>
+                    </p:spPr>
+                    <p:style>
+                      <a:lnRef idx="1">
+                        <a:schemeClr val="accent1"/>
+                      </a:lnRef>
+                      <a:fillRef idx="3">
+                        <a:schemeClr val="accent1"/>
+                      </a:fillRef>
+                      <a:effectRef idx="2">
+                        <a:schemeClr val="accent1"/>
+                      </a:effectRef>
+                      <a:fontRef idx="minor">
+                        <a:schemeClr val="lt1"/>
+                      </a:fontRef>
+                    </p:style>
+                    <p:txBody>
+                      <a:bodyPr rtlCol="0" anchor="ctr"/>
+                      <a:lstStyle/>
+                      <a:p>
+                        <a:pPr algn="ctr"/>
+                        <a:endParaRPr lang="en-US"/>
+                      </a:p>
+                    </p:txBody>
+                  </p:sp>
+                  <p:cxnSp>
+                    <p:nvCxnSpPr>
+                      <p:cNvPr id="72" name="Straight Arrow Connector 71"/>
+                      <p:cNvCxnSpPr/>
+                      <p:nvPr/>
+                    </p:nvCxnSpPr>
+                    <p:spPr>
+                      <a:xfrm flipV="1">
+                        <a:off x="8862989" y="932859"/>
+                        <a:ext cx="0" cy="3116380"/>
+                      </a:xfrm>
+                      <a:prstGeom prst="straightConnector1">
+                        <a:avLst/>
+                      </a:prstGeom>
+                      <a:ln w="50800">
+                        <a:solidFill>
+                          <a:schemeClr val="tx1"/>
+                        </a:solidFill>
+                        <a:tailEnd type="triangle"/>
+                      </a:ln>
+                      <a:effectLst/>
+                    </p:spPr>
+                    <p:style>
+                      <a:lnRef idx="2">
+                        <a:schemeClr val="accent1"/>
+                      </a:lnRef>
+                      <a:fillRef idx="0">
+                        <a:schemeClr val="accent1"/>
+                      </a:fillRef>
+                      <a:effectRef idx="1">
+                        <a:schemeClr val="accent1"/>
+                      </a:effectRef>
+                      <a:fontRef idx="minor">
+                        <a:schemeClr val="tx1"/>
+                      </a:fontRef>
+                    </p:style>
+                  </p:cxnSp>
+                  <p:cxnSp>
+                    <p:nvCxnSpPr>
+                      <p:cNvPr id="73" name="Straight Arrow Connector 72"/>
+                      <p:cNvCxnSpPr/>
+                      <p:nvPr/>
+                    </p:nvCxnSpPr>
+                    <p:spPr>
+                      <a:xfrm flipV="1">
+                        <a:off x="8862989" y="4027778"/>
+                        <a:ext cx="3482804" cy="21461"/>
+                      </a:xfrm>
+                      <a:prstGeom prst="straightConnector1">
+                        <a:avLst/>
+                      </a:prstGeom>
+                      <a:ln w="50800">
+                        <a:solidFill>
+                          <a:schemeClr val="tx1"/>
+                        </a:solidFill>
+                        <a:tailEnd type="triangle"/>
+                      </a:ln>
+                      <a:effectLst/>
+                    </p:spPr>
+                    <p:style>
+                      <a:lnRef idx="2">
+                        <a:schemeClr val="accent1"/>
+                      </a:lnRef>
+                      <a:fillRef idx="0">
+                        <a:schemeClr val="accent1"/>
+                      </a:fillRef>
+                      <a:effectRef idx="1">
+                        <a:schemeClr val="accent1"/>
+                      </a:effectRef>
+                      <a:fontRef idx="minor">
+                        <a:schemeClr val="tx1"/>
+                      </a:fontRef>
+                    </p:style>
+                  </p:cxnSp>
+                  <p:sp>
+                    <p:nvSpPr>
+                      <p:cNvPr id="74" name="Multiply 73"/>
+                      <p:cNvSpPr/>
+                      <p:nvPr/>
+                    </p:nvSpPr>
+                    <p:spPr>
+                      <a:xfrm>
+                        <a:off x="11320175" y="2165580"/>
+                        <a:ext cx="405915" cy="405915"/>
+                      </a:xfrm>
+                      <a:prstGeom prst="mathMultiply">
+                        <a:avLst/>
+                      </a:prstGeom>
+                      <a:solidFill>
+                        <a:srgbClr val="00FF66"/>
+                      </a:solidFill>
+                      <a:ln>
+                        <a:solidFill>
+                          <a:schemeClr val="tx1"/>
+                        </a:solidFill>
+                      </a:ln>
+                      <a:effectLst/>
+                    </p:spPr>
+                    <p:style>
+                      <a:lnRef idx="1">
+                        <a:schemeClr val="accent1"/>
+                      </a:lnRef>
+                      <a:fillRef idx="3">
+                        <a:schemeClr val="accent1"/>
+                      </a:fillRef>
+                      <a:effectRef idx="2">
+                        <a:schemeClr val="accent1"/>
+                      </a:effectRef>
+                      <a:fontRef idx="minor">
+                        <a:schemeClr val="lt1"/>
+                      </a:fontRef>
+                    </p:style>
+                    <p:txBody>
+                      <a:bodyPr rtlCol="0" anchor="ctr"/>
+                      <a:lstStyle/>
+                      <a:p>
+                        <a:pPr algn="ctr"/>
+                        <a:endParaRPr lang="en-US"/>
+                      </a:p>
+                    </p:txBody>
+                  </p:sp>
+                  <p:sp>
+                    <p:nvSpPr>
+                      <p:cNvPr id="75" name="Multiply 74"/>
+                      <p:cNvSpPr/>
+                      <p:nvPr/>
+                    </p:nvSpPr>
+                    <p:spPr>
+                      <a:xfrm>
+                        <a:off x="11137493" y="1665164"/>
+                        <a:ext cx="405915" cy="405915"/>
+                      </a:xfrm>
+                      <a:prstGeom prst="mathMultiply">
+                        <a:avLst/>
+                      </a:prstGeom>
+                      <a:solidFill>
+                        <a:srgbClr val="00FF66"/>
+                      </a:solidFill>
+                      <a:ln>
+                        <a:solidFill>
+                          <a:schemeClr val="tx1"/>
+                        </a:solidFill>
+                      </a:ln>
+                      <a:effectLst/>
+                    </p:spPr>
+                    <p:style>
+                      <a:lnRef idx="1">
+                        <a:schemeClr val="accent1"/>
+                      </a:lnRef>
+                      <a:fillRef idx="3">
+                        <a:schemeClr val="accent1"/>
+                      </a:fillRef>
+                      <a:effectRef idx="2">
+                        <a:schemeClr val="accent1"/>
+                      </a:effectRef>
+                      <a:fontRef idx="minor">
+                        <a:schemeClr val="lt1"/>
+                      </a:fontRef>
+                    </p:style>
+                    <p:txBody>
+                      <a:bodyPr rtlCol="0" anchor="ctr"/>
+                      <a:lstStyle/>
+                      <a:p>
+                        <a:pPr algn="ctr"/>
+                        <a:endParaRPr lang="en-US"/>
+                      </a:p>
+                    </p:txBody>
+                  </p:sp>
+                  <p:sp>
+                    <p:nvSpPr>
+                      <p:cNvPr id="77" name="TextBox 76"/>
+                      <p:cNvSpPr txBox="1"/>
+                      <p:nvPr/>
+                    </p:nvSpPr>
+                    <p:spPr>
+                      <a:xfrm>
+                        <a:off x="9051431" y="4112494"/>
+                        <a:ext cx="3124323" cy="461665"/>
+                      </a:xfrm>
+                      <a:prstGeom prst="rect">
+                        <a:avLst/>
+                      </a:prstGeom>
+                      <a:noFill/>
+                    </p:spPr>
+                    <p:txBody>
+                      <a:bodyPr wrap="none" rtlCol="0">
+                        <a:spAutoFit/>
+                      </a:bodyPr>
+                      <a:lstStyle/>
+                      <a:p>
+                        <a:r>
+                          <a:rPr lang="en-US" sz="2400" dirty="0" smtClean="0">
+                            <a:latin typeface="Gill Sans"/>
+                            <a:cs typeface="Gill Sans"/>
+                          </a:rPr>
+                          <a:t>(c) Sampled Clean Data</a:t>
+                        </a:r>
+                        <a:endParaRPr lang="en-US" sz="2400" dirty="0">
+                          <a:latin typeface="Gill Sans"/>
+                          <a:cs typeface="Gill Sans"/>
+                        </a:endParaRPr>
+                      </a:p>
+                    </p:txBody>
+                  </p:sp>
+                  <p:cxnSp>
+                    <p:nvCxnSpPr>
+                      <p:cNvPr id="31" name="Straight Connector 30"/>
+                      <p:cNvCxnSpPr/>
+                      <p:nvPr/>
+                    </p:nvCxnSpPr>
+                    <p:spPr>
+                      <a:xfrm flipV="1">
+                        <a:off x="1921357" y="964236"/>
+                        <a:ext cx="2142643" cy="3125833"/>
+                      </a:xfrm>
+                      <a:prstGeom prst="line">
+                        <a:avLst/>
+                      </a:prstGeom>
+                      <a:ln w="50800">
+                        <a:solidFill>
+                          <a:srgbClr val="3366FF"/>
+                        </a:solidFill>
+                      </a:ln>
+                      <a:effectLst/>
+                    </p:spPr>
+                    <p:style>
+                      <a:lnRef idx="2">
+                        <a:schemeClr val="accent1"/>
+                      </a:lnRef>
+                      <a:fillRef idx="0">
+                        <a:schemeClr val="accent1"/>
+                      </a:fillRef>
+                      <a:effectRef idx="1">
+                        <a:schemeClr val="accent1"/>
+                      </a:effectRef>
+                      <a:fontRef idx="minor">
+                        <a:schemeClr val="tx1"/>
+                      </a:fontRef>
+                    </p:style>
+                  </p:cxnSp>
+                  <p:cxnSp>
+                    <p:nvCxnSpPr>
+                      <p:cNvPr id="51" name="Straight Connector 50"/>
+                      <p:cNvCxnSpPr/>
+                      <p:nvPr/>
+                    </p:nvCxnSpPr>
+                    <p:spPr>
+                      <a:xfrm flipV="1">
+                        <a:off x="1046625" y="964236"/>
+                        <a:ext cx="1163141" cy="1790702"/>
+                      </a:xfrm>
+                      <a:prstGeom prst="line">
+                        <a:avLst/>
+                      </a:prstGeom>
+                      <a:ln w="50800">
+                        <a:solidFill>
+                          <a:srgbClr val="FF0000"/>
+                        </a:solidFill>
+                      </a:ln>
+                      <a:effectLst/>
+                    </p:spPr>
+                    <p:style>
+                      <a:lnRef idx="2">
+                        <a:schemeClr val="accent1"/>
+                      </a:lnRef>
+                      <a:fillRef idx="0">
+                        <a:schemeClr val="accent1"/>
+                      </a:fillRef>
+                      <a:effectRef idx="1">
+                        <a:schemeClr val="accent1"/>
+                      </a:effectRef>
+                      <a:fontRef idx="minor">
+                        <a:schemeClr val="tx1"/>
+                      </a:fontRef>
+                    </p:style>
+                  </p:cxnSp>
+                </p:grpSp>
                 <p:sp>
                   <p:nvSpPr>
-                    <p:cNvPr id="25" name="Multiply 24"/>
+                    <p:cNvPr id="2" name="Rectangle 1"/>
                     <p:cNvSpPr/>
                     <p:nvPr/>
                   </p:nvSpPr>
                   <p:spPr>
                     <a:xfrm>
-                      <a:off x="2991351" y="1143643"/>
-                      <a:ext cx="405915" cy="405915"/>
+                      <a:off x="3539845" y="3334016"/>
+                      <a:ext cx="197311" cy="200528"/>
                     </a:xfrm>
-                    <a:prstGeom prst="mathMultiply">
+                    <a:prstGeom prst="rect">
                       <a:avLst/>
                     </a:prstGeom>
                     <a:solidFill>
                       <a:srgbClr val="00FF66"/>
                     </a:solidFill>
-                    <a:ln>
+                    <a:ln w="34925">
                       <a:solidFill>
                         <a:schemeClr val="tx1"/>
                       </a:solidFill>
@@ -13251,22 +14453,60 @@
                 </p:sp>
                 <p:sp>
                   <p:nvSpPr>
-                    <p:cNvPr id="26" name="Multiply 25"/>
+                    <p:cNvPr id="3" name="TextBox 2"/>
+                    <p:cNvSpPr txBox="1"/>
+                    <p:nvPr/>
+                  </p:nvSpPr>
+                  <p:spPr>
+                    <a:xfrm>
+                      <a:off x="3700024" y="3249614"/>
+                      <a:ext cx="723200" cy="369332"/>
+                    </a:xfrm>
+                    <a:prstGeom prst="rect">
+                      <a:avLst/>
+                    </a:prstGeom>
+                    <a:noFill/>
+                  </p:spPr>
+                  <p:txBody>
+                    <a:bodyPr wrap="none" rtlCol="0">
+                      <a:spAutoFit/>
+                    </a:bodyPr>
+                    <a:lstStyle/>
+                    <a:p>
+                      <a:r>
+                        <a:rPr lang="en-US" dirty="0" smtClean="0">
+                          <a:latin typeface="Gill Sans"/>
+                          <a:cs typeface="Gill Sans"/>
+                        </a:rPr>
+                        <a:t>Clean</a:t>
+                      </a:r>
+                      <a:endParaRPr lang="en-US" dirty="0">
+                        <a:latin typeface="Gill Sans"/>
+                        <a:cs typeface="Gill Sans"/>
+                      </a:endParaRPr>
+                    </a:p>
+                  </p:txBody>
+                </p:sp>
+                <p:sp>
+                  <p:nvSpPr>
+                    <p:cNvPr id="49" name="Rectangle 48"/>
                     <p:cNvSpPr/>
                     <p:nvPr/>
                   </p:nvSpPr>
                   <p:spPr>
                     <a:xfrm>
-                      <a:off x="3043566" y="1776881"/>
-                      <a:ext cx="405915" cy="405915"/>
+                      <a:off x="3539845" y="3703348"/>
+                      <a:ext cx="197311" cy="200528"/>
                     </a:xfrm>
-                    <a:prstGeom prst="mathMultiply">
+                    <a:prstGeom prst="rect">
                       <a:avLst/>
                     </a:prstGeom>
                     <a:solidFill>
-                      <a:srgbClr val="00FF66"/>
+                      <a:schemeClr val="accent6">
+                        <a:lumMod val="50000"/>
+                      </a:schemeClr>
                     </a:solidFill>
-                    <a:ln>
+                    <a:ln w="34925">
                       <a:solidFill>
                         <a:schemeClr val="tx1"/>
                       </a:solidFill>
@@ -13298,155 +14538,14 @@
                 </p:sp>
                 <p:sp>
                   <p:nvSpPr>
-                    <p:cNvPr id="27" name="Multiply 26"/>
-                    <p:cNvSpPr/>
-                    <p:nvPr/>
-                  </p:nvSpPr>
-                  <p:spPr>
-                    <a:xfrm>
-                      <a:off x="3189980" y="2278086"/>
-                      <a:ext cx="405915" cy="405915"/>
-                    </a:xfrm>
-                    <a:prstGeom prst="mathMultiply">
-                      <a:avLst/>
-                    </a:prstGeom>
-                    <a:solidFill>
-                      <a:srgbClr val="00FF66"/>
-                    </a:solidFill>
-                    <a:ln>
-                      <a:solidFill>
-                        <a:schemeClr val="tx1"/>
-                      </a:solidFill>
-                    </a:ln>
-                    <a:effectLst/>
-                  </p:spPr>
-                  <p:style>
-                    <a:lnRef idx="1">
-                      <a:schemeClr val="accent1"/>
-                    </a:lnRef>
-                    <a:fillRef idx="3">
-                      <a:schemeClr val="accent1"/>
-                    </a:fillRef>
-                    <a:effectRef idx="2">
-                      <a:schemeClr val="accent1"/>
-                    </a:effectRef>
-                    <a:fontRef idx="minor">
-                      <a:schemeClr val="lt1"/>
-                    </a:fontRef>
-                  </p:style>
-                  <p:txBody>
-                    <a:bodyPr rtlCol="0" anchor="ctr"/>
-                    <a:lstStyle/>
-                    <a:p>
-                      <a:pPr algn="ctr"/>
-                      <a:endParaRPr lang="en-US"/>
-                    </a:p>
-                  </p:txBody>
-                </p:sp>
-                <p:sp>
-                  <p:nvSpPr>
-                    <p:cNvPr id="28" name="Multiply 27"/>
-                    <p:cNvSpPr/>
-                    <p:nvPr/>
-                  </p:nvSpPr>
-                  <p:spPr>
-                    <a:xfrm>
-                      <a:off x="3449481" y="1904915"/>
-                      <a:ext cx="405915" cy="405915"/>
-                    </a:xfrm>
-                    <a:prstGeom prst="mathMultiply">
-                      <a:avLst/>
-                    </a:prstGeom>
-                    <a:solidFill>
-                      <a:srgbClr val="00FF66"/>
-                    </a:solidFill>
-                    <a:ln>
-                      <a:solidFill>
-                        <a:schemeClr val="tx1"/>
-                      </a:solidFill>
-                    </a:ln>
-                    <a:effectLst/>
-                  </p:spPr>
-                  <p:style>
-                    <a:lnRef idx="1">
-                      <a:schemeClr val="accent1"/>
-                    </a:lnRef>
-                    <a:fillRef idx="3">
-                      <a:schemeClr val="accent1"/>
-                    </a:fillRef>
-                    <a:effectRef idx="2">
-                      <a:schemeClr val="accent1"/>
-                    </a:effectRef>
-                    <a:fontRef idx="minor">
-                      <a:schemeClr val="lt1"/>
-                    </a:fontRef>
-                  </p:style>
-                  <p:txBody>
-                    <a:bodyPr rtlCol="0" anchor="ctr"/>
-                    <a:lstStyle/>
-                    <a:p>
-                      <a:pPr algn="ctr"/>
-                      <a:endParaRPr lang="en-US"/>
-                    </a:p>
-                  </p:txBody>
-                </p:sp>
-                <p:sp>
-                  <p:nvSpPr>
-                    <p:cNvPr id="29" name="Multiply 28"/>
-                    <p:cNvSpPr/>
-                    <p:nvPr/>
-                  </p:nvSpPr>
-                  <p:spPr>
-                    <a:xfrm>
-                      <a:off x="3855396" y="1035421"/>
-                      <a:ext cx="405915" cy="405915"/>
-                    </a:xfrm>
-                    <a:prstGeom prst="mathMultiply">
-                      <a:avLst/>
-                    </a:prstGeom>
-                    <a:solidFill>
-                      <a:srgbClr val="00FF66"/>
-                    </a:solidFill>
-                    <a:ln>
-                      <a:solidFill>
-                        <a:schemeClr val="tx1"/>
-                      </a:solidFill>
-                    </a:ln>
-                    <a:effectLst/>
-                  </p:spPr>
-                  <p:style>
-                    <a:lnRef idx="1">
-                      <a:schemeClr val="accent1"/>
-                    </a:lnRef>
-                    <a:fillRef idx="3">
-                      <a:schemeClr val="accent1"/>
-                    </a:fillRef>
-                    <a:effectRef idx="2">
-                      <a:schemeClr val="accent1"/>
-                    </a:effectRef>
-                    <a:fontRef idx="minor">
-                      <a:schemeClr val="lt1"/>
-                    </a:fontRef>
-                  </p:style>
-                  <p:txBody>
-                    <a:bodyPr rtlCol="0" anchor="ctr"/>
-                    <a:lstStyle/>
-                    <a:p>
-                      <a:pPr algn="ctr"/>
-                      <a:endParaRPr lang="en-US"/>
-                    </a:p>
-                  </p:txBody>
-                </p:sp>
-                <p:sp>
-                  <p:nvSpPr>
-                    <p:cNvPr id="33" name="TextBox 32"/>
+                    <p:cNvPr id="50" name="TextBox 49"/>
                     <p:cNvSpPr txBox="1"/>
                     <p:nvPr/>
                   </p:nvSpPr>
                   <p:spPr>
                     <a:xfrm>
-                      <a:off x="1236114" y="4108154"/>
-                      <a:ext cx="2685351" cy="461665"/>
+                      <a:off x="3700024" y="3618946"/>
+                      <a:ext cx="684803" cy="369332"/>
                     </a:xfrm>
                     <a:prstGeom prst="rect">
                       <a:avLst/>
@@ -13460,1231 +14559,275 @@
                     <a:lstStyle/>
                     <a:p>
                       <a:r>
-                        <a:rPr lang="en-US" sz="2400" dirty="0" smtClean="0">
+                        <a:rPr lang="en-US" dirty="0" smtClean="0">
                           <a:latin typeface="Gill Sans"/>
                           <a:cs typeface="Gill Sans"/>
                         </a:rPr>
-                        <a:t>(a) Systematic Error</a:t>
+                        <a:t>Dirty</a:t>
                       </a:r>
-                      <a:endParaRPr lang="en-US" sz="2400" dirty="0">
+                      <a:endParaRPr lang="en-US" dirty="0">
                         <a:latin typeface="Gill Sans"/>
                         <a:cs typeface="Gill Sans"/>
                       </a:endParaRPr>
                     </a:p>
                   </p:txBody>
                 </p:sp>
-                <p:cxnSp>
-                  <p:nvCxnSpPr>
-                    <p:cNvPr id="34" name="Straight Arrow Connector 33"/>
-                    <p:cNvCxnSpPr/>
-                    <p:nvPr/>
-                  </p:nvCxnSpPr>
-                  <p:spPr>
-                    <a:xfrm flipV="1">
-                      <a:off x="4896162" y="922129"/>
-                      <a:ext cx="0" cy="3116380"/>
-                    </a:xfrm>
-                    <a:prstGeom prst="straightConnector1">
-                      <a:avLst/>
-                    </a:prstGeom>
-                    <a:ln w="50800">
-                      <a:solidFill>
-                        <a:schemeClr val="tx1"/>
-                      </a:solidFill>
-                      <a:tailEnd type="triangle"/>
-                    </a:ln>
-                    <a:effectLst/>
-                  </p:spPr>
-                  <p:style>
-                    <a:lnRef idx="2">
-                      <a:schemeClr val="accent1"/>
-                    </a:lnRef>
-                    <a:fillRef idx="0">
-                      <a:schemeClr val="accent1"/>
-                    </a:fillRef>
-                    <a:effectRef idx="1">
-                      <a:schemeClr val="accent1"/>
-                    </a:effectRef>
-                    <a:fontRef idx="minor">
-                      <a:schemeClr val="tx1"/>
-                    </a:fontRef>
-                  </p:style>
-                </p:cxnSp>
-                <p:cxnSp>
-                  <p:nvCxnSpPr>
-                    <p:cNvPr id="35" name="Straight Arrow Connector 34"/>
-                    <p:cNvCxnSpPr/>
-                    <p:nvPr/>
-                  </p:nvCxnSpPr>
-                  <p:spPr>
-                    <a:xfrm flipV="1">
-                      <a:off x="4896162" y="4017048"/>
-                      <a:ext cx="3482804" cy="21461"/>
-                    </a:xfrm>
-                    <a:prstGeom prst="straightConnector1">
-                      <a:avLst/>
-                    </a:prstGeom>
-                    <a:ln w="50800">
-                      <a:solidFill>
-                        <a:schemeClr val="tx1"/>
-                      </a:solidFill>
-                      <a:tailEnd type="triangle"/>
-                    </a:ln>
-                    <a:effectLst/>
-                  </p:spPr>
-                  <p:style>
-                    <a:lnRef idx="2">
-                      <a:schemeClr val="accent1"/>
-                    </a:lnRef>
-                    <a:fillRef idx="0">
-                      <a:schemeClr val="accent1"/>
-                    </a:fillRef>
-                    <a:effectRef idx="1">
-                      <a:schemeClr val="accent1"/>
-                    </a:effectRef>
-                    <a:fontRef idx="minor">
-                      <a:schemeClr val="tx1"/>
-                    </a:fontRef>
-                  </p:style>
-                </p:cxnSp>
-                <p:sp>
-                  <p:nvSpPr>
-                    <p:cNvPr id="39" name="Multiply 38"/>
-                    <p:cNvSpPr/>
-                    <p:nvPr/>
-                  </p:nvSpPr>
-                  <p:spPr>
-                    <a:xfrm>
-                      <a:off x="6668041" y="1804529"/>
-                      <a:ext cx="405915" cy="405915"/>
-                    </a:xfrm>
-                    <a:prstGeom prst="mathMultiply">
-                      <a:avLst/>
-                    </a:prstGeom>
-                    <a:solidFill>
-                      <a:srgbClr val="00FF66"/>
-                    </a:solidFill>
-                    <a:ln>
-                      <a:solidFill>
-                        <a:schemeClr val="tx1"/>
-                      </a:solidFill>
-                    </a:ln>
-                    <a:effectLst/>
-                  </p:spPr>
-                  <p:style>
-                    <a:lnRef idx="1">
-                      <a:schemeClr val="accent1"/>
-                    </a:lnRef>
-                    <a:fillRef idx="3">
-                      <a:schemeClr val="accent1"/>
-                    </a:fillRef>
-                    <a:effectRef idx="2">
-                      <a:schemeClr val="accent1"/>
-                    </a:effectRef>
-                    <a:fontRef idx="minor">
-                      <a:schemeClr val="lt1"/>
-                    </a:fontRef>
-                  </p:style>
-                  <p:txBody>
-                    <a:bodyPr rtlCol="0" anchor="ctr"/>
-                    <a:lstStyle/>
-                    <a:p>
-                      <a:pPr algn="ctr"/>
-                      <a:endParaRPr lang="en-US"/>
-                    </a:p>
-                  </p:txBody>
-                </p:sp>
-                <p:sp>
-                  <p:nvSpPr>
-                    <p:cNvPr id="41" name="Multiply 40"/>
-                    <p:cNvSpPr/>
-                    <p:nvPr/>
-                  </p:nvSpPr>
-                  <p:spPr>
-                    <a:xfrm>
-                      <a:off x="6870999" y="2303486"/>
-                      <a:ext cx="405915" cy="405915"/>
-                    </a:xfrm>
-                    <a:prstGeom prst="mathMultiply">
-                      <a:avLst/>
-                    </a:prstGeom>
-                    <a:solidFill>
-                      <a:srgbClr val="00FF66"/>
-                    </a:solidFill>
-                    <a:ln>
-                      <a:solidFill>
-                        <a:schemeClr val="tx1"/>
-                      </a:solidFill>
-                    </a:ln>
-                    <a:effectLst/>
-                  </p:spPr>
-                  <p:style>
-                    <a:lnRef idx="1">
-                      <a:schemeClr val="accent1"/>
-                    </a:lnRef>
-                    <a:fillRef idx="3">
-                      <a:schemeClr val="accent1"/>
-                    </a:fillRef>
-                    <a:effectRef idx="2">
-                      <a:schemeClr val="accent1"/>
-                    </a:effectRef>
-                    <a:fontRef idx="minor">
-                      <a:schemeClr val="lt1"/>
-                    </a:fontRef>
-                  </p:style>
-                  <p:txBody>
-                    <a:bodyPr rtlCol="0" anchor="ctr"/>
-                    <a:lstStyle/>
-                    <a:p>
-                      <a:pPr algn="ctr"/>
-                      <a:endParaRPr lang="en-US"/>
-                    </a:p>
-                  </p:txBody>
-                </p:sp>
-                <p:cxnSp>
-                  <p:nvCxnSpPr>
-                    <p:cNvPr id="42" name="Straight Connector 41"/>
-                    <p:cNvCxnSpPr/>
-                    <p:nvPr/>
-                  </p:nvCxnSpPr>
-                  <p:spPr>
-                    <a:xfrm flipH="1" flipV="1">
-                      <a:off x="4896162" y="1131637"/>
-                      <a:ext cx="3460202" cy="1885507"/>
-                    </a:xfrm>
-                    <a:prstGeom prst="line">
-                      <a:avLst/>
-                    </a:prstGeom>
-                    <a:ln w="50800">
-                      <a:solidFill>
-                        <a:srgbClr val="FF0000"/>
-                      </a:solidFill>
-                    </a:ln>
-                    <a:effectLst/>
-                  </p:spPr>
-                  <p:style>
-                    <a:lnRef idx="2">
-                      <a:schemeClr val="accent1"/>
-                    </a:lnRef>
-                    <a:fillRef idx="0">
-                      <a:schemeClr val="accent1"/>
-                    </a:fillRef>
-                    <a:effectRef idx="1">
-                      <a:schemeClr val="accent1"/>
-                    </a:effectRef>
-                    <a:fontRef idx="minor">
-                      <a:schemeClr val="tx1"/>
-                    </a:fontRef>
-                  </p:style>
-                </p:cxnSp>
-                <p:sp>
-                  <p:nvSpPr>
-                    <p:cNvPr id="43" name="TextBox 42"/>
-                    <p:cNvSpPr txBox="1"/>
-                    <p:nvPr/>
-                  </p:nvSpPr>
-                  <p:spPr>
-                    <a:xfrm>
-                      <a:off x="4896162" y="4112494"/>
-                      <a:ext cx="3460202" cy="461665"/>
-                    </a:xfrm>
-                    <a:prstGeom prst="rect">
-                      <a:avLst/>
-                    </a:prstGeom>
-                    <a:noFill/>
-                  </p:spPr>
-                  <p:txBody>
-                    <a:bodyPr wrap="none" rtlCol="0">
-                      <a:spAutoFit/>
-                    </a:bodyPr>
-                    <a:lstStyle/>
-                    <a:p>
-                      <a:r>
-                        <a:rPr lang="en-US" sz="2400" dirty="0" smtClean="0">
-                          <a:latin typeface="Gill Sans"/>
-                          <a:cs typeface="Gill Sans"/>
-                        </a:rPr>
-                        <a:t>(b) Mixed Dirty and Clean</a:t>
-                      </a:r>
-                      <a:endParaRPr lang="en-US" sz="2400" dirty="0">
-                        <a:latin typeface="Gill Sans"/>
-                        <a:cs typeface="Gill Sans"/>
-                      </a:endParaRPr>
-                    </a:p>
-                  </p:txBody>
-                </p:sp>
-                <p:sp>
-                  <p:nvSpPr>
-                    <p:cNvPr id="44" name="Multiply 43"/>
-                    <p:cNvSpPr/>
-                    <p:nvPr/>
-                  </p:nvSpPr>
-                  <p:spPr>
-                    <a:xfrm>
-                      <a:off x="5200790" y="1093085"/>
-                      <a:ext cx="405915" cy="405915"/>
-                    </a:xfrm>
-                    <a:prstGeom prst="mathMultiply">
-                      <a:avLst/>
-                    </a:prstGeom>
-                    <a:solidFill>
-                      <a:schemeClr val="accent6">
-                        <a:lumMod val="50000"/>
-                        <a:alpha val="83000"/>
-                      </a:schemeClr>
-                    </a:solidFill>
-                    <a:ln>
-                      <a:solidFill>
-                        <a:schemeClr val="tx1"/>
-                      </a:solidFill>
-                    </a:ln>
-                    <a:effectLst/>
-                  </p:spPr>
-                  <p:style>
-                    <a:lnRef idx="1">
-                      <a:schemeClr val="accent1"/>
-                    </a:lnRef>
-                    <a:fillRef idx="3">
-                      <a:schemeClr val="accent1"/>
-                    </a:fillRef>
-                    <a:effectRef idx="2">
-                      <a:schemeClr val="accent1"/>
-                    </a:effectRef>
-                    <a:fontRef idx="minor">
-                      <a:schemeClr val="lt1"/>
-                    </a:fontRef>
-                  </p:style>
-                  <p:txBody>
-                    <a:bodyPr rtlCol="0" anchor="ctr"/>
-                    <a:lstStyle/>
-                    <a:p>
-                      <a:pPr algn="ctr"/>
-                      <a:endParaRPr lang="en-US"/>
-                    </a:p>
-                  </p:txBody>
-                </p:sp>
-                <p:sp>
-                  <p:nvSpPr>
-                    <p:cNvPr id="45" name="Multiply 44"/>
-                    <p:cNvSpPr/>
-                    <p:nvPr/>
-                  </p:nvSpPr>
-                  <p:spPr>
-                    <a:xfrm>
-                      <a:off x="5606705" y="1979838"/>
-                      <a:ext cx="405915" cy="405915"/>
-                    </a:xfrm>
-                    <a:prstGeom prst="mathMultiply">
-                      <a:avLst/>
-                    </a:prstGeom>
-                    <a:solidFill>
-                      <a:schemeClr val="accent6">
-                        <a:lumMod val="50000"/>
-                        <a:alpha val="83000"/>
-                      </a:schemeClr>
-                    </a:solidFill>
-                    <a:ln>
-                      <a:solidFill>
-                        <a:schemeClr val="tx1"/>
-                      </a:solidFill>
-                    </a:ln>
-                    <a:effectLst/>
-                  </p:spPr>
-                  <p:style>
-                    <a:lnRef idx="1">
-                      <a:schemeClr val="accent1"/>
-                    </a:lnRef>
-                    <a:fillRef idx="3">
-                      <a:schemeClr val="accent1"/>
-                    </a:fillRef>
-                    <a:effectRef idx="2">
-                      <a:schemeClr val="accent1"/>
-                    </a:effectRef>
-                    <a:fontRef idx="minor">
-                      <a:schemeClr val="lt1"/>
-                    </a:fontRef>
-                  </p:style>
-                  <p:txBody>
-                    <a:bodyPr rtlCol="0" anchor="ctr"/>
-                    <a:lstStyle/>
-                    <a:p>
-                      <a:pPr algn="ctr"/>
-                      <a:endParaRPr lang="en-US"/>
-                    </a:p>
-                  </p:txBody>
-                </p:sp>
-                <p:sp>
-                  <p:nvSpPr>
-                    <p:cNvPr id="47" name="Multiply 46"/>
-                    <p:cNvSpPr/>
-                    <p:nvPr/>
-                  </p:nvSpPr>
-                  <p:spPr>
-                    <a:xfrm>
-                      <a:off x="6015940" y="1093085"/>
-                      <a:ext cx="405915" cy="405915"/>
-                    </a:xfrm>
-                    <a:prstGeom prst="mathMultiply">
-                      <a:avLst/>
-                    </a:prstGeom>
-                    <a:solidFill>
-                      <a:schemeClr val="accent6">
-                        <a:lumMod val="50000"/>
-                        <a:alpha val="83000"/>
-                      </a:schemeClr>
-                    </a:solidFill>
-                    <a:ln>
-                      <a:solidFill>
-                        <a:schemeClr val="tx1"/>
-                      </a:solidFill>
-                    </a:ln>
-                    <a:effectLst/>
-                  </p:spPr>
-                  <p:style>
-                    <a:lnRef idx="1">
-                      <a:schemeClr val="accent1"/>
-                    </a:lnRef>
-                    <a:fillRef idx="3">
-                      <a:schemeClr val="accent1"/>
-                    </a:fillRef>
-                    <a:effectRef idx="2">
-                      <a:schemeClr val="accent1"/>
-                    </a:effectRef>
-                    <a:fontRef idx="minor">
-                      <a:schemeClr val="lt1"/>
-                    </a:fontRef>
-                  </p:style>
-                  <p:txBody>
-                    <a:bodyPr rtlCol="0" anchor="ctr"/>
-                    <a:lstStyle/>
-                    <a:p>
-                      <a:pPr algn="ctr"/>
-                      <a:endParaRPr lang="en-US"/>
-                    </a:p>
-                  </p:txBody>
-                </p:sp>
-                <p:sp>
-                  <p:nvSpPr>
-                    <p:cNvPr id="52" name="Multiply 51"/>
-                    <p:cNvSpPr/>
-                    <p:nvPr/>
-                  </p:nvSpPr>
-                  <p:spPr>
-                    <a:xfrm>
-                      <a:off x="1253911" y="1134190"/>
-                      <a:ext cx="405915" cy="405915"/>
-                    </a:xfrm>
-                    <a:prstGeom prst="mathMultiply">
-                      <a:avLst/>
-                    </a:prstGeom>
-                    <a:solidFill>
-                      <a:schemeClr val="accent6">
-                        <a:lumMod val="50000"/>
-                        <a:alpha val="83000"/>
-                      </a:schemeClr>
-                    </a:solidFill>
-                    <a:ln>
-                      <a:solidFill>
-                        <a:schemeClr val="tx1"/>
-                      </a:solidFill>
-                    </a:ln>
-                    <a:effectLst/>
-                  </p:spPr>
-                  <p:style>
-                    <a:lnRef idx="1">
-                      <a:schemeClr val="accent1"/>
-                    </a:lnRef>
-                    <a:fillRef idx="3">
-                      <a:schemeClr val="accent1"/>
-                    </a:fillRef>
-                    <a:effectRef idx="2">
-                      <a:schemeClr val="accent1"/>
-                    </a:effectRef>
-                    <a:fontRef idx="minor">
-                      <a:schemeClr val="lt1"/>
-                    </a:fontRef>
-                  </p:style>
-                  <p:txBody>
-                    <a:bodyPr rtlCol="0" anchor="ctr"/>
-                    <a:lstStyle/>
-                    <a:p>
-                      <a:pPr algn="ctr"/>
-                      <a:endParaRPr lang="en-US"/>
-                    </a:p>
-                  </p:txBody>
-                </p:sp>
-                <p:sp>
-                  <p:nvSpPr>
-                    <p:cNvPr id="53" name="Multiply 52"/>
-                    <p:cNvSpPr/>
-                    <p:nvPr/>
-                  </p:nvSpPr>
-                  <p:spPr>
-                    <a:xfrm>
-                      <a:off x="1306126" y="1767428"/>
-                      <a:ext cx="405915" cy="405915"/>
-                    </a:xfrm>
-                    <a:prstGeom prst="mathMultiply">
-                      <a:avLst/>
-                    </a:prstGeom>
-                    <a:solidFill>
-                      <a:schemeClr val="accent6">
-                        <a:lumMod val="50000"/>
-                        <a:alpha val="83000"/>
-                      </a:schemeClr>
-                    </a:solidFill>
-                    <a:ln>
-                      <a:solidFill>
-                        <a:schemeClr val="tx1"/>
-                      </a:solidFill>
-                    </a:ln>
-                    <a:effectLst/>
-                  </p:spPr>
-                  <p:style>
-                    <a:lnRef idx="1">
-                      <a:schemeClr val="accent1"/>
-                    </a:lnRef>
-                    <a:fillRef idx="3">
-                      <a:schemeClr val="accent1"/>
-                    </a:fillRef>
-                    <a:effectRef idx="2">
-                      <a:schemeClr val="accent1"/>
-                    </a:effectRef>
-                    <a:fontRef idx="minor">
-                      <a:schemeClr val="lt1"/>
-                    </a:fontRef>
-                  </p:style>
-                  <p:txBody>
-                    <a:bodyPr rtlCol="0" anchor="ctr"/>
-                    <a:lstStyle/>
-                    <a:p>
-                      <a:pPr algn="ctr"/>
-                      <a:endParaRPr lang="en-US"/>
-                    </a:p>
-                  </p:txBody>
-                </p:sp>
-                <p:sp>
-                  <p:nvSpPr>
-                    <p:cNvPr id="54" name="Multiply 53"/>
-                    <p:cNvSpPr/>
-                    <p:nvPr/>
-                  </p:nvSpPr>
-                  <p:spPr>
-                    <a:xfrm>
-                      <a:off x="1452540" y="2268633"/>
-                      <a:ext cx="405915" cy="405915"/>
-                    </a:xfrm>
-                    <a:prstGeom prst="mathMultiply">
-                      <a:avLst/>
-                    </a:prstGeom>
-                    <a:solidFill>
-                      <a:schemeClr val="accent6">
-                        <a:lumMod val="50000"/>
-                        <a:alpha val="83000"/>
-                      </a:schemeClr>
-                    </a:solidFill>
-                    <a:ln>
-                      <a:solidFill>
-                        <a:schemeClr val="tx1"/>
-                      </a:solidFill>
-                    </a:ln>
-                    <a:effectLst/>
-                  </p:spPr>
-                  <p:style>
-                    <a:lnRef idx="1">
-                      <a:schemeClr val="accent1"/>
-                    </a:lnRef>
-                    <a:fillRef idx="3">
-                      <a:schemeClr val="accent1"/>
-                    </a:fillRef>
-                    <a:effectRef idx="2">
-                      <a:schemeClr val="accent1"/>
-                    </a:effectRef>
-                    <a:fontRef idx="minor">
-                      <a:schemeClr val="lt1"/>
-                    </a:fontRef>
-                  </p:style>
-                  <p:txBody>
-                    <a:bodyPr rtlCol="0" anchor="ctr"/>
-                    <a:lstStyle/>
-                    <a:p>
-                      <a:pPr algn="ctr"/>
-                      <a:endParaRPr lang="en-US"/>
-                    </a:p>
-                  </p:txBody>
-                </p:sp>
-                <p:sp>
-                  <p:nvSpPr>
-                    <p:cNvPr id="55" name="Multiply 54"/>
-                    <p:cNvSpPr/>
-                    <p:nvPr/>
-                  </p:nvSpPr>
-                  <p:spPr>
-                    <a:xfrm>
-                      <a:off x="1712041" y="1895462"/>
-                      <a:ext cx="405915" cy="405915"/>
-                    </a:xfrm>
-                    <a:prstGeom prst="mathMultiply">
-                      <a:avLst/>
-                    </a:prstGeom>
-                    <a:solidFill>
-                      <a:schemeClr val="accent6">
-                        <a:lumMod val="50000"/>
-                        <a:alpha val="83000"/>
-                      </a:schemeClr>
-                    </a:solidFill>
-                    <a:ln>
-                      <a:solidFill>
-                        <a:schemeClr val="tx1"/>
-                      </a:solidFill>
-                    </a:ln>
-                    <a:effectLst/>
-                  </p:spPr>
-                  <p:style>
-                    <a:lnRef idx="1">
-                      <a:schemeClr val="accent1"/>
-                    </a:lnRef>
-                    <a:fillRef idx="3">
-                      <a:schemeClr val="accent1"/>
-                    </a:fillRef>
-                    <a:effectRef idx="2">
-                      <a:schemeClr val="accent1"/>
-                    </a:effectRef>
-                    <a:fontRef idx="minor">
-                      <a:schemeClr val="lt1"/>
-                    </a:fontRef>
-                  </p:style>
-                  <p:txBody>
-                    <a:bodyPr rtlCol="0" anchor="ctr"/>
-                    <a:lstStyle/>
-                    <a:p>
-                      <a:pPr algn="ctr"/>
-                      <a:endParaRPr lang="en-US"/>
-                    </a:p>
-                  </p:txBody>
-                </p:sp>
-                <p:sp>
-                  <p:nvSpPr>
-                    <p:cNvPr id="56" name="Multiply 55"/>
-                    <p:cNvSpPr/>
-                    <p:nvPr/>
-                  </p:nvSpPr>
-                  <p:spPr>
-                    <a:xfrm>
-                      <a:off x="2065741" y="1035421"/>
-                      <a:ext cx="405915" cy="405915"/>
-                    </a:xfrm>
-                    <a:prstGeom prst="mathMultiply">
-                      <a:avLst/>
-                    </a:prstGeom>
-                    <a:solidFill>
-                      <a:schemeClr val="accent6">
-                        <a:lumMod val="50000"/>
-                        <a:alpha val="83000"/>
-                      </a:schemeClr>
-                    </a:solidFill>
-                    <a:ln>
-                      <a:solidFill>
-                        <a:schemeClr val="tx1"/>
-                      </a:solidFill>
-                    </a:ln>
-                    <a:effectLst/>
-                  </p:spPr>
-                  <p:style>
-                    <a:lnRef idx="1">
-                      <a:schemeClr val="accent1"/>
-                    </a:lnRef>
-                    <a:fillRef idx="3">
-                      <a:schemeClr val="accent1"/>
-                    </a:fillRef>
-                    <a:effectRef idx="2">
-                      <a:schemeClr val="accent1"/>
-                    </a:effectRef>
-                    <a:fontRef idx="minor">
-                      <a:schemeClr val="lt1"/>
-                    </a:fontRef>
-                  </p:style>
-                  <p:txBody>
-                    <a:bodyPr rtlCol="0" anchor="ctr"/>
-                    <a:lstStyle/>
-                    <a:p>
-                      <a:pPr algn="ctr"/>
-                      <a:endParaRPr lang="en-US"/>
-                    </a:p>
-                  </p:txBody>
-                </p:sp>
-                <p:cxnSp>
-                  <p:nvCxnSpPr>
-                    <p:cNvPr id="61" name="Straight Arrow Connector 60"/>
-                    <p:cNvCxnSpPr/>
-                    <p:nvPr/>
-                  </p:nvCxnSpPr>
-                  <p:spPr>
-                    <a:xfrm flipV="1">
-                      <a:off x="2254249" y="2173343"/>
-                      <a:ext cx="737102" cy="1"/>
-                    </a:xfrm>
-                    <a:prstGeom prst="straightConnector1">
-                      <a:avLst/>
-                    </a:prstGeom>
-                    <a:ln w="63500">
-                      <a:solidFill>
-                        <a:schemeClr val="tx1">
-                          <a:lumMod val="50000"/>
-                          <a:lumOff val="50000"/>
-                        </a:schemeClr>
-                      </a:solidFill>
-                      <a:tailEnd type="triangle"/>
-                    </a:ln>
-                    <a:effectLst/>
-                  </p:spPr>
-                  <p:style>
-                    <a:lnRef idx="2">
-                      <a:schemeClr val="accent1"/>
-                    </a:lnRef>
-                    <a:fillRef idx="0">
-                      <a:schemeClr val="accent1"/>
-                    </a:fillRef>
-                    <a:effectRef idx="1">
-                      <a:schemeClr val="accent1"/>
-                    </a:effectRef>
-                    <a:fontRef idx="minor">
-                      <a:schemeClr val="tx1"/>
-                    </a:fontRef>
-                  </p:style>
-                </p:cxnSp>
-                <p:cxnSp>
-                  <p:nvCxnSpPr>
-                    <p:cNvPr id="72" name="Straight Arrow Connector 71"/>
-                    <p:cNvCxnSpPr/>
-                    <p:nvPr/>
-                  </p:nvCxnSpPr>
-                  <p:spPr>
-                    <a:xfrm flipV="1">
-                      <a:off x="8862989" y="932859"/>
-                      <a:ext cx="0" cy="3116380"/>
-                    </a:xfrm>
-                    <a:prstGeom prst="straightConnector1">
-                      <a:avLst/>
-                    </a:prstGeom>
-                    <a:ln w="50800">
-                      <a:solidFill>
-                        <a:schemeClr val="tx1"/>
-                      </a:solidFill>
-                      <a:tailEnd type="triangle"/>
-                    </a:ln>
-                    <a:effectLst/>
-                  </p:spPr>
-                  <p:style>
-                    <a:lnRef idx="2">
-                      <a:schemeClr val="accent1"/>
-                    </a:lnRef>
-                    <a:fillRef idx="0">
-                      <a:schemeClr val="accent1"/>
-                    </a:fillRef>
-                    <a:effectRef idx="1">
-                      <a:schemeClr val="accent1"/>
-                    </a:effectRef>
-                    <a:fontRef idx="minor">
-                      <a:schemeClr val="tx1"/>
-                    </a:fontRef>
-                  </p:style>
-                </p:cxnSp>
-                <p:cxnSp>
-                  <p:nvCxnSpPr>
-                    <p:cNvPr id="73" name="Straight Arrow Connector 72"/>
-                    <p:cNvCxnSpPr/>
-                    <p:nvPr/>
-                  </p:nvCxnSpPr>
-                  <p:spPr>
-                    <a:xfrm flipV="1">
-                      <a:off x="8862989" y="4027778"/>
-                      <a:ext cx="3482804" cy="21461"/>
-                    </a:xfrm>
-                    <a:prstGeom prst="straightConnector1">
-                      <a:avLst/>
-                    </a:prstGeom>
-                    <a:ln w="50800">
-                      <a:solidFill>
-                        <a:schemeClr val="tx1"/>
-                      </a:solidFill>
-                      <a:tailEnd type="triangle"/>
-                    </a:ln>
-                    <a:effectLst/>
-                  </p:spPr>
-                  <p:style>
-                    <a:lnRef idx="2">
-                      <a:schemeClr val="accent1"/>
-                    </a:lnRef>
-                    <a:fillRef idx="0">
-                      <a:schemeClr val="accent1"/>
-                    </a:fillRef>
-                    <a:effectRef idx="1">
-                      <a:schemeClr val="accent1"/>
-                    </a:effectRef>
-                    <a:fontRef idx="minor">
-                      <a:schemeClr val="tx1"/>
-                    </a:fontRef>
-                  </p:style>
-                </p:cxnSp>
-                <p:sp>
-                  <p:nvSpPr>
-                    <p:cNvPr id="74" name="Multiply 73"/>
-                    <p:cNvSpPr/>
-                    <p:nvPr/>
-                  </p:nvSpPr>
-                  <p:spPr>
-                    <a:xfrm>
-                      <a:off x="11320175" y="2151469"/>
-                      <a:ext cx="405915" cy="405915"/>
-                    </a:xfrm>
-                    <a:prstGeom prst="mathMultiply">
-                      <a:avLst/>
-                    </a:prstGeom>
-                    <a:solidFill>
-                      <a:srgbClr val="00FF66"/>
-                    </a:solidFill>
-                    <a:ln>
-                      <a:solidFill>
-                        <a:schemeClr val="tx1"/>
-                      </a:solidFill>
-                    </a:ln>
-                    <a:effectLst/>
-                  </p:spPr>
-                  <p:style>
-                    <a:lnRef idx="1">
-                      <a:schemeClr val="accent1"/>
-                    </a:lnRef>
-                    <a:fillRef idx="3">
-                      <a:schemeClr val="accent1"/>
-                    </a:fillRef>
-                    <a:effectRef idx="2">
-                      <a:schemeClr val="accent1"/>
-                    </a:effectRef>
-                    <a:fontRef idx="minor">
-                      <a:schemeClr val="lt1"/>
-                    </a:fontRef>
-                  </p:style>
-                  <p:txBody>
-                    <a:bodyPr rtlCol="0" anchor="ctr"/>
-                    <a:lstStyle/>
-                    <a:p>
-                      <a:pPr algn="ctr"/>
-                      <a:endParaRPr lang="en-US"/>
-                    </a:p>
-                  </p:txBody>
-                </p:sp>
-                <p:sp>
-                  <p:nvSpPr>
-                    <p:cNvPr id="75" name="Multiply 74"/>
-                    <p:cNvSpPr/>
-                    <p:nvPr/>
-                  </p:nvSpPr>
-                  <p:spPr>
-                    <a:xfrm>
-                      <a:off x="11137493" y="1665164"/>
-                      <a:ext cx="405915" cy="405915"/>
-                    </a:xfrm>
-                    <a:prstGeom prst="mathMultiply">
-                      <a:avLst/>
-                    </a:prstGeom>
-                    <a:solidFill>
-                      <a:srgbClr val="00FF66"/>
-                    </a:solidFill>
-                    <a:ln>
-                      <a:solidFill>
-                        <a:schemeClr val="tx1"/>
-                      </a:solidFill>
-                    </a:ln>
-                    <a:effectLst/>
-                  </p:spPr>
-                  <p:style>
-                    <a:lnRef idx="1">
-                      <a:schemeClr val="accent1"/>
-                    </a:lnRef>
-                    <a:fillRef idx="3">
-                      <a:schemeClr val="accent1"/>
-                    </a:fillRef>
-                    <a:effectRef idx="2">
-                      <a:schemeClr val="accent1"/>
-                    </a:effectRef>
-                    <a:fontRef idx="minor">
-                      <a:schemeClr val="lt1"/>
-                    </a:fontRef>
-                  </p:style>
-                  <p:txBody>
-                    <a:bodyPr rtlCol="0" anchor="ctr"/>
-                    <a:lstStyle/>
-                    <a:p>
-                      <a:pPr algn="ctr"/>
-                      <a:endParaRPr lang="en-US"/>
-                    </a:p>
-                  </p:txBody>
-                </p:sp>
-                <p:sp>
-                  <p:nvSpPr>
-                    <p:cNvPr id="77" name="TextBox 76"/>
-                    <p:cNvSpPr txBox="1"/>
-                    <p:nvPr/>
-                  </p:nvSpPr>
-                  <p:spPr>
-                    <a:xfrm>
-                      <a:off x="9051431" y="4112494"/>
-                      <a:ext cx="3124323" cy="461665"/>
-                    </a:xfrm>
-                    <a:prstGeom prst="rect">
-                      <a:avLst/>
-                    </a:prstGeom>
-                    <a:noFill/>
-                  </p:spPr>
-                  <p:txBody>
-                    <a:bodyPr wrap="none" rtlCol="0">
-                      <a:spAutoFit/>
-                    </a:bodyPr>
-                    <a:lstStyle/>
-                    <a:p>
-                      <a:r>
-                        <a:rPr lang="en-US" sz="2400" dirty="0" smtClean="0">
-                          <a:latin typeface="Gill Sans"/>
-                          <a:cs typeface="Gill Sans"/>
-                        </a:rPr>
-                        <a:t>(c) Sampled Clean Data</a:t>
-                      </a:r>
-                      <a:endParaRPr lang="en-US" sz="2400" dirty="0">
-                        <a:latin typeface="Gill Sans"/>
-                        <a:cs typeface="Gill Sans"/>
-                      </a:endParaRPr>
-                    </a:p>
-                  </p:txBody>
-                </p:sp>
-                <p:cxnSp>
-                  <p:nvCxnSpPr>
-                    <p:cNvPr id="31" name="Straight Connector 30"/>
-                    <p:cNvCxnSpPr/>
-                    <p:nvPr/>
-                  </p:nvCxnSpPr>
-                  <p:spPr>
-                    <a:xfrm flipV="1">
-                      <a:off x="1921357" y="964236"/>
-                      <a:ext cx="2142643" cy="3125833"/>
-                    </a:xfrm>
-                    <a:prstGeom prst="line">
-                      <a:avLst/>
-                    </a:prstGeom>
-                    <a:ln w="50800">
-                      <a:solidFill>
-                        <a:srgbClr val="3366FF"/>
-                      </a:solidFill>
-                    </a:ln>
-                    <a:effectLst/>
-                  </p:spPr>
-                  <p:style>
-                    <a:lnRef idx="2">
-                      <a:schemeClr val="accent1"/>
-                    </a:lnRef>
-                    <a:fillRef idx="0">
-                      <a:schemeClr val="accent1"/>
-                    </a:fillRef>
-                    <a:effectRef idx="1">
-                      <a:schemeClr val="accent1"/>
-                    </a:effectRef>
-                    <a:fontRef idx="minor">
-                      <a:schemeClr val="tx1"/>
-                    </a:fontRef>
-                  </p:style>
-                </p:cxnSp>
-                <p:cxnSp>
-                  <p:nvCxnSpPr>
-                    <p:cNvPr id="51" name="Straight Connector 50"/>
-                    <p:cNvCxnSpPr/>
-                    <p:nvPr/>
-                  </p:nvCxnSpPr>
-                  <p:spPr>
-                    <a:xfrm flipV="1">
-                      <a:off x="1046625" y="964236"/>
-                      <a:ext cx="1163141" cy="1790702"/>
-                    </a:xfrm>
-                    <a:prstGeom prst="line">
-                      <a:avLst/>
-                    </a:prstGeom>
-                    <a:ln w="50800">
-                      <a:solidFill>
-                        <a:srgbClr val="FF0000"/>
-                      </a:solidFill>
-                    </a:ln>
-                    <a:effectLst/>
-                  </p:spPr>
-                  <p:style>
-                    <a:lnRef idx="2">
-                      <a:schemeClr val="accent1"/>
-                    </a:lnRef>
-                    <a:fillRef idx="0">
-                      <a:schemeClr val="accent1"/>
-                    </a:fillRef>
-                    <a:effectRef idx="1">
-                      <a:schemeClr val="accent1"/>
-                    </a:effectRef>
-                    <a:fontRef idx="minor">
-                      <a:schemeClr val="tx1"/>
-                    </a:fontRef>
-                  </p:style>
-                </p:cxnSp>
               </p:grpSp>
-              <p:sp>
-                <p:nvSpPr>
-                  <p:cNvPr id="2" name="Rectangle 1"/>
-                  <p:cNvSpPr/>
+              <p:cxnSp>
+                <p:nvCxnSpPr>
+                  <p:cNvPr id="48" name="Straight Connector 47"/>
+                  <p:cNvCxnSpPr/>
                   <p:nvPr/>
-                </p:nvSpPr>
+                </p:nvCxnSpPr>
                 <p:spPr>
-                  <a:xfrm>
-                    <a:off x="3539845" y="3334016"/>
-                    <a:ext cx="197311" cy="200528"/>
+                  <a:xfrm flipV="1">
+                    <a:off x="6015940" y="1103539"/>
+                    <a:ext cx="1907694" cy="2936971"/>
                   </a:xfrm>
-                  <a:prstGeom prst="rect">
+                  <a:prstGeom prst="line">
                     <a:avLst/>
                   </a:prstGeom>
-                  <a:solidFill>
-                    <a:srgbClr val="00FF66"/>
-                  </a:solidFill>
-                  <a:ln w="34925">
+                  <a:ln w="50800">
                     <a:solidFill>
-                      <a:schemeClr val="tx1"/>
+                      <a:srgbClr val="3366FF">
+                        <a:alpha val="40000"/>
+                      </a:srgbClr>
                     </a:solidFill>
                   </a:ln>
                   <a:effectLst/>
                 </p:spPr>
                 <p:style>
-                  <a:lnRef idx="1">
+                  <a:lnRef idx="2">
                     <a:schemeClr val="accent1"/>
                   </a:lnRef>
-                  <a:fillRef idx="3">
+                  <a:fillRef idx="0">
                     <a:schemeClr val="accent1"/>
                   </a:fillRef>
-                  <a:effectRef idx="2">
+                  <a:effectRef idx="1">
                     <a:schemeClr val="accent1"/>
                   </a:effectRef>
                   <a:fontRef idx="minor">
-                    <a:schemeClr val="lt1"/>
+                    <a:schemeClr val="tx1"/>
                   </a:fontRef>
                 </p:style>
-                <p:txBody>
-                  <a:bodyPr rtlCol="0" anchor="ctr"/>
-                  <a:lstStyle/>
-                  <a:p>
-                    <a:pPr algn="ctr"/>
-                    <a:endParaRPr lang="en-US"/>
-                  </a:p>
-                </p:txBody>
-              </p:sp>
-              <p:sp>
-                <p:nvSpPr>
-                  <p:cNvPr id="3" name="TextBox 2"/>
-                  <p:cNvSpPr txBox="1"/>
+              </p:cxnSp>
+              <p:cxnSp>
+                <p:nvCxnSpPr>
+                  <p:cNvPr id="58" name="Straight Connector 57"/>
+                  <p:cNvCxnSpPr/>
                   <p:nvPr/>
-                </p:nvSpPr>
+                </p:nvCxnSpPr>
                 <p:spPr>
-                  <a:xfrm>
-                    <a:off x="3700024" y="3249614"/>
-                    <a:ext cx="723200" cy="369332"/>
+                  <a:xfrm flipV="1">
+                    <a:off x="10083780" y="1119738"/>
+                    <a:ext cx="1907694" cy="2936971"/>
                   </a:xfrm>
-                  <a:prstGeom prst="rect">
+                  <a:prstGeom prst="line">
                     <a:avLst/>
                   </a:prstGeom>
-                  <a:noFill/>
-                </p:spPr>
-                <p:txBody>
-                  <a:bodyPr wrap="none" rtlCol="0">
-                    <a:spAutoFit/>
-                  </a:bodyPr>
-                  <a:lstStyle/>
-                  <a:p>
-                    <a:r>
-                      <a:rPr lang="en-US" dirty="0" smtClean="0">
-                        <a:latin typeface="Gill Sans"/>
-                        <a:cs typeface="Gill Sans"/>
-                      </a:rPr>
-                      <a:t>Clean</a:t>
-                    </a:r>
-                    <a:endParaRPr lang="en-US" dirty="0">
-                      <a:latin typeface="Gill Sans"/>
-                      <a:cs typeface="Gill Sans"/>
-                    </a:endParaRPr>
-                  </a:p>
-                </p:txBody>
-              </p:sp>
-              <p:sp>
-                <p:nvSpPr>
-                  <p:cNvPr id="49" name="Rectangle 48"/>
-                  <p:cNvSpPr/>
-                  <p:nvPr/>
-                </p:nvSpPr>
-                <p:spPr>
-                  <a:xfrm>
-                    <a:off x="3539845" y="3703348"/>
-                    <a:ext cx="197311" cy="200528"/>
-                  </a:xfrm>
-                  <a:prstGeom prst="rect">
-                    <a:avLst/>
-                  </a:prstGeom>
-                  <a:solidFill>
-                    <a:schemeClr val="accent6">
-                      <a:lumMod val="50000"/>
-                    </a:schemeClr>
-                  </a:solidFill>
-                  <a:ln w="34925">
+                  <a:ln w="50800">
                     <a:solidFill>
-                      <a:schemeClr val="tx1"/>
+                      <a:srgbClr val="3366FF">
+                        <a:alpha val="40000"/>
+                      </a:srgbClr>
                     </a:solidFill>
                   </a:ln>
                   <a:effectLst/>
                 </p:spPr>
                 <p:style>
-                  <a:lnRef idx="1">
+                  <a:lnRef idx="2">
                     <a:schemeClr val="accent1"/>
                   </a:lnRef>
-                  <a:fillRef idx="3">
+                  <a:fillRef idx="0">
                     <a:schemeClr val="accent1"/>
                   </a:fillRef>
-                  <a:effectRef idx="2">
+                  <a:effectRef idx="1">
                     <a:schemeClr val="accent1"/>
                   </a:effectRef>
                   <a:fontRef idx="minor">
-                    <a:schemeClr val="lt1"/>
+                    <a:schemeClr val="tx1"/>
                   </a:fontRef>
                 </p:style>
-                <p:txBody>
-                  <a:bodyPr rtlCol="0" anchor="ctr"/>
-                  <a:lstStyle/>
-                  <a:p>
-                    <a:pPr algn="ctr"/>
-                    <a:endParaRPr lang="en-US"/>
-                  </a:p>
-                </p:txBody>
-              </p:sp>
-              <p:sp>
-                <p:nvSpPr>
-                  <p:cNvPr id="50" name="TextBox 49"/>
-                  <p:cNvSpPr txBox="1"/>
-                  <p:nvPr/>
-                </p:nvSpPr>
-                <p:spPr>
-                  <a:xfrm>
-                    <a:off x="3700024" y="3618946"/>
-                    <a:ext cx="684803" cy="369332"/>
-                  </a:xfrm>
-                  <a:prstGeom prst="rect">
-                    <a:avLst/>
-                  </a:prstGeom>
-                  <a:noFill/>
-                </p:spPr>
-                <p:txBody>
-                  <a:bodyPr wrap="none" rtlCol="0">
-                    <a:spAutoFit/>
-                  </a:bodyPr>
-                  <a:lstStyle/>
-                  <a:p>
-                    <a:r>
-                      <a:rPr lang="en-US" dirty="0" smtClean="0">
-                        <a:latin typeface="Gill Sans"/>
-                        <a:cs typeface="Gill Sans"/>
-                      </a:rPr>
-                      <a:t>Dirty</a:t>
-                    </a:r>
-                    <a:endParaRPr lang="en-US" dirty="0">
+              </p:cxnSp>
+            </p:grpSp>
+            <p:sp>
+              <p:nvSpPr>
+                <p:cNvPr id="14" name="TextBox 13"/>
+                <p:cNvSpPr txBox="1"/>
+                <p:nvPr/>
+              </p:nvSpPr>
+              <p:spPr>
+                <a:xfrm>
+                  <a:off x="1378157" y="3644898"/>
+                  <a:ext cx="750363" cy="369332"/>
+                </a:xfrm>
+                <a:prstGeom prst="rect">
+                  <a:avLst/>
+                </a:prstGeom>
+                <a:noFill/>
+              </p:spPr>
+              <p:txBody>
+                <a:bodyPr wrap="none" rtlCol="0">
+                  <a:spAutoFit/>
+                </a:bodyPr>
+                <a:lstStyle/>
+                <a:p>
+                  <a:r>
+                    <a:rPr lang="en-US" b="1" dirty="0" smtClean="0">
+                      <a:solidFill>
+                        <a:srgbClr val="3366FF"/>
+                      </a:solidFill>
                       <a:latin typeface="Gill Sans"/>
                       <a:cs typeface="Gill Sans"/>
-                    </a:endParaRPr>
-                  </a:p>
-                </p:txBody>
-              </p:sp>
-            </p:grpSp>
-            <p:cxnSp>
-              <p:nvCxnSpPr>
-                <p:cNvPr id="48" name="Straight Connector 47"/>
-                <p:cNvCxnSpPr/>
+                    </a:rPr>
+                    <a:t>True</a:t>
+                  </a:r>
+                  <a:endParaRPr lang="en-US" b="1" dirty="0">
+                    <a:solidFill>
+                      <a:srgbClr val="3366FF"/>
+                    </a:solidFill>
+                    <a:latin typeface="Gill Sans"/>
+                    <a:cs typeface="Gill Sans"/>
+                  </a:endParaRPr>
+                </a:p>
+              </p:txBody>
+            </p:sp>
+            <p:sp>
+              <p:nvSpPr>
+                <p:cNvPr id="60" name="TextBox 59"/>
+                <p:cNvSpPr txBox="1"/>
                 <p:nvPr/>
-              </p:nvCxnSpPr>
+              </p:nvSpPr>
               <p:spPr>
-                <a:xfrm flipV="1">
-                  <a:off x="6015940" y="1103539"/>
-                  <a:ext cx="1907694" cy="2936971"/>
+                <a:xfrm>
+                  <a:off x="299105" y="2593702"/>
+                  <a:ext cx="941283" cy="369332"/>
                 </a:xfrm>
-                <a:prstGeom prst="line">
+                <a:prstGeom prst="rect">
                   <a:avLst/>
                 </a:prstGeom>
-                <a:ln w="50800">
-                  <a:solidFill>
-                    <a:srgbClr val="3366FF">
-                      <a:alpha val="40000"/>
-                    </a:srgbClr>
-                  </a:solidFill>
-                </a:ln>
-                <a:effectLst/>
+                <a:noFill/>
               </p:spPr>
-              <p:style>
-                <a:lnRef idx="2">
-                  <a:schemeClr val="accent1"/>
-                </a:lnRef>
-                <a:fillRef idx="0">
-                  <a:schemeClr val="accent1"/>
-                </a:fillRef>
-                <a:effectRef idx="1">
-                  <a:schemeClr val="accent1"/>
-                </a:effectRef>
-                <a:fontRef idx="minor">
-                  <a:schemeClr val="tx1"/>
-                </a:fontRef>
-              </p:style>
-            </p:cxnSp>
-            <p:cxnSp>
-              <p:nvCxnSpPr>
-                <p:cNvPr id="58" name="Straight Connector 57"/>
-                <p:cNvCxnSpPr/>
+              <p:txBody>
+                <a:bodyPr wrap="none" rtlCol="0">
+                  <a:spAutoFit/>
+                </a:bodyPr>
+                <a:lstStyle/>
+                <a:p>
+                  <a:r>
+                    <a:rPr lang="en-US" b="1" dirty="0" smtClean="0">
+                      <a:solidFill>
+                        <a:srgbClr val="FF0000"/>
+                      </a:solidFill>
+                      <a:latin typeface="Gill Sans"/>
+                      <a:cs typeface="Gill Sans"/>
+                    </a:rPr>
+                    <a:t>Result</a:t>
+                  </a:r>
+                  <a:endParaRPr lang="en-US" b="1" dirty="0">
+                    <a:solidFill>
+                      <a:srgbClr val="FF0000"/>
+                    </a:solidFill>
+                    <a:latin typeface="Gill Sans"/>
+                    <a:cs typeface="Gill Sans"/>
+                  </a:endParaRPr>
+                </a:p>
+              </p:txBody>
+            </p:sp>
+            <p:sp>
+              <p:nvSpPr>
+                <p:cNvPr id="64" name="TextBox 63"/>
+                <p:cNvSpPr txBox="1"/>
                 <p:nvPr/>
-              </p:nvCxnSpPr>
+              </p:nvSpPr>
               <p:spPr>
-                <a:xfrm flipV="1">
-                  <a:off x="10083780" y="1119738"/>
-                  <a:ext cx="1907694" cy="2936971"/>
+                <a:xfrm>
+                  <a:off x="6750236" y="3282400"/>
+                  <a:ext cx="941283" cy="369332"/>
                 </a:xfrm>
-                <a:prstGeom prst="line">
+                <a:prstGeom prst="rect">
                   <a:avLst/>
                 </a:prstGeom>
-                <a:ln w="50800">
-                  <a:solidFill>
-                    <a:srgbClr val="3366FF">
-                      <a:alpha val="40000"/>
-                    </a:srgbClr>
-                  </a:solidFill>
-                </a:ln>
-                <a:effectLst/>
+                <a:noFill/>
               </p:spPr>
-              <p:style>
-                <a:lnRef idx="2">
-                  <a:schemeClr val="accent1"/>
-                </a:lnRef>
-                <a:fillRef idx="0">
-                  <a:schemeClr val="accent1"/>
-                </a:fillRef>
-                <a:effectRef idx="1">
-                  <a:schemeClr val="accent1"/>
-                </a:effectRef>
-                <a:fontRef idx="minor">
-                  <a:schemeClr val="tx1"/>
-                </a:fontRef>
-              </p:style>
-            </p:cxnSp>
+              <p:txBody>
+                <a:bodyPr wrap="none" rtlCol="0">
+                  <a:spAutoFit/>
+                </a:bodyPr>
+                <a:lstStyle/>
+                <a:p>
+                  <a:r>
+                    <a:rPr lang="en-US" b="1" dirty="0" smtClean="0">
+                      <a:solidFill>
+                        <a:srgbClr val="FF0000"/>
+                      </a:solidFill>
+                      <a:latin typeface="Gill Sans"/>
+                      <a:cs typeface="Gill Sans"/>
+                    </a:rPr>
+                    <a:t>Result</a:t>
+                  </a:r>
+                  <a:endParaRPr lang="en-US" b="1" dirty="0">
+                    <a:solidFill>
+                      <a:srgbClr val="FF0000"/>
+                    </a:solidFill>
+                    <a:latin typeface="Gill Sans"/>
+                    <a:cs typeface="Gill Sans"/>
+                  </a:endParaRPr>
+                </a:p>
+              </p:txBody>
+            </p:sp>
+            <p:sp>
+              <p:nvSpPr>
+                <p:cNvPr id="66" name="TextBox 65"/>
+                <p:cNvSpPr txBox="1"/>
+                <p:nvPr/>
+              </p:nvSpPr>
+              <p:spPr>
+                <a:xfrm>
+                  <a:off x="10466503" y="3437836"/>
+                  <a:ext cx="941283" cy="369332"/>
+                </a:xfrm>
+                <a:prstGeom prst="rect">
+                  <a:avLst/>
+                </a:prstGeom>
+                <a:noFill/>
+              </p:spPr>
+              <p:txBody>
+                <a:bodyPr wrap="none" rtlCol="0">
+                  <a:spAutoFit/>
+                </a:bodyPr>
+                <a:lstStyle/>
+                <a:p>
+                  <a:r>
+                    <a:rPr lang="en-US" b="1" dirty="0" smtClean="0">
+                      <a:solidFill>
+                        <a:srgbClr val="FF0000"/>
+                      </a:solidFill>
+                      <a:latin typeface="Gill Sans"/>
+                      <a:cs typeface="Gill Sans"/>
+                    </a:rPr>
+                    <a:t>Result</a:t>
+                  </a:r>
+                  <a:endParaRPr lang="en-US" b="1" dirty="0">
+                    <a:solidFill>
+                      <a:srgbClr val="FF0000"/>
+                    </a:solidFill>
+                    <a:latin typeface="Gill Sans"/>
+                    <a:cs typeface="Gill Sans"/>
+                  </a:endParaRPr>
+                </a:p>
+              </p:txBody>
+            </p:sp>
           </p:grpSp>
           <p:sp>
             <p:nvSpPr>
-              <p:cNvPr id="14" name="TextBox 13"/>
+              <p:cNvPr id="67" name="TextBox 66"/>
               <p:cNvSpPr txBox="1"/>
               <p:nvPr/>
             </p:nvSpPr>
             <p:spPr>
               <a:xfrm>
-                <a:off x="1378157" y="3644898"/>
+                <a:off x="5415687" y="3623437"/>
                 <a:ext cx="750363" cy="369332"/>
               </a:xfrm>
               <a:prstGeom prst="rect">
@@ -14701,7 +14844,7 @@
                 <a:r>
                   <a:rPr lang="en-US" b="1" dirty="0" smtClean="0">
                     <a:solidFill>
-                      <a:srgbClr val="3366FF"/>
+                      <a:srgbClr val="A0B0FF"/>
                     </a:solidFill>
                     <a:latin typeface="Gill Sans"/>
                     <a:cs typeface="Gill Sans"/>
@@ -14710,7 +14853,7 @@
                 </a:r>
                 <a:endParaRPr lang="en-US" b="1" dirty="0">
                   <a:solidFill>
-                    <a:srgbClr val="3366FF"/>
+                    <a:srgbClr val="A0B0FF"/>
                   </a:solidFill>
                   <a:latin typeface="Gill Sans"/>
                   <a:cs typeface="Gill Sans"/>
@@ -14720,14 +14863,14 @@
           </p:sp>
           <p:sp>
             <p:nvSpPr>
-              <p:cNvPr id="60" name="TextBox 59"/>
+              <p:cNvPr id="69" name="TextBox 68"/>
               <p:cNvSpPr txBox="1"/>
               <p:nvPr/>
             </p:nvSpPr>
             <p:spPr>
               <a:xfrm>
-                <a:off x="299105" y="2593702"/>
-                <a:ext cx="941283" cy="369332"/>
+                <a:off x="9498403" y="3644898"/>
+                <a:ext cx="750363" cy="369332"/>
               </a:xfrm>
               <a:prstGeom prst="rect">
                 <a:avLst/>
@@ -14743,100 +14886,16 @@
                 <a:r>
                   <a:rPr lang="en-US" b="1" dirty="0" smtClean="0">
                     <a:solidFill>
-                      <a:srgbClr val="FF0000"/>
+                      <a:srgbClr val="A0B0FF"/>
                     </a:solidFill>
                     <a:latin typeface="Gill Sans"/>
                     <a:cs typeface="Gill Sans"/>
                   </a:rPr>
-                  <a:t>Result</a:t>
+                  <a:t>True</a:t>
                 </a:r>
                 <a:endParaRPr lang="en-US" b="1" dirty="0">
                   <a:solidFill>
-                    <a:srgbClr val="FF0000"/>
-                  </a:solidFill>
-                  <a:latin typeface="Gill Sans"/>
-                  <a:cs typeface="Gill Sans"/>
-                </a:endParaRPr>
-              </a:p>
-            </p:txBody>
-          </p:sp>
-          <p:sp>
-            <p:nvSpPr>
-              <p:cNvPr id="64" name="TextBox 63"/>
-              <p:cNvSpPr txBox="1"/>
-              <p:nvPr/>
-            </p:nvSpPr>
-            <p:spPr>
-              <a:xfrm>
-                <a:off x="6750236" y="3282400"/>
-                <a:ext cx="941283" cy="369332"/>
-              </a:xfrm>
-              <a:prstGeom prst="rect">
-                <a:avLst/>
-              </a:prstGeom>
-              <a:noFill/>
-            </p:spPr>
-            <p:txBody>
-              <a:bodyPr wrap="none" rtlCol="0">
-                <a:spAutoFit/>
-              </a:bodyPr>
-              <a:lstStyle/>
-              <a:p>
-                <a:r>
-                  <a:rPr lang="en-US" b="1" dirty="0" smtClean="0">
-                    <a:solidFill>
-                      <a:srgbClr val="FF0000"/>
-                    </a:solidFill>
-                    <a:latin typeface="Gill Sans"/>
-                    <a:cs typeface="Gill Sans"/>
-                  </a:rPr>
-                  <a:t>Result</a:t>
-                </a:r>
-                <a:endParaRPr lang="en-US" b="1" dirty="0">
-                  <a:solidFill>
-                    <a:srgbClr val="FF0000"/>
-                  </a:solidFill>
-                  <a:latin typeface="Gill Sans"/>
-                  <a:cs typeface="Gill Sans"/>
-                </a:endParaRPr>
-              </a:p>
-            </p:txBody>
-          </p:sp>
-          <p:sp>
-            <p:nvSpPr>
-              <p:cNvPr id="66" name="TextBox 65"/>
-              <p:cNvSpPr txBox="1"/>
-              <p:nvPr/>
-            </p:nvSpPr>
-            <p:spPr>
-              <a:xfrm>
-                <a:off x="10466503" y="3437836"/>
-                <a:ext cx="941283" cy="369332"/>
-              </a:xfrm>
-              <a:prstGeom prst="rect">
-                <a:avLst/>
-              </a:prstGeom>
-              <a:noFill/>
-            </p:spPr>
-            <p:txBody>
-              <a:bodyPr wrap="none" rtlCol="0">
-                <a:spAutoFit/>
-              </a:bodyPr>
-              <a:lstStyle/>
-              <a:p>
-                <a:r>
-                  <a:rPr lang="en-US" b="1" dirty="0" smtClean="0">
-                    <a:solidFill>
-                      <a:srgbClr val="FF0000"/>
-                    </a:solidFill>
-                    <a:latin typeface="Gill Sans"/>
-                    <a:cs typeface="Gill Sans"/>
-                  </a:rPr>
-                  <a:t>Result</a:t>
-                </a:r>
-                <a:endParaRPr lang="en-US" b="1" dirty="0">
-                  <a:solidFill>
-                    <a:srgbClr val="FF0000"/>
+                    <a:srgbClr val="A0B0FF"/>
                   </a:solidFill>
                   <a:latin typeface="Gill Sans"/>
                   <a:cs typeface="Gill Sans"/>
@@ -14847,14 +14906,14 @@
         </p:grpSp>
         <p:sp>
           <p:nvSpPr>
-            <p:cNvPr id="67" name="TextBox 66"/>
+            <p:cNvPr id="6" name="TextBox 5"/>
             <p:cNvSpPr txBox="1"/>
             <p:nvPr/>
           </p:nvSpPr>
           <p:spPr>
             <a:xfrm>
-              <a:off x="5415687" y="3623437"/>
-              <a:ext cx="750363" cy="369332"/>
+              <a:off x="295189" y="938458"/>
+              <a:ext cx="301660" cy="369332"/>
             </a:xfrm>
             <a:prstGeom prst="rect">
               <a:avLst/>
@@ -14868,35 +14927,23 @@
             <a:lstStyle/>
             <a:p>
               <a:r>
-                <a:rPr lang="en-US" b="1" dirty="0" smtClean="0">
-                  <a:solidFill>
-                    <a:srgbClr val="A0B0FF"/>
-                  </a:solidFill>
-                  <a:latin typeface="Gill Sans"/>
-                  <a:cs typeface="Gill Sans"/>
-                </a:rPr>
-                <a:t>True</a:t>
+                <a:rPr lang="en-US" dirty="0"/>
+                <a:t>1</a:t>
               </a:r>
-              <a:endParaRPr lang="en-US" b="1" dirty="0">
-                <a:solidFill>
-                  <a:srgbClr val="A0B0FF"/>
-                </a:solidFill>
-                <a:latin typeface="Gill Sans"/>
-                <a:cs typeface="Gill Sans"/>
-              </a:endParaRPr>
+              <a:endParaRPr lang="en-US" dirty="0"/>
             </a:p>
           </p:txBody>
         </p:sp>
         <p:sp>
           <p:nvSpPr>
-            <p:cNvPr id="69" name="TextBox 68"/>
+            <p:cNvPr id="57" name="TextBox 56"/>
             <p:cNvSpPr txBox="1"/>
             <p:nvPr/>
           </p:nvSpPr>
           <p:spPr>
             <a:xfrm>
-              <a:off x="9498403" y="3644898"/>
-              <a:ext cx="750363" cy="369332"/>
+              <a:off x="1174021" y="842328"/>
+              <a:ext cx="301660" cy="369332"/>
             </a:xfrm>
             <a:prstGeom prst="rect">
               <a:avLst/>
@@ -14910,22 +14957,460 @@
             <a:lstStyle/>
             <a:p>
               <a:r>
-                <a:rPr lang="en-US" b="1" dirty="0" smtClean="0">
-                  <a:solidFill>
-                    <a:srgbClr val="A0B0FF"/>
-                  </a:solidFill>
-                  <a:latin typeface="Gill Sans"/>
-                  <a:cs typeface="Gill Sans"/>
-                </a:rPr>
-                <a:t>True</a:t>
+                <a:rPr lang="en-US" dirty="0"/>
+                <a:t>2</a:t>
               </a:r>
-              <a:endParaRPr lang="en-US" b="1" dirty="0">
-                <a:solidFill>
-                  <a:srgbClr val="A0B0FF"/>
-                </a:solidFill>
-                <a:latin typeface="Gill Sans"/>
-                <a:cs typeface="Gill Sans"/>
-              </a:endParaRPr>
+              <a:endParaRPr lang="en-US" dirty="0"/>
+            </a:p>
+          </p:txBody>
+        </p:sp>
+        <p:sp>
+          <p:nvSpPr>
+            <p:cNvPr id="59" name="TextBox 58"/>
+            <p:cNvSpPr txBox="1"/>
+            <p:nvPr/>
+          </p:nvSpPr>
+          <p:spPr>
+            <a:xfrm>
+              <a:off x="783570" y="1676419"/>
+              <a:ext cx="301660" cy="369332"/>
+            </a:xfrm>
+            <a:prstGeom prst="rect">
+              <a:avLst/>
+            </a:prstGeom>
+            <a:noFill/>
+          </p:spPr>
+          <p:txBody>
+            <a:bodyPr wrap="none" rtlCol="0">
+              <a:spAutoFit/>
+            </a:bodyPr>
+            <a:lstStyle/>
+            <a:p>
+              <a:r>
+                <a:rPr lang="en-US" dirty="0" smtClean="0"/>
+                <a:t>3</a:t>
+              </a:r>
+              <a:endParaRPr lang="en-US" dirty="0"/>
+            </a:p>
+          </p:txBody>
+        </p:sp>
+        <p:sp>
+          <p:nvSpPr>
+            <p:cNvPr id="62" name="TextBox 61"/>
+            <p:cNvSpPr txBox="1"/>
+            <p:nvPr/>
+          </p:nvSpPr>
+          <p:spPr>
+            <a:xfrm>
+              <a:off x="483948" y="2091691"/>
+              <a:ext cx="301660" cy="369332"/>
+            </a:xfrm>
+            <a:prstGeom prst="rect">
+              <a:avLst/>
+            </a:prstGeom>
+            <a:noFill/>
+          </p:spPr>
+          <p:txBody>
+            <a:bodyPr wrap="none" rtlCol="0">
+              <a:spAutoFit/>
+            </a:bodyPr>
+            <a:lstStyle/>
+            <a:p>
+              <a:r>
+                <a:rPr lang="en-US" dirty="0"/>
+                <a:t>4</a:t>
+              </a:r>
+              <a:endParaRPr lang="en-US" dirty="0"/>
+            </a:p>
+          </p:txBody>
+        </p:sp>
+        <p:sp>
+          <p:nvSpPr>
+            <p:cNvPr id="63" name="TextBox 62"/>
+            <p:cNvSpPr txBox="1"/>
+            <p:nvPr/>
+          </p:nvSpPr>
+          <p:spPr>
+            <a:xfrm>
+              <a:off x="354688" y="1577932"/>
+              <a:ext cx="301660" cy="369332"/>
+            </a:xfrm>
+            <a:prstGeom prst="rect">
+              <a:avLst/>
+            </a:prstGeom>
+            <a:noFill/>
+          </p:spPr>
+          <p:txBody>
+            <a:bodyPr wrap="none" rtlCol="0">
+              <a:spAutoFit/>
+            </a:bodyPr>
+            <a:lstStyle/>
+            <a:p>
+              <a:r>
+                <a:rPr lang="en-US" dirty="0" smtClean="0"/>
+                <a:t>5</a:t>
+              </a:r>
+              <a:endParaRPr lang="en-US" dirty="0"/>
+            </a:p>
+          </p:txBody>
+        </p:sp>
+        <p:sp>
+          <p:nvSpPr>
+            <p:cNvPr id="65" name="TextBox 64"/>
+            <p:cNvSpPr txBox="1"/>
+            <p:nvPr/>
+          </p:nvSpPr>
+          <p:spPr>
+            <a:xfrm>
+              <a:off x="4251775" y="916668"/>
+              <a:ext cx="301660" cy="369332"/>
+            </a:xfrm>
+            <a:prstGeom prst="rect">
+              <a:avLst/>
+            </a:prstGeom>
+            <a:noFill/>
+          </p:spPr>
+          <p:txBody>
+            <a:bodyPr wrap="none" rtlCol="0">
+              <a:spAutoFit/>
+            </a:bodyPr>
+            <a:lstStyle/>
+            <a:p>
+              <a:r>
+                <a:rPr lang="en-US" dirty="0"/>
+                <a:t>1</a:t>
+              </a:r>
+              <a:endParaRPr lang="en-US" dirty="0"/>
+            </a:p>
+          </p:txBody>
+        </p:sp>
+        <p:sp>
+          <p:nvSpPr>
+            <p:cNvPr id="70" name="TextBox 69"/>
+            <p:cNvSpPr txBox="1"/>
+            <p:nvPr/>
+          </p:nvSpPr>
+          <p:spPr>
+            <a:xfrm>
+              <a:off x="2028021" y="992081"/>
+              <a:ext cx="359256" cy="369332"/>
+            </a:xfrm>
+            <a:prstGeom prst="rect">
+              <a:avLst/>
+            </a:prstGeom>
+            <a:noFill/>
+          </p:spPr>
+          <p:txBody>
+            <a:bodyPr wrap="none" rtlCol="0">
+              <a:spAutoFit/>
+            </a:bodyPr>
+            <a:lstStyle/>
+            <a:p>
+              <a:r>
+                <a:rPr lang="en-US" dirty="0" smtClean="0"/>
+                <a:t>1’</a:t>
+              </a:r>
+              <a:endParaRPr lang="en-US" dirty="0"/>
+            </a:p>
+          </p:txBody>
+        </p:sp>
+        <p:sp>
+          <p:nvSpPr>
+            <p:cNvPr id="71" name="TextBox 70"/>
+            <p:cNvSpPr txBox="1"/>
+            <p:nvPr/>
+          </p:nvSpPr>
+          <p:spPr>
+            <a:xfrm>
+              <a:off x="2977408" y="867729"/>
+              <a:ext cx="359256" cy="369332"/>
+            </a:xfrm>
+            <a:prstGeom prst="rect">
+              <a:avLst/>
+            </a:prstGeom>
+            <a:noFill/>
+          </p:spPr>
+          <p:txBody>
+            <a:bodyPr wrap="none" rtlCol="0">
+              <a:spAutoFit/>
+            </a:bodyPr>
+            <a:lstStyle/>
+            <a:p>
+              <a:r>
+                <a:rPr lang="en-US" dirty="0" smtClean="0"/>
+                <a:t>2’</a:t>
+              </a:r>
+              <a:endParaRPr lang="en-US" dirty="0"/>
+            </a:p>
+          </p:txBody>
+        </p:sp>
+        <p:sp>
+          <p:nvSpPr>
+            <p:cNvPr id="78" name="TextBox 77"/>
+            <p:cNvSpPr txBox="1"/>
+            <p:nvPr/>
+          </p:nvSpPr>
+          <p:spPr>
+            <a:xfrm>
+              <a:off x="2516402" y="1730042"/>
+              <a:ext cx="359256" cy="369332"/>
+            </a:xfrm>
+            <a:prstGeom prst="rect">
+              <a:avLst/>
+            </a:prstGeom>
+            <a:noFill/>
+          </p:spPr>
+          <p:txBody>
+            <a:bodyPr wrap="none" rtlCol="0">
+              <a:spAutoFit/>
+            </a:bodyPr>
+            <a:lstStyle/>
+            <a:p>
+              <a:r>
+                <a:rPr lang="en-US" dirty="0" smtClean="0"/>
+                <a:t>3’</a:t>
+              </a:r>
+              <a:endParaRPr lang="en-US" dirty="0"/>
+            </a:p>
+          </p:txBody>
+        </p:sp>
+        <p:sp>
+          <p:nvSpPr>
+            <p:cNvPr id="79" name="TextBox 78"/>
+            <p:cNvSpPr txBox="1"/>
+            <p:nvPr/>
+          </p:nvSpPr>
+          <p:spPr>
+            <a:xfrm>
+              <a:off x="2216780" y="2145314"/>
+              <a:ext cx="359256" cy="369332"/>
+            </a:xfrm>
+            <a:prstGeom prst="rect">
+              <a:avLst/>
+            </a:prstGeom>
+            <a:noFill/>
+          </p:spPr>
+          <p:txBody>
+            <a:bodyPr wrap="none" rtlCol="0">
+              <a:spAutoFit/>
+            </a:bodyPr>
+            <a:lstStyle/>
+            <a:p>
+              <a:r>
+                <a:rPr lang="en-US" dirty="0" smtClean="0"/>
+                <a:t>4’</a:t>
+              </a:r>
+              <a:endParaRPr lang="en-US" dirty="0"/>
+            </a:p>
+          </p:txBody>
+        </p:sp>
+        <p:sp>
+          <p:nvSpPr>
+            <p:cNvPr id="80" name="TextBox 79"/>
+            <p:cNvSpPr txBox="1"/>
+            <p:nvPr/>
+          </p:nvSpPr>
+          <p:spPr>
+            <a:xfrm>
+              <a:off x="2087520" y="1631555"/>
+              <a:ext cx="359256" cy="369332"/>
+            </a:xfrm>
+            <a:prstGeom prst="rect">
+              <a:avLst/>
+            </a:prstGeom>
+            <a:noFill/>
+          </p:spPr>
+          <p:txBody>
+            <a:bodyPr wrap="none" rtlCol="0">
+              <a:spAutoFit/>
+            </a:bodyPr>
+            <a:lstStyle/>
+            <a:p>
+              <a:r>
+                <a:rPr lang="en-US" dirty="0" smtClean="0"/>
+                <a:t>5’</a:t>
+              </a:r>
+              <a:endParaRPr lang="en-US" dirty="0"/>
+            </a:p>
+          </p:txBody>
+        </p:sp>
+        <p:sp>
+          <p:nvSpPr>
+            <p:cNvPr id="81" name="TextBox 80"/>
+            <p:cNvSpPr txBox="1"/>
+            <p:nvPr/>
+          </p:nvSpPr>
+          <p:spPr>
+            <a:xfrm>
+              <a:off x="5061447" y="924437"/>
+              <a:ext cx="301660" cy="369332"/>
+            </a:xfrm>
+            <a:prstGeom prst="rect">
+              <a:avLst/>
+            </a:prstGeom>
+            <a:noFill/>
+          </p:spPr>
+          <p:txBody>
+            <a:bodyPr wrap="none" rtlCol="0">
+              <a:spAutoFit/>
+            </a:bodyPr>
+            <a:lstStyle/>
+            <a:p>
+              <a:r>
+                <a:rPr lang="en-US" dirty="0"/>
+                <a:t>2</a:t>
+              </a:r>
+              <a:endParaRPr lang="en-US" dirty="0"/>
+            </a:p>
+          </p:txBody>
+        </p:sp>
+        <p:sp>
+          <p:nvSpPr>
+            <p:cNvPr id="82" name="TextBox 81"/>
+            <p:cNvSpPr txBox="1"/>
+            <p:nvPr/>
+          </p:nvSpPr>
+          <p:spPr>
+            <a:xfrm>
+              <a:off x="4656885" y="1814972"/>
+              <a:ext cx="301660" cy="369332"/>
+            </a:xfrm>
+            <a:prstGeom prst="rect">
+              <a:avLst/>
+            </a:prstGeom>
+            <a:noFill/>
+          </p:spPr>
+          <p:txBody>
+            <a:bodyPr wrap="none" rtlCol="0">
+              <a:spAutoFit/>
+            </a:bodyPr>
+            <a:lstStyle/>
+            <a:p>
+              <a:r>
+                <a:rPr lang="en-US" dirty="0" smtClean="0"/>
+                <a:t>3</a:t>
+              </a:r>
+              <a:endParaRPr lang="en-US" dirty="0"/>
+            </a:p>
+          </p:txBody>
+        </p:sp>
+        <p:sp>
+          <p:nvSpPr>
+            <p:cNvPr id="83" name="TextBox 82"/>
+            <p:cNvSpPr txBox="1"/>
+            <p:nvPr/>
+          </p:nvSpPr>
+          <p:spPr>
+            <a:xfrm>
+              <a:off x="5896930" y="2156604"/>
+              <a:ext cx="359256" cy="369332"/>
+            </a:xfrm>
+            <a:prstGeom prst="rect">
+              <a:avLst/>
+            </a:prstGeom>
+            <a:noFill/>
+          </p:spPr>
+          <p:txBody>
+            <a:bodyPr wrap="none" rtlCol="0">
+              <a:spAutoFit/>
+            </a:bodyPr>
+            <a:lstStyle/>
+            <a:p>
+              <a:r>
+                <a:rPr lang="en-US" dirty="0" smtClean="0"/>
+                <a:t>4’</a:t>
+              </a:r>
+              <a:endParaRPr lang="en-US" dirty="0"/>
+            </a:p>
+          </p:txBody>
+        </p:sp>
+        <p:sp>
+          <p:nvSpPr>
+            <p:cNvPr id="85" name="TextBox 84"/>
+            <p:cNvSpPr txBox="1"/>
+            <p:nvPr/>
+          </p:nvSpPr>
+          <p:spPr>
+            <a:xfrm>
+              <a:off x="5725337" y="1642845"/>
+              <a:ext cx="359256" cy="369332"/>
+            </a:xfrm>
+            <a:prstGeom prst="rect">
+              <a:avLst/>
+            </a:prstGeom>
+            <a:noFill/>
+          </p:spPr>
+          <p:txBody>
+            <a:bodyPr wrap="none" rtlCol="0">
+              <a:spAutoFit/>
+            </a:bodyPr>
+            <a:lstStyle/>
+            <a:p>
+              <a:r>
+                <a:rPr lang="en-US" dirty="0" smtClean="0"/>
+                <a:t>5’</a:t>
+              </a:r>
+              <a:endParaRPr lang="en-US" dirty="0"/>
+            </a:p>
+          </p:txBody>
+        </p:sp>
+        <p:sp>
+          <p:nvSpPr>
+            <p:cNvPr id="86" name="TextBox 85"/>
+            <p:cNvSpPr txBox="1"/>
+            <p:nvPr/>
+          </p:nvSpPr>
+          <p:spPr>
+            <a:xfrm>
+              <a:off x="10339074" y="2026784"/>
+              <a:ext cx="359256" cy="369332"/>
+            </a:xfrm>
+            <a:prstGeom prst="rect">
+              <a:avLst/>
+            </a:prstGeom>
+            <a:noFill/>
+          </p:spPr>
+          <p:txBody>
+            <a:bodyPr wrap="none" rtlCol="0">
+              <a:spAutoFit/>
+            </a:bodyPr>
+            <a:lstStyle/>
+            <a:p>
+              <a:r>
+                <a:rPr lang="en-US" dirty="0" smtClean="0"/>
+                <a:t>4’</a:t>
+              </a:r>
+              <a:endParaRPr lang="en-US" dirty="0"/>
+            </a:p>
+          </p:txBody>
+        </p:sp>
+        <p:sp>
+          <p:nvSpPr>
+            <p:cNvPr id="87" name="TextBox 86"/>
+            <p:cNvSpPr txBox="1"/>
+            <p:nvPr/>
+          </p:nvSpPr>
+          <p:spPr>
+            <a:xfrm>
+              <a:off x="10167481" y="1513025"/>
+              <a:ext cx="359256" cy="369332"/>
+            </a:xfrm>
+            <a:prstGeom prst="rect">
+              <a:avLst/>
+            </a:prstGeom>
+            <a:noFill/>
+          </p:spPr>
+          <p:txBody>
+            <a:bodyPr wrap="none" rtlCol="0">
+              <a:spAutoFit/>
+            </a:bodyPr>
+            <a:lstStyle/>
+            <a:p>
+              <a:r>
+                <a:rPr lang="en-US" dirty="0" smtClean="0"/>
+                <a:t>5’</a:t>
+              </a:r>
+              <a:endParaRPr lang="en-US" dirty="0"/>
             </a:p>
           </p:txBody>
         </p:sp>
